--- a/Document/Study_document/inContact.pptx
+++ b/Document/Study_document/inContact.pptx
@@ -5,7 +5,7 @@
     <p:sldMasterId id="2147483708" r:id="rId1"/>
   </p:sldMasterIdLst>
   <p:notesMasterIdLst>
-    <p:notesMasterId r:id="rId9"/>
+    <p:notesMasterId r:id="rId11"/>
   </p:notesMasterIdLst>
   <p:sldIdLst>
     <p:sldId id="256" r:id="rId2"/>
@@ -14,7 +14,9 @@
     <p:sldId id="276" r:id="rId5"/>
     <p:sldId id="275" r:id="rId6"/>
     <p:sldId id="277" r:id="rId7"/>
-    <p:sldId id="271" r:id="rId8"/>
+    <p:sldId id="278" r:id="rId8"/>
+    <p:sldId id="279" r:id="rId9"/>
+    <p:sldId id="271" r:id="rId10"/>
   </p:sldIdLst>
   <p:sldSz cx="12192000" cy="6858000"/>
   <p:notesSz cx="6858000" cy="9144000"/>
@@ -215,7 +217,7 @@
           <a:p>
             <a:fld id="{7DBC1745-093B-4D3D-9A89-9CD99C9E4F7D}" type="datetimeFigureOut">
               <a:rPr lang="en-US" smtClean="0"/>
-              <a:t>1/25/2021</a:t>
+              <a:t>1/29/2021</a:t>
             </a:fld>
             <a:endParaRPr lang="en-US"/>
           </a:p>
@@ -879,7 +881,7 @@
           <a:p>
             <a:fld id="{AF88043E-905E-4148-B009-B3CB700EBBEA}" type="datetimeFigureOut">
               <a:rPr lang="en-US" smtClean="0"/>
-              <a:t>1/25/2021</a:t>
+              <a:t>1/29/2021</a:t>
             </a:fld>
             <a:endParaRPr lang="en-US"/>
           </a:p>
@@ -1265,7 +1267,7 @@
           <a:p>
             <a:fld id="{AF88043E-905E-4148-B009-B3CB700EBBEA}" type="datetimeFigureOut">
               <a:rPr lang="en-US" smtClean="0"/>
-              <a:t>1/25/2021</a:t>
+              <a:t>1/29/2021</a:t>
             </a:fld>
             <a:endParaRPr lang="en-US"/>
           </a:p>
@@ -1414,7 +1416,7 @@
           <a:p>
             <a:fld id="{AF88043E-905E-4148-B009-B3CB700EBBEA}" type="datetimeFigureOut">
               <a:rPr lang="en-US" smtClean="0"/>
-              <a:t>1/25/2021</a:t>
+              <a:t>1/29/2021</a:t>
             </a:fld>
             <a:endParaRPr lang="en-US"/>
           </a:p>
@@ -2055,7 +2057,7 @@
           <a:p>
             <a:fld id="{AF88043E-905E-4148-B009-B3CB700EBBEA}" type="datetimeFigureOut">
               <a:rPr lang="en-US" smtClean="0"/>
-              <a:t>1/25/2021</a:t>
+              <a:t>1/29/2021</a:t>
             </a:fld>
             <a:endParaRPr lang="en-US"/>
           </a:p>
@@ -2906,7 +2908,7 @@
           <a:p>
             <a:fld id="{AF88043E-905E-4148-B009-B3CB700EBBEA}" type="datetimeFigureOut">
               <a:rPr lang="en-US" smtClean="0"/>
-              <a:t>1/25/2021</a:t>
+              <a:t>1/29/2021</a:t>
             </a:fld>
             <a:endParaRPr lang="en-US"/>
           </a:p>
@@ -3085,7 +3087,7 @@
           <a:p>
             <a:fld id="{AF88043E-905E-4148-B009-B3CB700EBBEA}" type="datetimeFigureOut">
               <a:rPr lang="en-US" smtClean="0"/>
-              <a:t>1/25/2021</a:t>
+              <a:t>1/29/2021</a:t>
             </a:fld>
             <a:endParaRPr lang="en-US"/>
           </a:p>
@@ -4539,15 +4541,7 @@
                   <a:schemeClr val="accent2"/>
                 </a:solidFill>
               </a:rPr>
-              <a:t>Befor</a:t>
-            </a:r>
-            <a:r>
-              <a:rPr lang="en-US" sz="2000" b="1" smtClean="0">
-                <a:solidFill>
-                  <a:schemeClr val="accent2"/>
-                </a:solidFill>
-              </a:rPr>
-              <a:t>e Protractor</a:t>
+              <a:t>Before Protractor</a:t>
             </a:r>
           </a:p>
           <a:p>
@@ -4830,11 +4824,7 @@
             </a:r>
             <a:r>
               <a:rPr lang="en-US"/>
-              <a:t>invented by Brendan </a:t>
-            </a:r>
-            <a:r>
-              <a:rPr lang="en-US"/>
-              <a:t>Eich </a:t>
+              <a:t>invented by Brendan Eich </a:t>
             </a:r>
             <a:r>
               <a:rPr lang="en-US" smtClean="0"/>
@@ -4850,11 +4840,7 @@
             </a:r>
             <a:r>
               <a:rPr lang="en-US"/>
-              <a:t>of the Mozilla project, the Mozilla Foundation, and the Mozilla </a:t>
-            </a:r>
-            <a:r>
-              <a:rPr lang="en-US"/>
-              <a:t>Corporation</a:t>
+              <a:t>of the Mozilla project, the Mozilla Foundation, and the Mozilla Corporation</a:t>
             </a:r>
             <a:r>
               <a:rPr lang="en-US" smtClean="0"/>
@@ -4903,15 +4889,7 @@
                   <a:schemeClr val="tx1"/>
                 </a:solidFill>
               </a:rPr>
-              <a:t>JS" for short) </a:t>
-            </a:r>
-            <a:r>
-              <a:rPr lang="en-US">
-                <a:solidFill>
-                  <a:schemeClr val="tx1"/>
-                </a:solidFill>
-              </a:rPr>
-              <a:t>is </a:t>
+              <a:t>JS" for short) is </a:t>
             </a:r>
             <a:r>
               <a:rPr lang="en-US" smtClean="0">
@@ -4935,15 +4913,7 @@
                   <a:srgbClr val="C00000"/>
                 </a:solidFill>
               </a:rPr>
-              <a:t>dynamic </a:t>
-            </a:r>
-            <a:r>
-              <a:rPr lang="en-US">
-                <a:solidFill>
-                  <a:srgbClr val="C00000"/>
-                </a:solidFill>
-              </a:rPr>
-              <a:t>programming </a:t>
+              <a:t>dynamic programming </a:t>
             </a:r>
             <a:r>
               <a:rPr lang="en-US" smtClean="0">
@@ -4961,11 +4931,7 @@
             </a:pPr>
             <a:r>
               <a:rPr lang="en-US"/>
-              <a:t>JavaScript is </a:t>
-            </a:r>
-            <a:r>
-              <a:rPr lang="en-US"/>
-              <a:t>used </a:t>
+              <a:t>JavaScript is used </a:t>
             </a:r>
             <a:r>
               <a:rPr lang="en-US" smtClean="0"/>
@@ -4992,11 +4958,7 @@
             </a:r>
             <a:r>
               <a:rPr lang="en-US" b="1" i="1"/>
-              <a:t>is </a:t>
-            </a:r>
-            <a:r>
-              <a:rPr lang="en-US" b="1" i="1"/>
-              <a:t>not </a:t>
+              <a:t>is not </a:t>
             </a:r>
             <a:r>
               <a:rPr lang="en-US" smtClean="0"/>
@@ -5012,11 +4974,7 @@
             </a:r>
             <a:r>
               <a:rPr lang="en-US"/>
-              <a:t> object-oriented language like Java, </a:t>
-            </a:r>
-            <a:r>
-              <a:rPr lang="en-US"/>
-              <a:t>C</a:t>
+              <a:t> object-oriented language like Java, C</a:t>
             </a:r>
             <a:r>
               <a:rPr lang="en-US" smtClean="0"/>
@@ -5039,28 +4997,21 @@
             </a:r>
             <a:r>
               <a:rPr lang="en-US"/>
-              <a:t>its most basic form, JavaScript is a synchronous, blocking, </a:t>
+              <a:t>its most basic form, JavaScript is a synchronous, blocking, single-threaded </a:t>
+            </a:r>
+            <a:r>
+              <a:rPr lang="en-US" smtClean="0"/>
+              <a:t>language. </a:t>
             </a:r>
             <a:r>
               <a:rPr lang="en-US"/>
-              <a:t>single-threaded </a:t>
-            </a:r>
-            <a:r>
-              <a:rPr lang="en-US" smtClean="0"/>
-              <a:t>language. </a:t>
-            </a:r>
-            <a:r>
-              <a:rPr lang="en-US"/>
-              <a:t>But web browsers define functions and APIs that allow us to register functions that should not be executed synchronously, and should instead be invoked asynchronously when some kind of event occurs (the passage of time, the user's interaction with the mouse, or the arrival of data over the network, for </a:t>
-            </a:r>
-            <a:r>
-              <a:rPr lang="en-US"/>
-              <a:t>example</a:t>
-            </a:r>
-            <a:r>
-              <a:rPr lang="en-US" smtClean="0"/>
-              <a:t>)</a:t>
-            </a:r>
+              <a:t>But web browsers define functions and APIs that allow us to register functions that should not be executed synchronously, and should instead be invoked asynchronously when some kind of event occurs (the passage of time, the user's interaction with the mouse, or the arrival of data over the network, for example</a:t>
+            </a:r>
+            <a:r>
+              <a:rPr lang="en-US" smtClean="0"/>
+              <a:t>) or NodeJs with backend apis for server, database …</a:t>
+            </a:r>
+            <a:endParaRPr lang="en-US" smtClean="0"/>
           </a:p>
           <a:p>
             <a:pPr marL="0" indent="0">
@@ -5325,11 +5276,7 @@
             </a:r>
             <a:r>
               <a:rPr lang="en-US"/>
-              <a:t>was invented </a:t>
-            </a:r>
-            <a:r>
-              <a:rPr lang="en-US"/>
-              <a:t>by </a:t>
+              <a:t>was invented by </a:t>
             </a:r>
             <a:r>
               <a:rPr lang="en-US" smtClean="0"/>
@@ -5350,11 +5297,7 @@
           <a:p>
             <a:r>
               <a:rPr lang="en-US"/>
-              <a:t>First appeared</a:t>
-            </a:r>
-            <a:r>
-              <a:rPr lang="en-US"/>
-              <a:t>: </a:t>
+              <a:t>First appeared: </a:t>
             </a:r>
             <a:r>
               <a:rPr lang="en-US" smtClean="0"/>
@@ -5438,11 +5381,7 @@
             </a:r>
             <a:r>
               <a:rPr lang="en-US"/>
-              <a:t>systems is not a </a:t>
-            </a:r>
-            <a:r>
-              <a:rPr lang="en-US"/>
-              <a:t>nightmare </a:t>
+              <a:t>systems is not a nightmare </a:t>
             </a:r>
             <a:r>
               <a:rPr lang="en-US" smtClean="0"/>
@@ -5631,13 +5570,7 @@
               <a:rPr lang="en-US">
                 <a:hlinkClick r:id="rId3"/>
               </a:rPr>
-              <a:t>://medium.com</a:t>
-            </a:r>
-            <a:r>
-              <a:rPr lang="en-US">
-                <a:hlinkClick r:id="rId3"/>
-              </a:rPr>
-              <a:t>/@</a:t>
+              <a:t>://medium.com/@</a:t>
             </a:r>
             <a:r>
               <a:rPr lang="en-US" smtClean="0">
@@ -5652,13 +5585,7 @@
               <a:rPr lang="en-US">
                 <a:hlinkClick r:id="rId4"/>
               </a:rPr>
-              <a:t>https</a:t>
-            </a:r>
-            <a:r>
-              <a:rPr lang="en-US">
-                <a:hlinkClick r:id="rId4"/>
-              </a:rPr>
-              <a:t>://</a:t>
+              <a:t>https://</a:t>
             </a:r>
             <a:r>
               <a:rPr lang="en-US" smtClean="0">
@@ -5689,10 +5616,492 @@
   <p:clrMapOvr>
     <a:masterClrMapping/>
   </p:clrMapOvr>
+  <p:timing>
+    <p:tnLst>
+      <p:par>
+        <p:cTn id="1" dur="indefinite" restart="never" nodeType="tmRoot"/>
+      </p:par>
+    </p:tnLst>
+  </p:timing>
 </p:sld>
 </file>
 
 <file path=ppt/slides/slide7.xml><?xml version="1.0" encoding="utf-8"?>
+<p:sld xmlns:a="http://schemas.openxmlformats.org/drawingml/2006/main" xmlns:r="http://schemas.openxmlformats.org/officeDocument/2006/relationships" xmlns:p="http://schemas.openxmlformats.org/presentationml/2006/main">
+  <p:cSld>
+    <p:spTree>
+      <p:nvGrpSpPr>
+        <p:cNvPr id="1" name=""/>
+        <p:cNvGrpSpPr/>
+        <p:nvPr/>
+      </p:nvGrpSpPr>
+      <p:grpSpPr>
+        <a:xfrm>
+          <a:off x="0" y="0"/>
+          <a:ext cx="0" cy="0"/>
+          <a:chOff x="0" y="0"/>
+          <a:chExt cx="0" cy="0"/>
+        </a:xfrm>
+      </p:grpSpPr>
+      <p:sp>
+        <p:nvSpPr>
+          <p:cNvPr id="2" name="Title 1"/>
+          <p:cNvSpPr>
+            <a:spLocks noGrp="1"/>
+          </p:cNvSpPr>
+          <p:nvPr>
+            <p:ph type="title"/>
+          </p:nvPr>
+        </p:nvSpPr>
+        <p:spPr/>
+        <p:txBody>
+          <a:bodyPr/>
+          <a:lstStyle/>
+          <a:p>
+            <a:r>
+              <a:rPr lang="en-US" smtClean="0"/>
+              <a:t>Type and Scope</a:t>
+            </a:r>
+            <a:endParaRPr lang="en-US"/>
+          </a:p>
+        </p:txBody>
+      </p:sp>
+      <p:sp>
+        <p:nvSpPr>
+          <p:cNvPr id="3" name="Content Placeholder 2"/>
+          <p:cNvSpPr>
+            <a:spLocks noGrp="1"/>
+          </p:cNvSpPr>
+          <p:nvPr>
+            <p:ph idx="1"/>
+          </p:nvPr>
+        </p:nvSpPr>
+        <p:spPr>
+          <a:xfrm>
+            <a:off x="1154955" y="1862972"/>
+            <a:ext cx="9868645" cy="3416300"/>
+          </a:xfrm>
+        </p:spPr>
+        <p:txBody>
+          <a:bodyPr/>
+          <a:lstStyle/>
+          <a:p>
+            <a:pPr>
+              <a:buFont typeface="Wingdings" panose="05000000000000000000" pitchFamily="2" charset="2"/>
+              <a:buChar char="Ø"/>
+            </a:pPr>
+            <a:r>
+              <a:rPr lang="en-US"/>
+              <a:t>Types are free documentation that increase understanding and improve </a:t>
+            </a:r>
+            <a:r>
+              <a:rPr lang="en-US"/>
+              <a:t>developer's </a:t>
+            </a:r>
+            <a:r>
+              <a:rPr lang="en-US" smtClean="0"/>
+              <a:t>productivity</a:t>
+            </a:r>
+          </a:p>
+          <a:p>
+            <a:pPr>
+              <a:buFont typeface="Wingdings" panose="05000000000000000000" pitchFamily="2" charset="2"/>
+              <a:buChar char="Ø"/>
+            </a:pPr>
+            <a:r>
+              <a:rPr lang="en-US"/>
+              <a:t>S</a:t>
+            </a:r>
+            <a:r>
+              <a:rPr lang="en-US" smtClean="0"/>
+              <a:t>trong </a:t>
+            </a:r>
+            <a:r>
+              <a:rPr lang="en-US"/>
+              <a:t>type checking helps prevent errors and </a:t>
+            </a:r>
+            <a:r>
+              <a:rPr lang="en-US"/>
+              <a:t>enhances </a:t>
+            </a:r>
+            <a:r>
+              <a:rPr lang="en-US" smtClean="0"/>
+              <a:t>reliability</a:t>
+            </a:r>
+          </a:p>
+          <a:p>
+            <a:pPr>
+              <a:buFont typeface="Wingdings" panose="05000000000000000000" pitchFamily="2" charset="2"/>
+              <a:buChar char="Ø"/>
+            </a:pPr>
+            <a:r>
+              <a:rPr lang="en-US" smtClean="0"/>
+              <a:t>Increase self-documented code</a:t>
+            </a:r>
+          </a:p>
+        </p:txBody>
+      </p:sp>
+      <p:sp>
+        <p:nvSpPr>
+          <p:cNvPr id="4" name="Title 1"/>
+          <p:cNvSpPr txBox="1">
+            <a:spLocks/>
+          </p:cNvSpPr>
+          <p:nvPr/>
+        </p:nvSpPr>
+        <p:spPr bwMode="gray">
+          <a:xfrm>
+            <a:off x="1154952" y="1399272"/>
+            <a:ext cx="3112247" cy="463700"/>
+          </a:xfrm>
+          <a:prstGeom prst="rect">
+            <a:avLst/>
+          </a:prstGeom>
+        </p:spPr>
+        <p:txBody>
+          <a:bodyPr vert="horz" lIns="91440" tIns="45720" rIns="91440" bIns="45720" rtlCol="0" anchor="ctr">
+            <a:noAutofit/>
+          </a:bodyPr>
+          <a:lstStyle>
+            <a:lvl1pPr algn="l" defTabSz="457200" rtl="0" eaLnBrk="1" latinLnBrk="0" hangingPunct="1">
+              <a:spcBef>
+                <a:spcPct val="0"/>
+              </a:spcBef>
+              <a:buNone/>
+              <a:defRPr sz="3600" b="1" i="0" kern="1200">
+                <a:solidFill>
+                  <a:srgbClr val="164D90"/>
+                </a:solidFill>
+                <a:latin typeface="+mj-lt"/>
+                <a:ea typeface="+mj-ea"/>
+                <a:cs typeface="+mj-cs"/>
+              </a:defRPr>
+            </a:lvl1pPr>
+            <a:lvl2pPr eaLnBrk="1" hangingPunct="1">
+              <a:defRPr>
+                <a:solidFill>
+                  <a:schemeClr val="tx2"/>
+                </a:solidFill>
+              </a:defRPr>
+            </a:lvl2pPr>
+            <a:lvl3pPr eaLnBrk="1" hangingPunct="1">
+              <a:defRPr>
+                <a:solidFill>
+                  <a:schemeClr val="tx2"/>
+                </a:solidFill>
+              </a:defRPr>
+            </a:lvl3pPr>
+            <a:lvl4pPr eaLnBrk="1" hangingPunct="1">
+              <a:defRPr>
+                <a:solidFill>
+                  <a:schemeClr val="tx2"/>
+                </a:solidFill>
+              </a:defRPr>
+            </a:lvl4pPr>
+            <a:lvl5pPr eaLnBrk="1" hangingPunct="1">
+              <a:defRPr>
+                <a:solidFill>
+                  <a:schemeClr val="tx2"/>
+                </a:solidFill>
+              </a:defRPr>
+            </a:lvl5pPr>
+            <a:lvl6pPr eaLnBrk="1" hangingPunct="1">
+              <a:defRPr>
+                <a:solidFill>
+                  <a:schemeClr val="tx2"/>
+                </a:solidFill>
+              </a:defRPr>
+            </a:lvl6pPr>
+            <a:lvl7pPr eaLnBrk="1" hangingPunct="1">
+              <a:defRPr>
+                <a:solidFill>
+                  <a:schemeClr val="tx2"/>
+                </a:solidFill>
+              </a:defRPr>
+            </a:lvl7pPr>
+            <a:lvl8pPr eaLnBrk="1" hangingPunct="1">
+              <a:defRPr>
+                <a:solidFill>
+                  <a:schemeClr val="tx2"/>
+                </a:solidFill>
+              </a:defRPr>
+            </a:lvl8pPr>
+            <a:lvl9pPr eaLnBrk="1" hangingPunct="1">
+              <a:defRPr>
+                <a:solidFill>
+                  <a:schemeClr val="tx2"/>
+                </a:solidFill>
+              </a:defRPr>
+            </a:lvl9pPr>
+          </a:lstStyle>
+          <a:p>
+            <a:r>
+              <a:rPr lang="en-US" sz="2400" smtClean="0"/>
+              <a:t>Type (stactic type):</a:t>
+            </a:r>
+            <a:endParaRPr lang="en-US" sz="2400"/>
+          </a:p>
+        </p:txBody>
+      </p:sp>
+      <p:pic>
+        <p:nvPicPr>
+          <p:cNvPr id="5" name="Picture 4"/>
+          <p:cNvPicPr>
+            <a:picLocks noChangeAspect="1"/>
+          </p:cNvPicPr>
+          <p:nvPr/>
+        </p:nvPicPr>
+        <p:blipFill>
+          <a:blip r:embed="rId2"/>
+          <a:stretch>
+            <a:fillRect/>
+          </a:stretch>
+        </p:blipFill>
+        <p:spPr>
+          <a:xfrm>
+            <a:off x="1367862" y="3432286"/>
+            <a:ext cx="3537597" cy="2170228"/>
+          </a:xfrm>
+          <a:prstGeom prst="rect">
+            <a:avLst/>
+          </a:prstGeom>
+        </p:spPr>
+      </p:pic>
+      <p:pic>
+        <p:nvPicPr>
+          <p:cNvPr id="6" name="Picture 5"/>
+          <p:cNvPicPr>
+            <a:picLocks noChangeAspect="1"/>
+          </p:cNvPicPr>
+          <p:nvPr/>
+        </p:nvPicPr>
+        <p:blipFill>
+          <a:blip r:embed="rId3"/>
+          <a:stretch>
+            <a:fillRect/>
+          </a:stretch>
+        </p:blipFill>
+        <p:spPr>
+          <a:xfrm>
+            <a:off x="5293553" y="3432286"/>
+            <a:ext cx="6515904" cy="2170228"/>
+          </a:xfrm>
+          <a:prstGeom prst="rect">
+            <a:avLst/>
+          </a:prstGeom>
+        </p:spPr>
+      </p:pic>
+    </p:spTree>
+    <p:extLst>
+      <p:ext uri="{BB962C8B-B14F-4D97-AF65-F5344CB8AC3E}">
+        <p14:creationId xmlns:p14="http://schemas.microsoft.com/office/powerpoint/2010/main" val="808431249"/>
+      </p:ext>
+    </p:extLst>
+  </p:cSld>
+  <p:clrMapOvr>
+    <a:masterClrMapping/>
+  </p:clrMapOvr>
+  <p:timing>
+    <p:tnLst>
+      <p:par>
+        <p:cTn id="1" dur="indefinite" restart="never" nodeType="tmRoot"/>
+      </p:par>
+    </p:tnLst>
+  </p:timing>
+</p:sld>
+</file>
+
+<file path=ppt/slides/slide8.xml><?xml version="1.0" encoding="utf-8"?>
+<p:sld xmlns:a="http://schemas.openxmlformats.org/drawingml/2006/main" xmlns:r="http://schemas.openxmlformats.org/officeDocument/2006/relationships" xmlns:p="http://schemas.openxmlformats.org/presentationml/2006/main">
+  <p:cSld>
+    <p:spTree>
+      <p:nvGrpSpPr>
+        <p:cNvPr id="1" name=""/>
+        <p:cNvGrpSpPr/>
+        <p:nvPr/>
+      </p:nvGrpSpPr>
+      <p:grpSpPr>
+        <a:xfrm>
+          <a:off x="0" y="0"/>
+          <a:ext cx="0" cy="0"/>
+          <a:chOff x="0" y="0"/>
+          <a:chExt cx="0" cy="0"/>
+        </a:xfrm>
+      </p:grpSpPr>
+      <p:sp>
+        <p:nvSpPr>
+          <p:cNvPr id="2" name="Title 1"/>
+          <p:cNvSpPr>
+            <a:spLocks noGrp="1"/>
+          </p:cNvSpPr>
+          <p:nvPr>
+            <p:ph type="title"/>
+          </p:nvPr>
+        </p:nvSpPr>
+        <p:spPr/>
+        <p:txBody>
+          <a:bodyPr/>
+          <a:lstStyle/>
+          <a:p>
+            <a:r>
+              <a:rPr lang="en-US" smtClean="0"/>
+              <a:t>Type and Scope</a:t>
+            </a:r>
+            <a:endParaRPr lang="en-US"/>
+          </a:p>
+        </p:txBody>
+      </p:sp>
+      <p:sp>
+        <p:nvSpPr>
+          <p:cNvPr id="3" name="Content Placeholder 2"/>
+          <p:cNvSpPr>
+            <a:spLocks noGrp="1"/>
+          </p:cNvSpPr>
+          <p:nvPr>
+            <p:ph idx="1"/>
+          </p:nvPr>
+        </p:nvSpPr>
+        <p:spPr>
+          <a:xfrm>
+            <a:off x="1154955" y="1862972"/>
+            <a:ext cx="9868645" cy="3416300"/>
+          </a:xfrm>
+        </p:spPr>
+        <p:txBody>
+          <a:bodyPr/>
+          <a:lstStyle/>
+          <a:p>
+            <a:pPr>
+              <a:buFont typeface="Wingdings" panose="05000000000000000000" pitchFamily="2" charset="2"/>
+              <a:buChar char="Ø"/>
+            </a:pPr>
+            <a:endParaRPr lang="en-US" smtClean="0"/>
+          </a:p>
+        </p:txBody>
+      </p:sp>
+      <p:sp>
+        <p:nvSpPr>
+          <p:cNvPr id="4" name="Title 1"/>
+          <p:cNvSpPr txBox="1">
+            <a:spLocks/>
+          </p:cNvSpPr>
+          <p:nvPr/>
+        </p:nvSpPr>
+        <p:spPr bwMode="gray">
+          <a:xfrm>
+            <a:off x="1154952" y="1399272"/>
+            <a:ext cx="2604248" cy="463700"/>
+          </a:xfrm>
+          <a:prstGeom prst="rect">
+            <a:avLst/>
+          </a:prstGeom>
+        </p:spPr>
+        <p:txBody>
+          <a:bodyPr vert="horz" lIns="91440" tIns="45720" rIns="91440" bIns="45720" rtlCol="0" anchor="ctr">
+            <a:noAutofit/>
+          </a:bodyPr>
+          <a:lstStyle>
+            <a:lvl1pPr algn="l" defTabSz="457200" rtl="0" eaLnBrk="1" latinLnBrk="0" hangingPunct="1">
+              <a:spcBef>
+                <a:spcPct val="0"/>
+              </a:spcBef>
+              <a:buNone/>
+              <a:defRPr sz="3600" b="1" i="0" kern="1200">
+                <a:solidFill>
+                  <a:srgbClr val="164D90"/>
+                </a:solidFill>
+                <a:latin typeface="+mj-lt"/>
+                <a:ea typeface="+mj-ea"/>
+                <a:cs typeface="+mj-cs"/>
+              </a:defRPr>
+            </a:lvl1pPr>
+            <a:lvl2pPr eaLnBrk="1" hangingPunct="1">
+              <a:defRPr>
+                <a:solidFill>
+                  <a:schemeClr val="tx2"/>
+                </a:solidFill>
+              </a:defRPr>
+            </a:lvl2pPr>
+            <a:lvl3pPr eaLnBrk="1" hangingPunct="1">
+              <a:defRPr>
+                <a:solidFill>
+                  <a:schemeClr val="tx2"/>
+                </a:solidFill>
+              </a:defRPr>
+            </a:lvl3pPr>
+            <a:lvl4pPr eaLnBrk="1" hangingPunct="1">
+              <a:defRPr>
+                <a:solidFill>
+                  <a:schemeClr val="tx2"/>
+                </a:solidFill>
+              </a:defRPr>
+            </a:lvl4pPr>
+            <a:lvl5pPr eaLnBrk="1" hangingPunct="1">
+              <a:defRPr>
+                <a:solidFill>
+                  <a:schemeClr val="tx2"/>
+                </a:solidFill>
+              </a:defRPr>
+            </a:lvl5pPr>
+            <a:lvl6pPr eaLnBrk="1" hangingPunct="1">
+              <a:defRPr>
+                <a:solidFill>
+                  <a:schemeClr val="tx2"/>
+                </a:solidFill>
+              </a:defRPr>
+            </a:lvl6pPr>
+            <a:lvl7pPr eaLnBrk="1" hangingPunct="1">
+              <a:defRPr>
+                <a:solidFill>
+                  <a:schemeClr val="tx2"/>
+                </a:solidFill>
+              </a:defRPr>
+            </a:lvl7pPr>
+            <a:lvl8pPr eaLnBrk="1" hangingPunct="1">
+              <a:defRPr>
+                <a:solidFill>
+                  <a:schemeClr val="tx2"/>
+                </a:solidFill>
+              </a:defRPr>
+            </a:lvl8pPr>
+            <a:lvl9pPr eaLnBrk="1" hangingPunct="1">
+              <a:defRPr>
+                <a:solidFill>
+                  <a:schemeClr val="tx2"/>
+                </a:solidFill>
+              </a:defRPr>
+            </a:lvl9pPr>
+          </a:lstStyle>
+          <a:p>
+            <a:r>
+              <a:rPr lang="en-US" sz="2400" smtClean="0"/>
+              <a:t>Scope:</a:t>
+            </a:r>
+            <a:endParaRPr lang="en-US" sz="2400"/>
+          </a:p>
+        </p:txBody>
+      </p:sp>
+    </p:spTree>
+    <p:extLst>
+      <p:ext uri="{BB962C8B-B14F-4D97-AF65-F5344CB8AC3E}">
+        <p14:creationId xmlns:p14="http://schemas.microsoft.com/office/powerpoint/2010/main" val="576767157"/>
+      </p:ext>
+    </p:extLst>
+  </p:cSld>
+  <p:clrMapOvr>
+    <a:masterClrMapping/>
+  </p:clrMapOvr>
+  <p:timing>
+    <p:tnLst>
+      <p:par>
+        <p:cTn id="1" dur="indefinite" restart="never" nodeType="tmRoot"/>
+      </p:par>
+    </p:tnLst>
+  </p:timing>
+</p:sld>
+</file>
+
+<file path=ppt/slides/slide9.xml><?xml version="1.0" encoding="utf-8"?>
 <p:sld xmlns:a="http://schemas.openxmlformats.org/drawingml/2006/main" xmlns:r="http://schemas.openxmlformats.org/officeDocument/2006/relationships" xmlns:p="http://schemas.openxmlformats.org/presentationml/2006/main">
   <p:cSld>
     <p:spTree>

--- a/Document/Study_document/inContact.pptx
+++ b/Document/Study_document/inContact.pptx
@@ -1,22 +1,24 @@
 
 <file path=ppt/presentation.xml><?xml version="1.0" encoding="utf-8"?>
-<p:presentation xmlns:a="http://schemas.openxmlformats.org/drawingml/2006/main" xmlns:r="http://schemas.openxmlformats.org/officeDocument/2006/relationships" xmlns:p="http://schemas.openxmlformats.org/presentationml/2006/main" saveSubsetFonts="1">
+<p:presentation xmlns:a="http://schemas.openxmlformats.org/drawingml/2006/main" xmlns:r="http://schemas.openxmlformats.org/officeDocument/2006/relationships" xmlns:p="http://schemas.openxmlformats.org/presentationml/2006/main">
   <p:sldMasterIdLst>
-    <p:sldMasterId id="2147483708" r:id="rId1"/>
+    <p:sldMasterId id="2147483648" r:id="rId1"/>
   </p:sldMasterIdLst>
   <p:notesMasterIdLst>
-    <p:notesMasterId r:id="rId11"/>
+    <p:notesMasterId r:id="rId14"/>
   </p:notesMasterIdLst>
   <p:sldIdLst>
-    <p:sldId id="256" r:id="rId2"/>
-    <p:sldId id="273" r:id="rId3"/>
-    <p:sldId id="274" r:id="rId4"/>
-    <p:sldId id="276" r:id="rId5"/>
-    <p:sldId id="275" r:id="rId6"/>
-    <p:sldId id="277" r:id="rId7"/>
-    <p:sldId id="278" r:id="rId8"/>
-    <p:sldId id="279" r:id="rId9"/>
-    <p:sldId id="271" r:id="rId10"/>
+    <p:sldId id="256" r:id="rId3"/>
+    <p:sldId id="273" r:id="rId4"/>
+    <p:sldId id="274" r:id="rId5"/>
+    <p:sldId id="276" r:id="rId6"/>
+    <p:sldId id="275" r:id="rId7"/>
+    <p:sldId id="283" r:id="rId8"/>
+    <p:sldId id="277" r:id="rId9"/>
+    <p:sldId id="278" r:id="rId10"/>
+    <p:sldId id="279" r:id="rId11"/>
+    <p:sldId id="282" r:id="rId12"/>
+    <p:sldId id="271" r:id="rId13"/>
   </p:sldIdLst>
   <p:sldSz cx="12192000" cy="6858000"/>
   <p:notesSz cx="6858000" cy="9144000"/>
@@ -115,23 +117,12 @@
       </a:defRPr>
     </a:lvl9pPr>
   </p:defaultTextStyle>
-  <p:extLst>
-    <p:ext uri="{EFAFB233-063F-42B5-8137-9DF3F51BA10A}">
-      <p15:sldGuideLst xmlns:p15="http://schemas.microsoft.com/office/powerpoint/2012/main"/>
-    </p:ext>
-  </p:extLst>
 </p:presentation>
 </file>
 
 <file path=ppt/commentAuthors.xml><?xml version="1.0" encoding="utf-8"?>
 <p:cmAuthorLst xmlns:a="http://schemas.openxmlformats.org/drawingml/2006/main" xmlns:r="http://schemas.openxmlformats.org/officeDocument/2006/relationships" xmlns:p="http://schemas.openxmlformats.org/presentationml/2006/main">
-  <p:cmAuthor id="1" name="Christine Paras" initials="CP" lastIdx="2" clrIdx="0">
-    <p:extLst>
-      <p:ext uri="{19B8F6BF-5375-455C-9EA6-DF929625EA0E}">
-        <p15:presenceInfo xmlns:p15="http://schemas.microsoft.com/office/powerpoint/2012/main" userId="S-1-5-21-1957994488-926492609-682003330-26583" providerId="AD"/>
-      </p:ext>
-    </p:extLst>
-  </p:cmAuthor>
+  <p:cmAuthor id="1" name="Christine Paras" initials="CP" lastIdx="2" clrIdx="0"/>
 </p:cmAuthorLst>
 </file>
 
@@ -161,7 +152,7 @@
         <p:nvSpPr>
           <p:cNvPr id="2" name="Header Placeholder 1"/>
           <p:cNvSpPr>
-            <a:spLocks noGrp="1"/>
+            <a:spLocks noGrp="true"/>
           </p:cNvSpPr>
           <p:nvPr>
             <p:ph type="hdr" sz="quarter"/>
@@ -192,7 +183,7 @@
         <p:nvSpPr>
           <p:cNvPr id="3" name="Date Placeholder 2"/>
           <p:cNvSpPr>
-            <a:spLocks noGrp="1"/>
+            <a:spLocks noGrp="true"/>
           </p:cNvSpPr>
           <p:nvPr>
             <p:ph type="dt" idx="1"/>
@@ -217,7 +208,6 @@
           <a:p>
             <a:fld id="{7DBC1745-093B-4D3D-9A89-9CD99C9E4F7D}" type="datetimeFigureOut">
               <a:rPr lang="en-US" smtClean="0"/>
-              <a:t>1/29/2021</a:t>
             </a:fld>
             <a:endParaRPr lang="en-US"/>
           </a:p>
@@ -227,7 +217,7 @@
         <p:nvSpPr>
           <p:cNvPr id="4" name="Slide Image Placeholder 3"/>
           <p:cNvSpPr>
-            <a:spLocks noGrp="1" noRot="1" noChangeAspect="1"/>
+            <a:spLocks noGrp="true" noRot="true" noChangeAspect="true"/>
           </p:cNvSpPr>
           <p:nvPr>
             <p:ph type="sldImg" idx="2"/>
@@ -260,7 +250,7 @@
         <p:nvSpPr>
           <p:cNvPr id="5" name="Notes Placeholder 4"/>
           <p:cNvSpPr>
-            <a:spLocks noGrp="1"/>
+            <a:spLocks noGrp="true"/>
           </p:cNvSpPr>
           <p:nvPr>
             <p:ph type="body" sz="quarter" idx="3"/>
@@ -284,6 +274,7 @@
               <a:rPr lang="en-US" smtClean="0"/>
               <a:t>Click to edit Master text styles</a:t>
             </a:r>
+            <a:endParaRPr lang="en-US" smtClean="0"/>
           </a:p>
           <a:p>
             <a:pPr lvl="1"/>
@@ -291,6 +282,7 @@
               <a:rPr lang="en-US" smtClean="0"/>
               <a:t>Second level</a:t>
             </a:r>
+            <a:endParaRPr lang="en-US" smtClean="0"/>
           </a:p>
           <a:p>
             <a:pPr lvl="2"/>
@@ -298,6 +290,7 @@
               <a:rPr lang="en-US" smtClean="0"/>
               <a:t>Third level</a:t>
             </a:r>
+            <a:endParaRPr lang="en-US" smtClean="0"/>
           </a:p>
           <a:p>
             <a:pPr lvl="3"/>
@@ -305,6 +298,7 @@
               <a:rPr lang="en-US" smtClean="0"/>
               <a:t>Fourth level</a:t>
             </a:r>
+            <a:endParaRPr lang="en-US" smtClean="0"/>
           </a:p>
           <a:p>
             <a:pPr lvl="4"/>
@@ -320,7 +314,7 @@
         <p:nvSpPr>
           <p:cNvPr id="6" name="Footer Placeholder 5"/>
           <p:cNvSpPr>
-            <a:spLocks noGrp="1"/>
+            <a:spLocks noGrp="true"/>
           </p:cNvSpPr>
           <p:nvPr>
             <p:ph type="ftr" sz="quarter" idx="4"/>
@@ -351,7 +345,7 @@
         <p:nvSpPr>
           <p:cNvPr id="7" name="Slide Number Placeholder 6"/>
           <p:cNvSpPr>
-            <a:spLocks noGrp="1"/>
+            <a:spLocks noGrp="true"/>
           </p:cNvSpPr>
           <p:nvPr>
             <p:ph type="sldNum" sz="quarter" idx="5"/>
@@ -376,18 +370,12 @@
           <a:p>
             <a:fld id="{FC7B7C0D-1632-439B-A752-34A9003D6088}" type="slidenum">
               <a:rPr lang="en-US" smtClean="0"/>
-              <a:t>‹#›</a:t>
             </a:fld>
             <a:endParaRPr lang="en-US"/>
           </a:p>
         </p:txBody>
       </p:sp>
     </p:spTree>
-    <p:extLst>
-      <p:ext uri="{BB962C8B-B14F-4D97-AF65-F5344CB8AC3E}">
-        <p14:creationId xmlns:p14="http://schemas.microsoft.com/office/powerpoint/2010/main" val="3722911749"/>
-      </p:ext>
-    </p:extLst>
   </p:cSld>
   <p:clrMap bg1="lt1" tx1="dk1" bg2="lt2" tx2="dk2" accent1="accent1" accent2="accent2" accent3="accent3" accent4="accent4" accent5="accent5" accent6="accent6" hlink="hlink" folHlink="folHlink"/>
   <p:notesStyle>
@@ -486,7 +474,7 @@
 </file>
 
 <file path=ppt/slideLayouts/slideLayout1.xml><?xml version="1.0" encoding="utf-8"?>
-<p:sldLayout xmlns:a="http://schemas.openxmlformats.org/drawingml/2006/main" xmlns:r="http://schemas.openxmlformats.org/officeDocument/2006/relationships" xmlns:p="http://schemas.openxmlformats.org/presentationml/2006/main" showMasterSp="0" preserve="1" userDrawn="1">
+<p:sldLayout xmlns:a="http://schemas.openxmlformats.org/drawingml/2006/main" xmlns:r="http://schemas.openxmlformats.org/officeDocument/2006/relationships" xmlns:p="http://schemas.openxmlformats.org/presentationml/2006/main" preserve="1" showMasterSp="0" userDrawn="1">
   <p:cSld name="Title Slide">
     <p:spTree>
       <p:nvGrpSpPr>
@@ -503,11 +491,6 @@
         </a:xfrm>
       </p:grpSpPr>
     </p:spTree>
-    <p:extLst>
-      <p:ext uri="{BB962C8B-B14F-4D97-AF65-F5344CB8AC3E}">
-        <p14:creationId xmlns:p14="http://schemas.microsoft.com/office/powerpoint/2010/main" val="1492372389"/>
-      </p:ext>
-    </p:extLst>
   </p:cSld>
   <p:clrMapOvr>
     <a:masterClrMapping/>
@@ -543,10 +526,10 @@
         <p:nvSpPr>
           <p:cNvPr id="2" name="Title 1"/>
           <p:cNvSpPr>
-            <a:spLocks noGrp="1"/>
+            <a:spLocks noGrp="true"/>
           </p:cNvSpPr>
           <p:nvPr>
-            <p:ph type="title" hasCustomPrompt="1"/>
+            <p:ph type="title" hasCustomPrompt="true"/>
           </p:nvPr>
         </p:nvSpPr>
         <p:spPr>
@@ -579,7 +562,7 @@
         <p:nvSpPr>
           <p:cNvPr id="3" name="Content Placeholder 2"/>
           <p:cNvSpPr>
-            <a:spLocks noGrp="1"/>
+            <a:spLocks noGrp="true"/>
           </p:cNvSpPr>
           <p:nvPr>
             <p:ph idx="1"/>
@@ -600,6 +583,7 @@
               <a:rPr lang="en-US" dirty="0" smtClean="0"/>
               <a:t>Click to edit Master text styles</a:t>
             </a:r>
+            <a:endParaRPr lang="en-US" dirty="0" smtClean="0"/>
           </a:p>
           <a:p>
             <a:pPr lvl="1"/>
@@ -607,6 +591,7 @@
               <a:rPr lang="en-US" dirty="0" smtClean="0"/>
               <a:t>Second level</a:t>
             </a:r>
+            <a:endParaRPr lang="en-US" dirty="0" smtClean="0"/>
           </a:p>
           <a:p>
             <a:pPr lvl="2"/>
@@ -614,6 +599,7 @@
               <a:rPr lang="en-US" dirty="0" smtClean="0"/>
               <a:t>Third level</a:t>
             </a:r>
+            <a:endParaRPr lang="en-US" dirty="0" smtClean="0"/>
           </a:p>
           <a:p>
             <a:pPr lvl="3"/>
@@ -621,6 +607,7 @@
               <a:rPr lang="en-US" dirty="0" smtClean="0"/>
               <a:t>Fourth level</a:t>
             </a:r>
+            <a:endParaRPr lang="en-US" dirty="0" smtClean="0"/>
           </a:p>
           <a:p>
             <a:pPr lvl="4"/>
@@ -636,7 +623,7 @@
         <p:nvSpPr>
           <p:cNvPr id="8" name="Rectangle 7"/>
           <p:cNvSpPr/>
-          <p:nvPr userDrawn="1"/>
+          <p:nvPr userDrawn="true"/>
         </p:nvSpPr>
         <p:spPr>
           <a:xfrm>
@@ -679,11 +666,6 @@
         </p:txBody>
       </p:sp>
     </p:spTree>
-    <p:extLst>
-      <p:ext uri="{BB962C8B-B14F-4D97-AF65-F5344CB8AC3E}">
-        <p14:creationId xmlns:p14="http://schemas.microsoft.com/office/powerpoint/2010/main" val="4044267041"/>
-      </p:ext>
-    </p:extLst>
   </p:cSld>
   <p:clrMapOvr>
     <a:masterClrMapping/>
@@ -719,7 +701,7 @@
         <p:nvSpPr>
           <p:cNvPr id="2" name="Title 1"/>
           <p:cNvSpPr>
-            <a:spLocks noGrp="1"/>
+            <a:spLocks noGrp="true"/>
           </p:cNvSpPr>
           <p:nvPr>
             <p:ph type="title"/>
@@ -742,7 +724,7 @@
         <p:nvSpPr>
           <p:cNvPr id="3" name="Content Placeholder 2"/>
           <p:cNvSpPr>
-            <a:spLocks noGrp="1"/>
+            <a:spLocks noGrp="true"/>
           </p:cNvSpPr>
           <p:nvPr>
             <p:ph sz="half" idx="1"/>
@@ -765,6 +747,7 @@
               <a:rPr lang="en-US" smtClean="0"/>
               <a:t>Click to edit Master text styles</a:t>
             </a:r>
+            <a:endParaRPr lang="en-US" smtClean="0"/>
           </a:p>
           <a:p>
             <a:pPr lvl="1"/>
@@ -772,6 +755,7 @@
               <a:rPr lang="en-US" smtClean="0"/>
               <a:t>Second level</a:t>
             </a:r>
+            <a:endParaRPr lang="en-US" smtClean="0"/>
           </a:p>
           <a:p>
             <a:pPr lvl="2"/>
@@ -779,6 +763,7 @@
               <a:rPr lang="en-US" smtClean="0"/>
               <a:t>Third level</a:t>
             </a:r>
+            <a:endParaRPr lang="en-US" smtClean="0"/>
           </a:p>
           <a:p>
             <a:pPr lvl="3"/>
@@ -786,6 +771,7 @@
               <a:rPr lang="en-US" smtClean="0"/>
               <a:t>Fourth level</a:t>
             </a:r>
+            <a:endParaRPr lang="en-US" smtClean="0"/>
           </a:p>
           <a:p>
             <a:pPr lvl="4"/>
@@ -801,7 +787,7 @@
         <p:nvSpPr>
           <p:cNvPr id="4" name="Content Placeholder 3"/>
           <p:cNvSpPr>
-            <a:spLocks noGrp="1"/>
+            <a:spLocks noGrp="true"/>
           </p:cNvSpPr>
           <p:nvPr>
             <p:ph sz="half" idx="2"/>
@@ -824,6 +810,7 @@
               <a:rPr lang="en-US" smtClean="0"/>
               <a:t>Click to edit Master text styles</a:t>
             </a:r>
+            <a:endParaRPr lang="en-US" smtClean="0"/>
           </a:p>
           <a:p>
             <a:pPr lvl="1"/>
@@ -831,6 +818,7 @@
               <a:rPr lang="en-US" smtClean="0"/>
               <a:t>Second level</a:t>
             </a:r>
+            <a:endParaRPr lang="en-US" smtClean="0"/>
           </a:p>
           <a:p>
             <a:pPr lvl="2"/>
@@ -838,6 +826,7 @@
               <a:rPr lang="en-US" smtClean="0"/>
               <a:t>Third level</a:t>
             </a:r>
+            <a:endParaRPr lang="en-US" smtClean="0"/>
           </a:p>
           <a:p>
             <a:pPr lvl="3"/>
@@ -845,6 +834,7 @@
               <a:rPr lang="en-US" smtClean="0"/>
               <a:t>Fourth level</a:t>
             </a:r>
+            <a:endParaRPr lang="en-US" smtClean="0"/>
           </a:p>
           <a:p>
             <a:pPr lvl="4"/>
@@ -860,7 +850,7 @@
         <p:nvSpPr>
           <p:cNvPr id="5" name="Date Placeholder 4"/>
           <p:cNvSpPr>
-            <a:spLocks noGrp="1"/>
+            <a:spLocks noGrp="true"/>
           </p:cNvSpPr>
           <p:nvPr>
             <p:ph type="dt" sz="half" idx="10"/>
@@ -881,7 +871,6 @@
           <a:p>
             <a:fld id="{AF88043E-905E-4148-B009-B3CB700EBBEA}" type="datetimeFigureOut">
               <a:rPr lang="en-US" smtClean="0"/>
-              <a:t>1/29/2021</a:t>
             </a:fld>
             <a:endParaRPr lang="en-US"/>
           </a:p>
@@ -891,7 +880,7 @@
         <p:nvSpPr>
           <p:cNvPr id="7" name="Slide Number Placeholder 6"/>
           <p:cNvSpPr>
-            <a:spLocks noGrp="1"/>
+            <a:spLocks noGrp="true"/>
           </p:cNvSpPr>
           <p:nvPr>
             <p:ph type="sldNum" sz="quarter" idx="12"/>
@@ -912,18 +901,12 @@
           <a:p>
             <a:fld id="{210999C8-D5EE-40C2-AE43-FAA4980FFAE8}" type="slidenum">
               <a:rPr lang="en-US" smtClean="0"/>
-              <a:t>‹#›</a:t>
             </a:fld>
             <a:endParaRPr lang="en-US"/>
           </a:p>
         </p:txBody>
       </p:sp>
     </p:spTree>
-    <p:extLst>
-      <p:ext uri="{BB962C8B-B14F-4D97-AF65-F5344CB8AC3E}">
-        <p14:creationId xmlns:p14="http://schemas.microsoft.com/office/powerpoint/2010/main" val="2464392175"/>
-      </p:ext>
-    </p:extLst>
   </p:cSld>
   <p:clrMapOvr>
     <a:masterClrMapping/>
@@ -959,7 +942,7 @@
         <p:nvSpPr>
           <p:cNvPr id="2" name="Title 1"/>
           <p:cNvSpPr>
-            <a:spLocks noGrp="1"/>
+            <a:spLocks noGrp="true"/>
           </p:cNvSpPr>
           <p:nvPr>
             <p:ph type="title"/>
@@ -986,7 +969,7 @@
         <p:nvSpPr>
           <p:cNvPr id="3" name="Text Placeholder 2"/>
           <p:cNvSpPr>
-            <a:spLocks noGrp="1"/>
+            <a:spLocks noGrp="true"/>
           </p:cNvSpPr>
           <p:nvPr>
             <p:ph type="body" idx="1"/>
@@ -1050,6 +1033,7 @@
               <a:rPr lang="en-US" smtClean="0"/>
               <a:t>Click to edit Master text styles</a:t>
             </a:r>
+            <a:endParaRPr lang="en-US" smtClean="0"/>
           </a:p>
         </p:txBody>
       </p:sp>
@@ -1057,7 +1041,7 @@
         <p:nvSpPr>
           <p:cNvPr id="4" name="Content Placeholder 3"/>
           <p:cNvSpPr>
-            <a:spLocks noGrp="1"/>
+            <a:spLocks noGrp="true"/>
           </p:cNvSpPr>
           <p:nvPr>
             <p:ph sz="half" idx="2"/>
@@ -1080,6 +1064,7 @@
               <a:rPr lang="en-US" smtClean="0"/>
               <a:t>Click to edit Master text styles</a:t>
             </a:r>
+            <a:endParaRPr lang="en-US" smtClean="0"/>
           </a:p>
           <a:p>
             <a:pPr lvl="1"/>
@@ -1087,6 +1072,7 @@
               <a:rPr lang="en-US" smtClean="0"/>
               <a:t>Second level</a:t>
             </a:r>
+            <a:endParaRPr lang="en-US" smtClean="0"/>
           </a:p>
           <a:p>
             <a:pPr lvl="2"/>
@@ -1094,6 +1080,7 @@
               <a:rPr lang="en-US" smtClean="0"/>
               <a:t>Third level</a:t>
             </a:r>
+            <a:endParaRPr lang="en-US" smtClean="0"/>
           </a:p>
           <a:p>
             <a:pPr lvl="3"/>
@@ -1101,6 +1088,7 @@
               <a:rPr lang="en-US" smtClean="0"/>
               <a:t>Fourth level</a:t>
             </a:r>
+            <a:endParaRPr lang="en-US" smtClean="0"/>
           </a:p>
           <a:p>
             <a:pPr lvl="4"/>
@@ -1116,7 +1104,7 @@
         <p:nvSpPr>
           <p:cNvPr id="5" name="Text Placeholder 4"/>
           <p:cNvSpPr>
-            <a:spLocks noGrp="1"/>
+            <a:spLocks noGrp="true"/>
           </p:cNvSpPr>
           <p:nvPr>
             <p:ph type="body" sz="quarter" idx="3"/>
@@ -1180,6 +1168,7 @@
               <a:rPr lang="en-US" smtClean="0"/>
               <a:t>Click to edit Master text styles</a:t>
             </a:r>
+            <a:endParaRPr lang="en-US" smtClean="0"/>
           </a:p>
         </p:txBody>
       </p:sp>
@@ -1187,7 +1176,7 @@
         <p:nvSpPr>
           <p:cNvPr id="6" name="Content Placeholder 5"/>
           <p:cNvSpPr>
-            <a:spLocks noGrp="1"/>
+            <a:spLocks noGrp="true"/>
           </p:cNvSpPr>
           <p:nvPr>
             <p:ph sz="quarter" idx="4"/>
@@ -1210,6 +1199,7 @@
               <a:rPr lang="en-US" smtClean="0"/>
               <a:t>Click to edit Master text styles</a:t>
             </a:r>
+            <a:endParaRPr lang="en-US" smtClean="0"/>
           </a:p>
           <a:p>
             <a:pPr lvl="1"/>
@@ -1217,6 +1207,7 @@
               <a:rPr lang="en-US" smtClean="0"/>
               <a:t>Second level</a:t>
             </a:r>
+            <a:endParaRPr lang="en-US" smtClean="0"/>
           </a:p>
           <a:p>
             <a:pPr lvl="2"/>
@@ -1224,6 +1215,7 @@
               <a:rPr lang="en-US" smtClean="0"/>
               <a:t>Third level</a:t>
             </a:r>
+            <a:endParaRPr lang="en-US" smtClean="0"/>
           </a:p>
           <a:p>
             <a:pPr lvl="3"/>
@@ -1231,6 +1223,7 @@
               <a:rPr lang="en-US" smtClean="0"/>
               <a:t>Fourth level</a:t>
             </a:r>
+            <a:endParaRPr lang="en-US" smtClean="0"/>
           </a:p>
           <a:p>
             <a:pPr lvl="4"/>
@@ -1246,7 +1239,7 @@
         <p:nvSpPr>
           <p:cNvPr id="7" name="Date Placeholder 6"/>
           <p:cNvSpPr>
-            <a:spLocks noGrp="1"/>
+            <a:spLocks noGrp="true"/>
           </p:cNvSpPr>
           <p:nvPr>
             <p:ph type="dt" sz="half" idx="10"/>
@@ -1267,7 +1260,6 @@
           <a:p>
             <a:fld id="{AF88043E-905E-4148-B009-B3CB700EBBEA}" type="datetimeFigureOut">
               <a:rPr lang="en-US" smtClean="0"/>
-              <a:t>1/29/2021</a:t>
             </a:fld>
             <a:endParaRPr lang="en-US"/>
           </a:p>
@@ -1277,7 +1269,7 @@
         <p:nvSpPr>
           <p:cNvPr id="8" name="Footer Placeholder 7"/>
           <p:cNvSpPr>
-            <a:spLocks noGrp="1"/>
+            <a:spLocks noGrp="true"/>
           </p:cNvSpPr>
           <p:nvPr>
             <p:ph type="ftr" sz="quarter" idx="11"/>
@@ -1304,7 +1296,7 @@
         <p:nvSpPr>
           <p:cNvPr id="9" name="Slide Number Placeholder 8"/>
           <p:cNvSpPr>
-            <a:spLocks noGrp="1"/>
+            <a:spLocks noGrp="true"/>
           </p:cNvSpPr>
           <p:nvPr>
             <p:ph type="sldNum" sz="quarter" idx="12"/>
@@ -1325,18 +1317,12 @@
           <a:p>
             <a:fld id="{210999C8-D5EE-40C2-AE43-FAA4980FFAE8}" type="slidenum">
               <a:rPr lang="en-US" smtClean="0"/>
-              <a:t>‹#›</a:t>
             </a:fld>
             <a:endParaRPr lang="en-US"/>
           </a:p>
         </p:txBody>
       </p:sp>
     </p:spTree>
-    <p:extLst>
-      <p:ext uri="{BB962C8B-B14F-4D97-AF65-F5344CB8AC3E}">
-        <p14:creationId xmlns:p14="http://schemas.microsoft.com/office/powerpoint/2010/main" val="1347395577"/>
-      </p:ext>
-    </p:extLst>
   </p:cSld>
   <p:clrMapOvr>
     <a:masterClrMapping/>
@@ -1372,7 +1358,7 @@
         <p:nvSpPr>
           <p:cNvPr id="2" name="Title 1"/>
           <p:cNvSpPr>
-            <a:spLocks noGrp="1"/>
+            <a:spLocks noGrp="true"/>
           </p:cNvSpPr>
           <p:nvPr>
             <p:ph type="title"/>
@@ -1395,7 +1381,7 @@
         <p:nvSpPr>
           <p:cNvPr id="3" name="Date Placeholder 2"/>
           <p:cNvSpPr>
-            <a:spLocks noGrp="1"/>
+            <a:spLocks noGrp="true"/>
           </p:cNvSpPr>
           <p:nvPr>
             <p:ph type="dt" sz="half" idx="10"/>
@@ -1416,7 +1402,6 @@
           <a:p>
             <a:fld id="{AF88043E-905E-4148-B009-B3CB700EBBEA}" type="datetimeFigureOut">
               <a:rPr lang="en-US" smtClean="0"/>
-              <a:t>1/29/2021</a:t>
             </a:fld>
             <a:endParaRPr lang="en-US"/>
           </a:p>
@@ -1426,7 +1411,7 @@
         <p:nvSpPr>
           <p:cNvPr id="4" name="Footer Placeholder 3"/>
           <p:cNvSpPr>
-            <a:spLocks noGrp="1"/>
+            <a:spLocks noGrp="true"/>
           </p:cNvSpPr>
           <p:nvPr>
             <p:ph type="ftr" sz="quarter" idx="11"/>
@@ -1453,7 +1438,7 @@
         <p:nvSpPr>
           <p:cNvPr id="5" name="Slide Number Placeholder 4"/>
           <p:cNvSpPr>
-            <a:spLocks noGrp="1"/>
+            <a:spLocks noGrp="true"/>
           </p:cNvSpPr>
           <p:nvPr>
             <p:ph type="sldNum" sz="quarter" idx="12"/>
@@ -1474,18 +1459,12 @@
           <a:p>
             <a:fld id="{210999C8-D5EE-40C2-AE43-FAA4980FFAE8}" type="slidenum">
               <a:rPr lang="en-US" smtClean="0"/>
-              <a:t>‹#›</a:t>
             </a:fld>
             <a:endParaRPr lang="en-US"/>
           </a:p>
         </p:txBody>
       </p:sp>
     </p:spTree>
-    <p:extLst>
-      <p:ext uri="{BB962C8B-B14F-4D97-AF65-F5344CB8AC3E}">
-        <p14:creationId xmlns:p14="http://schemas.microsoft.com/office/powerpoint/2010/main" val="4159866272"/>
-      </p:ext>
-    </p:extLst>
   </p:cSld>
   <p:clrMapOvr>
     <a:masterClrMapping/>
@@ -1521,7 +1500,7 @@
         <p:nvSpPr>
           <p:cNvPr id="2" name="Title 1"/>
           <p:cNvSpPr>
-            <a:spLocks noGrp="1"/>
+            <a:spLocks noGrp="true"/>
           </p:cNvSpPr>
           <p:nvPr>
             <p:ph type="title"/>
@@ -1548,7 +1527,7 @@
         <p:nvSpPr>
           <p:cNvPr id="3" name="Text Placeholder 2"/>
           <p:cNvSpPr>
-            <a:spLocks noGrp="1"/>
+            <a:spLocks noGrp="true"/>
           </p:cNvSpPr>
           <p:nvPr>
             <p:ph type="body" idx="1"/>
@@ -1612,6 +1591,7 @@
               <a:rPr lang="en-US" smtClean="0"/>
               <a:t>Click to edit Master text styles</a:t>
             </a:r>
+            <a:endParaRPr lang="en-US" smtClean="0"/>
           </a:p>
         </p:txBody>
       </p:sp>
@@ -1619,7 +1599,7 @@
         <p:nvSpPr>
           <p:cNvPr id="16" name="Text Placeholder 3"/>
           <p:cNvSpPr>
-            <a:spLocks noGrp="1"/>
+            <a:spLocks noGrp="true"/>
           </p:cNvSpPr>
           <p:nvPr>
             <p:ph type="body" sz="half" idx="15"/>
@@ -1679,6 +1659,7 @@
               <a:rPr lang="en-US" smtClean="0"/>
               <a:t>Click to edit Master text styles</a:t>
             </a:r>
+            <a:endParaRPr lang="en-US" smtClean="0"/>
           </a:p>
         </p:txBody>
       </p:sp>
@@ -1686,7 +1667,7 @@
         <p:nvSpPr>
           <p:cNvPr id="5" name="Text Placeholder 4"/>
           <p:cNvSpPr>
-            <a:spLocks noGrp="1"/>
+            <a:spLocks noGrp="true"/>
           </p:cNvSpPr>
           <p:nvPr>
             <p:ph type="body" sz="quarter" idx="3"/>
@@ -1750,6 +1731,7 @@
               <a:rPr lang="en-US" smtClean="0"/>
               <a:t>Click to edit Master text styles</a:t>
             </a:r>
+            <a:endParaRPr lang="en-US" smtClean="0"/>
           </a:p>
         </p:txBody>
       </p:sp>
@@ -1757,7 +1739,7 @@
         <p:nvSpPr>
           <p:cNvPr id="19" name="Text Placeholder 3"/>
           <p:cNvSpPr>
-            <a:spLocks noGrp="1"/>
+            <a:spLocks noGrp="true"/>
           </p:cNvSpPr>
           <p:nvPr>
             <p:ph type="body" sz="half" idx="16"/>
@@ -1817,6 +1799,7 @@
               <a:rPr lang="en-US" smtClean="0"/>
               <a:t>Click to edit Master text styles</a:t>
             </a:r>
+            <a:endParaRPr lang="en-US" smtClean="0"/>
           </a:p>
         </p:txBody>
       </p:sp>
@@ -1824,7 +1807,7 @@
         <p:nvSpPr>
           <p:cNvPr id="14" name="Text Placeholder 4"/>
           <p:cNvSpPr>
-            <a:spLocks noGrp="1"/>
+            <a:spLocks noGrp="true"/>
           </p:cNvSpPr>
           <p:nvPr>
             <p:ph type="body" sz="quarter" idx="13"/>
@@ -1888,6 +1871,7 @@
               <a:rPr lang="en-US" smtClean="0"/>
               <a:t>Click to edit Master text styles</a:t>
             </a:r>
+            <a:endParaRPr lang="en-US" smtClean="0"/>
           </a:p>
         </p:txBody>
       </p:sp>
@@ -1895,7 +1879,7 @@
         <p:nvSpPr>
           <p:cNvPr id="20" name="Text Placeholder 3"/>
           <p:cNvSpPr>
-            <a:spLocks noGrp="1"/>
+            <a:spLocks noGrp="true"/>
           </p:cNvSpPr>
           <p:nvPr>
             <p:ph type="body" sz="half" idx="17"/>
@@ -1955,6 +1939,7 @@
               <a:rPr lang="en-US" smtClean="0"/>
               <a:t>Click to edit Master text styles</a:t>
             </a:r>
+            <a:endParaRPr lang="en-US" smtClean="0"/>
           </a:p>
         </p:txBody>
       </p:sp>
@@ -2036,7 +2021,7 @@
         <p:nvSpPr>
           <p:cNvPr id="7" name="Date Placeholder 6"/>
           <p:cNvSpPr>
-            <a:spLocks noGrp="1"/>
+            <a:spLocks noGrp="true"/>
           </p:cNvSpPr>
           <p:nvPr>
             <p:ph type="dt" sz="half" idx="10"/>
@@ -2057,7 +2042,6 @@
           <a:p>
             <a:fld id="{AF88043E-905E-4148-B009-B3CB700EBBEA}" type="datetimeFigureOut">
               <a:rPr lang="en-US" smtClean="0"/>
-              <a:t>1/29/2021</a:t>
             </a:fld>
             <a:endParaRPr lang="en-US"/>
           </a:p>
@@ -2067,7 +2051,7 @@
         <p:nvSpPr>
           <p:cNvPr id="9" name="Slide Number Placeholder 8"/>
           <p:cNvSpPr>
-            <a:spLocks noGrp="1"/>
+            <a:spLocks noGrp="true"/>
           </p:cNvSpPr>
           <p:nvPr>
             <p:ph type="sldNum" sz="quarter" idx="12"/>
@@ -2088,18 +2072,12 @@
           <a:p>
             <a:fld id="{210999C8-D5EE-40C2-AE43-FAA4980FFAE8}" type="slidenum">
               <a:rPr lang="en-US" smtClean="0"/>
-              <a:t>‹#›</a:t>
             </a:fld>
             <a:endParaRPr lang="en-US"/>
           </a:p>
         </p:txBody>
       </p:sp>
     </p:spTree>
-    <p:extLst>
-      <p:ext uri="{BB962C8B-B14F-4D97-AF65-F5344CB8AC3E}">
-        <p14:creationId xmlns:p14="http://schemas.microsoft.com/office/powerpoint/2010/main" val="3390192664"/>
-      </p:ext>
-    </p:extLst>
   </p:cSld>
   <p:clrMapOvr>
     <a:masterClrMapping/>
@@ -2135,7 +2113,7 @@
         <p:nvSpPr>
           <p:cNvPr id="2" name="Title 1"/>
           <p:cNvSpPr>
-            <a:spLocks noGrp="1"/>
+            <a:spLocks noGrp="true"/>
           </p:cNvSpPr>
           <p:nvPr>
             <p:ph type="title"/>
@@ -2162,7 +2140,7 @@
         <p:nvSpPr>
           <p:cNvPr id="3" name="Text Placeholder 2"/>
           <p:cNvSpPr>
-            <a:spLocks noGrp="1"/>
+            <a:spLocks noGrp="true"/>
           </p:cNvSpPr>
           <p:nvPr>
             <p:ph type="body" idx="1"/>
@@ -2226,6 +2204,7 @@
               <a:rPr lang="en-US" smtClean="0"/>
               <a:t>Click to edit Master text styles</a:t>
             </a:r>
+            <a:endParaRPr lang="en-US" smtClean="0"/>
           </a:p>
         </p:txBody>
       </p:sp>
@@ -2233,7 +2212,7 @@
         <p:nvSpPr>
           <p:cNvPr id="29" name="Picture Placeholder 2"/>
           <p:cNvSpPr>
-            <a:spLocks noGrp="1" noChangeAspect="1"/>
+            <a:spLocks noGrp="true" noChangeAspect="true"/>
           </p:cNvSpPr>
           <p:nvPr>
             <p:ph type="pic" idx="15"/>
@@ -2312,7 +2291,7 @@
         <p:nvSpPr>
           <p:cNvPr id="22" name="Text Placeholder 3"/>
           <p:cNvSpPr>
-            <a:spLocks noGrp="1"/>
+            <a:spLocks noGrp="true"/>
           </p:cNvSpPr>
           <p:nvPr>
             <p:ph type="body" sz="half" idx="18"/>
@@ -2372,6 +2351,7 @@
               <a:rPr lang="en-US" smtClean="0"/>
               <a:t>Click to edit Master text styles</a:t>
             </a:r>
+            <a:endParaRPr lang="en-US" smtClean="0"/>
           </a:p>
         </p:txBody>
       </p:sp>
@@ -2379,7 +2359,7 @@
         <p:nvSpPr>
           <p:cNvPr id="5" name="Text Placeholder 4"/>
           <p:cNvSpPr>
-            <a:spLocks noGrp="1"/>
+            <a:spLocks noGrp="true"/>
           </p:cNvSpPr>
           <p:nvPr>
             <p:ph type="body" sz="quarter" idx="3"/>
@@ -2443,6 +2423,7 @@
               <a:rPr lang="en-US" smtClean="0"/>
               <a:t>Click to edit Master text styles</a:t>
             </a:r>
+            <a:endParaRPr lang="en-US" smtClean="0"/>
           </a:p>
         </p:txBody>
       </p:sp>
@@ -2450,7 +2431,7 @@
         <p:nvSpPr>
           <p:cNvPr id="30" name="Picture Placeholder 2"/>
           <p:cNvSpPr>
-            <a:spLocks noGrp="1" noChangeAspect="1"/>
+            <a:spLocks noGrp="true" noChangeAspect="true"/>
           </p:cNvSpPr>
           <p:nvPr>
             <p:ph type="pic" idx="21"/>
@@ -2529,7 +2510,7 @@
         <p:nvSpPr>
           <p:cNvPr id="23" name="Text Placeholder 3"/>
           <p:cNvSpPr>
-            <a:spLocks noGrp="1"/>
+            <a:spLocks noGrp="true"/>
           </p:cNvSpPr>
           <p:nvPr>
             <p:ph type="body" sz="half" idx="19"/>
@@ -2589,6 +2570,7 @@
               <a:rPr lang="en-US" smtClean="0"/>
               <a:t>Click to edit Master text styles</a:t>
             </a:r>
+            <a:endParaRPr lang="en-US" smtClean="0"/>
           </a:p>
         </p:txBody>
       </p:sp>
@@ -2596,7 +2578,7 @@
         <p:nvSpPr>
           <p:cNvPr id="14" name="Text Placeholder 4"/>
           <p:cNvSpPr>
-            <a:spLocks noGrp="1"/>
+            <a:spLocks noGrp="true"/>
           </p:cNvSpPr>
           <p:nvPr>
             <p:ph type="body" sz="quarter" idx="13"/>
@@ -2660,6 +2642,7 @@
               <a:rPr lang="en-US" smtClean="0"/>
               <a:t>Click to edit Master text styles</a:t>
             </a:r>
+            <a:endParaRPr lang="en-US" smtClean="0"/>
           </a:p>
         </p:txBody>
       </p:sp>
@@ -2667,7 +2650,7 @@
         <p:nvSpPr>
           <p:cNvPr id="31" name="Picture Placeholder 2"/>
           <p:cNvSpPr>
-            <a:spLocks noGrp="1" noChangeAspect="1"/>
+            <a:spLocks noGrp="true" noChangeAspect="true"/>
           </p:cNvSpPr>
           <p:nvPr>
             <p:ph type="pic" idx="22"/>
@@ -2746,7 +2729,7 @@
         <p:nvSpPr>
           <p:cNvPr id="24" name="Text Placeholder 3"/>
           <p:cNvSpPr>
-            <a:spLocks noGrp="1"/>
+            <a:spLocks noGrp="true"/>
           </p:cNvSpPr>
           <p:nvPr>
             <p:ph type="body" sz="half" idx="20"/>
@@ -2806,6 +2789,7 @@
               <a:rPr lang="en-US" smtClean="0"/>
               <a:t>Click to edit Master text styles</a:t>
             </a:r>
+            <a:endParaRPr lang="en-US" smtClean="0"/>
           </a:p>
         </p:txBody>
       </p:sp>
@@ -2887,7 +2871,7 @@
         <p:nvSpPr>
           <p:cNvPr id="7" name="Date Placeholder 6"/>
           <p:cNvSpPr>
-            <a:spLocks noGrp="1"/>
+            <a:spLocks noGrp="true"/>
           </p:cNvSpPr>
           <p:nvPr>
             <p:ph type="dt" sz="half" idx="10"/>
@@ -2908,7 +2892,6 @@
           <a:p>
             <a:fld id="{AF88043E-905E-4148-B009-B3CB700EBBEA}" type="datetimeFigureOut">
               <a:rPr lang="en-US" smtClean="0"/>
-              <a:t>1/29/2021</a:t>
             </a:fld>
             <a:endParaRPr lang="en-US"/>
           </a:p>
@@ -2918,7 +2901,7 @@
         <p:nvSpPr>
           <p:cNvPr id="9" name="Slide Number Placeholder 8"/>
           <p:cNvSpPr>
-            <a:spLocks noGrp="1"/>
+            <a:spLocks noGrp="true"/>
           </p:cNvSpPr>
           <p:nvPr>
             <p:ph type="sldNum" sz="quarter" idx="12"/>
@@ -2939,18 +2922,12 @@
           <a:p>
             <a:fld id="{210999C8-D5EE-40C2-AE43-FAA4980FFAE8}" type="slidenum">
               <a:rPr lang="en-US" smtClean="0"/>
-              <a:t>‹#›</a:t>
             </a:fld>
             <a:endParaRPr lang="en-US"/>
           </a:p>
         </p:txBody>
       </p:sp>
     </p:spTree>
-    <p:extLst>
-      <p:ext uri="{BB962C8B-B14F-4D97-AF65-F5344CB8AC3E}">
-        <p14:creationId xmlns:p14="http://schemas.microsoft.com/office/powerpoint/2010/main" val="1296252698"/>
-      </p:ext>
-    </p:extLst>
   </p:cSld>
   <p:clrMapOvr>
     <a:masterClrMapping/>
@@ -2986,7 +2963,7 @@
         <p:nvSpPr>
           <p:cNvPr id="2" name="Title 1"/>
           <p:cNvSpPr>
-            <a:spLocks noGrp="1"/>
+            <a:spLocks noGrp="true"/>
           </p:cNvSpPr>
           <p:nvPr>
             <p:ph type="title"/>
@@ -3014,7 +2991,7 @@
         <p:nvSpPr>
           <p:cNvPr id="3" name="Vertical Text Placeholder 2"/>
           <p:cNvSpPr>
-            <a:spLocks noGrp="1"/>
+            <a:spLocks noGrp="true"/>
           </p:cNvSpPr>
           <p:nvPr>
             <p:ph type="body" orient="vert" idx="1"/>
@@ -3022,7 +2999,7 @@
         </p:nvSpPr>
         <p:spPr/>
         <p:txBody>
-          <a:bodyPr vert="eaVert" anchor="t" anchorCtr="0"/>
+          <a:bodyPr vert="eaVert" anchor="t" anchorCtr="false"/>
           <a:lstStyle/>
           <a:p>
             <a:pPr lvl="0"/>
@@ -3030,6 +3007,7 @@
               <a:rPr lang="en-US" smtClean="0"/>
               <a:t>Click to edit Master text styles</a:t>
             </a:r>
+            <a:endParaRPr lang="en-US" smtClean="0"/>
           </a:p>
           <a:p>
             <a:pPr lvl="1"/>
@@ -3037,6 +3015,7 @@
               <a:rPr lang="en-US" smtClean="0"/>
               <a:t>Second level</a:t>
             </a:r>
+            <a:endParaRPr lang="en-US" smtClean="0"/>
           </a:p>
           <a:p>
             <a:pPr lvl="2"/>
@@ -3044,6 +3023,7 @@
               <a:rPr lang="en-US" smtClean="0"/>
               <a:t>Third level</a:t>
             </a:r>
+            <a:endParaRPr lang="en-US" smtClean="0"/>
           </a:p>
           <a:p>
             <a:pPr lvl="3"/>
@@ -3051,6 +3031,7 @@
               <a:rPr lang="en-US" smtClean="0"/>
               <a:t>Fourth level</a:t>
             </a:r>
+            <a:endParaRPr lang="en-US" smtClean="0"/>
           </a:p>
           <a:p>
             <a:pPr lvl="4"/>
@@ -3066,7 +3047,7 @@
         <p:nvSpPr>
           <p:cNvPr id="4" name="Date Placeholder 3"/>
           <p:cNvSpPr>
-            <a:spLocks noGrp="1"/>
+            <a:spLocks noGrp="true"/>
           </p:cNvSpPr>
           <p:nvPr>
             <p:ph type="dt" sz="half" idx="10"/>
@@ -3087,7 +3068,6 @@
           <a:p>
             <a:fld id="{AF88043E-905E-4148-B009-B3CB700EBBEA}" type="datetimeFigureOut">
               <a:rPr lang="en-US" smtClean="0"/>
-              <a:t>1/29/2021</a:t>
             </a:fld>
             <a:endParaRPr lang="en-US"/>
           </a:p>
@@ -3097,7 +3077,7 @@
         <p:nvSpPr>
           <p:cNvPr id="6" name="Slide Number Placeholder 5"/>
           <p:cNvSpPr>
-            <a:spLocks noGrp="1"/>
+            <a:spLocks noGrp="true"/>
           </p:cNvSpPr>
           <p:nvPr>
             <p:ph type="sldNum" sz="quarter" idx="12"/>
@@ -3118,18 +3098,12 @@
           <a:p>
             <a:fld id="{210999C8-D5EE-40C2-AE43-FAA4980FFAE8}" type="slidenum">
               <a:rPr lang="en-US" smtClean="0"/>
-              <a:t>‹#›</a:t>
             </a:fld>
             <a:endParaRPr lang="en-US"/>
           </a:p>
         </p:txBody>
       </p:sp>
     </p:spTree>
-    <p:extLst>
-      <p:ext uri="{BB962C8B-B14F-4D97-AF65-F5344CB8AC3E}">
-        <p14:creationId xmlns:p14="http://schemas.microsoft.com/office/powerpoint/2010/main" val="3347251893"/>
-      </p:ext>
-    </p:extLst>
   </p:cSld>
   <p:clrMapOvr>
     <a:masterClrMapping/>
@@ -3170,7 +3144,7 @@
         <p:nvSpPr>
           <p:cNvPr id="2" name="Title Placeholder 1"/>
           <p:cNvSpPr>
-            <a:spLocks noGrp="1"/>
+            <a:spLocks noGrp="true"/>
           </p:cNvSpPr>
           <p:nvPr>
             <p:ph type="title"/>
@@ -3203,7 +3177,7 @@
         <p:nvSpPr>
           <p:cNvPr id="3" name="Text Placeholder 2"/>
           <p:cNvSpPr>
-            <a:spLocks noGrp="1"/>
+            <a:spLocks noGrp="true"/>
           </p:cNvSpPr>
           <p:nvPr>
             <p:ph type="body" idx="1"/>
@@ -3229,6 +3203,7 @@
               <a:rPr lang="en-US" smtClean="0"/>
               <a:t>Click to edit Master text styles</a:t>
             </a:r>
+            <a:endParaRPr lang="en-US" smtClean="0"/>
           </a:p>
           <a:p>
             <a:pPr lvl="1"/>
@@ -3236,6 +3211,7 @@
               <a:rPr lang="en-US" smtClean="0"/>
               <a:t>Second level</a:t>
             </a:r>
+            <a:endParaRPr lang="en-US" smtClean="0"/>
           </a:p>
           <a:p>
             <a:pPr lvl="2"/>
@@ -3243,6 +3219,7 @@
               <a:rPr lang="en-US" smtClean="0"/>
               <a:t>Third level</a:t>
             </a:r>
+            <a:endParaRPr lang="en-US" smtClean="0"/>
           </a:p>
           <a:p>
             <a:pPr lvl="3"/>
@@ -3250,6 +3227,7 @@
               <a:rPr lang="en-US" smtClean="0"/>
               <a:t>Fourth level</a:t>
             </a:r>
+            <a:endParaRPr lang="en-US" smtClean="0"/>
           </a:p>
           <a:p>
             <a:pPr lvl="4"/>
@@ -3264,8 +3242,8 @@
       <p:sp>
         <p:nvSpPr>
           <p:cNvPr id="30" name="TextBox 29"/>
-          <p:cNvSpPr txBox="1"/>
-          <p:nvPr userDrawn="1"/>
+          <p:cNvSpPr txBox="true"/>
+          <p:nvPr userDrawn="true"/>
         </p:nvSpPr>
         <p:spPr>
           <a:xfrm>
@@ -3306,20 +3284,22 @@
         <p:nvPicPr>
           <p:cNvPr id="22" name="Picture 21"/>
           <p:cNvPicPr>
-            <a:picLocks noChangeAspect="1"/>
+            <a:picLocks noChangeAspect="true"/>
           </p:cNvPicPr>
-          <p:nvPr userDrawn="1"/>
+          <p:nvPr userDrawn="true"/>
         </p:nvPicPr>
-        <p:blipFill rotWithShape="1">
-          <a:blip r:embed="rId10" cstate="print">
+        <p:blipFill rotWithShape="true">
+          <a:blip r:embed="rId9" cstate="print">
             <a:extLst>
               <a:ext uri="{28A0092B-C50C-407E-A947-70E740481C1C}">
-                <a14:useLocalDpi xmlns:a14="http://schemas.microsoft.com/office/drawing/2010/main" val="0"/>
+                <a14:useLocalDpi xmlns:a14="http://schemas.microsoft.com/office/drawing/2010/main" val="false"/>
               </a:ext>
             </a:extLst>
           </a:blip>
           <a:srcRect b="25895"/>
-          <a:stretch/>
+          <a:stretch>
+            <a:fillRect/>
+          </a:stretch>
         </p:blipFill>
         <p:spPr>
           <a:xfrm>
@@ -3334,8 +3314,8 @@
       <p:sp>
         <p:nvSpPr>
           <p:cNvPr id="29" name="TextBox 28"/>
-          <p:cNvSpPr txBox="1"/>
-          <p:nvPr userDrawn="1"/>
+          <p:cNvSpPr txBox="true"/>
+          <p:nvPr userDrawn="true"/>
         </p:nvSpPr>
         <p:spPr>
           <a:xfrm>
@@ -3382,22 +3362,17 @@
         </p:txBody>
       </p:sp>
     </p:spTree>
-    <p:extLst>
-      <p:ext uri="{BB962C8B-B14F-4D97-AF65-F5344CB8AC3E}">
-        <p14:creationId xmlns:p14="http://schemas.microsoft.com/office/powerpoint/2010/main" val="2810021886"/>
-      </p:ext>
-    </p:extLst>
   </p:cSld>
   <p:clrMap bg1="lt1" tx1="dk1" bg2="lt2" tx2="dk2" accent1="accent1" accent2="accent2" accent3="accent3" accent4="accent4" accent5="accent5" accent6="accent6" hlink="hlink" folHlink="folHlink"/>
   <p:sldLayoutIdLst>
-    <p:sldLayoutId id="2147483709" r:id="rId1"/>
-    <p:sldLayoutId id="2147483710" r:id="rId2"/>
-    <p:sldLayoutId id="2147483712" r:id="rId3"/>
-    <p:sldLayoutId id="2147483713" r:id="rId4"/>
-    <p:sldLayoutId id="2147483714" r:id="rId5"/>
-    <p:sldLayoutId id="2147483722" r:id="rId6"/>
-    <p:sldLayoutId id="2147483723" r:id="rId7"/>
-    <p:sldLayoutId id="2147483724" r:id="rId8"/>
+    <p:sldLayoutId id="2147483649" r:id="rId1"/>
+    <p:sldLayoutId id="2147483650" r:id="rId2"/>
+    <p:sldLayoutId id="2147483651" r:id="rId3"/>
+    <p:sldLayoutId id="2147483652" r:id="rId4"/>
+    <p:sldLayoutId id="2147483653" r:id="rId5"/>
+    <p:sldLayoutId id="2147483654" r:id="rId6"/>
+    <p:sldLayoutId id="2147483655" r:id="rId7"/>
+    <p:sldLayoutId id="2147483656" r:id="rId8"/>
   </p:sldLayoutIdLst>
   <p:timing>
     <p:tnLst>
@@ -3918,7 +3893,31 @@
         <p:nvPicPr>
           <p:cNvPr id="3" name="Picture 2"/>
           <p:cNvPicPr>
-            <a:picLocks noChangeAspect="1"/>
+            <a:picLocks noChangeAspect="true"/>
+          </p:cNvPicPr>
+          <p:nvPr/>
+        </p:nvPicPr>
+        <p:blipFill>
+          <a:blip r:embed="rId1"/>
+          <a:stretch>
+            <a:fillRect/>
+          </a:stretch>
+        </p:blipFill>
+        <p:spPr>
+          <a:xfrm>
+            <a:off x="-434192" y="3178303"/>
+            <a:ext cx="6399564" cy="4547438"/>
+          </a:xfrm>
+          <a:prstGeom prst="rect">
+            <a:avLst/>
+          </a:prstGeom>
+        </p:spPr>
+      </p:pic>
+      <p:pic>
+        <p:nvPicPr>
+          <p:cNvPr id="12" name="Picture 11"/>
+          <p:cNvPicPr>
+            <a:picLocks noChangeAspect="true"/>
           </p:cNvPicPr>
           <p:nvPr/>
         </p:nvPicPr>
@@ -3930,8 +3929,8 @@
         </p:blipFill>
         <p:spPr>
           <a:xfrm>
-            <a:off x="-434192" y="3178303"/>
-            <a:ext cx="6399564" cy="4547438"/>
+            <a:off x="2947046" y="4281250"/>
+            <a:ext cx="2291904" cy="2291904"/>
           </a:xfrm>
           <a:prstGeom prst="rect">
             <a:avLst/>
@@ -3940,9 +3939,9 @@
       </p:pic>
       <p:pic>
         <p:nvPicPr>
-          <p:cNvPr id="12" name="Picture 11"/>
+          <p:cNvPr id="7" name="Picture 6"/>
           <p:cNvPicPr>
-            <a:picLocks noChangeAspect="1"/>
+            <a:picLocks noChangeAspect="true"/>
           </p:cNvPicPr>
           <p:nvPr/>
         </p:nvPicPr>
@@ -3953,9 +3952,9 @@
           </a:stretch>
         </p:blipFill>
         <p:spPr>
-          <a:xfrm>
-            <a:off x="2947046" y="4281250"/>
-            <a:ext cx="2291904" cy="2291904"/>
+          <a:xfrm rot="21372787">
+            <a:off x="6659266" y="294083"/>
+            <a:ext cx="5196953" cy="4291423"/>
           </a:xfrm>
           <a:prstGeom prst="rect">
             <a:avLst/>
@@ -3964,38 +3963,14 @@
       </p:pic>
       <p:pic>
         <p:nvPicPr>
-          <p:cNvPr id="7" name="Picture 6"/>
+          <p:cNvPr id="9" name="Picture 8"/>
           <p:cNvPicPr>
-            <a:picLocks noChangeAspect="1"/>
+            <a:picLocks noChangeAspect="true"/>
           </p:cNvPicPr>
           <p:nvPr/>
         </p:nvPicPr>
         <p:blipFill>
           <a:blip r:embed="rId4"/>
-          <a:stretch>
-            <a:fillRect/>
-          </a:stretch>
-        </p:blipFill>
-        <p:spPr>
-          <a:xfrm rot="21372787">
-            <a:off x="6659266" y="294083"/>
-            <a:ext cx="5196953" cy="4291423"/>
-          </a:xfrm>
-          <a:prstGeom prst="rect">
-            <a:avLst/>
-          </a:prstGeom>
-        </p:spPr>
-      </p:pic>
-      <p:pic>
-        <p:nvPicPr>
-          <p:cNvPr id="9" name="Picture 8"/>
-          <p:cNvPicPr>
-            <a:picLocks noChangeAspect="1"/>
-          </p:cNvPicPr>
-          <p:nvPr/>
-        </p:nvPicPr>
-        <p:blipFill>
-          <a:blip r:embed="rId5"/>
           <a:stretch>
             <a:fillRect/>
           </a:stretch>
@@ -4059,7 +4034,7 @@
       <p:sp>
         <p:nvSpPr>
           <p:cNvPr id="8" name="TextBox 7"/>
-          <p:cNvSpPr txBox="1"/>
+          <p:cNvSpPr txBox="true"/>
           <p:nvPr/>
         </p:nvSpPr>
         <p:spPr>
@@ -4197,15 +4172,15 @@
         <p:nvPicPr>
           <p:cNvPr id="2" name="Picture 1"/>
           <p:cNvPicPr>
-            <a:picLocks noChangeAspect="1"/>
+            <a:picLocks noChangeAspect="true"/>
           </p:cNvPicPr>
           <p:nvPr/>
         </p:nvPicPr>
         <p:blipFill>
-          <a:blip r:embed="rId6" cstate="print">
+          <a:blip r:embed="rId5" cstate="print">
             <a:extLst>
               <a:ext uri="{28A0092B-C50C-407E-A947-70E740481C1C}">
-                <a14:useLocalDpi xmlns:a14="http://schemas.microsoft.com/office/drawing/2010/main" val="0"/>
+                <a14:useLocalDpi xmlns:a14="http://schemas.microsoft.com/office/drawing/2010/main" val="false"/>
               </a:ext>
             </a:extLst>
           </a:blip>
@@ -4227,12 +4202,12 @@
         <p:nvPicPr>
           <p:cNvPr id="14" name="Picture 13"/>
           <p:cNvPicPr>
-            <a:picLocks noChangeAspect="1"/>
+            <a:picLocks noChangeAspect="true"/>
           </p:cNvPicPr>
           <p:nvPr/>
         </p:nvPicPr>
         <p:blipFill>
-          <a:blip r:embed="rId5"/>
+          <a:blip r:embed="rId4"/>
           <a:stretch>
             <a:fillRect/>
           </a:stretch>
@@ -4251,12 +4226,12 @@
         <p:nvPicPr>
           <p:cNvPr id="17" name="Picture 16"/>
           <p:cNvPicPr>
-            <a:picLocks noChangeAspect="1"/>
+            <a:picLocks noChangeAspect="true"/>
           </p:cNvPicPr>
           <p:nvPr/>
         </p:nvPicPr>
         <p:blipFill>
-          <a:blip r:embed="rId3"/>
+          <a:blip r:embed="rId2"/>
           <a:stretch>
             <a:fillRect/>
           </a:stretch>
@@ -4275,12 +4250,12 @@
         <p:nvPicPr>
           <p:cNvPr id="19" name="Picture 18"/>
           <p:cNvPicPr>
-            <a:picLocks noChangeAspect="1"/>
+            <a:picLocks noChangeAspect="true"/>
           </p:cNvPicPr>
           <p:nvPr/>
         </p:nvPicPr>
         <p:blipFill>
-          <a:blip r:embed="rId7"/>
+          <a:blip r:embed="rId6"/>
           <a:stretch>
             <a:fillRect/>
           </a:stretch>
@@ -4299,12 +4274,12 @@
         <p:nvPicPr>
           <p:cNvPr id="21" name="Picture 20"/>
           <p:cNvPicPr>
-            <a:picLocks noChangeAspect="1"/>
+            <a:picLocks noChangeAspect="true"/>
           </p:cNvPicPr>
           <p:nvPr/>
         </p:nvPicPr>
         <p:blipFill>
-          <a:blip r:embed="rId8">
+          <a:blip r:embed="rId7">
             <a:lum bright="20000" contrast="-20000"/>
           </a:blip>
           <a:stretch>
@@ -4325,12 +4300,12 @@
         <p:nvPicPr>
           <p:cNvPr id="22" name="Picture 21"/>
           <p:cNvPicPr>
-            <a:picLocks noChangeAspect="1"/>
+            <a:picLocks noChangeAspect="true"/>
           </p:cNvPicPr>
           <p:nvPr/>
         </p:nvPicPr>
         <p:blipFill>
-          <a:blip r:embed="rId8">
+          <a:blip r:embed="rId7">
             <a:lum bright="20000" contrast="-20000"/>
           </a:blip>
           <a:stretch>
@@ -4350,7 +4325,7 @@
       <p:sp>
         <p:nvSpPr>
           <p:cNvPr id="4" name="TextBox 3"/>
-          <p:cNvSpPr txBox="1"/>
+          <p:cNvSpPr txBox="true"/>
           <p:nvPr/>
         </p:nvSpPr>
         <p:spPr>
@@ -4404,7 +4379,7 @@
       <p:sp>
         <p:nvSpPr>
           <p:cNvPr id="5" name="TextBox 4"/>
-          <p:cNvSpPr txBox="1"/>
+          <p:cNvSpPr txBox="true"/>
           <p:nvPr/>
         </p:nvSpPr>
         <p:spPr>
@@ -4444,7 +4419,7 @@
       <p:sp>
         <p:nvSpPr>
           <p:cNvPr id="20" name="TextBox 19"/>
-          <p:cNvSpPr txBox="1"/>
+          <p:cNvSpPr txBox="true"/>
           <p:nvPr/>
         </p:nvSpPr>
         <p:spPr>
@@ -4474,15 +4449,498 @@
               </a:rPr>
               <a:t>Tuan Dao</a:t>
             </a:r>
+            <a:endParaRPr lang="en-US" sz="2000" smtClean="0">
+              <a:solidFill>
+                <a:schemeClr val="accent2">
+                  <a:lumMod val="75000"/>
+                </a:schemeClr>
+              </a:solidFill>
+              <a:latin typeface="Century Gothic (Body)"/>
+            </a:endParaRPr>
           </a:p>
         </p:txBody>
       </p:sp>
     </p:spTree>
-    <p:extLst>
-      <p:ext uri="{BB962C8B-B14F-4D97-AF65-F5344CB8AC3E}">
-        <p14:creationId xmlns:p14="http://schemas.microsoft.com/office/powerpoint/2010/main" val="1415216558"/>
-      </p:ext>
-    </p:extLst>
+  </p:cSld>
+  <p:clrMapOvr>
+    <a:masterClrMapping/>
+  </p:clrMapOvr>
+  <p:timing>
+    <p:tnLst>
+      <p:par>
+        <p:cTn id="1" dur="indefinite" restart="never" nodeType="tmRoot"/>
+      </p:par>
+    </p:tnLst>
+  </p:timing>
+</p:sld>
+</file>
+
+<file path=ppt/slides/slide10.xml><?xml version="1.0" encoding="utf-8"?>
+<p:sld xmlns:a="http://schemas.openxmlformats.org/drawingml/2006/main" xmlns:r="http://schemas.openxmlformats.org/officeDocument/2006/relationships" xmlns:p="http://schemas.openxmlformats.org/presentationml/2006/main">
+  <p:cSld>
+    <p:spTree>
+      <p:nvGrpSpPr>
+        <p:cNvPr id="1" name=""/>
+        <p:cNvGrpSpPr/>
+        <p:nvPr/>
+      </p:nvGrpSpPr>
+      <p:grpSpPr/>
+      <p:sp>
+        <p:nvSpPr>
+          <p:cNvPr id="2" name="Title 1"/>
+          <p:cNvSpPr>
+            <a:spLocks noGrp="true"/>
+          </p:cNvSpPr>
+          <p:nvPr>
+            <p:ph type="title"/>
+          </p:nvPr>
+        </p:nvSpPr>
+        <p:spPr/>
+        <p:txBody>
+          <a:bodyPr/>
+          <a:p>
+            <a:r>
+              <a:rPr lang="en-US" smtClean="0">
+                <a:solidFill>
+                  <a:schemeClr val="accent2"/>
+                </a:solidFill>
+                <a:sym typeface="+mn-ea"/>
+              </a:rPr>
+              <a:t>Sync and </a:t>
+            </a:r>
+            <a:r>
+              <a:rPr lang="en-US" err="1" smtClean="0">
+                <a:solidFill>
+                  <a:schemeClr val="accent2"/>
+                </a:solidFill>
+                <a:sym typeface="+mn-ea"/>
+              </a:rPr>
+              <a:t>Async</a:t>
+            </a:r>
+            <a:endParaRPr lang="en-US"/>
+          </a:p>
+        </p:txBody>
+      </p:sp>
+      <p:graphicFrame>
+        <p:nvGraphicFramePr>
+          <p:cNvPr id="4" name="Content Placeholder 3"/>
+          <p:cNvGraphicFramePr/>
+          <p:nvPr>
+            <p:ph idx="1"/>
+          </p:nvPr>
+        </p:nvGraphicFramePr>
+        <p:xfrm>
+          <a:off x="1612265" y="1628775"/>
+          <a:ext cx="9108440" cy="2260600"/>
+        </p:xfrm>
+        <a:graphic>
+          <a:graphicData uri="http://schemas.openxmlformats.org/drawingml/2006/table">
+            <a:tbl>
+              <a:tblPr firstRow="true" bandRow="true">
+                <a:tableStyleId>{5C22544A-7EE6-4342-B048-85BDC9FD1C3A}</a:tableStyleId>
+              </a:tblPr>
+              <a:tblGrid>
+                <a:gridCol w="4547870"/>
+                <a:gridCol w="4560570"/>
+              </a:tblGrid>
+              <a:tr h="431800">
+                <a:tc>
+                  <a:txBody>
+                    <a:bodyPr/>
+                    <a:p>
+                      <a:pPr algn="ctr">
+                        <a:buNone/>
+                      </a:pPr>
+                      <a:r>
+                        <a:rPr lang="" altLang="en-US" sz="2000"/>
+                        <a:t>Sync</a:t>
+                      </a:r>
+                      <a:endParaRPr lang="" altLang="en-US" sz="2000"/>
+                    </a:p>
+                  </a:txBody>
+                  <a:tcPr/>
+                </a:tc>
+                <a:tc>
+                  <a:txBody>
+                    <a:bodyPr/>
+                    <a:p>
+                      <a:pPr algn="ctr">
+                        <a:buNone/>
+                      </a:pPr>
+                      <a:r>
+                        <a:rPr lang="" altLang="en-US" sz="2000"/>
+                        <a:t>Async</a:t>
+                      </a:r>
+                      <a:endParaRPr lang="" altLang="en-US" sz="2000"/>
+                    </a:p>
+                  </a:txBody>
+                  <a:tcPr/>
+                </a:tc>
+              </a:tr>
+              <a:tr h="431800">
+                <a:tc>
+                  <a:txBody>
+                    <a:bodyPr/>
+                    <a:p>
+                      <a:pPr>
+                        <a:buNone/>
+                      </a:pPr>
+                      <a:r>
+                        <a:rPr lang="en-US"/>
+                        <a:t>Run </a:t>
+                      </a:r>
+                      <a:r>
+                        <a:rPr lang="en-US" altLang="en-US" sz="1800">
+                          <a:sym typeface="+mn-ea"/>
+                        </a:rPr>
+                        <a:t>task</a:t>
+                      </a:r>
+                      <a:r>
+                        <a:rPr lang="" altLang="en-US" sz="1800">
+                          <a:sym typeface="+mn-ea"/>
+                        </a:rPr>
+                        <a:t> </a:t>
+                      </a:r>
+                      <a:r>
+                        <a:rPr lang="en-US"/>
+                        <a:t>by </a:t>
+                      </a:r>
+                      <a:r>
+                        <a:rPr lang="en-US" altLang="en-US" sz="1800">
+                          <a:sym typeface="+mn-ea"/>
+                        </a:rPr>
+                        <a:t>task</a:t>
+                      </a:r>
+                      <a:r>
+                        <a:rPr lang="en-US"/>
+                        <a:t>, the next </a:t>
+                      </a:r>
+                      <a:r>
+                        <a:rPr lang="en-US" altLang="en-US" sz="1800">
+                          <a:sym typeface="+mn-ea"/>
+                        </a:rPr>
+                        <a:t>task</a:t>
+                      </a:r>
+                      <a:r>
+                        <a:rPr lang="" altLang="en-US" sz="1800">
+                          <a:sym typeface="+mn-ea"/>
+                        </a:rPr>
+                        <a:t> </a:t>
+                      </a:r>
+                      <a:r>
+                        <a:rPr lang="en-US"/>
+                        <a:t>must wait for the previous </a:t>
+                      </a:r>
+                      <a:r>
+                        <a:rPr lang="en-US" altLang="en-US" sz="1800">
+                          <a:sym typeface="+mn-ea"/>
+                        </a:rPr>
+                        <a:t>task</a:t>
+                      </a:r>
+                      <a:endParaRPr lang="en-US"/>
+                    </a:p>
+                  </a:txBody>
+                  <a:tcPr/>
+                </a:tc>
+                <a:tc>
+                  <a:txBody>
+                    <a:bodyPr/>
+                    <a:p>
+                      <a:pPr>
+                        <a:buNone/>
+                      </a:pPr>
+                      <a:r>
+                        <a:rPr lang="en-US"/>
+                        <a:t>Running simultaneously, </a:t>
+                      </a:r>
+                      <a:r>
+                        <a:rPr lang="" altLang="en-US"/>
+                        <a:t>do not wait for another task</a:t>
+                      </a:r>
+                      <a:endParaRPr lang="" altLang="en-US"/>
+                    </a:p>
+                  </a:txBody>
+                  <a:tcPr/>
+                </a:tc>
+              </a:tr>
+              <a:tr h="431800">
+                <a:tc>
+                  <a:txBody>
+                    <a:bodyPr/>
+                    <a:p>
+                      <a:pPr>
+                        <a:buNone/>
+                      </a:pPr>
+                      <a:r>
+                        <a:rPr lang="en-US"/>
+                        <a:t>Running synchronously will generate unnecessary and idle wait in some cases</a:t>
+                      </a:r>
+                      <a:endParaRPr lang="en-US"/>
+                    </a:p>
+                  </a:txBody>
+                  <a:tcPr/>
+                </a:tc>
+                <a:tc>
+                  <a:txBody>
+                    <a:bodyPr/>
+                    <a:p>
+                      <a:pPr>
+                        <a:buNone/>
+                      </a:pPr>
+                      <a:r>
+                        <a:rPr lang="en-US"/>
+                        <a:t>Running asynchronously so </a:t>
+                      </a:r>
+                      <a:r>
+                        <a:rPr lang="" altLang="en-US"/>
+                        <a:t>it </a:t>
+                      </a:r>
+                      <a:r>
+                        <a:rPr lang="en-US"/>
+                        <a:t>can handle many </a:t>
+                      </a:r>
+                      <a:r>
+                        <a:rPr lang="" altLang="en-US"/>
+                        <a:t>tasks </a:t>
+                      </a:r>
+                      <a:r>
+                        <a:rPr lang="en-US"/>
+                        <a:t>at the same time </a:t>
+                      </a:r>
+                      <a:r>
+                        <a:rPr lang="" altLang="en-US"/>
+                        <a:t>,</a:t>
+                      </a:r>
+                      <a:endParaRPr lang="" altLang="en-US"/>
+                    </a:p>
+                    <a:p>
+                      <a:pPr>
+                        <a:buNone/>
+                      </a:pPr>
+                      <a:r>
+                        <a:rPr lang="" altLang="en-US"/>
+                        <a:t>but it is easy to get a process error if it is not well controlled </a:t>
+                      </a:r>
+                      <a:endParaRPr lang="" altLang="en-US"/>
+                    </a:p>
+                  </a:txBody>
+                  <a:tcPr/>
+                </a:tc>
+              </a:tr>
+            </a:tbl>
+          </a:graphicData>
+        </a:graphic>
+      </p:graphicFrame>
+    </p:spTree>
+  </p:cSld>
+  <p:clrMapOvr>
+    <a:masterClrMapping/>
+  </p:clrMapOvr>
+</p:sld>
+</file>
+
+<file path=ppt/slides/slide11.xml><?xml version="1.0" encoding="utf-8"?>
+<p:sld xmlns:a="http://schemas.openxmlformats.org/drawingml/2006/main" xmlns:r="http://schemas.openxmlformats.org/officeDocument/2006/relationships" xmlns:p="http://schemas.openxmlformats.org/presentationml/2006/main">
+  <p:cSld>
+    <p:spTree>
+      <p:nvGrpSpPr>
+        <p:cNvPr id="1" name=""/>
+        <p:cNvGrpSpPr/>
+        <p:nvPr/>
+      </p:nvGrpSpPr>
+      <p:grpSpPr>
+        <a:xfrm>
+          <a:off x="0" y="0"/>
+          <a:ext cx="0" cy="0"/>
+          <a:chOff x="0" y="0"/>
+          <a:chExt cx="0" cy="0"/>
+        </a:xfrm>
+      </p:grpSpPr>
+      <p:pic>
+        <p:nvPicPr>
+          <p:cNvPr id="1028" name="Picture 4" descr="Flat Lay Photography of Macbook Pro Beside White Spiral Notebook and Green Mug"/>
+          <p:cNvPicPr>
+            <a:picLocks noChangeAspect="true" noChangeArrowheads="true"/>
+          </p:cNvPicPr>
+          <p:nvPr/>
+        </p:nvPicPr>
+        <p:blipFill rotWithShape="true">
+          <a:blip r:embed="rId1">
+            <a:extLst>
+              <a:ext uri="{28A0092B-C50C-407E-A947-70E740481C1C}">
+                <a14:useLocalDpi xmlns:a14="http://schemas.microsoft.com/office/drawing/2010/main" val="false"/>
+              </a:ext>
+            </a:extLst>
+          </a:blip>
+          <a:srcRect t="5729" b="189"/>
+          <a:stretch>
+            <a:fillRect/>
+          </a:stretch>
+        </p:blipFill>
+        <p:spPr bwMode="auto">
+          <a:xfrm>
+            <a:off x="0" y="-38101"/>
+            <a:ext cx="12192000" cy="6882245"/>
+          </a:xfrm>
+          <a:prstGeom prst="rect">
+            <a:avLst/>
+          </a:prstGeom>
+          <a:noFill/>
+          <a:extLst>
+            <a:ext uri="{909E8E84-426E-40DD-AFC4-6F175D3DCCD1}">
+              <a14:hiddenFill xmlns:a14="http://schemas.microsoft.com/office/drawing/2010/main">
+                <a:solidFill>
+                  <a:srgbClr val="FFFFFF"/>
+                </a:solidFill>
+              </a14:hiddenFill>
+            </a:ext>
+          </a:extLst>
+        </p:spPr>
+      </p:pic>
+      <p:pic>
+        <p:nvPicPr>
+          <p:cNvPr id="5" name="Picture 4"/>
+          <p:cNvPicPr>
+            <a:picLocks noChangeAspect="true"/>
+          </p:cNvPicPr>
+          <p:nvPr/>
+        </p:nvPicPr>
+        <p:blipFill>
+          <a:blip r:embed="rId2"/>
+          <a:stretch>
+            <a:fillRect/>
+          </a:stretch>
+        </p:blipFill>
+        <p:spPr>
+          <a:xfrm rot="3618775">
+            <a:off x="3301292" y="863395"/>
+            <a:ext cx="5438838" cy="5940051"/>
+          </a:xfrm>
+          <a:prstGeom prst="rect">
+            <a:avLst/>
+          </a:prstGeom>
+        </p:spPr>
+      </p:pic>
+      <p:pic>
+        <p:nvPicPr>
+          <p:cNvPr id="6" name="Picture 5"/>
+          <p:cNvPicPr>
+            <a:picLocks noChangeAspect="true"/>
+          </p:cNvPicPr>
+          <p:nvPr/>
+        </p:nvPicPr>
+        <p:blipFill>
+          <a:blip r:embed="rId3"/>
+          <a:stretch>
+            <a:fillRect/>
+          </a:stretch>
+        </p:blipFill>
+        <p:spPr>
+          <a:xfrm rot="3447446">
+            <a:off x="5026142" y="5860041"/>
+            <a:ext cx="3590095" cy="2548935"/>
+          </a:xfrm>
+          <a:prstGeom prst="rect">
+            <a:avLst/>
+          </a:prstGeom>
+        </p:spPr>
+      </p:pic>
+      <p:sp>
+        <p:nvSpPr>
+          <p:cNvPr id="11" name="Rectangle 10"/>
+          <p:cNvSpPr/>
+          <p:nvPr/>
+        </p:nvSpPr>
+        <p:spPr>
+          <a:xfrm>
+            <a:off x="4075762" y="4254700"/>
+            <a:ext cx="1088571" cy="87086"/>
+          </a:xfrm>
+          <a:prstGeom prst="rect">
+            <a:avLst/>
+          </a:prstGeom>
+          <a:solidFill>
+            <a:schemeClr val="bg1"/>
+          </a:solidFill>
+          <a:ln>
+            <a:noFill/>
+          </a:ln>
+        </p:spPr>
+        <p:style>
+          <a:lnRef idx="2">
+            <a:schemeClr val="accent1">
+              <a:shade val="50000"/>
+            </a:schemeClr>
+          </a:lnRef>
+          <a:fillRef idx="1">
+            <a:schemeClr val="accent1"/>
+          </a:fillRef>
+          <a:effectRef idx="0">
+            <a:schemeClr val="accent1"/>
+          </a:effectRef>
+          <a:fontRef idx="minor">
+            <a:schemeClr val="lt1"/>
+          </a:fontRef>
+        </p:style>
+        <p:txBody>
+          <a:bodyPr rtlCol="0" anchor="ctr"/>
+          <a:lstStyle/>
+          <a:p>
+            <a:pPr algn="ctr"/>
+            <a:endParaRPr lang="en-US">
+              <a:solidFill>
+                <a:schemeClr val="bg1"/>
+              </a:solidFill>
+            </a:endParaRPr>
+          </a:p>
+        </p:txBody>
+      </p:sp>
+      <p:sp>
+        <p:nvSpPr>
+          <p:cNvPr id="10" name="TextBox 9"/>
+          <p:cNvSpPr txBox="true"/>
+          <p:nvPr/>
+        </p:nvSpPr>
+        <p:spPr>
+          <a:xfrm>
+            <a:off x="2250622" y="3021323"/>
+            <a:ext cx="7678057" cy="1015663"/>
+          </a:xfrm>
+          <a:prstGeom prst="rect">
+            <a:avLst/>
+          </a:prstGeom>
+          <a:noFill/>
+        </p:spPr>
+        <p:txBody>
+          <a:bodyPr wrap="square" rtlCol="0">
+            <a:spAutoFit/>
+          </a:bodyPr>
+          <a:lstStyle/>
+          <a:p>
+            <a:pPr algn="ctr"/>
+            <a:r>
+              <a:rPr lang="en-US" sz="6000" b="1" smtClean="0">
+                <a:solidFill>
+                  <a:schemeClr val="bg1"/>
+                </a:solidFill>
+                <a:latin typeface="Open Sans" panose="020B0606030504020204" pitchFamily="34" charset="0"/>
+                <a:ea typeface="Open Sans" panose="020B0606030504020204" pitchFamily="34" charset="0"/>
+                <a:cs typeface="Open Sans" panose="020B0606030504020204" pitchFamily="34" charset="0"/>
+              </a:rPr>
+              <a:t>Thank You!</a:t>
+            </a:r>
+            <a:endParaRPr lang="en-US" sz="6000" b="1">
+              <a:solidFill>
+                <a:schemeClr val="bg1"/>
+              </a:solidFill>
+              <a:latin typeface="Open Sans" panose="020B0606030504020204" pitchFamily="34" charset="0"/>
+              <a:ea typeface="Open Sans" panose="020B0606030504020204" pitchFamily="34" charset="0"/>
+              <a:cs typeface="Open Sans" panose="020B0606030504020204" pitchFamily="34" charset="0"/>
+            </a:endParaRPr>
+          </a:p>
+        </p:txBody>
+      </p:sp>
+    </p:spTree>
   </p:cSld>
   <p:clrMapOvr>
     <a:masterClrMapping/>
@@ -4518,7 +4976,7 @@
         <p:nvSpPr>
           <p:cNvPr id="2" name="Content Placeholder 1"/>
           <p:cNvSpPr>
-            <a:spLocks noGrp="1"/>
+            <a:spLocks noGrp="true"/>
           </p:cNvSpPr>
           <p:nvPr>
             <p:ph idx="1"/>
@@ -4543,6 +5001,11 @@
               </a:rPr>
               <a:t>Before Protractor</a:t>
             </a:r>
+            <a:endParaRPr lang="en-US" sz="2000" b="1" smtClean="0">
+              <a:solidFill>
+                <a:schemeClr val="accent2"/>
+              </a:solidFill>
+            </a:endParaRPr>
           </a:p>
           <a:p>
             <a:pPr marL="857250" lvl="1" indent="-457200">
@@ -4619,6 +5082,11 @@
               </a:rPr>
               <a:t>Type</a:t>
             </a:r>
+            <a:endParaRPr lang="en-US" b="1" smtClean="0">
+              <a:solidFill>
+                <a:schemeClr val="accent2"/>
+              </a:solidFill>
+            </a:endParaRPr>
           </a:p>
           <a:p>
             <a:pPr marL="857250" lvl="1" indent="-457200">
@@ -4633,6 +5101,11 @@
               </a:rPr>
               <a:t>Overview about Typescript</a:t>
             </a:r>
+            <a:endParaRPr lang="en-US" b="1" smtClean="0">
+              <a:solidFill>
+                <a:schemeClr val="accent2"/>
+              </a:solidFill>
+            </a:endParaRPr>
           </a:p>
           <a:p>
             <a:pPr marL="857250" lvl="1" indent="-457200">
@@ -4647,6 +5120,11 @@
               </a:rPr>
               <a:t>Overview about Selenium</a:t>
             </a:r>
+            <a:endParaRPr lang="en-US" b="1" smtClean="0">
+              <a:solidFill>
+                <a:schemeClr val="accent2"/>
+              </a:solidFill>
+            </a:endParaRPr>
           </a:p>
           <a:p>
             <a:pPr marL="457200" indent="-457200">
@@ -4661,6 +5139,11 @@
               </a:rPr>
               <a:t>Protractor</a:t>
             </a:r>
+            <a:endParaRPr lang="en-US" sz="2000" b="1" smtClean="0">
+              <a:solidFill>
+                <a:schemeClr val="accent2"/>
+              </a:solidFill>
+            </a:endParaRPr>
           </a:p>
           <a:p>
             <a:pPr marL="457200" indent="-457200">
@@ -4675,6 +5158,11 @@
               </a:rPr>
               <a:t>After Protractor</a:t>
             </a:r>
+            <a:endParaRPr lang="en-US" sz="2000" b="1" smtClean="0">
+              <a:solidFill>
+                <a:schemeClr val="accent2"/>
+              </a:solidFill>
+            </a:endParaRPr>
           </a:p>
           <a:p>
             <a:pPr marL="457200" indent="-457200">
@@ -4701,7 +5189,7 @@
         <p:nvSpPr>
           <p:cNvPr id="3" name="Title 2"/>
           <p:cNvSpPr>
-            <a:spLocks noGrp="1"/>
+            <a:spLocks noGrp="true"/>
           </p:cNvSpPr>
           <p:nvPr>
             <p:ph type="title"/>
@@ -4725,11 +5213,6 @@
         </p:txBody>
       </p:sp>
     </p:spTree>
-    <p:extLst>
-      <p:ext uri="{BB962C8B-B14F-4D97-AF65-F5344CB8AC3E}">
-        <p14:creationId xmlns:p14="http://schemas.microsoft.com/office/powerpoint/2010/main" val="1774440080"/>
-      </p:ext>
-    </p:extLst>
   </p:cSld>
   <p:clrMapOvr>
     <a:masterClrMapping/>
@@ -4765,7 +5248,7 @@
         <p:nvSpPr>
           <p:cNvPr id="2" name="Title 1"/>
           <p:cNvSpPr>
-            <a:spLocks noGrp="1"/>
+            <a:spLocks noGrp="true"/>
           </p:cNvSpPr>
           <p:nvPr>
             <p:ph type="title"/>
@@ -4788,7 +5271,7 @@
         <p:nvSpPr>
           <p:cNvPr id="3" name="Content Placeholder 2"/>
           <p:cNvSpPr>
-            <a:spLocks noGrp="1"/>
+            <a:spLocks noGrp="true"/>
           </p:cNvSpPr>
           <p:nvPr>
             <p:ph idx="1"/>
@@ -4846,6 +5329,7 @@
               <a:rPr lang="en-US" smtClean="0"/>
               <a:t>) </a:t>
             </a:r>
+            <a:endParaRPr lang="en-US" smtClean="0"/>
           </a:p>
           <a:p>
             <a:pPr>
@@ -4923,6 +5407,11 @@
               </a:rPr>
               <a:t>language</a:t>
             </a:r>
+            <a:endParaRPr lang="en-US" smtClean="0">
+              <a:solidFill>
+                <a:srgbClr val="C00000"/>
+              </a:solidFill>
+            </a:endParaRPr>
           </a:p>
           <a:p>
             <a:pPr>
@@ -5025,15 +5514,15 @@
         <p:nvPicPr>
           <p:cNvPr id="2050" name="Picture 2" descr="Tập tin:JavaScript-logo.png – Wikipedia tiếng Việt"/>
           <p:cNvPicPr>
-            <a:picLocks noChangeAspect="1" noChangeArrowheads="1"/>
+            <a:picLocks noChangeAspect="true" noChangeArrowheads="true"/>
           </p:cNvPicPr>
           <p:nvPr/>
         </p:nvPicPr>
         <p:blipFill>
-          <a:blip r:embed="rId2" cstate="print">
+          <a:blip r:embed="rId1" cstate="print">
             <a:extLst>
               <a:ext uri="{28A0092B-C50C-407E-A947-70E740481C1C}">
-                <a14:useLocalDpi xmlns:a14="http://schemas.microsoft.com/office/drawing/2010/main" val="0"/>
+                <a14:useLocalDpi xmlns:a14="http://schemas.microsoft.com/office/drawing/2010/main" val="false"/>
               </a:ext>
             </a:extLst>
           </a:blip>
@@ -5063,11 +5552,6 @@
         </p:spPr>
       </p:pic>
     </p:spTree>
-    <p:extLst>
-      <p:ext uri="{BB962C8B-B14F-4D97-AF65-F5344CB8AC3E}">
-        <p14:creationId xmlns:p14="http://schemas.microsoft.com/office/powerpoint/2010/main" val="1731386584"/>
-      </p:ext>
-    </p:extLst>
   </p:cSld>
   <p:clrMapOvr>
     <a:masterClrMapping/>
@@ -5103,7 +5587,7 @@
         <p:nvSpPr>
           <p:cNvPr id="2" name="Title 1"/>
           <p:cNvSpPr>
-            <a:spLocks noGrp="1"/>
+            <a:spLocks noGrp="true"/>
           </p:cNvSpPr>
           <p:nvPr>
             <p:ph type="title"/>
@@ -5118,6 +5602,7 @@
               <a:rPr lang="en-US"/>
               <a:t>Javascript Reference</a:t>
             </a:r>
+            <a:endParaRPr lang="en-US"/>
           </a:p>
         </p:txBody>
       </p:sp>
@@ -5125,7 +5610,7 @@
         <p:nvSpPr>
           <p:cNvPr id="3" name="Content Placeholder 2"/>
           <p:cNvSpPr>
-            <a:spLocks noGrp="1"/>
+            <a:spLocks noGrp="true"/>
           </p:cNvSpPr>
           <p:nvPr>
             <p:ph idx="1"/>
@@ -5142,12 +5627,12 @@
             </a:pPr>
             <a:r>
               <a:rPr lang="en-US">
-                <a:hlinkClick r:id="rId2"/>
+                <a:hlinkClick r:id="rId1"/>
               </a:rPr>
               <a:t>https://developer.mozilla.org/en-US/docs/Learn/Getting_started_with_the_web/JavaScript_basics</a:t>
             </a:r>
             <a:endParaRPr lang="en-US">
-              <a:hlinkClick r:id="rId3"/>
+              <a:hlinkClick r:id="rId2"/>
             </a:endParaRPr>
           </a:p>
           <a:p>
@@ -5157,12 +5642,12 @@
             </a:pPr>
             <a:r>
               <a:rPr lang="en-US">
-                <a:hlinkClick r:id="rId3"/>
+                <a:hlinkClick r:id="rId2"/>
               </a:rPr>
               <a:t>https://developer.mozilla.org/en-US/docs/Learn/JavaScript/Asynchronous/Introducing</a:t>
             </a:r>
             <a:endParaRPr lang="en-US">
-              <a:hlinkClick r:id="rId4"/>
+              <a:hlinkClick r:id="rId3"/>
             </a:endParaRPr>
           </a:p>
           <a:p>
@@ -5172,7 +5657,7 @@
             </a:pPr>
             <a:r>
               <a:rPr lang="en-US">
-                <a:hlinkClick r:id="rId4"/>
+                <a:hlinkClick r:id="rId3"/>
               </a:rPr>
               <a:t>https://w3techs.com/technologies/details/cp-javascript</a:t>
             </a:r>
@@ -5187,11 +5672,6 @@
         </p:txBody>
       </p:sp>
     </p:spTree>
-    <p:extLst>
-      <p:ext uri="{BB962C8B-B14F-4D97-AF65-F5344CB8AC3E}">
-        <p14:creationId xmlns:p14="http://schemas.microsoft.com/office/powerpoint/2010/main" val="575195833"/>
-      </p:ext>
-    </p:extLst>
   </p:cSld>
   <p:clrMapOvr>
     <a:masterClrMapping/>
@@ -5220,7 +5700,7 @@
         <p:nvSpPr>
           <p:cNvPr id="2" name="Title 1"/>
           <p:cNvSpPr>
-            <a:spLocks noGrp="1"/>
+            <a:spLocks noGrp="true"/>
           </p:cNvSpPr>
           <p:nvPr>
             <p:ph type="title"/>
@@ -5248,7 +5728,7 @@
         <p:nvSpPr>
           <p:cNvPr id="3" name="Content Placeholder 2"/>
           <p:cNvSpPr>
-            <a:spLocks noGrp="1"/>
+            <a:spLocks noGrp="true"/>
           </p:cNvSpPr>
           <p:nvPr>
             <p:ph idx="1"/>
@@ -5282,6 +5762,7 @@
               <a:rPr lang="en-US" smtClean="0"/>
               <a:t>Microsoft</a:t>
             </a:r>
+            <a:endParaRPr lang="en-US" smtClean="0"/>
           </a:p>
           <a:p>
             <a:r>
@@ -5347,6 +5828,7 @@
               <a:rPr lang="en-US" smtClean="0"/>
               <a:t>TypeScript helps us prevent the most common error in JavaScript development</a:t>
             </a:r>
+            <a:endParaRPr lang="en-US" smtClean="0"/>
           </a:p>
           <a:p>
             <a:pPr marL="457200" lvl="1" indent="0">
@@ -5356,6 +5838,7 @@
               <a:rPr lang="en-US" smtClean="0"/>
               <a:t>Ex:</a:t>
             </a:r>
+            <a:endParaRPr lang="en-US" smtClean="0"/>
           </a:p>
           <a:p>
             <a:pPr marL="457200" lvl="1" indent="0">
@@ -5387,6 +5870,7 @@
               <a:rPr lang="en-US" smtClean="0"/>
               <a:t>anymore</a:t>
             </a:r>
+            <a:endParaRPr lang="en-US" smtClean="0"/>
           </a:p>
           <a:p>
             <a:pPr marL="457200" lvl="1" indent="0">
@@ -5444,15 +5928,15 @@
         <p:nvPicPr>
           <p:cNvPr id="6" name="Picture 2" descr="Getting started with TypeScript.. If you want to start developing PWAs… |  by Onejohi | Medium"/>
           <p:cNvPicPr>
-            <a:picLocks noChangeAspect="1" noChangeArrowheads="1"/>
+            <a:picLocks noChangeAspect="true" noChangeArrowheads="true"/>
           </p:cNvPicPr>
           <p:nvPr/>
         </p:nvPicPr>
         <p:blipFill>
-          <a:blip r:embed="rId2" cstate="print">
+          <a:blip r:embed="rId1" cstate="print">
             <a:extLst>
               <a:ext uri="{28A0092B-C50C-407E-A947-70E740481C1C}">
-                <a14:useLocalDpi xmlns:a14="http://schemas.microsoft.com/office/drawing/2010/main" val="0"/>
+                <a14:useLocalDpi xmlns:a14="http://schemas.microsoft.com/office/drawing/2010/main" val="false"/>
               </a:ext>
             </a:extLst>
           </a:blip>
@@ -5482,11 +5966,6 @@
         </p:spPr>
       </p:pic>
     </p:spTree>
-    <p:extLst>
-      <p:ext uri="{BB962C8B-B14F-4D97-AF65-F5344CB8AC3E}">
-        <p14:creationId xmlns:p14="http://schemas.microsoft.com/office/powerpoint/2010/main" val="343020691"/>
-      </p:ext>
-    </p:extLst>
   </p:cSld>
   <p:clrMapOvr>
     <a:masterClrMapping/>
@@ -5503,19 +5982,12 @@
         <p:cNvGrpSpPr/>
         <p:nvPr/>
       </p:nvGrpSpPr>
-      <p:grpSpPr>
-        <a:xfrm>
-          <a:off x="0" y="0"/>
-          <a:ext cx="0" cy="0"/>
-          <a:chOff x="0" y="0"/>
-          <a:chExt cx="0" cy="0"/>
-        </a:xfrm>
-      </p:grpSpPr>
+      <p:grpSpPr/>
       <p:sp>
         <p:nvSpPr>
           <p:cNvPr id="2" name="Title 1"/>
           <p:cNvSpPr>
-            <a:spLocks noGrp="1"/>
+            <a:spLocks noGrp="true"/>
           </p:cNvSpPr>
           <p:nvPr>
             <p:ph type="title"/>
@@ -5524,105 +5996,208 @@
         <p:spPr/>
         <p:txBody>
           <a:bodyPr/>
-          <a:lstStyle/>
-          <a:p>
-            <a:r>
-              <a:rPr lang="en-US" smtClean="0"/>
-              <a:t>Typescript </a:t>
-            </a:r>
+          <a:p>
             <a:r>
               <a:rPr lang="en-US"/>
-              <a:t>Reference</a:t>
-            </a:r>
-          </a:p>
-        </p:txBody>
-      </p:sp>
-      <p:sp>
-        <p:nvSpPr>
-          <p:cNvPr id="3" name="Content Placeholder 2"/>
-          <p:cNvSpPr>
-            <a:spLocks noGrp="1"/>
-          </p:cNvSpPr>
+              <a:t>Comparing some characteristic when coding in </a:t>
+            </a:r>
+            <a:r>
+              <a:rPr lang="" altLang="en-US"/>
+              <a:t>T</a:t>
+            </a:r>
+            <a:r>
+              <a:rPr lang="en-US"/>
+              <a:t>ypescript and </a:t>
+            </a:r>
+            <a:r>
+              <a:rPr lang="" altLang="en-US"/>
+              <a:t>J</a:t>
+            </a:r>
+            <a:r>
+              <a:rPr lang="en-US"/>
+              <a:t>ava</a:t>
+            </a:r>
+            <a:endParaRPr lang="en-US"/>
+          </a:p>
+        </p:txBody>
+      </p:sp>
+      <p:graphicFrame>
+        <p:nvGraphicFramePr>
+          <p:cNvPr id="4" name="Content Placeholder 3"/>
+          <p:cNvGraphicFramePr/>
           <p:nvPr>
             <p:ph idx="1"/>
           </p:nvPr>
-        </p:nvSpPr>
-        <p:spPr/>
-        <p:txBody>
-          <a:bodyPr/>
-          <a:lstStyle/>
-          <a:p>
-            <a:r>
-              <a:rPr lang="en-US">
-                <a:hlinkClick r:id="rId2"/>
-              </a:rPr>
-              <a:t>https://www.typescriptlang.org/docs/handbook/typescript-from-scratch.html</a:t>
-            </a:r>
-          </a:p>
-          <a:p>
-            <a:r>
-              <a:rPr lang="en-US" smtClean="0">
-                <a:hlinkClick r:id="rId3"/>
-              </a:rPr>
-              <a:t>https</a:t>
-            </a:r>
-            <a:r>
-              <a:rPr lang="en-US">
-                <a:hlinkClick r:id="rId3"/>
-              </a:rPr>
-              <a:t>://medium.com/@</a:t>
-            </a:r>
-            <a:r>
-              <a:rPr lang="en-US" smtClean="0">
-                <a:hlinkClick r:id="rId3"/>
-              </a:rPr>
-              <a:t>kgelpes/how-typescript-helps-us-prevent-the-most-common-error-in-javascript-development-2dbcb54cf12</a:t>
-            </a:r>
-            <a:endParaRPr lang="en-US" smtClean="0"/>
-          </a:p>
-          <a:p>
-            <a:r>
-              <a:rPr lang="en-US">
-                <a:hlinkClick r:id="rId4"/>
-              </a:rPr>
-              <a:t>https://</a:t>
-            </a:r>
-            <a:r>
-              <a:rPr lang="en-US" smtClean="0">
-                <a:hlinkClick r:id="rId4"/>
-              </a:rPr>
-              <a:t>stackoverflow.com/questions/12694530/what-is-typescript-and-why-would-i-use-it-in-place-of-javascript</a:t>
-            </a:r>
-            <a:endParaRPr lang="en-US" smtClean="0"/>
-          </a:p>
-          <a:p>
-            <a:r>
-              <a:rPr lang="en-US">
-                <a:hlinkClick r:id="rId5"/>
-              </a:rPr>
-              <a:t>https://channel9.msdn.com/posts/Anders-Hejlsberg-Introducing-TypeScript</a:t>
-            </a:r>
-            <a:endParaRPr lang="en-US"/>
-          </a:p>
-        </p:txBody>
-      </p:sp>
+        </p:nvGraphicFramePr>
+        <p:xfrm>
+          <a:off x="1154955" y="1654175"/>
+          <a:ext cx="9869170" cy="1905000"/>
+        </p:xfrm>
+        <a:graphic>
+          <a:graphicData uri="http://schemas.openxmlformats.org/drawingml/2006/table">
+            <a:tbl>
+              <a:tblPr firstRow="true" bandRow="true">
+                <a:tableStyleId>{5C22544A-7EE6-4342-B048-85BDC9FD1C3A}</a:tableStyleId>
+              </a:tblPr>
+              <a:tblGrid>
+                <a:gridCol w="4934585"/>
+                <a:gridCol w="4934585"/>
+              </a:tblGrid>
+              <a:tr h="381000">
+                <a:tc>
+                  <a:txBody>
+                    <a:bodyPr/>
+                    <a:p>
+                      <a:pPr algn="ctr">
+                        <a:buNone/>
+                      </a:pPr>
+                      <a:r>
+                        <a:rPr lang="" altLang="en-US"/>
+                        <a:t>Typescript</a:t>
+                      </a:r>
+                      <a:endParaRPr lang="" altLang="en-US"/>
+                    </a:p>
+                  </a:txBody>
+                  <a:tcPr/>
+                </a:tc>
+                <a:tc>
+                  <a:txBody>
+                    <a:bodyPr/>
+                    <a:p>
+                      <a:pPr algn="ctr">
+                        <a:buNone/>
+                      </a:pPr>
+                      <a:r>
+                        <a:rPr lang="en-US" altLang="en-US" sz="1800">
+                          <a:sym typeface="+mn-ea"/>
+                        </a:rPr>
+                        <a:t>J</a:t>
+                      </a:r>
+                      <a:r>
+                        <a:rPr lang="en-US" sz="1800">
+                          <a:sym typeface="+mn-ea"/>
+                        </a:rPr>
+                        <a:t>ava</a:t>
+                      </a:r>
+                      <a:endParaRPr lang="en-US"/>
+                    </a:p>
+                  </a:txBody>
+                  <a:tcPr/>
+                </a:tc>
+              </a:tr>
+              <a:tr h="381000">
+                <a:tc>
+                  <a:txBody>
+                    <a:bodyPr/>
+                    <a:p>
+                      <a:pPr>
+                        <a:buNone/>
+                      </a:pPr>
+                      <a:endParaRPr lang="en-US"/>
+                    </a:p>
+                  </a:txBody>
+                  <a:tcPr/>
+                </a:tc>
+                <a:tc>
+                  <a:txBody>
+                    <a:bodyPr/>
+                    <a:p>
+                      <a:pPr>
+                        <a:buNone/>
+                      </a:pPr>
+                      <a:endParaRPr lang="en-US"/>
+                    </a:p>
+                  </a:txBody>
+                  <a:tcPr/>
+                </a:tc>
+              </a:tr>
+              <a:tr h="381000">
+                <a:tc>
+                  <a:txBody>
+                    <a:bodyPr/>
+                    <a:p>
+                      <a:pPr>
+                        <a:buNone/>
+                      </a:pPr>
+                      <a:endParaRPr lang="en-US"/>
+                    </a:p>
+                  </a:txBody>
+                  <a:tcPr/>
+                </a:tc>
+                <a:tc>
+                  <a:txBody>
+                    <a:bodyPr/>
+                    <a:p>
+                      <a:pPr>
+                        <a:buNone/>
+                      </a:pPr>
+                      <a:endParaRPr lang="en-US"/>
+                    </a:p>
+                  </a:txBody>
+                  <a:tcPr/>
+                </a:tc>
+              </a:tr>
+              <a:tr h="381000">
+                <a:tc>
+                  <a:txBody>
+                    <a:bodyPr/>
+                    <a:p>
+                      <a:pPr>
+                        <a:buNone/>
+                      </a:pPr>
+                      <a:endParaRPr lang="en-US"/>
+                    </a:p>
+                  </a:txBody>
+                  <a:tcPr/>
+                </a:tc>
+                <a:tc>
+                  <a:txBody>
+                    <a:bodyPr/>
+                    <a:p>
+                      <a:pPr>
+                        <a:buNone/>
+                      </a:pPr>
+                      <a:endParaRPr lang="en-US"/>
+                    </a:p>
+                  </a:txBody>
+                  <a:tcPr/>
+                </a:tc>
+              </a:tr>
+              <a:tr h="381000">
+                <a:tc>
+                  <a:txBody>
+                    <a:bodyPr/>
+                    <a:p>
+                      <a:pPr>
+                        <a:buNone/>
+                      </a:pPr>
+                      <a:endParaRPr lang="en-US"/>
+                    </a:p>
+                  </a:txBody>
+                  <a:tcPr/>
+                </a:tc>
+                <a:tc>
+                  <a:txBody>
+                    <a:bodyPr/>
+                    <a:p>
+                      <a:pPr>
+                        <a:buNone/>
+                      </a:pPr>
+                      <a:endParaRPr lang="en-US"/>
+                    </a:p>
+                  </a:txBody>
+                  <a:tcPr/>
+                </a:tc>
+              </a:tr>
+            </a:tbl>
+          </a:graphicData>
+        </a:graphic>
+      </p:graphicFrame>
     </p:spTree>
-    <p:extLst>
-      <p:ext uri="{BB962C8B-B14F-4D97-AF65-F5344CB8AC3E}">
-        <p14:creationId xmlns:p14="http://schemas.microsoft.com/office/powerpoint/2010/main" val="2470383269"/>
-      </p:ext>
-    </p:extLst>
   </p:cSld>
   <p:clrMapOvr>
     <a:masterClrMapping/>
   </p:clrMapOvr>
-  <p:timing>
-    <p:tnLst>
-      <p:par>
-        <p:cTn id="1" dur="indefinite" restart="never" nodeType="tmRoot"/>
-      </p:par>
-    </p:tnLst>
-  </p:timing>
 </p:sld>
 </file>
 
@@ -5647,7 +6222,7 @@
         <p:nvSpPr>
           <p:cNvPr id="2" name="Title 1"/>
           <p:cNvSpPr>
-            <a:spLocks noGrp="1"/>
+            <a:spLocks noGrp="true"/>
           </p:cNvSpPr>
           <p:nvPr>
             <p:ph type="title"/>
@@ -5660,7 +6235,11 @@
           <a:p>
             <a:r>
               <a:rPr lang="en-US" smtClean="0"/>
-              <a:t>Type and Scope</a:t>
+              <a:t>Typescript </a:t>
+            </a:r>
+            <a:r>
+              <a:rPr lang="en-US"/>
+              <a:t>Reference</a:t>
             </a:r>
             <a:endParaRPr lang="en-US"/>
           </a:p>
@@ -5670,12 +6249,137 @@
         <p:nvSpPr>
           <p:cNvPr id="3" name="Content Placeholder 2"/>
           <p:cNvSpPr>
-            <a:spLocks noGrp="1"/>
+            <a:spLocks noGrp="true"/>
           </p:cNvSpPr>
           <p:nvPr>
             <p:ph idx="1"/>
           </p:nvPr>
         </p:nvSpPr>
+        <p:spPr/>
+        <p:txBody>
+          <a:bodyPr/>
+          <a:lstStyle/>
+          <a:p>
+            <a:r>
+              <a:rPr lang="en-US">
+                <a:hlinkClick r:id="rId1"/>
+              </a:rPr>
+              <a:t>https://www.typescriptlang.org/docs/handbook/typescript-from-scratch.html</a:t>
+            </a:r>
+            <a:endParaRPr lang="en-US"/>
+          </a:p>
+          <a:p>
+            <a:r>
+              <a:rPr lang="en-US" smtClean="0">
+                <a:hlinkClick r:id="rId2"/>
+              </a:rPr>
+              <a:t>https</a:t>
+            </a:r>
+            <a:r>
+              <a:rPr lang="en-US">
+                <a:hlinkClick r:id="rId2"/>
+              </a:rPr>
+              <a:t>://medium.com/@</a:t>
+            </a:r>
+            <a:r>
+              <a:rPr lang="en-US" smtClean="0">
+                <a:hlinkClick r:id="rId2"/>
+              </a:rPr>
+              <a:t>kgelpes/how-typescript-helps-us-prevent-the-most-common-error-in-javascript-development-2dbcb54cf12</a:t>
+            </a:r>
+            <a:endParaRPr lang="en-US" smtClean="0"/>
+          </a:p>
+          <a:p>
+            <a:r>
+              <a:rPr lang="en-US">
+                <a:hlinkClick r:id="rId3"/>
+              </a:rPr>
+              <a:t>https://</a:t>
+            </a:r>
+            <a:r>
+              <a:rPr lang="en-US" smtClean="0">
+                <a:hlinkClick r:id="rId3"/>
+              </a:rPr>
+              <a:t>stackoverflow.com/questions/12694530/what-is-typescript-and-why-would-i-use-it-in-place-of-javascript</a:t>
+            </a:r>
+            <a:endParaRPr lang="en-US" smtClean="0"/>
+          </a:p>
+          <a:p>
+            <a:r>
+              <a:rPr lang="en-US">
+                <a:hlinkClick r:id="rId4"/>
+              </a:rPr>
+              <a:t>https://channel9.msdn.com/posts/Anders-Hejlsberg-Introducing-TypeScript</a:t>
+            </a:r>
+            <a:endParaRPr lang="en-US"/>
+          </a:p>
+        </p:txBody>
+      </p:sp>
+    </p:spTree>
+  </p:cSld>
+  <p:clrMapOvr>
+    <a:masterClrMapping/>
+  </p:clrMapOvr>
+  <p:timing>
+    <p:tnLst>
+      <p:par>
+        <p:cTn id="1" dur="indefinite" restart="never" nodeType="tmRoot"/>
+      </p:par>
+    </p:tnLst>
+  </p:timing>
+</p:sld>
+</file>
+
+<file path=ppt/slides/slide8.xml><?xml version="1.0" encoding="utf-8"?>
+<p:sld xmlns:a="http://schemas.openxmlformats.org/drawingml/2006/main" xmlns:r="http://schemas.openxmlformats.org/officeDocument/2006/relationships" xmlns:p="http://schemas.openxmlformats.org/presentationml/2006/main">
+  <p:cSld>
+    <p:spTree>
+      <p:nvGrpSpPr>
+        <p:cNvPr id="1" name=""/>
+        <p:cNvGrpSpPr/>
+        <p:nvPr/>
+      </p:nvGrpSpPr>
+      <p:grpSpPr>
+        <a:xfrm>
+          <a:off x="0" y="0"/>
+          <a:ext cx="0" cy="0"/>
+          <a:chOff x="0" y="0"/>
+          <a:chExt cx="0" cy="0"/>
+        </a:xfrm>
+      </p:grpSpPr>
+      <p:sp>
+        <p:nvSpPr>
+          <p:cNvPr id="2" name="Title 1"/>
+          <p:cNvSpPr>
+            <a:spLocks noGrp="true"/>
+          </p:cNvSpPr>
+          <p:nvPr>
+            <p:ph type="title"/>
+          </p:nvPr>
+        </p:nvSpPr>
+        <p:spPr/>
+        <p:txBody>
+          <a:bodyPr/>
+          <a:lstStyle/>
+          <a:p>
+            <a:r>
+              <a:rPr lang="en-US" smtClean="0"/>
+              <a:t>Type and Scope</a:t>
+            </a:r>
+            <a:endParaRPr lang="en-US"/>
+          </a:p>
+        </p:txBody>
+      </p:sp>
+      <p:sp>
+        <p:nvSpPr>
+          <p:cNvPr id="3" name="Content Placeholder 2"/>
+          <p:cNvSpPr>
+            <a:spLocks noGrp="true"/>
+          </p:cNvSpPr>
+          <p:nvPr>
+            <p:ph idx="1"/>
+          </p:nvPr>
+        </p:nvSpPr>
         <p:spPr>
           <a:xfrm>
             <a:off x="1154955" y="1862972"/>
@@ -5692,16 +6396,13 @@
             </a:pPr>
             <a:r>
               <a:rPr lang="en-US"/>
-              <a:t>Types are free documentation that increase understanding and improve </a:t>
-            </a:r>
-            <a:r>
-              <a:rPr lang="en-US"/>
-              <a:t>developer's </a:t>
+              <a:t>Types are free documentation that increase understanding and improve developer's </a:t>
             </a:r>
             <a:r>
               <a:rPr lang="en-US" smtClean="0"/>
               <a:t>productivity</a:t>
             </a:r>
+            <a:endParaRPr lang="en-US" smtClean="0"/>
           </a:p>
           <a:p>
             <a:pPr>
@@ -5718,16 +6419,13 @@
             </a:r>
             <a:r>
               <a:rPr lang="en-US"/>
-              <a:t>type checking helps prevent errors and </a:t>
-            </a:r>
-            <a:r>
-              <a:rPr lang="en-US"/>
-              <a:t>enhances </a:t>
+              <a:t>type checking helps prevent errors and enhances </a:t>
             </a:r>
             <a:r>
               <a:rPr lang="en-US" smtClean="0"/>
               <a:t>reliability</a:t>
             </a:r>
+            <a:endParaRPr lang="en-US" smtClean="0"/>
           </a:p>
           <a:p>
             <a:pPr>
@@ -5738,15 +6436,14 @@
               <a:rPr lang="en-US" smtClean="0"/>
               <a:t>Increase self-documented code</a:t>
             </a:r>
+            <a:endParaRPr lang="en-US" smtClean="0"/>
           </a:p>
         </p:txBody>
       </p:sp>
       <p:sp>
         <p:nvSpPr>
           <p:cNvPr id="4" name="Title 1"/>
-          <p:cNvSpPr txBox="1">
-            <a:spLocks/>
-          </p:cNvSpPr>
+          <p:cNvSpPr txBox="true"/>
           <p:nvPr/>
         </p:nvSpPr>
         <p:spPr bwMode="gray">
@@ -5847,7 +6544,31 @@
         <p:nvPicPr>
           <p:cNvPr id="5" name="Picture 4"/>
           <p:cNvPicPr>
-            <a:picLocks noChangeAspect="1"/>
+            <a:picLocks noChangeAspect="true"/>
+          </p:cNvPicPr>
+          <p:nvPr/>
+        </p:nvPicPr>
+        <p:blipFill>
+          <a:blip r:embed="rId1"/>
+          <a:stretch>
+            <a:fillRect/>
+          </a:stretch>
+        </p:blipFill>
+        <p:spPr>
+          <a:xfrm>
+            <a:off x="1367862" y="3432286"/>
+            <a:ext cx="3537597" cy="2170228"/>
+          </a:xfrm>
+          <a:prstGeom prst="rect">
+            <a:avLst/>
+          </a:prstGeom>
+        </p:spPr>
+      </p:pic>
+      <p:pic>
+        <p:nvPicPr>
+          <p:cNvPr id="6" name="Picture 5"/>
+          <p:cNvPicPr>
+            <a:picLocks noChangeAspect="true"/>
           </p:cNvPicPr>
           <p:nvPr/>
         </p:nvPicPr>
@@ -5859,44 +6580,15 @@
         </p:blipFill>
         <p:spPr>
           <a:xfrm>
-            <a:off x="1367862" y="3432286"/>
-            <a:ext cx="3537597" cy="2170228"/>
+            <a:off x="5293553" y="3432286"/>
+            <a:ext cx="6515904" cy="2170228"/>
           </a:xfrm>
           <a:prstGeom prst="rect">
             <a:avLst/>
           </a:prstGeom>
         </p:spPr>
       </p:pic>
-      <p:pic>
-        <p:nvPicPr>
-          <p:cNvPr id="6" name="Picture 5"/>
-          <p:cNvPicPr>
-            <a:picLocks noChangeAspect="1"/>
-          </p:cNvPicPr>
-          <p:nvPr/>
-        </p:nvPicPr>
-        <p:blipFill>
-          <a:blip r:embed="rId3"/>
-          <a:stretch>
-            <a:fillRect/>
-          </a:stretch>
-        </p:blipFill>
-        <p:spPr>
-          <a:xfrm>
-            <a:off x="5293553" y="3432286"/>
-            <a:ext cx="6515904" cy="2170228"/>
-          </a:xfrm>
-          <a:prstGeom prst="rect">
-            <a:avLst/>
-          </a:prstGeom>
-        </p:spPr>
-      </p:pic>
     </p:spTree>
-    <p:extLst>
-      <p:ext uri="{BB962C8B-B14F-4D97-AF65-F5344CB8AC3E}">
-        <p14:creationId xmlns:p14="http://schemas.microsoft.com/office/powerpoint/2010/main" val="808431249"/>
-      </p:ext>
-    </p:extLst>
   </p:cSld>
   <p:clrMapOvr>
     <a:masterClrMapping/>
@@ -5911,7 +6603,7 @@
 </p:sld>
 </file>
 
-<file path=ppt/slides/slide8.xml><?xml version="1.0" encoding="utf-8"?>
+<file path=ppt/slides/slide9.xml><?xml version="1.0" encoding="utf-8"?>
 <p:sld xmlns:a="http://schemas.openxmlformats.org/drawingml/2006/main" xmlns:r="http://schemas.openxmlformats.org/officeDocument/2006/relationships" xmlns:p="http://schemas.openxmlformats.org/presentationml/2006/main">
   <p:cSld>
     <p:spTree>
@@ -5932,7 +6624,7 @@
         <p:nvSpPr>
           <p:cNvPr id="2" name="Title 1"/>
           <p:cNvSpPr>
-            <a:spLocks noGrp="1"/>
+            <a:spLocks noGrp="true"/>
           </p:cNvSpPr>
           <p:nvPr>
             <p:ph type="title"/>
@@ -5955,7 +6647,7 @@
         <p:nvSpPr>
           <p:cNvPr id="3" name="Content Placeholder 2"/>
           <p:cNvSpPr>
-            <a:spLocks noGrp="1"/>
+            <a:spLocks noGrp="true"/>
           </p:cNvSpPr>
           <p:nvPr>
             <p:ph idx="1"/>
@@ -5982,9 +6674,7 @@
       <p:sp>
         <p:nvSpPr>
           <p:cNvPr id="4" name="Title 1"/>
-          <p:cNvSpPr txBox="1">
-            <a:spLocks/>
-          </p:cNvSpPr>
+          <p:cNvSpPr txBox="true"/>
           <p:nvPr/>
         </p:nvSpPr>
         <p:spPr bwMode="gray">
@@ -6082,230 +6772,6 @@
         </p:txBody>
       </p:sp>
     </p:spTree>
-    <p:extLst>
-      <p:ext uri="{BB962C8B-B14F-4D97-AF65-F5344CB8AC3E}">
-        <p14:creationId xmlns:p14="http://schemas.microsoft.com/office/powerpoint/2010/main" val="576767157"/>
-      </p:ext>
-    </p:extLst>
-  </p:cSld>
-  <p:clrMapOvr>
-    <a:masterClrMapping/>
-  </p:clrMapOvr>
-  <p:timing>
-    <p:tnLst>
-      <p:par>
-        <p:cTn id="1" dur="indefinite" restart="never" nodeType="tmRoot"/>
-      </p:par>
-    </p:tnLst>
-  </p:timing>
-</p:sld>
-</file>
-
-<file path=ppt/slides/slide9.xml><?xml version="1.0" encoding="utf-8"?>
-<p:sld xmlns:a="http://schemas.openxmlformats.org/drawingml/2006/main" xmlns:r="http://schemas.openxmlformats.org/officeDocument/2006/relationships" xmlns:p="http://schemas.openxmlformats.org/presentationml/2006/main">
-  <p:cSld>
-    <p:spTree>
-      <p:nvGrpSpPr>
-        <p:cNvPr id="1" name=""/>
-        <p:cNvGrpSpPr/>
-        <p:nvPr/>
-      </p:nvGrpSpPr>
-      <p:grpSpPr>
-        <a:xfrm>
-          <a:off x="0" y="0"/>
-          <a:ext cx="0" cy="0"/>
-          <a:chOff x="0" y="0"/>
-          <a:chExt cx="0" cy="0"/>
-        </a:xfrm>
-      </p:grpSpPr>
-      <p:pic>
-        <p:nvPicPr>
-          <p:cNvPr id="1028" name="Picture 4" descr="Flat Lay Photography of Macbook Pro Beside White Spiral Notebook and Green Mug"/>
-          <p:cNvPicPr>
-            <a:picLocks noChangeAspect="1" noChangeArrowheads="1"/>
-          </p:cNvPicPr>
-          <p:nvPr/>
-        </p:nvPicPr>
-        <p:blipFill rotWithShape="1">
-          <a:blip r:embed="rId2">
-            <a:extLst>
-              <a:ext uri="{28A0092B-C50C-407E-A947-70E740481C1C}">
-                <a14:useLocalDpi xmlns:a14="http://schemas.microsoft.com/office/drawing/2010/main" val="0"/>
-              </a:ext>
-            </a:extLst>
-          </a:blip>
-          <a:srcRect t="5729" b="189"/>
-          <a:stretch/>
-        </p:blipFill>
-        <p:spPr bwMode="auto">
-          <a:xfrm>
-            <a:off x="0" y="-38101"/>
-            <a:ext cx="12192000" cy="6882245"/>
-          </a:xfrm>
-          <a:prstGeom prst="rect">
-            <a:avLst/>
-          </a:prstGeom>
-          <a:noFill/>
-          <a:extLst>
-            <a:ext uri="{909E8E84-426E-40DD-AFC4-6F175D3DCCD1}">
-              <a14:hiddenFill xmlns:a14="http://schemas.microsoft.com/office/drawing/2010/main">
-                <a:solidFill>
-                  <a:srgbClr val="FFFFFF"/>
-                </a:solidFill>
-              </a14:hiddenFill>
-            </a:ext>
-          </a:extLst>
-        </p:spPr>
-      </p:pic>
-      <p:pic>
-        <p:nvPicPr>
-          <p:cNvPr id="5" name="Picture 4"/>
-          <p:cNvPicPr>
-            <a:picLocks noChangeAspect="1"/>
-          </p:cNvPicPr>
-          <p:nvPr/>
-        </p:nvPicPr>
-        <p:blipFill>
-          <a:blip r:embed="rId3"/>
-          <a:stretch>
-            <a:fillRect/>
-          </a:stretch>
-        </p:blipFill>
-        <p:spPr>
-          <a:xfrm rot="3618775">
-            <a:off x="3301292" y="863395"/>
-            <a:ext cx="5438838" cy="5940051"/>
-          </a:xfrm>
-          <a:prstGeom prst="rect">
-            <a:avLst/>
-          </a:prstGeom>
-        </p:spPr>
-      </p:pic>
-      <p:pic>
-        <p:nvPicPr>
-          <p:cNvPr id="6" name="Picture 5"/>
-          <p:cNvPicPr>
-            <a:picLocks noChangeAspect="1"/>
-          </p:cNvPicPr>
-          <p:nvPr/>
-        </p:nvPicPr>
-        <p:blipFill>
-          <a:blip r:embed="rId4"/>
-          <a:stretch>
-            <a:fillRect/>
-          </a:stretch>
-        </p:blipFill>
-        <p:spPr>
-          <a:xfrm rot="3447446">
-            <a:off x="5026142" y="5860041"/>
-            <a:ext cx="3590095" cy="2548935"/>
-          </a:xfrm>
-          <a:prstGeom prst="rect">
-            <a:avLst/>
-          </a:prstGeom>
-        </p:spPr>
-      </p:pic>
-      <p:sp>
-        <p:nvSpPr>
-          <p:cNvPr id="11" name="Rectangle 10"/>
-          <p:cNvSpPr/>
-          <p:nvPr/>
-        </p:nvSpPr>
-        <p:spPr>
-          <a:xfrm>
-            <a:off x="4075762" y="4254700"/>
-            <a:ext cx="1088571" cy="87086"/>
-          </a:xfrm>
-          <a:prstGeom prst="rect">
-            <a:avLst/>
-          </a:prstGeom>
-          <a:solidFill>
-            <a:schemeClr val="bg1"/>
-          </a:solidFill>
-          <a:ln>
-            <a:noFill/>
-          </a:ln>
-        </p:spPr>
-        <p:style>
-          <a:lnRef idx="2">
-            <a:schemeClr val="accent1">
-              <a:shade val="50000"/>
-            </a:schemeClr>
-          </a:lnRef>
-          <a:fillRef idx="1">
-            <a:schemeClr val="accent1"/>
-          </a:fillRef>
-          <a:effectRef idx="0">
-            <a:schemeClr val="accent1"/>
-          </a:effectRef>
-          <a:fontRef idx="minor">
-            <a:schemeClr val="lt1"/>
-          </a:fontRef>
-        </p:style>
-        <p:txBody>
-          <a:bodyPr rtlCol="0" anchor="ctr"/>
-          <a:lstStyle/>
-          <a:p>
-            <a:pPr algn="ctr"/>
-            <a:endParaRPr lang="en-US">
-              <a:solidFill>
-                <a:schemeClr val="bg1"/>
-              </a:solidFill>
-            </a:endParaRPr>
-          </a:p>
-        </p:txBody>
-      </p:sp>
-      <p:sp>
-        <p:nvSpPr>
-          <p:cNvPr id="10" name="TextBox 9"/>
-          <p:cNvSpPr txBox="1"/>
-          <p:nvPr/>
-        </p:nvSpPr>
-        <p:spPr>
-          <a:xfrm>
-            <a:off x="2250622" y="3021323"/>
-            <a:ext cx="7678057" cy="1015663"/>
-          </a:xfrm>
-          <a:prstGeom prst="rect">
-            <a:avLst/>
-          </a:prstGeom>
-          <a:noFill/>
-        </p:spPr>
-        <p:txBody>
-          <a:bodyPr wrap="square" rtlCol="0">
-            <a:spAutoFit/>
-          </a:bodyPr>
-          <a:lstStyle/>
-          <a:p>
-            <a:pPr algn="ctr"/>
-            <a:r>
-              <a:rPr lang="en-US" sz="6000" b="1" smtClean="0">
-                <a:solidFill>
-                  <a:schemeClr val="bg1"/>
-                </a:solidFill>
-                <a:latin typeface="Open Sans" panose="020B0606030504020204" pitchFamily="34" charset="0"/>
-                <a:ea typeface="Open Sans" panose="020B0606030504020204" pitchFamily="34" charset="0"/>
-                <a:cs typeface="Open Sans" panose="020B0606030504020204" pitchFamily="34" charset="0"/>
-              </a:rPr>
-              <a:t>Thank You!</a:t>
-            </a:r>
-            <a:endParaRPr lang="en-US" sz="6000" b="1">
-              <a:solidFill>
-                <a:schemeClr val="bg1"/>
-              </a:solidFill>
-              <a:latin typeface="Open Sans" panose="020B0606030504020204" pitchFamily="34" charset="0"/>
-              <a:ea typeface="Open Sans" panose="020B0606030504020204" pitchFamily="34" charset="0"/>
-              <a:cs typeface="Open Sans" panose="020B0606030504020204" pitchFamily="34" charset="0"/>
-            </a:endParaRPr>
-          </a:p>
-        </p:txBody>
-      </p:sp>
-    </p:spTree>
-    <p:extLst>
-      <p:ext uri="{BB962C8B-B14F-4D97-AF65-F5344CB8AC3E}">
-        <p14:creationId xmlns:p14="http://schemas.microsoft.com/office/powerpoint/2010/main" val="2576482044"/>
-      </p:ext>
-    </p:extLst>
   </p:cSld>
   <p:clrMapOvr>
     <a:masterClrMapping/>
@@ -6363,7 +6829,7 @@
     </a:clrScheme>
     <a:fontScheme name="Ion Boardroom">
       <a:majorFont>
-        <a:latin typeface="Century Gothic" panose="020B0502020202020204"/>
+        <a:latin typeface="Century Gothic"/>
         <a:ea typeface=""/>
         <a:cs typeface=""/>
         <a:font script="Jpan" typeface="メイリオ"/>
@@ -6398,7 +6864,7 @@
         <a:font script="Geor" typeface="Sylfaen"/>
       </a:majorFont>
       <a:minorFont>
-        <a:latin typeface="Century Gothic" panose="020B0502020202020204"/>
+        <a:latin typeface="Century Gothic"/>
         <a:ea typeface=""/>
         <a:cs typeface=""/>
         <a:font script="Jpan" typeface="メイリオ"/>
@@ -6438,7 +6904,7 @@
         <a:solidFill>
           <a:schemeClr val="phClr"/>
         </a:solidFill>
-        <a:gradFill rotWithShape="1">
+        <a:gradFill rotWithShape="true">
           <a:gsLst>
             <a:gs pos="0">
               <a:schemeClr val="phClr">
@@ -6454,9 +6920,9 @@
               </a:schemeClr>
             </a:gs>
           </a:gsLst>
-          <a:lin ang="5400000" scaled="0"/>
+          <a:lin ang="5400000" scaled="false"/>
         </a:gradFill>
-        <a:gradFill rotWithShape="1">
+        <a:gradFill rotWithShape="true">
           <a:gsLst>
             <a:gs pos="0">
               <a:schemeClr val="phClr">
@@ -6471,7 +6937,7 @@
               </a:schemeClr>
             </a:gs>
           </a:gsLst>
-          <a:lin ang="5400000" scaled="0"/>
+          <a:lin ang="5400000" scaled="false"/>
         </a:gradFill>
       </a:fillStyleLst>
       <a:lnStyleLst>
@@ -6530,7 +6996,7 @@
         <a:solidFill>
           <a:schemeClr val="phClr"/>
         </a:solidFill>
-        <a:gradFill rotWithShape="1">
+        <a:gradFill rotWithShape="true">
           <a:gsLst>
             <a:gs pos="0">
               <a:schemeClr val="phClr">
@@ -6553,7 +7019,7 @@
             <a:fillToRect l="45000" t="65000" r="125000" b="100000"/>
           </a:path>
         </a:gradFill>
-        <a:blipFill rotWithShape="1">
+        <a:blipFill rotWithShape="true">
           <a:blip xmlns:r="http://schemas.openxmlformats.org/officeDocument/2006/relationships" r:embed="rId1">
             <a:duotone>
               <a:schemeClr val="phClr">
@@ -6570,16 +7036,16 @@
               </a:schemeClr>
             </a:duotone>
           </a:blip>
-          <a:stretch/>
+          <a:stretch>
+            <a:fillRect/>
+          </a:stretch>
         </a:blipFill>
       </a:bgFillStyleLst>
     </a:fmtScheme>
   </a:themeElements>
-  <a:objectDefaults/>
-  <a:extraClrSchemeLst/>
   <a:extLst>
     <a:ext uri="{05A4C25C-085E-4340-85A3-A5531E510DB2}">
-      <thm15:themeFamily xmlns:thm15="http://schemas.microsoft.com/office/thememl/2012/main" name="Ion Boardroom" id="{FC33163D-4339-46B1-8EED-24C834239D99}" vid="{A3AB87EF-B655-4FFF-8D05-F333AD7F2789}"/>
+      <thm15:themeFamily xmlns:thm15="http://schemas.microsoft.com/office/thememl/2012/main" name="Office Theme" id="{62F939B6-93AF-4DB8-9C6B-D6C7DFDC589F}" vid="{4A3C46E8-61CC-4603-A589-7422A47A8E4A}"/>
     </a:ext>
   </a:extLst>
 </a:theme>
@@ -6628,7 +7094,7 @@
     </a:clrScheme>
     <a:fontScheme name="Office">
       <a:majorFont>
-        <a:latin typeface="Calibri Light" panose="020F0302020204030204"/>
+        <a:latin typeface="Calibri Light"/>
         <a:ea typeface=""/>
         <a:cs typeface=""/>
         <a:font script="Jpan" typeface="ＭＳ Ｐゴシック"/>
@@ -6663,7 +7129,7 @@
         <a:font script="Geor" typeface="Sylfaen"/>
       </a:majorFont>
       <a:minorFont>
-        <a:latin typeface="Calibri" panose="020F0502020204030204"/>
+        <a:latin typeface="Calibri"/>
         <a:ea typeface=""/>
         <a:cs typeface=""/>
         <a:font script="Jpan" typeface="ＭＳ Ｐゴシック"/>
@@ -6703,7 +7169,7 @@
         <a:solidFill>
           <a:schemeClr val="phClr"/>
         </a:solidFill>
-        <a:gradFill rotWithShape="1">
+        <a:gradFill rotWithShape="true">
           <a:gsLst>
             <a:gs pos="0">
               <a:schemeClr val="phClr">
@@ -6727,9 +7193,9 @@
               </a:schemeClr>
             </a:gs>
           </a:gsLst>
-          <a:lin ang="5400000" scaled="0"/>
+          <a:lin ang="5400000" scaled="false"/>
         </a:gradFill>
-        <a:gradFill rotWithShape="1">
+        <a:gradFill rotWithShape="true">
           <a:gsLst>
             <a:gs pos="0">
               <a:schemeClr val="phClr">
@@ -6753,7 +7219,7 @@
               </a:schemeClr>
             </a:gs>
           </a:gsLst>
-          <a:lin ang="5400000" scaled="0"/>
+          <a:lin ang="5400000" scaled="false"/>
         </a:gradFill>
       </a:fillStyleLst>
       <a:lnStyleLst>
@@ -6806,7 +7272,7 @@
             <a:satMod val="170000"/>
           </a:schemeClr>
         </a:solidFill>
-        <a:gradFill rotWithShape="1">
+        <a:gradFill rotWithShape="true">
           <a:gsLst>
             <a:gs pos="0">
               <a:schemeClr val="phClr">
@@ -6831,13 +7297,11 @@
               </a:schemeClr>
             </a:gs>
           </a:gsLst>
-          <a:lin ang="5400000" scaled="0"/>
+          <a:lin ang="5400000" scaled="false"/>
         </a:gradFill>
       </a:bgFillStyleLst>
     </a:fmtScheme>
   </a:themeElements>
-  <a:objectDefaults/>
-  <a:extraClrSchemeLst/>
   <a:extLst>
     <a:ext uri="{05A4C25C-085E-4340-85A3-A5531E510DB2}">
       <thm15:themeFamily xmlns:thm15="http://schemas.microsoft.com/office/thememl/2012/main" name="Office Theme" id="{62F939B6-93AF-4DB8-9C6B-D6C7DFDC589F}" vid="{4A3C46E8-61CC-4603-A589-7422A47A8E4A}"/>

--- a/Document/Study_document/inContact.pptx
+++ b/Document/Study_document/inContact.pptx
@@ -5,20 +5,22 @@
     <p:sldMasterId id="2147483648" r:id="rId1"/>
   </p:sldMasterIdLst>
   <p:notesMasterIdLst>
-    <p:notesMasterId r:id="rId14"/>
+    <p:notesMasterId r:id="rId15"/>
   </p:notesMasterIdLst>
   <p:sldIdLst>
-    <p:sldId id="256" r:id="rId3"/>
-    <p:sldId id="273" r:id="rId4"/>
-    <p:sldId id="274" r:id="rId5"/>
-    <p:sldId id="276" r:id="rId6"/>
-    <p:sldId id="275" r:id="rId7"/>
-    <p:sldId id="283" r:id="rId8"/>
-    <p:sldId id="277" r:id="rId9"/>
-    <p:sldId id="278" r:id="rId10"/>
-    <p:sldId id="279" r:id="rId11"/>
-    <p:sldId id="282" r:id="rId12"/>
-    <p:sldId id="271" r:id="rId13"/>
+    <p:sldId id="256" r:id="rId2"/>
+    <p:sldId id="273" r:id="rId3"/>
+    <p:sldId id="286" r:id="rId4"/>
+    <p:sldId id="288" r:id="rId5"/>
+    <p:sldId id="274" r:id="rId6"/>
+    <p:sldId id="276" r:id="rId7"/>
+    <p:sldId id="287" r:id="rId8"/>
+    <p:sldId id="275" r:id="rId9"/>
+    <p:sldId id="283" r:id="rId10"/>
+    <p:sldId id="284" r:id="rId11"/>
+    <p:sldId id="285" r:id="rId12"/>
+    <p:sldId id="277" r:id="rId13"/>
+    <p:sldId id="271" r:id="rId14"/>
   </p:sldIdLst>
   <p:sldSz cx="12192000" cy="6858000"/>
   <p:notesSz cx="6858000" cy="9144000"/>
@@ -117,6 +119,11 @@
       </a:defRPr>
     </a:lvl9pPr>
   </p:defaultTextStyle>
+  <p:extLst>
+    <p:ext uri="{EFAFB233-063F-42B5-8137-9DF3F51BA10A}">
+      <p15:sldGuideLst xmlns:p15="http://schemas.microsoft.com/office/powerpoint/2012/main"/>
+    </p:ext>
+  </p:extLst>
 </p:presentation>
 </file>
 
@@ -152,7 +159,7 @@
         <p:nvSpPr>
           <p:cNvPr id="2" name="Header Placeholder 1"/>
           <p:cNvSpPr>
-            <a:spLocks noGrp="true"/>
+            <a:spLocks noGrp="1"/>
           </p:cNvSpPr>
           <p:nvPr>
             <p:ph type="hdr" sz="quarter"/>
@@ -183,7 +190,7 @@
         <p:nvSpPr>
           <p:cNvPr id="3" name="Date Placeholder 2"/>
           <p:cNvSpPr>
-            <a:spLocks noGrp="true"/>
+            <a:spLocks noGrp="1"/>
           </p:cNvSpPr>
           <p:nvPr>
             <p:ph type="dt" idx="1"/>
@@ -208,6 +215,7 @@
           <a:p>
             <a:fld id="{7DBC1745-093B-4D3D-9A89-9CD99C9E4F7D}" type="datetimeFigureOut">
               <a:rPr lang="en-US" smtClean="0"/>
+              <a:t>2/5/2021</a:t>
             </a:fld>
             <a:endParaRPr lang="en-US"/>
           </a:p>
@@ -217,7 +225,7 @@
         <p:nvSpPr>
           <p:cNvPr id="4" name="Slide Image Placeholder 3"/>
           <p:cNvSpPr>
-            <a:spLocks noGrp="true" noRot="true" noChangeAspect="true"/>
+            <a:spLocks noGrp="1" noRot="1" noChangeAspect="1"/>
           </p:cNvSpPr>
           <p:nvPr>
             <p:ph type="sldImg" idx="2"/>
@@ -250,7 +258,7 @@
         <p:nvSpPr>
           <p:cNvPr id="5" name="Notes Placeholder 4"/>
           <p:cNvSpPr>
-            <a:spLocks noGrp="true"/>
+            <a:spLocks noGrp="1"/>
           </p:cNvSpPr>
           <p:nvPr>
             <p:ph type="body" sz="quarter" idx="3"/>
@@ -274,7 +282,6 @@
               <a:rPr lang="en-US" smtClean="0"/>
               <a:t>Click to edit Master text styles</a:t>
             </a:r>
-            <a:endParaRPr lang="en-US" smtClean="0"/>
           </a:p>
           <a:p>
             <a:pPr lvl="1"/>
@@ -282,7 +289,6 @@
               <a:rPr lang="en-US" smtClean="0"/>
               <a:t>Second level</a:t>
             </a:r>
-            <a:endParaRPr lang="en-US" smtClean="0"/>
           </a:p>
           <a:p>
             <a:pPr lvl="2"/>
@@ -290,7 +296,6 @@
               <a:rPr lang="en-US" smtClean="0"/>
               <a:t>Third level</a:t>
             </a:r>
-            <a:endParaRPr lang="en-US" smtClean="0"/>
           </a:p>
           <a:p>
             <a:pPr lvl="3"/>
@@ -298,7 +303,6 @@
               <a:rPr lang="en-US" smtClean="0"/>
               <a:t>Fourth level</a:t>
             </a:r>
-            <a:endParaRPr lang="en-US" smtClean="0"/>
           </a:p>
           <a:p>
             <a:pPr lvl="4"/>
@@ -314,7 +318,7 @@
         <p:nvSpPr>
           <p:cNvPr id="6" name="Footer Placeholder 5"/>
           <p:cNvSpPr>
-            <a:spLocks noGrp="true"/>
+            <a:spLocks noGrp="1"/>
           </p:cNvSpPr>
           <p:nvPr>
             <p:ph type="ftr" sz="quarter" idx="4"/>
@@ -345,7 +349,7 @@
         <p:nvSpPr>
           <p:cNvPr id="7" name="Slide Number Placeholder 6"/>
           <p:cNvSpPr>
-            <a:spLocks noGrp="true"/>
+            <a:spLocks noGrp="1"/>
           </p:cNvSpPr>
           <p:nvPr>
             <p:ph type="sldNum" sz="quarter" idx="5"/>
@@ -370,12 +374,18 @@
           <a:p>
             <a:fld id="{FC7B7C0D-1632-439B-A752-34A9003D6088}" type="slidenum">
               <a:rPr lang="en-US" smtClean="0"/>
+              <a:t>‹#›</a:t>
             </a:fld>
             <a:endParaRPr lang="en-US"/>
           </a:p>
         </p:txBody>
       </p:sp>
     </p:spTree>
+    <p:extLst>
+      <p:ext uri="{BB962C8B-B14F-4D97-AF65-F5344CB8AC3E}">
+        <p14:creationId xmlns:p14="http://schemas.microsoft.com/office/powerpoint/2010/main" val="2806761549"/>
+      </p:ext>
+    </p:extLst>
   </p:cSld>
   <p:clrMap bg1="lt1" tx1="dk1" bg2="lt2" tx2="dk2" accent1="accent1" accent2="accent2" accent3="accent3" accent4="accent4" accent5="accent5" accent6="accent6" hlink="hlink" folHlink="folHlink"/>
   <p:notesStyle>
@@ -474,7 +484,7 @@
 </file>
 
 <file path=ppt/slideLayouts/slideLayout1.xml><?xml version="1.0" encoding="utf-8"?>
-<p:sldLayout xmlns:a="http://schemas.openxmlformats.org/drawingml/2006/main" xmlns:r="http://schemas.openxmlformats.org/officeDocument/2006/relationships" xmlns:p="http://schemas.openxmlformats.org/presentationml/2006/main" preserve="1" showMasterSp="0" userDrawn="1">
+<p:sldLayout xmlns:a="http://schemas.openxmlformats.org/drawingml/2006/main" xmlns:r="http://schemas.openxmlformats.org/officeDocument/2006/relationships" xmlns:p="http://schemas.openxmlformats.org/presentationml/2006/main" showMasterSp="0" preserve="1" userDrawn="1">
   <p:cSld name="Title Slide">
     <p:spTree>
       <p:nvGrpSpPr>
@@ -526,10 +536,10 @@
         <p:nvSpPr>
           <p:cNvPr id="2" name="Title 1"/>
           <p:cNvSpPr>
-            <a:spLocks noGrp="true"/>
+            <a:spLocks noGrp="1"/>
           </p:cNvSpPr>
           <p:nvPr>
-            <p:ph type="title" hasCustomPrompt="true"/>
+            <p:ph type="title" hasCustomPrompt="1"/>
           </p:nvPr>
         </p:nvSpPr>
         <p:spPr>
@@ -562,7 +572,7 @@
         <p:nvSpPr>
           <p:cNvPr id="3" name="Content Placeholder 2"/>
           <p:cNvSpPr>
-            <a:spLocks noGrp="true"/>
+            <a:spLocks noGrp="1"/>
           </p:cNvSpPr>
           <p:nvPr>
             <p:ph idx="1"/>
@@ -583,7 +593,6 @@
               <a:rPr lang="en-US" dirty="0" smtClean="0"/>
               <a:t>Click to edit Master text styles</a:t>
             </a:r>
-            <a:endParaRPr lang="en-US" dirty="0" smtClean="0"/>
           </a:p>
           <a:p>
             <a:pPr lvl="1"/>
@@ -591,7 +600,6 @@
               <a:rPr lang="en-US" dirty="0" smtClean="0"/>
               <a:t>Second level</a:t>
             </a:r>
-            <a:endParaRPr lang="en-US" dirty="0" smtClean="0"/>
           </a:p>
           <a:p>
             <a:pPr lvl="2"/>
@@ -599,7 +607,6 @@
               <a:rPr lang="en-US" dirty="0" smtClean="0"/>
               <a:t>Third level</a:t>
             </a:r>
-            <a:endParaRPr lang="en-US" dirty="0" smtClean="0"/>
           </a:p>
           <a:p>
             <a:pPr lvl="3"/>
@@ -607,7 +614,6 @@
               <a:rPr lang="en-US" dirty="0" smtClean="0"/>
               <a:t>Fourth level</a:t>
             </a:r>
-            <a:endParaRPr lang="en-US" dirty="0" smtClean="0"/>
           </a:p>
           <a:p>
             <a:pPr lvl="4"/>
@@ -623,7 +629,7 @@
         <p:nvSpPr>
           <p:cNvPr id="8" name="Rectangle 7"/>
           <p:cNvSpPr/>
-          <p:nvPr userDrawn="true"/>
+          <p:nvPr userDrawn="1"/>
         </p:nvSpPr>
         <p:spPr>
           <a:xfrm>
@@ -701,7 +707,7 @@
         <p:nvSpPr>
           <p:cNvPr id="2" name="Title 1"/>
           <p:cNvSpPr>
-            <a:spLocks noGrp="true"/>
+            <a:spLocks noGrp="1"/>
           </p:cNvSpPr>
           <p:nvPr>
             <p:ph type="title"/>
@@ -724,7 +730,7 @@
         <p:nvSpPr>
           <p:cNvPr id="3" name="Content Placeholder 2"/>
           <p:cNvSpPr>
-            <a:spLocks noGrp="true"/>
+            <a:spLocks noGrp="1"/>
           </p:cNvSpPr>
           <p:nvPr>
             <p:ph sz="half" idx="1"/>
@@ -747,7 +753,6 @@
               <a:rPr lang="en-US" smtClean="0"/>
               <a:t>Click to edit Master text styles</a:t>
             </a:r>
-            <a:endParaRPr lang="en-US" smtClean="0"/>
           </a:p>
           <a:p>
             <a:pPr lvl="1"/>
@@ -755,7 +760,6 @@
               <a:rPr lang="en-US" smtClean="0"/>
               <a:t>Second level</a:t>
             </a:r>
-            <a:endParaRPr lang="en-US" smtClean="0"/>
           </a:p>
           <a:p>
             <a:pPr lvl="2"/>
@@ -763,7 +767,6 @@
               <a:rPr lang="en-US" smtClean="0"/>
               <a:t>Third level</a:t>
             </a:r>
-            <a:endParaRPr lang="en-US" smtClean="0"/>
           </a:p>
           <a:p>
             <a:pPr lvl="3"/>
@@ -771,7 +774,6 @@
               <a:rPr lang="en-US" smtClean="0"/>
               <a:t>Fourth level</a:t>
             </a:r>
-            <a:endParaRPr lang="en-US" smtClean="0"/>
           </a:p>
           <a:p>
             <a:pPr lvl="4"/>
@@ -787,7 +789,7 @@
         <p:nvSpPr>
           <p:cNvPr id="4" name="Content Placeholder 3"/>
           <p:cNvSpPr>
-            <a:spLocks noGrp="true"/>
+            <a:spLocks noGrp="1"/>
           </p:cNvSpPr>
           <p:nvPr>
             <p:ph sz="half" idx="2"/>
@@ -810,7 +812,6 @@
               <a:rPr lang="en-US" smtClean="0"/>
               <a:t>Click to edit Master text styles</a:t>
             </a:r>
-            <a:endParaRPr lang="en-US" smtClean="0"/>
           </a:p>
           <a:p>
             <a:pPr lvl="1"/>
@@ -818,7 +819,6 @@
               <a:rPr lang="en-US" smtClean="0"/>
               <a:t>Second level</a:t>
             </a:r>
-            <a:endParaRPr lang="en-US" smtClean="0"/>
           </a:p>
           <a:p>
             <a:pPr lvl="2"/>
@@ -826,7 +826,6 @@
               <a:rPr lang="en-US" smtClean="0"/>
               <a:t>Third level</a:t>
             </a:r>
-            <a:endParaRPr lang="en-US" smtClean="0"/>
           </a:p>
           <a:p>
             <a:pPr lvl="3"/>
@@ -834,7 +833,6 @@
               <a:rPr lang="en-US" smtClean="0"/>
               <a:t>Fourth level</a:t>
             </a:r>
-            <a:endParaRPr lang="en-US" smtClean="0"/>
           </a:p>
           <a:p>
             <a:pPr lvl="4"/>
@@ -850,7 +848,7 @@
         <p:nvSpPr>
           <p:cNvPr id="5" name="Date Placeholder 4"/>
           <p:cNvSpPr>
-            <a:spLocks noGrp="true"/>
+            <a:spLocks noGrp="1"/>
           </p:cNvSpPr>
           <p:nvPr>
             <p:ph type="dt" sz="half" idx="10"/>
@@ -871,6 +869,7 @@
           <a:p>
             <a:fld id="{AF88043E-905E-4148-B009-B3CB700EBBEA}" type="datetimeFigureOut">
               <a:rPr lang="en-US" smtClean="0"/>
+              <a:t>2/5/2021</a:t>
             </a:fld>
             <a:endParaRPr lang="en-US"/>
           </a:p>
@@ -880,7 +879,7 @@
         <p:nvSpPr>
           <p:cNvPr id="7" name="Slide Number Placeholder 6"/>
           <p:cNvSpPr>
-            <a:spLocks noGrp="true"/>
+            <a:spLocks noGrp="1"/>
           </p:cNvSpPr>
           <p:nvPr>
             <p:ph type="sldNum" sz="quarter" idx="12"/>
@@ -901,6 +900,7 @@
           <a:p>
             <a:fld id="{210999C8-D5EE-40C2-AE43-FAA4980FFAE8}" type="slidenum">
               <a:rPr lang="en-US" smtClean="0"/>
+              <a:t>‹#›</a:t>
             </a:fld>
             <a:endParaRPr lang="en-US"/>
           </a:p>
@@ -942,7 +942,7 @@
         <p:nvSpPr>
           <p:cNvPr id="2" name="Title 1"/>
           <p:cNvSpPr>
-            <a:spLocks noGrp="true"/>
+            <a:spLocks noGrp="1"/>
           </p:cNvSpPr>
           <p:nvPr>
             <p:ph type="title"/>
@@ -969,7 +969,7 @@
         <p:nvSpPr>
           <p:cNvPr id="3" name="Text Placeholder 2"/>
           <p:cNvSpPr>
-            <a:spLocks noGrp="true"/>
+            <a:spLocks noGrp="1"/>
           </p:cNvSpPr>
           <p:nvPr>
             <p:ph type="body" idx="1"/>
@@ -1033,7 +1033,6 @@
               <a:rPr lang="en-US" smtClean="0"/>
               <a:t>Click to edit Master text styles</a:t>
             </a:r>
-            <a:endParaRPr lang="en-US" smtClean="0"/>
           </a:p>
         </p:txBody>
       </p:sp>
@@ -1041,7 +1040,7 @@
         <p:nvSpPr>
           <p:cNvPr id="4" name="Content Placeholder 3"/>
           <p:cNvSpPr>
-            <a:spLocks noGrp="true"/>
+            <a:spLocks noGrp="1"/>
           </p:cNvSpPr>
           <p:nvPr>
             <p:ph sz="half" idx="2"/>
@@ -1064,7 +1063,6 @@
               <a:rPr lang="en-US" smtClean="0"/>
               <a:t>Click to edit Master text styles</a:t>
             </a:r>
-            <a:endParaRPr lang="en-US" smtClean="0"/>
           </a:p>
           <a:p>
             <a:pPr lvl="1"/>
@@ -1072,7 +1070,6 @@
               <a:rPr lang="en-US" smtClean="0"/>
               <a:t>Second level</a:t>
             </a:r>
-            <a:endParaRPr lang="en-US" smtClean="0"/>
           </a:p>
           <a:p>
             <a:pPr lvl="2"/>
@@ -1080,7 +1077,6 @@
               <a:rPr lang="en-US" smtClean="0"/>
               <a:t>Third level</a:t>
             </a:r>
-            <a:endParaRPr lang="en-US" smtClean="0"/>
           </a:p>
           <a:p>
             <a:pPr lvl="3"/>
@@ -1088,7 +1084,6 @@
               <a:rPr lang="en-US" smtClean="0"/>
               <a:t>Fourth level</a:t>
             </a:r>
-            <a:endParaRPr lang="en-US" smtClean="0"/>
           </a:p>
           <a:p>
             <a:pPr lvl="4"/>
@@ -1104,7 +1099,7 @@
         <p:nvSpPr>
           <p:cNvPr id="5" name="Text Placeholder 4"/>
           <p:cNvSpPr>
-            <a:spLocks noGrp="true"/>
+            <a:spLocks noGrp="1"/>
           </p:cNvSpPr>
           <p:nvPr>
             <p:ph type="body" sz="quarter" idx="3"/>
@@ -1168,7 +1163,6 @@
               <a:rPr lang="en-US" smtClean="0"/>
               <a:t>Click to edit Master text styles</a:t>
             </a:r>
-            <a:endParaRPr lang="en-US" smtClean="0"/>
           </a:p>
         </p:txBody>
       </p:sp>
@@ -1176,7 +1170,7 @@
         <p:nvSpPr>
           <p:cNvPr id="6" name="Content Placeholder 5"/>
           <p:cNvSpPr>
-            <a:spLocks noGrp="true"/>
+            <a:spLocks noGrp="1"/>
           </p:cNvSpPr>
           <p:nvPr>
             <p:ph sz="quarter" idx="4"/>
@@ -1199,7 +1193,6 @@
               <a:rPr lang="en-US" smtClean="0"/>
               <a:t>Click to edit Master text styles</a:t>
             </a:r>
-            <a:endParaRPr lang="en-US" smtClean="0"/>
           </a:p>
           <a:p>
             <a:pPr lvl="1"/>
@@ -1207,7 +1200,6 @@
               <a:rPr lang="en-US" smtClean="0"/>
               <a:t>Second level</a:t>
             </a:r>
-            <a:endParaRPr lang="en-US" smtClean="0"/>
           </a:p>
           <a:p>
             <a:pPr lvl="2"/>
@@ -1215,7 +1207,6 @@
               <a:rPr lang="en-US" smtClean="0"/>
               <a:t>Third level</a:t>
             </a:r>
-            <a:endParaRPr lang="en-US" smtClean="0"/>
           </a:p>
           <a:p>
             <a:pPr lvl="3"/>
@@ -1223,7 +1214,6 @@
               <a:rPr lang="en-US" smtClean="0"/>
               <a:t>Fourth level</a:t>
             </a:r>
-            <a:endParaRPr lang="en-US" smtClean="0"/>
           </a:p>
           <a:p>
             <a:pPr lvl="4"/>
@@ -1239,7 +1229,7 @@
         <p:nvSpPr>
           <p:cNvPr id="7" name="Date Placeholder 6"/>
           <p:cNvSpPr>
-            <a:spLocks noGrp="true"/>
+            <a:spLocks noGrp="1"/>
           </p:cNvSpPr>
           <p:nvPr>
             <p:ph type="dt" sz="half" idx="10"/>
@@ -1260,6 +1250,7 @@
           <a:p>
             <a:fld id="{AF88043E-905E-4148-B009-B3CB700EBBEA}" type="datetimeFigureOut">
               <a:rPr lang="en-US" smtClean="0"/>
+              <a:t>2/5/2021</a:t>
             </a:fld>
             <a:endParaRPr lang="en-US"/>
           </a:p>
@@ -1269,7 +1260,7 @@
         <p:nvSpPr>
           <p:cNvPr id="8" name="Footer Placeholder 7"/>
           <p:cNvSpPr>
-            <a:spLocks noGrp="true"/>
+            <a:spLocks noGrp="1"/>
           </p:cNvSpPr>
           <p:nvPr>
             <p:ph type="ftr" sz="quarter" idx="11"/>
@@ -1296,7 +1287,7 @@
         <p:nvSpPr>
           <p:cNvPr id="9" name="Slide Number Placeholder 8"/>
           <p:cNvSpPr>
-            <a:spLocks noGrp="true"/>
+            <a:spLocks noGrp="1"/>
           </p:cNvSpPr>
           <p:nvPr>
             <p:ph type="sldNum" sz="quarter" idx="12"/>
@@ -1317,6 +1308,7 @@
           <a:p>
             <a:fld id="{210999C8-D5EE-40C2-AE43-FAA4980FFAE8}" type="slidenum">
               <a:rPr lang="en-US" smtClean="0"/>
+              <a:t>‹#›</a:t>
             </a:fld>
             <a:endParaRPr lang="en-US"/>
           </a:p>
@@ -1358,7 +1350,7 @@
         <p:nvSpPr>
           <p:cNvPr id="2" name="Title 1"/>
           <p:cNvSpPr>
-            <a:spLocks noGrp="true"/>
+            <a:spLocks noGrp="1"/>
           </p:cNvSpPr>
           <p:nvPr>
             <p:ph type="title"/>
@@ -1381,7 +1373,7 @@
         <p:nvSpPr>
           <p:cNvPr id="3" name="Date Placeholder 2"/>
           <p:cNvSpPr>
-            <a:spLocks noGrp="true"/>
+            <a:spLocks noGrp="1"/>
           </p:cNvSpPr>
           <p:nvPr>
             <p:ph type="dt" sz="half" idx="10"/>
@@ -1402,6 +1394,7 @@
           <a:p>
             <a:fld id="{AF88043E-905E-4148-B009-B3CB700EBBEA}" type="datetimeFigureOut">
               <a:rPr lang="en-US" smtClean="0"/>
+              <a:t>2/5/2021</a:t>
             </a:fld>
             <a:endParaRPr lang="en-US"/>
           </a:p>
@@ -1411,7 +1404,7 @@
         <p:nvSpPr>
           <p:cNvPr id="4" name="Footer Placeholder 3"/>
           <p:cNvSpPr>
-            <a:spLocks noGrp="true"/>
+            <a:spLocks noGrp="1"/>
           </p:cNvSpPr>
           <p:nvPr>
             <p:ph type="ftr" sz="quarter" idx="11"/>
@@ -1438,7 +1431,7 @@
         <p:nvSpPr>
           <p:cNvPr id="5" name="Slide Number Placeholder 4"/>
           <p:cNvSpPr>
-            <a:spLocks noGrp="true"/>
+            <a:spLocks noGrp="1"/>
           </p:cNvSpPr>
           <p:nvPr>
             <p:ph type="sldNum" sz="quarter" idx="12"/>
@@ -1459,6 +1452,7 @@
           <a:p>
             <a:fld id="{210999C8-D5EE-40C2-AE43-FAA4980FFAE8}" type="slidenum">
               <a:rPr lang="en-US" smtClean="0"/>
+              <a:t>‹#›</a:t>
             </a:fld>
             <a:endParaRPr lang="en-US"/>
           </a:p>
@@ -1500,7 +1494,7 @@
         <p:nvSpPr>
           <p:cNvPr id="2" name="Title 1"/>
           <p:cNvSpPr>
-            <a:spLocks noGrp="true"/>
+            <a:spLocks noGrp="1"/>
           </p:cNvSpPr>
           <p:nvPr>
             <p:ph type="title"/>
@@ -1527,7 +1521,7 @@
         <p:nvSpPr>
           <p:cNvPr id="3" name="Text Placeholder 2"/>
           <p:cNvSpPr>
-            <a:spLocks noGrp="true"/>
+            <a:spLocks noGrp="1"/>
           </p:cNvSpPr>
           <p:nvPr>
             <p:ph type="body" idx="1"/>
@@ -1591,7 +1585,6 @@
               <a:rPr lang="en-US" smtClean="0"/>
               <a:t>Click to edit Master text styles</a:t>
             </a:r>
-            <a:endParaRPr lang="en-US" smtClean="0"/>
           </a:p>
         </p:txBody>
       </p:sp>
@@ -1599,7 +1592,7 @@
         <p:nvSpPr>
           <p:cNvPr id="16" name="Text Placeholder 3"/>
           <p:cNvSpPr>
-            <a:spLocks noGrp="true"/>
+            <a:spLocks noGrp="1"/>
           </p:cNvSpPr>
           <p:nvPr>
             <p:ph type="body" sz="half" idx="15"/>
@@ -1659,7 +1652,6 @@
               <a:rPr lang="en-US" smtClean="0"/>
               <a:t>Click to edit Master text styles</a:t>
             </a:r>
-            <a:endParaRPr lang="en-US" smtClean="0"/>
           </a:p>
         </p:txBody>
       </p:sp>
@@ -1667,7 +1659,7 @@
         <p:nvSpPr>
           <p:cNvPr id="5" name="Text Placeholder 4"/>
           <p:cNvSpPr>
-            <a:spLocks noGrp="true"/>
+            <a:spLocks noGrp="1"/>
           </p:cNvSpPr>
           <p:nvPr>
             <p:ph type="body" sz="quarter" idx="3"/>
@@ -1731,7 +1723,6 @@
               <a:rPr lang="en-US" smtClean="0"/>
               <a:t>Click to edit Master text styles</a:t>
             </a:r>
-            <a:endParaRPr lang="en-US" smtClean="0"/>
           </a:p>
         </p:txBody>
       </p:sp>
@@ -1739,7 +1730,7 @@
         <p:nvSpPr>
           <p:cNvPr id="19" name="Text Placeholder 3"/>
           <p:cNvSpPr>
-            <a:spLocks noGrp="true"/>
+            <a:spLocks noGrp="1"/>
           </p:cNvSpPr>
           <p:nvPr>
             <p:ph type="body" sz="half" idx="16"/>
@@ -1799,7 +1790,6 @@
               <a:rPr lang="en-US" smtClean="0"/>
               <a:t>Click to edit Master text styles</a:t>
             </a:r>
-            <a:endParaRPr lang="en-US" smtClean="0"/>
           </a:p>
         </p:txBody>
       </p:sp>
@@ -1807,7 +1797,7 @@
         <p:nvSpPr>
           <p:cNvPr id="14" name="Text Placeholder 4"/>
           <p:cNvSpPr>
-            <a:spLocks noGrp="true"/>
+            <a:spLocks noGrp="1"/>
           </p:cNvSpPr>
           <p:nvPr>
             <p:ph type="body" sz="quarter" idx="13"/>
@@ -1871,7 +1861,6 @@
               <a:rPr lang="en-US" smtClean="0"/>
               <a:t>Click to edit Master text styles</a:t>
             </a:r>
-            <a:endParaRPr lang="en-US" smtClean="0"/>
           </a:p>
         </p:txBody>
       </p:sp>
@@ -1879,7 +1868,7 @@
         <p:nvSpPr>
           <p:cNvPr id="20" name="Text Placeholder 3"/>
           <p:cNvSpPr>
-            <a:spLocks noGrp="true"/>
+            <a:spLocks noGrp="1"/>
           </p:cNvSpPr>
           <p:nvPr>
             <p:ph type="body" sz="half" idx="17"/>
@@ -1939,7 +1928,6 @@
               <a:rPr lang="en-US" smtClean="0"/>
               <a:t>Click to edit Master text styles</a:t>
             </a:r>
-            <a:endParaRPr lang="en-US" smtClean="0"/>
           </a:p>
         </p:txBody>
       </p:sp>
@@ -2021,7 +2009,7 @@
         <p:nvSpPr>
           <p:cNvPr id="7" name="Date Placeholder 6"/>
           <p:cNvSpPr>
-            <a:spLocks noGrp="true"/>
+            <a:spLocks noGrp="1"/>
           </p:cNvSpPr>
           <p:nvPr>
             <p:ph type="dt" sz="half" idx="10"/>
@@ -2042,6 +2030,7 @@
           <a:p>
             <a:fld id="{AF88043E-905E-4148-B009-B3CB700EBBEA}" type="datetimeFigureOut">
               <a:rPr lang="en-US" smtClean="0"/>
+              <a:t>2/5/2021</a:t>
             </a:fld>
             <a:endParaRPr lang="en-US"/>
           </a:p>
@@ -2051,7 +2040,7 @@
         <p:nvSpPr>
           <p:cNvPr id="9" name="Slide Number Placeholder 8"/>
           <p:cNvSpPr>
-            <a:spLocks noGrp="true"/>
+            <a:spLocks noGrp="1"/>
           </p:cNvSpPr>
           <p:nvPr>
             <p:ph type="sldNum" sz="quarter" idx="12"/>
@@ -2072,6 +2061,7 @@
           <a:p>
             <a:fld id="{210999C8-D5EE-40C2-AE43-FAA4980FFAE8}" type="slidenum">
               <a:rPr lang="en-US" smtClean="0"/>
+              <a:t>‹#›</a:t>
             </a:fld>
             <a:endParaRPr lang="en-US"/>
           </a:p>
@@ -2113,7 +2103,7 @@
         <p:nvSpPr>
           <p:cNvPr id="2" name="Title 1"/>
           <p:cNvSpPr>
-            <a:spLocks noGrp="true"/>
+            <a:spLocks noGrp="1"/>
           </p:cNvSpPr>
           <p:nvPr>
             <p:ph type="title"/>
@@ -2140,7 +2130,7 @@
         <p:nvSpPr>
           <p:cNvPr id="3" name="Text Placeholder 2"/>
           <p:cNvSpPr>
-            <a:spLocks noGrp="true"/>
+            <a:spLocks noGrp="1"/>
           </p:cNvSpPr>
           <p:nvPr>
             <p:ph type="body" idx="1"/>
@@ -2204,7 +2194,6 @@
               <a:rPr lang="en-US" smtClean="0"/>
               <a:t>Click to edit Master text styles</a:t>
             </a:r>
-            <a:endParaRPr lang="en-US" smtClean="0"/>
           </a:p>
         </p:txBody>
       </p:sp>
@@ -2212,7 +2201,7 @@
         <p:nvSpPr>
           <p:cNvPr id="29" name="Picture Placeholder 2"/>
           <p:cNvSpPr>
-            <a:spLocks noGrp="true" noChangeAspect="true"/>
+            <a:spLocks noGrp="1" noChangeAspect="1"/>
           </p:cNvSpPr>
           <p:nvPr>
             <p:ph type="pic" idx="15"/>
@@ -2291,7 +2280,7 @@
         <p:nvSpPr>
           <p:cNvPr id="22" name="Text Placeholder 3"/>
           <p:cNvSpPr>
-            <a:spLocks noGrp="true"/>
+            <a:spLocks noGrp="1"/>
           </p:cNvSpPr>
           <p:nvPr>
             <p:ph type="body" sz="half" idx="18"/>
@@ -2351,7 +2340,6 @@
               <a:rPr lang="en-US" smtClean="0"/>
               <a:t>Click to edit Master text styles</a:t>
             </a:r>
-            <a:endParaRPr lang="en-US" smtClean="0"/>
           </a:p>
         </p:txBody>
       </p:sp>
@@ -2359,7 +2347,7 @@
         <p:nvSpPr>
           <p:cNvPr id="5" name="Text Placeholder 4"/>
           <p:cNvSpPr>
-            <a:spLocks noGrp="true"/>
+            <a:spLocks noGrp="1"/>
           </p:cNvSpPr>
           <p:nvPr>
             <p:ph type="body" sz="quarter" idx="3"/>
@@ -2423,7 +2411,6 @@
               <a:rPr lang="en-US" smtClean="0"/>
               <a:t>Click to edit Master text styles</a:t>
             </a:r>
-            <a:endParaRPr lang="en-US" smtClean="0"/>
           </a:p>
         </p:txBody>
       </p:sp>
@@ -2431,7 +2418,7 @@
         <p:nvSpPr>
           <p:cNvPr id="30" name="Picture Placeholder 2"/>
           <p:cNvSpPr>
-            <a:spLocks noGrp="true" noChangeAspect="true"/>
+            <a:spLocks noGrp="1" noChangeAspect="1"/>
           </p:cNvSpPr>
           <p:nvPr>
             <p:ph type="pic" idx="21"/>
@@ -2510,7 +2497,7 @@
         <p:nvSpPr>
           <p:cNvPr id="23" name="Text Placeholder 3"/>
           <p:cNvSpPr>
-            <a:spLocks noGrp="true"/>
+            <a:spLocks noGrp="1"/>
           </p:cNvSpPr>
           <p:nvPr>
             <p:ph type="body" sz="half" idx="19"/>
@@ -2570,7 +2557,6 @@
               <a:rPr lang="en-US" smtClean="0"/>
               <a:t>Click to edit Master text styles</a:t>
             </a:r>
-            <a:endParaRPr lang="en-US" smtClean="0"/>
           </a:p>
         </p:txBody>
       </p:sp>
@@ -2578,7 +2564,7 @@
         <p:nvSpPr>
           <p:cNvPr id="14" name="Text Placeholder 4"/>
           <p:cNvSpPr>
-            <a:spLocks noGrp="true"/>
+            <a:spLocks noGrp="1"/>
           </p:cNvSpPr>
           <p:nvPr>
             <p:ph type="body" sz="quarter" idx="13"/>
@@ -2642,7 +2628,6 @@
               <a:rPr lang="en-US" smtClean="0"/>
               <a:t>Click to edit Master text styles</a:t>
             </a:r>
-            <a:endParaRPr lang="en-US" smtClean="0"/>
           </a:p>
         </p:txBody>
       </p:sp>
@@ -2650,7 +2635,7 @@
         <p:nvSpPr>
           <p:cNvPr id="31" name="Picture Placeholder 2"/>
           <p:cNvSpPr>
-            <a:spLocks noGrp="true" noChangeAspect="true"/>
+            <a:spLocks noGrp="1" noChangeAspect="1"/>
           </p:cNvSpPr>
           <p:nvPr>
             <p:ph type="pic" idx="22"/>
@@ -2729,7 +2714,7 @@
         <p:nvSpPr>
           <p:cNvPr id="24" name="Text Placeholder 3"/>
           <p:cNvSpPr>
-            <a:spLocks noGrp="true"/>
+            <a:spLocks noGrp="1"/>
           </p:cNvSpPr>
           <p:nvPr>
             <p:ph type="body" sz="half" idx="20"/>
@@ -2789,7 +2774,6 @@
               <a:rPr lang="en-US" smtClean="0"/>
               <a:t>Click to edit Master text styles</a:t>
             </a:r>
-            <a:endParaRPr lang="en-US" smtClean="0"/>
           </a:p>
         </p:txBody>
       </p:sp>
@@ -2871,7 +2855,7 @@
         <p:nvSpPr>
           <p:cNvPr id="7" name="Date Placeholder 6"/>
           <p:cNvSpPr>
-            <a:spLocks noGrp="true"/>
+            <a:spLocks noGrp="1"/>
           </p:cNvSpPr>
           <p:nvPr>
             <p:ph type="dt" sz="half" idx="10"/>
@@ -2892,6 +2876,7 @@
           <a:p>
             <a:fld id="{AF88043E-905E-4148-B009-B3CB700EBBEA}" type="datetimeFigureOut">
               <a:rPr lang="en-US" smtClean="0"/>
+              <a:t>2/5/2021</a:t>
             </a:fld>
             <a:endParaRPr lang="en-US"/>
           </a:p>
@@ -2901,7 +2886,7 @@
         <p:nvSpPr>
           <p:cNvPr id="9" name="Slide Number Placeholder 8"/>
           <p:cNvSpPr>
-            <a:spLocks noGrp="true"/>
+            <a:spLocks noGrp="1"/>
           </p:cNvSpPr>
           <p:nvPr>
             <p:ph type="sldNum" sz="quarter" idx="12"/>
@@ -2922,6 +2907,7 @@
           <a:p>
             <a:fld id="{210999C8-D5EE-40C2-AE43-FAA4980FFAE8}" type="slidenum">
               <a:rPr lang="en-US" smtClean="0"/>
+              <a:t>‹#›</a:t>
             </a:fld>
             <a:endParaRPr lang="en-US"/>
           </a:p>
@@ -2963,7 +2949,7 @@
         <p:nvSpPr>
           <p:cNvPr id="2" name="Title 1"/>
           <p:cNvSpPr>
-            <a:spLocks noGrp="true"/>
+            <a:spLocks noGrp="1"/>
           </p:cNvSpPr>
           <p:nvPr>
             <p:ph type="title"/>
@@ -2991,7 +2977,7 @@
         <p:nvSpPr>
           <p:cNvPr id="3" name="Vertical Text Placeholder 2"/>
           <p:cNvSpPr>
-            <a:spLocks noGrp="true"/>
+            <a:spLocks noGrp="1"/>
           </p:cNvSpPr>
           <p:nvPr>
             <p:ph type="body" orient="vert" idx="1"/>
@@ -2999,7 +2985,7 @@
         </p:nvSpPr>
         <p:spPr/>
         <p:txBody>
-          <a:bodyPr vert="eaVert" anchor="t" anchorCtr="false"/>
+          <a:bodyPr vert="eaVert" anchor="t" anchorCtr="0"/>
           <a:lstStyle/>
           <a:p>
             <a:pPr lvl="0"/>
@@ -3007,7 +2993,6 @@
               <a:rPr lang="en-US" smtClean="0"/>
               <a:t>Click to edit Master text styles</a:t>
             </a:r>
-            <a:endParaRPr lang="en-US" smtClean="0"/>
           </a:p>
           <a:p>
             <a:pPr lvl="1"/>
@@ -3015,7 +3000,6 @@
               <a:rPr lang="en-US" smtClean="0"/>
               <a:t>Second level</a:t>
             </a:r>
-            <a:endParaRPr lang="en-US" smtClean="0"/>
           </a:p>
           <a:p>
             <a:pPr lvl="2"/>
@@ -3023,7 +3007,6 @@
               <a:rPr lang="en-US" smtClean="0"/>
               <a:t>Third level</a:t>
             </a:r>
-            <a:endParaRPr lang="en-US" smtClean="0"/>
           </a:p>
           <a:p>
             <a:pPr lvl="3"/>
@@ -3031,7 +3014,6 @@
               <a:rPr lang="en-US" smtClean="0"/>
               <a:t>Fourth level</a:t>
             </a:r>
-            <a:endParaRPr lang="en-US" smtClean="0"/>
           </a:p>
           <a:p>
             <a:pPr lvl="4"/>
@@ -3047,7 +3029,7 @@
         <p:nvSpPr>
           <p:cNvPr id="4" name="Date Placeholder 3"/>
           <p:cNvSpPr>
-            <a:spLocks noGrp="true"/>
+            <a:spLocks noGrp="1"/>
           </p:cNvSpPr>
           <p:nvPr>
             <p:ph type="dt" sz="half" idx="10"/>
@@ -3068,6 +3050,7 @@
           <a:p>
             <a:fld id="{AF88043E-905E-4148-B009-B3CB700EBBEA}" type="datetimeFigureOut">
               <a:rPr lang="en-US" smtClean="0"/>
+              <a:t>2/5/2021</a:t>
             </a:fld>
             <a:endParaRPr lang="en-US"/>
           </a:p>
@@ -3077,7 +3060,7 @@
         <p:nvSpPr>
           <p:cNvPr id="6" name="Slide Number Placeholder 5"/>
           <p:cNvSpPr>
-            <a:spLocks noGrp="true"/>
+            <a:spLocks noGrp="1"/>
           </p:cNvSpPr>
           <p:nvPr>
             <p:ph type="sldNum" sz="quarter" idx="12"/>
@@ -3098,6 +3081,7 @@
           <a:p>
             <a:fld id="{210999C8-D5EE-40C2-AE43-FAA4980FFAE8}" type="slidenum">
               <a:rPr lang="en-US" smtClean="0"/>
+              <a:t>‹#›</a:t>
             </a:fld>
             <a:endParaRPr lang="en-US"/>
           </a:p>
@@ -3144,7 +3128,7 @@
         <p:nvSpPr>
           <p:cNvPr id="2" name="Title Placeholder 1"/>
           <p:cNvSpPr>
-            <a:spLocks noGrp="true"/>
+            <a:spLocks noGrp="1"/>
           </p:cNvSpPr>
           <p:nvPr>
             <p:ph type="title"/>
@@ -3177,7 +3161,7 @@
         <p:nvSpPr>
           <p:cNvPr id="3" name="Text Placeholder 2"/>
           <p:cNvSpPr>
-            <a:spLocks noGrp="true"/>
+            <a:spLocks noGrp="1"/>
           </p:cNvSpPr>
           <p:nvPr>
             <p:ph type="body" idx="1"/>
@@ -3203,7 +3187,6 @@
               <a:rPr lang="en-US" smtClean="0"/>
               <a:t>Click to edit Master text styles</a:t>
             </a:r>
-            <a:endParaRPr lang="en-US" smtClean="0"/>
           </a:p>
           <a:p>
             <a:pPr lvl="1"/>
@@ -3211,7 +3194,6 @@
               <a:rPr lang="en-US" smtClean="0"/>
               <a:t>Second level</a:t>
             </a:r>
-            <a:endParaRPr lang="en-US" smtClean="0"/>
           </a:p>
           <a:p>
             <a:pPr lvl="2"/>
@@ -3219,7 +3201,6 @@
               <a:rPr lang="en-US" smtClean="0"/>
               <a:t>Third level</a:t>
             </a:r>
-            <a:endParaRPr lang="en-US" smtClean="0"/>
           </a:p>
           <a:p>
             <a:pPr lvl="3"/>
@@ -3227,7 +3208,6 @@
               <a:rPr lang="en-US" smtClean="0"/>
               <a:t>Fourth level</a:t>
             </a:r>
-            <a:endParaRPr lang="en-US" smtClean="0"/>
           </a:p>
           <a:p>
             <a:pPr lvl="4"/>
@@ -3242,8 +3222,8 @@
       <p:sp>
         <p:nvSpPr>
           <p:cNvPr id="30" name="TextBox 29"/>
-          <p:cNvSpPr txBox="true"/>
-          <p:nvPr userDrawn="true"/>
+          <p:cNvSpPr txBox="1"/>
+          <p:nvPr userDrawn="1"/>
         </p:nvSpPr>
         <p:spPr>
           <a:xfrm>
@@ -3284,15 +3264,15 @@
         <p:nvPicPr>
           <p:cNvPr id="22" name="Picture 21"/>
           <p:cNvPicPr>
-            <a:picLocks noChangeAspect="true"/>
+            <a:picLocks noChangeAspect="1"/>
           </p:cNvPicPr>
-          <p:nvPr userDrawn="true"/>
+          <p:nvPr userDrawn="1"/>
         </p:nvPicPr>
-        <p:blipFill rotWithShape="true">
-          <a:blip r:embed="rId9" cstate="print">
+        <p:blipFill rotWithShape="1">
+          <a:blip r:embed="rId10" cstate="print">
             <a:extLst>
               <a:ext uri="{28A0092B-C50C-407E-A947-70E740481C1C}">
-                <a14:useLocalDpi xmlns:a14="http://schemas.microsoft.com/office/drawing/2010/main" val="false"/>
+                <a14:useLocalDpi xmlns:a14="http://schemas.microsoft.com/office/drawing/2010/main" val="0"/>
               </a:ext>
             </a:extLst>
           </a:blip>
@@ -3314,8 +3294,8 @@
       <p:sp>
         <p:nvSpPr>
           <p:cNvPr id="29" name="TextBox 28"/>
-          <p:cNvSpPr txBox="true"/>
-          <p:nvPr userDrawn="true"/>
+          <p:cNvSpPr txBox="1"/>
+          <p:nvPr userDrawn="1"/>
         </p:nvSpPr>
         <p:spPr>
           <a:xfrm>
@@ -3893,31 +3873,7 @@
         <p:nvPicPr>
           <p:cNvPr id="3" name="Picture 2"/>
           <p:cNvPicPr>
-            <a:picLocks noChangeAspect="true"/>
-          </p:cNvPicPr>
-          <p:nvPr/>
-        </p:nvPicPr>
-        <p:blipFill>
-          <a:blip r:embed="rId1"/>
-          <a:stretch>
-            <a:fillRect/>
-          </a:stretch>
-        </p:blipFill>
-        <p:spPr>
-          <a:xfrm>
-            <a:off x="-434192" y="3178303"/>
-            <a:ext cx="6399564" cy="4547438"/>
-          </a:xfrm>
-          <a:prstGeom prst="rect">
-            <a:avLst/>
-          </a:prstGeom>
-        </p:spPr>
-      </p:pic>
-      <p:pic>
-        <p:nvPicPr>
-          <p:cNvPr id="12" name="Picture 11"/>
-          <p:cNvPicPr>
-            <a:picLocks noChangeAspect="true"/>
+            <a:picLocks noChangeAspect="1"/>
           </p:cNvPicPr>
           <p:nvPr/>
         </p:nvPicPr>
@@ -3929,8 +3885,8 @@
         </p:blipFill>
         <p:spPr>
           <a:xfrm>
-            <a:off x="2947046" y="4281250"/>
-            <a:ext cx="2291904" cy="2291904"/>
+            <a:off x="-434192" y="3178303"/>
+            <a:ext cx="6399564" cy="4547438"/>
           </a:xfrm>
           <a:prstGeom prst="rect">
             <a:avLst/>
@@ -3939,9 +3895,9 @@
       </p:pic>
       <p:pic>
         <p:nvPicPr>
-          <p:cNvPr id="7" name="Picture 6"/>
+          <p:cNvPr id="12" name="Picture 11"/>
           <p:cNvPicPr>
-            <a:picLocks noChangeAspect="true"/>
+            <a:picLocks noChangeAspect="1"/>
           </p:cNvPicPr>
           <p:nvPr/>
         </p:nvPicPr>
@@ -3952,6 +3908,30 @@
           </a:stretch>
         </p:blipFill>
         <p:spPr>
+          <a:xfrm>
+            <a:off x="2947046" y="4281250"/>
+            <a:ext cx="2291904" cy="2291904"/>
+          </a:xfrm>
+          <a:prstGeom prst="rect">
+            <a:avLst/>
+          </a:prstGeom>
+        </p:spPr>
+      </p:pic>
+      <p:pic>
+        <p:nvPicPr>
+          <p:cNvPr id="7" name="Picture 6"/>
+          <p:cNvPicPr>
+            <a:picLocks noChangeAspect="1"/>
+          </p:cNvPicPr>
+          <p:nvPr/>
+        </p:nvPicPr>
+        <p:blipFill>
+          <a:blip r:embed="rId4"/>
+          <a:stretch>
+            <a:fillRect/>
+          </a:stretch>
+        </p:blipFill>
+        <p:spPr>
           <a:xfrm rot="21372787">
             <a:off x="6659266" y="294083"/>
             <a:ext cx="5196953" cy="4291423"/>
@@ -3965,12 +3945,12 @@
         <p:nvPicPr>
           <p:cNvPr id="9" name="Picture 8"/>
           <p:cNvPicPr>
-            <a:picLocks noChangeAspect="true"/>
+            <a:picLocks noChangeAspect="1"/>
           </p:cNvPicPr>
           <p:nvPr/>
         </p:nvPicPr>
         <p:blipFill>
-          <a:blip r:embed="rId4"/>
+          <a:blip r:embed="rId5"/>
           <a:stretch>
             <a:fillRect/>
           </a:stretch>
@@ -4034,7 +4014,7 @@
       <p:sp>
         <p:nvSpPr>
           <p:cNvPr id="8" name="TextBox 7"/>
-          <p:cNvSpPr txBox="true"/>
+          <p:cNvSpPr txBox="1"/>
           <p:nvPr/>
         </p:nvSpPr>
         <p:spPr>
@@ -4172,15 +4152,15 @@
         <p:nvPicPr>
           <p:cNvPr id="2" name="Picture 1"/>
           <p:cNvPicPr>
-            <a:picLocks noChangeAspect="true"/>
+            <a:picLocks noChangeAspect="1"/>
           </p:cNvPicPr>
           <p:nvPr/>
         </p:nvPicPr>
         <p:blipFill>
-          <a:blip r:embed="rId5" cstate="print">
+          <a:blip r:embed="rId6" cstate="print">
             <a:extLst>
               <a:ext uri="{28A0092B-C50C-407E-A947-70E740481C1C}">
-                <a14:useLocalDpi xmlns:a14="http://schemas.microsoft.com/office/drawing/2010/main" val="false"/>
+                <a14:useLocalDpi xmlns:a14="http://schemas.microsoft.com/office/drawing/2010/main" val="0"/>
               </a:ext>
             </a:extLst>
           </a:blip>
@@ -4202,12 +4182,12 @@
         <p:nvPicPr>
           <p:cNvPr id="14" name="Picture 13"/>
           <p:cNvPicPr>
-            <a:picLocks noChangeAspect="true"/>
+            <a:picLocks noChangeAspect="1"/>
           </p:cNvPicPr>
           <p:nvPr/>
         </p:nvPicPr>
         <p:blipFill>
-          <a:blip r:embed="rId4"/>
+          <a:blip r:embed="rId5"/>
           <a:stretch>
             <a:fillRect/>
           </a:stretch>
@@ -4226,12 +4206,12 @@
         <p:nvPicPr>
           <p:cNvPr id="17" name="Picture 16"/>
           <p:cNvPicPr>
-            <a:picLocks noChangeAspect="true"/>
+            <a:picLocks noChangeAspect="1"/>
           </p:cNvPicPr>
           <p:nvPr/>
         </p:nvPicPr>
         <p:blipFill>
-          <a:blip r:embed="rId2"/>
+          <a:blip r:embed="rId3"/>
           <a:stretch>
             <a:fillRect/>
           </a:stretch>
@@ -4250,12 +4230,12 @@
         <p:nvPicPr>
           <p:cNvPr id="19" name="Picture 18"/>
           <p:cNvPicPr>
-            <a:picLocks noChangeAspect="true"/>
+            <a:picLocks noChangeAspect="1"/>
           </p:cNvPicPr>
           <p:nvPr/>
         </p:nvPicPr>
         <p:blipFill>
-          <a:blip r:embed="rId6"/>
+          <a:blip r:embed="rId7"/>
           <a:stretch>
             <a:fillRect/>
           </a:stretch>
@@ -4274,12 +4254,12 @@
         <p:nvPicPr>
           <p:cNvPr id="21" name="Picture 20"/>
           <p:cNvPicPr>
-            <a:picLocks noChangeAspect="true"/>
+            <a:picLocks noChangeAspect="1"/>
           </p:cNvPicPr>
           <p:nvPr/>
         </p:nvPicPr>
         <p:blipFill>
-          <a:blip r:embed="rId7">
+          <a:blip r:embed="rId8">
             <a:lum bright="20000" contrast="-20000"/>
           </a:blip>
           <a:stretch>
@@ -4300,12 +4280,12 @@
         <p:nvPicPr>
           <p:cNvPr id="22" name="Picture 21"/>
           <p:cNvPicPr>
-            <a:picLocks noChangeAspect="true"/>
+            <a:picLocks noChangeAspect="1"/>
           </p:cNvPicPr>
           <p:nvPr/>
         </p:nvPicPr>
         <p:blipFill>
-          <a:blip r:embed="rId7">
+          <a:blip r:embed="rId8">
             <a:lum bright="20000" contrast="-20000"/>
           </a:blip>
           <a:stretch>
@@ -4325,7 +4305,7 @@
       <p:sp>
         <p:nvSpPr>
           <p:cNvPr id="4" name="TextBox 3"/>
-          <p:cNvSpPr txBox="true"/>
+          <p:cNvSpPr txBox="1"/>
           <p:nvPr/>
         </p:nvSpPr>
         <p:spPr>
@@ -4379,7 +4359,7 @@
       <p:sp>
         <p:nvSpPr>
           <p:cNvPr id="5" name="TextBox 4"/>
-          <p:cNvSpPr txBox="true"/>
+          <p:cNvSpPr txBox="1"/>
           <p:nvPr/>
         </p:nvSpPr>
         <p:spPr>
@@ -4419,7 +4399,7 @@
       <p:sp>
         <p:nvSpPr>
           <p:cNvPr id="20" name="TextBox 19"/>
-          <p:cNvSpPr txBox="true"/>
+          <p:cNvSpPr txBox="1"/>
           <p:nvPr/>
         </p:nvSpPr>
         <p:spPr>
@@ -4449,14 +4429,6 @@
               </a:rPr>
               <a:t>Tuan Dao</a:t>
             </a:r>
-            <a:endParaRPr lang="en-US" sz="2000" smtClean="0">
-              <a:solidFill>
-                <a:schemeClr val="accent2">
-                  <a:lumMod val="75000"/>
-                </a:schemeClr>
-              </a:solidFill>
-              <a:latin typeface="Century Gothic (Body)"/>
-            </a:endParaRPr>
           </a:p>
         </p:txBody>
       </p:sp>
@@ -4484,12 +4456,19 @@
         <p:cNvGrpSpPr/>
         <p:nvPr/>
       </p:nvGrpSpPr>
-      <p:grpSpPr/>
+      <p:grpSpPr>
+        <a:xfrm>
+          <a:off x="0" y="0"/>
+          <a:ext cx="0" cy="0"/>
+          <a:chOff x="0" y="0"/>
+          <a:chExt cx="0" cy="0"/>
+        </a:xfrm>
+      </p:grpSpPr>
       <p:sp>
         <p:nvSpPr>
           <p:cNvPr id="2" name="Title 1"/>
           <p:cNvSpPr>
-            <a:spLocks noGrp="true"/>
+            <a:spLocks noGrp="1"/>
           </p:cNvSpPr>
           <p:nvPr>
             <p:ph type="title"/>
@@ -4498,64 +4477,73 @@
         <p:spPr/>
         <p:txBody>
           <a:bodyPr/>
-          <a:p>
-            <a:r>
-              <a:rPr lang="en-US" smtClean="0">
-                <a:solidFill>
-                  <a:schemeClr val="accent2"/>
-                </a:solidFill>
-                <a:sym typeface="+mn-ea"/>
-              </a:rPr>
-              <a:t>Sync and </a:t>
-            </a:r>
-            <a:r>
-              <a:rPr lang="en-US" err="1" smtClean="0">
-                <a:solidFill>
-                  <a:schemeClr val="accent2"/>
-                </a:solidFill>
-                <a:sym typeface="+mn-ea"/>
-              </a:rPr>
-              <a:t>Async</a:t>
-            </a:r>
-            <a:endParaRPr lang="en-US"/>
+          <a:lstStyle/>
+          <a:p>
+            <a:r>
+              <a:rPr lang="en-US"/>
+              <a:t>Comparing some characteristic when coding in </a:t>
+            </a:r>
+            <a:r>
+              <a:rPr lang="" altLang="en-US"/>
+              <a:t>T</a:t>
+            </a:r>
+            <a:r>
+              <a:rPr lang="en-US"/>
+              <a:t>ypescript and </a:t>
+            </a:r>
+            <a:r>
+              <a:rPr lang="" altLang="en-US"/>
+              <a:t>J</a:t>
+            </a:r>
+            <a:r>
+              <a:rPr lang="en-US"/>
+              <a:t>ava</a:t>
+            </a:r>
           </a:p>
         </p:txBody>
       </p:sp>
       <p:graphicFrame>
         <p:nvGraphicFramePr>
           <p:cNvPr id="4" name="Content Placeholder 3"/>
-          <p:cNvGraphicFramePr/>
+          <p:cNvGraphicFramePr>
+            <a:graphicFrameLocks noGrp="1"/>
+          </p:cNvGraphicFramePr>
           <p:nvPr>
             <p:ph idx="1"/>
+            <p:extLst>
+              <p:ext uri="{D42A27DB-BD31-4B8C-83A1-F6EECF244321}">
+                <p14:modId xmlns:p14="http://schemas.microsoft.com/office/powerpoint/2010/main" val="1216241304"/>
+              </p:ext>
+            </p:extLst>
           </p:nvPr>
         </p:nvGraphicFramePr>
         <p:xfrm>
-          <a:off x="1612265" y="1628775"/>
-          <a:ext cx="9108440" cy="2260600"/>
+          <a:off x="1154955" y="1654175"/>
+          <a:ext cx="9869170" cy="3154680"/>
         </p:xfrm>
         <a:graphic>
           <a:graphicData uri="http://schemas.openxmlformats.org/drawingml/2006/table">
             <a:tbl>
-              <a:tblPr firstRow="true" bandRow="true">
+              <a:tblPr firstRow="1" bandRow="1">
                 <a:tableStyleId>{5C22544A-7EE6-4342-B048-85BDC9FD1C3A}</a:tableStyleId>
               </a:tblPr>
               <a:tblGrid>
-                <a:gridCol w="4547870"/>
-                <a:gridCol w="4560570"/>
+                <a:gridCol w="4934585"/>
+                <a:gridCol w="4934585"/>
               </a:tblGrid>
-              <a:tr h="431800">
+              <a:tr h="381000">
                 <a:tc>
                   <a:txBody>
                     <a:bodyPr/>
+                    <a:lstStyle/>
                     <a:p>
                       <a:pPr algn="ctr">
                         <a:buNone/>
                       </a:pPr>
                       <a:r>
-                        <a:rPr lang="" altLang="en-US" sz="2000"/>
-                        <a:t>Sync</a:t>
-                      </a:r>
-                      <a:endParaRPr lang="" altLang="en-US" sz="2000"/>
+                        <a:rPr lang="" altLang="en-US" dirty="0"/>
+                        <a:t>Typescript</a:t>
+                      </a:r>
                     </a:p>
                   </a:txBody>
                   <a:tcPr/>
@@ -4563,81 +4551,268 @@
                 <a:tc>
                   <a:txBody>
                     <a:bodyPr/>
+                    <a:lstStyle/>
                     <a:p>
                       <a:pPr algn="ctr">
                         <a:buNone/>
                       </a:pPr>
                       <a:r>
-                        <a:rPr lang="" altLang="en-US" sz="2000"/>
-                        <a:t>Async</a:t>
-                      </a:r>
-                      <a:endParaRPr lang="" altLang="en-US" sz="2000"/>
+                        <a:rPr lang="en-US" altLang="en-US" sz="1800">
+                          <a:sym typeface="+mn-ea"/>
+                        </a:rPr>
+                        <a:t>J</a:t>
+                      </a:r>
+                      <a:r>
+                        <a:rPr lang="en-US" sz="1800">
+                          <a:sym typeface="+mn-ea"/>
+                        </a:rPr>
+                        <a:t>ava</a:t>
+                      </a:r>
+                      <a:endParaRPr lang="en-US"/>
                     </a:p>
                   </a:txBody>
                   <a:tcPr/>
                 </a:tc>
               </a:tr>
-              <a:tr h="431800">
+              <a:tr h="381000">
                 <a:tc>
                   <a:txBody>
                     <a:bodyPr/>
+                    <a:lstStyle/>
                     <a:p>
-                      <a:pPr>
+                      <a:pPr marL="0" marR="0" indent="0" algn="l" defTabSz="457200" rtl="0" eaLnBrk="1" fontAlgn="auto" latinLnBrk="0" hangingPunct="1">
+                        <a:lnSpc>
+                          <a:spcPct val="100000"/>
+                        </a:lnSpc>
+                        <a:spcBef>
+                          <a:spcPts val="0"/>
+                        </a:spcBef>
+                        <a:spcAft>
+                          <a:spcPts val="0"/>
+                        </a:spcAft>
+                        <a:buClrTx/>
+                        <a:buSzTx/>
+                        <a:buFontTx/>
                         <a:buNone/>
+                        <a:tabLst/>
+                        <a:defRPr/>
                       </a:pPr>
                       <a:r>
-                        <a:rPr lang="en-US"/>
-                        <a:t>Run </a:t>
-                      </a:r>
-                      <a:r>
-                        <a:rPr lang="en-US" altLang="en-US" sz="1800">
-                          <a:sym typeface="+mn-ea"/>
+                        <a:rPr lang="en-US" sz="1800" kern="1200" dirty="0" smtClean="0">
+                          <a:solidFill>
+                            <a:schemeClr val="dk1"/>
+                          </a:solidFill>
+                          <a:latin typeface="+mn-lt"/>
+                          <a:ea typeface="+mn-ea"/>
+                          <a:cs typeface="+mn-cs"/>
                         </a:rPr>
-                        <a:t>task</a:t>
-                      </a:r>
-                      <a:r>
-                        <a:rPr lang="" altLang="en-US" sz="1800">
-                          <a:sym typeface="+mn-ea"/>
+                        <a:t>Declaring</a:t>
+                      </a:r>
+                      <a:r>
+                        <a:rPr lang="en-US" sz="1800" kern="1200" baseline="0" dirty="0" smtClean="0">
+                          <a:solidFill>
+                            <a:schemeClr val="dk1"/>
+                          </a:solidFill>
+                          <a:latin typeface="+mn-lt"/>
+                          <a:ea typeface="+mn-ea"/>
+                          <a:cs typeface="+mn-cs"/>
                         </a:rPr>
-                        <a:t> </a:t>
-                      </a:r>
-                      <a:r>
-                        <a:rPr lang="en-US"/>
-                        <a:t>by </a:t>
-                      </a:r>
-                      <a:r>
-                        <a:rPr lang="en-US" altLang="en-US" sz="1800">
-                          <a:sym typeface="+mn-ea"/>
+                        <a:t> type</a:t>
+                      </a:r>
+                      <a:r>
+                        <a:rPr lang="en-US" sz="1800" kern="1200" dirty="0" smtClean="0">
+                          <a:solidFill>
+                            <a:schemeClr val="dk1"/>
+                          </a:solidFill>
+                          <a:latin typeface="+mn-lt"/>
+                          <a:ea typeface="+mn-ea"/>
+                          <a:cs typeface="+mn-cs"/>
                         </a:rPr>
-                        <a:t>task</a:t>
-                      </a:r>
-                      <a:r>
-                        <a:rPr lang="en-US"/>
-                        <a:t>, the next </a:t>
-                      </a:r>
-                      <a:r>
-                        <a:rPr lang="en-US" altLang="en-US" sz="1800">
-                          <a:sym typeface="+mn-ea"/>
+                        <a:t>:</a:t>
+                      </a:r>
+                    </a:p>
+                    <a:p>
+                      <a:pPr marL="285750" marR="0" indent="-285750" algn="l" defTabSz="457200" rtl="0" eaLnBrk="1" fontAlgn="auto" latinLnBrk="0" hangingPunct="1">
+                        <a:lnSpc>
+                          <a:spcPct val="100000"/>
+                        </a:lnSpc>
+                        <a:spcBef>
+                          <a:spcPts val="0"/>
+                        </a:spcBef>
+                        <a:spcAft>
+                          <a:spcPts val="0"/>
+                        </a:spcAft>
+                        <a:buClrTx/>
+                        <a:buSzTx/>
+                        <a:buFont typeface="Arial" panose="020B0604020202020204" pitchFamily="34" charset="0"/>
+                        <a:buChar char="•"/>
+                        <a:tabLst/>
+                        <a:defRPr/>
+                      </a:pPr>
+                      <a:r>
+                        <a:rPr lang="en-US" sz="1800" kern="1200" dirty="0" smtClean="0">
+                          <a:solidFill>
+                            <a:schemeClr val="dk1"/>
+                          </a:solidFill>
+                          <a:latin typeface="+mn-lt"/>
+                          <a:ea typeface="+mn-ea"/>
+                          <a:cs typeface="+mn-cs"/>
                         </a:rPr>
-                        <a:t>task</a:t>
-                      </a:r>
-                      <a:r>
-                        <a:rPr lang="" altLang="en-US" sz="1800">
-                          <a:sym typeface="+mn-ea"/>
+                        <a:t>Declare</a:t>
+                      </a:r>
+                      <a:r>
+                        <a:rPr lang="en-US" sz="1800" kern="1200" baseline="0" dirty="0" smtClean="0">
+                          <a:solidFill>
+                            <a:schemeClr val="dk1"/>
+                          </a:solidFill>
+                          <a:latin typeface="+mn-lt"/>
+                          <a:ea typeface="+mn-ea"/>
+                          <a:cs typeface="+mn-cs"/>
                         </a:rPr>
-                        <a:t> </a:t>
-                      </a:r>
-                      <a:r>
-                        <a:rPr lang="en-US"/>
-                        <a:t>must wait for the previous </a:t>
-                      </a:r>
-                      <a:r>
-                        <a:rPr lang="en-US" altLang="en-US" sz="1800">
-                          <a:sym typeface="+mn-ea"/>
+                        <a:t> type of variable and method following ‘:’ symbol </a:t>
+                      </a:r>
+                    </a:p>
+                    <a:p>
+                      <a:pPr marL="285750" marR="0" indent="-285750" algn="l" defTabSz="457200" rtl="0" eaLnBrk="1" fontAlgn="auto" latinLnBrk="0" hangingPunct="1">
+                        <a:lnSpc>
+                          <a:spcPct val="100000"/>
+                        </a:lnSpc>
+                        <a:spcBef>
+                          <a:spcPts val="0"/>
+                        </a:spcBef>
+                        <a:spcAft>
+                          <a:spcPts val="0"/>
+                        </a:spcAft>
+                        <a:buClrTx/>
+                        <a:buSzTx/>
+                        <a:buFont typeface="Arial" panose="020B0604020202020204" pitchFamily="34" charset="0"/>
+                        <a:buChar char="•"/>
+                        <a:tabLst/>
+                        <a:defRPr/>
+                      </a:pPr>
+                      <a:r>
+                        <a:rPr lang="en-US" sz="1800" kern="1200" baseline="0" dirty="0" smtClean="0">
+                          <a:solidFill>
+                            <a:schemeClr val="dk1"/>
+                          </a:solidFill>
+                          <a:latin typeface="+mn-lt"/>
+                          <a:ea typeface="+mn-ea"/>
+                          <a:cs typeface="+mn-cs"/>
                         </a:rPr>
-                        <a:t>task</a:t>
-                      </a:r>
-                      <a:endParaRPr lang="en-US"/>
+                        <a:t>Don’t have to declare type</a:t>
+                      </a:r>
+                    </a:p>
+                    <a:p>
+                      <a:pPr marL="285750" marR="0" indent="-285750" algn="l" defTabSz="457200" rtl="0" eaLnBrk="1" fontAlgn="auto" latinLnBrk="0" hangingPunct="1">
+                        <a:lnSpc>
+                          <a:spcPct val="100000"/>
+                        </a:lnSpc>
+                        <a:spcBef>
+                          <a:spcPts val="0"/>
+                        </a:spcBef>
+                        <a:spcAft>
+                          <a:spcPts val="0"/>
+                        </a:spcAft>
+                        <a:buClrTx/>
+                        <a:buSzTx/>
+                        <a:buFont typeface="Arial" panose="020B0604020202020204" pitchFamily="34" charset="0"/>
+                        <a:buChar char="•"/>
+                        <a:tabLst/>
+                        <a:defRPr/>
+                      </a:pPr>
+                      <a:r>
+                        <a:rPr lang="en-US" sz="1800" kern="1200" baseline="0" dirty="0" smtClean="0">
+                          <a:solidFill>
+                            <a:schemeClr val="dk1"/>
+                          </a:solidFill>
+                          <a:latin typeface="+mn-lt"/>
+                          <a:ea typeface="+mn-ea"/>
+                          <a:cs typeface="+mn-cs"/>
+                        </a:rPr>
+                        <a:t>Use ‘let’, ‘</a:t>
+                      </a:r>
+                      <a:r>
+                        <a:rPr lang="en-US" sz="1800" kern="1200" baseline="0" dirty="0" err="1" smtClean="0">
+                          <a:solidFill>
+                            <a:schemeClr val="dk1"/>
+                          </a:solidFill>
+                          <a:latin typeface="+mn-lt"/>
+                          <a:ea typeface="+mn-ea"/>
+                          <a:cs typeface="+mn-cs"/>
+                        </a:rPr>
+                        <a:t>const</a:t>
+                      </a:r>
+                      <a:r>
+                        <a:rPr lang="en-US" sz="1800" kern="1200" baseline="0" dirty="0" smtClean="0">
+                          <a:solidFill>
+                            <a:schemeClr val="dk1"/>
+                          </a:solidFill>
+                          <a:latin typeface="+mn-lt"/>
+                          <a:ea typeface="+mn-ea"/>
+                          <a:cs typeface="+mn-cs"/>
+                        </a:rPr>
+                        <a:t>’ , or ‘</a:t>
+                      </a:r>
+                      <a:r>
+                        <a:rPr lang="en-US" sz="1800" kern="1200" baseline="0" dirty="0" err="1" smtClean="0">
+                          <a:solidFill>
+                            <a:schemeClr val="dk1"/>
+                          </a:solidFill>
+                          <a:latin typeface="+mn-lt"/>
+                          <a:ea typeface="+mn-ea"/>
+                          <a:cs typeface="+mn-cs"/>
+                        </a:rPr>
+                        <a:t>var</a:t>
+                      </a:r>
+                      <a:r>
+                        <a:rPr lang="en-US" sz="1800" kern="1200" baseline="0" dirty="0" smtClean="0">
+                          <a:solidFill>
+                            <a:schemeClr val="dk1"/>
+                          </a:solidFill>
+                          <a:latin typeface="+mn-lt"/>
+                          <a:ea typeface="+mn-ea"/>
+                          <a:cs typeface="+mn-cs"/>
+                        </a:rPr>
+                        <a:t>’ to declare variable</a:t>
+                      </a:r>
+                    </a:p>
+                    <a:p>
+                      <a:pPr marL="285750" marR="0" indent="-285750" algn="l" defTabSz="457200" rtl="0" eaLnBrk="1" fontAlgn="auto" latinLnBrk="0" hangingPunct="1">
+                        <a:lnSpc>
+                          <a:spcPct val="100000"/>
+                        </a:lnSpc>
+                        <a:spcBef>
+                          <a:spcPts val="0"/>
+                        </a:spcBef>
+                        <a:spcAft>
+                          <a:spcPts val="0"/>
+                        </a:spcAft>
+                        <a:buClrTx/>
+                        <a:buSzTx/>
+                        <a:buFont typeface="Arial" panose="020B0604020202020204" pitchFamily="34" charset="0"/>
+                        <a:buChar char="•"/>
+                        <a:tabLst/>
+                        <a:defRPr/>
+                      </a:pPr>
+                      <a:r>
+                        <a:rPr lang="en-US" sz="1800" kern="1200" baseline="0" dirty="0" smtClean="0">
+                          <a:solidFill>
+                            <a:schemeClr val="dk1"/>
+                          </a:solidFill>
+                          <a:latin typeface="+mn-lt"/>
+                          <a:ea typeface="+mn-ea"/>
+                          <a:cs typeface="+mn-cs"/>
+                        </a:rPr>
+                        <a:t>EX: let xyz : string;</a:t>
+                      </a:r>
+                      <a:endParaRPr lang="vi-VN" sz="1800" kern="1200" dirty="0" smtClean="0">
+                        <a:solidFill>
+                          <a:schemeClr val="dk1"/>
+                        </a:solidFill>
+                        <a:latin typeface="+mn-lt"/>
+                        <a:ea typeface="+mn-ea"/>
+                        <a:cs typeface="+mn-cs"/>
+                      </a:endParaRPr>
                     </a:p>
                   </a:txBody>
                   <a:tcPr/>
@@ -4645,37 +4820,216 @@
                 <a:tc>
                   <a:txBody>
                     <a:bodyPr/>
+                    <a:lstStyle/>
                     <a:p>
-                      <a:pPr>
+                      <a:pPr marL="0" marR="0" indent="0" algn="l" defTabSz="457200" rtl="0" eaLnBrk="1" fontAlgn="auto" latinLnBrk="0" hangingPunct="1">
+                        <a:lnSpc>
+                          <a:spcPct val="100000"/>
+                        </a:lnSpc>
+                        <a:spcBef>
+                          <a:spcPts val="0"/>
+                        </a:spcBef>
+                        <a:spcAft>
+                          <a:spcPts val="0"/>
+                        </a:spcAft>
+                        <a:buClrTx/>
+                        <a:buSzTx/>
+                        <a:buFontTx/>
                         <a:buNone/>
+                        <a:tabLst/>
+                        <a:defRPr/>
                       </a:pPr>
                       <a:r>
-                        <a:rPr lang="en-US"/>
-                        <a:t>Running simultaneously, </a:t>
-                      </a:r>
-                      <a:r>
-                        <a:rPr lang="" altLang="en-US"/>
-                        <a:t>do not wait for another task</a:t>
-                      </a:r>
-                      <a:endParaRPr lang="" altLang="en-US"/>
+                        <a:rPr lang="en-US" sz="1800" kern="1200" dirty="0" smtClean="0">
+                          <a:solidFill>
+                            <a:schemeClr val="dk1"/>
+                          </a:solidFill>
+                          <a:latin typeface="+mn-lt"/>
+                          <a:ea typeface="+mn-ea"/>
+                          <a:cs typeface="+mn-cs"/>
+                        </a:rPr>
+                        <a:t>Declaring</a:t>
+                      </a:r>
+                      <a:r>
+                        <a:rPr lang="en-US" sz="1800" kern="1200" baseline="0" dirty="0" smtClean="0">
+                          <a:solidFill>
+                            <a:schemeClr val="dk1"/>
+                          </a:solidFill>
+                          <a:latin typeface="+mn-lt"/>
+                          <a:ea typeface="+mn-ea"/>
+                          <a:cs typeface="+mn-cs"/>
+                        </a:rPr>
+                        <a:t> type</a:t>
+                      </a:r>
+                      <a:r>
+                        <a:rPr lang="en-US" sz="1800" kern="1200" dirty="0" smtClean="0">
+                          <a:solidFill>
+                            <a:schemeClr val="dk1"/>
+                          </a:solidFill>
+                          <a:latin typeface="+mn-lt"/>
+                          <a:ea typeface="+mn-ea"/>
+                          <a:cs typeface="+mn-cs"/>
+                        </a:rPr>
+                        <a:t>:</a:t>
+                      </a:r>
+                    </a:p>
+                    <a:p>
+                      <a:pPr marL="285750" indent="-285750">
+                        <a:buFont typeface="Arial" panose="020B0604020202020204" pitchFamily="34" charset="0"/>
+                        <a:buChar char="•"/>
+                      </a:pPr>
+                      <a:r>
+                        <a:rPr lang="en-US" sz="1800" kern="1200" dirty="0" smtClean="0">
+                          <a:solidFill>
+                            <a:schemeClr val="dk1"/>
+                          </a:solidFill>
+                          <a:latin typeface="+mn-lt"/>
+                          <a:ea typeface="+mn-ea"/>
+                          <a:cs typeface="+mn-cs"/>
+                        </a:rPr>
+                        <a:t>Declare</a:t>
+                      </a:r>
+                      <a:r>
+                        <a:rPr lang="en-US" sz="1800" kern="1200" baseline="0" dirty="0" smtClean="0">
+                          <a:solidFill>
+                            <a:schemeClr val="dk1"/>
+                          </a:solidFill>
+                          <a:latin typeface="+mn-lt"/>
+                          <a:ea typeface="+mn-ea"/>
+                          <a:cs typeface="+mn-cs"/>
+                        </a:rPr>
+                        <a:t> type preceding variable and method </a:t>
+                      </a:r>
+                    </a:p>
+                    <a:p>
+                      <a:pPr marL="285750" indent="-285750">
+                        <a:buFont typeface="Arial" panose="020B0604020202020204" pitchFamily="34" charset="0"/>
+                        <a:buChar char="•"/>
+                      </a:pPr>
+                      <a:r>
+                        <a:rPr lang="en-US" sz="1800" kern="1200" baseline="0" dirty="0" smtClean="0">
+                          <a:solidFill>
+                            <a:schemeClr val="dk1"/>
+                          </a:solidFill>
+                          <a:latin typeface="+mn-lt"/>
+                          <a:ea typeface="+mn-ea"/>
+                          <a:cs typeface="+mn-cs"/>
+                        </a:rPr>
+                        <a:t>Have to declare type</a:t>
+                      </a:r>
+                    </a:p>
+                    <a:p>
+                      <a:pPr marL="285750" indent="-285750">
+                        <a:buFont typeface="Arial" panose="020B0604020202020204" pitchFamily="34" charset="0"/>
+                        <a:buChar char="•"/>
+                      </a:pPr>
+                      <a:r>
+                        <a:rPr lang="en-US" sz="1800" kern="1200" baseline="0" dirty="0" smtClean="0">
+                          <a:solidFill>
+                            <a:schemeClr val="dk1"/>
+                          </a:solidFill>
+                          <a:latin typeface="+mn-lt"/>
+                          <a:ea typeface="+mn-ea"/>
+                          <a:cs typeface="+mn-cs"/>
+                        </a:rPr>
+                        <a:t>Ex: </a:t>
+                      </a:r>
+                      <a:r>
+                        <a:rPr lang="en-US" sz="1800" kern="1200" baseline="0" dirty="0" err="1" smtClean="0">
+                          <a:solidFill>
+                            <a:schemeClr val="dk1"/>
+                          </a:solidFill>
+                          <a:latin typeface="+mn-lt"/>
+                          <a:ea typeface="+mn-ea"/>
+                          <a:cs typeface="+mn-cs"/>
+                        </a:rPr>
+                        <a:t>int</a:t>
+                      </a:r>
+                      <a:r>
+                        <a:rPr lang="en-US" sz="1800" kern="1200" baseline="0" dirty="0" smtClean="0">
+                          <a:solidFill>
+                            <a:schemeClr val="dk1"/>
+                          </a:solidFill>
+                          <a:latin typeface="+mn-lt"/>
+                          <a:ea typeface="+mn-ea"/>
+                          <a:cs typeface="+mn-cs"/>
+                        </a:rPr>
+                        <a:t> </a:t>
+                      </a:r>
+                      <a:r>
+                        <a:rPr lang="en-US" sz="1800" kern="1200" baseline="0" dirty="0" err="1" smtClean="0">
+                          <a:solidFill>
+                            <a:schemeClr val="dk1"/>
+                          </a:solidFill>
+                          <a:latin typeface="+mn-lt"/>
+                          <a:ea typeface="+mn-ea"/>
+                          <a:cs typeface="+mn-cs"/>
+                        </a:rPr>
+                        <a:t>num</a:t>
+                      </a:r>
+                      <a:r>
+                        <a:rPr lang="en-US" sz="1800" kern="1200" baseline="0" dirty="0" smtClean="0">
+                          <a:solidFill>
+                            <a:schemeClr val="dk1"/>
+                          </a:solidFill>
+                          <a:latin typeface="+mn-lt"/>
+                          <a:ea typeface="+mn-ea"/>
+                          <a:cs typeface="+mn-cs"/>
+                        </a:rPr>
+                        <a:t>;</a:t>
+                      </a:r>
+                      <a:endParaRPr lang="en-US" dirty="0"/>
                     </a:p>
                   </a:txBody>
                   <a:tcPr/>
                 </a:tc>
               </a:tr>
-              <a:tr h="431800">
+              <a:tr h="381000">
                 <a:tc>
                   <a:txBody>
                     <a:bodyPr/>
+                    <a:lstStyle/>
                     <a:p>
                       <a:pPr>
                         <a:buNone/>
                       </a:pPr>
                       <a:r>
-                        <a:rPr lang="en-US"/>
-                        <a:t>Running synchronously will generate unnecessary and idle wait in some cases</a:t>
-                      </a:r>
-                      <a:endParaRPr lang="en-US"/>
+                        <a:rPr lang="en-US" sz="1800" b="0" i="0" kern="1200" dirty="0" smtClean="0">
+                          <a:solidFill>
+                            <a:schemeClr val="dk1"/>
+                          </a:solidFill>
+                          <a:effectLst/>
+                          <a:latin typeface="+mn-lt"/>
+                          <a:ea typeface="+mn-ea"/>
+                          <a:cs typeface="+mn-cs"/>
+                        </a:rPr>
+                        <a:t>A class can only have</a:t>
+                      </a:r>
+                      <a:r>
+                        <a:rPr lang="en-US" sz="1800" b="0" i="0" kern="1200" baseline="0" dirty="0" smtClean="0">
+                          <a:solidFill>
+                            <a:schemeClr val="dk1"/>
+                          </a:solidFill>
+                          <a:effectLst/>
+                          <a:latin typeface="+mn-lt"/>
+                          <a:ea typeface="+mn-ea"/>
+                          <a:cs typeface="+mn-cs"/>
+                        </a:rPr>
+                        <a:t> one </a:t>
+                      </a:r>
+                      <a:r>
+                        <a:rPr lang="en-US" sz="1800" b="0" i="0" kern="1200" dirty="0" smtClean="0">
+                          <a:solidFill>
+                            <a:schemeClr val="dk1"/>
+                          </a:solidFill>
+                          <a:effectLst/>
+                          <a:latin typeface="+mn-lt"/>
+                          <a:ea typeface="+mn-ea"/>
+                          <a:cs typeface="+mn-cs"/>
+                        </a:rPr>
+                        <a:t>constructor</a:t>
+                      </a:r>
+                      <a:endParaRPr lang="en-US" b="0" dirty="0"/>
                     </a:p>
                   </a:txBody>
                   <a:tcPr/>
@@ -4683,45 +5037,84 @@
                 <a:tc>
                   <a:txBody>
                     <a:bodyPr/>
+                    <a:lstStyle/>
                     <a:p>
                       <a:pPr>
                         <a:buNone/>
                       </a:pPr>
                       <a:r>
-                        <a:rPr lang="en-US"/>
-                        <a:t>Running asynchronously so </a:t>
-                      </a:r>
-                      <a:r>
-                        <a:rPr lang="" altLang="en-US"/>
-                        <a:t>it </a:t>
-                      </a:r>
-                      <a:r>
-                        <a:rPr lang="en-US"/>
-                        <a:t>can handle many </a:t>
-                      </a:r>
-                      <a:r>
-                        <a:rPr lang="" altLang="en-US"/>
-                        <a:t>tasks </a:t>
-                      </a:r>
-                      <a:r>
-                        <a:rPr lang="en-US"/>
-                        <a:t>at the same time </a:t>
-                      </a:r>
-                      <a:r>
-                        <a:rPr lang="" altLang="en-US"/>
-                        <a:t>,</a:t>
-                      </a:r>
-                      <a:endParaRPr lang="" altLang="en-US"/>
+                        <a:rPr lang="en-US" sz="1800" b="0" i="0" kern="1200" dirty="0" smtClean="0">
+                          <a:solidFill>
+                            <a:schemeClr val="dk1"/>
+                          </a:solidFill>
+                          <a:effectLst/>
+                          <a:latin typeface="+mn-lt"/>
+                          <a:ea typeface="+mn-ea"/>
+                          <a:cs typeface="+mn-cs"/>
+                        </a:rPr>
+                        <a:t>A class can have multiple constructors</a:t>
+                      </a:r>
+                      <a:endParaRPr lang="en-US" b="0" dirty="0"/>
                     </a:p>
+                  </a:txBody>
+                  <a:tcPr/>
+                </a:tc>
+              </a:tr>
+              <a:tr h="381000">
+                <a:tc>
+                  <a:txBody>
+                    <a:bodyPr/>
+                    <a:lstStyle/>
                     <a:p>
                       <a:pPr>
                         <a:buNone/>
                       </a:pPr>
                       <a:r>
-                        <a:rPr lang="" altLang="en-US"/>
-                        <a:t>but it is easy to get a process error if it is not well controlled </a:t>
-                      </a:r>
-                      <a:endParaRPr lang="" altLang="en-US"/>
+                        <a:rPr lang="en-US" dirty="0" smtClean="0"/>
+                        <a:t>Compile</a:t>
+                      </a:r>
+                      <a:r>
+                        <a:rPr lang="en-US" baseline="0" dirty="0" smtClean="0"/>
+                        <a:t> to </a:t>
+                      </a:r>
+                      <a:r>
+                        <a:rPr lang="en-US" baseline="0" dirty="0" err="1" smtClean="0"/>
+                        <a:t>Javascript</a:t>
+                      </a:r>
+                      <a:r>
+                        <a:rPr lang="en-US" baseline="0" dirty="0" smtClean="0"/>
+                        <a:t> (ES5)</a:t>
+                      </a:r>
+                      <a:endParaRPr lang="en-US" dirty="0"/>
+                    </a:p>
+                  </a:txBody>
+                  <a:tcPr/>
+                </a:tc>
+                <a:tc>
+                  <a:txBody>
+                    <a:bodyPr/>
+                    <a:lstStyle/>
+                    <a:p>
+                      <a:pPr>
+                        <a:buNone/>
+                      </a:pPr>
+                      <a:r>
+                        <a:rPr lang="en-US" dirty="0" smtClean="0"/>
+                        <a:t>Compile</a:t>
+                      </a:r>
+                      <a:r>
+                        <a:rPr lang="en-US" baseline="0" dirty="0" smtClean="0"/>
+                        <a:t> to </a:t>
+                      </a:r>
+                      <a:r>
+                        <a:rPr lang="en-US" baseline="0" dirty="0" err="1" smtClean="0"/>
+                        <a:t>bytecode</a:t>
+                      </a:r>
+                      <a:r>
+                        <a:rPr lang="en-US" baseline="0" dirty="0" smtClean="0"/>
+                        <a:t> </a:t>
+                      </a:r>
+                      <a:endParaRPr lang="en-US" dirty="0"/>
                     </a:p>
                   </a:txBody>
                   <a:tcPr/>
@@ -4732,6 +5125,11 @@
         </a:graphic>
       </p:graphicFrame>
     </p:spTree>
+    <p:extLst>
+      <p:ext uri="{BB962C8B-B14F-4D97-AF65-F5344CB8AC3E}">
+        <p14:creationId xmlns:p14="http://schemas.microsoft.com/office/powerpoint/2010/main" val="4117456837"/>
+      </p:ext>
+    </p:extLst>
   </p:cSld>
   <p:clrMapOvr>
     <a:masterClrMapping/>
@@ -4756,19 +5154,219 @@
           <a:chExt cx="0" cy="0"/>
         </a:xfrm>
       </p:grpSpPr>
+      <p:sp>
+        <p:nvSpPr>
+          <p:cNvPr id="2" name="Title 1"/>
+          <p:cNvSpPr>
+            <a:spLocks noGrp="1"/>
+          </p:cNvSpPr>
+          <p:nvPr>
+            <p:ph type="title"/>
+          </p:nvPr>
+        </p:nvSpPr>
+        <p:spPr/>
+        <p:txBody>
+          <a:bodyPr/>
+          <a:lstStyle/>
+          <a:p>
+            <a:r>
+              <a:rPr lang="en-US" dirty="0" smtClean="0"/>
+              <a:t>Solution of circular import problem</a:t>
+            </a:r>
+            <a:endParaRPr lang="en-US" dirty="0"/>
+          </a:p>
+        </p:txBody>
+      </p:sp>
+      <p:sp>
+        <p:nvSpPr>
+          <p:cNvPr id="3" name="Content Placeholder 2"/>
+          <p:cNvSpPr>
+            <a:spLocks noGrp="1"/>
+          </p:cNvSpPr>
+          <p:nvPr>
+            <p:ph idx="1"/>
+          </p:nvPr>
+        </p:nvSpPr>
+        <p:spPr/>
+        <p:txBody>
+          <a:bodyPr/>
+          <a:lstStyle/>
+          <a:p>
+            <a:endParaRPr lang="en-US" dirty="0"/>
+          </a:p>
+        </p:txBody>
+      </p:sp>
+    </p:spTree>
+    <p:extLst>
+      <p:ext uri="{BB962C8B-B14F-4D97-AF65-F5344CB8AC3E}">
+        <p14:creationId xmlns:p14="http://schemas.microsoft.com/office/powerpoint/2010/main" val="803419868"/>
+      </p:ext>
+    </p:extLst>
+  </p:cSld>
+  <p:clrMapOvr>
+    <a:masterClrMapping/>
+  </p:clrMapOvr>
+</p:sld>
+</file>
+
+<file path=ppt/slides/slide12.xml><?xml version="1.0" encoding="utf-8"?>
+<p:sld xmlns:a="http://schemas.openxmlformats.org/drawingml/2006/main" xmlns:r="http://schemas.openxmlformats.org/officeDocument/2006/relationships" xmlns:p="http://schemas.openxmlformats.org/presentationml/2006/main">
+  <p:cSld>
+    <p:spTree>
+      <p:nvGrpSpPr>
+        <p:cNvPr id="1" name=""/>
+        <p:cNvGrpSpPr/>
+        <p:nvPr/>
+      </p:nvGrpSpPr>
+      <p:grpSpPr>
+        <a:xfrm>
+          <a:off x="0" y="0"/>
+          <a:ext cx="0" cy="0"/>
+          <a:chOff x="0" y="0"/>
+          <a:chExt cx="0" cy="0"/>
+        </a:xfrm>
+      </p:grpSpPr>
+      <p:sp>
+        <p:nvSpPr>
+          <p:cNvPr id="2" name="Title 1"/>
+          <p:cNvSpPr>
+            <a:spLocks noGrp="1"/>
+          </p:cNvSpPr>
+          <p:nvPr>
+            <p:ph type="title"/>
+          </p:nvPr>
+        </p:nvSpPr>
+        <p:spPr/>
+        <p:txBody>
+          <a:bodyPr/>
+          <a:lstStyle/>
+          <a:p>
+            <a:r>
+              <a:rPr lang="en-US" smtClean="0"/>
+              <a:t>Typescript </a:t>
+            </a:r>
+            <a:r>
+              <a:rPr lang="en-US"/>
+              <a:t>Reference</a:t>
+            </a:r>
+          </a:p>
+        </p:txBody>
+      </p:sp>
+      <p:sp>
+        <p:nvSpPr>
+          <p:cNvPr id="3" name="Content Placeholder 2"/>
+          <p:cNvSpPr>
+            <a:spLocks noGrp="1"/>
+          </p:cNvSpPr>
+          <p:nvPr>
+            <p:ph idx="1"/>
+          </p:nvPr>
+        </p:nvSpPr>
+        <p:spPr/>
+        <p:txBody>
+          <a:bodyPr/>
+          <a:lstStyle/>
+          <a:p>
+            <a:r>
+              <a:rPr lang="en-US">
+                <a:hlinkClick r:id="rId2"/>
+              </a:rPr>
+              <a:t>https://www.typescriptlang.org/docs/handbook/typescript-from-scratch.html</a:t>
+            </a:r>
+            <a:endParaRPr lang="en-US"/>
+          </a:p>
+          <a:p>
+            <a:r>
+              <a:rPr lang="en-US" smtClean="0">
+                <a:hlinkClick r:id="rId3"/>
+              </a:rPr>
+              <a:t>https</a:t>
+            </a:r>
+            <a:r>
+              <a:rPr lang="en-US">
+                <a:hlinkClick r:id="rId3"/>
+              </a:rPr>
+              <a:t>://medium.com/@</a:t>
+            </a:r>
+            <a:r>
+              <a:rPr lang="en-US" smtClean="0">
+                <a:hlinkClick r:id="rId3"/>
+              </a:rPr>
+              <a:t>kgelpes/how-typescript-helps-us-prevent-the-most-common-error-in-javascript-development-2dbcb54cf12</a:t>
+            </a:r>
+            <a:endParaRPr lang="en-US" smtClean="0"/>
+          </a:p>
+          <a:p>
+            <a:r>
+              <a:rPr lang="en-US">
+                <a:hlinkClick r:id="rId4"/>
+              </a:rPr>
+              <a:t>https://</a:t>
+            </a:r>
+            <a:r>
+              <a:rPr lang="en-US" smtClean="0">
+                <a:hlinkClick r:id="rId4"/>
+              </a:rPr>
+              <a:t>stackoverflow.com/questions/12694530/what-is-typescript-and-why-would-i-use-it-in-place-of-javascript</a:t>
+            </a:r>
+            <a:endParaRPr lang="en-US" smtClean="0"/>
+          </a:p>
+          <a:p>
+            <a:r>
+              <a:rPr lang="en-US">
+                <a:hlinkClick r:id="rId5"/>
+              </a:rPr>
+              <a:t>https://channel9.msdn.com/posts/Anders-Hejlsberg-Introducing-TypeScript</a:t>
+            </a:r>
+            <a:endParaRPr lang="en-US"/>
+          </a:p>
+        </p:txBody>
+      </p:sp>
+    </p:spTree>
+  </p:cSld>
+  <p:clrMapOvr>
+    <a:masterClrMapping/>
+  </p:clrMapOvr>
+  <p:timing>
+    <p:tnLst>
+      <p:par>
+        <p:cTn id="1" dur="indefinite" restart="never" nodeType="tmRoot"/>
+      </p:par>
+    </p:tnLst>
+  </p:timing>
+</p:sld>
+</file>
+
+<file path=ppt/slides/slide13.xml><?xml version="1.0" encoding="utf-8"?>
+<p:sld xmlns:a="http://schemas.openxmlformats.org/drawingml/2006/main" xmlns:r="http://schemas.openxmlformats.org/officeDocument/2006/relationships" xmlns:p="http://schemas.openxmlformats.org/presentationml/2006/main">
+  <p:cSld>
+    <p:spTree>
+      <p:nvGrpSpPr>
+        <p:cNvPr id="1" name=""/>
+        <p:cNvGrpSpPr/>
+        <p:nvPr/>
+      </p:nvGrpSpPr>
+      <p:grpSpPr>
+        <a:xfrm>
+          <a:off x="0" y="0"/>
+          <a:ext cx="0" cy="0"/>
+          <a:chOff x="0" y="0"/>
+          <a:chExt cx="0" cy="0"/>
+        </a:xfrm>
+      </p:grpSpPr>
       <p:pic>
         <p:nvPicPr>
           <p:cNvPr id="1028" name="Picture 4" descr="Flat Lay Photography of Macbook Pro Beside White Spiral Notebook and Green Mug"/>
           <p:cNvPicPr>
-            <a:picLocks noChangeAspect="true" noChangeArrowheads="true"/>
+            <a:picLocks noChangeAspect="1" noChangeArrowheads="1"/>
           </p:cNvPicPr>
           <p:nvPr/>
         </p:nvPicPr>
-        <p:blipFill rotWithShape="true">
-          <a:blip r:embed="rId1">
+        <p:blipFill rotWithShape="1">
+          <a:blip r:embed="rId2">
             <a:extLst>
               <a:ext uri="{28A0092B-C50C-407E-A947-70E740481C1C}">
-                <a14:useLocalDpi xmlns:a14="http://schemas.microsoft.com/office/drawing/2010/main" val="false"/>
+                <a14:useLocalDpi xmlns:a14="http://schemas.microsoft.com/office/drawing/2010/main" val="0"/>
               </a:ext>
             </a:extLst>
           </a:blip>
@@ -4801,12 +5399,12 @@
         <p:nvPicPr>
           <p:cNvPr id="5" name="Picture 4"/>
           <p:cNvPicPr>
-            <a:picLocks noChangeAspect="true"/>
+            <a:picLocks noChangeAspect="1"/>
           </p:cNvPicPr>
           <p:nvPr/>
         </p:nvPicPr>
         <p:blipFill>
-          <a:blip r:embed="rId2"/>
+          <a:blip r:embed="rId3"/>
           <a:stretch>
             <a:fillRect/>
           </a:stretch>
@@ -4825,12 +5423,12 @@
         <p:nvPicPr>
           <p:cNvPr id="6" name="Picture 5"/>
           <p:cNvPicPr>
-            <a:picLocks noChangeAspect="true"/>
+            <a:picLocks noChangeAspect="1"/>
           </p:cNvPicPr>
           <p:nvPr/>
         </p:nvPicPr>
         <p:blipFill>
-          <a:blip r:embed="rId3"/>
+          <a:blip r:embed="rId4"/>
           <a:stretch>
             <a:fillRect/>
           </a:stretch>
@@ -4898,7 +5496,7 @@
       <p:sp>
         <p:nvSpPr>
           <p:cNvPr id="10" name="TextBox 9"/>
-          <p:cNvSpPr txBox="true"/>
+          <p:cNvSpPr txBox="1"/>
           <p:nvPr/>
         </p:nvSpPr>
         <p:spPr>
@@ -4976,7 +5574,7 @@
         <p:nvSpPr>
           <p:cNvPr id="2" name="Content Placeholder 1"/>
           <p:cNvSpPr>
-            <a:spLocks noGrp="true"/>
+            <a:spLocks noGrp="1"/>
           </p:cNvSpPr>
           <p:nvPr>
             <p:ph idx="1"/>
@@ -4985,199 +5583,70 @@
         <p:spPr/>
         <p:txBody>
           <a:bodyPr>
-            <a:normAutofit lnSpcReduction="10000"/>
+            <a:normAutofit/>
           </a:bodyPr>
           <a:lstStyle/>
           <a:p>
-            <a:pPr marL="457200" indent="-457200">
+            <a:pPr marL="914400" indent="-457200">
               <a:buFont typeface="+mj-lt"/>
               <a:buAutoNum type="arabicPeriod"/>
             </a:pPr>
             <a:r>
-              <a:rPr lang="en-US" sz="2000" b="1" smtClean="0">
+              <a:rPr lang="en-US" sz="2000" b="1" dirty="0">
                 <a:solidFill>
                   <a:schemeClr val="accent2"/>
                 </a:solidFill>
               </a:rPr>
               <a:t>Before Protractor</a:t>
             </a:r>
-            <a:endParaRPr lang="en-US" sz="2000" b="1" smtClean="0">
-              <a:solidFill>
-                <a:schemeClr val="accent2"/>
-              </a:solidFill>
-            </a:endParaRPr>
-          </a:p>
-          <a:p>
-            <a:pPr marL="857250" lvl="1" indent="-457200">
+          </a:p>
+          <a:p>
+            <a:pPr marL="914400" indent="-457200">
               <a:buFont typeface="+mj-lt"/>
               <a:buAutoNum type="arabicPeriod"/>
             </a:pPr>
             <a:r>
-              <a:rPr lang="en-US" b="1" smtClean="0">
-                <a:solidFill>
-                  <a:schemeClr val="accent2"/>
-                </a:solidFill>
-              </a:rPr>
-              <a:t>Sync and </a:t>
-            </a:r>
-            <a:r>
-              <a:rPr lang="en-US" b="1" err="1" smtClean="0">
-                <a:solidFill>
-                  <a:schemeClr val="accent2"/>
-                </a:solidFill>
-              </a:rPr>
-              <a:t>Async</a:t>
-            </a:r>
-            <a:endParaRPr lang="en-US" b="1" smtClean="0">
-              <a:solidFill>
-                <a:schemeClr val="accent2"/>
-              </a:solidFill>
-            </a:endParaRPr>
-          </a:p>
-          <a:p>
-            <a:pPr marL="857250" lvl="1" indent="-457200">
-              <a:buFont typeface="+mj-lt"/>
-              <a:buAutoNum type="arabicPeriod"/>
-            </a:pPr>
-            <a:r>
-              <a:rPr lang="en-US" b="1" smtClean="0">
-                <a:solidFill>
-                  <a:schemeClr val="accent2"/>
-                </a:solidFill>
-              </a:rPr>
-              <a:t>Overview about </a:t>
-            </a:r>
-            <a:r>
-              <a:rPr lang="en-US" b="1" err="1" smtClean="0">
-                <a:solidFill>
-                  <a:schemeClr val="accent2"/>
-                </a:solidFill>
-              </a:rPr>
-              <a:t>Javascript</a:t>
-            </a:r>
-            <a:endParaRPr lang="en-US" b="1" smtClean="0">
-              <a:solidFill>
-                <a:schemeClr val="accent2"/>
-              </a:solidFill>
-            </a:endParaRPr>
-          </a:p>
-          <a:p>
-            <a:pPr marL="857250" lvl="1" indent="-457200">
-              <a:buFont typeface="+mj-lt"/>
-              <a:buAutoNum type="arabicPeriod"/>
-            </a:pPr>
-            <a:r>
-              <a:rPr lang="en-US" b="1">
-                <a:solidFill>
-                  <a:schemeClr val="accent2"/>
-                </a:solidFill>
-              </a:rPr>
-              <a:t>Scope and </a:t>
-            </a:r>
-            <a:r>
-              <a:rPr lang="en-US" b="1" smtClean="0">
-                <a:solidFill>
-                  <a:schemeClr val="accent2"/>
-                </a:solidFill>
-              </a:rPr>
-              <a:t>Type</a:t>
-            </a:r>
-            <a:endParaRPr lang="en-US" b="1" smtClean="0">
-              <a:solidFill>
-                <a:schemeClr val="accent2"/>
-              </a:solidFill>
-            </a:endParaRPr>
-          </a:p>
-          <a:p>
-            <a:pPr marL="857250" lvl="1" indent="-457200">
-              <a:buFont typeface="+mj-lt"/>
-              <a:buAutoNum type="arabicPeriod"/>
-            </a:pPr>
-            <a:r>
-              <a:rPr lang="en-US" b="1" smtClean="0">
-                <a:solidFill>
-                  <a:schemeClr val="accent2"/>
-                </a:solidFill>
-              </a:rPr>
-              <a:t>Overview about Typescript</a:t>
-            </a:r>
-            <a:endParaRPr lang="en-US" b="1" smtClean="0">
-              <a:solidFill>
-                <a:schemeClr val="accent2"/>
-              </a:solidFill>
-            </a:endParaRPr>
-          </a:p>
-          <a:p>
-            <a:pPr marL="857250" lvl="1" indent="-457200">
-              <a:buFont typeface="+mj-lt"/>
-              <a:buAutoNum type="arabicPeriod"/>
-            </a:pPr>
-            <a:r>
-              <a:rPr lang="en-US" b="1" smtClean="0">
-                <a:solidFill>
-                  <a:schemeClr val="accent2"/>
-                </a:solidFill>
-              </a:rPr>
-              <a:t>Overview about Selenium</a:t>
-            </a:r>
-            <a:endParaRPr lang="en-US" b="1" smtClean="0">
-              <a:solidFill>
-                <a:schemeClr val="accent2"/>
-              </a:solidFill>
-            </a:endParaRPr>
-          </a:p>
-          <a:p>
-            <a:pPr marL="457200" indent="-457200">
-              <a:buFont typeface="+mj-lt"/>
-              <a:buAutoNum type="arabicPeriod"/>
-            </a:pPr>
-            <a:r>
-              <a:rPr lang="en-US" sz="2000" b="1" smtClean="0">
+              <a:rPr lang="en-US" sz="2000" b="1" dirty="0">
                 <a:solidFill>
                   <a:schemeClr val="accent2"/>
                 </a:solidFill>
               </a:rPr>
               <a:t>Protractor</a:t>
             </a:r>
-            <a:endParaRPr lang="en-US" sz="2000" b="1" smtClean="0">
-              <a:solidFill>
-                <a:schemeClr val="accent2"/>
-              </a:solidFill>
-            </a:endParaRPr>
-          </a:p>
-          <a:p>
-            <a:pPr marL="457200" indent="-457200">
+          </a:p>
+          <a:p>
+            <a:pPr marL="914400" indent="-457200">
               <a:buFont typeface="+mj-lt"/>
               <a:buAutoNum type="arabicPeriod"/>
             </a:pPr>
             <a:r>
-              <a:rPr lang="en-US" sz="2000" b="1" smtClean="0">
+              <a:rPr lang="en-US" sz="2000" b="1" dirty="0">
                 <a:solidFill>
                   <a:schemeClr val="accent2"/>
                 </a:solidFill>
               </a:rPr>
               <a:t>After Protractor</a:t>
             </a:r>
-            <a:endParaRPr lang="en-US" sz="2000" b="1" smtClean="0">
-              <a:solidFill>
-                <a:schemeClr val="accent2"/>
-              </a:solidFill>
-            </a:endParaRPr>
-          </a:p>
-          <a:p>
-            <a:pPr marL="457200" indent="-457200">
+          </a:p>
+          <a:p>
+            <a:pPr marL="914400" indent="-457200">
               <a:buFont typeface="+mj-lt"/>
               <a:buAutoNum type="arabicPeriod"/>
             </a:pPr>
             <a:r>
-              <a:rPr lang="en-US" sz="2000" b="1" smtClean="0">
+              <a:rPr lang="en-US" sz="2000" b="1" dirty="0">
                 <a:solidFill>
                   <a:schemeClr val="accent2"/>
                 </a:solidFill>
               </a:rPr>
               <a:t>Q and A</a:t>
             </a:r>
-            <a:endParaRPr lang="en-US" sz="2000" b="1">
+          </a:p>
+          <a:p>
+            <a:pPr marL="400050" lvl="1" indent="0">
+              <a:buNone/>
+            </a:pPr>
+            <a:endParaRPr lang="en-US" b="1" dirty="0">
               <a:solidFill>
                 <a:schemeClr val="accent2"/>
               </a:solidFill>
@@ -5189,7 +5658,7 @@
         <p:nvSpPr>
           <p:cNvPr id="3" name="Title 2"/>
           <p:cNvSpPr>
-            <a:spLocks noGrp="true"/>
+            <a:spLocks noGrp="1"/>
           </p:cNvSpPr>
           <p:nvPr>
             <p:ph type="title"/>
@@ -5201,12 +5670,12 @@
           <a:lstStyle/>
           <a:p>
             <a:r>
-              <a:rPr lang="vi-VN" smtClean="0">
+              <a:rPr lang="vi-VN" dirty="0" smtClean="0">
                 <a:latin typeface="Century Gothic (Body)"/>
               </a:rPr>
               <a:t>Content:</a:t>
             </a:r>
-            <a:endParaRPr lang="en-US">
+            <a:endParaRPr lang="en-US" dirty="0">
               <a:latin typeface="Century Gothic (Body)"/>
             </a:endParaRPr>
           </a:p>
@@ -5248,7 +5717,7 @@
         <p:nvSpPr>
           <p:cNvPr id="2" name="Title 1"/>
           <p:cNvSpPr>
-            <a:spLocks noGrp="true"/>
+            <a:spLocks noGrp="1"/>
           </p:cNvSpPr>
           <p:nvPr>
             <p:ph type="title"/>
@@ -5260,10 +5729,10 @@
           <a:lstStyle/>
           <a:p>
             <a:r>
-              <a:rPr lang="en-US" smtClean="0"/>
-              <a:t>Javascript</a:t>
-            </a:r>
-            <a:endParaRPr lang="en-US"/>
+              <a:rPr lang="en-US" dirty="0" smtClean="0"/>
+              <a:t>Before Protractor</a:t>
+            </a:r>
+            <a:endParaRPr lang="en-US" dirty="0"/>
           </a:p>
         </p:txBody>
       </p:sp>
@@ -5271,298 +5740,132 @@
         <p:nvSpPr>
           <p:cNvPr id="3" name="Content Placeholder 2"/>
           <p:cNvSpPr>
-            <a:spLocks noGrp="true"/>
+            <a:spLocks noGrp="1"/>
           </p:cNvSpPr>
           <p:nvPr>
             <p:ph idx="1"/>
           </p:nvPr>
         </p:nvSpPr>
-        <p:spPr>
-          <a:xfrm>
-            <a:off x="1154955" y="1654174"/>
-            <a:ext cx="9868645" cy="4224111"/>
-          </a:xfrm>
-        </p:spPr>
-        <p:txBody>
-          <a:bodyPr>
-            <a:normAutofit/>
-          </a:bodyPr>
+        <p:spPr/>
+        <p:txBody>
+          <a:bodyPr/>
           <a:lstStyle/>
           <a:p>
-            <a:pPr>
-              <a:buFont typeface="Wingdings" panose="05000000000000000000" pitchFamily="2" charset="2"/>
-              <a:buChar char="Ø"/>
+            <a:pPr marL="857250" lvl="1" indent="-457200">
+              <a:buFont typeface="+mj-lt"/>
+              <a:buAutoNum type="arabicPeriod"/>
             </a:pPr>
             <a:r>
-              <a:rPr lang="en-US" smtClean="0">
+              <a:rPr lang="en-US" sz="2000" b="1" dirty="0">
                 <a:solidFill>
-                  <a:schemeClr val="tx1"/>
+                  <a:schemeClr val="accent2"/>
                 </a:solidFill>
               </a:rPr>
-              <a:t>Javascript </a:t>
-            </a:r>
-            <a:r>
-              <a:rPr lang="en-US" smtClean="0"/>
-              <a:t>was </a:t>
-            </a:r>
-            <a:r>
-              <a:rPr lang="en-US"/>
-              <a:t>invented by Brendan Eich </a:t>
-            </a:r>
-            <a:r>
-              <a:rPr lang="en-US" smtClean="0"/>
-              <a:t>(bren-duhn</a:t>
-            </a:r>
-            <a:r>
-              <a:rPr lang="en-US"/>
-              <a:t> </a:t>
-            </a:r>
-            <a:r>
-              <a:rPr lang="en-US" smtClean="0"/>
-              <a:t>aik , co-founder </a:t>
-            </a:r>
-            <a:r>
-              <a:rPr lang="en-US"/>
-              <a:t>of the Mozilla project, the Mozilla Foundation, and the Mozilla Corporation</a:t>
-            </a:r>
-            <a:r>
-              <a:rPr lang="en-US" smtClean="0"/>
-              <a:t>) </a:t>
-            </a:r>
-            <a:endParaRPr lang="en-US" smtClean="0"/>
-          </a:p>
-          <a:p>
-            <a:pPr>
-              <a:buFont typeface="Wingdings" panose="05000000000000000000" pitchFamily="2" charset="2"/>
-              <a:buChar char="Ø"/>
-            </a:pPr>
-            <a:r>
-              <a:rPr lang="en-US" smtClean="0"/>
-              <a:t>First</a:t>
-            </a:r>
-            <a:r>
-              <a:rPr lang="en-US"/>
-              <a:t> </a:t>
-            </a:r>
-            <a:r>
-              <a:rPr lang="en-US" smtClean="0"/>
-              <a:t>appeared: 5/1995</a:t>
-            </a:r>
-            <a:endParaRPr lang="en-US" smtClean="0">
+              <a:t>Sync and </a:t>
+            </a:r>
+            <a:r>
+              <a:rPr lang="en-US" sz="2000" b="1" dirty="0" err="1">
+                <a:solidFill>
+                  <a:schemeClr val="accent2"/>
+                </a:solidFill>
+              </a:rPr>
+              <a:t>Async</a:t>
+            </a:r>
+            <a:endParaRPr lang="en-US" sz="2000" b="1" dirty="0">
               <a:solidFill>
-                <a:schemeClr val="tx1"/>
+                <a:schemeClr val="accent2"/>
               </a:solidFill>
             </a:endParaRPr>
           </a:p>
           <a:p>
-            <a:pPr>
-              <a:buFont typeface="Wingdings" panose="05000000000000000000" pitchFamily="2" charset="2"/>
-              <a:buChar char="Ø"/>
+            <a:pPr marL="857250" lvl="1" indent="-457200">
+              <a:buFont typeface="+mj-lt"/>
+              <a:buAutoNum type="arabicPeriod"/>
             </a:pPr>
             <a:r>
-              <a:rPr lang="en-US" smtClean="0">
+              <a:rPr lang="en-US" sz="2000" b="1" dirty="0">
                 <a:solidFill>
-                  <a:schemeClr val="tx1"/>
+                  <a:schemeClr val="accent2"/>
                 </a:solidFill>
               </a:rPr>
-              <a:t>Javascript ("</a:t>
-            </a:r>
-            <a:r>
-              <a:rPr lang="en-US">
+              <a:t>Overview about </a:t>
+            </a:r>
+            <a:r>
+              <a:rPr lang="en-US" sz="2000" b="1" dirty="0" err="1">
                 <a:solidFill>
-                  <a:schemeClr val="tx1"/>
+                  <a:schemeClr val="accent2"/>
                 </a:solidFill>
               </a:rPr>
-              <a:t>JS" for short) is </a:t>
-            </a:r>
-            <a:r>
-              <a:rPr lang="en-US" smtClean="0">
+              <a:t>Javascript</a:t>
+            </a:r>
+            <a:endParaRPr lang="en-US" sz="2000" b="1" dirty="0">
+              <a:solidFill>
+                <a:schemeClr val="accent2"/>
+              </a:solidFill>
+            </a:endParaRPr>
+          </a:p>
+          <a:p>
+            <a:pPr marL="857250" lvl="1" indent="-457200">
+              <a:buFont typeface="+mj-lt"/>
+              <a:buAutoNum type="arabicPeriod"/>
+            </a:pPr>
+            <a:r>
+              <a:rPr lang="en-US" sz="2000" b="1" dirty="0" smtClean="0">
                 <a:solidFill>
-                  <a:schemeClr val="tx1"/>
+                  <a:schemeClr val="accent2"/>
                 </a:solidFill>
               </a:rPr>
-              <a:t>a</a:t>
-            </a:r>
-            <a:r>
-              <a:rPr lang="en-US">
+              <a:t>Value of Type</a:t>
+            </a:r>
+            <a:endParaRPr lang="en-US" sz="2000" b="1" dirty="0">
+              <a:solidFill>
+                <a:schemeClr val="accent2"/>
+              </a:solidFill>
+            </a:endParaRPr>
+          </a:p>
+          <a:p>
+            <a:pPr marL="857250" lvl="1" indent="-457200">
+              <a:buFont typeface="+mj-lt"/>
+              <a:buAutoNum type="arabicPeriod"/>
+            </a:pPr>
+            <a:r>
+              <a:rPr lang="en-US" sz="2000" b="1" dirty="0">
                 <a:solidFill>
-                  <a:schemeClr val="tx1"/>
+                  <a:schemeClr val="accent2"/>
                 </a:solidFill>
               </a:rPr>
-              <a:t> </a:t>
-            </a:r>
-            <a:r>
-              <a:rPr lang="en-US">
+              <a:t>Overview about Typescript</a:t>
+            </a:r>
+          </a:p>
+          <a:p>
+            <a:pPr marL="857250" lvl="1" indent="-457200">
+              <a:buFont typeface="+mj-lt"/>
+              <a:buAutoNum type="arabicPeriod"/>
+            </a:pPr>
+            <a:r>
+              <a:rPr lang="en-US" sz="2000" b="1" dirty="0">
                 <a:solidFill>
-                  <a:srgbClr val="C00000"/>
+                  <a:schemeClr val="accent2"/>
                 </a:solidFill>
               </a:rPr>
-              <a:t>dynamic programming </a:t>
-            </a:r>
-            <a:r>
-              <a:rPr lang="en-US" smtClean="0">
-                <a:solidFill>
-                  <a:srgbClr val="C00000"/>
-                </a:solidFill>
-              </a:rPr>
-              <a:t>language</a:t>
-            </a:r>
-            <a:endParaRPr lang="en-US" smtClean="0">
-              <a:solidFill>
-                <a:srgbClr val="C00000"/>
-              </a:solidFill>
-            </a:endParaRPr>
-          </a:p>
-          <a:p>
-            <a:pPr>
-              <a:buFont typeface="Wingdings" panose="05000000000000000000" pitchFamily="2" charset="2"/>
-              <a:buChar char="Ø"/>
-            </a:pPr>
-            <a:r>
-              <a:rPr lang="en-US"/>
-              <a:t>JavaScript is used </a:t>
-            </a:r>
-            <a:r>
-              <a:rPr lang="en-US" smtClean="0"/>
-              <a:t>as client-side programming language by </a:t>
-            </a:r>
-            <a:r>
-              <a:rPr lang="en-US"/>
-              <a:t>97.1% of all the websites.</a:t>
-            </a:r>
-            <a:endParaRPr lang="en-US" smtClean="0">
-              <a:solidFill>
-                <a:schemeClr val="tx1"/>
-              </a:solidFill>
-            </a:endParaRPr>
-          </a:p>
-          <a:p>
-            <a:pPr>
-              <a:buFont typeface="Wingdings" panose="05000000000000000000" pitchFamily="2" charset="2"/>
-              <a:buChar char="Ø"/>
-            </a:pPr>
-            <a:r>
-              <a:rPr lang="en-US" smtClean="0"/>
-              <a:t>JavaScript </a:t>
-            </a:r>
-            <a:r>
-              <a:rPr lang="en-US" b="1" i="1"/>
-              <a:t>is not </a:t>
-            </a:r>
-            <a:r>
-              <a:rPr lang="en-US" smtClean="0"/>
-              <a:t>a</a:t>
-            </a:r>
-            <a:r>
-              <a:rPr lang="en-US"/>
-              <a:t> </a:t>
-            </a:r>
-            <a:r>
-              <a:rPr lang="en-US" i="1"/>
-              <a:t>class-based</a:t>
-            </a:r>
-            <a:r>
-              <a:rPr lang="en-US"/>
-              <a:t> object-oriented language like Java, C</a:t>
-            </a:r>
-            <a:r>
-              <a:rPr lang="en-US" smtClean="0"/>
-              <a:t># etc</a:t>
-            </a:r>
-            <a:endParaRPr lang="en-US">
-              <a:solidFill>
-                <a:schemeClr val="tx1"/>
-              </a:solidFill>
-            </a:endParaRPr>
-          </a:p>
-          <a:p>
-            <a:pPr>
-              <a:buFont typeface="Wingdings" panose="05000000000000000000" pitchFamily="2" charset="2"/>
-              <a:buChar char="Ø"/>
-            </a:pPr>
-            <a:r>
-              <a:rPr lang="en-US" smtClean="0"/>
-              <a:t>In </a:t>
-            </a:r>
-            <a:r>
-              <a:rPr lang="en-US"/>
-              <a:t>its most basic form, JavaScript is a synchronous, blocking, single-threaded </a:t>
-            </a:r>
-            <a:r>
-              <a:rPr lang="en-US" smtClean="0"/>
-              <a:t>language. </a:t>
-            </a:r>
-            <a:r>
-              <a:rPr lang="en-US"/>
-              <a:t>But web browsers define functions and APIs that allow us to register functions that should not be executed synchronously, and should instead be invoked asynchronously when some kind of event occurs (the passage of time, the user's interaction with the mouse, or the arrival of data over the network, for example</a:t>
-            </a:r>
-            <a:r>
-              <a:rPr lang="en-US" smtClean="0"/>
-              <a:t>) or NodeJs with backend apis for server, database …</a:t>
-            </a:r>
-            <a:endParaRPr lang="en-US" smtClean="0"/>
-          </a:p>
-          <a:p>
-            <a:pPr marL="0" indent="0">
-              <a:buNone/>
-            </a:pPr>
-            <a:endParaRPr lang="en-US"/>
-          </a:p>
-        </p:txBody>
-      </p:sp>
-      <p:pic>
-        <p:nvPicPr>
-          <p:cNvPr id="2050" name="Picture 2" descr="Tập tin:JavaScript-logo.png – Wikipedia tiếng Việt"/>
-          <p:cNvPicPr>
-            <a:picLocks noChangeAspect="true" noChangeArrowheads="true"/>
-          </p:cNvPicPr>
-          <p:nvPr/>
-        </p:nvPicPr>
-        <p:blipFill>
-          <a:blip r:embed="rId1" cstate="print">
-            <a:extLst>
-              <a:ext uri="{28A0092B-C50C-407E-A947-70E740481C1C}">
-                <a14:useLocalDpi xmlns:a14="http://schemas.microsoft.com/office/drawing/2010/main" val="false"/>
-              </a:ext>
-            </a:extLst>
-          </a:blip>
-          <a:srcRect/>
-          <a:stretch>
-            <a:fillRect/>
-          </a:stretch>
-        </p:blipFill>
-        <p:spPr bwMode="auto">
-          <a:xfrm>
-            <a:off x="3983369" y="332318"/>
-            <a:ext cx="907945" cy="907945"/>
-          </a:xfrm>
-          <a:prstGeom prst="rect">
-            <a:avLst/>
-          </a:prstGeom>
-          <a:noFill/>
-          <a:extLst>
-            <a:ext uri="{909E8E84-426E-40DD-AFC4-6F175D3DCCD1}">
-              <a14:hiddenFill xmlns:a14="http://schemas.microsoft.com/office/drawing/2010/main">
-                <a:solidFill>
-                  <a:srgbClr val="FFFFFF"/>
-                </a:solidFill>
-              </a14:hiddenFill>
-            </a:ext>
-          </a:extLst>
-        </p:spPr>
-      </p:pic>
+              <a:t>Overview about Selenium</a:t>
+            </a:r>
+          </a:p>
+          <a:p>
+            <a:endParaRPr lang="en-US" dirty="0"/>
+          </a:p>
+        </p:txBody>
+      </p:sp>
     </p:spTree>
+    <p:extLst>
+      <p:ext uri="{BB962C8B-B14F-4D97-AF65-F5344CB8AC3E}">
+        <p14:creationId xmlns:p14="http://schemas.microsoft.com/office/powerpoint/2010/main" val="2647856344"/>
+      </p:ext>
+    </p:extLst>
   </p:cSld>
   <p:clrMapOvr>
     <a:masterClrMapping/>
   </p:clrMapOvr>
-  <p:timing>
-    <p:tnLst>
-      <p:par>
-        <p:cTn id="1" dur="indefinite" restart="never" nodeType="tmRoot"/>
-      </p:par>
-    </p:tnLst>
-  </p:timing>
 </p:sld>
 </file>
 
@@ -5587,7 +5890,7 @@
         <p:nvSpPr>
           <p:cNvPr id="2" name="Title 1"/>
           <p:cNvSpPr>
-            <a:spLocks noGrp="true"/>
+            <a:spLocks noGrp="1"/>
           </p:cNvSpPr>
           <p:nvPr>
             <p:ph type="title"/>
@@ -5599,79 +5902,245 @@
           <a:lstStyle/>
           <a:p>
             <a:r>
-              <a:rPr lang="en-US"/>
-              <a:t>Javascript Reference</a:t>
+              <a:rPr lang="en-US" smtClean="0">
+                <a:solidFill>
+                  <a:schemeClr val="accent2"/>
+                </a:solidFill>
+                <a:sym typeface="+mn-ea"/>
+              </a:rPr>
+              <a:t>Sync and </a:t>
+            </a:r>
+            <a:r>
+              <a:rPr lang="en-US" err="1" smtClean="0">
+                <a:solidFill>
+                  <a:schemeClr val="accent2"/>
+                </a:solidFill>
+                <a:sym typeface="+mn-ea"/>
+              </a:rPr>
+              <a:t>Async</a:t>
             </a:r>
             <a:endParaRPr lang="en-US"/>
           </a:p>
         </p:txBody>
       </p:sp>
-      <p:sp>
-        <p:nvSpPr>
-          <p:cNvPr id="3" name="Content Placeholder 2"/>
-          <p:cNvSpPr>
-            <a:spLocks noGrp="true"/>
-          </p:cNvSpPr>
+      <p:graphicFrame>
+        <p:nvGraphicFramePr>
+          <p:cNvPr id="4" name="Content Placeholder 3"/>
+          <p:cNvGraphicFramePr>
+            <a:graphicFrameLocks noGrp="1"/>
+          </p:cNvGraphicFramePr>
           <p:nvPr>
             <p:ph idx="1"/>
           </p:nvPr>
-        </p:nvSpPr>
-        <p:spPr/>
-        <p:txBody>
-          <a:bodyPr/>
-          <a:lstStyle/>
-          <a:p>
-            <a:pPr>
-              <a:buFont typeface="Wingdings" panose="05000000000000000000" pitchFamily="2" charset="2"/>
-              <a:buChar char="Ø"/>
-            </a:pPr>
-            <a:r>
-              <a:rPr lang="en-US">
-                <a:hlinkClick r:id="rId1"/>
-              </a:rPr>
-              <a:t>https://developer.mozilla.org/en-US/docs/Learn/Getting_started_with_the_web/JavaScript_basics</a:t>
-            </a:r>
-            <a:endParaRPr lang="en-US">
-              <a:hlinkClick r:id="rId2"/>
-            </a:endParaRPr>
-          </a:p>
-          <a:p>
-            <a:pPr>
-              <a:buFont typeface="Wingdings" panose="05000000000000000000" pitchFamily="2" charset="2"/>
-              <a:buChar char="Ø"/>
-            </a:pPr>
-            <a:r>
-              <a:rPr lang="en-US">
-                <a:hlinkClick r:id="rId2"/>
-              </a:rPr>
-              <a:t>https://developer.mozilla.org/en-US/docs/Learn/JavaScript/Asynchronous/Introducing</a:t>
-            </a:r>
-            <a:endParaRPr lang="en-US">
-              <a:hlinkClick r:id="rId3"/>
-            </a:endParaRPr>
-          </a:p>
-          <a:p>
-            <a:pPr>
-              <a:buFont typeface="Wingdings" panose="05000000000000000000" pitchFamily="2" charset="2"/>
-              <a:buChar char="Ø"/>
-            </a:pPr>
-            <a:r>
-              <a:rPr lang="en-US">
-                <a:hlinkClick r:id="rId3"/>
-              </a:rPr>
-              <a:t>https://w3techs.com/technologies/details/cp-javascript</a:t>
-            </a:r>
-            <a:endParaRPr lang="en-US"/>
-          </a:p>
-          <a:p>
-            <a:pPr marL="0" indent="0">
-              <a:buNone/>
-            </a:pPr>
-            <a:endParaRPr lang="en-US"/>
-          </a:p>
-        </p:txBody>
-      </p:sp>
+        </p:nvGraphicFramePr>
+        <p:xfrm>
+          <a:off x="1612265" y="1628775"/>
+          <a:ext cx="9108440" cy="2260600"/>
+        </p:xfrm>
+        <a:graphic>
+          <a:graphicData uri="http://schemas.openxmlformats.org/drawingml/2006/table">
+            <a:tbl>
+              <a:tblPr firstRow="1" bandRow="1">
+                <a:tableStyleId>{5C22544A-7EE6-4342-B048-85BDC9FD1C3A}</a:tableStyleId>
+              </a:tblPr>
+              <a:tblGrid>
+                <a:gridCol w="4547870"/>
+                <a:gridCol w="4560570"/>
+              </a:tblGrid>
+              <a:tr h="431800">
+                <a:tc>
+                  <a:txBody>
+                    <a:bodyPr/>
+                    <a:lstStyle/>
+                    <a:p>
+                      <a:pPr algn="ctr">
+                        <a:buNone/>
+                      </a:pPr>
+                      <a:r>
+                        <a:rPr lang="" altLang="en-US" sz="2000"/>
+                        <a:t>Sync</a:t>
+                      </a:r>
+                    </a:p>
+                  </a:txBody>
+                  <a:tcPr/>
+                </a:tc>
+                <a:tc>
+                  <a:txBody>
+                    <a:bodyPr/>
+                    <a:lstStyle/>
+                    <a:p>
+                      <a:pPr algn="ctr">
+                        <a:buNone/>
+                      </a:pPr>
+                      <a:r>
+                        <a:rPr lang="" altLang="en-US" sz="2000"/>
+                        <a:t>Async</a:t>
+                      </a:r>
+                    </a:p>
+                  </a:txBody>
+                  <a:tcPr/>
+                </a:tc>
+              </a:tr>
+              <a:tr h="431800">
+                <a:tc>
+                  <a:txBody>
+                    <a:bodyPr/>
+                    <a:lstStyle/>
+                    <a:p>
+                      <a:pPr>
+                        <a:buNone/>
+                      </a:pPr>
+                      <a:r>
+                        <a:rPr lang="en-US"/>
+                        <a:t>Run </a:t>
+                      </a:r>
+                      <a:r>
+                        <a:rPr lang="en-US" altLang="en-US" sz="1800">
+                          <a:sym typeface="+mn-ea"/>
+                        </a:rPr>
+                        <a:t>task</a:t>
+                      </a:r>
+                      <a:r>
+                        <a:rPr lang="" altLang="en-US" sz="1800">
+                          <a:sym typeface="+mn-ea"/>
+                        </a:rPr>
+                        <a:t> </a:t>
+                      </a:r>
+                      <a:r>
+                        <a:rPr lang="en-US"/>
+                        <a:t>by </a:t>
+                      </a:r>
+                      <a:r>
+                        <a:rPr lang="en-US" altLang="en-US" sz="1800">
+                          <a:sym typeface="+mn-ea"/>
+                        </a:rPr>
+                        <a:t>task</a:t>
+                      </a:r>
+                      <a:r>
+                        <a:rPr lang="en-US"/>
+                        <a:t>, the next </a:t>
+                      </a:r>
+                      <a:r>
+                        <a:rPr lang="en-US" altLang="en-US" sz="1800">
+                          <a:sym typeface="+mn-ea"/>
+                        </a:rPr>
+                        <a:t>task</a:t>
+                      </a:r>
+                      <a:r>
+                        <a:rPr lang="" altLang="en-US" sz="1800">
+                          <a:sym typeface="+mn-ea"/>
+                        </a:rPr>
+                        <a:t> </a:t>
+                      </a:r>
+                      <a:r>
+                        <a:rPr lang="en-US"/>
+                        <a:t>must wait for the previous </a:t>
+                      </a:r>
+                      <a:r>
+                        <a:rPr lang="en-US" altLang="en-US" sz="1800">
+                          <a:sym typeface="+mn-ea"/>
+                        </a:rPr>
+                        <a:t>task</a:t>
+                      </a:r>
+                      <a:endParaRPr lang="en-US"/>
+                    </a:p>
+                  </a:txBody>
+                  <a:tcPr/>
+                </a:tc>
+                <a:tc>
+                  <a:txBody>
+                    <a:bodyPr/>
+                    <a:lstStyle/>
+                    <a:p>
+                      <a:pPr>
+                        <a:buNone/>
+                      </a:pPr>
+                      <a:r>
+                        <a:rPr lang="en-US"/>
+                        <a:t>Running simultaneously, </a:t>
+                      </a:r>
+                      <a:r>
+                        <a:rPr lang="" altLang="en-US"/>
+                        <a:t>do not wait for another task</a:t>
+                      </a:r>
+                    </a:p>
+                  </a:txBody>
+                  <a:tcPr/>
+                </a:tc>
+              </a:tr>
+              <a:tr h="431800">
+                <a:tc>
+                  <a:txBody>
+                    <a:bodyPr/>
+                    <a:lstStyle/>
+                    <a:p>
+                      <a:pPr>
+                        <a:buNone/>
+                      </a:pPr>
+                      <a:r>
+                        <a:rPr lang="en-US"/>
+                        <a:t>Running synchronously will generate unnecessary and idle wait in some cases</a:t>
+                      </a:r>
+                    </a:p>
+                  </a:txBody>
+                  <a:tcPr/>
+                </a:tc>
+                <a:tc>
+                  <a:txBody>
+                    <a:bodyPr/>
+                    <a:lstStyle/>
+                    <a:p>
+                      <a:pPr>
+                        <a:buNone/>
+                      </a:pPr>
+                      <a:r>
+                        <a:rPr lang="en-US"/>
+                        <a:t>Running asynchronously so </a:t>
+                      </a:r>
+                      <a:r>
+                        <a:rPr lang="" altLang="en-US"/>
+                        <a:t>it </a:t>
+                      </a:r>
+                      <a:r>
+                        <a:rPr lang="en-US"/>
+                        <a:t>can handle many </a:t>
+                      </a:r>
+                      <a:r>
+                        <a:rPr lang="" altLang="en-US"/>
+                        <a:t>tasks </a:t>
+                      </a:r>
+                      <a:r>
+                        <a:rPr lang="en-US"/>
+                        <a:t>at the same time </a:t>
+                      </a:r>
+                      <a:r>
+                        <a:rPr lang="" altLang="en-US"/>
+                        <a:t>,</a:t>
+                      </a:r>
+                    </a:p>
+                    <a:p>
+                      <a:pPr>
+                        <a:buNone/>
+                      </a:pPr>
+                      <a:r>
+                        <a:rPr lang="" altLang="en-US"/>
+                        <a:t>but it is easy to get a process error if it is not well controlled </a:t>
+                      </a:r>
+                    </a:p>
+                  </a:txBody>
+                  <a:tcPr/>
+                </a:tc>
+              </a:tr>
+            </a:tbl>
+          </a:graphicData>
+        </a:graphic>
+      </p:graphicFrame>
     </p:spTree>
+    <p:extLst>
+      <p:ext uri="{BB962C8B-B14F-4D97-AF65-F5344CB8AC3E}">
+        <p14:creationId xmlns:p14="http://schemas.microsoft.com/office/powerpoint/2010/main" val="3670118522"/>
+      </p:ext>
+    </p:extLst>
   </p:cSld>
   <p:clrMapOvr>
     <a:masterClrMapping/>
@@ -5700,25 +6169,20 @@
         <p:nvSpPr>
           <p:cNvPr id="2" name="Title 1"/>
           <p:cNvSpPr>
-            <a:spLocks noGrp="true"/>
+            <a:spLocks noGrp="1"/>
           </p:cNvSpPr>
           <p:nvPr>
             <p:ph type="title"/>
           </p:nvPr>
         </p:nvSpPr>
-        <p:spPr>
-          <a:xfrm>
-            <a:off x="1154955" y="352426"/>
-            <a:ext cx="8484347" cy="400050"/>
-          </a:xfrm>
-        </p:spPr>
+        <p:spPr/>
         <p:txBody>
           <a:bodyPr/>
           <a:lstStyle/>
           <a:p>
             <a:r>
               <a:rPr lang="en-US" smtClean="0"/>
-              <a:t>Typescript</a:t>
+              <a:t>Javascript</a:t>
             </a:r>
             <a:endParaRPr lang="en-US"/>
           </a:p>
@@ -5728,7 +6192,7 @@
         <p:nvSpPr>
           <p:cNvPr id="3" name="Content Placeholder 2"/>
           <p:cNvSpPr>
-            <a:spLocks noGrp="true"/>
+            <a:spLocks noGrp="1"/>
           </p:cNvSpPr>
           <p:nvPr>
             <p:ph idx="1"/>
@@ -5737,7 +6201,7 @@
         <p:spPr>
           <a:xfrm>
             <a:off x="1154955" y="1654174"/>
-            <a:ext cx="9868645" cy="4264026"/>
+            <a:ext cx="9868645" cy="4224111"/>
           </a:xfrm>
         </p:spPr>
         <p:txBody>
@@ -5746,175 +6210,211 @@
           </a:bodyPr>
           <a:lstStyle/>
           <a:p>
+            <a:pPr>
+              <a:buFont typeface="Wingdings" panose="05000000000000000000" pitchFamily="2" charset="2"/>
+              <a:buChar char="Ø"/>
+            </a:pPr>
             <a:r>
               <a:rPr lang="en-US" smtClean="0">
                 <a:solidFill>
                   <a:schemeClr val="tx1"/>
                 </a:solidFill>
               </a:rPr>
-              <a:t>Typescript </a:t>
+              <a:t>Javascript </a:t>
+            </a:r>
+            <a:r>
+              <a:rPr lang="en-US" smtClean="0"/>
+              <a:t>was </a:t>
             </a:r>
             <a:r>
               <a:rPr lang="en-US"/>
-              <a:t>was invented by </a:t>
-            </a:r>
-            <a:r>
-              <a:rPr lang="en-US" smtClean="0"/>
-              <a:t>Microsoft</a:t>
-            </a:r>
-            <a:endParaRPr lang="en-US" smtClean="0"/>
-          </a:p>
-          <a:p>
+              <a:t>invented by Brendan Eich </a:t>
+            </a:r>
+            <a:r>
+              <a:rPr lang="en-US" smtClean="0"/>
+              <a:t>(bren-duhn</a:t>
+            </a:r>
+            <a:r>
+              <a:rPr lang="en-US"/>
+              <a:t> </a:t>
+            </a:r>
+            <a:r>
+              <a:rPr lang="en-US" smtClean="0"/>
+              <a:t>aik , co-founder </a:t>
+            </a:r>
+            <a:r>
+              <a:rPr lang="en-US"/>
+              <a:t>of the Mozilla project, the Mozilla Foundation, and the Mozilla Corporation</a:t>
+            </a:r>
+            <a:r>
+              <a:rPr lang="en-US" smtClean="0"/>
+              <a:t>) </a:t>
+            </a:r>
+          </a:p>
+          <a:p>
+            <a:pPr>
+              <a:buFont typeface="Wingdings" panose="05000000000000000000" pitchFamily="2" charset="2"/>
+              <a:buChar char="Ø"/>
+            </a:pPr>
+            <a:r>
+              <a:rPr lang="en-US" smtClean="0"/>
+              <a:t>First</a:t>
+            </a:r>
+            <a:r>
+              <a:rPr lang="en-US"/>
+              <a:t> </a:t>
+            </a:r>
+            <a:r>
+              <a:rPr lang="en-US" smtClean="0"/>
+              <a:t>appeared: 5/1995</a:t>
+            </a:r>
+            <a:endParaRPr lang="en-US" smtClean="0">
+              <a:solidFill>
+                <a:schemeClr val="tx1"/>
+              </a:solidFill>
+            </a:endParaRPr>
+          </a:p>
+          <a:p>
+            <a:pPr>
+              <a:buFont typeface="Wingdings" panose="05000000000000000000" pitchFamily="2" charset="2"/>
+              <a:buChar char="Ø"/>
+            </a:pPr>
             <a:r>
               <a:rPr lang="en-US" smtClean="0">
                 <a:solidFill>
                   <a:schemeClr val="tx1"/>
                 </a:solidFill>
               </a:rPr>
-              <a:t>Typescript is a open source project</a:t>
-            </a:r>
-            <a:endParaRPr lang="en-US" smtClean="0"/>
-          </a:p>
-          <a:p>
+              <a:t>Javascript ("</a:t>
+            </a:r>
+            <a:r>
+              <a:rPr lang="en-US">
+                <a:solidFill>
+                  <a:schemeClr val="tx1"/>
+                </a:solidFill>
+              </a:rPr>
+              <a:t>JS" for short) is </a:t>
+            </a:r>
+            <a:r>
+              <a:rPr lang="en-US" smtClean="0">
+                <a:solidFill>
+                  <a:schemeClr val="tx1"/>
+                </a:solidFill>
+              </a:rPr>
+              <a:t>a</a:t>
+            </a:r>
+            <a:r>
+              <a:rPr lang="en-US">
+                <a:solidFill>
+                  <a:schemeClr val="tx1"/>
+                </a:solidFill>
+              </a:rPr>
+              <a:t> </a:t>
+            </a:r>
+            <a:r>
+              <a:rPr lang="en-US">
+                <a:solidFill>
+                  <a:srgbClr val="C00000"/>
+                </a:solidFill>
+              </a:rPr>
+              <a:t>dynamic programming </a:t>
+            </a:r>
+            <a:r>
+              <a:rPr lang="en-US" smtClean="0">
+                <a:solidFill>
+                  <a:srgbClr val="C00000"/>
+                </a:solidFill>
+              </a:rPr>
+              <a:t>language</a:t>
+            </a:r>
+          </a:p>
+          <a:p>
+            <a:pPr>
+              <a:buFont typeface="Wingdings" panose="05000000000000000000" pitchFamily="2" charset="2"/>
+              <a:buChar char="Ø"/>
+            </a:pPr>
             <a:r>
               <a:rPr lang="en-US"/>
-              <a:t>First appeared: </a:t>
-            </a:r>
-            <a:r>
-              <a:rPr lang="en-US" smtClean="0"/>
-              <a:t>10/2012</a:t>
+              <a:t>JavaScript is used </a:t>
+            </a:r>
+            <a:r>
+              <a:rPr lang="en-US" smtClean="0"/>
+              <a:t>as client-side programming language by </a:t>
+            </a:r>
+            <a:r>
+              <a:rPr lang="en-US"/>
+              <a:t>97.1% of all the websites.</a:t>
             </a:r>
             <a:endParaRPr lang="en-US" smtClean="0">
-              <a:latin typeface="+mj-lt"/>
+              <a:solidFill>
+                <a:schemeClr val="tx1"/>
+              </a:solidFill>
             </a:endParaRPr>
           </a:p>
           <a:p>
-            <a:r>
-              <a:rPr lang="en-US" smtClean="0">
-                <a:latin typeface="+mj-lt"/>
-              </a:rPr>
-              <a:t>TypeScript </a:t>
-            </a:r>
-            <a:r>
-              <a:rPr lang="en-US">
-                <a:latin typeface="+mj-lt"/>
-              </a:rPr>
-              <a:t>is a language that is a </a:t>
-            </a:r>
-            <a:r>
-              <a:rPr lang="en-US" i="1">
-                <a:latin typeface="+mj-lt"/>
-              </a:rPr>
-              <a:t>superset</a:t>
-            </a:r>
-            <a:r>
-              <a:rPr lang="en-US">
-                <a:latin typeface="+mj-lt"/>
-              </a:rPr>
-              <a:t> of JavaScript</a:t>
-            </a:r>
-            <a:r>
-              <a:rPr lang="en-US" smtClean="0">
-                <a:latin typeface="+mj-lt"/>
-              </a:rPr>
-              <a:t>, It is used to add additional static type and check type at compile time for Javascript</a:t>
-            </a:r>
-            <a:endParaRPr lang="vi-VN" smtClean="0">
-              <a:latin typeface="+mj-lt"/>
+            <a:pPr>
+              <a:buFont typeface="Wingdings" panose="05000000000000000000" pitchFamily="2" charset="2"/>
+              <a:buChar char="Ø"/>
+            </a:pPr>
+            <a:r>
+              <a:rPr lang="en-US" smtClean="0"/>
+              <a:t>JavaScript </a:t>
+            </a:r>
+            <a:r>
+              <a:rPr lang="en-US" b="1" i="1"/>
+              <a:t>is not </a:t>
+            </a:r>
+            <a:r>
+              <a:rPr lang="en-US" smtClean="0"/>
+              <a:t>a</a:t>
+            </a:r>
+            <a:r>
+              <a:rPr lang="en-US"/>
+              <a:t> </a:t>
+            </a:r>
+            <a:r>
+              <a:rPr lang="en-US" i="1"/>
+              <a:t>class-based</a:t>
+            </a:r>
+            <a:r>
+              <a:rPr lang="en-US"/>
+              <a:t> object-oriented language like Java, C</a:t>
+            </a:r>
+            <a:r>
+              <a:rPr lang="en-US" smtClean="0"/>
+              <a:t># etc</a:t>
+            </a:r>
+            <a:endParaRPr lang="en-US">
+              <a:solidFill>
+                <a:schemeClr val="tx1"/>
+              </a:solidFill>
             </a:endParaRPr>
           </a:p>
           <a:p>
-            <a:r>
-              <a:rPr lang="en-US" smtClean="0"/>
-              <a:t>TypeScript helps us prevent the most common error in JavaScript development</a:t>
-            </a:r>
-            <a:endParaRPr lang="en-US" smtClean="0"/>
-          </a:p>
-          <a:p>
-            <a:pPr marL="457200" lvl="1" indent="0">
-              <a:buNone/>
+            <a:pPr>
+              <a:buFont typeface="Wingdings" panose="05000000000000000000" pitchFamily="2" charset="2"/>
+              <a:buChar char="Ø"/>
             </a:pPr>
             <a:r>
               <a:rPr lang="en-US" smtClean="0"/>
-              <a:t>Ex:</a:t>
-            </a:r>
-            <a:endParaRPr lang="en-US" smtClean="0"/>
-          </a:p>
-          <a:p>
-            <a:pPr marL="457200" lvl="1" indent="0">
-              <a:buNone/>
-            </a:pPr>
-            <a:r>
-              <a:rPr lang="en-US" smtClean="0"/>
-              <a:t>- Avoiding classic error like  </a:t>
+              <a:t>In </a:t>
             </a:r>
             <a:r>
               <a:rPr lang="en-US"/>
-              <a:t>'undefined' is not a function.</a:t>
-            </a:r>
-            <a:endParaRPr lang="vi-VN"/>
-          </a:p>
-          <a:p>
-            <a:pPr marL="457200" lvl="1" indent="0">
-              <a:buNone/>
-            </a:pPr>
-            <a:r>
-              <a:rPr lang="en-US" smtClean="0"/>
-              <a:t>- Large-scale </a:t>
+              <a:t>its most basic form, JavaScript is a synchronous, blocking, single-threaded </a:t>
+            </a:r>
+            <a:r>
+              <a:rPr lang="en-US" smtClean="0"/>
+              <a:t>language. </a:t>
             </a:r>
             <a:r>
               <a:rPr lang="en-US"/>
-              <a:t>systems is not a nightmare </a:t>
-            </a:r>
-            <a:r>
-              <a:rPr lang="en-US" smtClean="0"/>
-              <a:t>anymore</a:t>
-            </a:r>
-            <a:endParaRPr lang="en-US" smtClean="0"/>
-          </a:p>
-          <a:p>
-            <a:pPr marL="457200" lvl="1" indent="0">
-              <a:buNone/>
-            </a:pPr>
-            <a:r>
-              <a:rPr lang="en-US" smtClean="0"/>
-              <a:t>…</a:t>
-            </a:r>
-            <a:endParaRPr lang="en-US"/>
-          </a:p>
-          <a:p>
-            <a:r>
-              <a:rPr lang="en-US" smtClean="0">
-                <a:latin typeface="+mj-lt"/>
-              </a:rPr>
-              <a:t>TypeScript is compile to Javascript</a:t>
-            </a:r>
-            <a:endParaRPr lang="vi-VN" smtClean="0">
-              <a:latin typeface="+mj-lt"/>
-            </a:endParaRPr>
-          </a:p>
-          <a:p>
-            <a:pPr marL="0" indent="0">
-              <a:buNone/>
-            </a:pPr>
-            <a:endParaRPr lang="vi-VN" smtClean="0">
-              <a:latin typeface="+mj-lt"/>
-            </a:endParaRPr>
-          </a:p>
-          <a:p>
-            <a:pPr marL="0" indent="0">
-              <a:buNone/>
-            </a:pPr>
-            <a:endParaRPr lang="en-US" smtClean="0"/>
-          </a:p>
-          <a:p>
-            <a:pPr marL="0" indent="0">
-              <a:buNone/>
-            </a:pPr>
-            <a:endParaRPr lang="en-US" smtClean="0"/>
-          </a:p>
-          <a:p>
-            <a:endParaRPr lang="en-US"/>
+              <a:t>But web browsers define functions and APIs that allow us to register functions that should not be executed synchronously, and should instead be invoked asynchronously when some kind of event occurs (the passage of time, the user's interaction with the mouse, or the arrival of data over the network, for example</a:t>
+            </a:r>
+            <a:r>
+              <a:rPr lang="en-US" smtClean="0"/>
+              <a:t>) or NodeJs with backend apis for server, database …</a:t>
+            </a:r>
           </a:p>
           <a:p>
             <a:pPr marL="0" indent="0">
@@ -5926,17 +6426,17 @@
       </p:sp>
       <p:pic>
         <p:nvPicPr>
-          <p:cNvPr id="6" name="Picture 2" descr="Getting started with TypeScript.. If you want to start developing PWAs… |  by Onejohi | Medium"/>
+          <p:cNvPr id="2050" name="Picture 2" descr="Tập tin:JavaScript-logo.png – Wikipedia tiếng Việt"/>
           <p:cNvPicPr>
-            <a:picLocks noChangeAspect="true" noChangeArrowheads="true"/>
+            <a:picLocks noChangeAspect="1" noChangeArrowheads="1"/>
           </p:cNvPicPr>
           <p:nvPr/>
         </p:nvPicPr>
         <p:blipFill>
-          <a:blip r:embed="rId1" cstate="print">
+          <a:blip r:embed="rId2" cstate="print">
             <a:extLst>
               <a:ext uri="{28A0092B-C50C-407E-A947-70E740481C1C}">
-                <a14:useLocalDpi xmlns:a14="http://schemas.microsoft.com/office/drawing/2010/main" val="false"/>
+                <a14:useLocalDpi xmlns:a14="http://schemas.microsoft.com/office/drawing/2010/main" val="0"/>
               </a:ext>
             </a:extLst>
           </a:blip>
@@ -5947,8 +6447,8 @@
         </p:blipFill>
         <p:spPr bwMode="auto">
           <a:xfrm>
-            <a:off x="4013201" y="120651"/>
-            <a:ext cx="863600" cy="863600"/>
+            <a:off x="3983369" y="332318"/>
+            <a:ext cx="907945" cy="907945"/>
           </a:xfrm>
           <a:prstGeom prst="rect">
             <a:avLst/>
@@ -5970,6 +6470,13 @@
   <p:clrMapOvr>
     <a:masterClrMapping/>
   </p:clrMapOvr>
+  <p:timing>
+    <p:tnLst>
+      <p:par>
+        <p:cTn id="1" dur="indefinite" restart="never" nodeType="tmRoot"/>
+      </p:par>
+    </p:tnLst>
+  </p:timing>
 </p:sld>
 </file>
 
@@ -5982,12 +6489,19 @@
         <p:cNvGrpSpPr/>
         <p:nvPr/>
       </p:nvGrpSpPr>
-      <p:grpSpPr/>
+      <p:grpSpPr>
+        <a:xfrm>
+          <a:off x="0" y="0"/>
+          <a:ext cx="0" cy="0"/>
+          <a:chOff x="0" y="0"/>
+          <a:chExt cx="0" cy="0"/>
+        </a:xfrm>
+      </p:grpSpPr>
       <p:sp>
         <p:nvSpPr>
           <p:cNvPr id="2" name="Title 1"/>
           <p:cNvSpPr>
-            <a:spLocks noGrp="true"/>
+            <a:spLocks noGrp="1"/>
           </p:cNvSpPr>
           <p:nvPr>
             <p:ph type="title"/>
@@ -5996,203 +6510,80 @@
         <p:spPr/>
         <p:txBody>
           <a:bodyPr/>
+          <a:lstStyle/>
           <a:p>
             <a:r>
               <a:rPr lang="en-US"/>
-              <a:t>Comparing some characteristic when coding in </a:t>
-            </a:r>
-            <a:r>
-              <a:rPr lang="" altLang="en-US"/>
-              <a:t>T</a:t>
-            </a:r>
-            <a:r>
-              <a:rPr lang="en-US"/>
-              <a:t>ypescript and </a:t>
-            </a:r>
-            <a:r>
-              <a:rPr lang="" altLang="en-US"/>
-              <a:t>J</a:t>
-            </a:r>
-            <a:r>
-              <a:rPr lang="en-US"/>
-              <a:t>ava</a:t>
-            </a:r>
-            <a:endParaRPr lang="en-US"/>
-          </a:p>
-        </p:txBody>
-      </p:sp>
-      <p:graphicFrame>
-        <p:nvGraphicFramePr>
-          <p:cNvPr id="4" name="Content Placeholder 3"/>
-          <p:cNvGraphicFramePr/>
+              <a:t>Javascript Reference</a:t>
+            </a:r>
+          </a:p>
+        </p:txBody>
+      </p:sp>
+      <p:sp>
+        <p:nvSpPr>
+          <p:cNvPr id="3" name="Content Placeholder 2"/>
+          <p:cNvSpPr>
+            <a:spLocks noGrp="1"/>
+          </p:cNvSpPr>
           <p:nvPr>
             <p:ph idx="1"/>
           </p:nvPr>
-        </p:nvGraphicFramePr>
-        <p:xfrm>
-          <a:off x="1154955" y="1654175"/>
-          <a:ext cx="9869170" cy="1905000"/>
-        </p:xfrm>
-        <a:graphic>
-          <a:graphicData uri="http://schemas.openxmlformats.org/drawingml/2006/table">
-            <a:tbl>
-              <a:tblPr firstRow="true" bandRow="true">
-                <a:tableStyleId>{5C22544A-7EE6-4342-B048-85BDC9FD1C3A}</a:tableStyleId>
-              </a:tblPr>
-              <a:tblGrid>
-                <a:gridCol w="4934585"/>
-                <a:gridCol w="4934585"/>
-              </a:tblGrid>
-              <a:tr h="381000">
-                <a:tc>
-                  <a:txBody>
-                    <a:bodyPr/>
-                    <a:p>
-                      <a:pPr algn="ctr">
-                        <a:buNone/>
-                      </a:pPr>
-                      <a:r>
-                        <a:rPr lang="" altLang="en-US"/>
-                        <a:t>Typescript</a:t>
-                      </a:r>
-                      <a:endParaRPr lang="" altLang="en-US"/>
-                    </a:p>
-                  </a:txBody>
-                  <a:tcPr/>
-                </a:tc>
-                <a:tc>
-                  <a:txBody>
-                    <a:bodyPr/>
-                    <a:p>
-                      <a:pPr algn="ctr">
-                        <a:buNone/>
-                      </a:pPr>
-                      <a:r>
-                        <a:rPr lang="en-US" altLang="en-US" sz="1800">
-                          <a:sym typeface="+mn-ea"/>
-                        </a:rPr>
-                        <a:t>J</a:t>
-                      </a:r>
-                      <a:r>
-                        <a:rPr lang="en-US" sz="1800">
-                          <a:sym typeface="+mn-ea"/>
-                        </a:rPr>
-                        <a:t>ava</a:t>
-                      </a:r>
-                      <a:endParaRPr lang="en-US"/>
-                    </a:p>
-                  </a:txBody>
-                  <a:tcPr/>
-                </a:tc>
-              </a:tr>
-              <a:tr h="381000">
-                <a:tc>
-                  <a:txBody>
-                    <a:bodyPr/>
-                    <a:p>
-                      <a:pPr>
-                        <a:buNone/>
-                      </a:pPr>
-                      <a:endParaRPr lang="en-US"/>
-                    </a:p>
-                  </a:txBody>
-                  <a:tcPr/>
-                </a:tc>
-                <a:tc>
-                  <a:txBody>
-                    <a:bodyPr/>
-                    <a:p>
-                      <a:pPr>
-                        <a:buNone/>
-                      </a:pPr>
-                      <a:endParaRPr lang="en-US"/>
-                    </a:p>
-                  </a:txBody>
-                  <a:tcPr/>
-                </a:tc>
-              </a:tr>
-              <a:tr h="381000">
-                <a:tc>
-                  <a:txBody>
-                    <a:bodyPr/>
-                    <a:p>
-                      <a:pPr>
-                        <a:buNone/>
-                      </a:pPr>
-                      <a:endParaRPr lang="en-US"/>
-                    </a:p>
-                  </a:txBody>
-                  <a:tcPr/>
-                </a:tc>
-                <a:tc>
-                  <a:txBody>
-                    <a:bodyPr/>
-                    <a:p>
-                      <a:pPr>
-                        <a:buNone/>
-                      </a:pPr>
-                      <a:endParaRPr lang="en-US"/>
-                    </a:p>
-                  </a:txBody>
-                  <a:tcPr/>
-                </a:tc>
-              </a:tr>
-              <a:tr h="381000">
-                <a:tc>
-                  <a:txBody>
-                    <a:bodyPr/>
-                    <a:p>
-                      <a:pPr>
-                        <a:buNone/>
-                      </a:pPr>
-                      <a:endParaRPr lang="en-US"/>
-                    </a:p>
-                  </a:txBody>
-                  <a:tcPr/>
-                </a:tc>
-                <a:tc>
-                  <a:txBody>
-                    <a:bodyPr/>
-                    <a:p>
-                      <a:pPr>
-                        <a:buNone/>
-                      </a:pPr>
-                      <a:endParaRPr lang="en-US"/>
-                    </a:p>
-                  </a:txBody>
-                  <a:tcPr/>
-                </a:tc>
-              </a:tr>
-              <a:tr h="381000">
-                <a:tc>
-                  <a:txBody>
-                    <a:bodyPr/>
-                    <a:p>
-                      <a:pPr>
-                        <a:buNone/>
-                      </a:pPr>
-                      <a:endParaRPr lang="en-US"/>
-                    </a:p>
-                  </a:txBody>
-                  <a:tcPr/>
-                </a:tc>
-                <a:tc>
-                  <a:txBody>
-                    <a:bodyPr/>
-                    <a:p>
-                      <a:pPr>
-                        <a:buNone/>
-                      </a:pPr>
-                      <a:endParaRPr lang="en-US"/>
-                    </a:p>
-                  </a:txBody>
-                  <a:tcPr/>
-                </a:tc>
-              </a:tr>
-            </a:tbl>
-          </a:graphicData>
-        </a:graphic>
-      </p:graphicFrame>
+        </p:nvSpPr>
+        <p:spPr/>
+        <p:txBody>
+          <a:bodyPr/>
+          <a:lstStyle/>
+          <a:p>
+            <a:pPr>
+              <a:buFont typeface="Wingdings" panose="05000000000000000000" pitchFamily="2" charset="2"/>
+              <a:buChar char="Ø"/>
+            </a:pPr>
+            <a:r>
+              <a:rPr lang="en-US">
+                <a:hlinkClick r:id="rId2"/>
+              </a:rPr>
+              <a:t>https://developer.mozilla.org/en-US/docs/Learn/Getting_started_with_the_web/JavaScript_basics</a:t>
+            </a:r>
+            <a:endParaRPr lang="en-US">
+              <a:hlinkClick r:id="rId3"/>
+            </a:endParaRPr>
+          </a:p>
+          <a:p>
+            <a:pPr>
+              <a:buFont typeface="Wingdings" panose="05000000000000000000" pitchFamily="2" charset="2"/>
+              <a:buChar char="Ø"/>
+            </a:pPr>
+            <a:r>
+              <a:rPr lang="en-US">
+                <a:hlinkClick r:id="rId3"/>
+              </a:rPr>
+              <a:t>https://developer.mozilla.org/en-US/docs/Learn/JavaScript/Asynchronous/Introducing</a:t>
+            </a:r>
+            <a:endParaRPr lang="en-US">
+              <a:hlinkClick r:id="rId4"/>
+            </a:endParaRPr>
+          </a:p>
+          <a:p>
+            <a:pPr>
+              <a:buFont typeface="Wingdings" panose="05000000000000000000" pitchFamily="2" charset="2"/>
+              <a:buChar char="Ø"/>
+            </a:pPr>
+            <a:r>
+              <a:rPr lang="en-US">
+                <a:hlinkClick r:id="rId4"/>
+              </a:rPr>
+              <a:t>https://w3techs.com/technologies/details/cp-javascript</a:t>
+            </a:r>
+            <a:endParaRPr lang="en-US"/>
+          </a:p>
+          <a:p>
+            <a:pPr marL="0" indent="0">
+              <a:buNone/>
+            </a:pPr>
+            <a:endParaRPr lang="en-US"/>
+          </a:p>
+        </p:txBody>
+      </p:sp>
     </p:spTree>
   </p:cSld>
   <p:clrMapOvr>
@@ -6222,7 +6613,7 @@
         <p:nvSpPr>
           <p:cNvPr id="2" name="Title 1"/>
           <p:cNvSpPr>
-            <a:spLocks noGrp="true"/>
+            <a:spLocks noGrp="1"/>
           </p:cNvSpPr>
           <p:nvPr>
             <p:ph type="title"/>
@@ -6234,14 +6625,10 @@
           <a:lstStyle/>
           <a:p>
             <a:r>
-              <a:rPr lang="en-US" smtClean="0"/>
-              <a:t>Typescript </a:t>
-            </a:r>
-            <a:r>
-              <a:rPr lang="en-US"/>
-              <a:t>Reference</a:t>
-            </a:r>
-            <a:endParaRPr lang="en-US"/>
+              <a:rPr lang="en-US" dirty="0" smtClean="0"/>
+              <a:t>Value of type</a:t>
+            </a:r>
+            <a:endParaRPr lang="en-US" dirty="0"/>
           </a:p>
         </p:txBody>
       </p:sp>
@@ -6249,73 +6636,123 @@
         <p:nvSpPr>
           <p:cNvPr id="3" name="Content Placeholder 2"/>
           <p:cNvSpPr>
-            <a:spLocks noGrp="true"/>
+            <a:spLocks noGrp="1"/>
           </p:cNvSpPr>
           <p:nvPr>
             <p:ph idx="1"/>
           </p:nvPr>
         </p:nvSpPr>
-        <p:spPr/>
+        <p:spPr>
+          <a:xfrm>
+            <a:off x="1154953" y="1583572"/>
+            <a:ext cx="9868645" cy="3416300"/>
+          </a:xfrm>
+        </p:spPr>
         <p:txBody>
           <a:bodyPr/>
           <a:lstStyle/>
           <a:p>
-            <a:r>
-              <a:rPr lang="en-US">
-                <a:hlinkClick r:id="rId1"/>
-              </a:rPr>
-              <a:t>https://www.typescriptlang.org/docs/handbook/typescript-from-scratch.html</a:t>
-            </a:r>
-            <a:endParaRPr lang="en-US"/>
-          </a:p>
-          <a:p>
-            <a:r>
-              <a:rPr lang="en-US" smtClean="0">
-                <a:hlinkClick r:id="rId2"/>
-              </a:rPr>
-              <a:t>https</a:t>
-            </a:r>
-            <a:r>
-              <a:rPr lang="en-US">
-                <a:hlinkClick r:id="rId2"/>
-              </a:rPr>
-              <a:t>://medium.com/@</a:t>
-            </a:r>
-            <a:r>
-              <a:rPr lang="en-US" smtClean="0">
-                <a:hlinkClick r:id="rId2"/>
-              </a:rPr>
-              <a:t>kgelpes/how-typescript-helps-us-prevent-the-most-common-error-in-javascript-development-2dbcb54cf12</a:t>
-            </a:r>
-            <a:endParaRPr lang="en-US" smtClean="0"/>
-          </a:p>
-          <a:p>
-            <a:r>
-              <a:rPr lang="en-US">
-                <a:hlinkClick r:id="rId3"/>
-              </a:rPr>
-              <a:t>https://</a:t>
-            </a:r>
-            <a:r>
-              <a:rPr lang="en-US" smtClean="0">
-                <a:hlinkClick r:id="rId3"/>
-              </a:rPr>
-              <a:t>stackoverflow.com/questions/12694530/what-is-typescript-and-why-would-i-use-it-in-place-of-javascript</a:t>
-            </a:r>
-            <a:endParaRPr lang="en-US" smtClean="0"/>
-          </a:p>
-          <a:p>
-            <a:r>
-              <a:rPr lang="en-US">
-                <a:hlinkClick r:id="rId4"/>
-              </a:rPr>
-              <a:t>https://channel9.msdn.com/posts/Anders-Hejlsberg-Introducing-TypeScript</a:t>
-            </a:r>
-            <a:endParaRPr lang="en-US"/>
-          </a:p>
-        </p:txBody>
-      </p:sp>
+            <a:pPr>
+              <a:buFont typeface="Wingdings" panose="05000000000000000000" pitchFamily="2" charset="2"/>
+              <a:buChar char="Ø"/>
+            </a:pPr>
+            <a:r>
+              <a:rPr lang="en-US" dirty="0"/>
+              <a:t>Types are free documentation that increase understanding and improve developer's </a:t>
+            </a:r>
+            <a:r>
+              <a:rPr lang="en-US" dirty="0" smtClean="0"/>
+              <a:t>productivity</a:t>
+            </a:r>
+          </a:p>
+          <a:p>
+            <a:pPr>
+              <a:buFont typeface="Wingdings" panose="05000000000000000000" pitchFamily="2" charset="2"/>
+              <a:buChar char="Ø"/>
+            </a:pPr>
+            <a:r>
+              <a:rPr lang="en-US" dirty="0"/>
+              <a:t>S</a:t>
+            </a:r>
+            <a:r>
+              <a:rPr lang="en-US" dirty="0" smtClean="0"/>
+              <a:t>trong </a:t>
+            </a:r>
+            <a:r>
+              <a:rPr lang="en-US" dirty="0"/>
+              <a:t>type checking helps prevent errors and enhances </a:t>
+            </a:r>
+            <a:r>
+              <a:rPr lang="en-US" dirty="0" smtClean="0"/>
+              <a:t>reliability</a:t>
+            </a:r>
+          </a:p>
+          <a:p>
+            <a:pPr>
+              <a:buFont typeface="Wingdings" panose="05000000000000000000" pitchFamily="2" charset="2"/>
+              <a:buChar char="Ø"/>
+            </a:pPr>
+            <a:r>
+              <a:rPr lang="en-US" dirty="0" smtClean="0"/>
+              <a:t>Increase self-documented code</a:t>
+            </a:r>
+          </a:p>
+        </p:txBody>
+      </p:sp>
+      <p:pic>
+        <p:nvPicPr>
+          <p:cNvPr id="5" name="Picture 4"/>
+          <p:cNvPicPr>
+            <a:picLocks noChangeAspect="1"/>
+          </p:cNvPicPr>
+          <p:nvPr/>
+        </p:nvPicPr>
+        <p:blipFill>
+          <a:blip r:embed="rId2"/>
+          <a:stretch>
+            <a:fillRect/>
+          </a:stretch>
+        </p:blipFill>
+        <p:spPr>
+          <a:xfrm>
+            <a:off x="1367860" y="3152886"/>
+            <a:ext cx="3537597" cy="2170228"/>
+          </a:xfrm>
+          <a:prstGeom prst="rect">
+            <a:avLst/>
+          </a:prstGeom>
+        </p:spPr>
+      </p:pic>
+      <p:pic>
+        <p:nvPicPr>
+          <p:cNvPr id="6" name="Picture 5"/>
+          <p:cNvPicPr>
+            <a:picLocks noChangeAspect="1"/>
+          </p:cNvPicPr>
+          <p:nvPr/>
+        </p:nvPicPr>
+        <p:blipFill>
+          <a:blip r:embed="rId3"/>
+          <a:stretch>
+            <a:fillRect/>
+          </a:stretch>
+        </p:blipFill>
+        <p:spPr>
+          <a:xfrm>
+            <a:off x="5293551" y="3152886"/>
+            <a:ext cx="6515904" cy="2170228"/>
+          </a:xfrm>
+          <a:prstGeom prst="rect">
+            <a:avLst/>
+          </a:prstGeom>
+        </p:spPr>
+      </p:pic>
     </p:spTree>
+    <p:extLst>
+      <p:ext uri="{BB962C8B-B14F-4D97-AF65-F5344CB8AC3E}">
+        <p14:creationId xmlns:p14="http://schemas.microsoft.com/office/powerpoint/2010/main" val="3911461012"/>
+      </p:ext>
+    </p:extLst>
   </p:cSld>
   <p:clrMapOvr>
     <a:masterClrMapping/>
@@ -6351,20 +6788,25 @@
         <p:nvSpPr>
           <p:cNvPr id="2" name="Title 1"/>
           <p:cNvSpPr>
-            <a:spLocks noGrp="true"/>
+            <a:spLocks noGrp="1"/>
           </p:cNvSpPr>
           <p:nvPr>
             <p:ph type="title"/>
           </p:nvPr>
         </p:nvSpPr>
-        <p:spPr/>
+        <p:spPr>
+          <a:xfrm>
+            <a:off x="1154955" y="352426"/>
+            <a:ext cx="8484347" cy="400050"/>
+          </a:xfrm>
+        </p:spPr>
         <p:txBody>
           <a:bodyPr/>
           <a:lstStyle/>
           <a:p>
             <a:r>
               <a:rPr lang="en-US" smtClean="0"/>
-              <a:t>Type and Scope</a:t>
+              <a:t>Typescript</a:t>
             </a:r>
             <a:endParaRPr lang="en-US"/>
           </a:p>
@@ -6374,7 +6816,7 @@
         <p:nvSpPr>
           <p:cNvPr id="3" name="Content Placeholder 2"/>
           <p:cNvSpPr>
-            <a:spLocks noGrp="true"/>
+            <a:spLocks noGrp="1"/>
           </p:cNvSpPr>
           <p:nvPr>
             <p:ph idx="1"/>
@@ -6382,210 +6824,233 @@
         </p:nvSpPr>
         <p:spPr>
           <a:xfrm>
-            <a:off x="1154955" y="1862972"/>
-            <a:ext cx="9868645" cy="3416300"/>
-          </a:xfrm>
-        </p:spPr>
-        <p:txBody>
-          <a:bodyPr/>
+            <a:off x="1154955" y="1654174"/>
+            <a:ext cx="9868645" cy="4264026"/>
+          </a:xfrm>
+        </p:spPr>
+        <p:txBody>
+          <a:bodyPr>
+            <a:normAutofit/>
+          </a:bodyPr>
           <a:lstStyle/>
           <a:p>
-            <a:pPr>
-              <a:buFont typeface="Wingdings" panose="05000000000000000000" pitchFamily="2" charset="2"/>
-              <a:buChar char="Ø"/>
+            <a:r>
+              <a:rPr lang="en-US" smtClean="0">
+                <a:solidFill>
+                  <a:schemeClr val="tx1"/>
+                </a:solidFill>
+              </a:rPr>
+              <a:t>Typescript </a:t>
+            </a:r>
+            <a:r>
+              <a:rPr lang="en-US"/>
+              <a:t>was invented by </a:t>
+            </a:r>
+            <a:r>
+              <a:rPr lang="en-US" smtClean="0"/>
+              <a:t>Microsoft</a:t>
+            </a:r>
+          </a:p>
+          <a:p>
+            <a:r>
+              <a:rPr lang="en-US" smtClean="0">
+                <a:solidFill>
+                  <a:schemeClr val="tx1"/>
+                </a:solidFill>
+              </a:rPr>
+              <a:t>Typescript is a open source project</a:t>
+            </a:r>
+            <a:endParaRPr lang="en-US" smtClean="0"/>
+          </a:p>
+          <a:p>
+            <a:r>
+              <a:rPr lang="en-US"/>
+              <a:t>First appeared: </a:t>
+            </a:r>
+            <a:r>
+              <a:rPr lang="en-US" smtClean="0"/>
+              <a:t>10/2012</a:t>
+            </a:r>
+            <a:endParaRPr lang="en-US" smtClean="0">
+              <a:latin typeface="+mj-lt"/>
+            </a:endParaRPr>
+          </a:p>
+          <a:p>
+            <a:r>
+              <a:rPr lang="en-US" smtClean="0">
+                <a:latin typeface="+mj-lt"/>
+              </a:rPr>
+              <a:t>TypeScript </a:t>
+            </a:r>
+            <a:r>
+              <a:rPr lang="en-US">
+                <a:latin typeface="+mj-lt"/>
+              </a:rPr>
+              <a:t>is a language that </a:t>
+            </a:r>
+            <a:r>
+              <a:rPr lang="en-US" smtClean="0">
+                <a:latin typeface="+mj-lt"/>
+              </a:rPr>
+              <a:t>is a </a:t>
+            </a:r>
+            <a:r>
+              <a:rPr lang="en-US" i="1" smtClean="0">
+                <a:latin typeface="+mj-lt"/>
+              </a:rPr>
+              <a:t>superset</a:t>
+            </a:r>
+            <a:r>
+              <a:rPr lang="en-US" smtClean="0">
+                <a:latin typeface="+mj-lt"/>
+              </a:rPr>
+              <a:t> of JavaScript, It is used to add additional static type and check type at compile time</a:t>
+            </a:r>
+            <a:endParaRPr lang="vi-VN" smtClean="0">
+              <a:latin typeface="+mj-lt"/>
+            </a:endParaRPr>
+          </a:p>
+          <a:p>
+            <a:r>
+              <a:rPr lang="en-US" smtClean="0"/>
+              <a:t>TypeScript helps us prevent the most common error in JavaScript development</a:t>
+            </a:r>
+          </a:p>
+          <a:p>
+            <a:pPr marL="457200" lvl="1" indent="0">
+              <a:buNone/>
             </a:pPr>
             <a:r>
+              <a:rPr lang="en-US" smtClean="0"/>
+              <a:t>Ex</a:t>
+            </a:r>
+            <a:r>
+              <a:rPr lang="en-US" smtClean="0"/>
+              <a:t>:</a:t>
+            </a:r>
+          </a:p>
+          <a:p>
+            <a:pPr marL="457200" lvl="1" indent="0">
+              <a:buNone/>
+            </a:pPr>
+            <a:r>
+              <a:rPr lang="en-US" smtClean="0"/>
+              <a:t>- Avoiding classic error like  </a:t>
+            </a:r>
+            <a:r>
               <a:rPr lang="en-US"/>
-              <a:t>Types are free documentation that increase understanding and improve developer's </a:t>
-            </a:r>
-            <a:r>
-              <a:rPr lang="en-US" smtClean="0"/>
-              <a:t>productivity</a:t>
-            </a:r>
+              <a:t>'undefined' is not a function.</a:t>
+            </a:r>
+            <a:endParaRPr lang="vi-VN"/>
+          </a:p>
+          <a:p>
+            <a:pPr marL="457200" lvl="1" indent="0">
+              <a:buNone/>
+            </a:pPr>
+            <a:r>
+              <a:rPr lang="en-US" smtClean="0"/>
+              <a:t>- Large-scale </a:t>
+            </a:r>
+            <a:r>
+              <a:rPr lang="en-US"/>
+              <a:t>systems is not a nightmare </a:t>
+            </a:r>
+            <a:r>
+              <a:rPr lang="en-US" smtClean="0"/>
+              <a:t>anymore</a:t>
+            </a:r>
+          </a:p>
+          <a:p>
+            <a:pPr marL="457200" lvl="1" indent="0">
+              <a:buNone/>
+            </a:pPr>
+            <a:r>
+              <a:rPr lang="en-US" smtClean="0"/>
+              <a:t>…</a:t>
+            </a:r>
+            <a:endParaRPr lang="en-US"/>
+          </a:p>
+          <a:p>
+            <a:r>
+              <a:rPr lang="en-US" smtClean="0">
+                <a:latin typeface="+mj-lt"/>
+              </a:rPr>
+              <a:t>TypeScript is compile to Javascript</a:t>
+            </a:r>
+            <a:endParaRPr lang="vi-VN" smtClean="0">
+              <a:latin typeface="+mj-lt"/>
+            </a:endParaRPr>
+          </a:p>
+          <a:p>
+            <a:pPr marL="0" indent="0">
+              <a:buNone/>
+            </a:pPr>
+            <a:endParaRPr lang="vi-VN" smtClean="0">
+              <a:latin typeface="+mj-lt"/>
+            </a:endParaRPr>
+          </a:p>
+          <a:p>
+            <a:pPr marL="0" indent="0">
+              <a:buNone/>
+            </a:pPr>
             <a:endParaRPr lang="en-US" smtClean="0"/>
           </a:p>
           <a:p>
-            <a:pPr>
-              <a:buFont typeface="Wingdings" panose="05000000000000000000" pitchFamily="2" charset="2"/>
-              <a:buChar char="Ø"/>
+            <a:pPr marL="0" indent="0">
+              <a:buNone/>
             </a:pPr>
-            <a:r>
-              <a:rPr lang="en-US"/>
-              <a:t>S</a:t>
-            </a:r>
-            <a:r>
-              <a:rPr lang="en-US" smtClean="0"/>
-              <a:t>trong </a:t>
-            </a:r>
-            <a:r>
-              <a:rPr lang="en-US"/>
-              <a:t>type checking helps prevent errors and enhances </a:t>
-            </a:r>
-            <a:r>
-              <a:rPr lang="en-US" smtClean="0"/>
-              <a:t>reliability</a:t>
-            </a:r>
             <a:endParaRPr lang="en-US" smtClean="0"/>
           </a:p>
           <a:p>
-            <a:pPr>
-              <a:buFont typeface="Wingdings" panose="05000000000000000000" pitchFamily="2" charset="2"/>
-              <a:buChar char="Ø"/>
+            <a:endParaRPr lang="en-US"/>
+          </a:p>
+          <a:p>
+            <a:pPr marL="0" indent="0">
+              <a:buNone/>
             </a:pPr>
-            <a:r>
-              <a:rPr lang="en-US" smtClean="0"/>
-              <a:t>Increase self-documented code</a:t>
-            </a:r>
-            <a:endParaRPr lang="en-US" smtClean="0"/>
-          </a:p>
-        </p:txBody>
-      </p:sp>
-      <p:sp>
-        <p:nvSpPr>
-          <p:cNvPr id="4" name="Title 1"/>
-          <p:cNvSpPr txBox="true"/>
-          <p:nvPr/>
-        </p:nvSpPr>
-        <p:spPr bwMode="gray">
-          <a:xfrm>
-            <a:off x="1154952" y="1399272"/>
-            <a:ext cx="3112247" cy="463700"/>
-          </a:xfrm>
-          <a:prstGeom prst="rect">
-            <a:avLst/>
-          </a:prstGeom>
-        </p:spPr>
-        <p:txBody>
-          <a:bodyPr vert="horz" lIns="91440" tIns="45720" rIns="91440" bIns="45720" rtlCol="0" anchor="ctr">
-            <a:noAutofit/>
-          </a:bodyPr>
-          <a:lstStyle>
-            <a:lvl1pPr algn="l" defTabSz="457200" rtl="0" eaLnBrk="1" latinLnBrk="0" hangingPunct="1">
-              <a:spcBef>
-                <a:spcPct val="0"/>
-              </a:spcBef>
-              <a:buNone/>
-              <a:defRPr sz="3600" b="1" i="0" kern="1200">
-                <a:solidFill>
-                  <a:srgbClr val="164D90"/>
-                </a:solidFill>
-                <a:latin typeface="+mj-lt"/>
-                <a:ea typeface="+mj-ea"/>
-                <a:cs typeface="+mj-cs"/>
-              </a:defRPr>
-            </a:lvl1pPr>
-            <a:lvl2pPr eaLnBrk="1" hangingPunct="1">
-              <a:defRPr>
-                <a:solidFill>
-                  <a:schemeClr val="tx2"/>
-                </a:solidFill>
-              </a:defRPr>
-            </a:lvl2pPr>
-            <a:lvl3pPr eaLnBrk="1" hangingPunct="1">
-              <a:defRPr>
-                <a:solidFill>
-                  <a:schemeClr val="tx2"/>
-                </a:solidFill>
-              </a:defRPr>
-            </a:lvl3pPr>
-            <a:lvl4pPr eaLnBrk="1" hangingPunct="1">
-              <a:defRPr>
-                <a:solidFill>
-                  <a:schemeClr val="tx2"/>
-                </a:solidFill>
-              </a:defRPr>
-            </a:lvl4pPr>
-            <a:lvl5pPr eaLnBrk="1" hangingPunct="1">
-              <a:defRPr>
-                <a:solidFill>
-                  <a:schemeClr val="tx2"/>
-                </a:solidFill>
-              </a:defRPr>
-            </a:lvl5pPr>
-            <a:lvl6pPr eaLnBrk="1" hangingPunct="1">
-              <a:defRPr>
-                <a:solidFill>
-                  <a:schemeClr val="tx2"/>
-                </a:solidFill>
-              </a:defRPr>
-            </a:lvl6pPr>
-            <a:lvl7pPr eaLnBrk="1" hangingPunct="1">
-              <a:defRPr>
-                <a:solidFill>
-                  <a:schemeClr val="tx2"/>
-                </a:solidFill>
-              </a:defRPr>
-            </a:lvl7pPr>
-            <a:lvl8pPr eaLnBrk="1" hangingPunct="1">
-              <a:defRPr>
-                <a:solidFill>
-                  <a:schemeClr val="tx2"/>
-                </a:solidFill>
-              </a:defRPr>
-            </a:lvl8pPr>
-            <a:lvl9pPr eaLnBrk="1" hangingPunct="1">
-              <a:defRPr>
-                <a:solidFill>
-                  <a:schemeClr val="tx2"/>
-                </a:solidFill>
-              </a:defRPr>
-            </a:lvl9pPr>
-          </a:lstStyle>
-          <a:p>
-            <a:r>
-              <a:rPr lang="en-US" sz="2400" smtClean="0"/>
-              <a:t>Type (stactic type):</a:t>
-            </a:r>
-            <a:endParaRPr lang="en-US" sz="2400"/>
+            <a:endParaRPr lang="en-US"/>
           </a:p>
         </p:txBody>
       </p:sp>
       <p:pic>
         <p:nvPicPr>
-          <p:cNvPr id="5" name="Picture 4"/>
+          <p:cNvPr id="6" name="Picture 2" descr="Getting started with TypeScript.. If you want to start developing PWAs… |  by Onejohi | Medium"/>
           <p:cNvPicPr>
-            <a:picLocks noChangeAspect="true"/>
+            <a:picLocks noChangeAspect="1" noChangeArrowheads="1"/>
           </p:cNvPicPr>
           <p:nvPr/>
         </p:nvPicPr>
         <p:blipFill>
-          <a:blip r:embed="rId1"/>
+          <a:blip r:embed="rId2" cstate="print">
+            <a:extLst>
+              <a:ext uri="{28A0092B-C50C-407E-A947-70E740481C1C}">
+                <a14:useLocalDpi xmlns:a14="http://schemas.microsoft.com/office/drawing/2010/main" val="0"/>
+              </a:ext>
+            </a:extLst>
+          </a:blip>
+          <a:srcRect/>
           <a:stretch>
             <a:fillRect/>
           </a:stretch>
         </p:blipFill>
-        <p:spPr>
-          <a:xfrm>
-            <a:off x="1367862" y="3432286"/>
-            <a:ext cx="3537597" cy="2170228"/>
+        <p:spPr bwMode="auto">
+          <a:xfrm>
+            <a:off x="4013201" y="120651"/>
+            <a:ext cx="863600" cy="863600"/>
           </a:xfrm>
           <a:prstGeom prst="rect">
             <a:avLst/>
           </a:prstGeom>
-        </p:spPr>
-      </p:pic>
-      <p:pic>
-        <p:nvPicPr>
-          <p:cNvPr id="6" name="Picture 5"/>
-          <p:cNvPicPr>
-            <a:picLocks noChangeAspect="true"/>
-          </p:cNvPicPr>
-          <p:nvPr/>
-        </p:nvPicPr>
-        <p:blipFill>
-          <a:blip r:embed="rId2"/>
-          <a:stretch>
-            <a:fillRect/>
-          </a:stretch>
-        </p:blipFill>
-        <p:spPr>
-          <a:xfrm>
-            <a:off x="5293553" y="3432286"/>
-            <a:ext cx="6515904" cy="2170228"/>
-          </a:xfrm>
-          <a:prstGeom prst="rect">
-            <a:avLst/>
-          </a:prstGeom>
+          <a:noFill/>
+          <a:extLst>
+            <a:ext uri="{909E8E84-426E-40DD-AFC4-6F175D3DCCD1}">
+              <a14:hiddenFill xmlns:a14="http://schemas.microsoft.com/office/drawing/2010/main">
+                <a:solidFill>
+                  <a:srgbClr val="FFFFFF"/>
+                </a:solidFill>
+              </a14:hiddenFill>
+            </a:ext>
+          </a:extLst>
         </p:spPr>
       </p:pic>
     </p:spTree>
@@ -6593,13 +7058,6 @@
   <p:clrMapOvr>
     <a:masterClrMapping/>
   </p:clrMapOvr>
-  <p:timing>
-    <p:tnLst>
-      <p:par>
-        <p:cTn id="1" dur="indefinite" restart="never" nodeType="tmRoot"/>
-      </p:par>
-    </p:tnLst>
-  </p:timing>
 </p:sld>
 </file>
 
@@ -6624,7 +7082,7 @@
         <p:nvSpPr>
           <p:cNvPr id="2" name="Title 1"/>
           <p:cNvSpPr>
-            <a:spLocks noGrp="true"/>
+            <a:spLocks noGrp="1"/>
           </p:cNvSpPr>
           <p:nvPr>
             <p:ph type="title"/>
@@ -6636,153 +7094,433 @@
           <a:lstStyle/>
           <a:p>
             <a:r>
-              <a:rPr lang="en-US" smtClean="0"/>
-              <a:t>Type and Scope</a:t>
-            </a:r>
-            <a:endParaRPr lang="en-US"/>
-          </a:p>
-        </p:txBody>
-      </p:sp>
-      <p:sp>
-        <p:nvSpPr>
-          <p:cNvPr id="3" name="Content Placeholder 2"/>
-          <p:cNvSpPr>
-            <a:spLocks noGrp="true"/>
-          </p:cNvSpPr>
+              <a:rPr lang="en-US"/>
+              <a:t>Comparing some characteristic when coding in </a:t>
+            </a:r>
+            <a:r>
+              <a:rPr lang="" altLang="en-US"/>
+              <a:t>T</a:t>
+            </a:r>
+            <a:r>
+              <a:rPr lang="en-US"/>
+              <a:t>ypescript and </a:t>
+            </a:r>
+            <a:r>
+              <a:rPr lang="" altLang="en-US"/>
+              <a:t>J</a:t>
+            </a:r>
+            <a:r>
+              <a:rPr lang="en-US"/>
+              <a:t>ava</a:t>
+            </a:r>
+          </a:p>
+        </p:txBody>
+      </p:sp>
+      <p:graphicFrame>
+        <p:nvGraphicFramePr>
+          <p:cNvPr id="4" name="Content Placeholder 3"/>
+          <p:cNvGraphicFramePr>
+            <a:graphicFrameLocks noGrp="1"/>
+          </p:cNvGraphicFramePr>
           <p:nvPr>
             <p:ph idx="1"/>
+            <p:extLst>
+              <p:ext uri="{D42A27DB-BD31-4B8C-83A1-F6EECF244321}">
+                <p14:modId xmlns:p14="http://schemas.microsoft.com/office/powerpoint/2010/main" val="1335097210"/>
+              </p:ext>
+            </p:extLst>
           </p:nvPr>
-        </p:nvSpPr>
-        <p:spPr>
-          <a:xfrm>
-            <a:off x="1154955" y="1862972"/>
-            <a:ext cx="9868645" cy="3416300"/>
-          </a:xfrm>
-        </p:spPr>
-        <p:txBody>
-          <a:bodyPr/>
-          <a:lstStyle/>
-          <a:p>
-            <a:pPr>
-              <a:buFont typeface="Wingdings" panose="05000000000000000000" pitchFamily="2" charset="2"/>
-              <a:buChar char="Ø"/>
-            </a:pPr>
-            <a:endParaRPr lang="en-US" smtClean="0"/>
-          </a:p>
-        </p:txBody>
-      </p:sp>
-      <p:sp>
-        <p:nvSpPr>
-          <p:cNvPr id="4" name="Title 1"/>
-          <p:cNvSpPr txBox="true"/>
-          <p:nvPr/>
-        </p:nvSpPr>
-        <p:spPr bwMode="gray">
-          <a:xfrm>
-            <a:off x="1154952" y="1399272"/>
-            <a:ext cx="2604248" cy="463700"/>
-          </a:xfrm>
-          <a:prstGeom prst="rect">
-            <a:avLst/>
-          </a:prstGeom>
-        </p:spPr>
-        <p:txBody>
-          <a:bodyPr vert="horz" lIns="91440" tIns="45720" rIns="91440" bIns="45720" rtlCol="0" anchor="ctr">
-            <a:noAutofit/>
-          </a:bodyPr>
-          <a:lstStyle>
-            <a:lvl1pPr algn="l" defTabSz="457200" rtl="0" eaLnBrk="1" latinLnBrk="0" hangingPunct="1">
-              <a:spcBef>
-                <a:spcPct val="0"/>
-              </a:spcBef>
-              <a:buNone/>
-              <a:defRPr sz="3600" b="1" i="0" kern="1200">
-                <a:solidFill>
-                  <a:srgbClr val="164D90"/>
-                </a:solidFill>
-                <a:latin typeface="+mj-lt"/>
-                <a:ea typeface="+mj-ea"/>
-                <a:cs typeface="+mj-cs"/>
-              </a:defRPr>
-            </a:lvl1pPr>
-            <a:lvl2pPr eaLnBrk="1" hangingPunct="1">
-              <a:defRPr>
-                <a:solidFill>
-                  <a:schemeClr val="tx2"/>
-                </a:solidFill>
-              </a:defRPr>
-            </a:lvl2pPr>
-            <a:lvl3pPr eaLnBrk="1" hangingPunct="1">
-              <a:defRPr>
-                <a:solidFill>
-                  <a:schemeClr val="tx2"/>
-                </a:solidFill>
-              </a:defRPr>
-            </a:lvl3pPr>
-            <a:lvl4pPr eaLnBrk="1" hangingPunct="1">
-              <a:defRPr>
-                <a:solidFill>
-                  <a:schemeClr val="tx2"/>
-                </a:solidFill>
-              </a:defRPr>
-            </a:lvl4pPr>
-            <a:lvl5pPr eaLnBrk="1" hangingPunct="1">
-              <a:defRPr>
-                <a:solidFill>
-                  <a:schemeClr val="tx2"/>
-                </a:solidFill>
-              </a:defRPr>
-            </a:lvl5pPr>
-            <a:lvl6pPr eaLnBrk="1" hangingPunct="1">
-              <a:defRPr>
-                <a:solidFill>
-                  <a:schemeClr val="tx2"/>
-                </a:solidFill>
-              </a:defRPr>
-            </a:lvl6pPr>
-            <a:lvl7pPr eaLnBrk="1" hangingPunct="1">
-              <a:defRPr>
-                <a:solidFill>
-                  <a:schemeClr val="tx2"/>
-                </a:solidFill>
-              </a:defRPr>
-            </a:lvl7pPr>
-            <a:lvl8pPr eaLnBrk="1" hangingPunct="1">
-              <a:defRPr>
-                <a:solidFill>
-                  <a:schemeClr val="tx2"/>
-                </a:solidFill>
-              </a:defRPr>
-            </a:lvl8pPr>
-            <a:lvl9pPr eaLnBrk="1" hangingPunct="1">
-              <a:defRPr>
-                <a:solidFill>
-                  <a:schemeClr val="tx2"/>
-                </a:solidFill>
-              </a:defRPr>
-            </a:lvl9pPr>
-          </a:lstStyle>
-          <a:p>
-            <a:r>
-              <a:rPr lang="en-US" sz="2400" smtClean="0"/>
-              <a:t>Scope:</a:t>
-            </a:r>
-            <a:endParaRPr lang="en-US" sz="2400"/>
-          </a:p>
-        </p:txBody>
-      </p:sp>
+        </p:nvGraphicFramePr>
+        <p:xfrm>
+          <a:off x="1154955" y="1654175"/>
+          <a:ext cx="9869170" cy="4602480"/>
+        </p:xfrm>
+        <a:graphic>
+          <a:graphicData uri="http://schemas.openxmlformats.org/drawingml/2006/table">
+            <a:tbl>
+              <a:tblPr firstRow="1" bandRow="1">
+                <a:tableStyleId>{5C22544A-7EE6-4342-B048-85BDC9FD1C3A}</a:tableStyleId>
+              </a:tblPr>
+              <a:tblGrid>
+                <a:gridCol w="4934585"/>
+                <a:gridCol w="4934585"/>
+              </a:tblGrid>
+              <a:tr h="381000">
+                <a:tc>
+                  <a:txBody>
+                    <a:bodyPr/>
+                    <a:lstStyle/>
+                    <a:p>
+                      <a:pPr algn="ctr">
+                        <a:buNone/>
+                      </a:pPr>
+                      <a:r>
+                        <a:rPr lang="" altLang="en-US" dirty="0"/>
+                        <a:t>Typescript</a:t>
+                      </a:r>
+                    </a:p>
+                  </a:txBody>
+                  <a:tcPr/>
+                </a:tc>
+                <a:tc>
+                  <a:txBody>
+                    <a:bodyPr/>
+                    <a:lstStyle/>
+                    <a:p>
+                      <a:pPr algn="ctr">
+                        <a:buNone/>
+                      </a:pPr>
+                      <a:r>
+                        <a:rPr lang="en-US" altLang="en-US" sz="1800" dirty="0">
+                          <a:sym typeface="+mn-ea"/>
+                        </a:rPr>
+                        <a:t>J</a:t>
+                      </a:r>
+                      <a:r>
+                        <a:rPr lang="en-US" sz="1800" dirty="0">
+                          <a:sym typeface="+mn-ea"/>
+                        </a:rPr>
+                        <a:t>ava</a:t>
+                      </a:r>
+                      <a:endParaRPr lang="en-US" dirty="0"/>
+                    </a:p>
+                  </a:txBody>
+                  <a:tcPr/>
+                </a:tc>
+              </a:tr>
+              <a:tr h="381000">
+                <a:tc>
+                  <a:txBody>
+                    <a:bodyPr/>
+                    <a:lstStyle/>
+                    <a:p>
+                      <a:pPr marL="0" marR="0" indent="0" algn="l" defTabSz="457200" rtl="0" eaLnBrk="1" fontAlgn="auto" latinLnBrk="0" hangingPunct="1">
+                        <a:lnSpc>
+                          <a:spcPct val="100000"/>
+                        </a:lnSpc>
+                        <a:spcBef>
+                          <a:spcPts val="0"/>
+                        </a:spcBef>
+                        <a:spcAft>
+                          <a:spcPts val="0"/>
+                        </a:spcAft>
+                        <a:buClrTx/>
+                        <a:buSzTx/>
+                        <a:buFontTx/>
+                        <a:buNone/>
+                        <a:tabLst/>
+                        <a:defRPr/>
+                      </a:pPr>
+                      <a:r>
+                        <a:rPr lang="en-US" sz="1800" kern="1200" smtClean="0">
+                          <a:solidFill>
+                            <a:schemeClr val="dk1"/>
+                          </a:solidFill>
+                          <a:latin typeface="+mn-lt"/>
+                          <a:ea typeface="+mn-ea"/>
+                          <a:cs typeface="+mn-cs"/>
+                        </a:rPr>
+                        <a:t>A </a:t>
+                      </a:r>
+                      <a:r>
+                        <a:rPr lang="en-US" sz="1800" i="1" kern="1200" smtClean="0">
+                          <a:solidFill>
+                            <a:schemeClr val="dk1"/>
+                          </a:solidFill>
+                          <a:latin typeface="+mn-lt"/>
+                          <a:ea typeface="+mn-ea"/>
+                          <a:cs typeface="+mn-cs"/>
+                        </a:rPr>
+                        <a:t>superset</a:t>
+                      </a:r>
+                      <a:r>
+                        <a:rPr lang="en-US" sz="1800" kern="1200" smtClean="0">
+                          <a:solidFill>
+                            <a:schemeClr val="dk1"/>
+                          </a:solidFill>
+                          <a:latin typeface="+mn-lt"/>
+                          <a:ea typeface="+mn-ea"/>
+                          <a:cs typeface="+mn-cs"/>
+                        </a:rPr>
+                        <a:t> of JavaScript, It is used to add additional static type and check type at compile time</a:t>
+                      </a:r>
+                      <a:endParaRPr lang="vi-VN" sz="1800" kern="1200" smtClean="0">
+                        <a:solidFill>
+                          <a:schemeClr val="dk1"/>
+                        </a:solidFill>
+                        <a:latin typeface="+mn-lt"/>
+                        <a:ea typeface="+mn-ea"/>
+                        <a:cs typeface="+mn-cs"/>
+                      </a:endParaRPr>
+                    </a:p>
+                  </a:txBody>
+                  <a:tcPr/>
+                </a:tc>
+                <a:tc>
+                  <a:txBody>
+                    <a:bodyPr/>
+                    <a:lstStyle/>
+                    <a:p>
+                      <a:pPr>
+                        <a:buNone/>
+                      </a:pPr>
+                      <a:r>
+                        <a:rPr lang="en-US" smtClean="0"/>
+                        <a:t>A pure oriented object programming language</a:t>
+                      </a:r>
+                      <a:endParaRPr lang="en-US"/>
+                    </a:p>
+                  </a:txBody>
+                  <a:tcPr/>
+                </a:tc>
+              </a:tr>
+              <a:tr h="381000">
+                <a:tc>
+                  <a:txBody>
+                    <a:bodyPr/>
+                    <a:lstStyle/>
+                    <a:p>
+                      <a:pPr>
+                        <a:buNone/>
+                      </a:pPr>
+                      <a:r>
+                        <a:rPr lang="en-US" smtClean="0"/>
+                        <a:t>There</a:t>
+                      </a:r>
+                      <a:r>
+                        <a:rPr lang="en-US" baseline="0" smtClean="0"/>
+                        <a:t> is not access modifier for class </a:t>
+                      </a:r>
+                      <a:endParaRPr lang="en-US"/>
+                    </a:p>
+                  </a:txBody>
+                  <a:tcPr/>
+                </a:tc>
+                <a:tc>
+                  <a:txBody>
+                    <a:bodyPr/>
+                    <a:lstStyle/>
+                    <a:p>
+                      <a:pPr>
+                        <a:buNone/>
+                      </a:pPr>
+                      <a:r>
+                        <a:rPr lang="en-US" smtClean="0"/>
+                        <a:t>There is access modifier</a:t>
+                      </a:r>
+                      <a:r>
+                        <a:rPr lang="en-US" baseline="0" smtClean="0"/>
+                        <a:t> for class</a:t>
+                      </a:r>
+                      <a:endParaRPr lang="en-US"/>
+                    </a:p>
+                  </a:txBody>
+                  <a:tcPr/>
+                </a:tc>
+              </a:tr>
+              <a:tr h="381000">
+                <a:tc>
+                  <a:txBody>
+                    <a:bodyPr/>
+                    <a:lstStyle/>
+                    <a:p>
+                      <a:pPr>
+                        <a:buNone/>
+                      </a:pPr>
+                      <a:r>
+                        <a:rPr lang="en-US" dirty="0" smtClean="0"/>
+                        <a:t>Happening</a:t>
+                      </a:r>
+                      <a:r>
+                        <a:rPr lang="en-US" baseline="0" dirty="0" smtClean="0"/>
+                        <a:t> circular import problem because It don’t have access modifier for class</a:t>
+                      </a:r>
+                      <a:endParaRPr lang="en-US" dirty="0"/>
+                    </a:p>
+                  </a:txBody>
+                  <a:tcPr/>
+                </a:tc>
+                <a:tc>
+                  <a:txBody>
+                    <a:bodyPr/>
+                    <a:lstStyle/>
+                    <a:p>
+                      <a:pPr>
+                        <a:buNone/>
+                      </a:pPr>
+                      <a:r>
+                        <a:rPr lang="en-US" dirty="0" smtClean="0"/>
+                        <a:t>Circular</a:t>
+                      </a:r>
+                      <a:r>
+                        <a:rPr lang="en-US" baseline="0" dirty="0" smtClean="0"/>
+                        <a:t> import problem is not happened, because it have access modifier for class</a:t>
+                      </a:r>
+                      <a:endParaRPr lang="en-US" dirty="0"/>
+                    </a:p>
+                  </a:txBody>
+                  <a:tcPr/>
+                </a:tc>
+              </a:tr>
+              <a:tr h="381000">
+                <a:tc>
+                  <a:txBody>
+                    <a:bodyPr/>
+                    <a:lstStyle/>
+                    <a:p>
+                      <a:pPr>
+                        <a:buNone/>
+                      </a:pPr>
+                      <a:r>
+                        <a:rPr lang="en-US" dirty="0" smtClean="0"/>
+                        <a:t>Access</a:t>
+                      </a:r>
+                      <a:r>
+                        <a:rPr lang="en-US" baseline="0" dirty="0" smtClean="0"/>
+                        <a:t> modifier for instance variable and method:</a:t>
+                      </a:r>
+                    </a:p>
+                    <a:p>
+                      <a:pPr marL="285750" indent="-285750">
+                        <a:buFont typeface="Arial" panose="020B0604020202020204" pitchFamily="34" charset="0"/>
+                        <a:buChar char="•"/>
+                      </a:pPr>
+                      <a:r>
+                        <a:rPr lang="en-US" baseline="0" dirty="0" smtClean="0"/>
+                        <a:t>Having Public, Protected, Private access modifier </a:t>
+                      </a:r>
+                    </a:p>
+                    <a:p>
+                      <a:pPr marL="342900" indent="-342900">
+                        <a:buFont typeface="Arial" panose="020B0604020202020204" pitchFamily="34" charset="0"/>
+                        <a:buChar char="•"/>
+                      </a:pPr>
+                      <a:r>
+                        <a:rPr lang="en-US" dirty="0" smtClean="0"/>
+                        <a:t>‘Public’</a:t>
+                      </a:r>
+                      <a:r>
+                        <a:rPr lang="en-US" baseline="0" dirty="0" smtClean="0"/>
+                        <a:t> is default</a:t>
+                      </a:r>
+                    </a:p>
+                    <a:p>
+                      <a:pPr marL="342900" indent="-342900">
+                        <a:buFont typeface="Arial" panose="020B0604020202020204" pitchFamily="34" charset="0"/>
+                        <a:buChar char="•"/>
+                      </a:pPr>
+                      <a:r>
+                        <a:rPr lang="en-US" baseline="0" dirty="0" smtClean="0"/>
+                        <a:t>‘Protected’ scope is within class and any objects that inherits from it</a:t>
+                      </a:r>
+                    </a:p>
+                  </a:txBody>
+                  <a:tcPr/>
+                </a:tc>
+                <a:tc>
+                  <a:txBody>
+                    <a:bodyPr/>
+                    <a:lstStyle/>
+                    <a:p>
+                      <a:pPr marL="0" marR="0" indent="0" algn="l" defTabSz="457200" rtl="0" eaLnBrk="1" fontAlgn="auto" latinLnBrk="0" hangingPunct="1">
+                        <a:lnSpc>
+                          <a:spcPct val="100000"/>
+                        </a:lnSpc>
+                        <a:spcBef>
+                          <a:spcPts val="0"/>
+                        </a:spcBef>
+                        <a:spcAft>
+                          <a:spcPts val="0"/>
+                        </a:spcAft>
+                        <a:buClrTx/>
+                        <a:buSzTx/>
+                        <a:buFontTx/>
+                        <a:buNone/>
+                        <a:tabLst/>
+                        <a:defRPr/>
+                      </a:pPr>
+                      <a:r>
+                        <a:rPr lang="en-US" dirty="0" smtClean="0"/>
+                        <a:t>Access</a:t>
+                      </a:r>
+                      <a:r>
+                        <a:rPr lang="en-US" baseline="0" dirty="0" smtClean="0"/>
+                        <a:t> modifier for instance variable and method:</a:t>
+                      </a:r>
+                    </a:p>
+                    <a:p>
+                      <a:pPr marL="285750" marR="0" indent="-285750" algn="l" defTabSz="457200" rtl="0" eaLnBrk="1" fontAlgn="auto" latinLnBrk="0" hangingPunct="1">
+                        <a:lnSpc>
+                          <a:spcPct val="100000"/>
+                        </a:lnSpc>
+                        <a:spcBef>
+                          <a:spcPts val="0"/>
+                        </a:spcBef>
+                        <a:spcAft>
+                          <a:spcPts val="0"/>
+                        </a:spcAft>
+                        <a:buClrTx/>
+                        <a:buSzTx/>
+                        <a:buFont typeface="Arial" panose="020B0604020202020204" pitchFamily="34" charset="0"/>
+                        <a:buChar char="•"/>
+                        <a:tabLst/>
+                        <a:defRPr/>
+                      </a:pPr>
+                      <a:r>
+                        <a:rPr lang="en-US" baseline="0" dirty="0" smtClean="0"/>
+                        <a:t>Having Public, Protected ,Default , Private access modifier </a:t>
+                      </a:r>
+                    </a:p>
+                    <a:p>
+                      <a:pPr marL="285750" indent="-285750">
+                        <a:buFont typeface="Arial" panose="020B0604020202020204" pitchFamily="34" charset="0"/>
+                        <a:buChar char="•"/>
+                      </a:pPr>
+                      <a:r>
+                        <a:rPr lang="en-US" dirty="0" smtClean="0"/>
+                        <a:t>‘Default’</a:t>
+                      </a:r>
+                      <a:r>
+                        <a:rPr lang="en-US" baseline="0" dirty="0" smtClean="0"/>
+                        <a:t> is default</a:t>
+                      </a:r>
+                    </a:p>
+                    <a:p>
+                      <a:pPr marL="285750" marR="0" indent="-285750" algn="l" defTabSz="457200" rtl="0" eaLnBrk="1" fontAlgn="auto" latinLnBrk="0" hangingPunct="1">
+                        <a:lnSpc>
+                          <a:spcPct val="100000"/>
+                        </a:lnSpc>
+                        <a:spcBef>
+                          <a:spcPts val="0"/>
+                        </a:spcBef>
+                        <a:spcAft>
+                          <a:spcPts val="0"/>
+                        </a:spcAft>
+                        <a:buClrTx/>
+                        <a:buSzTx/>
+                        <a:buFont typeface="Arial" panose="020B0604020202020204" pitchFamily="34" charset="0"/>
+                        <a:buChar char="•"/>
+                        <a:tabLst/>
+                        <a:defRPr/>
+                      </a:pPr>
+                      <a:r>
+                        <a:rPr lang="en-US" baseline="0" dirty="0" smtClean="0"/>
+                        <a:t>‘Protected’ scope is within package and any objects that inherits from it</a:t>
+                      </a:r>
+                    </a:p>
+                  </a:txBody>
+                  <a:tcPr/>
+                </a:tc>
+              </a:tr>
+            </a:tbl>
+          </a:graphicData>
+        </a:graphic>
+      </p:graphicFrame>
     </p:spTree>
   </p:cSld>
   <p:clrMapOvr>
     <a:masterClrMapping/>
   </p:clrMapOvr>
-  <p:timing>
-    <p:tnLst>
-      <p:par>
-        <p:cTn id="1" dur="indefinite" restart="never" nodeType="tmRoot"/>
-      </p:par>
-    </p:tnLst>
-  </p:timing>
 </p:sld>
 </file>
 
@@ -6904,7 +7642,7 @@
         <a:solidFill>
           <a:schemeClr val="phClr"/>
         </a:solidFill>
-        <a:gradFill rotWithShape="true">
+        <a:gradFill rotWithShape="1">
           <a:gsLst>
             <a:gs pos="0">
               <a:schemeClr val="phClr">
@@ -6920,9 +7658,9 @@
               </a:schemeClr>
             </a:gs>
           </a:gsLst>
-          <a:lin ang="5400000" scaled="false"/>
+          <a:lin ang="5400000" scaled="0"/>
         </a:gradFill>
-        <a:gradFill rotWithShape="true">
+        <a:gradFill rotWithShape="1">
           <a:gsLst>
             <a:gs pos="0">
               <a:schemeClr val="phClr">
@@ -6937,7 +7675,7 @@
               </a:schemeClr>
             </a:gs>
           </a:gsLst>
-          <a:lin ang="5400000" scaled="false"/>
+          <a:lin ang="5400000" scaled="0"/>
         </a:gradFill>
       </a:fillStyleLst>
       <a:lnStyleLst>
@@ -6996,7 +7734,7 @@
         <a:solidFill>
           <a:schemeClr val="phClr"/>
         </a:solidFill>
-        <a:gradFill rotWithShape="true">
+        <a:gradFill rotWithShape="1">
           <a:gsLst>
             <a:gs pos="0">
               <a:schemeClr val="phClr">
@@ -7019,7 +7757,7 @@
             <a:fillToRect l="45000" t="65000" r="125000" b="100000"/>
           </a:path>
         </a:gradFill>
-        <a:blipFill rotWithShape="true">
+        <a:blipFill rotWithShape="1">
           <a:blip xmlns:r="http://schemas.openxmlformats.org/officeDocument/2006/relationships" r:embed="rId1">
             <a:duotone>
               <a:schemeClr val="phClr">
@@ -7043,6 +7781,8 @@
       </a:bgFillStyleLst>
     </a:fmtScheme>
   </a:themeElements>
+  <a:objectDefaults/>
+  <a:extraClrSchemeLst/>
   <a:extLst>
     <a:ext uri="{05A4C25C-085E-4340-85A3-A5531E510DB2}">
       <thm15:themeFamily xmlns:thm15="http://schemas.microsoft.com/office/thememl/2012/main" name="Office Theme" id="{62F939B6-93AF-4DB8-9C6B-D6C7DFDC589F}" vid="{4A3C46E8-61CC-4603-A589-7422A47A8E4A}"/>
@@ -7169,7 +7909,7 @@
         <a:solidFill>
           <a:schemeClr val="phClr"/>
         </a:solidFill>
-        <a:gradFill rotWithShape="true">
+        <a:gradFill rotWithShape="1">
           <a:gsLst>
             <a:gs pos="0">
               <a:schemeClr val="phClr">
@@ -7193,9 +7933,9 @@
               </a:schemeClr>
             </a:gs>
           </a:gsLst>
-          <a:lin ang="5400000" scaled="false"/>
+          <a:lin ang="5400000" scaled="0"/>
         </a:gradFill>
-        <a:gradFill rotWithShape="true">
+        <a:gradFill rotWithShape="1">
           <a:gsLst>
             <a:gs pos="0">
               <a:schemeClr val="phClr">
@@ -7219,7 +7959,7 @@
               </a:schemeClr>
             </a:gs>
           </a:gsLst>
-          <a:lin ang="5400000" scaled="false"/>
+          <a:lin ang="5400000" scaled="0"/>
         </a:gradFill>
       </a:fillStyleLst>
       <a:lnStyleLst>
@@ -7272,7 +8012,7 @@
             <a:satMod val="170000"/>
           </a:schemeClr>
         </a:solidFill>
-        <a:gradFill rotWithShape="true">
+        <a:gradFill rotWithShape="1">
           <a:gsLst>
             <a:gs pos="0">
               <a:schemeClr val="phClr">
@@ -7297,11 +8037,13 @@
               </a:schemeClr>
             </a:gs>
           </a:gsLst>
-          <a:lin ang="5400000" scaled="false"/>
+          <a:lin ang="5400000" scaled="0"/>
         </a:gradFill>
       </a:bgFillStyleLst>
     </a:fmtScheme>
   </a:themeElements>
+  <a:objectDefaults/>
+  <a:extraClrSchemeLst/>
   <a:extLst>
     <a:ext uri="{05A4C25C-085E-4340-85A3-A5531E510DB2}">
       <thm15:themeFamily xmlns:thm15="http://schemas.microsoft.com/office/thememl/2012/main" name="Office Theme" id="{62F939B6-93AF-4DB8-9C6B-D6C7DFDC589F}" vid="{4A3C46E8-61CC-4603-A589-7422A47A8E4A}"/>

--- a/Document/Study_document/inContact.pptx
+++ b/Document/Study_document/inContact.pptx
@@ -5,22 +5,22 @@
     <p:sldMasterId id="2147483648" r:id="rId1"/>
   </p:sldMasterIdLst>
   <p:notesMasterIdLst>
-    <p:notesMasterId r:id="rId15"/>
+    <p:notesMasterId r:id="rId16"/>
   </p:notesMasterIdLst>
   <p:sldIdLst>
-    <p:sldId id="256" r:id="rId2"/>
-    <p:sldId id="273" r:id="rId3"/>
-    <p:sldId id="286" r:id="rId4"/>
-    <p:sldId id="288" r:id="rId5"/>
-    <p:sldId id="274" r:id="rId6"/>
-    <p:sldId id="276" r:id="rId7"/>
-    <p:sldId id="287" r:id="rId8"/>
-    <p:sldId id="275" r:id="rId9"/>
-    <p:sldId id="283" r:id="rId10"/>
-    <p:sldId id="284" r:id="rId11"/>
-    <p:sldId id="285" r:id="rId12"/>
-    <p:sldId id="277" r:id="rId13"/>
-    <p:sldId id="271" r:id="rId14"/>
+    <p:sldId id="256" r:id="rId3"/>
+    <p:sldId id="273" r:id="rId4"/>
+    <p:sldId id="286" r:id="rId5"/>
+    <p:sldId id="288" r:id="rId6"/>
+    <p:sldId id="274" r:id="rId7"/>
+    <p:sldId id="276" r:id="rId8"/>
+    <p:sldId id="287" r:id="rId9"/>
+    <p:sldId id="275" r:id="rId10"/>
+    <p:sldId id="283" r:id="rId11"/>
+    <p:sldId id="284" r:id="rId12"/>
+    <p:sldId id="285" r:id="rId13"/>
+    <p:sldId id="277" r:id="rId14"/>
+    <p:sldId id="271" r:id="rId15"/>
   </p:sldIdLst>
   <p:sldSz cx="12192000" cy="6858000"/>
   <p:notesSz cx="6858000" cy="9144000"/>
@@ -119,11 +119,6 @@
       </a:defRPr>
     </a:lvl9pPr>
   </p:defaultTextStyle>
-  <p:extLst>
-    <p:ext uri="{EFAFB233-063F-42B5-8137-9DF3F51BA10A}">
-      <p15:sldGuideLst xmlns:p15="http://schemas.microsoft.com/office/powerpoint/2012/main"/>
-    </p:ext>
-  </p:extLst>
 </p:presentation>
 </file>
 
@@ -159,7 +154,7 @@
         <p:nvSpPr>
           <p:cNvPr id="2" name="Header Placeholder 1"/>
           <p:cNvSpPr>
-            <a:spLocks noGrp="1"/>
+            <a:spLocks noGrp="true"/>
           </p:cNvSpPr>
           <p:nvPr>
             <p:ph type="hdr" sz="quarter"/>
@@ -190,7 +185,7 @@
         <p:nvSpPr>
           <p:cNvPr id="3" name="Date Placeholder 2"/>
           <p:cNvSpPr>
-            <a:spLocks noGrp="1"/>
+            <a:spLocks noGrp="true"/>
           </p:cNvSpPr>
           <p:nvPr>
             <p:ph type="dt" idx="1"/>
@@ -215,7 +210,6 @@
           <a:p>
             <a:fld id="{7DBC1745-093B-4D3D-9A89-9CD99C9E4F7D}" type="datetimeFigureOut">
               <a:rPr lang="en-US" smtClean="0"/>
-              <a:t>2/5/2021</a:t>
             </a:fld>
             <a:endParaRPr lang="en-US"/>
           </a:p>
@@ -225,7 +219,7 @@
         <p:nvSpPr>
           <p:cNvPr id="4" name="Slide Image Placeholder 3"/>
           <p:cNvSpPr>
-            <a:spLocks noGrp="1" noRot="1" noChangeAspect="1"/>
+            <a:spLocks noGrp="true" noRot="true" noChangeAspect="true"/>
           </p:cNvSpPr>
           <p:nvPr>
             <p:ph type="sldImg" idx="2"/>
@@ -258,7 +252,7 @@
         <p:nvSpPr>
           <p:cNvPr id="5" name="Notes Placeholder 4"/>
           <p:cNvSpPr>
-            <a:spLocks noGrp="1"/>
+            <a:spLocks noGrp="true"/>
           </p:cNvSpPr>
           <p:nvPr>
             <p:ph type="body" sz="quarter" idx="3"/>
@@ -282,6 +276,7 @@
               <a:rPr lang="en-US" smtClean="0"/>
               <a:t>Click to edit Master text styles</a:t>
             </a:r>
+            <a:endParaRPr lang="en-US" smtClean="0"/>
           </a:p>
           <a:p>
             <a:pPr lvl="1"/>
@@ -289,6 +284,7 @@
               <a:rPr lang="en-US" smtClean="0"/>
               <a:t>Second level</a:t>
             </a:r>
+            <a:endParaRPr lang="en-US" smtClean="0"/>
           </a:p>
           <a:p>
             <a:pPr lvl="2"/>
@@ -296,6 +292,7 @@
               <a:rPr lang="en-US" smtClean="0"/>
               <a:t>Third level</a:t>
             </a:r>
+            <a:endParaRPr lang="en-US" smtClean="0"/>
           </a:p>
           <a:p>
             <a:pPr lvl="3"/>
@@ -303,6 +300,7 @@
               <a:rPr lang="en-US" smtClean="0"/>
               <a:t>Fourth level</a:t>
             </a:r>
+            <a:endParaRPr lang="en-US" smtClean="0"/>
           </a:p>
           <a:p>
             <a:pPr lvl="4"/>
@@ -318,7 +316,7 @@
         <p:nvSpPr>
           <p:cNvPr id="6" name="Footer Placeholder 5"/>
           <p:cNvSpPr>
-            <a:spLocks noGrp="1"/>
+            <a:spLocks noGrp="true"/>
           </p:cNvSpPr>
           <p:nvPr>
             <p:ph type="ftr" sz="quarter" idx="4"/>
@@ -349,7 +347,7 @@
         <p:nvSpPr>
           <p:cNvPr id="7" name="Slide Number Placeholder 6"/>
           <p:cNvSpPr>
-            <a:spLocks noGrp="1"/>
+            <a:spLocks noGrp="true"/>
           </p:cNvSpPr>
           <p:nvPr>
             <p:ph type="sldNum" sz="quarter" idx="5"/>
@@ -374,18 +372,12 @@
           <a:p>
             <a:fld id="{FC7B7C0D-1632-439B-A752-34A9003D6088}" type="slidenum">
               <a:rPr lang="en-US" smtClean="0"/>
-              <a:t>‹#›</a:t>
             </a:fld>
             <a:endParaRPr lang="en-US"/>
           </a:p>
         </p:txBody>
       </p:sp>
     </p:spTree>
-    <p:extLst>
-      <p:ext uri="{BB962C8B-B14F-4D97-AF65-F5344CB8AC3E}">
-        <p14:creationId xmlns:p14="http://schemas.microsoft.com/office/powerpoint/2010/main" val="2806761549"/>
-      </p:ext>
-    </p:extLst>
   </p:cSld>
   <p:clrMap bg1="lt1" tx1="dk1" bg2="lt2" tx2="dk2" accent1="accent1" accent2="accent2" accent3="accent3" accent4="accent4" accent5="accent5" accent6="accent6" hlink="hlink" folHlink="folHlink"/>
   <p:notesStyle>
@@ -484,7 +476,7 @@
 </file>
 
 <file path=ppt/slideLayouts/slideLayout1.xml><?xml version="1.0" encoding="utf-8"?>
-<p:sldLayout xmlns:a="http://schemas.openxmlformats.org/drawingml/2006/main" xmlns:r="http://schemas.openxmlformats.org/officeDocument/2006/relationships" xmlns:p="http://schemas.openxmlformats.org/presentationml/2006/main" showMasterSp="0" preserve="1" userDrawn="1">
+<p:sldLayout xmlns:a="http://schemas.openxmlformats.org/drawingml/2006/main" xmlns:r="http://schemas.openxmlformats.org/officeDocument/2006/relationships" xmlns:p="http://schemas.openxmlformats.org/presentationml/2006/main" preserve="1" showMasterSp="0" userDrawn="1">
   <p:cSld name="Title Slide">
     <p:spTree>
       <p:nvGrpSpPr>
@@ -536,10 +528,10 @@
         <p:nvSpPr>
           <p:cNvPr id="2" name="Title 1"/>
           <p:cNvSpPr>
-            <a:spLocks noGrp="1"/>
+            <a:spLocks noGrp="true"/>
           </p:cNvSpPr>
           <p:nvPr>
-            <p:ph type="title" hasCustomPrompt="1"/>
+            <p:ph type="title" hasCustomPrompt="true"/>
           </p:nvPr>
         </p:nvSpPr>
         <p:spPr>
@@ -572,7 +564,7 @@
         <p:nvSpPr>
           <p:cNvPr id="3" name="Content Placeholder 2"/>
           <p:cNvSpPr>
-            <a:spLocks noGrp="1"/>
+            <a:spLocks noGrp="true"/>
           </p:cNvSpPr>
           <p:nvPr>
             <p:ph idx="1"/>
@@ -593,6 +585,7 @@
               <a:rPr lang="en-US" dirty="0" smtClean="0"/>
               <a:t>Click to edit Master text styles</a:t>
             </a:r>
+            <a:endParaRPr lang="en-US" dirty="0" smtClean="0"/>
           </a:p>
           <a:p>
             <a:pPr lvl="1"/>
@@ -600,6 +593,7 @@
               <a:rPr lang="en-US" dirty="0" smtClean="0"/>
               <a:t>Second level</a:t>
             </a:r>
+            <a:endParaRPr lang="en-US" dirty="0" smtClean="0"/>
           </a:p>
           <a:p>
             <a:pPr lvl="2"/>
@@ -607,6 +601,7 @@
               <a:rPr lang="en-US" dirty="0" smtClean="0"/>
               <a:t>Third level</a:t>
             </a:r>
+            <a:endParaRPr lang="en-US" dirty="0" smtClean="0"/>
           </a:p>
           <a:p>
             <a:pPr lvl="3"/>
@@ -614,6 +609,7 @@
               <a:rPr lang="en-US" dirty="0" smtClean="0"/>
               <a:t>Fourth level</a:t>
             </a:r>
+            <a:endParaRPr lang="en-US" dirty="0" smtClean="0"/>
           </a:p>
           <a:p>
             <a:pPr lvl="4"/>
@@ -629,7 +625,7 @@
         <p:nvSpPr>
           <p:cNvPr id="8" name="Rectangle 7"/>
           <p:cNvSpPr/>
-          <p:nvPr userDrawn="1"/>
+          <p:nvPr userDrawn="true"/>
         </p:nvSpPr>
         <p:spPr>
           <a:xfrm>
@@ -707,7 +703,7 @@
         <p:nvSpPr>
           <p:cNvPr id="2" name="Title 1"/>
           <p:cNvSpPr>
-            <a:spLocks noGrp="1"/>
+            <a:spLocks noGrp="true"/>
           </p:cNvSpPr>
           <p:nvPr>
             <p:ph type="title"/>
@@ -730,7 +726,7 @@
         <p:nvSpPr>
           <p:cNvPr id="3" name="Content Placeholder 2"/>
           <p:cNvSpPr>
-            <a:spLocks noGrp="1"/>
+            <a:spLocks noGrp="true"/>
           </p:cNvSpPr>
           <p:nvPr>
             <p:ph sz="half" idx="1"/>
@@ -753,6 +749,7 @@
               <a:rPr lang="en-US" smtClean="0"/>
               <a:t>Click to edit Master text styles</a:t>
             </a:r>
+            <a:endParaRPr lang="en-US" smtClean="0"/>
           </a:p>
           <a:p>
             <a:pPr lvl="1"/>
@@ -760,6 +757,7 @@
               <a:rPr lang="en-US" smtClean="0"/>
               <a:t>Second level</a:t>
             </a:r>
+            <a:endParaRPr lang="en-US" smtClean="0"/>
           </a:p>
           <a:p>
             <a:pPr lvl="2"/>
@@ -767,6 +765,7 @@
               <a:rPr lang="en-US" smtClean="0"/>
               <a:t>Third level</a:t>
             </a:r>
+            <a:endParaRPr lang="en-US" smtClean="0"/>
           </a:p>
           <a:p>
             <a:pPr lvl="3"/>
@@ -774,6 +773,7 @@
               <a:rPr lang="en-US" smtClean="0"/>
               <a:t>Fourth level</a:t>
             </a:r>
+            <a:endParaRPr lang="en-US" smtClean="0"/>
           </a:p>
           <a:p>
             <a:pPr lvl="4"/>
@@ -789,7 +789,7 @@
         <p:nvSpPr>
           <p:cNvPr id="4" name="Content Placeholder 3"/>
           <p:cNvSpPr>
-            <a:spLocks noGrp="1"/>
+            <a:spLocks noGrp="true"/>
           </p:cNvSpPr>
           <p:nvPr>
             <p:ph sz="half" idx="2"/>
@@ -812,6 +812,7 @@
               <a:rPr lang="en-US" smtClean="0"/>
               <a:t>Click to edit Master text styles</a:t>
             </a:r>
+            <a:endParaRPr lang="en-US" smtClean="0"/>
           </a:p>
           <a:p>
             <a:pPr lvl="1"/>
@@ -819,6 +820,7 @@
               <a:rPr lang="en-US" smtClean="0"/>
               <a:t>Second level</a:t>
             </a:r>
+            <a:endParaRPr lang="en-US" smtClean="0"/>
           </a:p>
           <a:p>
             <a:pPr lvl="2"/>
@@ -826,6 +828,7 @@
               <a:rPr lang="en-US" smtClean="0"/>
               <a:t>Third level</a:t>
             </a:r>
+            <a:endParaRPr lang="en-US" smtClean="0"/>
           </a:p>
           <a:p>
             <a:pPr lvl="3"/>
@@ -833,6 +836,7 @@
               <a:rPr lang="en-US" smtClean="0"/>
               <a:t>Fourth level</a:t>
             </a:r>
+            <a:endParaRPr lang="en-US" smtClean="0"/>
           </a:p>
           <a:p>
             <a:pPr lvl="4"/>
@@ -848,7 +852,7 @@
         <p:nvSpPr>
           <p:cNvPr id="5" name="Date Placeholder 4"/>
           <p:cNvSpPr>
-            <a:spLocks noGrp="1"/>
+            <a:spLocks noGrp="true"/>
           </p:cNvSpPr>
           <p:nvPr>
             <p:ph type="dt" sz="half" idx="10"/>
@@ -869,7 +873,6 @@
           <a:p>
             <a:fld id="{AF88043E-905E-4148-B009-B3CB700EBBEA}" type="datetimeFigureOut">
               <a:rPr lang="en-US" smtClean="0"/>
-              <a:t>2/5/2021</a:t>
             </a:fld>
             <a:endParaRPr lang="en-US"/>
           </a:p>
@@ -879,7 +882,7 @@
         <p:nvSpPr>
           <p:cNvPr id="7" name="Slide Number Placeholder 6"/>
           <p:cNvSpPr>
-            <a:spLocks noGrp="1"/>
+            <a:spLocks noGrp="true"/>
           </p:cNvSpPr>
           <p:nvPr>
             <p:ph type="sldNum" sz="quarter" idx="12"/>
@@ -900,7 +903,6 @@
           <a:p>
             <a:fld id="{210999C8-D5EE-40C2-AE43-FAA4980FFAE8}" type="slidenum">
               <a:rPr lang="en-US" smtClean="0"/>
-              <a:t>‹#›</a:t>
             </a:fld>
             <a:endParaRPr lang="en-US"/>
           </a:p>
@@ -942,7 +944,7 @@
         <p:nvSpPr>
           <p:cNvPr id="2" name="Title 1"/>
           <p:cNvSpPr>
-            <a:spLocks noGrp="1"/>
+            <a:spLocks noGrp="true"/>
           </p:cNvSpPr>
           <p:nvPr>
             <p:ph type="title"/>
@@ -969,7 +971,7 @@
         <p:nvSpPr>
           <p:cNvPr id="3" name="Text Placeholder 2"/>
           <p:cNvSpPr>
-            <a:spLocks noGrp="1"/>
+            <a:spLocks noGrp="true"/>
           </p:cNvSpPr>
           <p:nvPr>
             <p:ph type="body" idx="1"/>
@@ -1033,6 +1035,7 @@
               <a:rPr lang="en-US" smtClean="0"/>
               <a:t>Click to edit Master text styles</a:t>
             </a:r>
+            <a:endParaRPr lang="en-US" smtClean="0"/>
           </a:p>
         </p:txBody>
       </p:sp>
@@ -1040,7 +1043,7 @@
         <p:nvSpPr>
           <p:cNvPr id="4" name="Content Placeholder 3"/>
           <p:cNvSpPr>
-            <a:spLocks noGrp="1"/>
+            <a:spLocks noGrp="true"/>
           </p:cNvSpPr>
           <p:nvPr>
             <p:ph sz="half" idx="2"/>
@@ -1063,6 +1066,7 @@
               <a:rPr lang="en-US" smtClean="0"/>
               <a:t>Click to edit Master text styles</a:t>
             </a:r>
+            <a:endParaRPr lang="en-US" smtClean="0"/>
           </a:p>
           <a:p>
             <a:pPr lvl="1"/>
@@ -1070,6 +1074,7 @@
               <a:rPr lang="en-US" smtClean="0"/>
               <a:t>Second level</a:t>
             </a:r>
+            <a:endParaRPr lang="en-US" smtClean="0"/>
           </a:p>
           <a:p>
             <a:pPr lvl="2"/>
@@ -1077,6 +1082,7 @@
               <a:rPr lang="en-US" smtClean="0"/>
               <a:t>Third level</a:t>
             </a:r>
+            <a:endParaRPr lang="en-US" smtClean="0"/>
           </a:p>
           <a:p>
             <a:pPr lvl="3"/>
@@ -1084,6 +1090,7 @@
               <a:rPr lang="en-US" smtClean="0"/>
               <a:t>Fourth level</a:t>
             </a:r>
+            <a:endParaRPr lang="en-US" smtClean="0"/>
           </a:p>
           <a:p>
             <a:pPr lvl="4"/>
@@ -1099,7 +1106,7 @@
         <p:nvSpPr>
           <p:cNvPr id="5" name="Text Placeholder 4"/>
           <p:cNvSpPr>
-            <a:spLocks noGrp="1"/>
+            <a:spLocks noGrp="true"/>
           </p:cNvSpPr>
           <p:nvPr>
             <p:ph type="body" sz="quarter" idx="3"/>
@@ -1163,6 +1170,7 @@
               <a:rPr lang="en-US" smtClean="0"/>
               <a:t>Click to edit Master text styles</a:t>
             </a:r>
+            <a:endParaRPr lang="en-US" smtClean="0"/>
           </a:p>
         </p:txBody>
       </p:sp>
@@ -1170,7 +1178,7 @@
         <p:nvSpPr>
           <p:cNvPr id="6" name="Content Placeholder 5"/>
           <p:cNvSpPr>
-            <a:spLocks noGrp="1"/>
+            <a:spLocks noGrp="true"/>
           </p:cNvSpPr>
           <p:nvPr>
             <p:ph sz="quarter" idx="4"/>
@@ -1193,6 +1201,7 @@
               <a:rPr lang="en-US" smtClean="0"/>
               <a:t>Click to edit Master text styles</a:t>
             </a:r>
+            <a:endParaRPr lang="en-US" smtClean="0"/>
           </a:p>
           <a:p>
             <a:pPr lvl="1"/>
@@ -1200,6 +1209,7 @@
               <a:rPr lang="en-US" smtClean="0"/>
               <a:t>Second level</a:t>
             </a:r>
+            <a:endParaRPr lang="en-US" smtClean="0"/>
           </a:p>
           <a:p>
             <a:pPr lvl="2"/>
@@ -1207,6 +1217,7 @@
               <a:rPr lang="en-US" smtClean="0"/>
               <a:t>Third level</a:t>
             </a:r>
+            <a:endParaRPr lang="en-US" smtClean="0"/>
           </a:p>
           <a:p>
             <a:pPr lvl="3"/>
@@ -1214,6 +1225,7 @@
               <a:rPr lang="en-US" smtClean="0"/>
               <a:t>Fourth level</a:t>
             </a:r>
+            <a:endParaRPr lang="en-US" smtClean="0"/>
           </a:p>
           <a:p>
             <a:pPr lvl="4"/>
@@ -1229,7 +1241,7 @@
         <p:nvSpPr>
           <p:cNvPr id="7" name="Date Placeholder 6"/>
           <p:cNvSpPr>
-            <a:spLocks noGrp="1"/>
+            <a:spLocks noGrp="true"/>
           </p:cNvSpPr>
           <p:nvPr>
             <p:ph type="dt" sz="half" idx="10"/>
@@ -1250,7 +1262,6 @@
           <a:p>
             <a:fld id="{AF88043E-905E-4148-B009-B3CB700EBBEA}" type="datetimeFigureOut">
               <a:rPr lang="en-US" smtClean="0"/>
-              <a:t>2/5/2021</a:t>
             </a:fld>
             <a:endParaRPr lang="en-US"/>
           </a:p>
@@ -1260,7 +1271,7 @@
         <p:nvSpPr>
           <p:cNvPr id="8" name="Footer Placeholder 7"/>
           <p:cNvSpPr>
-            <a:spLocks noGrp="1"/>
+            <a:spLocks noGrp="true"/>
           </p:cNvSpPr>
           <p:nvPr>
             <p:ph type="ftr" sz="quarter" idx="11"/>
@@ -1287,7 +1298,7 @@
         <p:nvSpPr>
           <p:cNvPr id="9" name="Slide Number Placeholder 8"/>
           <p:cNvSpPr>
-            <a:spLocks noGrp="1"/>
+            <a:spLocks noGrp="true"/>
           </p:cNvSpPr>
           <p:nvPr>
             <p:ph type="sldNum" sz="quarter" idx="12"/>
@@ -1308,7 +1319,6 @@
           <a:p>
             <a:fld id="{210999C8-D5EE-40C2-AE43-FAA4980FFAE8}" type="slidenum">
               <a:rPr lang="en-US" smtClean="0"/>
-              <a:t>‹#›</a:t>
             </a:fld>
             <a:endParaRPr lang="en-US"/>
           </a:p>
@@ -1350,7 +1360,7 @@
         <p:nvSpPr>
           <p:cNvPr id="2" name="Title 1"/>
           <p:cNvSpPr>
-            <a:spLocks noGrp="1"/>
+            <a:spLocks noGrp="true"/>
           </p:cNvSpPr>
           <p:nvPr>
             <p:ph type="title"/>
@@ -1373,7 +1383,7 @@
         <p:nvSpPr>
           <p:cNvPr id="3" name="Date Placeholder 2"/>
           <p:cNvSpPr>
-            <a:spLocks noGrp="1"/>
+            <a:spLocks noGrp="true"/>
           </p:cNvSpPr>
           <p:nvPr>
             <p:ph type="dt" sz="half" idx="10"/>
@@ -1394,7 +1404,6 @@
           <a:p>
             <a:fld id="{AF88043E-905E-4148-B009-B3CB700EBBEA}" type="datetimeFigureOut">
               <a:rPr lang="en-US" smtClean="0"/>
-              <a:t>2/5/2021</a:t>
             </a:fld>
             <a:endParaRPr lang="en-US"/>
           </a:p>
@@ -1404,7 +1413,7 @@
         <p:nvSpPr>
           <p:cNvPr id="4" name="Footer Placeholder 3"/>
           <p:cNvSpPr>
-            <a:spLocks noGrp="1"/>
+            <a:spLocks noGrp="true"/>
           </p:cNvSpPr>
           <p:nvPr>
             <p:ph type="ftr" sz="quarter" idx="11"/>
@@ -1431,7 +1440,7 @@
         <p:nvSpPr>
           <p:cNvPr id="5" name="Slide Number Placeholder 4"/>
           <p:cNvSpPr>
-            <a:spLocks noGrp="1"/>
+            <a:spLocks noGrp="true"/>
           </p:cNvSpPr>
           <p:nvPr>
             <p:ph type="sldNum" sz="quarter" idx="12"/>
@@ -1452,7 +1461,6 @@
           <a:p>
             <a:fld id="{210999C8-D5EE-40C2-AE43-FAA4980FFAE8}" type="slidenum">
               <a:rPr lang="en-US" smtClean="0"/>
-              <a:t>‹#›</a:t>
             </a:fld>
             <a:endParaRPr lang="en-US"/>
           </a:p>
@@ -1494,7 +1502,7 @@
         <p:nvSpPr>
           <p:cNvPr id="2" name="Title 1"/>
           <p:cNvSpPr>
-            <a:spLocks noGrp="1"/>
+            <a:spLocks noGrp="true"/>
           </p:cNvSpPr>
           <p:nvPr>
             <p:ph type="title"/>
@@ -1521,7 +1529,7 @@
         <p:nvSpPr>
           <p:cNvPr id="3" name="Text Placeholder 2"/>
           <p:cNvSpPr>
-            <a:spLocks noGrp="1"/>
+            <a:spLocks noGrp="true"/>
           </p:cNvSpPr>
           <p:nvPr>
             <p:ph type="body" idx="1"/>
@@ -1585,6 +1593,7 @@
               <a:rPr lang="en-US" smtClean="0"/>
               <a:t>Click to edit Master text styles</a:t>
             </a:r>
+            <a:endParaRPr lang="en-US" smtClean="0"/>
           </a:p>
         </p:txBody>
       </p:sp>
@@ -1592,7 +1601,7 @@
         <p:nvSpPr>
           <p:cNvPr id="16" name="Text Placeholder 3"/>
           <p:cNvSpPr>
-            <a:spLocks noGrp="1"/>
+            <a:spLocks noGrp="true"/>
           </p:cNvSpPr>
           <p:nvPr>
             <p:ph type="body" sz="half" idx="15"/>
@@ -1652,6 +1661,7 @@
               <a:rPr lang="en-US" smtClean="0"/>
               <a:t>Click to edit Master text styles</a:t>
             </a:r>
+            <a:endParaRPr lang="en-US" smtClean="0"/>
           </a:p>
         </p:txBody>
       </p:sp>
@@ -1659,7 +1669,7 @@
         <p:nvSpPr>
           <p:cNvPr id="5" name="Text Placeholder 4"/>
           <p:cNvSpPr>
-            <a:spLocks noGrp="1"/>
+            <a:spLocks noGrp="true"/>
           </p:cNvSpPr>
           <p:nvPr>
             <p:ph type="body" sz="quarter" idx="3"/>
@@ -1723,6 +1733,7 @@
               <a:rPr lang="en-US" smtClean="0"/>
               <a:t>Click to edit Master text styles</a:t>
             </a:r>
+            <a:endParaRPr lang="en-US" smtClean="0"/>
           </a:p>
         </p:txBody>
       </p:sp>
@@ -1730,7 +1741,7 @@
         <p:nvSpPr>
           <p:cNvPr id="19" name="Text Placeholder 3"/>
           <p:cNvSpPr>
-            <a:spLocks noGrp="1"/>
+            <a:spLocks noGrp="true"/>
           </p:cNvSpPr>
           <p:nvPr>
             <p:ph type="body" sz="half" idx="16"/>
@@ -1790,6 +1801,7 @@
               <a:rPr lang="en-US" smtClean="0"/>
               <a:t>Click to edit Master text styles</a:t>
             </a:r>
+            <a:endParaRPr lang="en-US" smtClean="0"/>
           </a:p>
         </p:txBody>
       </p:sp>
@@ -1797,7 +1809,7 @@
         <p:nvSpPr>
           <p:cNvPr id="14" name="Text Placeholder 4"/>
           <p:cNvSpPr>
-            <a:spLocks noGrp="1"/>
+            <a:spLocks noGrp="true"/>
           </p:cNvSpPr>
           <p:nvPr>
             <p:ph type="body" sz="quarter" idx="13"/>
@@ -1861,6 +1873,7 @@
               <a:rPr lang="en-US" smtClean="0"/>
               <a:t>Click to edit Master text styles</a:t>
             </a:r>
+            <a:endParaRPr lang="en-US" smtClean="0"/>
           </a:p>
         </p:txBody>
       </p:sp>
@@ -1868,7 +1881,7 @@
         <p:nvSpPr>
           <p:cNvPr id="20" name="Text Placeholder 3"/>
           <p:cNvSpPr>
-            <a:spLocks noGrp="1"/>
+            <a:spLocks noGrp="true"/>
           </p:cNvSpPr>
           <p:nvPr>
             <p:ph type="body" sz="half" idx="17"/>
@@ -1928,6 +1941,7 @@
               <a:rPr lang="en-US" smtClean="0"/>
               <a:t>Click to edit Master text styles</a:t>
             </a:r>
+            <a:endParaRPr lang="en-US" smtClean="0"/>
           </a:p>
         </p:txBody>
       </p:sp>
@@ -2009,7 +2023,7 @@
         <p:nvSpPr>
           <p:cNvPr id="7" name="Date Placeholder 6"/>
           <p:cNvSpPr>
-            <a:spLocks noGrp="1"/>
+            <a:spLocks noGrp="true"/>
           </p:cNvSpPr>
           <p:nvPr>
             <p:ph type="dt" sz="half" idx="10"/>
@@ -2030,7 +2044,6 @@
           <a:p>
             <a:fld id="{AF88043E-905E-4148-B009-B3CB700EBBEA}" type="datetimeFigureOut">
               <a:rPr lang="en-US" smtClean="0"/>
-              <a:t>2/5/2021</a:t>
             </a:fld>
             <a:endParaRPr lang="en-US"/>
           </a:p>
@@ -2040,7 +2053,7 @@
         <p:nvSpPr>
           <p:cNvPr id="9" name="Slide Number Placeholder 8"/>
           <p:cNvSpPr>
-            <a:spLocks noGrp="1"/>
+            <a:spLocks noGrp="true"/>
           </p:cNvSpPr>
           <p:nvPr>
             <p:ph type="sldNum" sz="quarter" idx="12"/>
@@ -2061,7 +2074,6 @@
           <a:p>
             <a:fld id="{210999C8-D5EE-40C2-AE43-FAA4980FFAE8}" type="slidenum">
               <a:rPr lang="en-US" smtClean="0"/>
-              <a:t>‹#›</a:t>
             </a:fld>
             <a:endParaRPr lang="en-US"/>
           </a:p>
@@ -2103,7 +2115,7 @@
         <p:nvSpPr>
           <p:cNvPr id="2" name="Title 1"/>
           <p:cNvSpPr>
-            <a:spLocks noGrp="1"/>
+            <a:spLocks noGrp="true"/>
           </p:cNvSpPr>
           <p:nvPr>
             <p:ph type="title"/>
@@ -2130,7 +2142,7 @@
         <p:nvSpPr>
           <p:cNvPr id="3" name="Text Placeholder 2"/>
           <p:cNvSpPr>
-            <a:spLocks noGrp="1"/>
+            <a:spLocks noGrp="true"/>
           </p:cNvSpPr>
           <p:nvPr>
             <p:ph type="body" idx="1"/>
@@ -2194,6 +2206,7 @@
               <a:rPr lang="en-US" smtClean="0"/>
               <a:t>Click to edit Master text styles</a:t>
             </a:r>
+            <a:endParaRPr lang="en-US" smtClean="0"/>
           </a:p>
         </p:txBody>
       </p:sp>
@@ -2201,7 +2214,7 @@
         <p:nvSpPr>
           <p:cNvPr id="29" name="Picture Placeholder 2"/>
           <p:cNvSpPr>
-            <a:spLocks noGrp="1" noChangeAspect="1"/>
+            <a:spLocks noGrp="true" noChangeAspect="true"/>
           </p:cNvSpPr>
           <p:nvPr>
             <p:ph type="pic" idx="15"/>
@@ -2280,7 +2293,7 @@
         <p:nvSpPr>
           <p:cNvPr id="22" name="Text Placeholder 3"/>
           <p:cNvSpPr>
-            <a:spLocks noGrp="1"/>
+            <a:spLocks noGrp="true"/>
           </p:cNvSpPr>
           <p:nvPr>
             <p:ph type="body" sz="half" idx="18"/>
@@ -2340,6 +2353,7 @@
               <a:rPr lang="en-US" smtClean="0"/>
               <a:t>Click to edit Master text styles</a:t>
             </a:r>
+            <a:endParaRPr lang="en-US" smtClean="0"/>
           </a:p>
         </p:txBody>
       </p:sp>
@@ -2347,7 +2361,7 @@
         <p:nvSpPr>
           <p:cNvPr id="5" name="Text Placeholder 4"/>
           <p:cNvSpPr>
-            <a:spLocks noGrp="1"/>
+            <a:spLocks noGrp="true"/>
           </p:cNvSpPr>
           <p:nvPr>
             <p:ph type="body" sz="quarter" idx="3"/>
@@ -2411,6 +2425,7 @@
               <a:rPr lang="en-US" smtClean="0"/>
               <a:t>Click to edit Master text styles</a:t>
             </a:r>
+            <a:endParaRPr lang="en-US" smtClean="0"/>
           </a:p>
         </p:txBody>
       </p:sp>
@@ -2418,7 +2433,7 @@
         <p:nvSpPr>
           <p:cNvPr id="30" name="Picture Placeholder 2"/>
           <p:cNvSpPr>
-            <a:spLocks noGrp="1" noChangeAspect="1"/>
+            <a:spLocks noGrp="true" noChangeAspect="true"/>
           </p:cNvSpPr>
           <p:nvPr>
             <p:ph type="pic" idx="21"/>
@@ -2497,7 +2512,7 @@
         <p:nvSpPr>
           <p:cNvPr id="23" name="Text Placeholder 3"/>
           <p:cNvSpPr>
-            <a:spLocks noGrp="1"/>
+            <a:spLocks noGrp="true"/>
           </p:cNvSpPr>
           <p:nvPr>
             <p:ph type="body" sz="half" idx="19"/>
@@ -2557,6 +2572,7 @@
               <a:rPr lang="en-US" smtClean="0"/>
               <a:t>Click to edit Master text styles</a:t>
             </a:r>
+            <a:endParaRPr lang="en-US" smtClean="0"/>
           </a:p>
         </p:txBody>
       </p:sp>
@@ -2564,7 +2580,7 @@
         <p:nvSpPr>
           <p:cNvPr id="14" name="Text Placeholder 4"/>
           <p:cNvSpPr>
-            <a:spLocks noGrp="1"/>
+            <a:spLocks noGrp="true"/>
           </p:cNvSpPr>
           <p:nvPr>
             <p:ph type="body" sz="quarter" idx="13"/>
@@ -2628,6 +2644,7 @@
               <a:rPr lang="en-US" smtClean="0"/>
               <a:t>Click to edit Master text styles</a:t>
             </a:r>
+            <a:endParaRPr lang="en-US" smtClean="0"/>
           </a:p>
         </p:txBody>
       </p:sp>
@@ -2635,7 +2652,7 @@
         <p:nvSpPr>
           <p:cNvPr id="31" name="Picture Placeholder 2"/>
           <p:cNvSpPr>
-            <a:spLocks noGrp="1" noChangeAspect="1"/>
+            <a:spLocks noGrp="true" noChangeAspect="true"/>
           </p:cNvSpPr>
           <p:nvPr>
             <p:ph type="pic" idx="22"/>
@@ -2714,7 +2731,7 @@
         <p:nvSpPr>
           <p:cNvPr id="24" name="Text Placeholder 3"/>
           <p:cNvSpPr>
-            <a:spLocks noGrp="1"/>
+            <a:spLocks noGrp="true"/>
           </p:cNvSpPr>
           <p:nvPr>
             <p:ph type="body" sz="half" idx="20"/>
@@ -2774,6 +2791,7 @@
               <a:rPr lang="en-US" smtClean="0"/>
               <a:t>Click to edit Master text styles</a:t>
             </a:r>
+            <a:endParaRPr lang="en-US" smtClean="0"/>
           </a:p>
         </p:txBody>
       </p:sp>
@@ -2855,7 +2873,7 @@
         <p:nvSpPr>
           <p:cNvPr id="7" name="Date Placeholder 6"/>
           <p:cNvSpPr>
-            <a:spLocks noGrp="1"/>
+            <a:spLocks noGrp="true"/>
           </p:cNvSpPr>
           <p:nvPr>
             <p:ph type="dt" sz="half" idx="10"/>
@@ -2876,7 +2894,6 @@
           <a:p>
             <a:fld id="{AF88043E-905E-4148-B009-B3CB700EBBEA}" type="datetimeFigureOut">
               <a:rPr lang="en-US" smtClean="0"/>
-              <a:t>2/5/2021</a:t>
             </a:fld>
             <a:endParaRPr lang="en-US"/>
           </a:p>
@@ -2886,7 +2903,7 @@
         <p:nvSpPr>
           <p:cNvPr id="9" name="Slide Number Placeholder 8"/>
           <p:cNvSpPr>
-            <a:spLocks noGrp="1"/>
+            <a:spLocks noGrp="true"/>
           </p:cNvSpPr>
           <p:nvPr>
             <p:ph type="sldNum" sz="quarter" idx="12"/>
@@ -2907,7 +2924,6 @@
           <a:p>
             <a:fld id="{210999C8-D5EE-40C2-AE43-FAA4980FFAE8}" type="slidenum">
               <a:rPr lang="en-US" smtClean="0"/>
-              <a:t>‹#›</a:t>
             </a:fld>
             <a:endParaRPr lang="en-US"/>
           </a:p>
@@ -2949,7 +2965,7 @@
         <p:nvSpPr>
           <p:cNvPr id="2" name="Title 1"/>
           <p:cNvSpPr>
-            <a:spLocks noGrp="1"/>
+            <a:spLocks noGrp="true"/>
           </p:cNvSpPr>
           <p:nvPr>
             <p:ph type="title"/>
@@ -2977,7 +2993,7 @@
         <p:nvSpPr>
           <p:cNvPr id="3" name="Vertical Text Placeholder 2"/>
           <p:cNvSpPr>
-            <a:spLocks noGrp="1"/>
+            <a:spLocks noGrp="true"/>
           </p:cNvSpPr>
           <p:nvPr>
             <p:ph type="body" orient="vert" idx="1"/>
@@ -2985,7 +3001,7 @@
         </p:nvSpPr>
         <p:spPr/>
         <p:txBody>
-          <a:bodyPr vert="eaVert" anchor="t" anchorCtr="0"/>
+          <a:bodyPr vert="eaVert" anchor="t" anchorCtr="false"/>
           <a:lstStyle/>
           <a:p>
             <a:pPr lvl="0"/>
@@ -2993,6 +3009,7 @@
               <a:rPr lang="en-US" smtClean="0"/>
               <a:t>Click to edit Master text styles</a:t>
             </a:r>
+            <a:endParaRPr lang="en-US" smtClean="0"/>
           </a:p>
           <a:p>
             <a:pPr lvl="1"/>
@@ -3000,6 +3017,7 @@
               <a:rPr lang="en-US" smtClean="0"/>
               <a:t>Second level</a:t>
             </a:r>
+            <a:endParaRPr lang="en-US" smtClean="0"/>
           </a:p>
           <a:p>
             <a:pPr lvl="2"/>
@@ -3007,6 +3025,7 @@
               <a:rPr lang="en-US" smtClean="0"/>
               <a:t>Third level</a:t>
             </a:r>
+            <a:endParaRPr lang="en-US" smtClean="0"/>
           </a:p>
           <a:p>
             <a:pPr lvl="3"/>
@@ -3014,6 +3033,7 @@
               <a:rPr lang="en-US" smtClean="0"/>
               <a:t>Fourth level</a:t>
             </a:r>
+            <a:endParaRPr lang="en-US" smtClean="0"/>
           </a:p>
           <a:p>
             <a:pPr lvl="4"/>
@@ -3029,7 +3049,7 @@
         <p:nvSpPr>
           <p:cNvPr id="4" name="Date Placeholder 3"/>
           <p:cNvSpPr>
-            <a:spLocks noGrp="1"/>
+            <a:spLocks noGrp="true"/>
           </p:cNvSpPr>
           <p:nvPr>
             <p:ph type="dt" sz="half" idx="10"/>
@@ -3050,7 +3070,6 @@
           <a:p>
             <a:fld id="{AF88043E-905E-4148-B009-B3CB700EBBEA}" type="datetimeFigureOut">
               <a:rPr lang="en-US" smtClean="0"/>
-              <a:t>2/5/2021</a:t>
             </a:fld>
             <a:endParaRPr lang="en-US"/>
           </a:p>
@@ -3060,7 +3079,7 @@
         <p:nvSpPr>
           <p:cNvPr id="6" name="Slide Number Placeholder 5"/>
           <p:cNvSpPr>
-            <a:spLocks noGrp="1"/>
+            <a:spLocks noGrp="true"/>
           </p:cNvSpPr>
           <p:nvPr>
             <p:ph type="sldNum" sz="quarter" idx="12"/>
@@ -3081,7 +3100,6 @@
           <a:p>
             <a:fld id="{210999C8-D5EE-40C2-AE43-FAA4980FFAE8}" type="slidenum">
               <a:rPr lang="en-US" smtClean="0"/>
-              <a:t>‹#›</a:t>
             </a:fld>
             <a:endParaRPr lang="en-US"/>
           </a:p>
@@ -3128,7 +3146,7 @@
         <p:nvSpPr>
           <p:cNvPr id="2" name="Title Placeholder 1"/>
           <p:cNvSpPr>
-            <a:spLocks noGrp="1"/>
+            <a:spLocks noGrp="true"/>
           </p:cNvSpPr>
           <p:nvPr>
             <p:ph type="title"/>
@@ -3161,7 +3179,7 @@
         <p:nvSpPr>
           <p:cNvPr id="3" name="Text Placeholder 2"/>
           <p:cNvSpPr>
-            <a:spLocks noGrp="1"/>
+            <a:spLocks noGrp="true"/>
           </p:cNvSpPr>
           <p:nvPr>
             <p:ph type="body" idx="1"/>
@@ -3187,6 +3205,7 @@
               <a:rPr lang="en-US" smtClean="0"/>
               <a:t>Click to edit Master text styles</a:t>
             </a:r>
+            <a:endParaRPr lang="en-US" smtClean="0"/>
           </a:p>
           <a:p>
             <a:pPr lvl="1"/>
@@ -3194,6 +3213,7 @@
               <a:rPr lang="en-US" smtClean="0"/>
               <a:t>Second level</a:t>
             </a:r>
+            <a:endParaRPr lang="en-US" smtClean="0"/>
           </a:p>
           <a:p>
             <a:pPr lvl="2"/>
@@ -3201,6 +3221,7 @@
               <a:rPr lang="en-US" smtClean="0"/>
               <a:t>Third level</a:t>
             </a:r>
+            <a:endParaRPr lang="en-US" smtClean="0"/>
           </a:p>
           <a:p>
             <a:pPr lvl="3"/>
@@ -3208,6 +3229,7 @@
               <a:rPr lang="en-US" smtClean="0"/>
               <a:t>Fourth level</a:t>
             </a:r>
+            <a:endParaRPr lang="en-US" smtClean="0"/>
           </a:p>
           <a:p>
             <a:pPr lvl="4"/>
@@ -3222,8 +3244,8 @@
       <p:sp>
         <p:nvSpPr>
           <p:cNvPr id="30" name="TextBox 29"/>
-          <p:cNvSpPr txBox="1"/>
-          <p:nvPr userDrawn="1"/>
+          <p:cNvSpPr txBox="true"/>
+          <p:nvPr userDrawn="true"/>
         </p:nvSpPr>
         <p:spPr>
           <a:xfrm>
@@ -3264,15 +3286,15 @@
         <p:nvPicPr>
           <p:cNvPr id="22" name="Picture 21"/>
           <p:cNvPicPr>
-            <a:picLocks noChangeAspect="1"/>
+            <a:picLocks noChangeAspect="true"/>
           </p:cNvPicPr>
-          <p:nvPr userDrawn="1"/>
+          <p:nvPr userDrawn="true"/>
         </p:nvPicPr>
-        <p:blipFill rotWithShape="1">
-          <a:blip r:embed="rId10" cstate="print">
+        <p:blipFill rotWithShape="true">
+          <a:blip r:embed="rId9" cstate="print">
             <a:extLst>
               <a:ext uri="{28A0092B-C50C-407E-A947-70E740481C1C}">
-                <a14:useLocalDpi xmlns:a14="http://schemas.microsoft.com/office/drawing/2010/main" val="0"/>
+                <a14:useLocalDpi xmlns:a14="http://schemas.microsoft.com/office/drawing/2010/main" val="false"/>
               </a:ext>
             </a:extLst>
           </a:blip>
@@ -3294,8 +3316,8 @@
       <p:sp>
         <p:nvSpPr>
           <p:cNvPr id="29" name="TextBox 28"/>
-          <p:cNvSpPr txBox="1"/>
-          <p:nvPr userDrawn="1"/>
+          <p:cNvSpPr txBox="true"/>
+          <p:nvPr userDrawn="true"/>
         </p:nvSpPr>
         <p:spPr>
           <a:xfrm>
@@ -3873,7 +3895,31 @@
         <p:nvPicPr>
           <p:cNvPr id="3" name="Picture 2"/>
           <p:cNvPicPr>
-            <a:picLocks noChangeAspect="1"/>
+            <a:picLocks noChangeAspect="true"/>
+          </p:cNvPicPr>
+          <p:nvPr/>
+        </p:nvPicPr>
+        <p:blipFill>
+          <a:blip r:embed="rId1"/>
+          <a:stretch>
+            <a:fillRect/>
+          </a:stretch>
+        </p:blipFill>
+        <p:spPr>
+          <a:xfrm>
+            <a:off x="-434192" y="3178303"/>
+            <a:ext cx="6399564" cy="4547438"/>
+          </a:xfrm>
+          <a:prstGeom prst="rect">
+            <a:avLst/>
+          </a:prstGeom>
+        </p:spPr>
+      </p:pic>
+      <p:pic>
+        <p:nvPicPr>
+          <p:cNvPr id="12" name="Picture 11"/>
+          <p:cNvPicPr>
+            <a:picLocks noChangeAspect="true"/>
           </p:cNvPicPr>
           <p:nvPr/>
         </p:nvPicPr>
@@ -3885,8 +3931,8 @@
         </p:blipFill>
         <p:spPr>
           <a:xfrm>
-            <a:off x="-434192" y="3178303"/>
-            <a:ext cx="6399564" cy="4547438"/>
+            <a:off x="2947046" y="4281250"/>
+            <a:ext cx="2291904" cy="2291904"/>
           </a:xfrm>
           <a:prstGeom prst="rect">
             <a:avLst/>
@@ -3895,9 +3941,9 @@
       </p:pic>
       <p:pic>
         <p:nvPicPr>
-          <p:cNvPr id="12" name="Picture 11"/>
+          <p:cNvPr id="7" name="Picture 6"/>
           <p:cNvPicPr>
-            <a:picLocks noChangeAspect="1"/>
+            <a:picLocks noChangeAspect="true"/>
           </p:cNvPicPr>
           <p:nvPr/>
         </p:nvPicPr>
@@ -3908,9 +3954,9 @@
           </a:stretch>
         </p:blipFill>
         <p:spPr>
-          <a:xfrm>
-            <a:off x="2947046" y="4281250"/>
-            <a:ext cx="2291904" cy="2291904"/>
+          <a:xfrm rot="21372787">
+            <a:off x="6659266" y="294083"/>
+            <a:ext cx="5196953" cy="4291423"/>
           </a:xfrm>
           <a:prstGeom prst="rect">
             <a:avLst/>
@@ -3919,38 +3965,14 @@
       </p:pic>
       <p:pic>
         <p:nvPicPr>
-          <p:cNvPr id="7" name="Picture 6"/>
+          <p:cNvPr id="9" name="Picture 8"/>
           <p:cNvPicPr>
-            <a:picLocks noChangeAspect="1"/>
+            <a:picLocks noChangeAspect="true"/>
           </p:cNvPicPr>
           <p:nvPr/>
         </p:nvPicPr>
         <p:blipFill>
           <a:blip r:embed="rId4"/>
-          <a:stretch>
-            <a:fillRect/>
-          </a:stretch>
-        </p:blipFill>
-        <p:spPr>
-          <a:xfrm rot="21372787">
-            <a:off x="6659266" y="294083"/>
-            <a:ext cx="5196953" cy="4291423"/>
-          </a:xfrm>
-          <a:prstGeom prst="rect">
-            <a:avLst/>
-          </a:prstGeom>
-        </p:spPr>
-      </p:pic>
-      <p:pic>
-        <p:nvPicPr>
-          <p:cNvPr id="9" name="Picture 8"/>
-          <p:cNvPicPr>
-            <a:picLocks noChangeAspect="1"/>
-          </p:cNvPicPr>
-          <p:nvPr/>
-        </p:nvPicPr>
-        <p:blipFill>
-          <a:blip r:embed="rId5"/>
           <a:stretch>
             <a:fillRect/>
           </a:stretch>
@@ -4014,7 +4036,7 @@
       <p:sp>
         <p:nvSpPr>
           <p:cNvPr id="8" name="TextBox 7"/>
-          <p:cNvSpPr txBox="1"/>
+          <p:cNvSpPr txBox="true"/>
           <p:nvPr/>
         </p:nvSpPr>
         <p:spPr>
@@ -4152,15 +4174,15 @@
         <p:nvPicPr>
           <p:cNvPr id="2" name="Picture 1"/>
           <p:cNvPicPr>
-            <a:picLocks noChangeAspect="1"/>
+            <a:picLocks noChangeAspect="true"/>
           </p:cNvPicPr>
           <p:nvPr/>
         </p:nvPicPr>
         <p:blipFill>
-          <a:blip r:embed="rId6" cstate="print">
+          <a:blip r:embed="rId5" cstate="print">
             <a:extLst>
               <a:ext uri="{28A0092B-C50C-407E-A947-70E740481C1C}">
-                <a14:useLocalDpi xmlns:a14="http://schemas.microsoft.com/office/drawing/2010/main" val="0"/>
+                <a14:useLocalDpi xmlns:a14="http://schemas.microsoft.com/office/drawing/2010/main" val="false"/>
               </a:ext>
             </a:extLst>
           </a:blip>
@@ -4182,12 +4204,12 @@
         <p:nvPicPr>
           <p:cNvPr id="14" name="Picture 13"/>
           <p:cNvPicPr>
-            <a:picLocks noChangeAspect="1"/>
+            <a:picLocks noChangeAspect="true"/>
           </p:cNvPicPr>
           <p:nvPr/>
         </p:nvPicPr>
         <p:blipFill>
-          <a:blip r:embed="rId5"/>
+          <a:blip r:embed="rId4"/>
           <a:stretch>
             <a:fillRect/>
           </a:stretch>
@@ -4206,12 +4228,12 @@
         <p:nvPicPr>
           <p:cNvPr id="17" name="Picture 16"/>
           <p:cNvPicPr>
-            <a:picLocks noChangeAspect="1"/>
+            <a:picLocks noChangeAspect="true"/>
           </p:cNvPicPr>
           <p:nvPr/>
         </p:nvPicPr>
         <p:blipFill>
-          <a:blip r:embed="rId3"/>
+          <a:blip r:embed="rId2"/>
           <a:stretch>
             <a:fillRect/>
           </a:stretch>
@@ -4230,12 +4252,12 @@
         <p:nvPicPr>
           <p:cNvPr id="19" name="Picture 18"/>
           <p:cNvPicPr>
-            <a:picLocks noChangeAspect="1"/>
+            <a:picLocks noChangeAspect="true"/>
           </p:cNvPicPr>
           <p:nvPr/>
         </p:nvPicPr>
         <p:blipFill>
-          <a:blip r:embed="rId7"/>
+          <a:blip r:embed="rId6"/>
           <a:stretch>
             <a:fillRect/>
           </a:stretch>
@@ -4254,12 +4276,12 @@
         <p:nvPicPr>
           <p:cNvPr id="21" name="Picture 20"/>
           <p:cNvPicPr>
-            <a:picLocks noChangeAspect="1"/>
+            <a:picLocks noChangeAspect="true"/>
           </p:cNvPicPr>
           <p:nvPr/>
         </p:nvPicPr>
         <p:blipFill>
-          <a:blip r:embed="rId8">
+          <a:blip r:embed="rId7">
             <a:lum bright="20000" contrast="-20000"/>
           </a:blip>
           <a:stretch>
@@ -4280,12 +4302,12 @@
         <p:nvPicPr>
           <p:cNvPr id="22" name="Picture 21"/>
           <p:cNvPicPr>
-            <a:picLocks noChangeAspect="1"/>
+            <a:picLocks noChangeAspect="true"/>
           </p:cNvPicPr>
           <p:nvPr/>
         </p:nvPicPr>
         <p:blipFill>
-          <a:blip r:embed="rId8">
+          <a:blip r:embed="rId7">
             <a:lum bright="20000" contrast="-20000"/>
           </a:blip>
           <a:stretch>
@@ -4305,7 +4327,7 @@
       <p:sp>
         <p:nvSpPr>
           <p:cNvPr id="4" name="TextBox 3"/>
-          <p:cNvSpPr txBox="1"/>
+          <p:cNvSpPr txBox="true"/>
           <p:nvPr/>
         </p:nvSpPr>
         <p:spPr>
@@ -4359,7 +4381,7 @@
       <p:sp>
         <p:nvSpPr>
           <p:cNvPr id="5" name="TextBox 4"/>
-          <p:cNvSpPr txBox="1"/>
+          <p:cNvSpPr txBox="true"/>
           <p:nvPr/>
         </p:nvSpPr>
         <p:spPr>
@@ -4399,7 +4421,7 @@
       <p:sp>
         <p:nvSpPr>
           <p:cNvPr id="20" name="TextBox 19"/>
-          <p:cNvSpPr txBox="1"/>
+          <p:cNvSpPr txBox="true"/>
           <p:nvPr/>
         </p:nvSpPr>
         <p:spPr>
@@ -4429,6 +4451,14 @@
               </a:rPr>
               <a:t>Tuan Dao</a:t>
             </a:r>
+            <a:endParaRPr lang="en-US" sz="2000" smtClean="0">
+              <a:solidFill>
+                <a:schemeClr val="accent2">
+                  <a:lumMod val="75000"/>
+                </a:schemeClr>
+              </a:solidFill>
+              <a:latin typeface="Century Gothic (Body)"/>
+            </a:endParaRPr>
           </a:p>
         </p:txBody>
       </p:sp>
@@ -4468,7 +4498,7 @@
         <p:nvSpPr>
           <p:cNvPr id="2" name="Title 1"/>
           <p:cNvSpPr>
-            <a:spLocks noGrp="1"/>
+            <a:spLocks noGrp="true"/>
           </p:cNvSpPr>
           <p:nvPr>
             <p:ph type="title"/>
@@ -4484,7 +4514,7 @@
               <a:t>Comparing some characteristic when coding in </a:t>
             </a:r>
             <a:r>
-              <a:rPr lang="" altLang="en-US"/>
+              <a:rPr lang="en-US" altLang="en-US"/>
               <a:t>T</a:t>
             </a:r>
             <a:r>
@@ -4492,13 +4522,14 @@
               <a:t>ypescript and </a:t>
             </a:r>
             <a:r>
-              <a:rPr lang="" altLang="en-US"/>
+              <a:rPr lang="en-US" altLang="en-US"/>
               <a:t>J</a:t>
             </a:r>
             <a:r>
               <a:rPr lang="en-US"/>
               <a:t>ava</a:t>
             </a:r>
+            <a:endParaRPr lang="en-US"/>
           </a:p>
         </p:txBody>
       </p:sp>
@@ -4506,15 +4537,10 @@
         <p:nvGraphicFramePr>
           <p:cNvPr id="4" name="Content Placeholder 3"/>
           <p:cNvGraphicFramePr>
-            <a:graphicFrameLocks noGrp="1"/>
+            <a:graphicFrameLocks noGrp="true"/>
           </p:cNvGraphicFramePr>
           <p:nvPr>
             <p:ph idx="1"/>
-            <p:extLst>
-              <p:ext uri="{D42A27DB-BD31-4B8C-83A1-F6EECF244321}">
-                <p14:modId xmlns:p14="http://schemas.microsoft.com/office/powerpoint/2010/main" val="1216241304"/>
-              </p:ext>
-            </p:extLst>
           </p:nvPr>
         </p:nvGraphicFramePr>
         <p:xfrm>
@@ -4524,7 +4550,7 @@
         <a:graphic>
           <a:graphicData uri="http://schemas.openxmlformats.org/drawingml/2006/table">
             <a:tbl>
-              <a:tblPr firstRow="1" bandRow="1">
+              <a:tblPr firstRow="true" bandRow="true">
                 <a:tableStyleId>{5C22544A-7EE6-4342-B048-85BDC9FD1C3A}</a:tableStyleId>
               </a:tblPr>
               <a:tblGrid>
@@ -4541,9 +4567,10 @@
                         <a:buNone/>
                       </a:pPr>
                       <a:r>
-                        <a:rPr lang="" altLang="en-US" dirty="0"/>
+                        <a:rPr lang="en-US" altLang="en-US" dirty="0"/>
                         <a:t>Typescript</a:t>
                       </a:r>
+                      <a:endParaRPr lang="en-US" altLang="en-US" dirty="0"/>
                     </a:p>
                   </a:txBody>
                   <a:tcPr/>
@@ -4594,7 +4621,6 @@
                         <a:buSzTx/>
                         <a:buFontTx/>
                         <a:buNone/>
-                        <a:tabLst/>
                         <a:defRPr/>
                       </a:pPr>
                       <a:r>
@@ -4630,6 +4656,14 @@
                         </a:rPr>
                         <a:t>:</a:t>
                       </a:r>
+                      <a:endParaRPr lang="en-US" sz="1800" kern="1200" dirty="0" smtClean="0">
+                        <a:solidFill>
+                          <a:schemeClr val="dk1"/>
+                        </a:solidFill>
+                        <a:latin typeface="+mn-lt"/>
+                        <a:ea typeface="+mn-ea"/>
+                        <a:cs typeface="+mn-cs"/>
+                      </a:endParaRPr>
                     </a:p>
                     <a:p>
                       <a:pPr marL="285750" marR="0" indent="-285750" algn="l" defTabSz="457200" rtl="0" eaLnBrk="1" fontAlgn="auto" latinLnBrk="0" hangingPunct="1">
@@ -4646,7 +4680,6 @@
                         <a:buSzTx/>
                         <a:buFont typeface="Arial" panose="020B0604020202020204" pitchFamily="34" charset="0"/>
                         <a:buChar char="•"/>
-                        <a:tabLst/>
                         <a:defRPr/>
                       </a:pPr>
                       <a:r>
@@ -4671,6 +4704,14 @@
                         </a:rPr>
                         <a:t> type of variable and method following ‘:’ symbol </a:t>
                       </a:r>
+                      <a:endParaRPr lang="en-US" sz="1800" kern="1200" baseline="0" dirty="0" smtClean="0">
+                        <a:solidFill>
+                          <a:schemeClr val="dk1"/>
+                        </a:solidFill>
+                        <a:latin typeface="+mn-lt"/>
+                        <a:ea typeface="+mn-ea"/>
+                        <a:cs typeface="+mn-cs"/>
+                      </a:endParaRPr>
                     </a:p>
                     <a:p>
                       <a:pPr marL="285750" marR="0" indent="-285750" algn="l" defTabSz="457200" rtl="0" eaLnBrk="1" fontAlgn="auto" latinLnBrk="0" hangingPunct="1">
@@ -4687,7 +4728,6 @@
                         <a:buSzTx/>
                         <a:buFont typeface="Arial" panose="020B0604020202020204" pitchFamily="34" charset="0"/>
                         <a:buChar char="•"/>
-                        <a:tabLst/>
                         <a:defRPr/>
                       </a:pPr>
                       <a:r>
@@ -4701,6 +4741,14 @@
                         </a:rPr>
                         <a:t>Don’t have to declare type</a:t>
                       </a:r>
+                      <a:endParaRPr lang="en-US" sz="1800" kern="1200" baseline="0" dirty="0" smtClean="0">
+                        <a:solidFill>
+                          <a:schemeClr val="dk1"/>
+                        </a:solidFill>
+                        <a:latin typeface="+mn-lt"/>
+                        <a:ea typeface="+mn-ea"/>
+                        <a:cs typeface="+mn-cs"/>
+                      </a:endParaRPr>
                     </a:p>
                     <a:p>
                       <a:pPr marL="285750" marR="0" indent="-285750" algn="l" defTabSz="457200" rtl="0" eaLnBrk="1" fontAlgn="auto" latinLnBrk="0" hangingPunct="1">
@@ -4717,7 +4765,6 @@
                         <a:buSzTx/>
                         <a:buFont typeface="Arial" panose="020B0604020202020204" pitchFamily="34" charset="0"/>
                         <a:buChar char="•"/>
-                        <a:tabLst/>
                         <a:defRPr/>
                       </a:pPr>
                       <a:r>
@@ -4775,6 +4822,14 @@
                         </a:rPr>
                         <a:t>’ to declare variable</a:t>
                       </a:r>
+                      <a:endParaRPr lang="en-US" sz="1800" kern="1200" baseline="0" dirty="0" smtClean="0">
+                        <a:solidFill>
+                          <a:schemeClr val="dk1"/>
+                        </a:solidFill>
+                        <a:latin typeface="+mn-lt"/>
+                        <a:ea typeface="+mn-ea"/>
+                        <a:cs typeface="+mn-cs"/>
+                      </a:endParaRPr>
                     </a:p>
                     <a:p>
                       <a:pPr marL="285750" marR="0" indent="-285750" algn="l" defTabSz="457200" rtl="0" eaLnBrk="1" fontAlgn="auto" latinLnBrk="0" hangingPunct="1">
@@ -4791,7 +4846,6 @@
                         <a:buSzTx/>
                         <a:buFont typeface="Arial" panose="020B0604020202020204" pitchFamily="34" charset="0"/>
                         <a:buChar char="•"/>
-                        <a:tabLst/>
                         <a:defRPr/>
                       </a:pPr>
                       <a:r>
@@ -4836,7 +4890,6 @@
                         <a:buSzTx/>
                         <a:buFontTx/>
                         <a:buNone/>
-                        <a:tabLst/>
                         <a:defRPr/>
                       </a:pPr>
                       <a:r>
@@ -4872,6 +4925,14 @@
                         </a:rPr>
                         <a:t>:</a:t>
                       </a:r>
+                      <a:endParaRPr lang="en-US" sz="1800" kern="1200" dirty="0" smtClean="0">
+                        <a:solidFill>
+                          <a:schemeClr val="dk1"/>
+                        </a:solidFill>
+                        <a:latin typeface="+mn-lt"/>
+                        <a:ea typeface="+mn-ea"/>
+                        <a:cs typeface="+mn-cs"/>
+                      </a:endParaRPr>
                     </a:p>
                     <a:p>
                       <a:pPr marL="285750" indent="-285750">
@@ -4900,6 +4961,14 @@
                         </a:rPr>
                         <a:t> type preceding variable and method </a:t>
                       </a:r>
+                      <a:endParaRPr lang="en-US" sz="1800" kern="1200" baseline="0" dirty="0" smtClean="0">
+                        <a:solidFill>
+                          <a:schemeClr val="dk1"/>
+                        </a:solidFill>
+                        <a:latin typeface="+mn-lt"/>
+                        <a:ea typeface="+mn-ea"/>
+                        <a:cs typeface="+mn-cs"/>
+                      </a:endParaRPr>
                     </a:p>
                     <a:p>
                       <a:pPr marL="285750" indent="-285750">
@@ -4917,6 +4986,14 @@
                         </a:rPr>
                         <a:t>Have to declare type</a:t>
                       </a:r>
+                      <a:endParaRPr lang="en-US" sz="1800" kern="1200" baseline="0" dirty="0" smtClean="0">
+                        <a:solidFill>
+                          <a:schemeClr val="dk1"/>
+                        </a:solidFill>
+                        <a:latin typeface="+mn-lt"/>
+                        <a:ea typeface="+mn-ea"/>
+                        <a:cs typeface="+mn-cs"/>
+                      </a:endParaRPr>
                     </a:p>
                     <a:p>
                       <a:pPr marL="285750" indent="-285750">
@@ -5125,11 +5202,6 @@
         </a:graphic>
       </p:graphicFrame>
     </p:spTree>
-    <p:extLst>
-      <p:ext uri="{BB962C8B-B14F-4D97-AF65-F5344CB8AC3E}">
-        <p14:creationId xmlns:p14="http://schemas.microsoft.com/office/powerpoint/2010/main" val="4117456837"/>
-      </p:ext>
-    </p:extLst>
   </p:cSld>
   <p:clrMapOvr>
     <a:masterClrMapping/>
@@ -5158,7 +5230,7 @@
         <p:nvSpPr>
           <p:cNvPr id="2" name="Title 1"/>
           <p:cNvSpPr>
-            <a:spLocks noGrp="1"/>
+            <a:spLocks noGrp="true"/>
           </p:cNvSpPr>
           <p:nvPr>
             <p:ph type="title"/>
@@ -5181,7 +5253,7 @@
         <p:nvSpPr>
           <p:cNvPr id="3" name="Content Placeholder 2"/>
           <p:cNvSpPr>
-            <a:spLocks noGrp="1"/>
+            <a:spLocks noGrp="true"/>
           </p:cNvSpPr>
           <p:nvPr>
             <p:ph idx="1"/>
@@ -5192,16 +5264,66 @@
           <a:bodyPr/>
           <a:lstStyle/>
           <a:p>
-            <a:endParaRPr lang="en-US" dirty="0"/>
-          </a:p>
-        </p:txBody>
-      </p:sp>
+            <a:r>
+              <a:rPr lang="" altLang="en-US" dirty="0"/>
+              <a:t>We have dashboard is a parent class , and we want a method return instance of child class without import so that we need a child class have a method return it’s instance, and parent use require instead of import to call child class</a:t>
+            </a:r>
+            <a:endParaRPr lang="" altLang="en-US" dirty="0"/>
+          </a:p>
+          <a:p>
+            <a:endParaRPr lang="" altLang="en-US" dirty="0"/>
+          </a:p>
+        </p:txBody>
+      </p:sp>
+      <p:pic>
+        <p:nvPicPr>
+          <p:cNvPr id="4" name="Picture 3"/>
+          <p:cNvPicPr>
+            <a:picLocks noChangeAspect="true"/>
+          </p:cNvPicPr>
+          <p:nvPr/>
+        </p:nvPicPr>
+        <p:blipFill>
+          <a:blip r:embed="rId1"/>
+          <a:stretch>
+            <a:fillRect/>
+          </a:stretch>
+        </p:blipFill>
+        <p:spPr>
+          <a:xfrm>
+            <a:off x="5950585" y="2527300"/>
+            <a:ext cx="4705350" cy="1533525"/>
+          </a:xfrm>
+          <a:prstGeom prst="rect">
+            <a:avLst/>
+          </a:prstGeom>
+        </p:spPr>
+      </p:pic>
+      <p:pic>
+        <p:nvPicPr>
+          <p:cNvPr id="5" name="Picture 4"/>
+          <p:cNvPicPr>
+            <a:picLocks noChangeAspect="true"/>
+          </p:cNvPicPr>
+          <p:nvPr/>
+        </p:nvPicPr>
+        <p:blipFill>
+          <a:blip r:embed="rId2"/>
+          <a:stretch>
+            <a:fillRect/>
+          </a:stretch>
+        </p:blipFill>
+        <p:spPr>
+          <a:xfrm>
+            <a:off x="1339850" y="2527300"/>
+            <a:ext cx="4248150" cy="1514475"/>
+          </a:xfrm>
+          <a:prstGeom prst="rect">
+            <a:avLst/>
+          </a:prstGeom>
+        </p:spPr>
+      </p:pic>
     </p:spTree>
-    <p:extLst>
-      <p:ext uri="{BB962C8B-B14F-4D97-AF65-F5344CB8AC3E}">
-        <p14:creationId xmlns:p14="http://schemas.microsoft.com/office/powerpoint/2010/main" val="803419868"/>
-      </p:ext>
-    </p:extLst>
   </p:cSld>
   <p:clrMapOvr>
     <a:masterClrMapping/>
@@ -5230,7 +5352,7 @@
         <p:nvSpPr>
           <p:cNvPr id="2" name="Title 1"/>
           <p:cNvSpPr>
-            <a:spLocks noGrp="1"/>
+            <a:spLocks noGrp="true"/>
           </p:cNvSpPr>
           <p:nvPr>
             <p:ph type="title"/>
@@ -5249,6 +5371,7 @@
               <a:rPr lang="en-US"/>
               <a:t>Reference</a:t>
             </a:r>
+            <a:endParaRPr lang="en-US"/>
           </a:p>
         </p:txBody>
       </p:sp>
@@ -5256,7 +5379,7 @@
         <p:nvSpPr>
           <p:cNvPr id="3" name="Content Placeholder 2"/>
           <p:cNvSpPr>
-            <a:spLocks noGrp="1"/>
+            <a:spLocks noGrp="true"/>
           </p:cNvSpPr>
           <p:nvPr>
             <p:ph idx="1"/>
@@ -5269,30 +5392,45 @@
           <a:p>
             <a:r>
               <a:rPr lang="en-US">
+                <a:hlinkClick r:id="rId1"/>
+              </a:rPr>
+              <a:t>https://www.typescriptlang.org/docs/handbook/typescript-from-scratch.html</a:t>
+            </a:r>
+            <a:endParaRPr lang="en-US"/>
+          </a:p>
+          <a:p>
+            <a:r>
+              <a:rPr lang="en-US" smtClean="0">
                 <a:hlinkClick r:id="rId2"/>
               </a:rPr>
-              <a:t>https://www.typescriptlang.org/docs/handbook/typescript-from-scratch.html</a:t>
-            </a:r>
-            <a:endParaRPr lang="en-US"/>
-          </a:p>
-          <a:p>
+              <a:t>https</a:t>
+            </a:r>
+            <a:r>
+              <a:rPr lang="en-US">
+                <a:hlinkClick r:id="rId2"/>
+              </a:rPr>
+              <a:t>://medium.com/@</a:t>
+            </a:r>
+            <a:r>
+              <a:rPr lang="en-US" smtClean="0">
+                <a:hlinkClick r:id="rId2"/>
+              </a:rPr>
+              <a:t>kgelpes/how-typescript-helps-us-prevent-the-most-common-error-in-javascript-development-2dbcb54cf12</a:t>
+            </a:r>
+            <a:endParaRPr lang="en-US" smtClean="0"/>
+          </a:p>
+          <a:p>
+            <a:r>
+              <a:rPr lang="en-US">
+                <a:hlinkClick r:id="rId3"/>
+              </a:rPr>
+              <a:t>https://</a:t>
+            </a:r>
             <a:r>
               <a:rPr lang="en-US" smtClean="0">
                 <a:hlinkClick r:id="rId3"/>
               </a:rPr>
-              <a:t>https</a:t>
-            </a:r>
-            <a:r>
-              <a:rPr lang="en-US">
-                <a:hlinkClick r:id="rId3"/>
-              </a:rPr>
-              <a:t>://medium.com/@</a:t>
-            </a:r>
-            <a:r>
-              <a:rPr lang="en-US" smtClean="0">
-                <a:hlinkClick r:id="rId3"/>
-              </a:rPr>
-              <a:t>kgelpes/how-typescript-helps-us-prevent-the-most-common-error-in-javascript-development-2dbcb54cf12</a:t>
+              <a:t>stackoverflow.com/questions/12694530/what-is-typescript-and-why-would-i-use-it-in-place-of-javascript</a:t>
             </a:r>
             <a:endParaRPr lang="en-US" smtClean="0"/>
           </a:p>
@@ -5300,21 +5438,6 @@
             <a:r>
               <a:rPr lang="en-US">
                 <a:hlinkClick r:id="rId4"/>
-              </a:rPr>
-              <a:t>https://</a:t>
-            </a:r>
-            <a:r>
-              <a:rPr lang="en-US" smtClean="0">
-                <a:hlinkClick r:id="rId4"/>
-              </a:rPr>
-              <a:t>stackoverflow.com/questions/12694530/what-is-typescript-and-why-would-i-use-it-in-place-of-javascript</a:t>
-            </a:r>
-            <a:endParaRPr lang="en-US" smtClean="0"/>
-          </a:p>
-          <a:p>
-            <a:r>
-              <a:rPr lang="en-US">
-                <a:hlinkClick r:id="rId5"/>
               </a:rPr>
               <a:t>https://channel9.msdn.com/posts/Anders-Hejlsberg-Introducing-TypeScript</a:t>
             </a:r>
@@ -5358,15 +5481,15 @@
         <p:nvPicPr>
           <p:cNvPr id="1028" name="Picture 4" descr="Flat Lay Photography of Macbook Pro Beside White Spiral Notebook and Green Mug"/>
           <p:cNvPicPr>
-            <a:picLocks noChangeAspect="1" noChangeArrowheads="1"/>
+            <a:picLocks noChangeAspect="true" noChangeArrowheads="true"/>
           </p:cNvPicPr>
           <p:nvPr/>
         </p:nvPicPr>
-        <p:blipFill rotWithShape="1">
-          <a:blip r:embed="rId2">
+        <p:blipFill rotWithShape="true">
+          <a:blip r:embed="rId1">
             <a:extLst>
               <a:ext uri="{28A0092B-C50C-407E-A947-70E740481C1C}">
-                <a14:useLocalDpi xmlns:a14="http://schemas.microsoft.com/office/drawing/2010/main" val="0"/>
+                <a14:useLocalDpi xmlns:a14="http://schemas.microsoft.com/office/drawing/2010/main" val="false"/>
               </a:ext>
             </a:extLst>
           </a:blip>
@@ -5399,36 +5522,36 @@
         <p:nvPicPr>
           <p:cNvPr id="5" name="Picture 4"/>
           <p:cNvPicPr>
-            <a:picLocks noChangeAspect="1"/>
+            <a:picLocks noChangeAspect="true"/>
+          </p:cNvPicPr>
+          <p:nvPr/>
+        </p:nvPicPr>
+        <p:blipFill>
+          <a:blip r:embed="rId2"/>
+          <a:stretch>
+            <a:fillRect/>
+          </a:stretch>
+        </p:blipFill>
+        <p:spPr>
+          <a:xfrm rot="3618775">
+            <a:off x="3301292" y="863395"/>
+            <a:ext cx="5438838" cy="5940051"/>
+          </a:xfrm>
+          <a:prstGeom prst="rect">
+            <a:avLst/>
+          </a:prstGeom>
+        </p:spPr>
+      </p:pic>
+      <p:pic>
+        <p:nvPicPr>
+          <p:cNvPr id="6" name="Picture 5"/>
+          <p:cNvPicPr>
+            <a:picLocks noChangeAspect="true"/>
           </p:cNvPicPr>
           <p:nvPr/>
         </p:nvPicPr>
         <p:blipFill>
           <a:blip r:embed="rId3"/>
-          <a:stretch>
-            <a:fillRect/>
-          </a:stretch>
-        </p:blipFill>
-        <p:spPr>
-          <a:xfrm rot="3618775">
-            <a:off x="3301292" y="863395"/>
-            <a:ext cx="5438838" cy="5940051"/>
-          </a:xfrm>
-          <a:prstGeom prst="rect">
-            <a:avLst/>
-          </a:prstGeom>
-        </p:spPr>
-      </p:pic>
-      <p:pic>
-        <p:nvPicPr>
-          <p:cNvPr id="6" name="Picture 5"/>
-          <p:cNvPicPr>
-            <a:picLocks noChangeAspect="1"/>
-          </p:cNvPicPr>
-          <p:nvPr/>
-        </p:nvPicPr>
-        <p:blipFill>
-          <a:blip r:embed="rId4"/>
           <a:stretch>
             <a:fillRect/>
           </a:stretch>
@@ -5496,7 +5619,7 @@
       <p:sp>
         <p:nvSpPr>
           <p:cNvPr id="10" name="TextBox 9"/>
-          <p:cNvSpPr txBox="1"/>
+          <p:cNvSpPr txBox="true"/>
           <p:nvPr/>
         </p:nvSpPr>
         <p:spPr>
@@ -5574,7 +5697,7 @@
         <p:nvSpPr>
           <p:cNvPr id="2" name="Content Placeholder 1"/>
           <p:cNvSpPr>
-            <a:spLocks noGrp="1"/>
+            <a:spLocks noGrp="true"/>
           </p:cNvSpPr>
           <p:nvPr>
             <p:ph idx="1"/>
@@ -5599,6 +5722,11 @@
               </a:rPr>
               <a:t>Before Protractor</a:t>
             </a:r>
+            <a:endParaRPr lang="en-US" sz="2000" b="1" dirty="0">
+              <a:solidFill>
+                <a:schemeClr val="accent2"/>
+              </a:solidFill>
+            </a:endParaRPr>
           </a:p>
           <a:p>
             <a:pPr marL="914400" indent="-457200">
@@ -5613,6 +5741,11 @@
               </a:rPr>
               <a:t>Protractor</a:t>
             </a:r>
+            <a:endParaRPr lang="en-US" sz="2000" b="1" dirty="0">
+              <a:solidFill>
+                <a:schemeClr val="accent2"/>
+              </a:solidFill>
+            </a:endParaRPr>
           </a:p>
           <a:p>
             <a:pPr marL="914400" indent="-457200">
@@ -5627,6 +5760,11 @@
               </a:rPr>
               <a:t>After Protractor</a:t>
             </a:r>
+            <a:endParaRPr lang="en-US" sz="2000" b="1" dirty="0">
+              <a:solidFill>
+                <a:schemeClr val="accent2"/>
+              </a:solidFill>
+            </a:endParaRPr>
           </a:p>
           <a:p>
             <a:pPr marL="914400" indent="-457200">
@@ -5641,6 +5779,11 @@
               </a:rPr>
               <a:t>Q and A</a:t>
             </a:r>
+            <a:endParaRPr lang="en-US" sz="2000" b="1" dirty="0">
+              <a:solidFill>
+                <a:schemeClr val="accent2"/>
+              </a:solidFill>
+            </a:endParaRPr>
           </a:p>
           <a:p>
             <a:pPr marL="400050" lvl="1" indent="0">
@@ -5658,7 +5801,7 @@
         <p:nvSpPr>
           <p:cNvPr id="3" name="Title 2"/>
           <p:cNvSpPr>
-            <a:spLocks noGrp="1"/>
+            <a:spLocks noGrp="true"/>
           </p:cNvSpPr>
           <p:nvPr>
             <p:ph type="title"/>
@@ -5717,7 +5860,7 @@
         <p:nvSpPr>
           <p:cNvPr id="2" name="Title 1"/>
           <p:cNvSpPr>
-            <a:spLocks noGrp="1"/>
+            <a:spLocks noGrp="true"/>
           </p:cNvSpPr>
           <p:nvPr>
             <p:ph type="title"/>
@@ -5740,7 +5883,7 @@
         <p:nvSpPr>
           <p:cNvPr id="3" name="Content Placeholder 2"/>
           <p:cNvSpPr>
-            <a:spLocks noGrp="1"/>
+            <a:spLocks noGrp="true"/>
           </p:cNvSpPr>
           <p:nvPr>
             <p:ph idx="1"/>
@@ -5836,6 +5979,11 @@
               </a:rPr>
               <a:t>Overview about Typescript</a:t>
             </a:r>
+            <a:endParaRPr lang="en-US" sz="2000" b="1" dirty="0">
+              <a:solidFill>
+                <a:schemeClr val="accent2"/>
+              </a:solidFill>
+            </a:endParaRPr>
           </a:p>
           <a:p>
             <a:pPr marL="857250" lvl="1" indent="-457200">
@@ -5850,6 +5998,11 @@
               </a:rPr>
               <a:t>Overview about Selenium</a:t>
             </a:r>
+            <a:endParaRPr lang="en-US" sz="2000" b="1" dirty="0">
+              <a:solidFill>
+                <a:schemeClr val="accent2"/>
+              </a:solidFill>
+            </a:endParaRPr>
           </a:p>
           <a:p>
             <a:endParaRPr lang="en-US" dirty="0"/>
@@ -5857,11 +6010,6 @@
         </p:txBody>
       </p:sp>
     </p:spTree>
-    <p:extLst>
-      <p:ext uri="{BB962C8B-B14F-4D97-AF65-F5344CB8AC3E}">
-        <p14:creationId xmlns:p14="http://schemas.microsoft.com/office/powerpoint/2010/main" val="2647856344"/>
-      </p:ext>
-    </p:extLst>
   </p:cSld>
   <p:clrMapOvr>
     <a:masterClrMapping/>
@@ -5890,7 +6038,7 @@
         <p:nvSpPr>
           <p:cNvPr id="2" name="Title 1"/>
           <p:cNvSpPr>
-            <a:spLocks noGrp="1"/>
+            <a:spLocks noGrp="true"/>
           </p:cNvSpPr>
           <p:nvPr>
             <p:ph type="title"/>
@@ -5927,7 +6075,7 @@
         <p:nvGraphicFramePr>
           <p:cNvPr id="4" name="Content Placeholder 3"/>
           <p:cNvGraphicFramePr>
-            <a:graphicFrameLocks noGrp="1"/>
+            <a:graphicFrameLocks noGrp="true"/>
           </p:cNvGraphicFramePr>
           <p:nvPr>
             <p:ph idx="1"/>
@@ -5940,7 +6088,7 @@
         <a:graphic>
           <a:graphicData uri="http://schemas.openxmlformats.org/drawingml/2006/table">
             <a:tbl>
-              <a:tblPr firstRow="1" bandRow="1">
+              <a:tblPr firstRow="true" bandRow="true">
                 <a:tableStyleId>{5C22544A-7EE6-4342-B048-85BDC9FD1C3A}</a:tableStyleId>
               </a:tblPr>
               <a:tblGrid>
@@ -5957,9 +6105,10 @@
                         <a:buNone/>
                       </a:pPr>
                       <a:r>
-                        <a:rPr lang="" altLang="en-US" sz="2000"/>
+                        <a:rPr lang="en-US" altLang="en-US" sz="2000"/>
                         <a:t>Sync</a:t>
                       </a:r>
+                      <a:endParaRPr lang="en-US" altLang="en-US" sz="2000"/>
                     </a:p>
                   </a:txBody>
                   <a:tcPr/>
@@ -5973,9 +6122,10 @@
                         <a:buNone/>
                       </a:pPr>
                       <a:r>
-                        <a:rPr lang="" altLang="en-US" sz="2000"/>
+                        <a:rPr lang="en-US" altLang="en-US" sz="2000"/>
                         <a:t>Async</a:t>
                       </a:r>
+                      <a:endParaRPr lang="en-US" altLang="en-US" sz="2000"/>
                     </a:p>
                   </a:txBody>
                   <a:tcPr/>
@@ -5998,13 +6148,7 @@
                         <a:rPr lang="en-US" altLang="en-US" sz="1800">
                           <a:sym typeface="+mn-ea"/>
                         </a:rPr>
-                        <a:t>task</a:t>
-                      </a:r>
-                      <a:r>
-                        <a:rPr lang="" altLang="en-US" sz="1800">
-                          <a:sym typeface="+mn-ea"/>
-                        </a:rPr>
-                        <a:t> </a:t>
+                        <a:t>task </a:t>
                       </a:r>
                       <a:r>
                         <a:rPr lang="en-US"/>
@@ -6024,13 +6168,7 @@
                         <a:rPr lang="en-US" altLang="en-US" sz="1800">
                           <a:sym typeface="+mn-ea"/>
                         </a:rPr>
-                        <a:t>task</a:t>
-                      </a:r>
-                      <a:r>
-                        <a:rPr lang="" altLang="en-US" sz="1800">
-                          <a:sym typeface="+mn-ea"/>
-                        </a:rPr>
-                        <a:t> </a:t>
+                        <a:t>task </a:t>
                       </a:r>
                       <a:r>
                         <a:rPr lang="en-US"/>
@@ -6060,9 +6198,10 @@
                         <a:t>Running simultaneously, </a:t>
                       </a:r>
                       <a:r>
-                        <a:rPr lang="" altLang="en-US"/>
+                        <a:rPr lang="en-US" altLang="en-US"/>
                         <a:t>do not wait for another task</a:t>
                       </a:r>
+                      <a:endParaRPr lang="en-US" altLang="en-US"/>
                     </a:p>
                   </a:txBody>
                   <a:tcPr/>
@@ -6081,6 +6220,7 @@
                         <a:rPr lang="en-US"/>
                         <a:t>Running synchronously will generate unnecessary and idle wait in some cases</a:t>
                       </a:r>
+                      <a:endParaRPr lang="en-US"/>
                     </a:p>
                   </a:txBody>
                   <a:tcPr/>
@@ -6098,7 +6238,7 @@
                         <a:t>Running asynchronously so </a:t>
                       </a:r>
                       <a:r>
-                        <a:rPr lang="" altLang="en-US"/>
+                        <a:rPr lang="en-US" altLang="en-US"/>
                         <a:t>it </a:t>
                       </a:r>
                       <a:r>
@@ -6106,7 +6246,7 @@
                         <a:t>can handle many </a:t>
                       </a:r>
                       <a:r>
-                        <a:rPr lang="" altLang="en-US"/>
+                        <a:rPr lang="en-US" altLang="en-US"/>
                         <a:t>tasks </a:t>
                       </a:r>
                       <a:r>
@@ -6114,18 +6254,20 @@
                         <a:t>at the same time </a:t>
                       </a:r>
                       <a:r>
-                        <a:rPr lang="" altLang="en-US"/>
+                        <a:rPr lang="en-US" altLang="en-US"/>
                         <a:t>,</a:t>
                       </a:r>
+                      <a:endParaRPr lang="en-US" altLang="en-US"/>
                     </a:p>
                     <a:p>
                       <a:pPr>
                         <a:buNone/>
                       </a:pPr>
                       <a:r>
-                        <a:rPr lang="" altLang="en-US"/>
+                        <a:rPr lang="en-US" altLang="en-US"/>
                         <a:t>but it is easy to get a process error if it is not well controlled </a:t>
                       </a:r>
+                      <a:endParaRPr lang="en-US" altLang="en-US"/>
                     </a:p>
                   </a:txBody>
                   <a:tcPr/>
@@ -6136,11 +6278,6 @@
         </a:graphic>
       </p:graphicFrame>
     </p:spTree>
-    <p:extLst>
-      <p:ext uri="{BB962C8B-B14F-4D97-AF65-F5344CB8AC3E}">
-        <p14:creationId xmlns:p14="http://schemas.microsoft.com/office/powerpoint/2010/main" val="3670118522"/>
-      </p:ext>
-    </p:extLst>
   </p:cSld>
   <p:clrMapOvr>
     <a:masterClrMapping/>
@@ -6169,7 +6306,7 @@
         <p:nvSpPr>
           <p:cNvPr id="2" name="Title 1"/>
           <p:cNvSpPr>
-            <a:spLocks noGrp="1"/>
+            <a:spLocks noGrp="true"/>
           </p:cNvSpPr>
           <p:nvPr>
             <p:ph type="title"/>
@@ -6192,7 +6329,7 @@
         <p:nvSpPr>
           <p:cNvPr id="3" name="Content Placeholder 2"/>
           <p:cNvSpPr>
-            <a:spLocks noGrp="1"/>
+            <a:spLocks noGrp="true"/>
           </p:cNvSpPr>
           <p:nvPr>
             <p:ph idx="1"/>
@@ -6250,6 +6387,7 @@
               <a:rPr lang="en-US" smtClean="0"/>
               <a:t>) </a:t>
             </a:r>
+            <a:endParaRPr lang="en-US" smtClean="0"/>
           </a:p>
           <a:p>
             <a:pPr>
@@ -6327,6 +6465,11 @@
               </a:rPr>
               <a:t>language</a:t>
             </a:r>
+            <a:endParaRPr lang="en-US" smtClean="0">
+              <a:solidFill>
+                <a:srgbClr val="C00000"/>
+              </a:solidFill>
+            </a:endParaRPr>
           </a:p>
           <a:p>
             <a:pPr>
@@ -6415,6 +6558,7 @@
               <a:rPr lang="en-US" smtClean="0"/>
               <a:t>) or NodeJs with backend apis for server, database …</a:t>
             </a:r>
+            <a:endParaRPr lang="en-US" smtClean="0"/>
           </a:p>
           <a:p>
             <a:pPr marL="0" indent="0">
@@ -6428,15 +6572,15 @@
         <p:nvPicPr>
           <p:cNvPr id="2050" name="Picture 2" descr="Tập tin:JavaScript-logo.png – Wikipedia tiếng Việt"/>
           <p:cNvPicPr>
-            <a:picLocks noChangeAspect="1" noChangeArrowheads="1"/>
+            <a:picLocks noChangeAspect="true" noChangeArrowheads="true"/>
           </p:cNvPicPr>
           <p:nvPr/>
         </p:nvPicPr>
         <p:blipFill>
-          <a:blip r:embed="rId2" cstate="print">
+          <a:blip r:embed="rId1" cstate="print">
             <a:extLst>
               <a:ext uri="{28A0092B-C50C-407E-A947-70E740481C1C}">
-                <a14:useLocalDpi xmlns:a14="http://schemas.microsoft.com/office/drawing/2010/main" val="0"/>
+                <a14:useLocalDpi xmlns:a14="http://schemas.microsoft.com/office/drawing/2010/main" val="false"/>
               </a:ext>
             </a:extLst>
           </a:blip>
@@ -6501,7 +6645,7 @@
         <p:nvSpPr>
           <p:cNvPr id="2" name="Title 1"/>
           <p:cNvSpPr>
-            <a:spLocks noGrp="1"/>
+            <a:spLocks noGrp="true"/>
           </p:cNvSpPr>
           <p:nvPr>
             <p:ph type="title"/>
@@ -6516,6 +6660,7 @@
               <a:rPr lang="en-US"/>
               <a:t>Javascript Reference</a:t>
             </a:r>
+            <a:endParaRPr lang="en-US"/>
           </a:p>
         </p:txBody>
       </p:sp>
@@ -6523,7 +6668,7 @@
         <p:nvSpPr>
           <p:cNvPr id="3" name="Content Placeholder 2"/>
           <p:cNvSpPr>
-            <a:spLocks noGrp="1"/>
+            <a:spLocks noGrp="true"/>
           </p:cNvSpPr>
           <p:nvPr>
             <p:ph idx="1"/>
@@ -6540,12 +6685,12 @@
             </a:pPr>
             <a:r>
               <a:rPr lang="en-US">
-                <a:hlinkClick r:id="rId2"/>
+                <a:hlinkClick r:id="rId1"/>
               </a:rPr>
               <a:t>https://developer.mozilla.org/en-US/docs/Learn/Getting_started_with_the_web/JavaScript_basics</a:t>
             </a:r>
             <a:endParaRPr lang="en-US">
-              <a:hlinkClick r:id="rId3"/>
+              <a:hlinkClick r:id="rId2"/>
             </a:endParaRPr>
           </a:p>
           <a:p>
@@ -6555,12 +6700,12 @@
             </a:pPr>
             <a:r>
               <a:rPr lang="en-US">
-                <a:hlinkClick r:id="rId3"/>
+                <a:hlinkClick r:id="rId2"/>
               </a:rPr>
               <a:t>https://developer.mozilla.org/en-US/docs/Learn/JavaScript/Asynchronous/Introducing</a:t>
             </a:r>
             <a:endParaRPr lang="en-US">
-              <a:hlinkClick r:id="rId4"/>
+              <a:hlinkClick r:id="rId3"/>
             </a:endParaRPr>
           </a:p>
           <a:p>
@@ -6570,7 +6715,7 @@
             </a:pPr>
             <a:r>
               <a:rPr lang="en-US">
-                <a:hlinkClick r:id="rId4"/>
+                <a:hlinkClick r:id="rId3"/>
               </a:rPr>
               <a:t>https://w3techs.com/technologies/details/cp-javascript</a:t>
             </a:r>
@@ -6613,7 +6758,7 @@
         <p:nvSpPr>
           <p:cNvPr id="2" name="Title 1"/>
           <p:cNvSpPr>
-            <a:spLocks noGrp="1"/>
+            <a:spLocks noGrp="true"/>
           </p:cNvSpPr>
           <p:nvPr>
             <p:ph type="title"/>
@@ -6636,7 +6781,7 @@
         <p:nvSpPr>
           <p:cNvPr id="3" name="Content Placeholder 2"/>
           <p:cNvSpPr>
-            <a:spLocks noGrp="1"/>
+            <a:spLocks noGrp="true"/>
           </p:cNvSpPr>
           <p:nvPr>
             <p:ph idx="1"/>
@@ -6664,6 +6809,7 @@
               <a:rPr lang="en-US" dirty="0" smtClean="0"/>
               <a:t>productivity</a:t>
             </a:r>
+            <a:endParaRPr lang="en-US" dirty="0" smtClean="0"/>
           </a:p>
           <a:p>
             <a:pPr>
@@ -6686,6 +6832,7 @@
               <a:rPr lang="en-US" dirty="0" smtClean="0"/>
               <a:t>reliability</a:t>
             </a:r>
+            <a:endParaRPr lang="en-US" dirty="0" smtClean="0"/>
           </a:p>
           <a:p>
             <a:pPr>
@@ -6696,6 +6843,7 @@
               <a:rPr lang="en-US" dirty="0" smtClean="0"/>
               <a:t>Increase self-documented code</a:t>
             </a:r>
+            <a:endParaRPr lang="en-US" dirty="0" smtClean="0"/>
           </a:p>
         </p:txBody>
       </p:sp>
@@ -6703,7 +6851,31 @@
         <p:nvPicPr>
           <p:cNvPr id="5" name="Picture 4"/>
           <p:cNvPicPr>
-            <a:picLocks noChangeAspect="1"/>
+            <a:picLocks noChangeAspect="true"/>
+          </p:cNvPicPr>
+          <p:nvPr/>
+        </p:nvPicPr>
+        <p:blipFill>
+          <a:blip r:embed="rId1"/>
+          <a:stretch>
+            <a:fillRect/>
+          </a:stretch>
+        </p:blipFill>
+        <p:spPr>
+          <a:xfrm>
+            <a:off x="1367860" y="3152886"/>
+            <a:ext cx="3537597" cy="2170228"/>
+          </a:xfrm>
+          <a:prstGeom prst="rect">
+            <a:avLst/>
+          </a:prstGeom>
+        </p:spPr>
+      </p:pic>
+      <p:pic>
+        <p:nvPicPr>
+          <p:cNvPr id="6" name="Picture 5"/>
+          <p:cNvPicPr>
+            <a:picLocks noChangeAspect="true"/>
           </p:cNvPicPr>
           <p:nvPr/>
         </p:nvPicPr>
@@ -6715,44 +6887,15 @@
         </p:blipFill>
         <p:spPr>
           <a:xfrm>
-            <a:off x="1367860" y="3152886"/>
-            <a:ext cx="3537597" cy="2170228"/>
+            <a:off x="5293551" y="3152886"/>
+            <a:ext cx="6515904" cy="2170228"/>
           </a:xfrm>
           <a:prstGeom prst="rect">
             <a:avLst/>
           </a:prstGeom>
         </p:spPr>
       </p:pic>
-      <p:pic>
-        <p:nvPicPr>
-          <p:cNvPr id="6" name="Picture 5"/>
-          <p:cNvPicPr>
-            <a:picLocks noChangeAspect="1"/>
-          </p:cNvPicPr>
-          <p:nvPr/>
-        </p:nvPicPr>
-        <p:blipFill>
-          <a:blip r:embed="rId3"/>
-          <a:stretch>
-            <a:fillRect/>
-          </a:stretch>
-        </p:blipFill>
-        <p:spPr>
-          <a:xfrm>
-            <a:off x="5293551" y="3152886"/>
-            <a:ext cx="6515904" cy="2170228"/>
-          </a:xfrm>
-          <a:prstGeom prst="rect">
-            <a:avLst/>
-          </a:prstGeom>
-        </p:spPr>
-      </p:pic>
     </p:spTree>
-    <p:extLst>
-      <p:ext uri="{BB962C8B-B14F-4D97-AF65-F5344CB8AC3E}">
-        <p14:creationId xmlns:p14="http://schemas.microsoft.com/office/powerpoint/2010/main" val="3911461012"/>
-      </p:ext>
-    </p:extLst>
   </p:cSld>
   <p:clrMapOvr>
     <a:masterClrMapping/>
@@ -6788,7 +6931,7 @@
         <p:nvSpPr>
           <p:cNvPr id="2" name="Title 1"/>
           <p:cNvSpPr>
-            <a:spLocks noGrp="1"/>
+            <a:spLocks noGrp="true"/>
           </p:cNvSpPr>
           <p:nvPr>
             <p:ph type="title"/>
@@ -6816,7 +6959,7 @@
         <p:nvSpPr>
           <p:cNvPr id="3" name="Content Placeholder 2"/>
           <p:cNvSpPr>
-            <a:spLocks noGrp="1"/>
+            <a:spLocks noGrp="true"/>
           </p:cNvSpPr>
           <p:nvPr>
             <p:ph idx="1"/>
@@ -6850,6 +6993,7 @@
               <a:rPr lang="en-US" smtClean="0"/>
               <a:t>Microsoft</a:t>
             </a:r>
+            <a:endParaRPr lang="en-US" smtClean="0"/>
           </a:p>
           <a:p>
             <a:r>
@@ -6915,6 +7059,7 @@
               <a:rPr lang="en-US" smtClean="0"/>
               <a:t>TypeScript helps us prevent the most common error in JavaScript development</a:t>
             </a:r>
+            <a:endParaRPr lang="en-US" smtClean="0"/>
           </a:p>
           <a:p>
             <a:pPr marL="457200" lvl="1" indent="0">
@@ -6922,12 +7067,9 @@
             </a:pPr>
             <a:r>
               <a:rPr lang="en-US" smtClean="0"/>
-              <a:t>Ex</a:t>
-            </a:r>
-            <a:r>
-              <a:rPr lang="en-US" smtClean="0"/>
-              <a:t>:</a:t>
-            </a:r>
+              <a:t>Ex:</a:t>
+            </a:r>
+            <a:endParaRPr lang="en-US" smtClean="0"/>
           </a:p>
           <a:p>
             <a:pPr marL="457200" lvl="1" indent="0">
@@ -6959,6 +7101,7 @@
               <a:rPr lang="en-US" smtClean="0"/>
               <a:t>anymore</a:t>
             </a:r>
+            <a:endParaRPr lang="en-US" smtClean="0"/>
           </a:p>
           <a:p>
             <a:pPr marL="457200" lvl="1" indent="0">
@@ -7016,15 +7159,15 @@
         <p:nvPicPr>
           <p:cNvPr id="6" name="Picture 2" descr="Getting started with TypeScript.. If you want to start developing PWAs… |  by Onejohi | Medium"/>
           <p:cNvPicPr>
-            <a:picLocks noChangeAspect="1" noChangeArrowheads="1"/>
+            <a:picLocks noChangeAspect="true" noChangeArrowheads="true"/>
           </p:cNvPicPr>
           <p:nvPr/>
         </p:nvPicPr>
         <p:blipFill>
-          <a:blip r:embed="rId2" cstate="print">
+          <a:blip r:embed="rId1" cstate="print">
             <a:extLst>
               <a:ext uri="{28A0092B-C50C-407E-A947-70E740481C1C}">
-                <a14:useLocalDpi xmlns:a14="http://schemas.microsoft.com/office/drawing/2010/main" val="0"/>
+                <a14:useLocalDpi xmlns:a14="http://schemas.microsoft.com/office/drawing/2010/main" val="false"/>
               </a:ext>
             </a:extLst>
           </a:blip>
@@ -7082,7 +7225,7 @@
         <p:nvSpPr>
           <p:cNvPr id="2" name="Title 1"/>
           <p:cNvSpPr>
-            <a:spLocks noGrp="1"/>
+            <a:spLocks noGrp="true"/>
           </p:cNvSpPr>
           <p:nvPr>
             <p:ph type="title"/>
@@ -7098,7 +7241,7 @@
               <a:t>Comparing some characteristic when coding in </a:t>
             </a:r>
             <a:r>
-              <a:rPr lang="" altLang="en-US"/>
+              <a:rPr lang="en-US" altLang="en-US"/>
               <a:t>T</a:t>
             </a:r>
             <a:r>
@@ -7106,13 +7249,14 @@
               <a:t>ypescript and </a:t>
             </a:r>
             <a:r>
-              <a:rPr lang="" altLang="en-US"/>
+              <a:rPr lang="en-US" altLang="en-US"/>
               <a:t>J</a:t>
             </a:r>
             <a:r>
               <a:rPr lang="en-US"/>
               <a:t>ava</a:t>
             </a:r>
+            <a:endParaRPr lang="en-US"/>
           </a:p>
         </p:txBody>
       </p:sp>
@@ -7120,15 +7264,10 @@
         <p:nvGraphicFramePr>
           <p:cNvPr id="4" name="Content Placeholder 3"/>
           <p:cNvGraphicFramePr>
-            <a:graphicFrameLocks noGrp="1"/>
+            <a:graphicFrameLocks noGrp="true"/>
           </p:cNvGraphicFramePr>
           <p:nvPr>
             <p:ph idx="1"/>
-            <p:extLst>
-              <p:ext uri="{D42A27DB-BD31-4B8C-83A1-F6EECF244321}">
-                <p14:modId xmlns:p14="http://schemas.microsoft.com/office/powerpoint/2010/main" val="1335097210"/>
-              </p:ext>
-            </p:extLst>
           </p:nvPr>
         </p:nvGraphicFramePr>
         <p:xfrm>
@@ -7138,7 +7277,7 @@
         <a:graphic>
           <a:graphicData uri="http://schemas.openxmlformats.org/drawingml/2006/table">
             <a:tbl>
-              <a:tblPr firstRow="1" bandRow="1">
+              <a:tblPr firstRow="true" bandRow="true">
                 <a:tableStyleId>{5C22544A-7EE6-4342-B048-85BDC9FD1C3A}</a:tableStyleId>
               </a:tblPr>
               <a:tblGrid>
@@ -7155,9 +7294,10 @@
                         <a:buNone/>
                       </a:pPr>
                       <a:r>
-                        <a:rPr lang="" altLang="en-US" dirty="0"/>
+                        <a:rPr lang="en-US" altLang="en-US" dirty="0"/>
                         <a:t>Typescript</a:t>
                       </a:r>
+                      <a:endParaRPr lang="en-US" altLang="en-US" dirty="0"/>
                     </a:p>
                   </a:txBody>
                   <a:tcPr/>
@@ -7208,7 +7348,6 @@
                         <a:buSzTx/>
                         <a:buFontTx/>
                         <a:buNone/>
-                        <a:tabLst/>
                         <a:defRPr/>
                       </a:pPr>
                       <a:r>
@@ -7379,6 +7518,7 @@
                         <a:rPr lang="en-US" baseline="0" dirty="0" smtClean="0"/>
                         <a:t> modifier for instance variable and method:</a:t>
                       </a:r>
+                      <a:endParaRPr lang="en-US" baseline="0" dirty="0" smtClean="0"/>
                     </a:p>
                     <a:p>
                       <a:pPr marL="285750" indent="-285750">
@@ -7389,6 +7529,7 @@
                         <a:rPr lang="en-US" baseline="0" dirty="0" smtClean="0"/>
                         <a:t>Having Public, Protected, Private access modifier </a:t>
                       </a:r>
+                      <a:endParaRPr lang="en-US" baseline="0" dirty="0" smtClean="0"/>
                     </a:p>
                     <a:p>
                       <a:pPr marL="342900" indent="-342900">
@@ -7403,6 +7544,7 @@
                         <a:rPr lang="en-US" baseline="0" dirty="0" smtClean="0"/>
                         <a:t> is default</a:t>
                       </a:r>
+                      <a:endParaRPr lang="en-US" baseline="0" dirty="0" smtClean="0"/>
                     </a:p>
                     <a:p>
                       <a:pPr marL="342900" indent="-342900">
@@ -7413,6 +7555,7 @@
                         <a:rPr lang="en-US" baseline="0" dirty="0" smtClean="0"/>
                         <a:t>‘Protected’ scope is within class and any objects that inherits from it</a:t>
                       </a:r>
+                      <a:endParaRPr lang="en-US" baseline="0" dirty="0" smtClean="0"/>
                     </a:p>
                   </a:txBody>
                   <a:tcPr/>
@@ -7436,7 +7579,6 @@
                         <a:buSzTx/>
                         <a:buFontTx/>
                         <a:buNone/>
-                        <a:tabLst/>
                         <a:defRPr/>
                       </a:pPr>
                       <a:r>
@@ -7447,6 +7589,7 @@
                         <a:rPr lang="en-US" baseline="0" dirty="0" smtClean="0"/>
                         <a:t> modifier for instance variable and method:</a:t>
                       </a:r>
+                      <a:endParaRPr lang="en-US" baseline="0" dirty="0" smtClean="0"/>
                     </a:p>
                     <a:p>
                       <a:pPr marL="285750" marR="0" indent="-285750" algn="l" defTabSz="457200" rtl="0" eaLnBrk="1" fontAlgn="auto" latinLnBrk="0" hangingPunct="1">
@@ -7463,13 +7606,13 @@
                         <a:buSzTx/>
                         <a:buFont typeface="Arial" panose="020B0604020202020204" pitchFamily="34" charset="0"/>
                         <a:buChar char="•"/>
-                        <a:tabLst/>
                         <a:defRPr/>
                       </a:pPr>
                       <a:r>
                         <a:rPr lang="en-US" baseline="0" dirty="0" smtClean="0"/>
                         <a:t>Having Public, Protected ,Default , Private access modifier </a:t>
                       </a:r>
+                      <a:endParaRPr lang="en-US" baseline="0" dirty="0" smtClean="0"/>
                     </a:p>
                     <a:p>
                       <a:pPr marL="285750" indent="-285750">
@@ -7484,6 +7627,7 @@
                         <a:rPr lang="en-US" baseline="0" dirty="0" smtClean="0"/>
                         <a:t> is default</a:t>
                       </a:r>
+                      <a:endParaRPr lang="en-US" baseline="0" dirty="0" smtClean="0"/>
                     </a:p>
                     <a:p>
                       <a:pPr marL="285750" marR="0" indent="-285750" algn="l" defTabSz="457200" rtl="0" eaLnBrk="1" fontAlgn="auto" latinLnBrk="0" hangingPunct="1">
@@ -7500,13 +7644,13 @@
                         <a:buSzTx/>
                         <a:buFont typeface="Arial" panose="020B0604020202020204" pitchFamily="34" charset="0"/>
                         <a:buChar char="•"/>
-                        <a:tabLst/>
                         <a:defRPr/>
                       </a:pPr>
                       <a:r>
                         <a:rPr lang="en-US" baseline="0" dirty="0" smtClean="0"/>
                         <a:t>‘Protected’ scope is within package and any objects that inherits from it</a:t>
                       </a:r>
+                      <a:endParaRPr lang="en-US" baseline="0" dirty="0" smtClean="0"/>
                     </a:p>
                   </a:txBody>
                   <a:tcPr/>
@@ -7642,7 +7786,7 @@
         <a:solidFill>
           <a:schemeClr val="phClr"/>
         </a:solidFill>
-        <a:gradFill rotWithShape="1">
+        <a:gradFill rotWithShape="true">
           <a:gsLst>
             <a:gs pos="0">
               <a:schemeClr val="phClr">
@@ -7658,9 +7802,9 @@
               </a:schemeClr>
             </a:gs>
           </a:gsLst>
-          <a:lin ang="5400000" scaled="0"/>
+          <a:lin ang="5400000" scaled="false"/>
         </a:gradFill>
-        <a:gradFill rotWithShape="1">
+        <a:gradFill rotWithShape="true">
           <a:gsLst>
             <a:gs pos="0">
               <a:schemeClr val="phClr">
@@ -7675,7 +7819,7 @@
               </a:schemeClr>
             </a:gs>
           </a:gsLst>
-          <a:lin ang="5400000" scaled="0"/>
+          <a:lin ang="5400000" scaled="false"/>
         </a:gradFill>
       </a:fillStyleLst>
       <a:lnStyleLst>
@@ -7734,7 +7878,7 @@
         <a:solidFill>
           <a:schemeClr val="phClr"/>
         </a:solidFill>
-        <a:gradFill rotWithShape="1">
+        <a:gradFill rotWithShape="true">
           <a:gsLst>
             <a:gs pos="0">
               <a:schemeClr val="phClr">
@@ -7757,7 +7901,7 @@
             <a:fillToRect l="45000" t="65000" r="125000" b="100000"/>
           </a:path>
         </a:gradFill>
-        <a:blipFill rotWithShape="1">
+        <a:blipFill rotWithShape="true">
           <a:blip xmlns:r="http://schemas.openxmlformats.org/officeDocument/2006/relationships" r:embed="rId1">
             <a:duotone>
               <a:schemeClr val="phClr">
@@ -7781,8 +7925,6 @@
       </a:bgFillStyleLst>
     </a:fmtScheme>
   </a:themeElements>
-  <a:objectDefaults/>
-  <a:extraClrSchemeLst/>
   <a:extLst>
     <a:ext uri="{05A4C25C-085E-4340-85A3-A5531E510DB2}">
       <thm15:themeFamily xmlns:thm15="http://schemas.microsoft.com/office/thememl/2012/main" name="Office Theme" id="{62F939B6-93AF-4DB8-9C6B-D6C7DFDC589F}" vid="{4A3C46E8-61CC-4603-A589-7422A47A8E4A}"/>
@@ -7909,7 +8051,7 @@
         <a:solidFill>
           <a:schemeClr val="phClr"/>
         </a:solidFill>
-        <a:gradFill rotWithShape="1">
+        <a:gradFill rotWithShape="true">
           <a:gsLst>
             <a:gs pos="0">
               <a:schemeClr val="phClr">
@@ -7933,9 +8075,9 @@
               </a:schemeClr>
             </a:gs>
           </a:gsLst>
-          <a:lin ang="5400000" scaled="0"/>
+          <a:lin ang="5400000" scaled="false"/>
         </a:gradFill>
-        <a:gradFill rotWithShape="1">
+        <a:gradFill rotWithShape="true">
           <a:gsLst>
             <a:gs pos="0">
               <a:schemeClr val="phClr">
@@ -7959,7 +8101,7 @@
               </a:schemeClr>
             </a:gs>
           </a:gsLst>
-          <a:lin ang="5400000" scaled="0"/>
+          <a:lin ang="5400000" scaled="false"/>
         </a:gradFill>
       </a:fillStyleLst>
       <a:lnStyleLst>
@@ -8012,7 +8154,7 @@
             <a:satMod val="170000"/>
           </a:schemeClr>
         </a:solidFill>
-        <a:gradFill rotWithShape="1">
+        <a:gradFill rotWithShape="true">
           <a:gsLst>
             <a:gs pos="0">
               <a:schemeClr val="phClr">
@@ -8037,13 +8179,11 @@
               </a:schemeClr>
             </a:gs>
           </a:gsLst>
-          <a:lin ang="5400000" scaled="0"/>
+          <a:lin ang="5400000" scaled="false"/>
         </a:gradFill>
       </a:bgFillStyleLst>
     </a:fmtScheme>
   </a:themeElements>
-  <a:objectDefaults/>
-  <a:extraClrSchemeLst/>
   <a:extLst>
     <a:ext uri="{05A4C25C-085E-4340-85A3-A5531E510DB2}">
       <thm15:themeFamily xmlns:thm15="http://schemas.microsoft.com/office/thememl/2012/main" name="Office Theme" id="{62F939B6-93AF-4DB8-9C6B-D6C7DFDC589F}" vid="{4A3C46E8-61CC-4603-A589-7422A47A8E4A}"/>

--- a/Document/Study_document/inContact.pptx
+++ b/Document/Study_document/inContact.pptx
@@ -5,22 +5,28 @@
     <p:sldMasterId id="2147483648" r:id="rId1"/>
   </p:sldMasterIdLst>
   <p:notesMasterIdLst>
-    <p:notesMasterId r:id="rId16"/>
+    <p:notesMasterId r:id="rId21"/>
   </p:notesMasterIdLst>
   <p:sldIdLst>
-    <p:sldId id="256" r:id="rId3"/>
-    <p:sldId id="273" r:id="rId4"/>
-    <p:sldId id="286" r:id="rId5"/>
-    <p:sldId id="288" r:id="rId6"/>
-    <p:sldId id="274" r:id="rId7"/>
-    <p:sldId id="276" r:id="rId8"/>
-    <p:sldId id="287" r:id="rId9"/>
-    <p:sldId id="275" r:id="rId10"/>
-    <p:sldId id="283" r:id="rId11"/>
-    <p:sldId id="284" r:id="rId12"/>
-    <p:sldId id="285" r:id="rId13"/>
-    <p:sldId id="277" r:id="rId14"/>
-    <p:sldId id="271" r:id="rId15"/>
+    <p:sldId id="256" r:id="rId2"/>
+    <p:sldId id="273" r:id="rId3"/>
+    <p:sldId id="286" r:id="rId4"/>
+    <p:sldId id="288" r:id="rId5"/>
+    <p:sldId id="274" r:id="rId6"/>
+    <p:sldId id="276" r:id="rId7"/>
+    <p:sldId id="287" r:id="rId8"/>
+    <p:sldId id="275" r:id="rId9"/>
+    <p:sldId id="283" r:id="rId10"/>
+    <p:sldId id="284" r:id="rId11"/>
+    <p:sldId id="285" r:id="rId12"/>
+    <p:sldId id="277" r:id="rId13"/>
+    <p:sldId id="289" r:id="rId14"/>
+    <p:sldId id="290" r:id="rId15"/>
+    <p:sldId id="291" r:id="rId16"/>
+    <p:sldId id="292" r:id="rId17"/>
+    <p:sldId id="293" r:id="rId18"/>
+    <p:sldId id="294" r:id="rId19"/>
+    <p:sldId id="271" r:id="rId20"/>
   </p:sldIdLst>
   <p:sldSz cx="12192000" cy="6858000"/>
   <p:notesSz cx="6858000" cy="9144000"/>
@@ -119,6 +125,11 @@
       </a:defRPr>
     </a:lvl9pPr>
   </p:defaultTextStyle>
+  <p:extLst>
+    <p:ext uri="{EFAFB233-063F-42B5-8137-9DF3F51BA10A}">
+      <p15:sldGuideLst xmlns:p15="http://schemas.microsoft.com/office/powerpoint/2012/main"/>
+    </p:ext>
+  </p:extLst>
 </p:presentation>
 </file>
 
@@ -154,7 +165,7 @@
         <p:nvSpPr>
           <p:cNvPr id="2" name="Header Placeholder 1"/>
           <p:cNvSpPr>
-            <a:spLocks noGrp="true"/>
+            <a:spLocks noGrp="1"/>
           </p:cNvSpPr>
           <p:nvPr>
             <p:ph type="hdr" sz="quarter"/>
@@ -185,7 +196,7 @@
         <p:nvSpPr>
           <p:cNvPr id="3" name="Date Placeholder 2"/>
           <p:cNvSpPr>
-            <a:spLocks noGrp="true"/>
+            <a:spLocks noGrp="1"/>
           </p:cNvSpPr>
           <p:nvPr>
             <p:ph type="dt" idx="1"/>
@@ -210,6 +221,7 @@
           <a:p>
             <a:fld id="{7DBC1745-093B-4D3D-9A89-9CD99C9E4F7D}" type="datetimeFigureOut">
               <a:rPr lang="en-US" smtClean="0"/>
+              <a:t>2/22/2021</a:t>
             </a:fld>
             <a:endParaRPr lang="en-US"/>
           </a:p>
@@ -219,7 +231,7 @@
         <p:nvSpPr>
           <p:cNvPr id="4" name="Slide Image Placeholder 3"/>
           <p:cNvSpPr>
-            <a:spLocks noGrp="true" noRot="true" noChangeAspect="true"/>
+            <a:spLocks noGrp="1" noRot="1" noChangeAspect="1"/>
           </p:cNvSpPr>
           <p:nvPr>
             <p:ph type="sldImg" idx="2"/>
@@ -252,7 +264,7 @@
         <p:nvSpPr>
           <p:cNvPr id="5" name="Notes Placeholder 4"/>
           <p:cNvSpPr>
-            <a:spLocks noGrp="true"/>
+            <a:spLocks noGrp="1"/>
           </p:cNvSpPr>
           <p:nvPr>
             <p:ph type="body" sz="quarter" idx="3"/>
@@ -276,7 +288,6 @@
               <a:rPr lang="en-US" smtClean="0"/>
               <a:t>Click to edit Master text styles</a:t>
             </a:r>
-            <a:endParaRPr lang="en-US" smtClean="0"/>
           </a:p>
           <a:p>
             <a:pPr lvl="1"/>
@@ -284,7 +295,6 @@
               <a:rPr lang="en-US" smtClean="0"/>
               <a:t>Second level</a:t>
             </a:r>
-            <a:endParaRPr lang="en-US" smtClean="0"/>
           </a:p>
           <a:p>
             <a:pPr lvl="2"/>
@@ -292,7 +302,6 @@
               <a:rPr lang="en-US" smtClean="0"/>
               <a:t>Third level</a:t>
             </a:r>
-            <a:endParaRPr lang="en-US" smtClean="0"/>
           </a:p>
           <a:p>
             <a:pPr lvl="3"/>
@@ -300,7 +309,6 @@
               <a:rPr lang="en-US" smtClean="0"/>
               <a:t>Fourth level</a:t>
             </a:r>
-            <a:endParaRPr lang="en-US" smtClean="0"/>
           </a:p>
           <a:p>
             <a:pPr lvl="4"/>
@@ -316,7 +324,7 @@
         <p:nvSpPr>
           <p:cNvPr id="6" name="Footer Placeholder 5"/>
           <p:cNvSpPr>
-            <a:spLocks noGrp="true"/>
+            <a:spLocks noGrp="1"/>
           </p:cNvSpPr>
           <p:nvPr>
             <p:ph type="ftr" sz="quarter" idx="4"/>
@@ -347,7 +355,7 @@
         <p:nvSpPr>
           <p:cNvPr id="7" name="Slide Number Placeholder 6"/>
           <p:cNvSpPr>
-            <a:spLocks noGrp="true"/>
+            <a:spLocks noGrp="1"/>
           </p:cNvSpPr>
           <p:nvPr>
             <p:ph type="sldNum" sz="quarter" idx="5"/>
@@ -372,12 +380,18 @@
           <a:p>
             <a:fld id="{FC7B7C0D-1632-439B-A752-34A9003D6088}" type="slidenum">
               <a:rPr lang="en-US" smtClean="0"/>
+              <a:t>‹#›</a:t>
             </a:fld>
             <a:endParaRPr lang="en-US"/>
           </a:p>
         </p:txBody>
       </p:sp>
     </p:spTree>
+    <p:extLst>
+      <p:ext uri="{BB962C8B-B14F-4D97-AF65-F5344CB8AC3E}">
+        <p14:creationId xmlns:p14="http://schemas.microsoft.com/office/powerpoint/2010/main" val="510987992"/>
+      </p:ext>
+    </p:extLst>
   </p:cSld>
   <p:clrMap bg1="lt1" tx1="dk1" bg2="lt2" tx2="dk2" accent1="accent1" accent2="accent2" accent3="accent3" accent4="accent4" accent5="accent5" accent6="accent6" hlink="hlink" folHlink="folHlink"/>
   <p:notesStyle>
@@ -476,7 +490,7 @@
 </file>
 
 <file path=ppt/slideLayouts/slideLayout1.xml><?xml version="1.0" encoding="utf-8"?>
-<p:sldLayout xmlns:a="http://schemas.openxmlformats.org/drawingml/2006/main" xmlns:r="http://schemas.openxmlformats.org/officeDocument/2006/relationships" xmlns:p="http://schemas.openxmlformats.org/presentationml/2006/main" preserve="1" showMasterSp="0" userDrawn="1">
+<p:sldLayout xmlns:a="http://schemas.openxmlformats.org/drawingml/2006/main" xmlns:r="http://schemas.openxmlformats.org/officeDocument/2006/relationships" xmlns:p="http://schemas.openxmlformats.org/presentationml/2006/main" showMasterSp="0" preserve="1" userDrawn="1">
   <p:cSld name="Title Slide">
     <p:spTree>
       <p:nvGrpSpPr>
@@ -528,10 +542,10 @@
         <p:nvSpPr>
           <p:cNvPr id="2" name="Title 1"/>
           <p:cNvSpPr>
-            <a:spLocks noGrp="true"/>
+            <a:spLocks noGrp="1"/>
           </p:cNvSpPr>
           <p:nvPr>
-            <p:ph type="title" hasCustomPrompt="true"/>
+            <p:ph type="title" hasCustomPrompt="1"/>
           </p:nvPr>
         </p:nvSpPr>
         <p:spPr>
@@ -564,7 +578,7 @@
         <p:nvSpPr>
           <p:cNvPr id="3" name="Content Placeholder 2"/>
           <p:cNvSpPr>
-            <a:spLocks noGrp="true"/>
+            <a:spLocks noGrp="1"/>
           </p:cNvSpPr>
           <p:nvPr>
             <p:ph idx="1"/>
@@ -585,7 +599,6 @@
               <a:rPr lang="en-US" dirty="0" smtClean="0"/>
               <a:t>Click to edit Master text styles</a:t>
             </a:r>
-            <a:endParaRPr lang="en-US" dirty="0" smtClean="0"/>
           </a:p>
           <a:p>
             <a:pPr lvl="1"/>
@@ -593,7 +606,6 @@
               <a:rPr lang="en-US" dirty="0" smtClean="0"/>
               <a:t>Second level</a:t>
             </a:r>
-            <a:endParaRPr lang="en-US" dirty="0" smtClean="0"/>
           </a:p>
           <a:p>
             <a:pPr lvl="2"/>
@@ -601,7 +613,6 @@
               <a:rPr lang="en-US" dirty="0" smtClean="0"/>
               <a:t>Third level</a:t>
             </a:r>
-            <a:endParaRPr lang="en-US" dirty="0" smtClean="0"/>
           </a:p>
           <a:p>
             <a:pPr lvl="3"/>
@@ -609,7 +620,6 @@
               <a:rPr lang="en-US" dirty="0" smtClean="0"/>
               <a:t>Fourth level</a:t>
             </a:r>
-            <a:endParaRPr lang="en-US" dirty="0" smtClean="0"/>
           </a:p>
           <a:p>
             <a:pPr lvl="4"/>
@@ -625,7 +635,7 @@
         <p:nvSpPr>
           <p:cNvPr id="8" name="Rectangle 7"/>
           <p:cNvSpPr/>
-          <p:nvPr userDrawn="true"/>
+          <p:nvPr userDrawn="1"/>
         </p:nvSpPr>
         <p:spPr>
           <a:xfrm>
@@ -703,7 +713,7 @@
         <p:nvSpPr>
           <p:cNvPr id="2" name="Title 1"/>
           <p:cNvSpPr>
-            <a:spLocks noGrp="true"/>
+            <a:spLocks noGrp="1"/>
           </p:cNvSpPr>
           <p:nvPr>
             <p:ph type="title"/>
@@ -726,7 +736,7 @@
         <p:nvSpPr>
           <p:cNvPr id="3" name="Content Placeholder 2"/>
           <p:cNvSpPr>
-            <a:spLocks noGrp="true"/>
+            <a:spLocks noGrp="1"/>
           </p:cNvSpPr>
           <p:nvPr>
             <p:ph sz="half" idx="1"/>
@@ -749,7 +759,6 @@
               <a:rPr lang="en-US" smtClean="0"/>
               <a:t>Click to edit Master text styles</a:t>
             </a:r>
-            <a:endParaRPr lang="en-US" smtClean="0"/>
           </a:p>
           <a:p>
             <a:pPr lvl="1"/>
@@ -757,7 +766,6 @@
               <a:rPr lang="en-US" smtClean="0"/>
               <a:t>Second level</a:t>
             </a:r>
-            <a:endParaRPr lang="en-US" smtClean="0"/>
           </a:p>
           <a:p>
             <a:pPr lvl="2"/>
@@ -765,7 +773,6 @@
               <a:rPr lang="en-US" smtClean="0"/>
               <a:t>Third level</a:t>
             </a:r>
-            <a:endParaRPr lang="en-US" smtClean="0"/>
           </a:p>
           <a:p>
             <a:pPr lvl="3"/>
@@ -773,7 +780,6 @@
               <a:rPr lang="en-US" smtClean="0"/>
               <a:t>Fourth level</a:t>
             </a:r>
-            <a:endParaRPr lang="en-US" smtClean="0"/>
           </a:p>
           <a:p>
             <a:pPr lvl="4"/>
@@ -789,7 +795,7 @@
         <p:nvSpPr>
           <p:cNvPr id="4" name="Content Placeholder 3"/>
           <p:cNvSpPr>
-            <a:spLocks noGrp="true"/>
+            <a:spLocks noGrp="1"/>
           </p:cNvSpPr>
           <p:nvPr>
             <p:ph sz="half" idx="2"/>
@@ -812,7 +818,6 @@
               <a:rPr lang="en-US" smtClean="0"/>
               <a:t>Click to edit Master text styles</a:t>
             </a:r>
-            <a:endParaRPr lang="en-US" smtClean="0"/>
           </a:p>
           <a:p>
             <a:pPr lvl="1"/>
@@ -820,7 +825,6 @@
               <a:rPr lang="en-US" smtClean="0"/>
               <a:t>Second level</a:t>
             </a:r>
-            <a:endParaRPr lang="en-US" smtClean="0"/>
           </a:p>
           <a:p>
             <a:pPr lvl="2"/>
@@ -828,7 +832,6 @@
               <a:rPr lang="en-US" smtClean="0"/>
               <a:t>Third level</a:t>
             </a:r>
-            <a:endParaRPr lang="en-US" smtClean="0"/>
           </a:p>
           <a:p>
             <a:pPr lvl="3"/>
@@ -836,7 +839,6 @@
               <a:rPr lang="en-US" smtClean="0"/>
               <a:t>Fourth level</a:t>
             </a:r>
-            <a:endParaRPr lang="en-US" smtClean="0"/>
           </a:p>
           <a:p>
             <a:pPr lvl="4"/>
@@ -852,7 +854,7 @@
         <p:nvSpPr>
           <p:cNvPr id="5" name="Date Placeholder 4"/>
           <p:cNvSpPr>
-            <a:spLocks noGrp="true"/>
+            <a:spLocks noGrp="1"/>
           </p:cNvSpPr>
           <p:nvPr>
             <p:ph type="dt" sz="half" idx="10"/>
@@ -873,6 +875,7 @@
           <a:p>
             <a:fld id="{AF88043E-905E-4148-B009-B3CB700EBBEA}" type="datetimeFigureOut">
               <a:rPr lang="en-US" smtClean="0"/>
+              <a:t>2/22/2021</a:t>
             </a:fld>
             <a:endParaRPr lang="en-US"/>
           </a:p>
@@ -882,7 +885,7 @@
         <p:nvSpPr>
           <p:cNvPr id="7" name="Slide Number Placeholder 6"/>
           <p:cNvSpPr>
-            <a:spLocks noGrp="true"/>
+            <a:spLocks noGrp="1"/>
           </p:cNvSpPr>
           <p:nvPr>
             <p:ph type="sldNum" sz="quarter" idx="12"/>
@@ -903,6 +906,7 @@
           <a:p>
             <a:fld id="{210999C8-D5EE-40C2-AE43-FAA4980FFAE8}" type="slidenum">
               <a:rPr lang="en-US" smtClean="0"/>
+              <a:t>‹#›</a:t>
             </a:fld>
             <a:endParaRPr lang="en-US"/>
           </a:p>
@@ -944,7 +948,7 @@
         <p:nvSpPr>
           <p:cNvPr id="2" name="Title 1"/>
           <p:cNvSpPr>
-            <a:spLocks noGrp="true"/>
+            <a:spLocks noGrp="1"/>
           </p:cNvSpPr>
           <p:nvPr>
             <p:ph type="title"/>
@@ -971,7 +975,7 @@
         <p:nvSpPr>
           <p:cNvPr id="3" name="Text Placeholder 2"/>
           <p:cNvSpPr>
-            <a:spLocks noGrp="true"/>
+            <a:spLocks noGrp="1"/>
           </p:cNvSpPr>
           <p:nvPr>
             <p:ph type="body" idx="1"/>
@@ -1035,7 +1039,6 @@
               <a:rPr lang="en-US" smtClean="0"/>
               <a:t>Click to edit Master text styles</a:t>
             </a:r>
-            <a:endParaRPr lang="en-US" smtClean="0"/>
           </a:p>
         </p:txBody>
       </p:sp>
@@ -1043,7 +1046,7 @@
         <p:nvSpPr>
           <p:cNvPr id="4" name="Content Placeholder 3"/>
           <p:cNvSpPr>
-            <a:spLocks noGrp="true"/>
+            <a:spLocks noGrp="1"/>
           </p:cNvSpPr>
           <p:nvPr>
             <p:ph sz="half" idx="2"/>
@@ -1066,7 +1069,6 @@
               <a:rPr lang="en-US" smtClean="0"/>
               <a:t>Click to edit Master text styles</a:t>
             </a:r>
-            <a:endParaRPr lang="en-US" smtClean="0"/>
           </a:p>
           <a:p>
             <a:pPr lvl="1"/>
@@ -1074,7 +1076,6 @@
               <a:rPr lang="en-US" smtClean="0"/>
               <a:t>Second level</a:t>
             </a:r>
-            <a:endParaRPr lang="en-US" smtClean="0"/>
           </a:p>
           <a:p>
             <a:pPr lvl="2"/>
@@ -1082,7 +1083,6 @@
               <a:rPr lang="en-US" smtClean="0"/>
               <a:t>Third level</a:t>
             </a:r>
-            <a:endParaRPr lang="en-US" smtClean="0"/>
           </a:p>
           <a:p>
             <a:pPr lvl="3"/>
@@ -1090,7 +1090,6 @@
               <a:rPr lang="en-US" smtClean="0"/>
               <a:t>Fourth level</a:t>
             </a:r>
-            <a:endParaRPr lang="en-US" smtClean="0"/>
           </a:p>
           <a:p>
             <a:pPr lvl="4"/>
@@ -1106,7 +1105,7 @@
         <p:nvSpPr>
           <p:cNvPr id="5" name="Text Placeholder 4"/>
           <p:cNvSpPr>
-            <a:spLocks noGrp="true"/>
+            <a:spLocks noGrp="1"/>
           </p:cNvSpPr>
           <p:nvPr>
             <p:ph type="body" sz="quarter" idx="3"/>
@@ -1170,7 +1169,6 @@
               <a:rPr lang="en-US" smtClean="0"/>
               <a:t>Click to edit Master text styles</a:t>
             </a:r>
-            <a:endParaRPr lang="en-US" smtClean="0"/>
           </a:p>
         </p:txBody>
       </p:sp>
@@ -1178,7 +1176,7 @@
         <p:nvSpPr>
           <p:cNvPr id="6" name="Content Placeholder 5"/>
           <p:cNvSpPr>
-            <a:spLocks noGrp="true"/>
+            <a:spLocks noGrp="1"/>
           </p:cNvSpPr>
           <p:nvPr>
             <p:ph sz="quarter" idx="4"/>
@@ -1201,7 +1199,6 @@
               <a:rPr lang="en-US" smtClean="0"/>
               <a:t>Click to edit Master text styles</a:t>
             </a:r>
-            <a:endParaRPr lang="en-US" smtClean="0"/>
           </a:p>
           <a:p>
             <a:pPr lvl="1"/>
@@ -1209,7 +1206,6 @@
               <a:rPr lang="en-US" smtClean="0"/>
               <a:t>Second level</a:t>
             </a:r>
-            <a:endParaRPr lang="en-US" smtClean="0"/>
           </a:p>
           <a:p>
             <a:pPr lvl="2"/>
@@ -1217,7 +1213,6 @@
               <a:rPr lang="en-US" smtClean="0"/>
               <a:t>Third level</a:t>
             </a:r>
-            <a:endParaRPr lang="en-US" smtClean="0"/>
           </a:p>
           <a:p>
             <a:pPr lvl="3"/>
@@ -1225,7 +1220,6 @@
               <a:rPr lang="en-US" smtClean="0"/>
               <a:t>Fourth level</a:t>
             </a:r>
-            <a:endParaRPr lang="en-US" smtClean="0"/>
           </a:p>
           <a:p>
             <a:pPr lvl="4"/>
@@ -1241,7 +1235,7 @@
         <p:nvSpPr>
           <p:cNvPr id="7" name="Date Placeholder 6"/>
           <p:cNvSpPr>
-            <a:spLocks noGrp="true"/>
+            <a:spLocks noGrp="1"/>
           </p:cNvSpPr>
           <p:nvPr>
             <p:ph type="dt" sz="half" idx="10"/>
@@ -1262,6 +1256,7 @@
           <a:p>
             <a:fld id="{AF88043E-905E-4148-B009-B3CB700EBBEA}" type="datetimeFigureOut">
               <a:rPr lang="en-US" smtClean="0"/>
+              <a:t>2/22/2021</a:t>
             </a:fld>
             <a:endParaRPr lang="en-US"/>
           </a:p>
@@ -1271,7 +1266,7 @@
         <p:nvSpPr>
           <p:cNvPr id="8" name="Footer Placeholder 7"/>
           <p:cNvSpPr>
-            <a:spLocks noGrp="true"/>
+            <a:spLocks noGrp="1"/>
           </p:cNvSpPr>
           <p:nvPr>
             <p:ph type="ftr" sz="quarter" idx="11"/>
@@ -1298,7 +1293,7 @@
         <p:nvSpPr>
           <p:cNvPr id="9" name="Slide Number Placeholder 8"/>
           <p:cNvSpPr>
-            <a:spLocks noGrp="true"/>
+            <a:spLocks noGrp="1"/>
           </p:cNvSpPr>
           <p:nvPr>
             <p:ph type="sldNum" sz="quarter" idx="12"/>
@@ -1319,6 +1314,7 @@
           <a:p>
             <a:fld id="{210999C8-D5EE-40C2-AE43-FAA4980FFAE8}" type="slidenum">
               <a:rPr lang="en-US" smtClean="0"/>
+              <a:t>‹#›</a:t>
             </a:fld>
             <a:endParaRPr lang="en-US"/>
           </a:p>
@@ -1360,7 +1356,7 @@
         <p:nvSpPr>
           <p:cNvPr id="2" name="Title 1"/>
           <p:cNvSpPr>
-            <a:spLocks noGrp="true"/>
+            <a:spLocks noGrp="1"/>
           </p:cNvSpPr>
           <p:nvPr>
             <p:ph type="title"/>
@@ -1383,7 +1379,7 @@
         <p:nvSpPr>
           <p:cNvPr id="3" name="Date Placeholder 2"/>
           <p:cNvSpPr>
-            <a:spLocks noGrp="true"/>
+            <a:spLocks noGrp="1"/>
           </p:cNvSpPr>
           <p:nvPr>
             <p:ph type="dt" sz="half" idx="10"/>
@@ -1404,6 +1400,7 @@
           <a:p>
             <a:fld id="{AF88043E-905E-4148-B009-B3CB700EBBEA}" type="datetimeFigureOut">
               <a:rPr lang="en-US" smtClean="0"/>
+              <a:t>2/22/2021</a:t>
             </a:fld>
             <a:endParaRPr lang="en-US"/>
           </a:p>
@@ -1413,7 +1410,7 @@
         <p:nvSpPr>
           <p:cNvPr id="4" name="Footer Placeholder 3"/>
           <p:cNvSpPr>
-            <a:spLocks noGrp="true"/>
+            <a:spLocks noGrp="1"/>
           </p:cNvSpPr>
           <p:nvPr>
             <p:ph type="ftr" sz="quarter" idx="11"/>
@@ -1440,7 +1437,7 @@
         <p:nvSpPr>
           <p:cNvPr id="5" name="Slide Number Placeholder 4"/>
           <p:cNvSpPr>
-            <a:spLocks noGrp="true"/>
+            <a:spLocks noGrp="1"/>
           </p:cNvSpPr>
           <p:nvPr>
             <p:ph type="sldNum" sz="quarter" idx="12"/>
@@ -1461,6 +1458,7 @@
           <a:p>
             <a:fld id="{210999C8-D5EE-40C2-AE43-FAA4980FFAE8}" type="slidenum">
               <a:rPr lang="en-US" smtClean="0"/>
+              <a:t>‹#›</a:t>
             </a:fld>
             <a:endParaRPr lang="en-US"/>
           </a:p>
@@ -1502,7 +1500,7 @@
         <p:nvSpPr>
           <p:cNvPr id="2" name="Title 1"/>
           <p:cNvSpPr>
-            <a:spLocks noGrp="true"/>
+            <a:spLocks noGrp="1"/>
           </p:cNvSpPr>
           <p:nvPr>
             <p:ph type="title"/>
@@ -1529,7 +1527,7 @@
         <p:nvSpPr>
           <p:cNvPr id="3" name="Text Placeholder 2"/>
           <p:cNvSpPr>
-            <a:spLocks noGrp="true"/>
+            <a:spLocks noGrp="1"/>
           </p:cNvSpPr>
           <p:nvPr>
             <p:ph type="body" idx="1"/>
@@ -1593,7 +1591,6 @@
               <a:rPr lang="en-US" smtClean="0"/>
               <a:t>Click to edit Master text styles</a:t>
             </a:r>
-            <a:endParaRPr lang="en-US" smtClean="0"/>
           </a:p>
         </p:txBody>
       </p:sp>
@@ -1601,7 +1598,7 @@
         <p:nvSpPr>
           <p:cNvPr id="16" name="Text Placeholder 3"/>
           <p:cNvSpPr>
-            <a:spLocks noGrp="true"/>
+            <a:spLocks noGrp="1"/>
           </p:cNvSpPr>
           <p:nvPr>
             <p:ph type="body" sz="half" idx="15"/>
@@ -1661,7 +1658,6 @@
               <a:rPr lang="en-US" smtClean="0"/>
               <a:t>Click to edit Master text styles</a:t>
             </a:r>
-            <a:endParaRPr lang="en-US" smtClean="0"/>
           </a:p>
         </p:txBody>
       </p:sp>
@@ -1669,7 +1665,7 @@
         <p:nvSpPr>
           <p:cNvPr id="5" name="Text Placeholder 4"/>
           <p:cNvSpPr>
-            <a:spLocks noGrp="true"/>
+            <a:spLocks noGrp="1"/>
           </p:cNvSpPr>
           <p:nvPr>
             <p:ph type="body" sz="quarter" idx="3"/>
@@ -1733,7 +1729,6 @@
               <a:rPr lang="en-US" smtClean="0"/>
               <a:t>Click to edit Master text styles</a:t>
             </a:r>
-            <a:endParaRPr lang="en-US" smtClean="0"/>
           </a:p>
         </p:txBody>
       </p:sp>
@@ -1741,7 +1736,7 @@
         <p:nvSpPr>
           <p:cNvPr id="19" name="Text Placeholder 3"/>
           <p:cNvSpPr>
-            <a:spLocks noGrp="true"/>
+            <a:spLocks noGrp="1"/>
           </p:cNvSpPr>
           <p:nvPr>
             <p:ph type="body" sz="half" idx="16"/>
@@ -1801,7 +1796,6 @@
               <a:rPr lang="en-US" smtClean="0"/>
               <a:t>Click to edit Master text styles</a:t>
             </a:r>
-            <a:endParaRPr lang="en-US" smtClean="0"/>
           </a:p>
         </p:txBody>
       </p:sp>
@@ -1809,7 +1803,7 @@
         <p:nvSpPr>
           <p:cNvPr id="14" name="Text Placeholder 4"/>
           <p:cNvSpPr>
-            <a:spLocks noGrp="true"/>
+            <a:spLocks noGrp="1"/>
           </p:cNvSpPr>
           <p:nvPr>
             <p:ph type="body" sz="quarter" idx="13"/>
@@ -1873,7 +1867,6 @@
               <a:rPr lang="en-US" smtClean="0"/>
               <a:t>Click to edit Master text styles</a:t>
             </a:r>
-            <a:endParaRPr lang="en-US" smtClean="0"/>
           </a:p>
         </p:txBody>
       </p:sp>
@@ -1881,7 +1874,7 @@
         <p:nvSpPr>
           <p:cNvPr id="20" name="Text Placeholder 3"/>
           <p:cNvSpPr>
-            <a:spLocks noGrp="true"/>
+            <a:spLocks noGrp="1"/>
           </p:cNvSpPr>
           <p:nvPr>
             <p:ph type="body" sz="half" idx="17"/>
@@ -1941,7 +1934,6 @@
               <a:rPr lang="en-US" smtClean="0"/>
               <a:t>Click to edit Master text styles</a:t>
             </a:r>
-            <a:endParaRPr lang="en-US" smtClean="0"/>
           </a:p>
         </p:txBody>
       </p:sp>
@@ -2023,7 +2015,7 @@
         <p:nvSpPr>
           <p:cNvPr id="7" name="Date Placeholder 6"/>
           <p:cNvSpPr>
-            <a:spLocks noGrp="true"/>
+            <a:spLocks noGrp="1"/>
           </p:cNvSpPr>
           <p:nvPr>
             <p:ph type="dt" sz="half" idx="10"/>
@@ -2044,6 +2036,7 @@
           <a:p>
             <a:fld id="{AF88043E-905E-4148-B009-B3CB700EBBEA}" type="datetimeFigureOut">
               <a:rPr lang="en-US" smtClean="0"/>
+              <a:t>2/22/2021</a:t>
             </a:fld>
             <a:endParaRPr lang="en-US"/>
           </a:p>
@@ -2053,7 +2046,7 @@
         <p:nvSpPr>
           <p:cNvPr id="9" name="Slide Number Placeholder 8"/>
           <p:cNvSpPr>
-            <a:spLocks noGrp="true"/>
+            <a:spLocks noGrp="1"/>
           </p:cNvSpPr>
           <p:nvPr>
             <p:ph type="sldNum" sz="quarter" idx="12"/>
@@ -2074,6 +2067,7 @@
           <a:p>
             <a:fld id="{210999C8-D5EE-40C2-AE43-FAA4980FFAE8}" type="slidenum">
               <a:rPr lang="en-US" smtClean="0"/>
+              <a:t>‹#›</a:t>
             </a:fld>
             <a:endParaRPr lang="en-US"/>
           </a:p>
@@ -2115,7 +2109,7 @@
         <p:nvSpPr>
           <p:cNvPr id="2" name="Title 1"/>
           <p:cNvSpPr>
-            <a:spLocks noGrp="true"/>
+            <a:spLocks noGrp="1"/>
           </p:cNvSpPr>
           <p:nvPr>
             <p:ph type="title"/>
@@ -2142,7 +2136,7 @@
         <p:nvSpPr>
           <p:cNvPr id="3" name="Text Placeholder 2"/>
           <p:cNvSpPr>
-            <a:spLocks noGrp="true"/>
+            <a:spLocks noGrp="1"/>
           </p:cNvSpPr>
           <p:nvPr>
             <p:ph type="body" idx="1"/>
@@ -2206,7 +2200,6 @@
               <a:rPr lang="en-US" smtClean="0"/>
               <a:t>Click to edit Master text styles</a:t>
             </a:r>
-            <a:endParaRPr lang="en-US" smtClean="0"/>
           </a:p>
         </p:txBody>
       </p:sp>
@@ -2214,7 +2207,7 @@
         <p:nvSpPr>
           <p:cNvPr id="29" name="Picture Placeholder 2"/>
           <p:cNvSpPr>
-            <a:spLocks noGrp="true" noChangeAspect="true"/>
+            <a:spLocks noGrp="1" noChangeAspect="1"/>
           </p:cNvSpPr>
           <p:nvPr>
             <p:ph type="pic" idx="15"/>
@@ -2293,7 +2286,7 @@
         <p:nvSpPr>
           <p:cNvPr id="22" name="Text Placeholder 3"/>
           <p:cNvSpPr>
-            <a:spLocks noGrp="true"/>
+            <a:spLocks noGrp="1"/>
           </p:cNvSpPr>
           <p:nvPr>
             <p:ph type="body" sz="half" idx="18"/>
@@ -2353,7 +2346,6 @@
               <a:rPr lang="en-US" smtClean="0"/>
               <a:t>Click to edit Master text styles</a:t>
             </a:r>
-            <a:endParaRPr lang="en-US" smtClean="0"/>
           </a:p>
         </p:txBody>
       </p:sp>
@@ -2361,7 +2353,7 @@
         <p:nvSpPr>
           <p:cNvPr id="5" name="Text Placeholder 4"/>
           <p:cNvSpPr>
-            <a:spLocks noGrp="true"/>
+            <a:spLocks noGrp="1"/>
           </p:cNvSpPr>
           <p:nvPr>
             <p:ph type="body" sz="quarter" idx="3"/>
@@ -2425,7 +2417,6 @@
               <a:rPr lang="en-US" smtClean="0"/>
               <a:t>Click to edit Master text styles</a:t>
             </a:r>
-            <a:endParaRPr lang="en-US" smtClean="0"/>
           </a:p>
         </p:txBody>
       </p:sp>
@@ -2433,7 +2424,7 @@
         <p:nvSpPr>
           <p:cNvPr id="30" name="Picture Placeholder 2"/>
           <p:cNvSpPr>
-            <a:spLocks noGrp="true" noChangeAspect="true"/>
+            <a:spLocks noGrp="1" noChangeAspect="1"/>
           </p:cNvSpPr>
           <p:nvPr>
             <p:ph type="pic" idx="21"/>
@@ -2512,7 +2503,7 @@
         <p:nvSpPr>
           <p:cNvPr id="23" name="Text Placeholder 3"/>
           <p:cNvSpPr>
-            <a:spLocks noGrp="true"/>
+            <a:spLocks noGrp="1"/>
           </p:cNvSpPr>
           <p:nvPr>
             <p:ph type="body" sz="half" idx="19"/>
@@ -2572,7 +2563,6 @@
               <a:rPr lang="en-US" smtClean="0"/>
               <a:t>Click to edit Master text styles</a:t>
             </a:r>
-            <a:endParaRPr lang="en-US" smtClean="0"/>
           </a:p>
         </p:txBody>
       </p:sp>
@@ -2580,7 +2570,7 @@
         <p:nvSpPr>
           <p:cNvPr id="14" name="Text Placeholder 4"/>
           <p:cNvSpPr>
-            <a:spLocks noGrp="true"/>
+            <a:spLocks noGrp="1"/>
           </p:cNvSpPr>
           <p:nvPr>
             <p:ph type="body" sz="quarter" idx="13"/>
@@ -2644,7 +2634,6 @@
               <a:rPr lang="en-US" smtClean="0"/>
               <a:t>Click to edit Master text styles</a:t>
             </a:r>
-            <a:endParaRPr lang="en-US" smtClean="0"/>
           </a:p>
         </p:txBody>
       </p:sp>
@@ -2652,7 +2641,7 @@
         <p:nvSpPr>
           <p:cNvPr id="31" name="Picture Placeholder 2"/>
           <p:cNvSpPr>
-            <a:spLocks noGrp="true" noChangeAspect="true"/>
+            <a:spLocks noGrp="1" noChangeAspect="1"/>
           </p:cNvSpPr>
           <p:nvPr>
             <p:ph type="pic" idx="22"/>
@@ -2731,7 +2720,7 @@
         <p:nvSpPr>
           <p:cNvPr id="24" name="Text Placeholder 3"/>
           <p:cNvSpPr>
-            <a:spLocks noGrp="true"/>
+            <a:spLocks noGrp="1"/>
           </p:cNvSpPr>
           <p:nvPr>
             <p:ph type="body" sz="half" idx="20"/>
@@ -2791,7 +2780,6 @@
               <a:rPr lang="en-US" smtClean="0"/>
               <a:t>Click to edit Master text styles</a:t>
             </a:r>
-            <a:endParaRPr lang="en-US" smtClean="0"/>
           </a:p>
         </p:txBody>
       </p:sp>
@@ -2873,7 +2861,7 @@
         <p:nvSpPr>
           <p:cNvPr id="7" name="Date Placeholder 6"/>
           <p:cNvSpPr>
-            <a:spLocks noGrp="true"/>
+            <a:spLocks noGrp="1"/>
           </p:cNvSpPr>
           <p:nvPr>
             <p:ph type="dt" sz="half" idx="10"/>
@@ -2894,6 +2882,7 @@
           <a:p>
             <a:fld id="{AF88043E-905E-4148-B009-B3CB700EBBEA}" type="datetimeFigureOut">
               <a:rPr lang="en-US" smtClean="0"/>
+              <a:t>2/22/2021</a:t>
             </a:fld>
             <a:endParaRPr lang="en-US"/>
           </a:p>
@@ -2903,7 +2892,7 @@
         <p:nvSpPr>
           <p:cNvPr id="9" name="Slide Number Placeholder 8"/>
           <p:cNvSpPr>
-            <a:spLocks noGrp="true"/>
+            <a:spLocks noGrp="1"/>
           </p:cNvSpPr>
           <p:nvPr>
             <p:ph type="sldNum" sz="quarter" idx="12"/>
@@ -2924,6 +2913,7 @@
           <a:p>
             <a:fld id="{210999C8-D5EE-40C2-AE43-FAA4980FFAE8}" type="slidenum">
               <a:rPr lang="en-US" smtClean="0"/>
+              <a:t>‹#›</a:t>
             </a:fld>
             <a:endParaRPr lang="en-US"/>
           </a:p>
@@ -2965,7 +2955,7 @@
         <p:nvSpPr>
           <p:cNvPr id="2" name="Title 1"/>
           <p:cNvSpPr>
-            <a:spLocks noGrp="true"/>
+            <a:spLocks noGrp="1"/>
           </p:cNvSpPr>
           <p:nvPr>
             <p:ph type="title"/>
@@ -2993,7 +2983,7 @@
         <p:nvSpPr>
           <p:cNvPr id="3" name="Vertical Text Placeholder 2"/>
           <p:cNvSpPr>
-            <a:spLocks noGrp="true"/>
+            <a:spLocks noGrp="1"/>
           </p:cNvSpPr>
           <p:nvPr>
             <p:ph type="body" orient="vert" idx="1"/>
@@ -3001,7 +2991,7 @@
         </p:nvSpPr>
         <p:spPr/>
         <p:txBody>
-          <a:bodyPr vert="eaVert" anchor="t" anchorCtr="false"/>
+          <a:bodyPr vert="eaVert" anchor="t" anchorCtr="0"/>
           <a:lstStyle/>
           <a:p>
             <a:pPr lvl="0"/>
@@ -3009,7 +2999,6 @@
               <a:rPr lang="en-US" smtClean="0"/>
               <a:t>Click to edit Master text styles</a:t>
             </a:r>
-            <a:endParaRPr lang="en-US" smtClean="0"/>
           </a:p>
           <a:p>
             <a:pPr lvl="1"/>
@@ -3017,7 +3006,6 @@
               <a:rPr lang="en-US" smtClean="0"/>
               <a:t>Second level</a:t>
             </a:r>
-            <a:endParaRPr lang="en-US" smtClean="0"/>
           </a:p>
           <a:p>
             <a:pPr lvl="2"/>
@@ -3025,7 +3013,6 @@
               <a:rPr lang="en-US" smtClean="0"/>
               <a:t>Third level</a:t>
             </a:r>
-            <a:endParaRPr lang="en-US" smtClean="0"/>
           </a:p>
           <a:p>
             <a:pPr lvl="3"/>
@@ -3033,7 +3020,6 @@
               <a:rPr lang="en-US" smtClean="0"/>
               <a:t>Fourth level</a:t>
             </a:r>
-            <a:endParaRPr lang="en-US" smtClean="0"/>
           </a:p>
           <a:p>
             <a:pPr lvl="4"/>
@@ -3049,7 +3035,7 @@
         <p:nvSpPr>
           <p:cNvPr id="4" name="Date Placeholder 3"/>
           <p:cNvSpPr>
-            <a:spLocks noGrp="true"/>
+            <a:spLocks noGrp="1"/>
           </p:cNvSpPr>
           <p:nvPr>
             <p:ph type="dt" sz="half" idx="10"/>
@@ -3070,6 +3056,7 @@
           <a:p>
             <a:fld id="{AF88043E-905E-4148-B009-B3CB700EBBEA}" type="datetimeFigureOut">
               <a:rPr lang="en-US" smtClean="0"/>
+              <a:t>2/22/2021</a:t>
             </a:fld>
             <a:endParaRPr lang="en-US"/>
           </a:p>
@@ -3079,7 +3066,7 @@
         <p:nvSpPr>
           <p:cNvPr id="6" name="Slide Number Placeholder 5"/>
           <p:cNvSpPr>
-            <a:spLocks noGrp="true"/>
+            <a:spLocks noGrp="1"/>
           </p:cNvSpPr>
           <p:nvPr>
             <p:ph type="sldNum" sz="quarter" idx="12"/>
@@ -3100,6 +3087,7 @@
           <a:p>
             <a:fld id="{210999C8-D5EE-40C2-AE43-FAA4980FFAE8}" type="slidenum">
               <a:rPr lang="en-US" smtClean="0"/>
+              <a:t>‹#›</a:t>
             </a:fld>
             <a:endParaRPr lang="en-US"/>
           </a:p>
@@ -3146,7 +3134,7 @@
         <p:nvSpPr>
           <p:cNvPr id="2" name="Title Placeholder 1"/>
           <p:cNvSpPr>
-            <a:spLocks noGrp="true"/>
+            <a:spLocks noGrp="1"/>
           </p:cNvSpPr>
           <p:nvPr>
             <p:ph type="title"/>
@@ -3179,7 +3167,7 @@
         <p:nvSpPr>
           <p:cNvPr id="3" name="Text Placeholder 2"/>
           <p:cNvSpPr>
-            <a:spLocks noGrp="true"/>
+            <a:spLocks noGrp="1"/>
           </p:cNvSpPr>
           <p:nvPr>
             <p:ph type="body" idx="1"/>
@@ -3205,7 +3193,6 @@
               <a:rPr lang="en-US" smtClean="0"/>
               <a:t>Click to edit Master text styles</a:t>
             </a:r>
-            <a:endParaRPr lang="en-US" smtClean="0"/>
           </a:p>
           <a:p>
             <a:pPr lvl="1"/>
@@ -3213,7 +3200,6 @@
               <a:rPr lang="en-US" smtClean="0"/>
               <a:t>Second level</a:t>
             </a:r>
-            <a:endParaRPr lang="en-US" smtClean="0"/>
           </a:p>
           <a:p>
             <a:pPr lvl="2"/>
@@ -3221,7 +3207,6 @@
               <a:rPr lang="en-US" smtClean="0"/>
               <a:t>Third level</a:t>
             </a:r>
-            <a:endParaRPr lang="en-US" smtClean="0"/>
           </a:p>
           <a:p>
             <a:pPr lvl="3"/>
@@ -3229,7 +3214,6 @@
               <a:rPr lang="en-US" smtClean="0"/>
               <a:t>Fourth level</a:t>
             </a:r>
-            <a:endParaRPr lang="en-US" smtClean="0"/>
           </a:p>
           <a:p>
             <a:pPr lvl="4"/>
@@ -3244,8 +3228,8 @@
       <p:sp>
         <p:nvSpPr>
           <p:cNvPr id="30" name="TextBox 29"/>
-          <p:cNvSpPr txBox="true"/>
-          <p:nvPr userDrawn="true"/>
+          <p:cNvSpPr txBox="1"/>
+          <p:nvPr userDrawn="1"/>
         </p:nvSpPr>
         <p:spPr>
           <a:xfrm>
@@ -3286,15 +3270,15 @@
         <p:nvPicPr>
           <p:cNvPr id="22" name="Picture 21"/>
           <p:cNvPicPr>
-            <a:picLocks noChangeAspect="true"/>
+            <a:picLocks noChangeAspect="1"/>
           </p:cNvPicPr>
-          <p:nvPr userDrawn="true"/>
+          <p:nvPr userDrawn="1"/>
         </p:nvPicPr>
-        <p:blipFill rotWithShape="true">
-          <a:blip r:embed="rId9" cstate="print">
+        <p:blipFill rotWithShape="1">
+          <a:blip r:embed="rId10" cstate="print">
             <a:extLst>
               <a:ext uri="{28A0092B-C50C-407E-A947-70E740481C1C}">
-                <a14:useLocalDpi xmlns:a14="http://schemas.microsoft.com/office/drawing/2010/main" val="false"/>
+                <a14:useLocalDpi xmlns:a14="http://schemas.microsoft.com/office/drawing/2010/main" val="0"/>
               </a:ext>
             </a:extLst>
           </a:blip>
@@ -3316,8 +3300,8 @@
       <p:sp>
         <p:nvSpPr>
           <p:cNvPr id="29" name="TextBox 28"/>
-          <p:cNvSpPr txBox="true"/>
-          <p:nvPr userDrawn="true"/>
+          <p:cNvSpPr txBox="1"/>
+          <p:nvPr userDrawn="1"/>
         </p:nvSpPr>
         <p:spPr>
           <a:xfrm>
@@ -3895,12 +3879,12 @@
         <p:nvPicPr>
           <p:cNvPr id="3" name="Picture 2"/>
           <p:cNvPicPr>
-            <a:picLocks noChangeAspect="true"/>
+            <a:picLocks noChangeAspect="1"/>
           </p:cNvPicPr>
           <p:nvPr/>
         </p:nvPicPr>
         <p:blipFill>
-          <a:blip r:embed="rId1"/>
+          <a:blip r:embed="rId2"/>
           <a:stretch>
             <a:fillRect/>
           </a:stretch>
@@ -3919,12 +3903,12 @@
         <p:nvPicPr>
           <p:cNvPr id="12" name="Picture 11"/>
           <p:cNvPicPr>
-            <a:picLocks noChangeAspect="true"/>
+            <a:picLocks noChangeAspect="1"/>
           </p:cNvPicPr>
           <p:nvPr/>
         </p:nvPicPr>
         <p:blipFill>
-          <a:blip r:embed="rId2"/>
+          <a:blip r:embed="rId3"/>
           <a:stretch>
             <a:fillRect/>
           </a:stretch>
@@ -3943,12 +3927,12 @@
         <p:nvPicPr>
           <p:cNvPr id="7" name="Picture 6"/>
           <p:cNvPicPr>
-            <a:picLocks noChangeAspect="true"/>
+            <a:picLocks noChangeAspect="1"/>
           </p:cNvPicPr>
           <p:nvPr/>
         </p:nvPicPr>
         <p:blipFill>
-          <a:blip r:embed="rId3"/>
+          <a:blip r:embed="rId4"/>
           <a:stretch>
             <a:fillRect/>
           </a:stretch>
@@ -3967,12 +3951,12 @@
         <p:nvPicPr>
           <p:cNvPr id="9" name="Picture 8"/>
           <p:cNvPicPr>
-            <a:picLocks noChangeAspect="true"/>
+            <a:picLocks noChangeAspect="1"/>
           </p:cNvPicPr>
           <p:nvPr/>
         </p:nvPicPr>
         <p:blipFill>
-          <a:blip r:embed="rId4"/>
+          <a:blip r:embed="rId5"/>
           <a:stretch>
             <a:fillRect/>
           </a:stretch>
@@ -4036,7 +4020,7 @@
       <p:sp>
         <p:nvSpPr>
           <p:cNvPr id="8" name="TextBox 7"/>
-          <p:cNvSpPr txBox="true"/>
+          <p:cNvSpPr txBox="1"/>
           <p:nvPr/>
         </p:nvSpPr>
         <p:spPr>
@@ -4174,15 +4158,15 @@
         <p:nvPicPr>
           <p:cNvPr id="2" name="Picture 1"/>
           <p:cNvPicPr>
-            <a:picLocks noChangeAspect="true"/>
+            <a:picLocks noChangeAspect="1"/>
           </p:cNvPicPr>
           <p:nvPr/>
         </p:nvPicPr>
         <p:blipFill>
-          <a:blip r:embed="rId5" cstate="print">
+          <a:blip r:embed="rId6" cstate="print">
             <a:extLst>
               <a:ext uri="{28A0092B-C50C-407E-A947-70E740481C1C}">
-                <a14:useLocalDpi xmlns:a14="http://schemas.microsoft.com/office/drawing/2010/main" val="false"/>
+                <a14:useLocalDpi xmlns:a14="http://schemas.microsoft.com/office/drawing/2010/main" val="0"/>
               </a:ext>
             </a:extLst>
           </a:blip>
@@ -4204,12 +4188,12 @@
         <p:nvPicPr>
           <p:cNvPr id="14" name="Picture 13"/>
           <p:cNvPicPr>
-            <a:picLocks noChangeAspect="true"/>
+            <a:picLocks noChangeAspect="1"/>
           </p:cNvPicPr>
           <p:nvPr/>
         </p:nvPicPr>
         <p:blipFill>
-          <a:blip r:embed="rId4"/>
+          <a:blip r:embed="rId5"/>
           <a:stretch>
             <a:fillRect/>
           </a:stretch>
@@ -4228,12 +4212,12 @@
         <p:nvPicPr>
           <p:cNvPr id="17" name="Picture 16"/>
           <p:cNvPicPr>
-            <a:picLocks noChangeAspect="true"/>
+            <a:picLocks noChangeAspect="1"/>
           </p:cNvPicPr>
           <p:nvPr/>
         </p:nvPicPr>
         <p:blipFill>
-          <a:blip r:embed="rId2"/>
+          <a:blip r:embed="rId3"/>
           <a:stretch>
             <a:fillRect/>
           </a:stretch>
@@ -4252,12 +4236,12 @@
         <p:nvPicPr>
           <p:cNvPr id="19" name="Picture 18"/>
           <p:cNvPicPr>
-            <a:picLocks noChangeAspect="true"/>
+            <a:picLocks noChangeAspect="1"/>
           </p:cNvPicPr>
           <p:nvPr/>
         </p:nvPicPr>
         <p:blipFill>
-          <a:blip r:embed="rId6"/>
+          <a:blip r:embed="rId7"/>
           <a:stretch>
             <a:fillRect/>
           </a:stretch>
@@ -4276,12 +4260,12 @@
         <p:nvPicPr>
           <p:cNvPr id="21" name="Picture 20"/>
           <p:cNvPicPr>
-            <a:picLocks noChangeAspect="true"/>
+            <a:picLocks noChangeAspect="1"/>
           </p:cNvPicPr>
           <p:nvPr/>
         </p:nvPicPr>
         <p:blipFill>
-          <a:blip r:embed="rId7">
+          <a:blip r:embed="rId8">
             <a:lum bright="20000" contrast="-20000"/>
           </a:blip>
           <a:stretch>
@@ -4302,12 +4286,12 @@
         <p:nvPicPr>
           <p:cNvPr id="22" name="Picture 21"/>
           <p:cNvPicPr>
-            <a:picLocks noChangeAspect="true"/>
+            <a:picLocks noChangeAspect="1"/>
           </p:cNvPicPr>
           <p:nvPr/>
         </p:nvPicPr>
         <p:blipFill>
-          <a:blip r:embed="rId7">
+          <a:blip r:embed="rId8">
             <a:lum bright="20000" contrast="-20000"/>
           </a:blip>
           <a:stretch>
@@ -4327,7 +4311,7 @@
       <p:sp>
         <p:nvSpPr>
           <p:cNvPr id="4" name="TextBox 3"/>
-          <p:cNvSpPr txBox="true"/>
+          <p:cNvSpPr txBox="1"/>
           <p:nvPr/>
         </p:nvSpPr>
         <p:spPr>
@@ -4381,7 +4365,7 @@
       <p:sp>
         <p:nvSpPr>
           <p:cNvPr id="5" name="TextBox 4"/>
-          <p:cNvSpPr txBox="true"/>
+          <p:cNvSpPr txBox="1"/>
           <p:nvPr/>
         </p:nvSpPr>
         <p:spPr>
@@ -4421,7 +4405,7 @@
       <p:sp>
         <p:nvSpPr>
           <p:cNvPr id="20" name="TextBox 19"/>
-          <p:cNvSpPr txBox="true"/>
+          <p:cNvSpPr txBox="1"/>
           <p:nvPr/>
         </p:nvSpPr>
         <p:spPr>
@@ -4451,14 +4435,6 @@
               </a:rPr>
               <a:t>Tuan Dao</a:t>
             </a:r>
-            <a:endParaRPr lang="en-US" sz="2000" smtClean="0">
-              <a:solidFill>
-                <a:schemeClr val="accent2">
-                  <a:lumMod val="75000"/>
-                </a:schemeClr>
-              </a:solidFill>
-              <a:latin typeface="Century Gothic (Body)"/>
-            </a:endParaRPr>
           </a:p>
         </p:txBody>
       </p:sp>
@@ -4498,7 +4474,7 @@
         <p:nvSpPr>
           <p:cNvPr id="2" name="Title 1"/>
           <p:cNvSpPr>
-            <a:spLocks noGrp="true"/>
+            <a:spLocks noGrp="1"/>
           </p:cNvSpPr>
           <p:nvPr>
             <p:ph type="title"/>
@@ -4529,7 +4505,6 @@
               <a:rPr lang="en-US"/>
               <a:t>ava</a:t>
             </a:r>
-            <a:endParaRPr lang="en-US"/>
           </a:p>
         </p:txBody>
       </p:sp>
@@ -4537,7 +4512,7 @@
         <p:nvGraphicFramePr>
           <p:cNvPr id="4" name="Content Placeholder 3"/>
           <p:cNvGraphicFramePr>
-            <a:graphicFrameLocks noGrp="true"/>
+            <a:graphicFrameLocks noGrp="1"/>
           </p:cNvGraphicFramePr>
           <p:nvPr>
             <p:ph idx="1"/>
@@ -4550,7 +4525,7 @@
         <a:graphic>
           <a:graphicData uri="http://schemas.openxmlformats.org/drawingml/2006/table">
             <a:tbl>
-              <a:tblPr firstRow="true" bandRow="true">
+              <a:tblPr firstRow="1" bandRow="1">
                 <a:tableStyleId>{5C22544A-7EE6-4342-B048-85BDC9FD1C3A}</a:tableStyleId>
               </a:tblPr>
               <a:tblGrid>
@@ -4570,7 +4545,6 @@
                         <a:rPr lang="en-US" altLang="en-US" dirty="0"/>
                         <a:t>Typescript</a:t>
                       </a:r>
-                      <a:endParaRPr lang="en-US" altLang="en-US" dirty="0"/>
                     </a:p>
                   </a:txBody>
                   <a:tcPr/>
@@ -4656,14 +4630,6 @@
                         </a:rPr>
                         <a:t>:</a:t>
                       </a:r>
-                      <a:endParaRPr lang="en-US" sz="1800" kern="1200" dirty="0" smtClean="0">
-                        <a:solidFill>
-                          <a:schemeClr val="dk1"/>
-                        </a:solidFill>
-                        <a:latin typeface="+mn-lt"/>
-                        <a:ea typeface="+mn-ea"/>
-                        <a:cs typeface="+mn-cs"/>
-                      </a:endParaRPr>
                     </a:p>
                     <a:p>
                       <a:pPr marL="285750" marR="0" indent="-285750" algn="l" defTabSz="457200" rtl="0" eaLnBrk="1" fontAlgn="auto" latinLnBrk="0" hangingPunct="1">
@@ -4704,14 +4670,6 @@
                         </a:rPr>
                         <a:t> type of variable and method following ‘:’ symbol </a:t>
                       </a:r>
-                      <a:endParaRPr lang="en-US" sz="1800" kern="1200" baseline="0" dirty="0" smtClean="0">
-                        <a:solidFill>
-                          <a:schemeClr val="dk1"/>
-                        </a:solidFill>
-                        <a:latin typeface="+mn-lt"/>
-                        <a:ea typeface="+mn-ea"/>
-                        <a:cs typeface="+mn-cs"/>
-                      </a:endParaRPr>
                     </a:p>
                     <a:p>
                       <a:pPr marL="285750" marR="0" indent="-285750" algn="l" defTabSz="457200" rtl="0" eaLnBrk="1" fontAlgn="auto" latinLnBrk="0" hangingPunct="1">
@@ -4741,14 +4699,6 @@
                         </a:rPr>
                         <a:t>Don’t have to declare type</a:t>
                       </a:r>
-                      <a:endParaRPr lang="en-US" sz="1800" kern="1200" baseline="0" dirty="0" smtClean="0">
-                        <a:solidFill>
-                          <a:schemeClr val="dk1"/>
-                        </a:solidFill>
-                        <a:latin typeface="+mn-lt"/>
-                        <a:ea typeface="+mn-ea"/>
-                        <a:cs typeface="+mn-cs"/>
-                      </a:endParaRPr>
                     </a:p>
                     <a:p>
                       <a:pPr marL="285750" marR="0" indent="-285750" algn="l" defTabSz="457200" rtl="0" eaLnBrk="1" fontAlgn="auto" latinLnBrk="0" hangingPunct="1">
@@ -4822,14 +4772,6 @@
                         </a:rPr>
                         <a:t>’ to declare variable</a:t>
                       </a:r>
-                      <a:endParaRPr lang="en-US" sz="1800" kern="1200" baseline="0" dirty="0" smtClean="0">
-                        <a:solidFill>
-                          <a:schemeClr val="dk1"/>
-                        </a:solidFill>
-                        <a:latin typeface="+mn-lt"/>
-                        <a:ea typeface="+mn-ea"/>
-                        <a:cs typeface="+mn-cs"/>
-                      </a:endParaRPr>
                     </a:p>
                     <a:p>
                       <a:pPr marL="285750" marR="0" indent="-285750" algn="l" defTabSz="457200" rtl="0" eaLnBrk="1" fontAlgn="auto" latinLnBrk="0" hangingPunct="1">
@@ -4925,14 +4867,6 @@
                         </a:rPr>
                         <a:t>:</a:t>
                       </a:r>
-                      <a:endParaRPr lang="en-US" sz="1800" kern="1200" dirty="0" smtClean="0">
-                        <a:solidFill>
-                          <a:schemeClr val="dk1"/>
-                        </a:solidFill>
-                        <a:latin typeface="+mn-lt"/>
-                        <a:ea typeface="+mn-ea"/>
-                        <a:cs typeface="+mn-cs"/>
-                      </a:endParaRPr>
                     </a:p>
                     <a:p>
                       <a:pPr marL="285750" indent="-285750">
@@ -4961,14 +4895,6 @@
                         </a:rPr>
                         <a:t> type preceding variable and method </a:t>
                       </a:r>
-                      <a:endParaRPr lang="en-US" sz="1800" kern="1200" baseline="0" dirty="0" smtClean="0">
-                        <a:solidFill>
-                          <a:schemeClr val="dk1"/>
-                        </a:solidFill>
-                        <a:latin typeface="+mn-lt"/>
-                        <a:ea typeface="+mn-ea"/>
-                        <a:cs typeface="+mn-cs"/>
-                      </a:endParaRPr>
                     </a:p>
                     <a:p>
                       <a:pPr marL="285750" indent="-285750">
@@ -4986,14 +4912,6 @@
                         </a:rPr>
                         <a:t>Have to declare type</a:t>
                       </a:r>
-                      <a:endParaRPr lang="en-US" sz="1800" kern="1200" baseline="0" dirty="0" smtClean="0">
-                        <a:solidFill>
-                          <a:schemeClr val="dk1"/>
-                        </a:solidFill>
-                        <a:latin typeface="+mn-lt"/>
-                        <a:ea typeface="+mn-ea"/>
-                        <a:cs typeface="+mn-cs"/>
-                      </a:endParaRPr>
                     </a:p>
                     <a:p>
                       <a:pPr marL="285750" indent="-285750">
@@ -5206,6 +5124,13 @@
   <p:clrMapOvr>
     <a:masterClrMapping/>
   </p:clrMapOvr>
+  <p:timing>
+    <p:tnLst>
+      <p:par>
+        <p:cTn id="1" dur="indefinite" restart="never" nodeType="tmRoot"/>
+      </p:par>
+    </p:tnLst>
+  </p:timing>
 </p:sld>
 </file>
 
@@ -5230,7 +5155,7 @@
         <p:nvSpPr>
           <p:cNvPr id="2" name="Title 1"/>
           <p:cNvSpPr>
-            <a:spLocks noGrp="true"/>
+            <a:spLocks noGrp="1"/>
           </p:cNvSpPr>
           <p:nvPr>
             <p:ph type="title"/>
@@ -5253,7 +5178,7 @@
         <p:nvSpPr>
           <p:cNvPr id="3" name="Content Placeholder 2"/>
           <p:cNvSpPr>
-            <a:spLocks noGrp="true"/>
+            <a:spLocks noGrp="1"/>
           </p:cNvSpPr>
           <p:nvPr>
             <p:ph idx="1"/>
@@ -5268,7 +5193,6 @@
               <a:rPr lang="" altLang="en-US" dirty="0"/>
               <a:t>We have dashboard is a parent class , and we want a method return instance of child class without import so that we need a child class have a method return it’s instance, and parent use require instead of import to call child class</a:t>
             </a:r>
-            <a:endParaRPr lang="" altLang="en-US" dirty="0"/>
           </a:p>
           <a:p>
             <a:endParaRPr lang="" altLang="en-US" dirty="0"/>
@@ -5279,19 +5203,19 @@
         <p:nvPicPr>
           <p:cNvPr id="4" name="Picture 3"/>
           <p:cNvPicPr>
-            <a:picLocks noChangeAspect="true"/>
+            <a:picLocks noChangeAspect="1"/>
           </p:cNvPicPr>
           <p:nvPr/>
         </p:nvPicPr>
         <p:blipFill>
-          <a:blip r:embed="rId1"/>
+          <a:blip r:embed="rId2"/>
           <a:stretch>
             <a:fillRect/>
           </a:stretch>
         </p:blipFill>
         <p:spPr>
           <a:xfrm>
-            <a:off x="5950585" y="2527300"/>
+            <a:off x="5950585" y="2694725"/>
             <a:ext cx="4705350" cy="1533525"/>
           </a:xfrm>
           <a:prstGeom prst="rect">
@@ -5303,19 +5227,19 @@
         <p:nvPicPr>
           <p:cNvPr id="5" name="Picture 4"/>
           <p:cNvPicPr>
-            <a:picLocks noChangeAspect="true"/>
+            <a:picLocks noChangeAspect="1"/>
           </p:cNvPicPr>
           <p:nvPr/>
         </p:nvPicPr>
         <p:blipFill>
-          <a:blip r:embed="rId2"/>
+          <a:blip r:embed="rId3"/>
           <a:stretch>
             <a:fillRect/>
           </a:stretch>
         </p:blipFill>
         <p:spPr>
           <a:xfrm>
-            <a:off x="1339850" y="2527300"/>
+            <a:off x="1339850" y="2694725"/>
             <a:ext cx="4248150" cy="1514475"/>
           </a:xfrm>
           <a:prstGeom prst="rect">
@@ -5328,6 +5252,13 @@
   <p:clrMapOvr>
     <a:masterClrMapping/>
   </p:clrMapOvr>
+  <p:timing>
+    <p:tnLst>
+      <p:par>
+        <p:cTn id="1" dur="indefinite" restart="never" nodeType="tmRoot"/>
+      </p:par>
+    </p:tnLst>
+  </p:timing>
 </p:sld>
 </file>
 
@@ -5352,7 +5283,7 @@
         <p:nvSpPr>
           <p:cNvPr id="2" name="Title 1"/>
           <p:cNvSpPr>
-            <a:spLocks noGrp="true"/>
+            <a:spLocks noGrp="1"/>
           </p:cNvSpPr>
           <p:nvPr>
             <p:ph type="title"/>
@@ -5364,14 +5295,10 @@
           <a:lstStyle/>
           <a:p>
             <a:r>
-              <a:rPr lang="en-US" smtClean="0"/>
-              <a:t>Typescript </a:t>
-            </a:r>
-            <a:r>
-              <a:rPr lang="en-US"/>
-              <a:t>Reference</a:t>
-            </a:r>
-            <a:endParaRPr lang="en-US"/>
+              <a:rPr lang="en-US" dirty="0" smtClean="0"/>
+              <a:t>Typescript Reference</a:t>
+            </a:r>
+            <a:endParaRPr lang="en-US" dirty="0"/>
           </a:p>
         </p:txBody>
       </p:sp>
@@ -5379,7 +5306,7 @@
         <p:nvSpPr>
           <p:cNvPr id="3" name="Content Placeholder 2"/>
           <p:cNvSpPr>
-            <a:spLocks noGrp="true"/>
+            <a:spLocks noGrp="1"/>
           </p:cNvSpPr>
           <p:nvPr>
             <p:ph idx="1"/>
@@ -5390,58 +5317,74 @@
           <a:bodyPr/>
           <a:lstStyle/>
           <a:p>
-            <a:r>
-              <a:rPr lang="en-US">
-                <a:hlinkClick r:id="rId1"/>
+            <a:pPr>
+              <a:buFont typeface="Wingdings" panose="05000000000000000000" pitchFamily="2" charset="2"/>
+              <a:buChar char="Ø"/>
+            </a:pPr>
+            <a:r>
+              <a:rPr lang="en-US" dirty="0">
+                <a:hlinkClick r:id="rId2"/>
               </a:rPr>
               <a:t>https://www.typescriptlang.org/docs/handbook/typescript-from-scratch.html</a:t>
             </a:r>
-            <a:endParaRPr lang="en-US"/>
-          </a:p>
-          <a:p>
-            <a:r>
-              <a:rPr lang="en-US" smtClean="0">
-                <a:hlinkClick r:id="rId2"/>
+            <a:endParaRPr lang="en-US" dirty="0"/>
+          </a:p>
+          <a:p>
+            <a:pPr>
+              <a:buFont typeface="Wingdings" panose="05000000000000000000" pitchFamily="2" charset="2"/>
+              <a:buChar char="Ø"/>
+            </a:pPr>
+            <a:r>
+              <a:rPr lang="en-US" dirty="0" smtClean="0">
+                <a:hlinkClick r:id="rId3"/>
               </a:rPr>
               <a:t>https</a:t>
             </a:r>
             <a:r>
-              <a:rPr lang="en-US">
-                <a:hlinkClick r:id="rId2"/>
+              <a:rPr lang="en-US" dirty="0">
+                <a:hlinkClick r:id="rId3"/>
               </a:rPr>
               <a:t>://medium.com/@</a:t>
             </a:r>
             <a:r>
-              <a:rPr lang="en-US" smtClean="0">
-                <a:hlinkClick r:id="rId2"/>
+              <a:rPr lang="en-US" dirty="0" smtClean="0">
+                <a:hlinkClick r:id="rId3"/>
               </a:rPr>
               <a:t>kgelpes/how-typescript-helps-us-prevent-the-most-common-error-in-javascript-development-2dbcb54cf12</a:t>
             </a:r>
-            <a:endParaRPr lang="en-US" smtClean="0"/>
-          </a:p>
-          <a:p>
-            <a:r>
-              <a:rPr lang="en-US">
-                <a:hlinkClick r:id="rId3"/>
+            <a:endParaRPr lang="en-US" dirty="0" smtClean="0"/>
+          </a:p>
+          <a:p>
+            <a:pPr>
+              <a:buFont typeface="Wingdings" panose="05000000000000000000" pitchFamily="2" charset="2"/>
+              <a:buChar char="Ø"/>
+            </a:pPr>
+            <a:r>
+              <a:rPr lang="en-US" dirty="0">
+                <a:hlinkClick r:id="rId4"/>
               </a:rPr>
               <a:t>https://</a:t>
             </a:r>
             <a:r>
-              <a:rPr lang="en-US" smtClean="0">
-                <a:hlinkClick r:id="rId3"/>
+              <a:rPr lang="en-US" dirty="0" smtClean="0">
+                <a:hlinkClick r:id="rId4"/>
               </a:rPr>
               <a:t>stackoverflow.com/questions/12694530/what-is-typescript-and-why-would-i-use-it-in-place-of-javascript</a:t>
             </a:r>
-            <a:endParaRPr lang="en-US" smtClean="0"/>
-          </a:p>
-          <a:p>
-            <a:r>
-              <a:rPr lang="en-US">
-                <a:hlinkClick r:id="rId4"/>
+            <a:endParaRPr lang="en-US" dirty="0" smtClean="0"/>
+          </a:p>
+          <a:p>
+            <a:pPr>
+              <a:buFont typeface="Wingdings" panose="05000000000000000000" pitchFamily="2" charset="2"/>
+              <a:buChar char="Ø"/>
+            </a:pPr>
+            <a:r>
+              <a:rPr lang="en-US" dirty="0">
+                <a:hlinkClick r:id="rId5"/>
               </a:rPr>
               <a:t>https://channel9.msdn.com/posts/Anders-Hejlsberg-Introducing-TypeScript</a:t>
             </a:r>
-            <a:endParaRPr lang="en-US"/>
+            <a:endParaRPr lang="en-US" dirty="0"/>
           </a:p>
         </p:txBody>
       </p:sp>
@@ -5477,19 +5420,720 @@
           <a:chExt cx="0" cy="0"/>
         </a:xfrm>
       </p:grpSpPr>
+      <p:sp>
+        <p:nvSpPr>
+          <p:cNvPr id="2" name="Title 1"/>
+          <p:cNvSpPr>
+            <a:spLocks noGrp="1"/>
+          </p:cNvSpPr>
+          <p:nvPr>
+            <p:ph type="title"/>
+          </p:nvPr>
+        </p:nvSpPr>
+        <p:spPr/>
+        <p:txBody>
+          <a:bodyPr/>
+          <a:lstStyle/>
+          <a:p>
+            <a:r>
+              <a:rPr lang="en-US" dirty="0" smtClean="0"/>
+              <a:t>Selenium</a:t>
+            </a:r>
+            <a:endParaRPr lang="en-US" dirty="0"/>
+          </a:p>
+        </p:txBody>
+      </p:sp>
+      <p:sp>
+        <p:nvSpPr>
+          <p:cNvPr id="3" name="Content Placeholder 2"/>
+          <p:cNvSpPr>
+            <a:spLocks noGrp="1"/>
+          </p:cNvSpPr>
+          <p:nvPr>
+            <p:ph idx="1"/>
+          </p:nvPr>
+        </p:nvSpPr>
+        <p:spPr/>
+        <p:txBody>
+          <a:bodyPr>
+            <a:normAutofit/>
+          </a:bodyPr>
+          <a:lstStyle/>
+          <a:p>
+            <a:pPr>
+              <a:buFont typeface="Wingdings" panose="05000000000000000000" pitchFamily="2" charset="2"/>
+              <a:buChar char="Ø"/>
+            </a:pPr>
+            <a:r>
+              <a:rPr lang="en-US" dirty="0"/>
+              <a:t>Selenium is a free (open-source) automated testing framework used to validate web applications across different browsers and </a:t>
+            </a:r>
+            <a:r>
+              <a:rPr lang="en-US" dirty="0" smtClean="0"/>
+              <a:t>platforms</a:t>
+            </a:r>
+          </a:p>
+          <a:p>
+            <a:pPr>
+              <a:buFont typeface="Wingdings" panose="05000000000000000000" pitchFamily="2" charset="2"/>
+              <a:buChar char="Ø"/>
+            </a:pPr>
+            <a:r>
+              <a:rPr lang="en-US" dirty="0" smtClean="0"/>
+              <a:t>Can </a:t>
+            </a:r>
+            <a:r>
+              <a:rPr lang="en-US" dirty="0"/>
+              <a:t>use multiple programming languages like Java, C#, Python </a:t>
+            </a:r>
+            <a:r>
+              <a:rPr lang="en-US" dirty="0" err="1"/>
+              <a:t>etc</a:t>
+            </a:r>
+            <a:r>
+              <a:rPr lang="en-US" dirty="0"/>
+              <a:t> to create </a:t>
+            </a:r>
+            <a:r>
+              <a:rPr lang="en-US" dirty="0" smtClean="0"/>
+              <a:t>Selenium </a:t>
+            </a:r>
+            <a:r>
+              <a:rPr lang="en-US" dirty="0"/>
+              <a:t>Test </a:t>
+            </a:r>
+            <a:r>
+              <a:rPr lang="en-US" dirty="0" smtClean="0"/>
+              <a:t>Scripts</a:t>
+            </a:r>
+          </a:p>
+          <a:p>
+            <a:pPr>
+              <a:buFont typeface="Wingdings" panose="05000000000000000000" pitchFamily="2" charset="2"/>
+              <a:buChar char="Ø"/>
+            </a:pPr>
+            <a:r>
+              <a:rPr lang="en-US" dirty="0"/>
+              <a:t>Selenium Software is not just a single tool but a suite of software, each piece catering to different Selenium QA testing needs of an organization. Here is the list of </a:t>
+            </a:r>
+            <a:r>
+              <a:rPr lang="en-US" dirty="0" smtClean="0"/>
+              <a:t>tools:</a:t>
+            </a:r>
+          </a:p>
+          <a:p>
+            <a:pPr lvl="1">
+              <a:buFont typeface="Wingdings" panose="05000000000000000000" pitchFamily="2" charset="2"/>
+              <a:buChar char="§"/>
+            </a:pPr>
+            <a:r>
+              <a:rPr lang="en-US" dirty="0"/>
+              <a:t>Selenium Integrated Development Environment (IDE)</a:t>
+            </a:r>
+          </a:p>
+          <a:p>
+            <a:pPr lvl="1">
+              <a:buFont typeface="Wingdings" panose="05000000000000000000" pitchFamily="2" charset="2"/>
+              <a:buChar char="§"/>
+            </a:pPr>
+            <a:r>
+              <a:rPr lang="en-US" dirty="0" err="1" smtClean="0"/>
+              <a:t>WebDriver</a:t>
+            </a:r>
+            <a:r>
+              <a:rPr lang="vi-VN" dirty="0" smtClean="0"/>
+              <a:t> </a:t>
+            </a:r>
+            <a:endParaRPr lang="en-US" dirty="0" smtClean="0"/>
+          </a:p>
+          <a:p>
+            <a:pPr lvl="1">
+              <a:buFont typeface="Wingdings" panose="05000000000000000000" pitchFamily="2" charset="2"/>
+              <a:buChar char="§"/>
+            </a:pPr>
+            <a:r>
+              <a:rPr lang="en-US" dirty="0" smtClean="0"/>
+              <a:t>Selenium </a:t>
+            </a:r>
+            <a:r>
+              <a:rPr lang="en-US" dirty="0"/>
+              <a:t>Grid</a:t>
+            </a:r>
+          </a:p>
+          <a:p>
+            <a:pPr lvl="1"/>
+            <a:endParaRPr lang="en-US" dirty="0"/>
+          </a:p>
+        </p:txBody>
+      </p:sp>
+    </p:spTree>
+    <p:extLst>
+      <p:ext uri="{BB962C8B-B14F-4D97-AF65-F5344CB8AC3E}">
+        <p14:creationId xmlns:p14="http://schemas.microsoft.com/office/powerpoint/2010/main" val="500114914"/>
+      </p:ext>
+    </p:extLst>
+  </p:cSld>
+  <p:clrMapOvr>
+    <a:masterClrMapping/>
+  </p:clrMapOvr>
+  <p:timing>
+    <p:tnLst>
+      <p:par>
+        <p:cTn id="1" dur="indefinite" restart="never" nodeType="tmRoot"/>
+      </p:par>
+    </p:tnLst>
+  </p:timing>
+</p:sld>
+</file>
+
+<file path=ppt/slides/slide14.xml><?xml version="1.0" encoding="utf-8"?>
+<p:sld xmlns:a="http://schemas.openxmlformats.org/drawingml/2006/main" xmlns:r="http://schemas.openxmlformats.org/officeDocument/2006/relationships" xmlns:p="http://schemas.openxmlformats.org/presentationml/2006/main">
+  <p:cSld>
+    <p:spTree>
+      <p:nvGrpSpPr>
+        <p:cNvPr id="1" name=""/>
+        <p:cNvGrpSpPr/>
+        <p:nvPr/>
+      </p:nvGrpSpPr>
+      <p:grpSpPr>
+        <a:xfrm>
+          <a:off x="0" y="0"/>
+          <a:ext cx="0" cy="0"/>
+          <a:chOff x="0" y="0"/>
+          <a:chExt cx="0" cy="0"/>
+        </a:xfrm>
+      </p:grpSpPr>
+      <p:sp>
+        <p:nvSpPr>
+          <p:cNvPr id="2" name="Title 1"/>
+          <p:cNvSpPr>
+            <a:spLocks noGrp="1"/>
+          </p:cNvSpPr>
+          <p:nvPr>
+            <p:ph type="title"/>
+          </p:nvPr>
+        </p:nvSpPr>
+        <p:spPr/>
+        <p:txBody>
+          <a:bodyPr/>
+          <a:lstStyle/>
+          <a:p>
+            <a:r>
+              <a:rPr lang="en-US" dirty="0"/>
+              <a:t>Selenium</a:t>
+            </a:r>
+          </a:p>
+        </p:txBody>
+      </p:sp>
+      <p:sp>
+        <p:nvSpPr>
+          <p:cNvPr id="3" name="Content Placeholder 2"/>
+          <p:cNvSpPr>
+            <a:spLocks noGrp="1"/>
+          </p:cNvSpPr>
+          <p:nvPr>
+            <p:ph idx="1"/>
+          </p:nvPr>
+        </p:nvSpPr>
+        <p:spPr/>
+        <p:txBody>
+          <a:bodyPr/>
+          <a:lstStyle/>
+          <a:p>
+            <a:r>
+              <a:rPr lang="en-US" dirty="0"/>
+              <a:t>Selenium </a:t>
+            </a:r>
+            <a:r>
+              <a:rPr lang="en-US" dirty="0" err="1"/>
+              <a:t>WebDriver</a:t>
+            </a:r>
+            <a:r>
+              <a:rPr lang="en-US" dirty="0"/>
+              <a:t> drives a browser natively, as a real user would, either locally or on remote machines.</a:t>
+            </a:r>
+          </a:p>
+          <a:p>
+            <a:r>
+              <a:rPr lang="en-US" dirty="0"/>
+              <a:t>Selenium IDE is a Chrome and Firefox extension that makes it easy to record and playback tests in the browser.</a:t>
+            </a:r>
+          </a:p>
+          <a:p>
+            <a:r>
+              <a:rPr lang="en-US" dirty="0"/>
+              <a:t>Selenium Grid takes </a:t>
+            </a:r>
+            <a:r>
+              <a:rPr lang="en-US" dirty="0" err="1"/>
+              <a:t>WebDriver</a:t>
+            </a:r>
+            <a:r>
+              <a:rPr lang="en-US" dirty="0"/>
+              <a:t> to another level by running tests on many machines at the same </a:t>
+            </a:r>
+            <a:r>
+              <a:rPr lang="en-US" dirty="0" smtClean="0"/>
+              <a:t>time,</a:t>
+            </a:r>
+            <a:r>
+              <a:rPr lang="vi-VN" dirty="0" smtClean="0"/>
+              <a:t> </a:t>
+            </a:r>
+            <a:r>
+              <a:rPr lang="en-US" dirty="0" smtClean="0"/>
+              <a:t>cutting </a:t>
+            </a:r>
+            <a:r>
+              <a:rPr lang="en-US" dirty="0"/>
+              <a:t>down on the time it takes to test on multiple browsers and operating systems.</a:t>
+            </a:r>
+            <a:br>
+              <a:rPr lang="en-US" dirty="0"/>
+            </a:br>
+            <a:r>
+              <a:rPr lang="en-US" dirty="0" smtClean="0"/>
+              <a:t/>
+            </a:r>
+            <a:br>
+              <a:rPr lang="en-US" dirty="0" smtClean="0"/>
+            </a:br>
+            <a:endParaRPr lang="en-US" dirty="0"/>
+          </a:p>
+        </p:txBody>
+      </p:sp>
+    </p:spTree>
+    <p:extLst>
+      <p:ext uri="{BB962C8B-B14F-4D97-AF65-F5344CB8AC3E}">
+        <p14:creationId xmlns:p14="http://schemas.microsoft.com/office/powerpoint/2010/main" val="2782128637"/>
+      </p:ext>
+    </p:extLst>
+  </p:cSld>
+  <p:clrMapOvr>
+    <a:masterClrMapping/>
+  </p:clrMapOvr>
+</p:sld>
+</file>
+
+<file path=ppt/slides/slide15.xml><?xml version="1.0" encoding="utf-8"?>
+<p:sld xmlns:a="http://schemas.openxmlformats.org/drawingml/2006/main" xmlns:r="http://schemas.openxmlformats.org/officeDocument/2006/relationships" xmlns:p="http://schemas.openxmlformats.org/presentationml/2006/main">
+  <p:cSld>
+    <p:spTree>
+      <p:nvGrpSpPr>
+        <p:cNvPr id="1" name=""/>
+        <p:cNvGrpSpPr/>
+        <p:nvPr/>
+      </p:nvGrpSpPr>
+      <p:grpSpPr>
+        <a:xfrm>
+          <a:off x="0" y="0"/>
+          <a:ext cx="0" cy="0"/>
+          <a:chOff x="0" y="0"/>
+          <a:chExt cx="0" cy="0"/>
+        </a:xfrm>
+      </p:grpSpPr>
+      <p:sp>
+        <p:nvSpPr>
+          <p:cNvPr id="2" name="Title 1"/>
+          <p:cNvSpPr>
+            <a:spLocks noGrp="1"/>
+          </p:cNvSpPr>
+          <p:nvPr>
+            <p:ph type="title"/>
+          </p:nvPr>
+        </p:nvSpPr>
+        <p:spPr/>
+        <p:txBody>
+          <a:bodyPr/>
+          <a:lstStyle/>
+          <a:p>
+            <a:r>
+              <a:rPr lang="en-US" dirty="0" err="1" smtClean="0"/>
+              <a:t>Senlenium</a:t>
+            </a:r>
+            <a:r>
+              <a:rPr lang="en-US" dirty="0" smtClean="0"/>
+              <a:t> Reference</a:t>
+            </a:r>
+            <a:endParaRPr lang="en-US" dirty="0"/>
+          </a:p>
+        </p:txBody>
+      </p:sp>
+      <p:sp>
+        <p:nvSpPr>
+          <p:cNvPr id="3" name="Content Placeholder 2"/>
+          <p:cNvSpPr>
+            <a:spLocks noGrp="1"/>
+          </p:cNvSpPr>
+          <p:nvPr>
+            <p:ph idx="1"/>
+          </p:nvPr>
+        </p:nvSpPr>
+        <p:spPr/>
+        <p:txBody>
+          <a:bodyPr/>
+          <a:lstStyle/>
+          <a:p>
+            <a:pPr>
+              <a:buFont typeface="Wingdings" panose="05000000000000000000" pitchFamily="2" charset="2"/>
+              <a:buChar char="Ø"/>
+            </a:pPr>
+            <a:r>
+              <a:rPr lang="en-US" dirty="0">
+                <a:hlinkClick r:id="rId2"/>
+              </a:rPr>
+              <a:t>https://www.selenium.dev/projects</a:t>
+            </a:r>
+            <a:r>
+              <a:rPr lang="en-US" dirty="0" smtClean="0">
+                <a:hlinkClick r:id="rId2"/>
+              </a:rPr>
+              <a:t>/</a:t>
+            </a:r>
+            <a:endParaRPr lang="en-US" dirty="0" smtClean="0"/>
+          </a:p>
+          <a:p>
+            <a:pPr>
+              <a:buFont typeface="Wingdings" panose="05000000000000000000" pitchFamily="2" charset="2"/>
+              <a:buChar char="Ø"/>
+            </a:pPr>
+            <a:r>
+              <a:rPr lang="en-US" dirty="0">
+                <a:hlinkClick r:id="rId3"/>
+              </a:rPr>
+              <a:t>https://</a:t>
+            </a:r>
+            <a:r>
+              <a:rPr lang="en-US" dirty="0" smtClean="0">
+                <a:hlinkClick r:id="rId3"/>
+              </a:rPr>
+              <a:t>www.guru99.com/introduction-to-selenium.html</a:t>
+            </a:r>
+            <a:endParaRPr lang="en-US" dirty="0"/>
+          </a:p>
+        </p:txBody>
+      </p:sp>
+    </p:spTree>
+    <p:extLst>
+      <p:ext uri="{BB962C8B-B14F-4D97-AF65-F5344CB8AC3E}">
+        <p14:creationId xmlns:p14="http://schemas.microsoft.com/office/powerpoint/2010/main" val="755926977"/>
+      </p:ext>
+    </p:extLst>
+  </p:cSld>
+  <p:clrMapOvr>
+    <a:masterClrMapping/>
+  </p:clrMapOvr>
+</p:sld>
+</file>
+
+<file path=ppt/slides/slide16.xml><?xml version="1.0" encoding="utf-8"?>
+<p:sld xmlns:a="http://schemas.openxmlformats.org/drawingml/2006/main" xmlns:r="http://schemas.openxmlformats.org/officeDocument/2006/relationships" xmlns:p="http://schemas.openxmlformats.org/presentationml/2006/main">
+  <p:cSld>
+    <p:spTree>
+      <p:nvGrpSpPr>
+        <p:cNvPr id="1" name=""/>
+        <p:cNvGrpSpPr/>
+        <p:nvPr/>
+      </p:nvGrpSpPr>
+      <p:grpSpPr>
+        <a:xfrm>
+          <a:off x="0" y="0"/>
+          <a:ext cx="0" cy="0"/>
+          <a:chOff x="0" y="0"/>
+          <a:chExt cx="0" cy="0"/>
+        </a:xfrm>
+      </p:grpSpPr>
+      <p:sp>
+        <p:nvSpPr>
+          <p:cNvPr id="2" name="Title 1"/>
+          <p:cNvSpPr>
+            <a:spLocks noGrp="1"/>
+          </p:cNvSpPr>
+          <p:nvPr>
+            <p:ph type="title"/>
+          </p:nvPr>
+        </p:nvSpPr>
+        <p:spPr/>
+        <p:txBody>
+          <a:bodyPr/>
+          <a:lstStyle/>
+          <a:p>
+            <a:r>
+              <a:rPr lang="en-US" dirty="0"/>
+              <a:t>Protractor</a:t>
+            </a:r>
+          </a:p>
+        </p:txBody>
+      </p:sp>
+      <p:sp>
+        <p:nvSpPr>
+          <p:cNvPr id="3" name="Content Placeholder 2"/>
+          <p:cNvSpPr>
+            <a:spLocks noGrp="1"/>
+          </p:cNvSpPr>
+          <p:nvPr>
+            <p:ph idx="1"/>
+          </p:nvPr>
+        </p:nvSpPr>
+        <p:spPr/>
+        <p:txBody>
+          <a:bodyPr/>
+          <a:lstStyle/>
+          <a:p>
+            <a:pPr>
+              <a:buFont typeface="Wingdings" panose="05000000000000000000" pitchFamily="2" charset="2"/>
+              <a:buChar char="Ø"/>
+            </a:pPr>
+            <a:r>
+              <a:rPr lang="en-US" dirty="0"/>
+              <a:t>Protractor is an end-to-end test framework for Angular and </a:t>
+            </a:r>
+            <a:r>
+              <a:rPr lang="en-US" dirty="0" err="1"/>
+              <a:t>AngularJS</a:t>
+            </a:r>
+            <a:r>
+              <a:rPr lang="en-US" dirty="0"/>
+              <a:t> applications. Protractor runs tests against your application running in a real browser, interacting with it as a user would</a:t>
+            </a:r>
+            <a:r>
+              <a:rPr lang="en-US" dirty="0" smtClean="0"/>
+              <a:t>.</a:t>
+            </a:r>
+          </a:p>
+          <a:p>
+            <a:pPr>
+              <a:buFont typeface="Wingdings" panose="05000000000000000000" pitchFamily="2" charset="2"/>
+              <a:buChar char="Ø"/>
+            </a:pPr>
+            <a:endParaRPr lang="vi-VN" dirty="0" smtClean="0"/>
+          </a:p>
+          <a:p>
+            <a:endParaRPr lang="vi-VN" dirty="0" smtClean="0"/>
+          </a:p>
+          <a:p>
+            <a:endParaRPr lang="en-US" dirty="0"/>
+          </a:p>
+        </p:txBody>
+      </p:sp>
+    </p:spTree>
+    <p:extLst>
+      <p:ext uri="{BB962C8B-B14F-4D97-AF65-F5344CB8AC3E}">
+        <p14:creationId xmlns:p14="http://schemas.microsoft.com/office/powerpoint/2010/main" val="483566087"/>
+      </p:ext>
+    </p:extLst>
+  </p:cSld>
+  <p:clrMapOvr>
+    <a:masterClrMapping/>
+  </p:clrMapOvr>
+  <p:timing>
+    <p:tnLst>
+      <p:par>
+        <p:cTn id="1" dur="indefinite" restart="never" nodeType="tmRoot"/>
+      </p:par>
+    </p:tnLst>
+  </p:timing>
+</p:sld>
+</file>
+
+<file path=ppt/slides/slide17.xml><?xml version="1.0" encoding="utf-8"?>
+<p:sld xmlns:a="http://schemas.openxmlformats.org/drawingml/2006/main" xmlns:r="http://schemas.openxmlformats.org/officeDocument/2006/relationships" xmlns:p="http://schemas.openxmlformats.org/presentationml/2006/main">
+  <p:cSld>
+    <p:spTree>
+      <p:nvGrpSpPr>
+        <p:cNvPr id="1" name=""/>
+        <p:cNvGrpSpPr/>
+        <p:nvPr/>
+      </p:nvGrpSpPr>
+      <p:grpSpPr>
+        <a:xfrm>
+          <a:off x="0" y="0"/>
+          <a:ext cx="0" cy="0"/>
+          <a:chOff x="0" y="0"/>
+          <a:chExt cx="0" cy="0"/>
+        </a:xfrm>
+      </p:grpSpPr>
+      <p:sp>
+        <p:nvSpPr>
+          <p:cNvPr id="2" name="Title 1"/>
+          <p:cNvSpPr>
+            <a:spLocks noGrp="1"/>
+          </p:cNvSpPr>
+          <p:nvPr>
+            <p:ph type="title"/>
+          </p:nvPr>
+        </p:nvSpPr>
+        <p:spPr/>
+        <p:txBody>
+          <a:bodyPr/>
+          <a:lstStyle/>
+          <a:p>
+            <a:r>
+              <a:rPr lang="en-US" dirty="0"/>
+              <a:t>Protractor</a:t>
+            </a:r>
+          </a:p>
+        </p:txBody>
+      </p:sp>
+      <p:pic>
+        <p:nvPicPr>
+          <p:cNvPr id="4" name="Picture 2" descr="framework"/>
+          <p:cNvPicPr>
+            <a:picLocks noChangeAspect="1" noChangeArrowheads="1"/>
+          </p:cNvPicPr>
+          <p:nvPr/>
+        </p:nvPicPr>
+        <p:blipFill>
+          <a:blip r:embed="rId2">
+            <a:extLst>
+              <a:ext uri="{28A0092B-C50C-407E-A947-70E740481C1C}">
+                <a14:useLocalDpi xmlns:a14="http://schemas.microsoft.com/office/drawing/2010/main" val="0"/>
+              </a:ext>
+            </a:extLst>
+          </a:blip>
+          <a:srcRect/>
+          <a:stretch>
+            <a:fillRect/>
+          </a:stretch>
+        </p:blipFill>
+        <p:spPr bwMode="auto">
+          <a:xfrm>
+            <a:off x="3103809" y="1206321"/>
+            <a:ext cx="6481843" cy="5042915"/>
+          </a:xfrm>
+          <a:prstGeom prst="rect">
+            <a:avLst/>
+          </a:prstGeom>
+          <a:noFill/>
+          <a:extLst>
+            <a:ext uri="{909E8E84-426E-40DD-AFC4-6F175D3DCCD1}">
+              <a14:hiddenFill xmlns:a14="http://schemas.microsoft.com/office/drawing/2010/main">
+                <a:solidFill>
+                  <a:srgbClr val="FFFFFF"/>
+                </a:solidFill>
+              </a14:hiddenFill>
+            </a:ext>
+          </a:extLst>
+        </p:spPr>
+      </p:pic>
+    </p:spTree>
+    <p:extLst>
+      <p:ext uri="{BB962C8B-B14F-4D97-AF65-F5344CB8AC3E}">
+        <p14:creationId xmlns:p14="http://schemas.microsoft.com/office/powerpoint/2010/main" val="2795171351"/>
+      </p:ext>
+    </p:extLst>
+  </p:cSld>
+  <p:clrMapOvr>
+    <a:masterClrMapping/>
+  </p:clrMapOvr>
+  <p:timing>
+    <p:tnLst>
+      <p:par>
+        <p:cTn id="1" dur="indefinite" restart="never" nodeType="tmRoot"/>
+      </p:par>
+    </p:tnLst>
+  </p:timing>
+</p:sld>
+</file>
+
+<file path=ppt/slides/slide18.xml><?xml version="1.0" encoding="utf-8"?>
+<p:sld xmlns:a="http://schemas.openxmlformats.org/drawingml/2006/main" xmlns:r="http://schemas.openxmlformats.org/officeDocument/2006/relationships" xmlns:p="http://schemas.openxmlformats.org/presentationml/2006/main">
+  <p:cSld>
+    <p:spTree>
+      <p:nvGrpSpPr>
+        <p:cNvPr id="1" name=""/>
+        <p:cNvGrpSpPr/>
+        <p:nvPr/>
+      </p:nvGrpSpPr>
+      <p:grpSpPr>
+        <a:xfrm>
+          <a:off x="0" y="0"/>
+          <a:ext cx="0" cy="0"/>
+          <a:chOff x="0" y="0"/>
+          <a:chExt cx="0" cy="0"/>
+        </a:xfrm>
+      </p:grpSpPr>
+      <p:sp>
+        <p:nvSpPr>
+          <p:cNvPr id="2" name="Title 1"/>
+          <p:cNvSpPr>
+            <a:spLocks noGrp="1"/>
+          </p:cNvSpPr>
+          <p:nvPr>
+            <p:ph type="title"/>
+          </p:nvPr>
+        </p:nvSpPr>
+        <p:spPr/>
+        <p:txBody>
+          <a:bodyPr/>
+          <a:lstStyle/>
+          <a:p>
+            <a:endParaRPr lang="en-US"/>
+          </a:p>
+        </p:txBody>
+      </p:sp>
+      <p:sp>
+        <p:nvSpPr>
+          <p:cNvPr id="3" name="Content Placeholder 2"/>
+          <p:cNvSpPr>
+            <a:spLocks noGrp="1"/>
+          </p:cNvSpPr>
+          <p:nvPr>
+            <p:ph idx="1"/>
+          </p:nvPr>
+        </p:nvSpPr>
+        <p:spPr/>
+        <p:txBody>
+          <a:bodyPr/>
+          <a:lstStyle/>
+          <a:p>
+            <a:endParaRPr lang="en-US"/>
+          </a:p>
+        </p:txBody>
+      </p:sp>
+    </p:spTree>
+    <p:extLst>
+      <p:ext uri="{BB962C8B-B14F-4D97-AF65-F5344CB8AC3E}">
+        <p14:creationId xmlns:p14="http://schemas.microsoft.com/office/powerpoint/2010/main" val="420693782"/>
+      </p:ext>
+    </p:extLst>
+  </p:cSld>
+  <p:clrMapOvr>
+    <a:masterClrMapping/>
+  </p:clrMapOvr>
+</p:sld>
+</file>
+
+<file path=ppt/slides/slide19.xml><?xml version="1.0" encoding="utf-8"?>
+<p:sld xmlns:a="http://schemas.openxmlformats.org/drawingml/2006/main" xmlns:r="http://schemas.openxmlformats.org/officeDocument/2006/relationships" xmlns:p="http://schemas.openxmlformats.org/presentationml/2006/main">
+  <p:cSld>
+    <p:spTree>
+      <p:nvGrpSpPr>
+        <p:cNvPr id="1" name=""/>
+        <p:cNvGrpSpPr/>
+        <p:nvPr/>
+      </p:nvGrpSpPr>
+      <p:grpSpPr>
+        <a:xfrm>
+          <a:off x="0" y="0"/>
+          <a:ext cx="0" cy="0"/>
+          <a:chOff x="0" y="0"/>
+          <a:chExt cx="0" cy="0"/>
+        </a:xfrm>
+      </p:grpSpPr>
       <p:pic>
         <p:nvPicPr>
           <p:cNvPr id="1028" name="Picture 4" descr="Flat Lay Photography of Macbook Pro Beside White Spiral Notebook and Green Mug"/>
           <p:cNvPicPr>
-            <a:picLocks noChangeAspect="true" noChangeArrowheads="true"/>
+            <a:picLocks noChangeAspect="1" noChangeArrowheads="1"/>
           </p:cNvPicPr>
           <p:nvPr/>
         </p:nvPicPr>
-        <p:blipFill rotWithShape="true">
-          <a:blip r:embed="rId1">
+        <p:blipFill rotWithShape="1">
+          <a:blip r:embed="rId2">
             <a:extLst>
               <a:ext uri="{28A0092B-C50C-407E-A947-70E740481C1C}">
-                <a14:useLocalDpi xmlns:a14="http://schemas.microsoft.com/office/drawing/2010/main" val="false"/>
+                <a14:useLocalDpi xmlns:a14="http://schemas.microsoft.com/office/drawing/2010/main" val="0"/>
               </a:ext>
             </a:extLst>
           </a:blip>
@@ -5522,12 +6166,12 @@
         <p:nvPicPr>
           <p:cNvPr id="5" name="Picture 4"/>
           <p:cNvPicPr>
-            <a:picLocks noChangeAspect="true"/>
+            <a:picLocks noChangeAspect="1"/>
           </p:cNvPicPr>
           <p:nvPr/>
         </p:nvPicPr>
         <p:blipFill>
-          <a:blip r:embed="rId2"/>
+          <a:blip r:embed="rId3"/>
           <a:stretch>
             <a:fillRect/>
           </a:stretch>
@@ -5546,12 +6190,12 @@
         <p:nvPicPr>
           <p:cNvPr id="6" name="Picture 5"/>
           <p:cNvPicPr>
-            <a:picLocks noChangeAspect="true"/>
+            <a:picLocks noChangeAspect="1"/>
           </p:cNvPicPr>
           <p:nvPr/>
         </p:nvPicPr>
         <p:blipFill>
-          <a:blip r:embed="rId3"/>
+          <a:blip r:embed="rId4"/>
           <a:stretch>
             <a:fillRect/>
           </a:stretch>
@@ -5619,7 +6263,7 @@
       <p:sp>
         <p:nvSpPr>
           <p:cNvPr id="10" name="TextBox 9"/>
-          <p:cNvSpPr txBox="true"/>
+          <p:cNvSpPr txBox="1"/>
           <p:nvPr/>
         </p:nvSpPr>
         <p:spPr>
@@ -5697,7 +6341,7 @@
         <p:nvSpPr>
           <p:cNvPr id="2" name="Content Placeholder 1"/>
           <p:cNvSpPr>
-            <a:spLocks noGrp="true"/>
+            <a:spLocks noGrp="1"/>
           </p:cNvSpPr>
           <p:nvPr>
             <p:ph idx="1"/>
@@ -5722,11 +6366,6 @@
               </a:rPr>
               <a:t>Before Protractor</a:t>
             </a:r>
-            <a:endParaRPr lang="en-US" sz="2000" b="1" dirty="0">
-              <a:solidFill>
-                <a:schemeClr val="accent2"/>
-              </a:solidFill>
-            </a:endParaRPr>
           </a:p>
           <a:p>
             <a:pPr marL="914400" indent="-457200">
@@ -5741,11 +6380,6 @@
               </a:rPr>
               <a:t>Protractor</a:t>
             </a:r>
-            <a:endParaRPr lang="en-US" sz="2000" b="1" dirty="0">
-              <a:solidFill>
-                <a:schemeClr val="accent2"/>
-              </a:solidFill>
-            </a:endParaRPr>
           </a:p>
           <a:p>
             <a:pPr marL="914400" indent="-457200">
@@ -5760,11 +6394,6 @@
               </a:rPr>
               <a:t>After Protractor</a:t>
             </a:r>
-            <a:endParaRPr lang="en-US" sz="2000" b="1" dirty="0">
-              <a:solidFill>
-                <a:schemeClr val="accent2"/>
-              </a:solidFill>
-            </a:endParaRPr>
           </a:p>
           <a:p>
             <a:pPr marL="914400" indent="-457200">
@@ -5779,11 +6408,6 @@
               </a:rPr>
               <a:t>Q and A</a:t>
             </a:r>
-            <a:endParaRPr lang="en-US" sz="2000" b="1" dirty="0">
-              <a:solidFill>
-                <a:schemeClr val="accent2"/>
-              </a:solidFill>
-            </a:endParaRPr>
           </a:p>
           <a:p>
             <a:pPr marL="400050" lvl="1" indent="0">
@@ -5801,7 +6425,7 @@
         <p:nvSpPr>
           <p:cNvPr id="3" name="Title 2"/>
           <p:cNvSpPr>
-            <a:spLocks noGrp="true"/>
+            <a:spLocks noGrp="1"/>
           </p:cNvSpPr>
           <p:nvPr>
             <p:ph type="title"/>
@@ -5860,7 +6484,7 @@
         <p:nvSpPr>
           <p:cNvPr id="2" name="Title 1"/>
           <p:cNvSpPr>
-            <a:spLocks noGrp="true"/>
+            <a:spLocks noGrp="1"/>
           </p:cNvSpPr>
           <p:nvPr>
             <p:ph type="title"/>
@@ -5883,7 +6507,7 @@
         <p:nvSpPr>
           <p:cNvPr id="3" name="Content Placeholder 2"/>
           <p:cNvSpPr>
-            <a:spLocks noGrp="true"/>
+            <a:spLocks noGrp="1"/>
           </p:cNvSpPr>
           <p:nvPr>
             <p:ph idx="1"/>
@@ -5979,11 +6603,6 @@
               </a:rPr>
               <a:t>Overview about Typescript</a:t>
             </a:r>
-            <a:endParaRPr lang="en-US" sz="2000" b="1" dirty="0">
-              <a:solidFill>
-                <a:schemeClr val="accent2"/>
-              </a:solidFill>
-            </a:endParaRPr>
           </a:p>
           <a:p>
             <a:pPr marL="857250" lvl="1" indent="-457200">
@@ -5998,11 +6617,6 @@
               </a:rPr>
               <a:t>Overview about Selenium</a:t>
             </a:r>
-            <a:endParaRPr lang="en-US" sz="2000" b="1" dirty="0">
-              <a:solidFill>
-                <a:schemeClr val="accent2"/>
-              </a:solidFill>
-            </a:endParaRPr>
           </a:p>
           <a:p>
             <a:endParaRPr lang="en-US" dirty="0"/>
@@ -6038,7 +6652,7 @@
         <p:nvSpPr>
           <p:cNvPr id="2" name="Title 1"/>
           <p:cNvSpPr>
-            <a:spLocks noGrp="true"/>
+            <a:spLocks noGrp="1"/>
           </p:cNvSpPr>
           <p:nvPr>
             <p:ph type="title"/>
@@ -6075,7 +6689,7 @@
         <p:nvGraphicFramePr>
           <p:cNvPr id="4" name="Content Placeholder 3"/>
           <p:cNvGraphicFramePr>
-            <a:graphicFrameLocks noGrp="true"/>
+            <a:graphicFrameLocks noGrp="1"/>
           </p:cNvGraphicFramePr>
           <p:nvPr>
             <p:ph idx="1"/>
@@ -6088,7 +6702,7 @@
         <a:graphic>
           <a:graphicData uri="http://schemas.openxmlformats.org/drawingml/2006/table">
             <a:tbl>
-              <a:tblPr firstRow="true" bandRow="true">
+              <a:tblPr firstRow="1" bandRow="1">
                 <a:tableStyleId>{5C22544A-7EE6-4342-B048-85BDC9FD1C3A}</a:tableStyleId>
               </a:tblPr>
               <a:tblGrid>
@@ -6108,7 +6722,6 @@
                         <a:rPr lang="en-US" altLang="en-US" sz="2000"/>
                         <a:t>Sync</a:t>
                       </a:r>
-                      <a:endParaRPr lang="en-US" altLang="en-US" sz="2000"/>
                     </a:p>
                   </a:txBody>
                   <a:tcPr/>
@@ -6125,7 +6738,6 @@
                         <a:rPr lang="en-US" altLang="en-US" sz="2000"/>
                         <a:t>Async</a:t>
                       </a:r>
-                      <a:endParaRPr lang="en-US" altLang="en-US" sz="2000"/>
                     </a:p>
                   </a:txBody>
                   <a:tcPr/>
@@ -6201,7 +6813,6 @@
                         <a:rPr lang="en-US" altLang="en-US"/>
                         <a:t>do not wait for another task</a:t>
                       </a:r>
-                      <a:endParaRPr lang="en-US" altLang="en-US"/>
                     </a:p>
                   </a:txBody>
                   <a:tcPr/>
@@ -6220,7 +6831,6 @@
                         <a:rPr lang="en-US"/>
                         <a:t>Running synchronously will generate unnecessary and idle wait in some cases</a:t>
                       </a:r>
-                      <a:endParaRPr lang="en-US"/>
                     </a:p>
                   </a:txBody>
                   <a:tcPr/>
@@ -6257,7 +6867,6 @@
                         <a:rPr lang="en-US" altLang="en-US"/>
                         <a:t>,</a:t>
                       </a:r>
-                      <a:endParaRPr lang="en-US" altLang="en-US"/>
                     </a:p>
                     <a:p>
                       <a:pPr>
@@ -6267,7 +6876,6 @@
                         <a:rPr lang="en-US" altLang="en-US"/>
                         <a:t>but it is easy to get a process error if it is not well controlled </a:t>
                       </a:r>
-                      <a:endParaRPr lang="en-US" altLang="en-US"/>
                     </a:p>
                   </a:txBody>
                   <a:tcPr/>
@@ -6306,7 +6914,7 @@
         <p:nvSpPr>
           <p:cNvPr id="2" name="Title 1"/>
           <p:cNvSpPr>
-            <a:spLocks noGrp="true"/>
+            <a:spLocks noGrp="1"/>
           </p:cNvSpPr>
           <p:nvPr>
             <p:ph type="title"/>
@@ -6329,7 +6937,7 @@
         <p:nvSpPr>
           <p:cNvPr id="3" name="Content Placeholder 2"/>
           <p:cNvSpPr>
-            <a:spLocks noGrp="true"/>
+            <a:spLocks noGrp="1"/>
           </p:cNvSpPr>
           <p:nvPr>
             <p:ph idx="1"/>
@@ -6352,42 +6960,65 @@
               <a:buChar char="Ø"/>
             </a:pPr>
             <a:r>
-              <a:rPr lang="en-US" smtClean="0">
+              <a:rPr lang="en-US" dirty="0" err="1" smtClean="0">
                 <a:solidFill>
                   <a:schemeClr val="tx1"/>
                 </a:solidFill>
               </a:rPr>
-              <a:t>Javascript </a:t>
-            </a:r>
-            <a:r>
-              <a:rPr lang="en-US" smtClean="0"/>
+              <a:t>Javascript</a:t>
+            </a:r>
+            <a:r>
+              <a:rPr lang="en-US" dirty="0" smtClean="0">
+                <a:solidFill>
+                  <a:schemeClr val="tx1"/>
+                </a:solidFill>
+              </a:rPr>
+              <a:t> </a:t>
+            </a:r>
+            <a:r>
+              <a:rPr lang="en-US" dirty="0" smtClean="0"/>
               <a:t>was </a:t>
             </a:r>
             <a:r>
-              <a:rPr lang="en-US"/>
-              <a:t>invented by Brendan Eich </a:t>
-            </a:r>
-            <a:r>
-              <a:rPr lang="en-US" smtClean="0"/>
-              <a:t>(bren-duhn</a:t>
-            </a:r>
-            <a:r>
-              <a:rPr lang="en-US"/>
+              <a:rPr lang="en-US" dirty="0"/>
+              <a:t>invented by Brendan </a:t>
+            </a:r>
+            <a:r>
+              <a:rPr lang="en-US" dirty="0" err="1"/>
+              <a:t>Eich</a:t>
+            </a:r>
+            <a:r>
+              <a:rPr lang="en-US" dirty="0"/>
+              <a:t> </a:t>
+            </a:r>
+            <a:r>
+              <a:rPr lang="en-US" dirty="0" smtClean="0"/>
+              <a:t>(</a:t>
+            </a:r>
+            <a:r>
+              <a:rPr lang="en-US" dirty="0" err="1" smtClean="0"/>
+              <a:t>bren-duhn</a:t>
+            </a:r>
+            <a:r>
+              <a:rPr lang="en-US" dirty="0"/>
               <a:t> </a:t>
             </a:r>
             <a:r>
-              <a:rPr lang="en-US" smtClean="0"/>
-              <a:t>aik , co-founder </a:t>
-            </a:r>
-            <a:r>
-              <a:rPr lang="en-US"/>
+              <a:rPr lang="en-US" dirty="0" err="1" smtClean="0"/>
+              <a:t>aik</a:t>
+            </a:r>
+            <a:r>
+              <a:rPr lang="en-US" dirty="0" smtClean="0"/>
+              <a:t> , co-founder </a:t>
+            </a:r>
+            <a:r>
+              <a:rPr lang="en-US" dirty="0"/>
               <a:t>of the Mozilla project, the Mozilla Foundation, and the Mozilla Corporation</a:t>
             </a:r>
             <a:r>
-              <a:rPr lang="en-US" smtClean="0"/>
+              <a:rPr lang="en-US" dirty="0" smtClean="0"/>
               <a:t>) </a:t>
             </a:r>
-            <a:endParaRPr lang="en-US" smtClean="0"/>
           </a:p>
           <a:p>
             <a:pPr>
@@ -6395,18 +7026,18 @@
               <a:buChar char="Ø"/>
             </a:pPr>
             <a:r>
-              <a:rPr lang="en-US" smtClean="0"/>
+              <a:rPr lang="en-US" dirty="0" smtClean="0"/>
               <a:t>First</a:t>
             </a:r>
             <a:r>
-              <a:rPr lang="en-US"/>
+              <a:rPr lang="en-US" dirty="0"/>
               <a:t> </a:t>
             </a:r>
             <a:r>
-              <a:rPr lang="en-US" smtClean="0"/>
+              <a:rPr lang="en-US" dirty="0" smtClean="0"/>
               <a:t>appeared: 5/1995</a:t>
             </a:r>
-            <a:endParaRPr lang="en-US" smtClean="0">
+            <a:endParaRPr lang="en-US" dirty="0" smtClean="0">
               <a:solidFill>
                 <a:schemeClr val="tx1"/>
               </a:solidFill>
@@ -6418,15 +7049,23 @@
               <a:buChar char="Ø"/>
             </a:pPr>
             <a:r>
-              <a:rPr lang="en-US" smtClean="0">
+              <a:rPr lang="en-US" dirty="0" err="1" smtClean="0">
                 <a:solidFill>
                   <a:schemeClr val="tx1"/>
                 </a:solidFill>
               </a:rPr>
-              <a:t>Javascript ("</a:t>
-            </a:r>
-            <a:r>
-              <a:rPr lang="en-US">
+              <a:t>Javascript</a:t>
+            </a:r>
+            <a:r>
+              <a:rPr lang="en-US" dirty="0" smtClean="0">
+                <a:solidFill>
+                  <a:schemeClr val="tx1"/>
+                </a:solidFill>
+              </a:rPr>
+              <a:t> ("</a:t>
+            </a:r>
+            <a:r>
+              <a:rPr lang="en-US" dirty="0">
                 <a:solidFill>
                   <a:schemeClr val="tx1"/>
                 </a:solidFill>
@@ -6434,7 +7073,7 @@
               <a:t>JS" for short) is </a:t>
             </a:r>
             <a:r>
-              <a:rPr lang="en-US" smtClean="0">
+              <a:rPr lang="en-US" dirty="0" smtClean="0">
                 <a:solidFill>
                   <a:schemeClr val="tx1"/>
                 </a:solidFill>
@@ -6442,7 +7081,7 @@
               <a:t>a</a:t>
             </a:r>
             <a:r>
-              <a:rPr lang="en-US">
+              <a:rPr lang="en-US" dirty="0">
                 <a:solidFill>
                   <a:schemeClr val="tx1"/>
                 </a:solidFill>
@@ -6450,7 +7089,7 @@
               <a:t> </a:t>
             </a:r>
             <a:r>
-              <a:rPr lang="en-US">
+              <a:rPr lang="en-US" dirty="0">
                 <a:solidFill>
                   <a:srgbClr val="C00000"/>
                 </a:solidFill>
@@ -6458,18 +7097,13 @@
               <a:t>dynamic programming </a:t>
             </a:r>
             <a:r>
-              <a:rPr lang="en-US" smtClean="0">
+              <a:rPr lang="en-US" dirty="0" smtClean="0">
                 <a:solidFill>
                   <a:srgbClr val="C00000"/>
                 </a:solidFill>
               </a:rPr>
               <a:t>language</a:t>
             </a:r>
-            <a:endParaRPr lang="en-US" smtClean="0">
-              <a:solidFill>
-                <a:srgbClr val="C00000"/>
-              </a:solidFill>
-            </a:endParaRPr>
           </a:p>
           <a:p>
             <a:pPr>
@@ -6477,18 +7111,18 @@
               <a:buChar char="Ø"/>
             </a:pPr>
             <a:r>
-              <a:rPr lang="en-US"/>
+              <a:rPr lang="en-US" dirty="0"/>
               <a:t>JavaScript is used </a:t>
             </a:r>
             <a:r>
-              <a:rPr lang="en-US" smtClean="0"/>
+              <a:rPr lang="en-US" dirty="0" smtClean="0"/>
               <a:t>as client-side programming language by </a:t>
             </a:r>
             <a:r>
-              <a:rPr lang="en-US"/>
+              <a:rPr lang="en-US" dirty="0"/>
               <a:t>97.1% of all the websites.</a:t>
             </a:r>
-            <a:endParaRPr lang="en-US" smtClean="0">
+            <a:endParaRPr lang="en-US" dirty="0" smtClean="0">
               <a:solidFill>
                 <a:schemeClr val="tx1"/>
               </a:solidFill>
@@ -6500,34 +7134,38 @@
               <a:buChar char="Ø"/>
             </a:pPr>
             <a:r>
-              <a:rPr lang="en-US" smtClean="0"/>
+              <a:rPr lang="en-US" dirty="0" smtClean="0"/>
               <a:t>JavaScript </a:t>
             </a:r>
             <a:r>
-              <a:rPr lang="en-US" b="1" i="1"/>
+              <a:rPr lang="en-US" b="1" i="1" dirty="0"/>
               <a:t>is not </a:t>
             </a:r>
             <a:r>
-              <a:rPr lang="en-US" smtClean="0"/>
+              <a:rPr lang="en-US" dirty="0" smtClean="0"/>
               <a:t>a</a:t>
             </a:r>
             <a:r>
-              <a:rPr lang="en-US"/>
+              <a:rPr lang="en-US" dirty="0"/>
               <a:t> </a:t>
             </a:r>
             <a:r>
-              <a:rPr lang="en-US" i="1"/>
+              <a:rPr lang="en-US" i="1" dirty="0"/>
               <a:t>class-based</a:t>
             </a:r>
             <a:r>
-              <a:rPr lang="en-US"/>
+              <a:rPr lang="en-US" dirty="0"/>
               <a:t> object-oriented language like Java, C</a:t>
             </a:r>
             <a:r>
-              <a:rPr lang="en-US" smtClean="0"/>
-              <a:t># etc</a:t>
-            </a:r>
-            <a:endParaRPr lang="en-US">
+              <a:rPr lang="en-US" dirty="0" smtClean="0"/>
+              <a:t># </a:t>
+            </a:r>
+            <a:r>
+              <a:rPr lang="en-US" dirty="0" err="1" smtClean="0"/>
+              <a:t>etc</a:t>
+            </a:r>
+            <a:endParaRPr lang="en-US" dirty="0">
               <a:solidFill>
                 <a:schemeClr val="tx1"/>
               </a:solidFill>
@@ -6539,32 +7177,47 @@
               <a:buChar char="Ø"/>
             </a:pPr>
             <a:r>
-              <a:rPr lang="en-US" smtClean="0"/>
+              <a:rPr lang="en-US" dirty="0" smtClean="0"/>
               <a:t>In </a:t>
             </a:r>
             <a:r>
-              <a:rPr lang="en-US"/>
+              <a:rPr lang="en-US" dirty="0"/>
               <a:t>its most basic form, JavaScript is a synchronous, blocking, single-threaded </a:t>
             </a:r>
             <a:r>
-              <a:rPr lang="en-US" smtClean="0"/>
+              <a:rPr lang="en-US" dirty="0" smtClean="0"/>
               <a:t>language. </a:t>
             </a:r>
             <a:r>
-              <a:rPr lang="en-US"/>
+              <a:rPr lang="en-US" dirty="0"/>
               <a:t>But web browsers define functions and APIs that allow us to register functions that should not be executed synchronously, and should instead be invoked asynchronously when some kind of event occurs (the passage of time, the user's interaction with the mouse, or the arrival of data over the network, for example</a:t>
             </a:r>
             <a:r>
-              <a:rPr lang="en-US" smtClean="0"/>
-              <a:t>) or NodeJs with backend apis for server, database …</a:t>
-            </a:r>
-            <a:endParaRPr lang="en-US" smtClean="0"/>
+              <a:rPr lang="en-US" dirty="0" smtClean="0"/>
+              <a:t>) or </a:t>
+            </a:r>
+            <a:r>
+              <a:rPr lang="en-US" dirty="0" err="1" smtClean="0"/>
+              <a:t>NodeJs</a:t>
+            </a:r>
+            <a:r>
+              <a:rPr lang="en-US" dirty="0" smtClean="0"/>
+              <a:t> with backend </a:t>
+            </a:r>
+            <a:r>
+              <a:rPr lang="en-US" dirty="0" err="1" smtClean="0"/>
+              <a:t>apis</a:t>
+            </a:r>
+            <a:r>
+              <a:rPr lang="en-US" dirty="0" smtClean="0"/>
+              <a:t> for server, database …</a:t>
+            </a:r>
           </a:p>
           <a:p>
             <a:pPr marL="0" indent="0">
               <a:buNone/>
             </a:pPr>
-            <a:endParaRPr lang="en-US"/>
+            <a:endParaRPr lang="en-US" dirty="0"/>
           </a:p>
         </p:txBody>
       </p:sp>
@@ -6572,15 +7225,15 @@
         <p:nvPicPr>
           <p:cNvPr id="2050" name="Picture 2" descr="Tập tin:JavaScript-logo.png – Wikipedia tiếng Việt"/>
           <p:cNvPicPr>
-            <a:picLocks noChangeAspect="true" noChangeArrowheads="true"/>
+            <a:picLocks noChangeAspect="1" noChangeArrowheads="1"/>
           </p:cNvPicPr>
           <p:nvPr/>
         </p:nvPicPr>
         <p:blipFill>
-          <a:blip r:embed="rId1" cstate="print">
+          <a:blip r:embed="rId2" cstate="print">
             <a:extLst>
               <a:ext uri="{28A0092B-C50C-407E-A947-70E740481C1C}">
-                <a14:useLocalDpi xmlns:a14="http://schemas.microsoft.com/office/drawing/2010/main" val="false"/>
+                <a14:useLocalDpi xmlns:a14="http://schemas.microsoft.com/office/drawing/2010/main" val="0"/>
               </a:ext>
             </a:extLst>
           </a:blip>
@@ -6645,7 +7298,7 @@
         <p:nvSpPr>
           <p:cNvPr id="2" name="Title 1"/>
           <p:cNvSpPr>
-            <a:spLocks noGrp="true"/>
+            <a:spLocks noGrp="1"/>
           </p:cNvSpPr>
           <p:nvPr>
             <p:ph type="title"/>
@@ -6660,7 +7313,6 @@
               <a:rPr lang="en-US"/>
               <a:t>Javascript Reference</a:t>
             </a:r>
-            <a:endParaRPr lang="en-US"/>
           </a:p>
         </p:txBody>
       </p:sp>
@@ -6668,7 +7320,7 @@
         <p:nvSpPr>
           <p:cNvPr id="3" name="Content Placeholder 2"/>
           <p:cNvSpPr>
-            <a:spLocks noGrp="true"/>
+            <a:spLocks noGrp="1"/>
           </p:cNvSpPr>
           <p:nvPr>
             <p:ph idx="1"/>
@@ -6685,12 +7337,12 @@
             </a:pPr>
             <a:r>
               <a:rPr lang="en-US">
-                <a:hlinkClick r:id="rId1"/>
+                <a:hlinkClick r:id="rId2"/>
               </a:rPr>
               <a:t>https://developer.mozilla.org/en-US/docs/Learn/Getting_started_with_the_web/JavaScript_basics</a:t>
             </a:r>
             <a:endParaRPr lang="en-US">
-              <a:hlinkClick r:id="rId2"/>
+              <a:hlinkClick r:id="rId3"/>
             </a:endParaRPr>
           </a:p>
           <a:p>
@@ -6700,12 +7352,12 @@
             </a:pPr>
             <a:r>
               <a:rPr lang="en-US">
-                <a:hlinkClick r:id="rId2"/>
+                <a:hlinkClick r:id="rId3"/>
               </a:rPr>
               <a:t>https://developer.mozilla.org/en-US/docs/Learn/JavaScript/Asynchronous/Introducing</a:t>
             </a:r>
             <a:endParaRPr lang="en-US">
-              <a:hlinkClick r:id="rId3"/>
+              <a:hlinkClick r:id="rId4"/>
             </a:endParaRPr>
           </a:p>
           <a:p>
@@ -6715,7 +7367,7 @@
             </a:pPr>
             <a:r>
               <a:rPr lang="en-US">
-                <a:hlinkClick r:id="rId3"/>
+                <a:hlinkClick r:id="rId4"/>
               </a:rPr>
               <a:t>https://w3techs.com/technologies/details/cp-javascript</a:t>
             </a:r>
@@ -6758,7 +7410,7 @@
         <p:nvSpPr>
           <p:cNvPr id="2" name="Title 1"/>
           <p:cNvSpPr>
-            <a:spLocks noGrp="true"/>
+            <a:spLocks noGrp="1"/>
           </p:cNvSpPr>
           <p:nvPr>
             <p:ph type="title"/>
@@ -6781,7 +7433,7 @@
         <p:nvSpPr>
           <p:cNvPr id="3" name="Content Placeholder 2"/>
           <p:cNvSpPr>
-            <a:spLocks noGrp="true"/>
+            <a:spLocks noGrp="1"/>
           </p:cNvSpPr>
           <p:nvPr>
             <p:ph idx="1"/>
@@ -6802,12 +7454,16 @@
               <a:buChar char="Ø"/>
             </a:pPr>
             <a:r>
-              <a:rPr lang="en-US" dirty="0"/>
+              <a:rPr lang="en-US" dirty="0" smtClean="0"/>
               <a:t>Types are free documentation that increase understanding and improve developer's </a:t>
             </a:r>
             <a:r>
-              <a:rPr lang="en-US" dirty="0" smtClean="0"/>
-              <a:t>productivity</a:t>
+              <a:rPr lang="en-US" dirty="0" err="1" smtClean="0"/>
+              <a:t>pr</a:t>
+            </a:r>
+            <a:r>
+              <a:rPr lang="vi-VN" dirty="0" smtClean="0"/>
+              <a:t>oductivity</a:t>
             </a:r>
             <a:endParaRPr lang="en-US" dirty="0" smtClean="0"/>
           </a:p>
@@ -6817,12 +7473,8 @@
               <a:buChar char="Ø"/>
             </a:pPr>
             <a:r>
-              <a:rPr lang="en-US" dirty="0"/>
-              <a:t>S</a:t>
-            </a:r>
-            <a:r>
               <a:rPr lang="en-US" dirty="0" smtClean="0"/>
-              <a:t>trong </a:t>
+              <a:t>Strong </a:t>
             </a:r>
             <a:r>
               <a:rPr lang="en-US" dirty="0"/>
@@ -6832,7 +7484,6 @@
               <a:rPr lang="en-US" dirty="0" smtClean="0"/>
               <a:t>reliability</a:t>
             </a:r>
-            <a:endParaRPr lang="en-US" dirty="0" smtClean="0"/>
           </a:p>
           <a:p>
             <a:pPr>
@@ -6843,7 +7494,6 @@
               <a:rPr lang="en-US" dirty="0" smtClean="0"/>
               <a:t>Increase self-documented code</a:t>
             </a:r>
-            <a:endParaRPr lang="en-US" dirty="0" smtClean="0"/>
           </a:p>
         </p:txBody>
       </p:sp>
@@ -6851,12 +7501,12 @@
         <p:nvPicPr>
           <p:cNvPr id="5" name="Picture 4"/>
           <p:cNvPicPr>
-            <a:picLocks noChangeAspect="true"/>
+            <a:picLocks noChangeAspect="1"/>
           </p:cNvPicPr>
           <p:nvPr/>
         </p:nvPicPr>
         <p:blipFill>
-          <a:blip r:embed="rId1"/>
+          <a:blip r:embed="rId2"/>
           <a:stretch>
             <a:fillRect/>
           </a:stretch>
@@ -6875,12 +7525,12 @@
         <p:nvPicPr>
           <p:cNvPr id="6" name="Picture 5"/>
           <p:cNvPicPr>
-            <a:picLocks noChangeAspect="true"/>
+            <a:picLocks noChangeAspect="1"/>
           </p:cNvPicPr>
           <p:nvPr/>
         </p:nvPicPr>
         <p:blipFill>
-          <a:blip r:embed="rId2"/>
+          <a:blip r:embed="rId3"/>
           <a:stretch>
             <a:fillRect/>
           </a:stretch>
@@ -6931,7 +7581,7 @@
         <p:nvSpPr>
           <p:cNvPr id="2" name="Title 1"/>
           <p:cNvSpPr>
-            <a:spLocks noGrp="true"/>
+            <a:spLocks noGrp="1"/>
           </p:cNvSpPr>
           <p:nvPr>
             <p:ph type="title"/>
@@ -6959,7 +7609,7 @@
         <p:nvSpPr>
           <p:cNvPr id="3" name="Content Placeholder 2"/>
           <p:cNvSpPr>
-            <a:spLocks noGrp="true"/>
+            <a:spLocks noGrp="1"/>
           </p:cNvSpPr>
           <p:nvPr>
             <p:ph idx="1"/>
@@ -6977,8 +7627,12 @@
           </a:bodyPr>
           <a:lstStyle/>
           <a:p>
-            <a:r>
-              <a:rPr lang="en-US" smtClean="0">
+            <a:pPr>
+              <a:buFont typeface="Wingdings" panose="05000000000000000000" pitchFamily="2" charset="2"/>
+              <a:buChar char="Ø"/>
+            </a:pPr>
+            <a:r>
+              <a:rPr lang="en-US" dirty="0" smtClean="0">
                 <a:solidFill>
                   <a:schemeClr val="tx1"/>
                 </a:solidFill>
@@ -6986,141 +7640,195 @@
               <a:t>Typescript </a:t>
             </a:r>
             <a:r>
-              <a:rPr lang="en-US"/>
+              <a:rPr lang="en-US" dirty="0"/>
               <a:t>was invented by </a:t>
             </a:r>
             <a:r>
-              <a:rPr lang="en-US" smtClean="0"/>
+              <a:rPr lang="en-US" dirty="0" smtClean="0"/>
               <a:t>Microsoft</a:t>
             </a:r>
-            <a:endParaRPr lang="en-US" smtClean="0"/>
-          </a:p>
-          <a:p>
-            <a:r>
-              <a:rPr lang="en-US" smtClean="0">
+          </a:p>
+          <a:p>
+            <a:pPr>
+              <a:buFont typeface="Wingdings" panose="05000000000000000000" pitchFamily="2" charset="2"/>
+              <a:buChar char="Ø"/>
+            </a:pPr>
+            <a:r>
+              <a:rPr lang="en-US" dirty="0" smtClean="0">
                 <a:solidFill>
                   <a:schemeClr val="tx1"/>
                 </a:solidFill>
               </a:rPr>
-              <a:t>Typescript is a open source project</a:t>
-            </a:r>
-            <a:endParaRPr lang="en-US" smtClean="0"/>
-          </a:p>
-          <a:p>
-            <a:r>
-              <a:rPr lang="en-US"/>
+              <a:t>Typescript is </a:t>
+            </a:r>
+            <a:r>
+              <a:rPr lang="en-US" dirty="0" err="1" smtClean="0">
+                <a:solidFill>
+                  <a:schemeClr val="tx1"/>
+                </a:solidFill>
+              </a:rPr>
+              <a:t>a</a:t>
+            </a:r>
+            <a:r>
+              <a:rPr lang="en-US" dirty="0" smtClean="0">
+                <a:solidFill>
+                  <a:schemeClr val="tx1"/>
+                </a:solidFill>
+              </a:rPr>
+              <a:t> open source project</a:t>
+            </a:r>
+            <a:endParaRPr lang="en-US" dirty="0" smtClean="0"/>
+          </a:p>
+          <a:p>
+            <a:pPr>
+              <a:buFont typeface="Wingdings" panose="05000000000000000000" pitchFamily="2" charset="2"/>
+              <a:buChar char="Ø"/>
+            </a:pPr>
+            <a:r>
+              <a:rPr lang="en-US" dirty="0"/>
               <a:t>First appeared: </a:t>
             </a:r>
             <a:r>
-              <a:rPr lang="en-US" smtClean="0"/>
+              <a:rPr lang="en-US" dirty="0" smtClean="0"/>
               <a:t>10/2012</a:t>
             </a:r>
-            <a:endParaRPr lang="en-US" smtClean="0">
+            <a:endParaRPr lang="en-US" dirty="0" smtClean="0">
               <a:latin typeface="+mj-lt"/>
             </a:endParaRPr>
           </a:p>
           <a:p>
-            <a:r>
-              <a:rPr lang="en-US" smtClean="0">
+            <a:pPr>
+              <a:buFont typeface="Wingdings" panose="05000000000000000000" pitchFamily="2" charset="2"/>
+              <a:buChar char="Ø"/>
+            </a:pPr>
+            <a:r>
+              <a:rPr lang="en-US" dirty="0" err="1" smtClean="0">
                 <a:latin typeface="+mj-lt"/>
               </a:rPr>
-              <a:t>TypeScript </a:t>
-            </a:r>
-            <a:r>
-              <a:rPr lang="en-US">
+              <a:t>TypeScript</a:t>
+            </a:r>
+            <a:r>
+              <a:rPr lang="en-US" dirty="0" smtClean="0">
+                <a:latin typeface="+mj-lt"/>
+              </a:rPr>
+              <a:t> </a:t>
+            </a:r>
+            <a:r>
+              <a:rPr lang="en-US" dirty="0">
                 <a:latin typeface="+mj-lt"/>
               </a:rPr>
               <a:t>is a language that </a:t>
             </a:r>
             <a:r>
-              <a:rPr lang="en-US" smtClean="0">
+              <a:rPr lang="en-US" dirty="0" smtClean="0">
                 <a:latin typeface="+mj-lt"/>
               </a:rPr>
               <a:t>is a </a:t>
             </a:r>
             <a:r>
-              <a:rPr lang="en-US" i="1" smtClean="0">
+              <a:rPr lang="en-US" i="1" dirty="0" smtClean="0">
                 <a:latin typeface="+mj-lt"/>
               </a:rPr>
               <a:t>superset</a:t>
             </a:r>
             <a:r>
-              <a:rPr lang="en-US" smtClean="0">
+              <a:rPr lang="en-US" dirty="0" smtClean="0">
                 <a:latin typeface="+mj-lt"/>
               </a:rPr>
               <a:t> of JavaScript, It is used to add additional static type and check type at compile time</a:t>
             </a:r>
-            <a:endParaRPr lang="vi-VN" smtClean="0">
+            <a:endParaRPr lang="vi-VN" dirty="0" smtClean="0">
               <a:latin typeface="+mj-lt"/>
             </a:endParaRPr>
           </a:p>
           <a:p>
-            <a:r>
-              <a:rPr lang="en-US" smtClean="0"/>
-              <a:t>TypeScript helps us prevent the most common error in JavaScript development</a:t>
-            </a:r>
-            <a:endParaRPr lang="en-US" smtClean="0"/>
+            <a:pPr>
+              <a:buFont typeface="Wingdings" panose="05000000000000000000" pitchFamily="2" charset="2"/>
+              <a:buChar char="Ø"/>
+            </a:pPr>
+            <a:r>
+              <a:rPr lang="en-US" dirty="0" err="1" smtClean="0"/>
+              <a:t>TypeScript</a:t>
+            </a:r>
+            <a:r>
+              <a:rPr lang="en-US" dirty="0" smtClean="0"/>
+              <a:t> helps us prevent the most common error in JavaScript development</a:t>
+            </a:r>
           </a:p>
           <a:p>
             <a:pPr marL="457200" lvl="1" indent="0">
               <a:buNone/>
             </a:pPr>
             <a:r>
-              <a:rPr lang="en-US" smtClean="0"/>
+              <a:rPr lang="en-US" dirty="0" smtClean="0"/>
               <a:t>Ex:</a:t>
             </a:r>
-            <a:endParaRPr lang="en-US" smtClean="0"/>
           </a:p>
           <a:p>
             <a:pPr marL="457200" lvl="1" indent="0">
               <a:buNone/>
             </a:pPr>
             <a:r>
-              <a:rPr lang="en-US" smtClean="0"/>
+              <a:rPr lang="en-US" dirty="0" smtClean="0"/>
               <a:t>- Avoiding classic error like  </a:t>
             </a:r>
             <a:r>
-              <a:rPr lang="en-US"/>
+              <a:rPr lang="en-US" dirty="0"/>
               <a:t>'undefined' is not a function.</a:t>
             </a:r>
-            <a:endParaRPr lang="vi-VN"/>
+            <a:endParaRPr lang="vi-VN" dirty="0"/>
           </a:p>
           <a:p>
             <a:pPr marL="457200" lvl="1" indent="0">
               <a:buNone/>
             </a:pPr>
             <a:r>
-              <a:rPr lang="en-US" smtClean="0"/>
+              <a:rPr lang="en-US" dirty="0" smtClean="0"/>
               <a:t>- Large-scale </a:t>
             </a:r>
             <a:r>
-              <a:rPr lang="en-US"/>
+              <a:rPr lang="en-US" dirty="0"/>
               <a:t>systems is not a nightmare </a:t>
             </a:r>
             <a:r>
-              <a:rPr lang="en-US" smtClean="0"/>
+              <a:rPr lang="en-US" dirty="0" smtClean="0"/>
               <a:t>anymore</a:t>
             </a:r>
-            <a:endParaRPr lang="en-US" smtClean="0"/>
           </a:p>
           <a:p>
             <a:pPr marL="457200" lvl="1" indent="0">
               <a:buNone/>
             </a:pPr>
             <a:r>
-              <a:rPr lang="en-US" smtClean="0"/>
+              <a:rPr lang="en-US" dirty="0" smtClean="0"/>
               <a:t>…</a:t>
             </a:r>
-            <a:endParaRPr lang="en-US"/>
-          </a:p>
-          <a:p>
-            <a:r>
-              <a:rPr lang="en-US" smtClean="0">
+            <a:endParaRPr lang="en-US" dirty="0"/>
+          </a:p>
+          <a:p>
+            <a:pPr>
+              <a:buFont typeface="Wingdings" panose="05000000000000000000" pitchFamily="2" charset="2"/>
+              <a:buChar char="Ø"/>
+            </a:pPr>
+            <a:r>
+              <a:rPr lang="en-US" dirty="0" err="1" smtClean="0">
                 <a:latin typeface="+mj-lt"/>
               </a:rPr>
-              <a:t>TypeScript is compile to Javascript</a:t>
-            </a:r>
-            <a:endParaRPr lang="vi-VN" smtClean="0">
+              <a:t>TypeScript</a:t>
+            </a:r>
+            <a:r>
+              <a:rPr lang="en-US" dirty="0" smtClean="0">
+                <a:latin typeface="+mj-lt"/>
+              </a:rPr>
+              <a:t> is compile to </a:t>
+            </a:r>
+            <a:r>
+              <a:rPr lang="en-US" dirty="0" err="1" smtClean="0">
+                <a:latin typeface="+mj-lt"/>
+              </a:rPr>
+              <a:t>Javascript</a:t>
+            </a:r>
+            <a:endParaRPr lang="vi-VN" dirty="0" smtClean="0">
               <a:latin typeface="+mj-lt"/>
             </a:endParaRPr>
           </a:p>
@@ -7128,7 +7836,7 @@
             <a:pPr marL="0" indent="0">
               <a:buNone/>
             </a:pPr>
-            <a:endParaRPr lang="vi-VN" smtClean="0">
+            <a:endParaRPr lang="vi-VN" dirty="0" smtClean="0">
               <a:latin typeface="+mj-lt"/>
             </a:endParaRPr>
           </a:p>
@@ -7136,22 +7844,22 @@
             <a:pPr marL="0" indent="0">
               <a:buNone/>
             </a:pPr>
-            <a:endParaRPr lang="en-US" smtClean="0"/>
+            <a:endParaRPr lang="en-US" dirty="0" smtClean="0"/>
           </a:p>
           <a:p>
             <a:pPr marL="0" indent="0">
               <a:buNone/>
             </a:pPr>
-            <a:endParaRPr lang="en-US" smtClean="0"/>
-          </a:p>
-          <a:p>
-            <a:endParaRPr lang="en-US"/>
+            <a:endParaRPr lang="en-US" dirty="0" smtClean="0"/>
+          </a:p>
+          <a:p>
+            <a:endParaRPr lang="en-US" dirty="0"/>
           </a:p>
           <a:p>
             <a:pPr marL="0" indent="0">
               <a:buNone/>
             </a:pPr>
-            <a:endParaRPr lang="en-US"/>
+            <a:endParaRPr lang="en-US" dirty="0"/>
           </a:p>
         </p:txBody>
       </p:sp>
@@ -7159,15 +7867,15 @@
         <p:nvPicPr>
           <p:cNvPr id="6" name="Picture 2" descr="Getting started with TypeScript.. If you want to start developing PWAs… |  by Onejohi | Medium"/>
           <p:cNvPicPr>
-            <a:picLocks noChangeAspect="true" noChangeArrowheads="true"/>
+            <a:picLocks noChangeAspect="1" noChangeArrowheads="1"/>
           </p:cNvPicPr>
           <p:nvPr/>
         </p:nvPicPr>
         <p:blipFill>
-          <a:blip r:embed="rId1" cstate="print">
+          <a:blip r:embed="rId2" cstate="print">
             <a:extLst>
               <a:ext uri="{28A0092B-C50C-407E-A947-70E740481C1C}">
-                <a14:useLocalDpi xmlns:a14="http://schemas.microsoft.com/office/drawing/2010/main" val="false"/>
+                <a14:useLocalDpi xmlns:a14="http://schemas.microsoft.com/office/drawing/2010/main" val="0"/>
               </a:ext>
             </a:extLst>
           </a:blip>
@@ -7225,7 +7933,7 @@
         <p:nvSpPr>
           <p:cNvPr id="2" name="Title 1"/>
           <p:cNvSpPr>
-            <a:spLocks noGrp="true"/>
+            <a:spLocks noGrp="1"/>
           </p:cNvSpPr>
           <p:nvPr>
             <p:ph type="title"/>
@@ -7256,7 +7964,6 @@
               <a:rPr lang="en-US"/>
               <a:t>ava</a:t>
             </a:r>
-            <a:endParaRPr lang="en-US"/>
           </a:p>
         </p:txBody>
       </p:sp>
@@ -7264,7 +7971,7 @@
         <p:nvGraphicFramePr>
           <p:cNvPr id="4" name="Content Placeholder 3"/>
           <p:cNvGraphicFramePr>
-            <a:graphicFrameLocks noGrp="true"/>
+            <a:graphicFrameLocks noGrp="1"/>
           </p:cNvGraphicFramePr>
           <p:nvPr>
             <p:ph idx="1"/>
@@ -7277,7 +7984,7 @@
         <a:graphic>
           <a:graphicData uri="http://schemas.openxmlformats.org/drawingml/2006/table">
             <a:tbl>
-              <a:tblPr firstRow="true" bandRow="true">
+              <a:tblPr firstRow="1" bandRow="1">
                 <a:tableStyleId>{5C22544A-7EE6-4342-B048-85BDC9FD1C3A}</a:tableStyleId>
               </a:tblPr>
               <a:tblGrid>
@@ -7297,7 +8004,6 @@
                         <a:rPr lang="en-US" altLang="en-US" dirty="0"/>
                         <a:t>Typescript</a:t>
                       </a:r>
-                      <a:endParaRPr lang="en-US" altLang="en-US" dirty="0"/>
                     </a:p>
                   </a:txBody>
                   <a:tcPr/>
@@ -7518,7 +8224,6 @@
                         <a:rPr lang="en-US" baseline="0" dirty="0" smtClean="0"/>
                         <a:t> modifier for instance variable and method:</a:t>
                       </a:r>
-                      <a:endParaRPr lang="en-US" baseline="0" dirty="0" smtClean="0"/>
                     </a:p>
                     <a:p>
                       <a:pPr marL="285750" indent="-285750">
@@ -7529,7 +8234,6 @@
                         <a:rPr lang="en-US" baseline="0" dirty="0" smtClean="0"/>
                         <a:t>Having Public, Protected, Private access modifier </a:t>
                       </a:r>
-                      <a:endParaRPr lang="en-US" baseline="0" dirty="0" smtClean="0"/>
                     </a:p>
                     <a:p>
                       <a:pPr marL="342900" indent="-342900">
@@ -7544,7 +8248,6 @@
                         <a:rPr lang="en-US" baseline="0" dirty="0" smtClean="0"/>
                         <a:t> is default</a:t>
                       </a:r>
-                      <a:endParaRPr lang="en-US" baseline="0" dirty="0" smtClean="0"/>
                     </a:p>
                     <a:p>
                       <a:pPr marL="342900" indent="-342900">
@@ -7555,7 +8258,6 @@
                         <a:rPr lang="en-US" baseline="0" dirty="0" smtClean="0"/>
                         <a:t>‘Protected’ scope is within class and any objects that inherits from it</a:t>
                       </a:r>
-                      <a:endParaRPr lang="en-US" baseline="0" dirty="0" smtClean="0"/>
                     </a:p>
                   </a:txBody>
                   <a:tcPr/>
@@ -7589,7 +8291,6 @@
                         <a:rPr lang="en-US" baseline="0" dirty="0" smtClean="0"/>
                         <a:t> modifier for instance variable and method:</a:t>
                       </a:r>
-                      <a:endParaRPr lang="en-US" baseline="0" dirty="0" smtClean="0"/>
                     </a:p>
                     <a:p>
                       <a:pPr marL="285750" marR="0" indent="-285750" algn="l" defTabSz="457200" rtl="0" eaLnBrk="1" fontAlgn="auto" latinLnBrk="0" hangingPunct="1">
@@ -7612,7 +8313,6 @@
                         <a:rPr lang="en-US" baseline="0" dirty="0" smtClean="0"/>
                         <a:t>Having Public, Protected ,Default , Private access modifier </a:t>
                       </a:r>
-                      <a:endParaRPr lang="en-US" baseline="0" dirty="0" smtClean="0"/>
                     </a:p>
                     <a:p>
                       <a:pPr marL="285750" indent="-285750">
@@ -7627,7 +8327,6 @@
                         <a:rPr lang="en-US" baseline="0" dirty="0" smtClean="0"/>
                         <a:t> is default</a:t>
                       </a:r>
-                      <a:endParaRPr lang="en-US" baseline="0" dirty="0" smtClean="0"/>
                     </a:p>
                     <a:p>
                       <a:pPr marL="285750" marR="0" indent="-285750" algn="l" defTabSz="457200" rtl="0" eaLnBrk="1" fontAlgn="auto" latinLnBrk="0" hangingPunct="1">
@@ -7650,7 +8349,6 @@
                         <a:rPr lang="en-US" baseline="0" dirty="0" smtClean="0"/>
                         <a:t>‘Protected’ scope is within package and any objects that inherits from it</a:t>
                       </a:r>
-                      <a:endParaRPr lang="en-US" baseline="0" dirty="0" smtClean="0"/>
                     </a:p>
                   </a:txBody>
                   <a:tcPr/>
@@ -7786,7 +8484,7 @@
         <a:solidFill>
           <a:schemeClr val="phClr"/>
         </a:solidFill>
-        <a:gradFill rotWithShape="true">
+        <a:gradFill rotWithShape="1">
           <a:gsLst>
             <a:gs pos="0">
               <a:schemeClr val="phClr">
@@ -7802,9 +8500,9 @@
               </a:schemeClr>
             </a:gs>
           </a:gsLst>
-          <a:lin ang="5400000" scaled="false"/>
+          <a:lin ang="5400000" scaled="0"/>
         </a:gradFill>
-        <a:gradFill rotWithShape="true">
+        <a:gradFill rotWithShape="1">
           <a:gsLst>
             <a:gs pos="0">
               <a:schemeClr val="phClr">
@@ -7819,7 +8517,7 @@
               </a:schemeClr>
             </a:gs>
           </a:gsLst>
-          <a:lin ang="5400000" scaled="false"/>
+          <a:lin ang="5400000" scaled="0"/>
         </a:gradFill>
       </a:fillStyleLst>
       <a:lnStyleLst>
@@ -7878,7 +8576,7 @@
         <a:solidFill>
           <a:schemeClr val="phClr"/>
         </a:solidFill>
-        <a:gradFill rotWithShape="true">
+        <a:gradFill rotWithShape="1">
           <a:gsLst>
             <a:gs pos="0">
               <a:schemeClr val="phClr">
@@ -7901,7 +8599,7 @@
             <a:fillToRect l="45000" t="65000" r="125000" b="100000"/>
           </a:path>
         </a:gradFill>
-        <a:blipFill rotWithShape="true">
+        <a:blipFill rotWithShape="1">
           <a:blip xmlns:r="http://schemas.openxmlformats.org/officeDocument/2006/relationships" r:embed="rId1">
             <a:duotone>
               <a:schemeClr val="phClr">
@@ -7925,6 +8623,8 @@
       </a:bgFillStyleLst>
     </a:fmtScheme>
   </a:themeElements>
+  <a:objectDefaults/>
+  <a:extraClrSchemeLst/>
   <a:extLst>
     <a:ext uri="{05A4C25C-085E-4340-85A3-A5531E510DB2}">
       <thm15:themeFamily xmlns:thm15="http://schemas.microsoft.com/office/thememl/2012/main" name="Office Theme" id="{62F939B6-93AF-4DB8-9C6B-D6C7DFDC589F}" vid="{4A3C46E8-61CC-4603-A589-7422A47A8E4A}"/>
@@ -8051,7 +8751,7 @@
         <a:solidFill>
           <a:schemeClr val="phClr"/>
         </a:solidFill>
-        <a:gradFill rotWithShape="true">
+        <a:gradFill rotWithShape="1">
           <a:gsLst>
             <a:gs pos="0">
               <a:schemeClr val="phClr">
@@ -8075,9 +8775,9 @@
               </a:schemeClr>
             </a:gs>
           </a:gsLst>
-          <a:lin ang="5400000" scaled="false"/>
+          <a:lin ang="5400000" scaled="0"/>
         </a:gradFill>
-        <a:gradFill rotWithShape="true">
+        <a:gradFill rotWithShape="1">
           <a:gsLst>
             <a:gs pos="0">
               <a:schemeClr val="phClr">
@@ -8101,7 +8801,7 @@
               </a:schemeClr>
             </a:gs>
           </a:gsLst>
-          <a:lin ang="5400000" scaled="false"/>
+          <a:lin ang="5400000" scaled="0"/>
         </a:gradFill>
       </a:fillStyleLst>
       <a:lnStyleLst>
@@ -8154,7 +8854,7 @@
             <a:satMod val="170000"/>
           </a:schemeClr>
         </a:solidFill>
-        <a:gradFill rotWithShape="true">
+        <a:gradFill rotWithShape="1">
           <a:gsLst>
             <a:gs pos="0">
               <a:schemeClr val="phClr">
@@ -8179,11 +8879,13 @@
               </a:schemeClr>
             </a:gs>
           </a:gsLst>
-          <a:lin ang="5400000" scaled="false"/>
+          <a:lin ang="5400000" scaled="0"/>
         </a:gradFill>
       </a:bgFillStyleLst>
     </a:fmtScheme>
   </a:themeElements>
+  <a:objectDefaults/>
+  <a:extraClrSchemeLst/>
   <a:extLst>
     <a:ext uri="{05A4C25C-085E-4340-85A3-A5531E510DB2}">
       <thm15:themeFamily xmlns:thm15="http://schemas.microsoft.com/office/thememl/2012/main" name="Office Theme" id="{62F939B6-93AF-4DB8-9C6B-D6C7DFDC589F}" vid="{4A3C46E8-61CC-4603-A589-7422A47A8E4A}"/>

--- a/Document/Study_document/inContact.pptx
+++ b/Document/Study_document/inContact.pptx
@@ -221,7 +221,7 @@
           <a:p>
             <a:fld id="{7DBC1745-093B-4D3D-9A89-9CD99C9E4F7D}" type="datetimeFigureOut">
               <a:rPr lang="en-US" smtClean="0"/>
-              <a:t>2/22/2021</a:t>
+              <a:t>2/24/2021</a:t>
             </a:fld>
             <a:endParaRPr lang="en-US"/>
           </a:p>
@@ -875,7 +875,7 @@
           <a:p>
             <a:fld id="{AF88043E-905E-4148-B009-B3CB700EBBEA}" type="datetimeFigureOut">
               <a:rPr lang="en-US" smtClean="0"/>
-              <a:t>2/22/2021</a:t>
+              <a:t>2/24/2021</a:t>
             </a:fld>
             <a:endParaRPr lang="en-US"/>
           </a:p>
@@ -1256,7 +1256,7 @@
           <a:p>
             <a:fld id="{AF88043E-905E-4148-B009-B3CB700EBBEA}" type="datetimeFigureOut">
               <a:rPr lang="en-US" smtClean="0"/>
-              <a:t>2/22/2021</a:t>
+              <a:t>2/24/2021</a:t>
             </a:fld>
             <a:endParaRPr lang="en-US"/>
           </a:p>
@@ -1400,7 +1400,7 @@
           <a:p>
             <a:fld id="{AF88043E-905E-4148-B009-B3CB700EBBEA}" type="datetimeFigureOut">
               <a:rPr lang="en-US" smtClean="0"/>
-              <a:t>2/22/2021</a:t>
+              <a:t>2/24/2021</a:t>
             </a:fld>
             <a:endParaRPr lang="en-US"/>
           </a:p>
@@ -2036,7 +2036,7 @@
           <a:p>
             <a:fld id="{AF88043E-905E-4148-B009-B3CB700EBBEA}" type="datetimeFigureOut">
               <a:rPr lang="en-US" smtClean="0"/>
-              <a:t>2/22/2021</a:t>
+              <a:t>2/24/2021</a:t>
             </a:fld>
             <a:endParaRPr lang="en-US"/>
           </a:p>
@@ -2882,7 +2882,7 @@
           <a:p>
             <a:fld id="{AF88043E-905E-4148-B009-B3CB700EBBEA}" type="datetimeFigureOut">
               <a:rPr lang="en-US" smtClean="0"/>
-              <a:t>2/22/2021</a:t>
+              <a:t>2/24/2021</a:t>
             </a:fld>
             <a:endParaRPr lang="en-US"/>
           </a:p>
@@ -3056,7 +3056,7 @@
           <a:p>
             <a:fld id="{AF88043E-905E-4148-B009-B3CB700EBBEA}" type="datetimeFigureOut">
               <a:rPr lang="en-US" smtClean="0"/>
-              <a:t>2/22/2021</a:t>
+              <a:t>2/24/2021</a:t>
             </a:fld>
             <a:endParaRPr lang="en-US"/>
           </a:p>
@@ -6068,29 +6068,733 @@
           <a:bodyPr/>
           <a:lstStyle/>
           <a:p>
-            <a:endParaRPr lang="en-US"/>
+            <a:r>
+              <a:rPr lang="en-US" dirty="0" smtClean="0"/>
+              <a:t>Comparing Protractor and Selenium</a:t>
+            </a:r>
+            <a:endParaRPr lang="en-US" dirty="0"/>
           </a:p>
         </p:txBody>
       </p:sp>
-      <p:sp>
-        <p:nvSpPr>
-          <p:cNvPr id="3" name="Content Placeholder 2"/>
-          <p:cNvSpPr>
-            <a:spLocks noGrp="1"/>
-          </p:cNvSpPr>
+      <p:graphicFrame>
+        <p:nvGraphicFramePr>
+          <p:cNvPr id="5" name="Content Placeholder 4"/>
+          <p:cNvGraphicFramePr>
+            <a:graphicFrameLocks noGrp="1"/>
+          </p:cNvGraphicFramePr>
           <p:nvPr>
             <p:ph idx="1"/>
+            <p:extLst>
+              <p:ext uri="{D42A27DB-BD31-4B8C-83A1-F6EECF244321}">
+                <p14:modId xmlns:p14="http://schemas.microsoft.com/office/powerpoint/2010/main" val="38052544"/>
+              </p:ext>
+            </p:extLst>
           </p:nvPr>
-        </p:nvSpPr>
-        <p:spPr/>
-        <p:txBody>
-          <a:bodyPr/>
-          <a:lstStyle/>
-          <a:p>
-            <a:endParaRPr lang="en-US"/>
-          </a:p>
-        </p:txBody>
-      </p:sp>
+        </p:nvGraphicFramePr>
+        <p:xfrm>
+          <a:off x="202657" y="1421819"/>
+          <a:ext cx="11813330" cy="4751749"/>
+        </p:xfrm>
+        <a:graphic>
+          <a:graphicData uri="http://schemas.openxmlformats.org/drawingml/2006/table">
+            <a:tbl>
+              <a:tblPr firstRow="1" bandRow="1">
+                <a:tableStyleId>{5C22544A-7EE6-4342-B048-85BDC9FD1C3A}</a:tableStyleId>
+              </a:tblPr>
+              <a:tblGrid>
+                <a:gridCol w="5906665"/>
+                <a:gridCol w="5906665"/>
+              </a:tblGrid>
+              <a:tr h="338692">
+                <a:tc>
+                  <a:txBody>
+                    <a:bodyPr/>
+                    <a:lstStyle/>
+                    <a:p>
+                      <a:pPr algn="ctr"/>
+                      <a:r>
+                        <a:rPr lang="en-US" dirty="0" smtClean="0"/>
+                        <a:t>Protractor </a:t>
+                      </a:r>
+                      <a:endParaRPr lang="en-US" dirty="0"/>
+                    </a:p>
+                  </a:txBody>
+                  <a:tcPr/>
+                </a:tc>
+                <a:tc>
+                  <a:txBody>
+                    <a:bodyPr/>
+                    <a:lstStyle/>
+                    <a:p>
+                      <a:pPr algn="ctr"/>
+                      <a:r>
+                        <a:rPr lang="en-US" dirty="0" smtClean="0"/>
+                        <a:t>Selenium</a:t>
+                      </a:r>
+                      <a:endParaRPr lang="en-US" dirty="0"/>
+                    </a:p>
+                  </a:txBody>
+                  <a:tcPr/>
+                </a:tc>
+              </a:tr>
+              <a:tr h="1100748">
+                <a:tc>
+                  <a:txBody>
+                    <a:bodyPr/>
+                    <a:lstStyle/>
+                    <a:p>
+                      <a:pPr rtl="0"/>
+                      <a:r>
+                        <a:rPr lang="en-US" sz="1800" b="0" i="0" u="none" strike="noStrike" kern="1200" dirty="0" smtClean="0">
+                          <a:solidFill>
+                            <a:schemeClr val="dk1"/>
+                          </a:solidFill>
+                          <a:effectLst/>
+                          <a:latin typeface="+mn-lt"/>
+                          <a:ea typeface="+mn-ea"/>
+                          <a:cs typeface="+mn-cs"/>
+                        </a:rPr>
+                        <a:t>Binding Language:</a:t>
+                      </a:r>
+                    </a:p>
+                    <a:p>
+                      <a:pPr marL="285750" indent="-285750" rtl="0">
+                        <a:buFont typeface="Arial" panose="020B0604020202020204" pitchFamily="34" charset="0"/>
+                        <a:buChar char="•"/>
+                      </a:pPr>
+                      <a:r>
+                        <a:rPr lang="en-US" sz="1800" b="0" i="0" u="none" strike="noStrike" kern="1200" dirty="0" smtClean="0">
+                          <a:solidFill>
+                            <a:schemeClr val="dk1"/>
+                          </a:solidFill>
+                          <a:effectLst/>
+                          <a:latin typeface="+mn-lt"/>
+                          <a:ea typeface="+mn-ea"/>
+                          <a:cs typeface="+mn-cs"/>
+                        </a:rPr>
+                        <a:t>Java, Python, Ruby,</a:t>
+                      </a:r>
+                      <a:r>
+                        <a:rPr lang="en-US" sz="1800" b="0" i="0" u="none" strike="noStrike" kern="1200" baseline="0" dirty="0" smtClean="0">
+                          <a:solidFill>
+                            <a:schemeClr val="dk1"/>
+                          </a:solidFill>
+                          <a:effectLst/>
+                          <a:latin typeface="+mn-lt"/>
+                          <a:ea typeface="+mn-ea"/>
+                          <a:cs typeface="+mn-cs"/>
+                        </a:rPr>
+                        <a:t> </a:t>
+                      </a:r>
+                      <a:r>
+                        <a:rPr lang="en-US" sz="1800" b="0" i="0" u="none" strike="noStrike" kern="1200" dirty="0" err="1" smtClean="0">
+                          <a:solidFill>
+                            <a:schemeClr val="dk1"/>
+                          </a:solidFill>
+                          <a:effectLst/>
+                          <a:latin typeface="+mn-lt"/>
+                          <a:ea typeface="+mn-ea"/>
+                          <a:cs typeface="+mn-cs"/>
+                        </a:rPr>
+                        <a:t>Javascript</a:t>
+                      </a:r>
+                      <a:r>
+                        <a:rPr lang="en-US" sz="1800" b="0" i="0" u="none" strike="noStrike" kern="1200" dirty="0" smtClean="0">
+                          <a:solidFill>
+                            <a:schemeClr val="dk1"/>
+                          </a:solidFill>
+                          <a:effectLst/>
+                          <a:latin typeface="+mn-lt"/>
+                          <a:ea typeface="+mn-ea"/>
+                          <a:cs typeface="+mn-cs"/>
+                        </a:rPr>
+                        <a:t>, C#... (almost</a:t>
+                      </a:r>
+                      <a:r>
+                        <a:rPr lang="en-US" sz="1800" b="0" i="0" u="none" strike="noStrike" kern="1200" baseline="0" dirty="0" smtClean="0">
+                          <a:solidFill>
+                            <a:schemeClr val="dk1"/>
+                          </a:solidFill>
+                          <a:effectLst/>
+                          <a:latin typeface="+mn-lt"/>
+                          <a:ea typeface="+mn-ea"/>
+                          <a:cs typeface="+mn-cs"/>
+                        </a:rPr>
+                        <a:t> common programming language in the world)</a:t>
+                      </a:r>
+                      <a:endParaRPr lang="en-US" b="0" dirty="0" smtClean="0">
+                        <a:effectLst/>
+                      </a:endParaRPr>
+                    </a:p>
+                  </a:txBody>
+                  <a:tcPr/>
+                </a:tc>
+                <a:tc>
+                  <a:txBody>
+                    <a:bodyPr/>
+                    <a:lstStyle/>
+                    <a:p>
+                      <a:pPr rtl="0"/>
+                      <a:r>
+                        <a:rPr lang="en-US" sz="1800" b="0" i="0" u="none" strike="noStrike" kern="1200" dirty="0" smtClean="0">
+                          <a:solidFill>
+                            <a:schemeClr val="dk1"/>
+                          </a:solidFill>
+                          <a:effectLst/>
+                          <a:latin typeface="+mn-lt"/>
+                          <a:ea typeface="+mn-ea"/>
+                          <a:cs typeface="+mn-cs"/>
+                        </a:rPr>
+                        <a:t>Binding Language:</a:t>
+                      </a:r>
+                      <a:endParaRPr lang="en-US" b="0" dirty="0" smtClean="0">
+                        <a:effectLst/>
+                      </a:endParaRPr>
+                    </a:p>
+                    <a:p>
+                      <a:pPr marL="285750" indent="-285750" rtl="0" fontAlgn="base">
+                        <a:buFont typeface="Arial" panose="020B0604020202020204" pitchFamily="34" charset="0"/>
+                        <a:buChar char="•"/>
+                      </a:pPr>
+                      <a:r>
+                        <a:rPr lang="en-US" sz="1800" b="0" i="0" u="none" strike="noStrike" kern="1200" dirty="0" err="1" smtClean="0">
+                          <a:solidFill>
+                            <a:schemeClr val="dk1"/>
+                          </a:solidFill>
+                          <a:effectLst/>
+                          <a:latin typeface="+mn-lt"/>
+                          <a:ea typeface="+mn-ea"/>
+                          <a:cs typeface="+mn-cs"/>
+                        </a:rPr>
+                        <a:t>Javascript</a:t>
+                      </a:r>
+                      <a:r>
+                        <a:rPr lang="en-US" sz="1800" b="0" i="0" u="none" strike="noStrike" kern="1200" dirty="0" smtClean="0">
+                          <a:solidFill>
+                            <a:schemeClr val="dk1"/>
+                          </a:solidFill>
+                          <a:effectLst/>
+                          <a:latin typeface="+mn-lt"/>
+                          <a:ea typeface="+mn-ea"/>
+                          <a:cs typeface="+mn-cs"/>
+                        </a:rPr>
+                        <a:t> , Typescript</a:t>
+                      </a:r>
+                    </a:p>
+                    <a:p>
+                      <a:endParaRPr lang="en-US" dirty="0"/>
+                    </a:p>
+                  </a:txBody>
+                  <a:tcPr/>
+                </a:tc>
+              </a:tr>
+              <a:tr h="2370841">
+                <a:tc>
+                  <a:txBody>
+                    <a:bodyPr/>
+                    <a:lstStyle/>
+                    <a:p>
+                      <a:r>
+                        <a:rPr lang="en-US" sz="1800" b="0" i="0" u="none" strike="noStrike" kern="1200" dirty="0" smtClean="0">
+                          <a:solidFill>
+                            <a:schemeClr val="dk1"/>
+                          </a:solidFill>
+                          <a:effectLst/>
+                          <a:latin typeface="+mn-lt"/>
+                          <a:ea typeface="+mn-ea"/>
+                          <a:cs typeface="+mn-cs"/>
+                        </a:rPr>
+                        <a:t>Application Under Test (AUT):</a:t>
+                      </a:r>
+                      <a:endParaRPr lang="vi-VN" sz="1800" b="0" i="0" u="none" strike="noStrike" kern="1200" dirty="0" smtClean="0">
+                        <a:solidFill>
+                          <a:schemeClr val="dk1"/>
+                        </a:solidFill>
+                        <a:effectLst/>
+                        <a:latin typeface="+mn-lt"/>
+                        <a:ea typeface="+mn-ea"/>
+                        <a:cs typeface="+mn-cs"/>
+                      </a:endParaRPr>
+                    </a:p>
+                    <a:p>
+                      <a:pPr marL="285750" indent="-285750">
+                        <a:buFont typeface="Arial" panose="020B0604020202020204" pitchFamily="34" charset="0"/>
+                        <a:buChar char="•"/>
+                      </a:pPr>
+                      <a:r>
+                        <a:rPr lang="en-US" sz="1800" b="0" i="0" u="none" strike="noStrike" kern="1200" dirty="0" smtClean="0">
+                          <a:solidFill>
+                            <a:schemeClr val="dk1"/>
+                          </a:solidFill>
+                          <a:effectLst/>
+                          <a:latin typeface="+mn-lt"/>
+                          <a:ea typeface="+mn-ea"/>
+                          <a:cs typeface="+mn-cs"/>
+                        </a:rPr>
+                        <a:t>Non-Angular : Good</a:t>
+                      </a:r>
+                      <a:r>
+                        <a:rPr lang="en-US" sz="1800" b="0" i="0" u="none" strike="noStrike" kern="1200" baseline="0" dirty="0" smtClean="0">
+                          <a:solidFill>
+                            <a:schemeClr val="dk1"/>
+                          </a:solidFill>
+                          <a:effectLst/>
+                          <a:latin typeface="+mn-lt"/>
+                          <a:ea typeface="+mn-ea"/>
+                          <a:cs typeface="+mn-cs"/>
+                        </a:rPr>
+                        <a:t> , </a:t>
+                      </a:r>
+                      <a:r>
+                        <a:rPr lang="en-US" sz="1800" b="0" i="0" u="none" strike="noStrike" kern="1200" dirty="0" smtClean="0">
+                          <a:solidFill>
+                            <a:schemeClr val="dk1"/>
+                          </a:solidFill>
+                          <a:effectLst/>
+                          <a:latin typeface="+mn-lt"/>
+                          <a:ea typeface="+mn-ea"/>
+                          <a:cs typeface="+mn-cs"/>
+                        </a:rPr>
+                        <a:t>Support many programming language, easy</a:t>
+                      </a:r>
+                      <a:r>
+                        <a:rPr lang="en-US" sz="1800" b="0" i="0" u="none" strike="noStrike" kern="1200" baseline="0" dirty="0" smtClean="0">
+                          <a:solidFill>
+                            <a:schemeClr val="dk1"/>
+                          </a:solidFill>
+                          <a:effectLst/>
+                          <a:latin typeface="+mn-lt"/>
+                          <a:ea typeface="+mn-ea"/>
+                          <a:cs typeface="+mn-cs"/>
+                        </a:rPr>
+                        <a:t> to learn</a:t>
+                      </a:r>
+                      <a:r>
+                        <a:rPr lang="en-US" sz="1800" b="0" i="0" u="none" strike="noStrike" kern="1200" dirty="0" smtClean="0">
+                          <a:solidFill>
+                            <a:schemeClr val="dk1"/>
+                          </a:solidFill>
+                          <a:effectLst/>
+                          <a:latin typeface="+mn-lt"/>
+                          <a:ea typeface="+mn-ea"/>
+                          <a:cs typeface="+mn-cs"/>
+                        </a:rPr>
+                        <a:t> , easy</a:t>
+                      </a:r>
+                      <a:r>
+                        <a:rPr lang="en-US" sz="1800" b="0" i="0" u="none" strike="noStrike" kern="1200" baseline="0" dirty="0" smtClean="0">
+                          <a:solidFill>
+                            <a:schemeClr val="dk1"/>
+                          </a:solidFill>
+                          <a:effectLst/>
+                          <a:latin typeface="+mn-lt"/>
+                          <a:ea typeface="+mn-ea"/>
+                          <a:cs typeface="+mn-cs"/>
+                        </a:rPr>
+                        <a:t> to use.</a:t>
+                      </a:r>
+                    </a:p>
+                    <a:p>
+                      <a:pPr marL="285750" indent="-285750">
+                        <a:buFont typeface="Arial" panose="020B0604020202020204" pitchFamily="34" charset="0"/>
+                        <a:buChar char="•"/>
+                      </a:pPr>
+                      <a:r>
+                        <a:rPr lang="en-US" sz="1800" b="0" i="0" u="none" strike="noStrike" kern="1200" baseline="0" dirty="0" smtClean="0">
+                          <a:solidFill>
+                            <a:schemeClr val="dk1"/>
+                          </a:solidFill>
+                          <a:effectLst/>
+                          <a:latin typeface="+mn-lt"/>
+                          <a:ea typeface="+mn-ea"/>
+                          <a:cs typeface="+mn-cs"/>
+                        </a:rPr>
+                        <a:t>Angular: Not good more than Protractor. </a:t>
+                      </a:r>
+                      <a:r>
+                        <a:rPr lang="en-US" sz="1800" b="0" i="0" kern="1200" dirty="0" smtClean="0">
+                          <a:solidFill>
+                            <a:schemeClr val="dk1"/>
+                          </a:solidFill>
+                          <a:effectLst/>
+                          <a:latin typeface="+mn-lt"/>
+                          <a:ea typeface="+mn-ea"/>
+                          <a:cs typeface="+mn-cs"/>
+                        </a:rPr>
+                        <a:t>Does not support automatic</a:t>
+                      </a:r>
+                      <a:r>
+                        <a:rPr lang="en-US" sz="1800" b="0" i="0" kern="1200" baseline="0" dirty="0" smtClean="0">
+                          <a:solidFill>
+                            <a:schemeClr val="dk1"/>
+                          </a:solidFill>
+                          <a:effectLst/>
+                          <a:latin typeface="+mn-lt"/>
+                          <a:ea typeface="+mn-ea"/>
+                          <a:cs typeface="+mn-cs"/>
+                        </a:rPr>
+                        <a:t> </a:t>
+                      </a:r>
+                      <a:r>
+                        <a:rPr lang="en-US" sz="1800" b="0" i="0" kern="1200" dirty="0" smtClean="0">
+                          <a:solidFill>
+                            <a:schemeClr val="dk1"/>
+                          </a:solidFill>
+                          <a:effectLst/>
+                          <a:latin typeface="+mn-lt"/>
+                          <a:ea typeface="+mn-ea"/>
+                          <a:cs typeface="+mn-cs"/>
+                        </a:rPr>
+                        <a:t>synchronization between tests and application. It needs to be explicitly synchronized using different waits.</a:t>
+                      </a:r>
+                      <a:endParaRPr lang="en-US" dirty="0"/>
+                    </a:p>
+                  </a:txBody>
+                  <a:tcPr/>
+                </a:tc>
+                <a:tc>
+                  <a:txBody>
+                    <a:bodyPr/>
+                    <a:lstStyle/>
+                    <a:p>
+                      <a:r>
+                        <a:rPr lang="en-US" sz="1800" b="0" i="0" u="none" strike="noStrike" kern="1200" dirty="0" smtClean="0">
+                          <a:solidFill>
+                            <a:schemeClr val="dk1"/>
+                          </a:solidFill>
+                          <a:effectLst/>
+                          <a:latin typeface="+mn-lt"/>
+                          <a:ea typeface="+mn-ea"/>
+                          <a:cs typeface="+mn-cs"/>
+                        </a:rPr>
+                        <a:t>Application Under Test (AUT):</a:t>
+                      </a:r>
+                      <a:endParaRPr lang="vi-VN" sz="1800" b="0" i="0" u="none" strike="noStrike" kern="1200" dirty="0" smtClean="0">
+                        <a:solidFill>
+                          <a:schemeClr val="dk1"/>
+                        </a:solidFill>
+                        <a:effectLst/>
+                        <a:latin typeface="+mn-lt"/>
+                        <a:ea typeface="+mn-ea"/>
+                        <a:cs typeface="+mn-cs"/>
+                      </a:endParaRPr>
+                    </a:p>
+                    <a:p>
+                      <a:pPr marL="285750" indent="-285750">
+                        <a:buFont typeface="Arial" panose="020B0604020202020204" pitchFamily="34" charset="0"/>
+                        <a:buChar char="•"/>
+                      </a:pPr>
+                      <a:r>
+                        <a:rPr lang="en-US" sz="1800" b="0" i="0" u="none" strike="noStrike" kern="1200" dirty="0" smtClean="0">
+                          <a:solidFill>
+                            <a:schemeClr val="dk1"/>
+                          </a:solidFill>
+                          <a:effectLst/>
+                          <a:latin typeface="+mn-lt"/>
+                          <a:ea typeface="+mn-ea"/>
+                          <a:cs typeface="+mn-cs"/>
+                        </a:rPr>
+                        <a:t>Non-Angular : Not good more than Selenium ,</a:t>
+                      </a:r>
+                      <a:r>
+                        <a:rPr lang="en-US" sz="1800" b="0" i="0" u="none" strike="noStrike" kern="1200" baseline="0" dirty="0" smtClean="0">
+                          <a:solidFill>
+                            <a:schemeClr val="dk1"/>
+                          </a:solidFill>
+                          <a:effectLst/>
+                          <a:latin typeface="+mn-lt"/>
+                          <a:ea typeface="+mn-ea"/>
+                          <a:cs typeface="+mn-cs"/>
+                        </a:rPr>
+                        <a:t> complex learning and using more than Selenium, don’t have any additional support.</a:t>
+                      </a:r>
+                    </a:p>
+                    <a:p>
+                      <a:pPr marL="285750" indent="-285750">
+                        <a:buFont typeface="Arial" panose="020B0604020202020204" pitchFamily="34" charset="0"/>
+                        <a:buChar char="•"/>
+                      </a:pPr>
+                      <a:r>
+                        <a:rPr lang="en-US" sz="1800" b="0" i="0" u="none" strike="noStrike" kern="1200" baseline="0" dirty="0" smtClean="0">
+                          <a:solidFill>
+                            <a:schemeClr val="dk1"/>
+                          </a:solidFill>
+                          <a:effectLst/>
+                          <a:latin typeface="+mn-lt"/>
+                          <a:ea typeface="+mn-ea"/>
+                          <a:cs typeface="+mn-cs"/>
+                        </a:rPr>
+                        <a:t>Angular: Good, It’s created for Protractor, s</a:t>
+                      </a:r>
+                      <a:r>
+                        <a:rPr lang="en-US" sz="1800" b="0" i="0" kern="1200" dirty="0" smtClean="0">
+                          <a:solidFill>
+                            <a:schemeClr val="dk1"/>
+                          </a:solidFill>
+                          <a:effectLst/>
+                          <a:latin typeface="+mn-lt"/>
+                          <a:ea typeface="+mn-ea"/>
+                          <a:cs typeface="+mn-cs"/>
+                        </a:rPr>
+                        <a:t>upports automatic wait</a:t>
+                      </a:r>
+                      <a:endParaRPr lang="en-US" dirty="0"/>
+                    </a:p>
+                  </a:txBody>
+                  <a:tcPr/>
+                </a:tc>
+              </a:tr>
+              <a:tr h="846729">
+                <a:tc>
+                  <a:txBody>
+                    <a:bodyPr/>
+                    <a:lstStyle/>
+                    <a:p>
+                      <a:pPr rtl="0"/>
+                      <a:r>
+                        <a:rPr lang="en-US" sz="1800" b="0" i="0" u="none" strike="noStrike" kern="1200" dirty="0" smtClean="0">
+                          <a:solidFill>
+                            <a:schemeClr val="dk1"/>
+                          </a:solidFill>
+                          <a:effectLst/>
+                          <a:latin typeface="+mn-lt"/>
+                          <a:ea typeface="+mn-ea"/>
+                          <a:cs typeface="+mn-cs"/>
+                        </a:rPr>
+                        <a:t>Unit Testing Framework support:</a:t>
+                      </a:r>
+                      <a:endParaRPr lang="en-US" b="0" dirty="0" smtClean="0">
+                        <a:effectLst/>
+                      </a:endParaRPr>
+                    </a:p>
+                    <a:p>
+                      <a:pPr marL="285750" indent="-285750" rtl="0" fontAlgn="base">
+                        <a:buFont typeface="Arial" panose="020B0604020202020204" pitchFamily="34" charset="0"/>
+                        <a:buChar char="•"/>
+                      </a:pPr>
+                      <a:r>
+                        <a:rPr lang="en-US" sz="1800" b="0" i="0" u="none" strike="noStrike" kern="1200" dirty="0" err="1" smtClean="0">
+                          <a:solidFill>
+                            <a:schemeClr val="dk1"/>
+                          </a:solidFill>
+                          <a:effectLst/>
+                          <a:latin typeface="+mn-lt"/>
+                          <a:ea typeface="+mn-ea"/>
+                          <a:cs typeface="+mn-cs"/>
+                        </a:rPr>
+                        <a:t>JUnit</a:t>
+                      </a:r>
+                      <a:r>
+                        <a:rPr lang="en-US" sz="1800" b="0" i="0" u="none" strike="noStrike" kern="1200" dirty="0" smtClean="0">
+                          <a:solidFill>
+                            <a:schemeClr val="dk1"/>
+                          </a:solidFill>
+                          <a:effectLst/>
+                          <a:latin typeface="+mn-lt"/>
+                          <a:ea typeface="+mn-ea"/>
+                          <a:cs typeface="+mn-cs"/>
+                        </a:rPr>
+                        <a:t>, </a:t>
+                      </a:r>
+                      <a:r>
+                        <a:rPr lang="en-US" sz="1800" b="0" i="0" u="none" strike="noStrike" kern="1200" dirty="0" err="1" smtClean="0">
+                          <a:solidFill>
+                            <a:schemeClr val="dk1"/>
+                          </a:solidFill>
+                          <a:effectLst/>
+                          <a:latin typeface="+mn-lt"/>
+                          <a:ea typeface="+mn-ea"/>
+                          <a:cs typeface="+mn-cs"/>
+                        </a:rPr>
+                        <a:t>TestNG</a:t>
+                      </a:r>
+                      <a:r>
+                        <a:rPr lang="en-US" sz="1800" b="0" i="0" u="none" strike="noStrike" kern="1200" dirty="0" smtClean="0">
+                          <a:solidFill>
+                            <a:schemeClr val="dk1"/>
+                          </a:solidFill>
+                          <a:effectLst/>
+                          <a:latin typeface="+mn-lt"/>
+                          <a:ea typeface="+mn-ea"/>
+                          <a:cs typeface="+mn-cs"/>
+                        </a:rPr>
+                        <a:t>, </a:t>
+                      </a:r>
+                      <a:r>
+                        <a:rPr lang="en-US" sz="1800" b="0" i="0" u="none" strike="noStrike" kern="1200" dirty="0" err="1" smtClean="0">
+                          <a:solidFill>
+                            <a:schemeClr val="dk1"/>
+                          </a:solidFill>
+                          <a:effectLst/>
+                          <a:latin typeface="+mn-lt"/>
+                          <a:ea typeface="+mn-ea"/>
+                          <a:cs typeface="+mn-cs"/>
+                        </a:rPr>
+                        <a:t>NUnit</a:t>
+                      </a:r>
+                      <a:r>
+                        <a:rPr lang="en-US" sz="1800" b="0" i="0" u="none" strike="noStrike" kern="1200" dirty="0" smtClean="0">
+                          <a:solidFill>
+                            <a:schemeClr val="dk1"/>
+                          </a:solidFill>
+                          <a:effectLst/>
+                          <a:latin typeface="+mn-lt"/>
+                          <a:ea typeface="+mn-ea"/>
+                          <a:cs typeface="+mn-cs"/>
+                        </a:rPr>
+                        <a:t>, </a:t>
+                      </a:r>
+                      <a:r>
+                        <a:rPr lang="en-US" sz="1800" b="0" i="0" u="none" strike="noStrike" kern="1200" dirty="0" err="1" smtClean="0">
+                          <a:solidFill>
+                            <a:schemeClr val="dk1"/>
+                          </a:solidFill>
+                          <a:effectLst/>
+                          <a:latin typeface="+mn-lt"/>
+                          <a:ea typeface="+mn-ea"/>
+                          <a:cs typeface="+mn-cs"/>
+                        </a:rPr>
+                        <a:t>XUnit</a:t>
+                      </a:r>
+                      <a:r>
+                        <a:rPr lang="en-US" sz="1800" b="0" i="0" u="none" strike="noStrike" kern="1200" dirty="0" smtClean="0">
+                          <a:solidFill>
+                            <a:schemeClr val="dk1"/>
+                          </a:solidFill>
+                          <a:effectLst/>
+                          <a:latin typeface="+mn-lt"/>
+                          <a:ea typeface="+mn-ea"/>
+                          <a:cs typeface="+mn-cs"/>
+                        </a:rPr>
+                        <a:t>, </a:t>
+                      </a:r>
+                      <a:r>
+                        <a:rPr lang="en-US" sz="1800" b="0" i="0" u="none" strike="noStrike" kern="1200" dirty="0" err="1" smtClean="0">
+                          <a:solidFill>
+                            <a:schemeClr val="dk1"/>
+                          </a:solidFill>
+                          <a:effectLst/>
+                          <a:latin typeface="+mn-lt"/>
+                          <a:ea typeface="+mn-ea"/>
+                          <a:cs typeface="+mn-cs"/>
+                        </a:rPr>
+                        <a:t>MSTest</a:t>
+                      </a:r>
+                      <a:r>
+                        <a:rPr lang="en-US" sz="1800" b="0" i="0" u="none" strike="noStrike" kern="1200" dirty="0" smtClean="0">
+                          <a:solidFill>
+                            <a:schemeClr val="dk1"/>
+                          </a:solidFill>
+                          <a:effectLst/>
+                          <a:latin typeface="+mn-lt"/>
+                          <a:ea typeface="+mn-ea"/>
+                          <a:cs typeface="+mn-cs"/>
+                        </a:rPr>
+                        <a:t>, </a:t>
+                      </a:r>
+                      <a:r>
+                        <a:rPr lang="en-US" sz="1800" b="0" i="0" u="none" strike="noStrike" kern="1200" dirty="0" err="1" smtClean="0">
+                          <a:solidFill>
+                            <a:schemeClr val="dk1"/>
+                          </a:solidFill>
+                          <a:effectLst/>
+                          <a:latin typeface="+mn-lt"/>
+                          <a:ea typeface="+mn-ea"/>
+                          <a:cs typeface="+mn-cs"/>
+                        </a:rPr>
+                        <a:t>PyTest</a:t>
+                      </a:r>
+                      <a:r>
+                        <a:rPr lang="en-US" sz="1800" b="0" i="0" u="none" strike="noStrike" kern="1200" dirty="0" smtClean="0">
+                          <a:solidFill>
+                            <a:schemeClr val="dk1"/>
+                          </a:solidFill>
+                          <a:effectLst/>
+                          <a:latin typeface="+mn-lt"/>
+                          <a:ea typeface="+mn-ea"/>
+                          <a:cs typeface="+mn-cs"/>
+                        </a:rPr>
+                        <a:t> …</a:t>
+                      </a:r>
+                    </a:p>
+                    <a:p>
+                      <a:endParaRPr lang="en-US" dirty="0"/>
+                    </a:p>
+                  </a:txBody>
+                  <a:tcPr/>
+                </a:tc>
+                <a:tc>
+                  <a:txBody>
+                    <a:bodyPr/>
+                    <a:lstStyle/>
+                    <a:p>
+                      <a:pPr rtl="0"/>
+                      <a:r>
+                        <a:rPr lang="en-US" sz="1800" b="0" i="0" u="none" strike="noStrike" kern="1200" dirty="0" smtClean="0">
+                          <a:solidFill>
+                            <a:schemeClr val="dk1"/>
+                          </a:solidFill>
+                          <a:effectLst/>
+                          <a:latin typeface="+mn-lt"/>
+                          <a:ea typeface="+mn-ea"/>
+                          <a:cs typeface="+mn-cs"/>
+                        </a:rPr>
+                        <a:t>Unit Testing Framework support:</a:t>
+                      </a:r>
+                      <a:endParaRPr lang="en-US" b="0" dirty="0" smtClean="0">
+                        <a:effectLst/>
+                      </a:endParaRPr>
+                    </a:p>
+                    <a:p>
+                      <a:pPr marL="285750" indent="-285750" rtl="0" fontAlgn="base">
+                        <a:buFont typeface="Arial" panose="020B0604020202020204" pitchFamily="34" charset="0"/>
+                        <a:buChar char="•"/>
+                      </a:pPr>
+                      <a:r>
+                        <a:rPr lang="en-US" sz="1800" b="0" i="0" u="none" strike="noStrike" kern="1200" dirty="0" smtClean="0">
+                          <a:solidFill>
+                            <a:schemeClr val="dk1"/>
+                          </a:solidFill>
+                          <a:effectLst/>
+                          <a:latin typeface="+mn-lt"/>
+                          <a:ea typeface="+mn-ea"/>
+                          <a:cs typeface="+mn-cs"/>
+                        </a:rPr>
+                        <a:t>Jasmine, Mocha, </a:t>
+                      </a:r>
+                      <a:r>
+                        <a:rPr lang="en-US" sz="1800" b="0" i="0" u="none" strike="noStrike" kern="1200" dirty="0" err="1" smtClean="0">
+                          <a:solidFill>
+                            <a:schemeClr val="dk1"/>
+                          </a:solidFill>
+                          <a:effectLst/>
+                          <a:latin typeface="+mn-lt"/>
+                          <a:ea typeface="+mn-ea"/>
+                          <a:cs typeface="+mn-cs"/>
+                        </a:rPr>
+                        <a:t>CucumberJs</a:t>
+                      </a:r>
+                      <a:endParaRPr lang="en-US" sz="1800" b="0" i="0" u="none" strike="noStrike" kern="1200" dirty="0" smtClean="0">
+                        <a:solidFill>
+                          <a:schemeClr val="dk1"/>
+                        </a:solidFill>
+                        <a:effectLst/>
+                        <a:latin typeface="+mn-lt"/>
+                        <a:ea typeface="+mn-ea"/>
+                        <a:cs typeface="+mn-cs"/>
+                      </a:endParaRPr>
+                    </a:p>
+                    <a:p>
+                      <a:endParaRPr lang="en-US" dirty="0"/>
+                    </a:p>
+                  </a:txBody>
+                  <a:tcPr/>
+                </a:tc>
+              </a:tr>
+            </a:tbl>
+          </a:graphicData>
+        </a:graphic>
+      </p:graphicFrame>
     </p:spTree>
     <p:extLst>
       <p:ext uri="{BB962C8B-B14F-4D97-AF65-F5344CB8AC3E}">
@@ -6101,6 +6805,13 @@
   <p:clrMapOvr>
     <a:masterClrMapping/>
   </p:clrMapOvr>
+  <p:timing>
+    <p:tnLst>
+      <p:par>
+        <p:cTn id="1" dur="indefinite" restart="never" nodeType="tmRoot"/>
+      </p:par>
+    </p:tnLst>
+  </p:timing>
 </p:sld>
 </file>
 

--- a/Document/Study_document/inContact.pptx
+++ b/Document/Study_document/inContact.pptx
@@ -5,7 +5,7 @@
     <p:sldMasterId id="2147483648" r:id="rId1"/>
   </p:sldMasterIdLst>
   <p:notesMasterIdLst>
-    <p:notesMasterId r:id="rId21"/>
+    <p:notesMasterId r:id="rId25"/>
   </p:notesMasterIdLst>
   <p:sldIdLst>
     <p:sldId id="256" r:id="rId2"/>
@@ -16,17 +16,21 @@
     <p:sldId id="276" r:id="rId7"/>
     <p:sldId id="287" r:id="rId8"/>
     <p:sldId id="275" r:id="rId9"/>
-    <p:sldId id="283" r:id="rId10"/>
-    <p:sldId id="284" r:id="rId11"/>
-    <p:sldId id="285" r:id="rId12"/>
-    <p:sldId id="277" r:id="rId13"/>
-    <p:sldId id="289" r:id="rId14"/>
-    <p:sldId id="290" r:id="rId15"/>
-    <p:sldId id="291" r:id="rId16"/>
-    <p:sldId id="292" r:id="rId17"/>
-    <p:sldId id="293" r:id="rId18"/>
-    <p:sldId id="294" r:id="rId19"/>
-    <p:sldId id="271" r:id="rId20"/>
+    <p:sldId id="298" r:id="rId10"/>
+    <p:sldId id="283" r:id="rId11"/>
+    <p:sldId id="284" r:id="rId12"/>
+    <p:sldId id="285" r:id="rId13"/>
+    <p:sldId id="277" r:id="rId14"/>
+    <p:sldId id="289" r:id="rId15"/>
+    <p:sldId id="290" r:id="rId16"/>
+    <p:sldId id="291" r:id="rId17"/>
+    <p:sldId id="295" r:id="rId18"/>
+    <p:sldId id="292" r:id="rId19"/>
+    <p:sldId id="293" r:id="rId20"/>
+    <p:sldId id="294" r:id="rId21"/>
+    <p:sldId id="297" r:id="rId22"/>
+    <p:sldId id="296" r:id="rId23"/>
+    <p:sldId id="271" r:id="rId24"/>
   </p:sldIdLst>
   <p:sldSz cx="12192000" cy="6858000"/>
   <p:notesSz cx="6858000" cy="9144000"/>
@@ -4520,6 +4524,467 @@
         </p:nvGraphicFramePr>
         <p:xfrm>
           <a:off x="1154955" y="1654175"/>
+          <a:ext cx="9869170" cy="4602480"/>
+        </p:xfrm>
+        <a:graphic>
+          <a:graphicData uri="http://schemas.openxmlformats.org/drawingml/2006/table">
+            <a:tbl>
+              <a:tblPr firstRow="1" bandRow="1">
+                <a:tableStyleId>{5C22544A-7EE6-4342-B048-85BDC9FD1C3A}</a:tableStyleId>
+              </a:tblPr>
+              <a:tblGrid>
+                <a:gridCol w="4934585"/>
+                <a:gridCol w="4934585"/>
+              </a:tblGrid>
+              <a:tr h="381000">
+                <a:tc>
+                  <a:txBody>
+                    <a:bodyPr/>
+                    <a:lstStyle/>
+                    <a:p>
+                      <a:pPr algn="ctr">
+                        <a:buNone/>
+                      </a:pPr>
+                      <a:r>
+                        <a:rPr lang="en-US" altLang="en-US" dirty="0"/>
+                        <a:t>Typescript</a:t>
+                      </a:r>
+                    </a:p>
+                  </a:txBody>
+                  <a:tcPr/>
+                </a:tc>
+                <a:tc>
+                  <a:txBody>
+                    <a:bodyPr/>
+                    <a:lstStyle/>
+                    <a:p>
+                      <a:pPr algn="ctr">
+                        <a:buNone/>
+                      </a:pPr>
+                      <a:r>
+                        <a:rPr lang="en-US" altLang="en-US" sz="1800" dirty="0">
+                          <a:sym typeface="+mn-ea"/>
+                        </a:rPr>
+                        <a:t>J</a:t>
+                      </a:r>
+                      <a:r>
+                        <a:rPr lang="en-US" sz="1800" dirty="0">
+                          <a:sym typeface="+mn-ea"/>
+                        </a:rPr>
+                        <a:t>ava</a:t>
+                      </a:r>
+                      <a:endParaRPr lang="en-US" dirty="0"/>
+                    </a:p>
+                  </a:txBody>
+                  <a:tcPr/>
+                </a:tc>
+              </a:tr>
+              <a:tr h="381000">
+                <a:tc>
+                  <a:txBody>
+                    <a:bodyPr/>
+                    <a:lstStyle/>
+                    <a:p>
+                      <a:pPr marL="0" marR="0" indent="0" algn="l" defTabSz="457200" rtl="0" eaLnBrk="1" fontAlgn="auto" latinLnBrk="0" hangingPunct="1">
+                        <a:lnSpc>
+                          <a:spcPct val="100000"/>
+                        </a:lnSpc>
+                        <a:spcBef>
+                          <a:spcPts val="0"/>
+                        </a:spcBef>
+                        <a:spcAft>
+                          <a:spcPts val="0"/>
+                        </a:spcAft>
+                        <a:buClrTx/>
+                        <a:buSzTx/>
+                        <a:buFontTx/>
+                        <a:buNone/>
+                        <a:defRPr/>
+                      </a:pPr>
+                      <a:r>
+                        <a:rPr lang="en-US" sz="1800" kern="1200" smtClean="0">
+                          <a:solidFill>
+                            <a:schemeClr val="dk1"/>
+                          </a:solidFill>
+                          <a:latin typeface="+mn-lt"/>
+                          <a:ea typeface="+mn-ea"/>
+                          <a:cs typeface="+mn-cs"/>
+                        </a:rPr>
+                        <a:t>A </a:t>
+                      </a:r>
+                      <a:r>
+                        <a:rPr lang="en-US" sz="1800" i="1" kern="1200" smtClean="0">
+                          <a:solidFill>
+                            <a:schemeClr val="dk1"/>
+                          </a:solidFill>
+                          <a:latin typeface="+mn-lt"/>
+                          <a:ea typeface="+mn-ea"/>
+                          <a:cs typeface="+mn-cs"/>
+                        </a:rPr>
+                        <a:t>superset</a:t>
+                      </a:r>
+                      <a:r>
+                        <a:rPr lang="en-US" sz="1800" kern="1200" smtClean="0">
+                          <a:solidFill>
+                            <a:schemeClr val="dk1"/>
+                          </a:solidFill>
+                          <a:latin typeface="+mn-lt"/>
+                          <a:ea typeface="+mn-ea"/>
+                          <a:cs typeface="+mn-cs"/>
+                        </a:rPr>
+                        <a:t> of JavaScript, It is used to add additional static type and check type at compile time</a:t>
+                      </a:r>
+                      <a:endParaRPr lang="vi-VN" sz="1800" kern="1200" smtClean="0">
+                        <a:solidFill>
+                          <a:schemeClr val="dk1"/>
+                        </a:solidFill>
+                        <a:latin typeface="+mn-lt"/>
+                        <a:ea typeface="+mn-ea"/>
+                        <a:cs typeface="+mn-cs"/>
+                      </a:endParaRPr>
+                    </a:p>
+                  </a:txBody>
+                  <a:tcPr/>
+                </a:tc>
+                <a:tc>
+                  <a:txBody>
+                    <a:bodyPr/>
+                    <a:lstStyle/>
+                    <a:p>
+                      <a:pPr>
+                        <a:buNone/>
+                      </a:pPr>
+                      <a:r>
+                        <a:rPr lang="en-US" smtClean="0"/>
+                        <a:t>A pure oriented object programming language</a:t>
+                      </a:r>
+                      <a:endParaRPr lang="en-US"/>
+                    </a:p>
+                  </a:txBody>
+                  <a:tcPr/>
+                </a:tc>
+              </a:tr>
+              <a:tr h="381000">
+                <a:tc>
+                  <a:txBody>
+                    <a:bodyPr/>
+                    <a:lstStyle/>
+                    <a:p>
+                      <a:pPr>
+                        <a:buNone/>
+                      </a:pPr>
+                      <a:r>
+                        <a:rPr lang="en-US" smtClean="0"/>
+                        <a:t>There</a:t>
+                      </a:r>
+                      <a:r>
+                        <a:rPr lang="en-US" baseline="0" smtClean="0"/>
+                        <a:t> is not access modifier for class </a:t>
+                      </a:r>
+                      <a:endParaRPr lang="en-US"/>
+                    </a:p>
+                  </a:txBody>
+                  <a:tcPr/>
+                </a:tc>
+                <a:tc>
+                  <a:txBody>
+                    <a:bodyPr/>
+                    <a:lstStyle/>
+                    <a:p>
+                      <a:pPr>
+                        <a:buNone/>
+                      </a:pPr>
+                      <a:r>
+                        <a:rPr lang="en-US" smtClean="0"/>
+                        <a:t>There is access modifier</a:t>
+                      </a:r>
+                      <a:r>
+                        <a:rPr lang="en-US" baseline="0" smtClean="0"/>
+                        <a:t> for class</a:t>
+                      </a:r>
+                      <a:endParaRPr lang="en-US"/>
+                    </a:p>
+                  </a:txBody>
+                  <a:tcPr/>
+                </a:tc>
+              </a:tr>
+              <a:tr h="381000">
+                <a:tc>
+                  <a:txBody>
+                    <a:bodyPr/>
+                    <a:lstStyle/>
+                    <a:p>
+                      <a:pPr>
+                        <a:buNone/>
+                      </a:pPr>
+                      <a:r>
+                        <a:rPr lang="en-US" dirty="0" smtClean="0"/>
+                        <a:t>Happening</a:t>
+                      </a:r>
+                      <a:r>
+                        <a:rPr lang="en-US" baseline="0" dirty="0" smtClean="0"/>
+                        <a:t> circular import problem because It don’t have access modifier for class</a:t>
+                      </a:r>
+                      <a:endParaRPr lang="en-US" dirty="0"/>
+                    </a:p>
+                  </a:txBody>
+                  <a:tcPr/>
+                </a:tc>
+                <a:tc>
+                  <a:txBody>
+                    <a:bodyPr/>
+                    <a:lstStyle/>
+                    <a:p>
+                      <a:pPr>
+                        <a:buNone/>
+                      </a:pPr>
+                      <a:r>
+                        <a:rPr lang="en-US" dirty="0" smtClean="0"/>
+                        <a:t>Circular</a:t>
+                      </a:r>
+                      <a:r>
+                        <a:rPr lang="en-US" baseline="0" dirty="0" smtClean="0"/>
+                        <a:t> import problem is not happened, because it have access modifier for class</a:t>
+                      </a:r>
+                      <a:endParaRPr lang="en-US" dirty="0"/>
+                    </a:p>
+                  </a:txBody>
+                  <a:tcPr/>
+                </a:tc>
+              </a:tr>
+              <a:tr h="381000">
+                <a:tc>
+                  <a:txBody>
+                    <a:bodyPr/>
+                    <a:lstStyle/>
+                    <a:p>
+                      <a:pPr>
+                        <a:buNone/>
+                      </a:pPr>
+                      <a:r>
+                        <a:rPr lang="en-US" dirty="0" smtClean="0"/>
+                        <a:t>Access</a:t>
+                      </a:r>
+                      <a:r>
+                        <a:rPr lang="en-US" baseline="0" dirty="0" smtClean="0"/>
+                        <a:t> modifier for instance variable and method:</a:t>
+                      </a:r>
+                    </a:p>
+                    <a:p>
+                      <a:pPr marL="285750" indent="-285750">
+                        <a:buFont typeface="Arial" panose="020B0604020202020204" pitchFamily="34" charset="0"/>
+                        <a:buChar char="•"/>
+                      </a:pPr>
+                      <a:r>
+                        <a:rPr lang="en-US" baseline="0" dirty="0" smtClean="0"/>
+                        <a:t>Having Public, Protected, Private access modifier </a:t>
+                      </a:r>
+                    </a:p>
+                    <a:p>
+                      <a:pPr marL="342900" indent="-342900">
+                        <a:buFont typeface="Arial" panose="020B0604020202020204" pitchFamily="34" charset="0"/>
+                        <a:buChar char="•"/>
+                      </a:pPr>
+                      <a:r>
+                        <a:rPr lang="en-US" dirty="0" smtClean="0"/>
+                        <a:t>‘Public’</a:t>
+                      </a:r>
+                      <a:r>
+                        <a:rPr lang="en-US" baseline="0" dirty="0" smtClean="0"/>
+                        <a:t> is default</a:t>
+                      </a:r>
+                    </a:p>
+                    <a:p>
+                      <a:pPr marL="342900" indent="-342900">
+                        <a:buFont typeface="Arial" panose="020B0604020202020204" pitchFamily="34" charset="0"/>
+                        <a:buChar char="•"/>
+                      </a:pPr>
+                      <a:r>
+                        <a:rPr lang="en-US" baseline="0" dirty="0" smtClean="0"/>
+                        <a:t>‘Protected’ scope is within class and any objects that inherits from it</a:t>
+                      </a:r>
+                    </a:p>
+                  </a:txBody>
+                  <a:tcPr/>
+                </a:tc>
+                <a:tc>
+                  <a:txBody>
+                    <a:bodyPr/>
+                    <a:lstStyle/>
+                    <a:p>
+                      <a:pPr marL="0" marR="0" indent="0" algn="l" defTabSz="457200" rtl="0" eaLnBrk="1" fontAlgn="auto" latinLnBrk="0" hangingPunct="1">
+                        <a:lnSpc>
+                          <a:spcPct val="100000"/>
+                        </a:lnSpc>
+                        <a:spcBef>
+                          <a:spcPts val="0"/>
+                        </a:spcBef>
+                        <a:spcAft>
+                          <a:spcPts val="0"/>
+                        </a:spcAft>
+                        <a:buClrTx/>
+                        <a:buSzTx/>
+                        <a:buFontTx/>
+                        <a:buNone/>
+                        <a:defRPr/>
+                      </a:pPr>
+                      <a:r>
+                        <a:rPr lang="en-US" dirty="0" smtClean="0"/>
+                        <a:t>Access</a:t>
+                      </a:r>
+                      <a:r>
+                        <a:rPr lang="en-US" baseline="0" dirty="0" smtClean="0"/>
+                        <a:t> modifier for instance variable and method:</a:t>
+                      </a:r>
+                    </a:p>
+                    <a:p>
+                      <a:pPr marL="285750" marR="0" indent="-285750" algn="l" defTabSz="457200" rtl="0" eaLnBrk="1" fontAlgn="auto" latinLnBrk="0" hangingPunct="1">
+                        <a:lnSpc>
+                          <a:spcPct val="100000"/>
+                        </a:lnSpc>
+                        <a:spcBef>
+                          <a:spcPts val="0"/>
+                        </a:spcBef>
+                        <a:spcAft>
+                          <a:spcPts val="0"/>
+                        </a:spcAft>
+                        <a:buClrTx/>
+                        <a:buSzTx/>
+                        <a:buFont typeface="Arial" panose="020B0604020202020204" pitchFamily="34" charset="0"/>
+                        <a:buChar char="•"/>
+                        <a:defRPr/>
+                      </a:pPr>
+                      <a:r>
+                        <a:rPr lang="en-US" baseline="0" dirty="0" smtClean="0"/>
+                        <a:t>Having Public, Protected ,Default , Private access modifier </a:t>
+                      </a:r>
+                    </a:p>
+                    <a:p>
+                      <a:pPr marL="285750" indent="-285750">
+                        <a:buFont typeface="Arial" panose="020B0604020202020204" pitchFamily="34" charset="0"/>
+                        <a:buChar char="•"/>
+                      </a:pPr>
+                      <a:r>
+                        <a:rPr lang="en-US" dirty="0" smtClean="0"/>
+                        <a:t>‘Default’</a:t>
+                      </a:r>
+                      <a:r>
+                        <a:rPr lang="en-US" baseline="0" dirty="0" smtClean="0"/>
+                        <a:t> is default</a:t>
+                      </a:r>
+                    </a:p>
+                    <a:p>
+                      <a:pPr marL="285750" marR="0" indent="-285750" algn="l" defTabSz="457200" rtl="0" eaLnBrk="1" fontAlgn="auto" latinLnBrk="0" hangingPunct="1">
+                        <a:lnSpc>
+                          <a:spcPct val="100000"/>
+                        </a:lnSpc>
+                        <a:spcBef>
+                          <a:spcPts val="0"/>
+                        </a:spcBef>
+                        <a:spcAft>
+                          <a:spcPts val="0"/>
+                        </a:spcAft>
+                        <a:buClrTx/>
+                        <a:buSzTx/>
+                        <a:buFont typeface="Arial" panose="020B0604020202020204" pitchFamily="34" charset="0"/>
+                        <a:buChar char="•"/>
+                        <a:defRPr/>
+                      </a:pPr>
+                      <a:r>
+                        <a:rPr lang="en-US" baseline="0" dirty="0" smtClean="0"/>
+                        <a:t>‘Protected’ scope is within package and any objects that inherits from it</a:t>
+                      </a:r>
+                    </a:p>
+                  </a:txBody>
+                  <a:tcPr/>
+                </a:tc>
+              </a:tr>
+            </a:tbl>
+          </a:graphicData>
+        </a:graphic>
+      </p:graphicFrame>
+    </p:spTree>
+  </p:cSld>
+  <p:clrMapOvr>
+    <a:masterClrMapping/>
+  </p:clrMapOvr>
+  <p:timing>
+    <p:tnLst>
+      <p:par>
+        <p:cTn id="1" dur="indefinite" restart="never" nodeType="tmRoot"/>
+      </p:par>
+    </p:tnLst>
+  </p:timing>
+</p:sld>
+</file>
+
+<file path=ppt/slides/slide11.xml><?xml version="1.0" encoding="utf-8"?>
+<p:sld xmlns:a="http://schemas.openxmlformats.org/drawingml/2006/main" xmlns:r="http://schemas.openxmlformats.org/officeDocument/2006/relationships" xmlns:p="http://schemas.openxmlformats.org/presentationml/2006/main">
+  <p:cSld>
+    <p:spTree>
+      <p:nvGrpSpPr>
+        <p:cNvPr id="1" name=""/>
+        <p:cNvGrpSpPr/>
+        <p:nvPr/>
+      </p:nvGrpSpPr>
+      <p:grpSpPr>
+        <a:xfrm>
+          <a:off x="0" y="0"/>
+          <a:ext cx="0" cy="0"/>
+          <a:chOff x="0" y="0"/>
+          <a:chExt cx="0" cy="0"/>
+        </a:xfrm>
+      </p:grpSpPr>
+      <p:sp>
+        <p:nvSpPr>
+          <p:cNvPr id="2" name="Title 1"/>
+          <p:cNvSpPr>
+            <a:spLocks noGrp="1"/>
+          </p:cNvSpPr>
+          <p:nvPr>
+            <p:ph type="title"/>
+          </p:nvPr>
+        </p:nvSpPr>
+        <p:spPr/>
+        <p:txBody>
+          <a:bodyPr/>
+          <a:lstStyle/>
+          <a:p>
+            <a:r>
+              <a:rPr lang="en-US"/>
+              <a:t>Comparing some characteristic when coding in </a:t>
+            </a:r>
+            <a:r>
+              <a:rPr lang="en-US" altLang="en-US"/>
+              <a:t>T</a:t>
+            </a:r>
+            <a:r>
+              <a:rPr lang="en-US"/>
+              <a:t>ypescript and </a:t>
+            </a:r>
+            <a:r>
+              <a:rPr lang="en-US" altLang="en-US"/>
+              <a:t>J</a:t>
+            </a:r>
+            <a:r>
+              <a:rPr lang="en-US"/>
+              <a:t>ava</a:t>
+            </a:r>
+          </a:p>
+        </p:txBody>
+      </p:sp>
+      <p:graphicFrame>
+        <p:nvGraphicFramePr>
+          <p:cNvPr id="4" name="Content Placeholder 3"/>
+          <p:cNvGraphicFramePr>
+            <a:graphicFrameLocks noGrp="1"/>
+          </p:cNvGraphicFramePr>
+          <p:nvPr>
+            <p:ph idx="1"/>
+          </p:nvPr>
+        </p:nvGraphicFramePr>
+        <p:xfrm>
+          <a:off x="1154955" y="1654175"/>
           <a:ext cx="9869170" cy="3154680"/>
         </p:xfrm>
         <a:graphic>
@@ -5134,7 +5599,7 @@
 </p:sld>
 </file>
 
-<file path=ppt/slides/slide11.xml><?xml version="1.0" encoding="utf-8"?>
+<file path=ppt/slides/slide12.xml><?xml version="1.0" encoding="utf-8"?>
 <p:sld xmlns:a="http://schemas.openxmlformats.org/drawingml/2006/main" xmlns:r="http://schemas.openxmlformats.org/officeDocument/2006/relationships" xmlns:p="http://schemas.openxmlformats.org/presentationml/2006/main">
   <p:cSld>
     <p:spTree>
@@ -5262,147 +5727,6 @@
 </p:sld>
 </file>
 
-<file path=ppt/slides/slide12.xml><?xml version="1.0" encoding="utf-8"?>
-<p:sld xmlns:a="http://schemas.openxmlformats.org/drawingml/2006/main" xmlns:r="http://schemas.openxmlformats.org/officeDocument/2006/relationships" xmlns:p="http://schemas.openxmlformats.org/presentationml/2006/main">
-  <p:cSld>
-    <p:spTree>
-      <p:nvGrpSpPr>
-        <p:cNvPr id="1" name=""/>
-        <p:cNvGrpSpPr/>
-        <p:nvPr/>
-      </p:nvGrpSpPr>
-      <p:grpSpPr>
-        <a:xfrm>
-          <a:off x="0" y="0"/>
-          <a:ext cx="0" cy="0"/>
-          <a:chOff x="0" y="0"/>
-          <a:chExt cx="0" cy="0"/>
-        </a:xfrm>
-      </p:grpSpPr>
-      <p:sp>
-        <p:nvSpPr>
-          <p:cNvPr id="2" name="Title 1"/>
-          <p:cNvSpPr>
-            <a:spLocks noGrp="1"/>
-          </p:cNvSpPr>
-          <p:nvPr>
-            <p:ph type="title"/>
-          </p:nvPr>
-        </p:nvSpPr>
-        <p:spPr/>
-        <p:txBody>
-          <a:bodyPr/>
-          <a:lstStyle/>
-          <a:p>
-            <a:r>
-              <a:rPr lang="en-US" dirty="0" smtClean="0"/>
-              <a:t>Typescript Reference</a:t>
-            </a:r>
-            <a:endParaRPr lang="en-US" dirty="0"/>
-          </a:p>
-        </p:txBody>
-      </p:sp>
-      <p:sp>
-        <p:nvSpPr>
-          <p:cNvPr id="3" name="Content Placeholder 2"/>
-          <p:cNvSpPr>
-            <a:spLocks noGrp="1"/>
-          </p:cNvSpPr>
-          <p:nvPr>
-            <p:ph idx="1"/>
-          </p:nvPr>
-        </p:nvSpPr>
-        <p:spPr/>
-        <p:txBody>
-          <a:bodyPr/>
-          <a:lstStyle/>
-          <a:p>
-            <a:pPr>
-              <a:buFont typeface="Wingdings" panose="05000000000000000000" pitchFamily="2" charset="2"/>
-              <a:buChar char="Ø"/>
-            </a:pPr>
-            <a:r>
-              <a:rPr lang="en-US" dirty="0">
-                <a:hlinkClick r:id="rId2"/>
-              </a:rPr>
-              <a:t>https://www.typescriptlang.org/docs/handbook/typescript-from-scratch.html</a:t>
-            </a:r>
-            <a:endParaRPr lang="en-US" dirty="0"/>
-          </a:p>
-          <a:p>
-            <a:pPr>
-              <a:buFont typeface="Wingdings" panose="05000000000000000000" pitchFamily="2" charset="2"/>
-              <a:buChar char="Ø"/>
-            </a:pPr>
-            <a:r>
-              <a:rPr lang="en-US" dirty="0" smtClean="0">
-                <a:hlinkClick r:id="rId3"/>
-              </a:rPr>
-              <a:t>https</a:t>
-            </a:r>
-            <a:r>
-              <a:rPr lang="en-US" dirty="0">
-                <a:hlinkClick r:id="rId3"/>
-              </a:rPr>
-              <a:t>://medium.com/@</a:t>
-            </a:r>
-            <a:r>
-              <a:rPr lang="en-US" dirty="0" smtClean="0">
-                <a:hlinkClick r:id="rId3"/>
-              </a:rPr>
-              <a:t>kgelpes/how-typescript-helps-us-prevent-the-most-common-error-in-javascript-development-2dbcb54cf12</a:t>
-            </a:r>
-            <a:endParaRPr lang="en-US" dirty="0" smtClean="0"/>
-          </a:p>
-          <a:p>
-            <a:pPr>
-              <a:buFont typeface="Wingdings" panose="05000000000000000000" pitchFamily="2" charset="2"/>
-              <a:buChar char="Ø"/>
-            </a:pPr>
-            <a:r>
-              <a:rPr lang="en-US" dirty="0">
-                <a:hlinkClick r:id="rId4"/>
-              </a:rPr>
-              <a:t>https://</a:t>
-            </a:r>
-            <a:r>
-              <a:rPr lang="en-US" dirty="0" smtClean="0">
-                <a:hlinkClick r:id="rId4"/>
-              </a:rPr>
-              <a:t>stackoverflow.com/questions/12694530/what-is-typescript-and-why-would-i-use-it-in-place-of-javascript</a:t>
-            </a:r>
-            <a:endParaRPr lang="en-US" dirty="0" smtClean="0"/>
-          </a:p>
-          <a:p>
-            <a:pPr>
-              <a:buFont typeface="Wingdings" panose="05000000000000000000" pitchFamily="2" charset="2"/>
-              <a:buChar char="Ø"/>
-            </a:pPr>
-            <a:r>
-              <a:rPr lang="en-US" dirty="0">
-                <a:hlinkClick r:id="rId5"/>
-              </a:rPr>
-              <a:t>https://channel9.msdn.com/posts/Anders-Hejlsberg-Introducing-TypeScript</a:t>
-            </a:r>
-            <a:endParaRPr lang="en-US" dirty="0"/>
-          </a:p>
-        </p:txBody>
-      </p:sp>
-    </p:spTree>
-  </p:cSld>
-  <p:clrMapOvr>
-    <a:masterClrMapping/>
-  </p:clrMapOvr>
-  <p:timing>
-    <p:tnLst>
-      <p:par>
-        <p:cTn id="1" dur="indefinite" restart="never" nodeType="tmRoot"/>
-      </p:par>
-    </p:tnLst>
-  </p:timing>
-</p:sld>
-</file>
-
 <file path=ppt/slides/slide13.xml><?xml version="1.0" encoding="utf-8"?>
 <p:sld xmlns:a="http://schemas.openxmlformats.org/drawingml/2006/main" xmlns:r="http://schemas.openxmlformats.org/officeDocument/2006/relationships" xmlns:p="http://schemas.openxmlformats.org/presentationml/2006/main">
   <p:cSld>
@@ -5437,7 +5761,7 @@
           <a:p>
             <a:r>
               <a:rPr lang="en-US" dirty="0" smtClean="0"/>
-              <a:t>Selenium</a:t>
+              <a:t>Typescript Reference</a:t>
             </a:r>
             <a:endParaRPr lang="en-US" dirty="0"/>
           </a:p>
@@ -5455,9 +5779,7 @@
         </p:nvSpPr>
         <p:spPr/>
         <p:txBody>
-          <a:bodyPr>
-            <a:normAutofit/>
-          </a:bodyPr>
+          <a:bodyPr/>
           <a:lstStyle/>
           <a:p>
             <a:pPr>
@@ -5465,13 +5787,12 @@
               <a:buChar char="Ø"/>
             </a:pPr>
             <a:r>
-              <a:rPr lang="en-US" dirty="0"/>
-              <a:t>Selenium is a free (open-source) automated testing framework used to validate web applications across different browsers and </a:t>
-            </a:r>
-            <a:r>
-              <a:rPr lang="en-US" dirty="0" smtClean="0"/>
-              <a:t>platforms</a:t>
-            </a:r>
+              <a:rPr lang="en-US" dirty="0">
+                <a:hlinkClick r:id="rId2"/>
+              </a:rPr>
+              <a:t>https://www.typescriptlang.org/docs/handbook/typescript-from-scratch.html</a:t>
+            </a:r>
+            <a:endParaRPr lang="en-US" dirty="0"/>
           </a:p>
           <a:p>
             <a:pPr>
@@ -5479,33 +5800,24 @@
               <a:buChar char="Ø"/>
             </a:pPr>
             <a:r>
-              <a:rPr lang="en-US" dirty="0" smtClean="0"/>
-              <a:t>Can </a:t>
-            </a:r>
-            <a:r>
-              <a:rPr lang="en-US" dirty="0"/>
-              <a:t>use multiple programming languages like Java, C#, Python </a:t>
-            </a:r>
-            <a:r>
-              <a:rPr lang="en-US" dirty="0" err="1"/>
-              <a:t>etc</a:t>
-            </a:r>
-            <a:r>
-              <a:rPr lang="en-US" dirty="0"/>
-              <a:t> to create </a:t>
-            </a:r>
-            <a:r>
-              <a:rPr lang="en-US" dirty="0" smtClean="0"/>
-              <a:t>Selenium </a:t>
-            </a:r>
-            <a:r>
-              <a:rPr lang="en-US" dirty="0"/>
-              <a:t>Test </a:t>
-            </a:r>
-            <a:r>
-              <a:rPr lang="en-US" dirty="0" smtClean="0"/>
-              <a:t>Scripts</a:t>
-            </a:r>
+              <a:rPr lang="en-US" dirty="0" smtClean="0">
+                <a:hlinkClick r:id="rId3"/>
+              </a:rPr>
+              <a:t>https</a:t>
+            </a:r>
+            <a:r>
+              <a:rPr lang="en-US" dirty="0">
+                <a:hlinkClick r:id="rId3"/>
+              </a:rPr>
+              <a:t>://medium.com/@</a:t>
+            </a:r>
+            <a:r>
+              <a:rPr lang="en-US" dirty="0" smtClean="0">
+                <a:hlinkClick r:id="rId3"/>
+              </a:rPr>
+              <a:t>kgelpes/how-typescript-helps-us-prevent-the-most-common-error-in-javascript-development-2dbcb54cf12</a:t>
+            </a:r>
+            <a:endParaRPr lang="en-US" dirty="0" smtClean="0"/>
           </a:p>
           <a:p>
             <a:pPr>
@@ -5513,65 +5825,35 @@
               <a:buChar char="Ø"/>
             </a:pPr>
             <a:r>
-              <a:rPr lang="en-US" dirty="0"/>
-              <a:t>Selenium Software is not just a single tool but a suite of software, each piece catering to different Selenium QA testing needs of an organization. Here is the list of </a:t>
-            </a:r>
-            <a:r>
-              <a:rPr lang="en-US" dirty="0" smtClean="0"/>
-              <a:t>tools:</a:t>
-            </a:r>
-          </a:p>
-          <a:p>
-            <a:pPr lvl="1">
+              <a:rPr lang="en-US" dirty="0">
+                <a:hlinkClick r:id="rId4"/>
+              </a:rPr>
+              <a:t>https://</a:t>
+            </a:r>
+            <a:r>
+              <a:rPr lang="en-US" dirty="0" smtClean="0">
+                <a:hlinkClick r:id="rId4"/>
+              </a:rPr>
+              <a:t>stackoverflow.com/questions/12694530/what-is-typescript-and-why-would-i-use-it-in-place-of-javascript</a:t>
+            </a:r>
+            <a:endParaRPr lang="en-US" dirty="0" smtClean="0"/>
+          </a:p>
+          <a:p>
+            <a:pPr>
               <a:buFont typeface="Wingdings" panose="05000000000000000000" pitchFamily="2" charset="2"/>
-              <a:buChar char="§"/>
+              <a:buChar char="Ø"/>
             </a:pPr>
             <a:r>
-              <a:rPr lang="en-US" dirty="0"/>
-              <a:t>Selenium Integrated Development Environment (IDE)</a:t>
-            </a:r>
-          </a:p>
-          <a:p>
-            <a:pPr lvl="1">
-              <a:buFont typeface="Wingdings" panose="05000000000000000000" pitchFamily="2" charset="2"/>
-              <a:buChar char="§"/>
-            </a:pPr>
-            <a:r>
-              <a:rPr lang="en-US" dirty="0" err="1" smtClean="0"/>
-              <a:t>WebDriver</a:t>
-            </a:r>
-            <a:r>
-              <a:rPr lang="vi-VN" dirty="0" smtClean="0"/>
-              <a:t> </a:t>
-            </a:r>
-            <a:endParaRPr lang="en-US" dirty="0" smtClean="0"/>
-          </a:p>
-          <a:p>
-            <a:pPr lvl="1">
-              <a:buFont typeface="Wingdings" panose="05000000000000000000" pitchFamily="2" charset="2"/>
-              <a:buChar char="§"/>
-            </a:pPr>
-            <a:r>
-              <a:rPr lang="en-US" dirty="0" smtClean="0"/>
-              <a:t>Selenium </a:t>
-            </a:r>
-            <a:r>
-              <a:rPr lang="en-US" dirty="0"/>
-              <a:t>Grid</a:t>
-            </a:r>
-          </a:p>
-          <a:p>
-            <a:pPr lvl="1"/>
+              <a:rPr lang="en-US" dirty="0">
+                <a:hlinkClick r:id="rId5"/>
+              </a:rPr>
+              <a:t>https://channel9.msdn.com/posts/Anders-Hejlsberg-Introducing-TypeScript</a:t>
+            </a:r>
             <a:endParaRPr lang="en-US" dirty="0"/>
           </a:p>
         </p:txBody>
       </p:sp>
     </p:spTree>
-    <p:extLst>
-      <p:ext uri="{BB962C8B-B14F-4D97-AF65-F5344CB8AC3E}">
-        <p14:creationId xmlns:p14="http://schemas.microsoft.com/office/powerpoint/2010/main" val="500114914"/>
-      </p:ext>
-    </p:extLst>
   </p:cSld>
   <p:clrMapOvr>
     <a:masterClrMapping/>
@@ -5619,9 +5901,10 @@
           <a:lstStyle/>
           <a:p>
             <a:r>
-              <a:rPr lang="en-US" dirty="0"/>
+              <a:rPr lang="en-US" dirty="0" smtClean="0"/>
               <a:t>Selenium</a:t>
             </a:r>
+            <a:endParaRPr lang="en-US" dirty="0"/>
           </a:p>
         </p:txBody>
       </p:sp>
@@ -5637,67 +5920,113 @@
         </p:nvSpPr>
         <p:spPr/>
         <p:txBody>
-          <a:bodyPr/>
+          <a:bodyPr>
+            <a:normAutofit/>
+          </a:bodyPr>
           <a:lstStyle/>
           <a:p>
+            <a:pPr>
+              <a:buFont typeface="Wingdings" panose="05000000000000000000" pitchFamily="2" charset="2"/>
+              <a:buChar char="Ø"/>
+            </a:pPr>
             <a:r>
               <a:rPr lang="en-US" dirty="0"/>
+              <a:t>Selenium is a free (open-source) automated testing framework used to validate web applications across different browsers and </a:t>
+            </a:r>
+            <a:r>
+              <a:rPr lang="en-US" dirty="0" smtClean="0"/>
+              <a:t>platforms</a:t>
+            </a:r>
+          </a:p>
+          <a:p>
+            <a:pPr>
+              <a:buFont typeface="Wingdings" panose="05000000000000000000" pitchFamily="2" charset="2"/>
+              <a:buChar char="Ø"/>
+            </a:pPr>
+            <a:r>
+              <a:rPr lang="en-US" dirty="0" smtClean="0"/>
+              <a:t>Can </a:t>
+            </a:r>
+            <a:r>
+              <a:rPr lang="en-US" dirty="0"/>
+              <a:t>use multiple programming languages like Java, C#, Python </a:t>
+            </a:r>
+            <a:r>
+              <a:rPr lang="en-US" dirty="0" err="1"/>
+              <a:t>etc</a:t>
+            </a:r>
+            <a:r>
+              <a:rPr lang="en-US" dirty="0"/>
+              <a:t> to create </a:t>
+            </a:r>
+            <a:r>
+              <a:rPr lang="en-US" dirty="0" smtClean="0"/>
               <a:t>Selenium </a:t>
             </a:r>
             <a:r>
-              <a:rPr lang="en-US" dirty="0" err="1"/>
+              <a:rPr lang="en-US" dirty="0"/>
+              <a:t>Test </a:t>
+            </a:r>
+            <a:r>
+              <a:rPr lang="en-US" dirty="0" smtClean="0"/>
+              <a:t>Scripts</a:t>
+            </a:r>
+          </a:p>
+          <a:p>
+            <a:pPr>
+              <a:buFont typeface="Wingdings" panose="05000000000000000000" pitchFamily="2" charset="2"/>
+              <a:buChar char="Ø"/>
+            </a:pPr>
+            <a:r>
+              <a:rPr lang="en-US" dirty="0"/>
+              <a:t>Selenium Software is not just a single tool but a suite of software, each piece catering to different Selenium QA testing needs of an organization. Here is the list of </a:t>
+            </a:r>
+            <a:r>
+              <a:rPr lang="en-US" dirty="0" smtClean="0"/>
+              <a:t>tools:</a:t>
+            </a:r>
+          </a:p>
+          <a:p>
+            <a:pPr lvl="1">
+              <a:buFont typeface="Wingdings" panose="05000000000000000000" pitchFamily="2" charset="2"/>
+              <a:buChar char="§"/>
+            </a:pPr>
+            <a:r>
+              <a:rPr lang="en-US" dirty="0"/>
+              <a:t>Selenium Integrated Development Environment (IDE)</a:t>
+            </a:r>
+          </a:p>
+          <a:p>
+            <a:pPr lvl="1">
+              <a:buFont typeface="Wingdings" panose="05000000000000000000" pitchFamily="2" charset="2"/>
+              <a:buChar char="§"/>
+            </a:pPr>
+            <a:r>
+              <a:rPr lang="en-US" dirty="0" err="1" smtClean="0"/>
               <a:t>WebDriver</a:t>
-            </a:r>
-            <a:r>
-              <a:rPr lang="en-US" dirty="0"/>
-              <a:t> drives a browser natively, as a real user would, either locally or on remote machines.</a:t>
-            </a:r>
-          </a:p>
-          <a:p>
-            <a:r>
-              <a:rPr lang="en-US" dirty="0"/>
-              <a:t>Selenium IDE is a Chrome and Firefox extension that makes it easy to record and playback tests in the browser.</a:t>
-            </a:r>
-          </a:p>
-          <a:p>
-            <a:r>
-              <a:rPr lang="en-US" dirty="0"/>
-              <a:t>Selenium Grid takes </a:t>
-            </a:r>
-            <a:r>
-              <a:rPr lang="en-US" dirty="0" err="1"/>
-              <a:t>WebDriver</a:t>
-            </a:r>
-            <a:r>
-              <a:rPr lang="en-US" dirty="0"/>
-              <a:t> to another level by running tests on many machines at the same </a:t>
-            </a:r>
-            <a:r>
-              <a:rPr lang="en-US" dirty="0" smtClean="0"/>
-              <a:t>time,</a:t>
             </a:r>
             <a:r>
               <a:rPr lang="vi-VN" dirty="0" smtClean="0"/>
               <a:t> </a:t>
             </a:r>
+            <a:endParaRPr lang="en-US" dirty="0" smtClean="0"/>
+          </a:p>
+          <a:p>
+            <a:pPr lvl="1">
+              <a:buFont typeface="Wingdings" panose="05000000000000000000" pitchFamily="2" charset="2"/>
+              <a:buChar char="§"/>
+            </a:pPr>
             <a:r>
               <a:rPr lang="en-US" dirty="0" smtClean="0"/>
-              <a:t>cutting </a:t>
+              <a:t>Selenium </a:t>
             </a:r>
             <a:r>
               <a:rPr lang="en-US" dirty="0"/>
-              <a:t>down on the time it takes to test on multiple browsers and operating systems.</a:t>
-            </a:r>
-            <a:br>
-              <a:rPr lang="en-US" dirty="0"/>
-            </a:br>
-            <a:r>
-              <a:rPr lang="en-US" dirty="0" smtClean="0"/>
-              <a:t/>
-            </a:r>
-            <a:br>
-              <a:rPr lang="en-US" dirty="0" smtClean="0"/>
-            </a:br>
+              <a:t>Grid</a:t>
+            </a:r>
+          </a:p>
+          <a:p>
+            <a:pPr lvl="1"/>
             <a:endParaRPr lang="en-US" dirty="0"/>
           </a:p>
         </p:txBody>
@@ -5705,13 +6034,20 @@
     </p:spTree>
     <p:extLst>
       <p:ext uri="{BB962C8B-B14F-4D97-AF65-F5344CB8AC3E}">
-        <p14:creationId xmlns:p14="http://schemas.microsoft.com/office/powerpoint/2010/main" val="2782128637"/>
+        <p14:creationId xmlns:p14="http://schemas.microsoft.com/office/powerpoint/2010/main" val="500114914"/>
       </p:ext>
     </p:extLst>
   </p:cSld>
   <p:clrMapOvr>
     <a:masterClrMapping/>
   </p:clrMapOvr>
+  <p:timing>
+    <p:tnLst>
+      <p:par>
+        <p:cTn id="1" dur="indefinite" restart="never" nodeType="tmRoot"/>
+      </p:par>
+    </p:tnLst>
+  </p:timing>
 </p:sld>
 </file>
 
@@ -5748,14 +6084,9 @@
           <a:lstStyle/>
           <a:p>
             <a:r>
-              <a:rPr lang="en-US" dirty="0" err="1" smtClean="0"/>
-              <a:t>Senlenium</a:t>
-            </a:r>
-            <a:r>
-              <a:rPr lang="en-US" dirty="0" smtClean="0"/>
-              <a:t> Reference</a:t>
-            </a:r>
-            <a:endParaRPr lang="en-US" dirty="0"/>
+              <a:rPr lang="en-US" dirty="0"/>
+              <a:t>Selenium</a:t>
+            </a:r>
           </a:p>
         </p:txBody>
       </p:sp>
@@ -5774,41 +6105,64 @@
           <a:bodyPr/>
           <a:lstStyle/>
           <a:p>
-            <a:pPr>
-              <a:buFont typeface="Wingdings" panose="05000000000000000000" pitchFamily="2" charset="2"/>
-              <a:buChar char="Ø"/>
-            </a:pPr>
-            <a:r>
-              <a:rPr lang="en-US" dirty="0">
-                <a:hlinkClick r:id="rId2"/>
-              </a:rPr>
-              <a:t>https://www.selenium.dev/projects</a:t>
-            </a:r>
-            <a:r>
-              <a:rPr lang="en-US" dirty="0" smtClean="0">
-                <a:hlinkClick r:id="rId2"/>
-              </a:rPr>
-              <a:t>/</a:t>
-            </a:r>
-            <a:endParaRPr lang="en-US" dirty="0" smtClean="0"/>
-          </a:p>
-          <a:p>
-            <a:pPr>
-              <a:buFont typeface="Wingdings" panose="05000000000000000000" pitchFamily="2" charset="2"/>
-              <a:buChar char="Ø"/>
-            </a:pPr>
-            <a:r>
-              <a:rPr lang="en-US" dirty="0">
-                <a:hlinkClick r:id="rId3"/>
-              </a:rPr>
-              <a:t>https://</a:t>
-            </a:r>
-            <a:r>
-              <a:rPr lang="en-US" dirty="0" smtClean="0">
-                <a:hlinkClick r:id="rId3"/>
-              </a:rPr>
-              <a:t>www.guru99.com/introduction-to-selenium.html</a:t>
-            </a:r>
+            <a:r>
+              <a:rPr lang="en-US" dirty="0"/>
+              <a:t>Selenium </a:t>
+            </a:r>
+            <a:r>
+              <a:rPr lang="en-US" dirty="0" err="1"/>
+              <a:t>WebDriver</a:t>
+            </a:r>
+            <a:r>
+              <a:rPr lang="en-US" dirty="0"/>
+              <a:t> drives a browser natively, as a real user would, either locally or on remote machines.</a:t>
+            </a:r>
+          </a:p>
+          <a:p>
+            <a:r>
+              <a:rPr lang="en-US" dirty="0"/>
+              <a:t>Selenium IDE is a Chrome and Firefox extension that makes it easy to record and playback tests in the browser.</a:t>
+            </a:r>
+          </a:p>
+          <a:p>
+            <a:r>
+              <a:rPr lang="en-US" dirty="0"/>
+              <a:t>Selenium Grid takes </a:t>
+            </a:r>
+            <a:r>
+              <a:rPr lang="en-US" dirty="0" err="1"/>
+              <a:t>WebDriver</a:t>
+            </a:r>
+            <a:r>
+              <a:rPr lang="en-US" dirty="0"/>
+              <a:t> to another level by running tests on many machines at the same </a:t>
+            </a:r>
+            <a:r>
+              <a:rPr lang="en-US" dirty="0" smtClean="0"/>
+              <a:t>time,</a:t>
+            </a:r>
+            <a:r>
+              <a:rPr lang="vi-VN" dirty="0" smtClean="0"/>
+              <a:t> </a:t>
+            </a:r>
+            <a:r>
+              <a:rPr lang="en-US" dirty="0" smtClean="0"/>
+              <a:t>cutting </a:t>
+            </a:r>
+            <a:r>
+              <a:rPr lang="en-US" dirty="0"/>
+              <a:t>down on the time it takes to test on multiple browsers and operating systems.</a:t>
+            </a:r>
+            <a:br>
+              <a:rPr lang="en-US" dirty="0"/>
+            </a:br>
+            <a:r>
+              <a:rPr lang="en-US" dirty="0" smtClean="0"/>
+              <a:t/>
+            </a:r>
+            <a:br>
+              <a:rPr lang="en-US" dirty="0" smtClean="0"/>
+            </a:br>
             <a:endParaRPr lang="en-US" dirty="0"/>
           </a:p>
         </p:txBody>
@@ -5816,7 +6170,7 @@
     </p:spTree>
     <p:extLst>
       <p:ext uri="{BB962C8B-B14F-4D97-AF65-F5344CB8AC3E}">
-        <p14:creationId xmlns:p14="http://schemas.microsoft.com/office/powerpoint/2010/main" val="755926977"/>
+        <p14:creationId xmlns:p14="http://schemas.microsoft.com/office/powerpoint/2010/main" val="2782128637"/>
       </p:ext>
     </p:extLst>
   </p:cSld>
@@ -5859,9 +6213,14 @@
           <a:lstStyle/>
           <a:p>
             <a:r>
-              <a:rPr lang="en-US" dirty="0"/>
-              <a:t>Protractor</a:t>
-            </a:r>
+              <a:rPr lang="en-US" dirty="0" err="1" smtClean="0"/>
+              <a:t>Senlenium</a:t>
+            </a:r>
+            <a:r>
+              <a:rPr lang="en-US" dirty="0" smtClean="0"/>
+              <a:t> Reference</a:t>
+            </a:r>
+            <a:endParaRPr lang="en-US" dirty="0"/>
           </a:p>
         </p:txBody>
       </p:sp>
@@ -5885,33 +6244,36 @@
               <a:buChar char="Ø"/>
             </a:pPr>
             <a:r>
-              <a:rPr lang="en-US" dirty="0"/>
-              <a:t>Protractor is an end-to-end test framework for Angular and </a:t>
-            </a:r>
-            <a:r>
-              <a:rPr lang="en-US" dirty="0" err="1"/>
-              <a:t>AngularJS</a:t>
-            </a:r>
-            <a:r>
-              <a:rPr lang="en-US" dirty="0"/>
-              <a:t> applications. Protractor runs tests against your application running in a real browser, interacting with it as a user would</a:t>
-            </a:r>
-            <a:r>
-              <a:rPr lang="en-US" dirty="0" smtClean="0"/>
-              <a:t>.</a:t>
-            </a:r>
+              <a:rPr lang="en-US" dirty="0">
+                <a:hlinkClick r:id="rId2"/>
+              </a:rPr>
+              <a:t>https://www.selenium.dev/projects</a:t>
+            </a:r>
+            <a:r>
+              <a:rPr lang="en-US" dirty="0" smtClean="0">
+                <a:hlinkClick r:id="rId2"/>
+              </a:rPr>
+              <a:t>/</a:t>
+            </a:r>
+            <a:endParaRPr lang="en-US" dirty="0" smtClean="0"/>
           </a:p>
           <a:p>
             <a:pPr>
               <a:buFont typeface="Wingdings" panose="05000000000000000000" pitchFamily="2" charset="2"/>
               <a:buChar char="Ø"/>
             </a:pPr>
-            <a:endParaRPr lang="vi-VN" dirty="0" smtClean="0"/>
-          </a:p>
-          <a:p>
-            <a:endParaRPr lang="vi-VN" dirty="0" smtClean="0"/>
-          </a:p>
-          <a:p>
+            <a:r>
+              <a:rPr lang="en-US" dirty="0">
+                <a:hlinkClick r:id="rId3"/>
+              </a:rPr>
+              <a:t>https://</a:t>
+            </a:r>
+            <a:r>
+              <a:rPr lang="en-US" dirty="0" smtClean="0">
+                <a:hlinkClick r:id="rId3"/>
+              </a:rPr>
+              <a:t>www.guru99.com/introduction-to-selenium.html</a:t>
+            </a:r>
             <a:endParaRPr lang="en-US" dirty="0"/>
           </a:p>
         </p:txBody>
@@ -5919,20 +6281,13 @@
     </p:spTree>
     <p:extLst>
       <p:ext uri="{BB962C8B-B14F-4D97-AF65-F5344CB8AC3E}">
-        <p14:creationId xmlns:p14="http://schemas.microsoft.com/office/powerpoint/2010/main" val="483566087"/>
+        <p14:creationId xmlns:p14="http://schemas.microsoft.com/office/powerpoint/2010/main" val="755926977"/>
       </p:ext>
     </p:extLst>
   </p:cSld>
   <p:clrMapOvr>
     <a:masterClrMapping/>
   </p:clrMapOvr>
-  <p:timing>
-    <p:tnLst>
-      <p:par>
-        <p:cTn id="1" dur="indefinite" restart="never" nodeType="tmRoot"/>
-      </p:par>
-    </p:tnLst>
-  </p:timing>
 </p:sld>
 </file>
 
@@ -5969,9 +6324,274 @@
           <a:lstStyle/>
           <a:p>
             <a:r>
+              <a:rPr lang="en-US" dirty="0" smtClean="0"/>
+              <a:t>Protractor</a:t>
+            </a:r>
+            <a:endParaRPr lang="en-US" dirty="0"/>
+          </a:p>
+        </p:txBody>
+      </p:sp>
+      <p:sp>
+        <p:nvSpPr>
+          <p:cNvPr id="3" name="Content Placeholder 2"/>
+          <p:cNvSpPr>
+            <a:spLocks noGrp="1"/>
+          </p:cNvSpPr>
+          <p:nvPr>
+            <p:ph idx="1"/>
+          </p:nvPr>
+        </p:nvSpPr>
+        <p:spPr/>
+        <p:txBody>
+          <a:bodyPr/>
+          <a:lstStyle/>
+          <a:p>
+            <a:pPr lvl="1">
+              <a:buFont typeface="+mj-lt"/>
+              <a:buAutoNum type="arabicPeriod"/>
+            </a:pPr>
+            <a:r>
+              <a:rPr lang="en-US" sz="2000" b="1" dirty="0" smtClean="0">
+                <a:solidFill>
+                  <a:schemeClr val="accent2"/>
+                </a:solidFill>
+              </a:rPr>
+              <a:t>Protractor Overview</a:t>
+            </a:r>
+          </a:p>
+          <a:p>
+            <a:pPr lvl="1">
+              <a:buFont typeface="+mj-lt"/>
+              <a:buAutoNum type="arabicPeriod"/>
+            </a:pPr>
+            <a:r>
+              <a:rPr lang="en-US" sz="2000" b="1" dirty="0">
+                <a:solidFill>
+                  <a:schemeClr val="accent2"/>
+                </a:solidFill>
+              </a:rPr>
+              <a:t>Comparing some Characteristic of Protractor and Selenium</a:t>
+            </a:r>
+            <a:endParaRPr lang="en-US" sz="2000" b="1" dirty="0">
+              <a:solidFill>
+                <a:schemeClr val="accent2"/>
+              </a:solidFill>
+            </a:endParaRPr>
+          </a:p>
+          <a:p>
+            <a:pPr lvl="1">
+              <a:buFont typeface="+mj-lt"/>
+              <a:buAutoNum type="arabicPeriod"/>
+            </a:pPr>
+            <a:endParaRPr lang="en-US" sz="2000" b="1" dirty="0">
+              <a:solidFill>
+                <a:schemeClr val="accent2"/>
+              </a:solidFill>
+            </a:endParaRPr>
+          </a:p>
+          <a:p>
+            <a:pPr lvl="1">
+              <a:buFont typeface="+mj-lt"/>
+              <a:buAutoNum type="arabicPeriod"/>
+            </a:pPr>
+            <a:endParaRPr lang="en-US" sz="2000" b="1" dirty="0" smtClean="0">
+              <a:solidFill>
+                <a:schemeClr val="accent2"/>
+              </a:solidFill>
+            </a:endParaRPr>
+          </a:p>
+          <a:p>
+            <a:pPr lvl="1">
+              <a:buFont typeface="+mj-lt"/>
+              <a:buAutoNum type="arabicPeriod"/>
+            </a:pPr>
+            <a:endParaRPr lang="en-US" sz="2000" b="1" dirty="0" smtClean="0">
+              <a:solidFill>
+                <a:schemeClr val="accent2"/>
+              </a:solidFill>
+            </a:endParaRPr>
+          </a:p>
+          <a:p>
+            <a:pPr lvl="1">
+              <a:buFont typeface="+mj-lt"/>
+              <a:buAutoNum type="arabicPeriod"/>
+            </a:pPr>
+            <a:endParaRPr lang="en-US" sz="2000" b="1" dirty="0">
+              <a:solidFill>
+                <a:schemeClr val="accent2"/>
+              </a:solidFill>
+            </a:endParaRPr>
+          </a:p>
+          <a:p>
+            <a:pPr lvl="1">
+              <a:buFont typeface="+mj-lt"/>
+              <a:buAutoNum type="arabicPeriod"/>
+            </a:pPr>
+            <a:endParaRPr lang="en-US" dirty="0"/>
+          </a:p>
+        </p:txBody>
+      </p:sp>
+    </p:spTree>
+    <p:extLst>
+      <p:ext uri="{BB962C8B-B14F-4D97-AF65-F5344CB8AC3E}">
+        <p14:creationId xmlns:p14="http://schemas.microsoft.com/office/powerpoint/2010/main" val="1019385255"/>
+      </p:ext>
+    </p:extLst>
+  </p:cSld>
+  <p:clrMapOvr>
+    <a:masterClrMapping/>
+  </p:clrMapOvr>
+</p:sld>
+</file>
+
+<file path=ppt/slides/slide18.xml><?xml version="1.0" encoding="utf-8"?>
+<p:sld xmlns:a="http://schemas.openxmlformats.org/drawingml/2006/main" xmlns:r="http://schemas.openxmlformats.org/officeDocument/2006/relationships" xmlns:p="http://schemas.openxmlformats.org/presentationml/2006/main">
+  <p:cSld>
+    <p:spTree>
+      <p:nvGrpSpPr>
+        <p:cNvPr id="1" name=""/>
+        <p:cNvGrpSpPr/>
+        <p:nvPr/>
+      </p:nvGrpSpPr>
+      <p:grpSpPr>
+        <a:xfrm>
+          <a:off x="0" y="0"/>
+          <a:ext cx="0" cy="0"/>
+          <a:chOff x="0" y="0"/>
+          <a:chExt cx="0" cy="0"/>
+        </a:xfrm>
+      </p:grpSpPr>
+      <p:sp>
+        <p:nvSpPr>
+          <p:cNvPr id="2" name="Title 1"/>
+          <p:cNvSpPr>
+            <a:spLocks noGrp="1"/>
+          </p:cNvSpPr>
+          <p:nvPr>
+            <p:ph type="title"/>
+          </p:nvPr>
+        </p:nvSpPr>
+        <p:spPr/>
+        <p:txBody>
+          <a:bodyPr/>
+          <a:lstStyle/>
+          <a:p>
+            <a:r>
+              <a:rPr lang="en-US" dirty="0" smtClean="0"/>
+              <a:t>Protractor Overview</a:t>
+            </a:r>
+            <a:endParaRPr lang="en-US" dirty="0"/>
+          </a:p>
+        </p:txBody>
+      </p:sp>
+      <p:sp>
+        <p:nvSpPr>
+          <p:cNvPr id="3" name="Content Placeholder 2"/>
+          <p:cNvSpPr>
+            <a:spLocks noGrp="1"/>
+          </p:cNvSpPr>
+          <p:nvPr>
+            <p:ph idx="1"/>
+          </p:nvPr>
+        </p:nvSpPr>
+        <p:spPr/>
+        <p:txBody>
+          <a:bodyPr/>
+          <a:lstStyle/>
+          <a:p>
+            <a:pPr>
+              <a:buFont typeface="Wingdings" panose="05000000000000000000" pitchFamily="2" charset="2"/>
+              <a:buChar char="Ø"/>
+            </a:pPr>
+            <a:r>
               <a:rPr lang="en-US" dirty="0"/>
-              <a:t>Protractor</a:t>
-            </a:r>
+              <a:t>Protractor is an end-to-end test framework for Angular and </a:t>
+            </a:r>
+            <a:r>
+              <a:rPr lang="en-US" dirty="0" err="1"/>
+              <a:t>AngularJS</a:t>
+            </a:r>
+            <a:r>
+              <a:rPr lang="en-US" dirty="0"/>
+              <a:t> applications. Protractor runs tests against your application running in a real browser, interacting with it as a user would</a:t>
+            </a:r>
+            <a:r>
+              <a:rPr lang="en-US" dirty="0" smtClean="0"/>
+              <a:t>.</a:t>
+            </a:r>
+          </a:p>
+          <a:p>
+            <a:pPr>
+              <a:buFont typeface="Wingdings" panose="05000000000000000000" pitchFamily="2" charset="2"/>
+              <a:buChar char="Ø"/>
+            </a:pPr>
+            <a:endParaRPr lang="vi-VN" dirty="0" smtClean="0"/>
+          </a:p>
+          <a:p>
+            <a:endParaRPr lang="vi-VN" dirty="0" smtClean="0"/>
+          </a:p>
+          <a:p>
+            <a:endParaRPr lang="en-US" dirty="0"/>
+          </a:p>
+        </p:txBody>
+      </p:sp>
+    </p:spTree>
+    <p:extLst>
+      <p:ext uri="{BB962C8B-B14F-4D97-AF65-F5344CB8AC3E}">
+        <p14:creationId xmlns:p14="http://schemas.microsoft.com/office/powerpoint/2010/main" val="483566087"/>
+      </p:ext>
+    </p:extLst>
+  </p:cSld>
+  <p:clrMapOvr>
+    <a:masterClrMapping/>
+  </p:clrMapOvr>
+  <p:timing>
+    <p:tnLst>
+      <p:par>
+        <p:cTn id="1" dur="indefinite" restart="never" nodeType="tmRoot"/>
+      </p:par>
+    </p:tnLst>
+  </p:timing>
+</p:sld>
+</file>
+
+<file path=ppt/slides/slide19.xml><?xml version="1.0" encoding="utf-8"?>
+<p:sld xmlns:a="http://schemas.openxmlformats.org/drawingml/2006/main" xmlns:r="http://schemas.openxmlformats.org/officeDocument/2006/relationships" xmlns:p="http://schemas.openxmlformats.org/presentationml/2006/main">
+  <p:cSld>
+    <p:spTree>
+      <p:nvGrpSpPr>
+        <p:cNvPr id="1" name=""/>
+        <p:cNvGrpSpPr/>
+        <p:nvPr/>
+      </p:nvGrpSpPr>
+      <p:grpSpPr>
+        <a:xfrm>
+          <a:off x="0" y="0"/>
+          <a:ext cx="0" cy="0"/>
+          <a:chOff x="0" y="0"/>
+          <a:chExt cx="0" cy="0"/>
+        </a:xfrm>
+      </p:grpSpPr>
+      <p:sp>
+        <p:nvSpPr>
+          <p:cNvPr id="2" name="Title 1"/>
+          <p:cNvSpPr>
+            <a:spLocks noGrp="1"/>
+          </p:cNvSpPr>
+          <p:nvPr>
+            <p:ph type="title"/>
+          </p:nvPr>
+        </p:nvSpPr>
+        <p:spPr/>
+        <p:txBody>
+          <a:bodyPr/>
+          <a:lstStyle/>
+          <a:p>
+            <a:r>
+              <a:rPr lang="en-US" dirty="0"/>
+              <a:t>Protractor Overview</a:t>
+            </a:r>
+            <a:endParaRPr lang="en-US" dirty="0"/>
           </a:p>
         </p:txBody>
       </p:sp>
@@ -6036,7 +6656,144 @@
 </p:sld>
 </file>
 
-<file path=ppt/slides/slide18.xml><?xml version="1.0" encoding="utf-8"?>
+<file path=ppt/slides/slide2.xml><?xml version="1.0" encoding="utf-8"?>
+<p:sld xmlns:a="http://schemas.openxmlformats.org/drawingml/2006/main" xmlns:r="http://schemas.openxmlformats.org/officeDocument/2006/relationships" xmlns:p="http://schemas.openxmlformats.org/presentationml/2006/main">
+  <p:cSld>
+    <p:spTree>
+      <p:nvGrpSpPr>
+        <p:cNvPr id="1" name=""/>
+        <p:cNvGrpSpPr/>
+        <p:nvPr/>
+      </p:nvGrpSpPr>
+      <p:grpSpPr>
+        <a:xfrm>
+          <a:off x="0" y="0"/>
+          <a:ext cx="0" cy="0"/>
+          <a:chOff x="0" y="0"/>
+          <a:chExt cx="0" cy="0"/>
+        </a:xfrm>
+      </p:grpSpPr>
+      <p:sp>
+        <p:nvSpPr>
+          <p:cNvPr id="2" name="Content Placeholder 1"/>
+          <p:cNvSpPr>
+            <a:spLocks noGrp="1"/>
+          </p:cNvSpPr>
+          <p:nvPr>
+            <p:ph idx="1"/>
+          </p:nvPr>
+        </p:nvSpPr>
+        <p:spPr/>
+        <p:txBody>
+          <a:bodyPr>
+            <a:normAutofit/>
+          </a:bodyPr>
+          <a:lstStyle/>
+          <a:p>
+            <a:pPr marL="914400" indent="-457200">
+              <a:buFont typeface="+mj-lt"/>
+              <a:buAutoNum type="arabicPeriod"/>
+            </a:pPr>
+            <a:r>
+              <a:rPr lang="en-US" sz="2000" b="1" dirty="0">
+                <a:solidFill>
+                  <a:schemeClr val="accent2"/>
+                </a:solidFill>
+              </a:rPr>
+              <a:t>Before Protractor</a:t>
+            </a:r>
+          </a:p>
+          <a:p>
+            <a:pPr marL="914400" indent="-457200">
+              <a:buFont typeface="+mj-lt"/>
+              <a:buAutoNum type="arabicPeriod"/>
+            </a:pPr>
+            <a:r>
+              <a:rPr lang="en-US" sz="2000" b="1" dirty="0">
+                <a:solidFill>
+                  <a:schemeClr val="accent2"/>
+                </a:solidFill>
+              </a:rPr>
+              <a:t>Protractor</a:t>
+            </a:r>
+          </a:p>
+          <a:p>
+            <a:pPr marL="914400" indent="-457200">
+              <a:buFont typeface="+mj-lt"/>
+              <a:buAutoNum type="arabicPeriod"/>
+            </a:pPr>
+            <a:r>
+              <a:rPr lang="en-US" sz="2000" b="1" dirty="0" smtClean="0">
+                <a:solidFill>
+                  <a:schemeClr val="accent2"/>
+                </a:solidFill>
+              </a:rPr>
+              <a:t>Q </a:t>
+            </a:r>
+            <a:r>
+              <a:rPr lang="en-US" sz="2000" b="1" dirty="0">
+                <a:solidFill>
+                  <a:schemeClr val="accent2"/>
+                </a:solidFill>
+              </a:rPr>
+              <a:t>and A</a:t>
+            </a:r>
+          </a:p>
+          <a:p>
+            <a:pPr marL="400050" lvl="1" indent="0">
+              <a:buNone/>
+            </a:pPr>
+            <a:endParaRPr lang="en-US" b="1" dirty="0">
+              <a:solidFill>
+                <a:schemeClr val="accent2"/>
+              </a:solidFill>
+            </a:endParaRPr>
+          </a:p>
+        </p:txBody>
+      </p:sp>
+      <p:sp>
+        <p:nvSpPr>
+          <p:cNvPr id="3" name="Title 2"/>
+          <p:cNvSpPr>
+            <a:spLocks noGrp="1"/>
+          </p:cNvSpPr>
+          <p:nvPr>
+            <p:ph type="title"/>
+          </p:nvPr>
+        </p:nvSpPr>
+        <p:spPr/>
+        <p:txBody>
+          <a:bodyPr/>
+          <a:lstStyle/>
+          <a:p>
+            <a:r>
+              <a:rPr lang="vi-VN" dirty="0" smtClean="0">
+                <a:latin typeface="Century Gothic (Body)"/>
+              </a:rPr>
+              <a:t>Content:</a:t>
+            </a:r>
+            <a:endParaRPr lang="en-US" dirty="0">
+              <a:latin typeface="Century Gothic (Body)"/>
+            </a:endParaRPr>
+          </a:p>
+        </p:txBody>
+      </p:sp>
+    </p:spTree>
+  </p:cSld>
+  <p:clrMapOvr>
+    <a:masterClrMapping/>
+  </p:clrMapOvr>
+  <p:timing>
+    <p:tnLst>
+      <p:par>
+        <p:cTn id="1" dur="indefinite" restart="never" nodeType="tmRoot"/>
+      </p:par>
+    </p:tnLst>
+  </p:timing>
+</p:sld>
+</file>
+
+<file path=ppt/slides/slide20.xml><?xml version="1.0" encoding="utf-8"?>
 <p:sld xmlns:a="http://schemas.openxmlformats.org/drawingml/2006/main" xmlns:r="http://schemas.openxmlformats.org/officeDocument/2006/relationships" xmlns:p="http://schemas.openxmlformats.org/presentationml/2006/main">
   <p:cSld>
     <p:spTree>
@@ -6070,7 +6827,15 @@
           <a:p>
             <a:r>
               <a:rPr lang="en-US" dirty="0" smtClean="0"/>
-              <a:t>Comparing Protractor and Selenium</a:t>
+              <a:t>Comparing </a:t>
+            </a:r>
+            <a:r>
+              <a:rPr lang="en-US" dirty="0" smtClean="0"/>
+              <a:t>some Characteristic of </a:t>
+            </a:r>
+            <a:r>
+              <a:rPr lang="en-US" dirty="0" smtClean="0"/>
+              <a:t>Protractor and Selenium</a:t>
             </a:r>
             <a:endParaRPr lang="en-US" dirty="0"/>
           </a:p>
@@ -6815,7 +7580,522 @@
 </p:sld>
 </file>
 
-<file path=ppt/slides/slide19.xml><?xml version="1.0" encoding="utf-8"?>
+<file path=ppt/slides/slide21.xml><?xml version="1.0" encoding="utf-8"?>
+<p:sld xmlns:a="http://schemas.openxmlformats.org/drawingml/2006/main" xmlns:r="http://schemas.openxmlformats.org/officeDocument/2006/relationships" xmlns:p="http://schemas.openxmlformats.org/presentationml/2006/main">
+  <p:cSld>
+    <p:spTree>
+      <p:nvGrpSpPr>
+        <p:cNvPr id="1" name=""/>
+        <p:cNvGrpSpPr/>
+        <p:nvPr/>
+      </p:nvGrpSpPr>
+      <p:grpSpPr>
+        <a:xfrm>
+          <a:off x="0" y="0"/>
+          <a:ext cx="0" cy="0"/>
+          <a:chOff x="0" y="0"/>
+          <a:chExt cx="0" cy="0"/>
+        </a:xfrm>
+      </p:grpSpPr>
+      <p:sp>
+        <p:nvSpPr>
+          <p:cNvPr id="2" name="Title 1"/>
+          <p:cNvSpPr>
+            <a:spLocks noGrp="1"/>
+          </p:cNvSpPr>
+          <p:nvPr>
+            <p:ph type="title"/>
+          </p:nvPr>
+        </p:nvSpPr>
+        <p:spPr/>
+        <p:txBody>
+          <a:bodyPr/>
+          <a:lstStyle/>
+          <a:p>
+            <a:r>
+              <a:rPr lang="en-US" dirty="0" smtClean="0"/>
+              <a:t>Protractor Reference</a:t>
+            </a:r>
+            <a:endParaRPr lang="en-US" dirty="0"/>
+          </a:p>
+        </p:txBody>
+      </p:sp>
+      <p:sp>
+        <p:nvSpPr>
+          <p:cNvPr id="3" name="Content Placeholder 2"/>
+          <p:cNvSpPr>
+            <a:spLocks noGrp="1"/>
+          </p:cNvSpPr>
+          <p:nvPr>
+            <p:ph idx="1"/>
+          </p:nvPr>
+        </p:nvSpPr>
+        <p:spPr/>
+        <p:txBody>
+          <a:bodyPr/>
+          <a:lstStyle/>
+          <a:p>
+            <a:pPr>
+              <a:buFont typeface="Wingdings" panose="05000000000000000000" pitchFamily="2" charset="2"/>
+              <a:buChar char="Ø"/>
+            </a:pPr>
+            <a:r>
+              <a:rPr lang="en-US" dirty="0">
+                <a:hlinkClick r:id="rId2"/>
+              </a:rPr>
+              <a:t>https://</a:t>
+            </a:r>
+            <a:r>
+              <a:rPr lang="en-US" dirty="0" smtClean="0">
+                <a:hlinkClick r:id="rId2"/>
+              </a:rPr>
+              <a:t>www.protractortest.org/</a:t>
+            </a:r>
+            <a:endParaRPr lang="en-US" dirty="0" smtClean="0"/>
+          </a:p>
+          <a:p>
+            <a:pPr>
+              <a:buFont typeface="Wingdings" panose="05000000000000000000" pitchFamily="2" charset="2"/>
+              <a:buChar char="Ø"/>
+            </a:pPr>
+            <a:r>
+              <a:rPr lang="en-US" dirty="0">
+                <a:hlinkClick r:id="rId3"/>
+              </a:rPr>
+              <a:t>https://</a:t>
+            </a:r>
+            <a:r>
+              <a:rPr lang="en-US" dirty="0" smtClean="0">
+                <a:hlinkClick r:id="rId3"/>
+              </a:rPr>
+              <a:t>www.toolsqa.com/protractor/what-is-protractor/</a:t>
+            </a:r>
+            <a:endParaRPr lang="en-US" dirty="0" smtClean="0"/>
+          </a:p>
+          <a:p>
+            <a:pPr>
+              <a:buFont typeface="Wingdings" panose="05000000000000000000" pitchFamily="2" charset="2"/>
+              <a:buChar char="Ø"/>
+            </a:pPr>
+            <a:r>
+              <a:rPr lang="en-US" dirty="0">
+                <a:hlinkClick r:id="rId4"/>
+              </a:rPr>
+              <a:t>https://www.testbytes.net/blog/protractor-vs-selenium/</a:t>
+            </a:r>
+            <a:endParaRPr lang="en-US" dirty="0"/>
+          </a:p>
+        </p:txBody>
+      </p:sp>
+    </p:spTree>
+    <p:extLst>
+      <p:ext uri="{BB962C8B-B14F-4D97-AF65-F5344CB8AC3E}">
+        <p14:creationId xmlns:p14="http://schemas.microsoft.com/office/powerpoint/2010/main" val="848941522"/>
+      </p:ext>
+    </p:extLst>
+  </p:cSld>
+  <p:clrMapOvr>
+    <a:masterClrMapping/>
+  </p:clrMapOvr>
+</p:sld>
+</file>
+
+<file path=ppt/slides/slide22.xml><?xml version="1.0" encoding="utf-8"?>
+<p:sld xmlns:a="http://schemas.openxmlformats.org/drawingml/2006/main" xmlns:r="http://schemas.openxmlformats.org/officeDocument/2006/relationships" xmlns:p="http://schemas.openxmlformats.org/presentationml/2006/main">
+  <p:cSld>
+    <p:spTree>
+      <p:nvGrpSpPr>
+        <p:cNvPr id="1" name=""/>
+        <p:cNvGrpSpPr/>
+        <p:nvPr/>
+      </p:nvGrpSpPr>
+      <p:grpSpPr>
+        <a:xfrm>
+          <a:off x="0" y="0"/>
+          <a:ext cx="0" cy="0"/>
+          <a:chOff x="0" y="0"/>
+          <a:chExt cx="0" cy="0"/>
+        </a:xfrm>
+      </p:grpSpPr>
+      <p:sp>
+        <p:nvSpPr>
+          <p:cNvPr id="2" name="Title 1"/>
+          <p:cNvSpPr>
+            <a:spLocks noGrp="1"/>
+          </p:cNvSpPr>
+          <p:nvPr>
+            <p:ph type="title"/>
+          </p:nvPr>
+        </p:nvSpPr>
+        <p:spPr/>
+        <p:txBody>
+          <a:bodyPr/>
+          <a:lstStyle/>
+          <a:p>
+            <a:r>
+              <a:rPr lang="en-US" dirty="0" smtClean="0"/>
+              <a:t>Q and A</a:t>
+            </a:r>
+            <a:endParaRPr lang="en-US" dirty="0"/>
+          </a:p>
+        </p:txBody>
+      </p:sp>
+      <p:sp>
+        <p:nvSpPr>
+          <p:cNvPr id="4" name="Content Placeholder 2"/>
+          <p:cNvSpPr txBox="1">
+            <a:spLocks/>
+          </p:cNvSpPr>
+          <p:nvPr/>
+        </p:nvSpPr>
+        <p:spPr>
+          <a:xfrm>
+            <a:off x="1154955" y="1334862"/>
+            <a:ext cx="9741645" cy="5104038"/>
+          </a:xfrm>
+          <a:prstGeom prst="rect">
+            <a:avLst/>
+          </a:prstGeom>
+        </p:spPr>
+        <p:txBody>
+          <a:bodyPr vert="horz" lIns="91440" tIns="45720" rIns="91440" bIns="45720" rtlCol="0">
+            <a:normAutofit/>
+          </a:bodyPr>
+          <a:lstStyle>
+            <a:lvl1pPr marL="342900" indent="-342900" algn="l" defTabSz="457200" rtl="0" eaLnBrk="1" latinLnBrk="0" hangingPunct="1">
+              <a:spcBef>
+                <a:spcPts val="1000"/>
+              </a:spcBef>
+              <a:spcAft>
+                <a:spcPts val="0"/>
+              </a:spcAft>
+              <a:buClr>
+                <a:schemeClr val="accent1"/>
+              </a:buClr>
+              <a:buSzPct val="80000"/>
+              <a:buFont typeface="Wingdings 3" charset="2"/>
+              <a:buChar char=""/>
+              <a:defRPr sz="1800" b="0" i="0" kern="1200">
+                <a:solidFill>
+                  <a:schemeClr val="tx1">
+                    <a:lumMod val="75000"/>
+                    <a:lumOff val="25000"/>
+                  </a:schemeClr>
+                </a:solidFill>
+                <a:latin typeface="+mn-lt"/>
+                <a:ea typeface="+mn-ea"/>
+                <a:cs typeface="+mn-cs"/>
+              </a:defRPr>
+            </a:lvl1pPr>
+            <a:lvl2pPr marL="742950" indent="-285750" algn="l" defTabSz="457200" rtl="0" eaLnBrk="1" latinLnBrk="0" hangingPunct="1">
+              <a:spcBef>
+                <a:spcPts val="1000"/>
+              </a:spcBef>
+              <a:spcAft>
+                <a:spcPts val="0"/>
+              </a:spcAft>
+              <a:buClr>
+                <a:schemeClr val="accent1"/>
+              </a:buClr>
+              <a:buSzPct val="80000"/>
+              <a:buFont typeface="Wingdings 3" charset="2"/>
+              <a:buChar char=""/>
+              <a:defRPr sz="1600" b="0" i="0" kern="1200">
+                <a:solidFill>
+                  <a:schemeClr val="tx1">
+                    <a:lumMod val="75000"/>
+                    <a:lumOff val="25000"/>
+                  </a:schemeClr>
+                </a:solidFill>
+                <a:latin typeface="+mn-lt"/>
+                <a:ea typeface="+mn-ea"/>
+                <a:cs typeface="+mn-cs"/>
+              </a:defRPr>
+            </a:lvl2pPr>
+            <a:lvl3pPr marL="1143000" indent="-228600" algn="l" defTabSz="457200" rtl="0" eaLnBrk="1" latinLnBrk="0" hangingPunct="1">
+              <a:spcBef>
+                <a:spcPts val="1000"/>
+              </a:spcBef>
+              <a:spcAft>
+                <a:spcPts val="0"/>
+              </a:spcAft>
+              <a:buClr>
+                <a:schemeClr val="accent1"/>
+              </a:buClr>
+              <a:buSzPct val="80000"/>
+              <a:buFont typeface="Wingdings 3" charset="2"/>
+              <a:buChar char=""/>
+              <a:defRPr sz="1400" b="0" i="0" kern="1200">
+                <a:solidFill>
+                  <a:schemeClr val="tx1">
+                    <a:lumMod val="75000"/>
+                    <a:lumOff val="25000"/>
+                  </a:schemeClr>
+                </a:solidFill>
+                <a:latin typeface="+mn-lt"/>
+                <a:ea typeface="+mn-ea"/>
+                <a:cs typeface="+mn-cs"/>
+              </a:defRPr>
+            </a:lvl3pPr>
+            <a:lvl4pPr marL="1600200" indent="-228600" algn="l" defTabSz="457200" rtl="0" eaLnBrk="1" latinLnBrk="0" hangingPunct="1">
+              <a:spcBef>
+                <a:spcPts val="1000"/>
+              </a:spcBef>
+              <a:spcAft>
+                <a:spcPts val="0"/>
+              </a:spcAft>
+              <a:buClr>
+                <a:schemeClr val="accent1"/>
+              </a:buClr>
+              <a:buSzPct val="80000"/>
+              <a:buFont typeface="Wingdings 3" charset="2"/>
+              <a:buChar char=""/>
+              <a:defRPr sz="1200" b="0" i="0" kern="1200">
+                <a:solidFill>
+                  <a:schemeClr val="tx1">
+                    <a:lumMod val="75000"/>
+                    <a:lumOff val="25000"/>
+                  </a:schemeClr>
+                </a:solidFill>
+                <a:latin typeface="+mn-lt"/>
+                <a:ea typeface="+mn-ea"/>
+                <a:cs typeface="+mn-cs"/>
+              </a:defRPr>
+            </a:lvl4pPr>
+            <a:lvl5pPr marL="2057400" indent="-228600" algn="l" defTabSz="457200" rtl="0" eaLnBrk="1" latinLnBrk="0" hangingPunct="1">
+              <a:spcBef>
+                <a:spcPts val="1000"/>
+              </a:spcBef>
+              <a:spcAft>
+                <a:spcPts val="0"/>
+              </a:spcAft>
+              <a:buClr>
+                <a:schemeClr val="accent1"/>
+              </a:buClr>
+              <a:buSzPct val="80000"/>
+              <a:buFont typeface="Wingdings 3" charset="2"/>
+              <a:buChar char=""/>
+              <a:defRPr sz="1200" b="0" i="0" kern="1200">
+                <a:solidFill>
+                  <a:schemeClr val="tx1">
+                    <a:lumMod val="75000"/>
+                    <a:lumOff val="25000"/>
+                  </a:schemeClr>
+                </a:solidFill>
+                <a:latin typeface="+mn-lt"/>
+                <a:ea typeface="+mn-ea"/>
+                <a:cs typeface="+mn-cs"/>
+              </a:defRPr>
+            </a:lvl5pPr>
+            <a:lvl6pPr marL="2514600" indent="-228600" algn="l" defTabSz="457200" rtl="0" eaLnBrk="1" latinLnBrk="0" hangingPunct="1">
+              <a:spcBef>
+                <a:spcPts val="1000"/>
+              </a:spcBef>
+              <a:spcAft>
+                <a:spcPts val="0"/>
+              </a:spcAft>
+              <a:buClr>
+                <a:schemeClr val="accent1"/>
+              </a:buClr>
+              <a:buSzPct val="80000"/>
+              <a:buFont typeface="Wingdings 3" charset="2"/>
+              <a:buChar char=""/>
+              <a:defRPr sz="1200" b="0" i="0" kern="1200">
+                <a:solidFill>
+                  <a:schemeClr val="tx1">
+                    <a:lumMod val="75000"/>
+                    <a:lumOff val="25000"/>
+                  </a:schemeClr>
+                </a:solidFill>
+                <a:latin typeface="+mn-lt"/>
+                <a:ea typeface="+mn-ea"/>
+                <a:cs typeface="+mn-cs"/>
+              </a:defRPr>
+            </a:lvl6pPr>
+            <a:lvl7pPr marL="2971800" indent="-228600" algn="l" defTabSz="457200" rtl="0" eaLnBrk="1" latinLnBrk="0" hangingPunct="1">
+              <a:spcBef>
+                <a:spcPts val="1000"/>
+              </a:spcBef>
+              <a:spcAft>
+                <a:spcPts val="0"/>
+              </a:spcAft>
+              <a:buClr>
+                <a:schemeClr val="accent1"/>
+              </a:buClr>
+              <a:buSzPct val="80000"/>
+              <a:buFont typeface="Wingdings 3" charset="2"/>
+              <a:buChar char=""/>
+              <a:defRPr sz="1200" b="0" i="0" kern="1200">
+                <a:solidFill>
+                  <a:schemeClr val="tx1">
+                    <a:lumMod val="75000"/>
+                    <a:lumOff val="25000"/>
+                  </a:schemeClr>
+                </a:solidFill>
+                <a:latin typeface="+mn-lt"/>
+                <a:ea typeface="+mn-ea"/>
+                <a:cs typeface="+mn-cs"/>
+              </a:defRPr>
+            </a:lvl7pPr>
+            <a:lvl8pPr marL="3429000" indent="-228600" algn="l" defTabSz="457200" rtl="0" eaLnBrk="1" latinLnBrk="0" hangingPunct="1">
+              <a:spcBef>
+                <a:spcPts val="1000"/>
+              </a:spcBef>
+              <a:spcAft>
+                <a:spcPts val="0"/>
+              </a:spcAft>
+              <a:buClr>
+                <a:schemeClr val="accent1"/>
+              </a:buClr>
+              <a:buSzPct val="80000"/>
+              <a:buFont typeface="Wingdings 3" charset="2"/>
+              <a:buChar char=""/>
+              <a:defRPr sz="1200" b="0" i="0" kern="1200">
+                <a:solidFill>
+                  <a:schemeClr val="tx1">
+                    <a:lumMod val="75000"/>
+                    <a:lumOff val="25000"/>
+                  </a:schemeClr>
+                </a:solidFill>
+                <a:latin typeface="+mn-lt"/>
+                <a:ea typeface="+mn-ea"/>
+                <a:cs typeface="+mn-cs"/>
+              </a:defRPr>
+            </a:lvl8pPr>
+            <a:lvl9pPr marL="3886200" indent="-228600" algn="l" defTabSz="457200" rtl="0" eaLnBrk="1" latinLnBrk="0" hangingPunct="1">
+              <a:spcBef>
+                <a:spcPts val="1000"/>
+              </a:spcBef>
+              <a:spcAft>
+                <a:spcPts val="0"/>
+              </a:spcAft>
+              <a:buClr>
+                <a:schemeClr val="accent1"/>
+              </a:buClr>
+              <a:buSzPct val="80000"/>
+              <a:buFont typeface="Wingdings 3" charset="2"/>
+              <a:buChar char=""/>
+              <a:defRPr sz="1200" b="0" i="0" kern="1200">
+                <a:solidFill>
+                  <a:schemeClr val="tx1">
+                    <a:lumMod val="75000"/>
+                    <a:lumOff val="25000"/>
+                  </a:schemeClr>
+                </a:solidFill>
+                <a:latin typeface="+mn-lt"/>
+                <a:ea typeface="+mn-ea"/>
+                <a:cs typeface="+mn-cs"/>
+              </a:defRPr>
+            </a:lvl9pPr>
+          </a:lstStyle>
+          <a:p>
+            <a:pPr marL="0" lvl="1" indent="0">
+              <a:buFont typeface="Wingdings 3" charset="2"/>
+              <a:buNone/>
+            </a:pPr>
+            <a:endParaRPr lang="en-US" sz="3200" dirty="0" smtClean="0"/>
+          </a:p>
+          <a:p>
+            <a:pPr marL="0" lvl="1" indent="0">
+              <a:buFont typeface="Wingdings 3" charset="2"/>
+              <a:buNone/>
+            </a:pPr>
+            <a:endParaRPr lang="en-US" sz="3200" dirty="0" smtClean="0"/>
+          </a:p>
+          <a:p>
+            <a:pPr marL="0" lvl="1" indent="0" algn="ctr">
+              <a:buFont typeface="Wingdings 3" charset="2"/>
+              <a:buNone/>
+            </a:pPr>
+            <a:r>
+              <a:rPr lang="en-US" sz="3200" dirty="0" smtClean="0"/>
+              <a:t>Question please.</a:t>
+            </a:r>
+            <a:endParaRPr lang="en-US" sz="3200" dirty="0"/>
+          </a:p>
+        </p:txBody>
+      </p:sp>
+      <p:cxnSp>
+        <p:nvCxnSpPr>
+          <p:cNvPr id="5" name="Straight Connector 4"/>
+          <p:cNvCxnSpPr/>
+          <p:nvPr/>
+        </p:nvCxnSpPr>
+        <p:spPr>
+          <a:xfrm>
+            <a:off x="2517731" y="3194137"/>
+            <a:ext cx="7039627" cy="0"/>
+          </a:xfrm>
+          <a:prstGeom prst="line">
+            <a:avLst/>
+          </a:prstGeom>
+          <a:ln>
+            <a:solidFill>
+              <a:schemeClr val="bg1">
+                <a:lumMod val="75000"/>
+              </a:schemeClr>
+            </a:solidFill>
+          </a:ln>
+        </p:spPr>
+        <p:style>
+          <a:lnRef idx="1">
+            <a:schemeClr val="dk1"/>
+          </a:lnRef>
+          <a:fillRef idx="0">
+            <a:schemeClr val="dk1"/>
+          </a:fillRef>
+          <a:effectRef idx="0">
+            <a:schemeClr val="dk1"/>
+          </a:effectRef>
+          <a:fontRef idx="minor">
+            <a:schemeClr val="tx1"/>
+          </a:fontRef>
+        </p:style>
+      </p:cxnSp>
+      <p:pic>
+        <p:nvPicPr>
+          <p:cNvPr id="6" name="Picture 5"/>
+          <p:cNvPicPr>
+            <a:picLocks noChangeAspect="1"/>
+          </p:cNvPicPr>
+          <p:nvPr/>
+        </p:nvPicPr>
+        <p:blipFill>
+          <a:blip r:embed="rId2" cstate="print">
+            <a:extLst>
+              <a:ext uri="{28A0092B-C50C-407E-A947-70E740481C1C}">
+                <a14:useLocalDpi xmlns:a14="http://schemas.microsoft.com/office/drawing/2010/main" val="0"/>
+              </a:ext>
+            </a:extLst>
+          </a:blip>
+          <a:stretch>
+            <a:fillRect/>
+          </a:stretch>
+        </p:blipFill>
+        <p:spPr>
+          <a:xfrm>
+            <a:off x="5751094" y="3314453"/>
+            <a:ext cx="666295" cy="666295"/>
+          </a:xfrm>
+          <a:prstGeom prst="rect">
+            <a:avLst/>
+          </a:prstGeom>
+        </p:spPr>
+      </p:pic>
+    </p:spTree>
+    <p:extLst>
+      <p:ext uri="{BB962C8B-B14F-4D97-AF65-F5344CB8AC3E}">
+        <p14:creationId xmlns:p14="http://schemas.microsoft.com/office/powerpoint/2010/main" val="2152791535"/>
+      </p:ext>
+    </p:extLst>
+  </p:cSld>
+  <p:clrMapOvr>
+    <a:masterClrMapping/>
+  </p:clrMapOvr>
+</p:sld>
+</file>
+
+<file path=ppt/slides/slide23.xml><?xml version="1.0" encoding="utf-8"?>
 <p:sld xmlns:a="http://schemas.openxmlformats.org/drawingml/2006/main" xmlns:r="http://schemas.openxmlformats.org/officeDocument/2006/relationships" xmlns:p="http://schemas.openxmlformats.org/presentationml/2006/main">
   <p:cSld>
     <p:spTree>
@@ -7031,149 +8311,6 @@
 </p:sld>
 </file>
 
-<file path=ppt/slides/slide2.xml><?xml version="1.0" encoding="utf-8"?>
-<p:sld xmlns:a="http://schemas.openxmlformats.org/drawingml/2006/main" xmlns:r="http://schemas.openxmlformats.org/officeDocument/2006/relationships" xmlns:p="http://schemas.openxmlformats.org/presentationml/2006/main">
-  <p:cSld>
-    <p:spTree>
-      <p:nvGrpSpPr>
-        <p:cNvPr id="1" name=""/>
-        <p:cNvGrpSpPr/>
-        <p:nvPr/>
-      </p:nvGrpSpPr>
-      <p:grpSpPr>
-        <a:xfrm>
-          <a:off x="0" y="0"/>
-          <a:ext cx="0" cy="0"/>
-          <a:chOff x="0" y="0"/>
-          <a:chExt cx="0" cy="0"/>
-        </a:xfrm>
-      </p:grpSpPr>
-      <p:sp>
-        <p:nvSpPr>
-          <p:cNvPr id="2" name="Content Placeholder 1"/>
-          <p:cNvSpPr>
-            <a:spLocks noGrp="1"/>
-          </p:cNvSpPr>
-          <p:nvPr>
-            <p:ph idx="1"/>
-          </p:nvPr>
-        </p:nvSpPr>
-        <p:spPr/>
-        <p:txBody>
-          <a:bodyPr>
-            <a:normAutofit/>
-          </a:bodyPr>
-          <a:lstStyle/>
-          <a:p>
-            <a:pPr marL="914400" indent="-457200">
-              <a:buFont typeface="+mj-lt"/>
-              <a:buAutoNum type="arabicPeriod"/>
-            </a:pPr>
-            <a:r>
-              <a:rPr lang="en-US" sz="2000" b="1" dirty="0">
-                <a:solidFill>
-                  <a:schemeClr val="accent2"/>
-                </a:solidFill>
-              </a:rPr>
-              <a:t>Before Protractor</a:t>
-            </a:r>
-          </a:p>
-          <a:p>
-            <a:pPr marL="914400" indent="-457200">
-              <a:buFont typeface="+mj-lt"/>
-              <a:buAutoNum type="arabicPeriod"/>
-            </a:pPr>
-            <a:r>
-              <a:rPr lang="en-US" sz="2000" b="1" dirty="0">
-                <a:solidFill>
-                  <a:schemeClr val="accent2"/>
-                </a:solidFill>
-              </a:rPr>
-              <a:t>Protractor</a:t>
-            </a:r>
-          </a:p>
-          <a:p>
-            <a:pPr marL="914400" indent="-457200">
-              <a:buFont typeface="+mj-lt"/>
-              <a:buAutoNum type="arabicPeriod"/>
-            </a:pPr>
-            <a:r>
-              <a:rPr lang="en-US" sz="2000" b="1" dirty="0">
-                <a:solidFill>
-                  <a:schemeClr val="accent2"/>
-                </a:solidFill>
-              </a:rPr>
-              <a:t>After Protractor</a:t>
-            </a:r>
-          </a:p>
-          <a:p>
-            <a:pPr marL="914400" indent="-457200">
-              <a:buFont typeface="+mj-lt"/>
-              <a:buAutoNum type="arabicPeriod"/>
-            </a:pPr>
-            <a:r>
-              <a:rPr lang="en-US" sz="2000" b="1" dirty="0">
-                <a:solidFill>
-                  <a:schemeClr val="accent2"/>
-                </a:solidFill>
-              </a:rPr>
-              <a:t>Q and A</a:t>
-            </a:r>
-          </a:p>
-          <a:p>
-            <a:pPr marL="400050" lvl="1" indent="0">
-              <a:buNone/>
-            </a:pPr>
-            <a:endParaRPr lang="en-US" b="1" dirty="0">
-              <a:solidFill>
-                <a:schemeClr val="accent2"/>
-              </a:solidFill>
-            </a:endParaRPr>
-          </a:p>
-        </p:txBody>
-      </p:sp>
-      <p:sp>
-        <p:nvSpPr>
-          <p:cNvPr id="3" name="Title 2"/>
-          <p:cNvSpPr>
-            <a:spLocks noGrp="1"/>
-          </p:cNvSpPr>
-          <p:nvPr>
-            <p:ph type="title"/>
-          </p:nvPr>
-        </p:nvSpPr>
-        <p:spPr/>
-        <p:txBody>
-          <a:bodyPr/>
-          <a:lstStyle/>
-          <a:p>
-            <a:r>
-              <a:rPr lang="vi-VN" dirty="0" smtClean="0">
-                <a:latin typeface="Century Gothic (Body)"/>
-              </a:rPr>
-              <a:t>Content:</a:t>
-            </a:r>
-            <a:endParaRPr lang="en-US" dirty="0">
-              <a:latin typeface="Century Gothic (Body)"/>
-            </a:endParaRPr>
-          </a:p>
-        </p:txBody>
-      </p:sp>
-    </p:spTree>
-  </p:cSld>
-  <p:clrMapOvr>
-    <a:masterClrMapping/>
-  </p:clrMapOvr>
-  <p:timing>
-    <p:tnLst>
-      <p:par>
-        <p:cTn id="1" dur="indefinite" restart="never" nodeType="tmRoot"/>
-      </p:par>
-    </p:tnLst>
-  </p:timing>
-</p:sld>
-</file>
-
 <file path=ppt/slides/slide3.xml><?xml version="1.0" encoding="utf-8"?>
 <p:sld xmlns:a="http://schemas.openxmlformats.org/drawingml/2006/main" xmlns:r="http://schemas.openxmlformats.org/officeDocument/2006/relationships" xmlns:p="http://schemas.openxmlformats.org/presentationml/2006/main">
   <p:cSld>
@@ -7375,24 +8512,18 @@
           <a:lstStyle/>
           <a:p>
             <a:r>
-              <a:rPr lang="en-US" smtClean="0">
-                <a:solidFill>
-                  <a:schemeClr val="accent2"/>
-                </a:solidFill>
+              <a:rPr lang="en-US" dirty="0">
                 <a:sym typeface="+mn-ea"/>
               </a:rPr>
               <a:t>Sync and </a:t>
             </a:r>
             <a:r>
-              <a:rPr lang="en-US" err="1" smtClean="0">
-                <a:solidFill>
-                  <a:schemeClr val="accent2"/>
-                </a:solidFill>
+              <a:rPr lang="en-US" dirty="0" err="1">
                 <a:sym typeface="+mn-ea"/>
               </a:rPr>
               <a:t>Async</a:t>
             </a:r>
-            <a:endParaRPr lang="en-US"/>
+            <a:endParaRPr lang="en-US" dirty="0"/>
           </a:p>
         </p:txBody>
       </p:sp>
@@ -7430,7 +8561,7 @@
                         <a:buNone/>
                       </a:pPr>
                       <a:r>
-                        <a:rPr lang="en-US" altLang="en-US" sz="2000"/>
+                        <a:rPr lang="en-US" altLang="en-US" sz="2000" dirty="0"/>
                         <a:t>Sync</a:t>
                       </a:r>
                     </a:p>
@@ -7539,7 +8670,7 @@
                         <a:buNone/>
                       </a:pPr>
                       <a:r>
-                        <a:rPr lang="en-US"/>
+                        <a:rPr lang="en-US" dirty="0"/>
                         <a:t>Running synchronously will generate unnecessary and idle wait in some cases</a:t>
                       </a:r>
                     </a:p>
@@ -7555,27 +8686,27 @@
                         <a:buNone/>
                       </a:pPr>
                       <a:r>
-                        <a:rPr lang="en-US"/>
+                        <a:rPr lang="en-US" dirty="0"/>
                         <a:t>Running asynchronously so </a:t>
                       </a:r>
                       <a:r>
-                        <a:rPr lang="en-US" altLang="en-US"/>
+                        <a:rPr lang="en-US" altLang="en-US" dirty="0"/>
                         <a:t>it </a:t>
                       </a:r>
                       <a:r>
-                        <a:rPr lang="en-US"/>
+                        <a:rPr lang="en-US" dirty="0"/>
                         <a:t>can handle many </a:t>
                       </a:r>
                       <a:r>
-                        <a:rPr lang="en-US" altLang="en-US"/>
+                        <a:rPr lang="en-US" altLang="en-US" dirty="0"/>
                         <a:t>tasks </a:t>
                       </a:r>
                       <a:r>
-                        <a:rPr lang="en-US"/>
+                        <a:rPr lang="en-US" dirty="0"/>
                         <a:t>at the same time </a:t>
                       </a:r>
                       <a:r>
-                        <a:rPr lang="en-US" altLang="en-US"/>
+                        <a:rPr lang="en-US" altLang="en-US" dirty="0"/>
                         <a:t>,</a:t>
                       </a:r>
                     </a:p>
@@ -7584,7 +8715,7 @@
                         <a:buNone/>
                       </a:pPr>
                       <a:r>
-                        <a:rPr lang="en-US" altLang="en-US"/>
+                        <a:rPr lang="en-US" altLang="en-US" dirty="0"/>
                         <a:t>but it is easy to get a process error if it is not well controlled </a:t>
                       </a:r>
                     </a:p>
@@ -7637,10 +8768,10 @@
           <a:lstStyle/>
           <a:p>
             <a:r>
-              <a:rPr lang="en-US" smtClean="0"/>
+              <a:rPr lang="en-US" dirty="0" err="1" smtClean="0"/>
               <a:t>Javascript</a:t>
             </a:r>
-            <a:endParaRPr lang="en-US"/>
+            <a:endParaRPr lang="en-US" dirty="0"/>
           </a:p>
         </p:txBody>
       </p:sp>
@@ -7913,15 +9044,23 @@
             </a:r>
             <a:r>
               <a:rPr lang="en-US" dirty="0" smtClean="0"/>
-              <a:t> with backend </a:t>
-            </a:r>
-            <a:r>
-              <a:rPr lang="en-US" dirty="0" err="1" smtClean="0"/>
-              <a:t>apis</a:t>
+              <a:t> </a:t>
             </a:r>
             <a:r>
               <a:rPr lang="en-US" dirty="0" smtClean="0"/>
-              <a:t> for server, database …</a:t>
+              <a:t>with backend </a:t>
+            </a:r>
+            <a:r>
+              <a:rPr lang="en-US" dirty="0" smtClean="0"/>
+              <a:t>API</a:t>
+            </a:r>
+            <a:r>
+              <a:rPr lang="en-US" dirty="0" smtClean="0"/>
+              <a:t>s </a:t>
+            </a:r>
+            <a:r>
+              <a:rPr lang="en-US" dirty="0" smtClean="0"/>
+              <a:t>for server, database …</a:t>
             </a:r>
           </a:p>
           <a:p>
@@ -8169,14 +9308,12 @@
               <a:t>Types are free documentation that increase understanding and improve developer's </a:t>
             </a:r>
             <a:r>
-              <a:rPr lang="en-US" dirty="0" err="1" smtClean="0"/>
-              <a:t>pr</a:t>
-            </a:r>
-            <a:r>
-              <a:rPr lang="vi-VN" dirty="0" smtClean="0"/>
-              <a:t>oductivity</a:t>
-            </a:r>
-            <a:endParaRPr lang="en-US" dirty="0" smtClean="0"/>
+              <a:rPr lang="en-US" dirty="0" smtClean="0"/>
+              <a:t>productivity</a:t>
+            </a:r>
+            <a:endParaRPr lang="en-US" dirty="0">
+              <a:latin typeface="Century" panose="02040604050505020304" pitchFamily="18" charset="0"/>
+            </a:endParaRPr>
           </a:p>
           <a:p>
             <a:pPr>
@@ -8185,15 +9322,7 @@
             </a:pPr>
             <a:r>
               <a:rPr lang="en-US" dirty="0" smtClean="0"/>
-              <a:t>Strong </a:t>
-            </a:r>
-            <a:r>
-              <a:rPr lang="en-US" dirty="0"/>
-              <a:t>type checking helps prevent errors and enhances </a:t>
-            </a:r>
-            <a:r>
-              <a:rPr lang="en-US" dirty="0" smtClean="0"/>
-              <a:t>reliability</a:t>
+              <a:t>Strong type checking helps prevent errors and enhances reliability</a:t>
             </a:r>
           </a:p>
           <a:p>
@@ -8203,8 +9332,17 @@
             </a:pPr>
             <a:r>
               <a:rPr lang="en-US" dirty="0" smtClean="0"/>
-              <a:t>Increase self-documented code</a:t>
-            </a:r>
+              <a:t>Increase </a:t>
+            </a:r>
+            <a:r>
+              <a:rPr lang="en-US" dirty="0" smtClean="0"/>
+              <a:t>self-documented </a:t>
+            </a:r>
+            <a:r>
+              <a:rPr lang="en-US" dirty="0" smtClean="0"/>
+              <a:t>code</a:t>
+            </a:r>
+            <a:endParaRPr lang="en-US" dirty="0" smtClean="0"/>
           </a:p>
         </p:txBody>
       </p:sp>
@@ -8309,10 +9447,10 @@
           <a:lstStyle/>
           <a:p>
             <a:r>
-              <a:rPr lang="en-US" smtClean="0"/>
+              <a:rPr lang="en-US" dirty="0" smtClean="0"/>
               <a:t>Typescript</a:t>
             </a:r>
-            <a:endParaRPr lang="en-US"/>
+            <a:endParaRPr lang="en-US" dirty="0"/>
           </a:p>
         </p:txBody>
       </p:sp>
@@ -8620,6 +9758,13 @@
   <p:clrMapOvr>
     <a:masterClrMapping/>
   </p:clrMapOvr>
+  <p:timing>
+    <p:tnLst>
+      <p:par>
+        <p:cTn id="1" dur="indefinite" restart="never" nodeType="tmRoot"/>
+      </p:par>
+    </p:tnLst>
+  </p:timing>
 </p:sld>
 </file>
 
@@ -8656,424 +9801,118 @@
           <a:lstStyle/>
           <a:p>
             <a:r>
-              <a:rPr lang="en-US"/>
-              <a:t>Comparing some characteristic when coding in </a:t>
-            </a:r>
-            <a:r>
-              <a:rPr lang="en-US" altLang="en-US"/>
-              <a:t>T</a:t>
-            </a:r>
-            <a:r>
-              <a:rPr lang="en-US"/>
-              <a:t>ypescript and </a:t>
-            </a:r>
-            <a:r>
-              <a:rPr lang="en-US" altLang="en-US"/>
-              <a:t>J</a:t>
-            </a:r>
-            <a:r>
-              <a:rPr lang="en-US"/>
-              <a:t>ava</a:t>
+              <a:rPr lang="en-US" dirty="0"/>
+              <a:t>Typescript</a:t>
             </a:r>
           </a:p>
         </p:txBody>
       </p:sp>
-      <p:graphicFrame>
-        <p:nvGraphicFramePr>
-          <p:cNvPr id="4" name="Content Placeholder 3"/>
-          <p:cNvGraphicFramePr>
-            <a:graphicFrameLocks noGrp="1"/>
-          </p:cNvGraphicFramePr>
+      <p:pic>
+        <p:nvPicPr>
+          <p:cNvPr id="5" name="Content Placeholder 4"/>
+          <p:cNvPicPr>
+            <a:picLocks noGrp="1" noChangeAspect="1"/>
+          </p:cNvPicPr>
           <p:nvPr>
             <p:ph idx="1"/>
           </p:nvPr>
-        </p:nvGraphicFramePr>
-        <p:xfrm>
-          <a:off x="1154955" y="1654175"/>
-          <a:ext cx="9869170" cy="4602480"/>
-        </p:xfrm>
-        <a:graphic>
-          <a:graphicData uri="http://schemas.openxmlformats.org/drawingml/2006/table">
-            <a:tbl>
-              <a:tblPr firstRow="1" bandRow="1">
-                <a:tableStyleId>{5C22544A-7EE6-4342-B048-85BDC9FD1C3A}</a:tableStyleId>
-              </a:tblPr>
-              <a:tblGrid>
-                <a:gridCol w="4934585"/>
-                <a:gridCol w="4934585"/>
-              </a:tblGrid>
-              <a:tr h="381000">
-                <a:tc>
-                  <a:txBody>
-                    <a:bodyPr/>
-                    <a:lstStyle/>
-                    <a:p>
-                      <a:pPr algn="ctr">
-                        <a:buNone/>
-                      </a:pPr>
-                      <a:r>
-                        <a:rPr lang="en-US" altLang="en-US" dirty="0"/>
-                        <a:t>Typescript</a:t>
-                      </a:r>
-                    </a:p>
-                  </a:txBody>
-                  <a:tcPr/>
-                </a:tc>
-                <a:tc>
-                  <a:txBody>
-                    <a:bodyPr/>
-                    <a:lstStyle/>
-                    <a:p>
-                      <a:pPr algn="ctr">
-                        <a:buNone/>
-                      </a:pPr>
-                      <a:r>
-                        <a:rPr lang="en-US" altLang="en-US" sz="1800" dirty="0">
-                          <a:sym typeface="+mn-ea"/>
-                        </a:rPr>
-                        <a:t>J</a:t>
-                      </a:r>
-                      <a:r>
-                        <a:rPr lang="en-US" sz="1800" dirty="0">
-                          <a:sym typeface="+mn-ea"/>
-                        </a:rPr>
-                        <a:t>ava</a:t>
-                      </a:r>
-                      <a:endParaRPr lang="en-US" dirty="0"/>
-                    </a:p>
-                  </a:txBody>
-                  <a:tcPr/>
-                </a:tc>
-              </a:tr>
-              <a:tr h="381000">
-                <a:tc>
-                  <a:txBody>
-                    <a:bodyPr/>
-                    <a:lstStyle/>
-                    <a:p>
-                      <a:pPr marL="0" marR="0" indent="0" algn="l" defTabSz="457200" rtl="0" eaLnBrk="1" fontAlgn="auto" latinLnBrk="0" hangingPunct="1">
-                        <a:lnSpc>
-                          <a:spcPct val="100000"/>
-                        </a:lnSpc>
-                        <a:spcBef>
-                          <a:spcPts val="0"/>
-                        </a:spcBef>
-                        <a:spcAft>
-                          <a:spcPts val="0"/>
-                        </a:spcAft>
-                        <a:buClrTx/>
-                        <a:buSzTx/>
-                        <a:buFontTx/>
-                        <a:buNone/>
-                        <a:defRPr/>
-                      </a:pPr>
-                      <a:r>
-                        <a:rPr lang="en-US" sz="1800" kern="1200" smtClean="0">
-                          <a:solidFill>
-                            <a:schemeClr val="dk1"/>
-                          </a:solidFill>
-                          <a:latin typeface="+mn-lt"/>
-                          <a:ea typeface="+mn-ea"/>
-                          <a:cs typeface="+mn-cs"/>
-                        </a:rPr>
-                        <a:t>A </a:t>
-                      </a:r>
-                      <a:r>
-                        <a:rPr lang="en-US" sz="1800" i="1" kern="1200" smtClean="0">
-                          <a:solidFill>
-                            <a:schemeClr val="dk1"/>
-                          </a:solidFill>
-                          <a:latin typeface="+mn-lt"/>
-                          <a:ea typeface="+mn-ea"/>
-                          <a:cs typeface="+mn-cs"/>
-                        </a:rPr>
-                        <a:t>superset</a:t>
-                      </a:r>
-                      <a:r>
-                        <a:rPr lang="en-US" sz="1800" kern="1200" smtClean="0">
-                          <a:solidFill>
-                            <a:schemeClr val="dk1"/>
-                          </a:solidFill>
-                          <a:latin typeface="+mn-lt"/>
-                          <a:ea typeface="+mn-ea"/>
-                          <a:cs typeface="+mn-cs"/>
-                        </a:rPr>
-                        <a:t> of JavaScript, It is used to add additional static type and check type at compile time</a:t>
-                      </a:r>
-                      <a:endParaRPr lang="vi-VN" sz="1800" kern="1200" smtClean="0">
-                        <a:solidFill>
-                          <a:schemeClr val="dk1"/>
-                        </a:solidFill>
-                        <a:latin typeface="+mn-lt"/>
-                        <a:ea typeface="+mn-ea"/>
-                        <a:cs typeface="+mn-cs"/>
-                      </a:endParaRPr>
-                    </a:p>
-                  </a:txBody>
-                  <a:tcPr/>
-                </a:tc>
-                <a:tc>
-                  <a:txBody>
-                    <a:bodyPr/>
-                    <a:lstStyle/>
-                    <a:p>
-                      <a:pPr>
-                        <a:buNone/>
-                      </a:pPr>
-                      <a:r>
-                        <a:rPr lang="en-US" smtClean="0"/>
-                        <a:t>A pure oriented object programming language</a:t>
-                      </a:r>
-                      <a:endParaRPr lang="en-US"/>
-                    </a:p>
-                  </a:txBody>
-                  <a:tcPr/>
-                </a:tc>
-              </a:tr>
-              <a:tr h="381000">
-                <a:tc>
-                  <a:txBody>
-                    <a:bodyPr/>
-                    <a:lstStyle/>
-                    <a:p>
-                      <a:pPr>
-                        <a:buNone/>
-                      </a:pPr>
-                      <a:r>
-                        <a:rPr lang="en-US" smtClean="0"/>
-                        <a:t>There</a:t>
-                      </a:r>
-                      <a:r>
-                        <a:rPr lang="en-US" baseline="0" smtClean="0"/>
-                        <a:t> is not access modifier for class </a:t>
-                      </a:r>
-                      <a:endParaRPr lang="en-US"/>
-                    </a:p>
-                  </a:txBody>
-                  <a:tcPr/>
-                </a:tc>
-                <a:tc>
-                  <a:txBody>
-                    <a:bodyPr/>
-                    <a:lstStyle/>
-                    <a:p>
-                      <a:pPr>
-                        <a:buNone/>
-                      </a:pPr>
-                      <a:r>
-                        <a:rPr lang="en-US" smtClean="0"/>
-                        <a:t>There is access modifier</a:t>
-                      </a:r>
-                      <a:r>
-                        <a:rPr lang="en-US" baseline="0" smtClean="0"/>
-                        <a:t> for class</a:t>
-                      </a:r>
-                      <a:endParaRPr lang="en-US"/>
-                    </a:p>
-                  </a:txBody>
-                  <a:tcPr/>
-                </a:tc>
-              </a:tr>
-              <a:tr h="381000">
-                <a:tc>
-                  <a:txBody>
-                    <a:bodyPr/>
-                    <a:lstStyle/>
-                    <a:p>
-                      <a:pPr>
-                        <a:buNone/>
-                      </a:pPr>
-                      <a:r>
-                        <a:rPr lang="en-US" dirty="0" smtClean="0"/>
-                        <a:t>Happening</a:t>
-                      </a:r>
-                      <a:r>
-                        <a:rPr lang="en-US" baseline="0" dirty="0" smtClean="0"/>
-                        <a:t> circular import problem because It don’t have access modifier for class</a:t>
-                      </a:r>
-                      <a:endParaRPr lang="en-US" dirty="0"/>
-                    </a:p>
-                  </a:txBody>
-                  <a:tcPr/>
-                </a:tc>
-                <a:tc>
-                  <a:txBody>
-                    <a:bodyPr/>
-                    <a:lstStyle/>
-                    <a:p>
-                      <a:pPr>
-                        <a:buNone/>
-                      </a:pPr>
-                      <a:r>
-                        <a:rPr lang="en-US" dirty="0" smtClean="0"/>
-                        <a:t>Circular</a:t>
-                      </a:r>
-                      <a:r>
-                        <a:rPr lang="en-US" baseline="0" dirty="0" smtClean="0"/>
-                        <a:t> import problem is not happened, because it have access modifier for class</a:t>
-                      </a:r>
-                      <a:endParaRPr lang="en-US" dirty="0"/>
-                    </a:p>
-                  </a:txBody>
-                  <a:tcPr/>
-                </a:tc>
-              </a:tr>
-              <a:tr h="381000">
-                <a:tc>
-                  <a:txBody>
-                    <a:bodyPr/>
-                    <a:lstStyle/>
-                    <a:p>
-                      <a:pPr>
-                        <a:buNone/>
-                      </a:pPr>
-                      <a:r>
-                        <a:rPr lang="en-US" dirty="0" smtClean="0"/>
-                        <a:t>Access</a:t>
-                      </a:r>
-                      <a:r>
-                        <a:rPr lang="en-US" baseline="0" dirty="0" smtClean="0"/>
-                        <a:t> modifier for instance variable and method:</a:t>
-                      </a:r>
-                    </a:p>
-                    <a:p>
-                      <a:pPr marL="285750" indent="-285750">
-                        <a:buFont typeface="Arial" panose="020B0604020202020204" pitchFamily="34" charset="0"/>
-                        <a:buChar char="•"/>
-                      </a:pPr>
-                      <a:r>
-                        <a:rPr lang="en-US" baseline="0" dirty="0" smtClean="0"/>
-                        <a:t>Having Public, Protected, Private access modifier </a:t>
-                      </a:r>
-                    </a:p>
-                    <a:p>
-                      <a:pPr marL="342900" indent="-342900">
-                        <a:buFont typeface="Arial" panose="020B0604020202020204" pitchFamily="34" charset="0"/>
-                        <a:buChar char="•"/>
-                      </a:pPr>
-                      <a:r>
-                        <a:rPr lang="en-US" dirty="0" smtClean="0"/>
-                        <a:t>‘Public’</a:t>
-                      </a:r>
-                      <a:r>
-                        <a:rPr lang="en-US" baseline="0" dirty="0" smtClean="0"/>
-                        <a:t> is default</a:t>
-                      </a:r>
-                    </a:p>
-                    <a:p>
-                      <a:pPr marL="342900" indent="-342900">
-                        <a:buFont typeface="Arial" panose="020B0604020202020204" pitchFamily="34" charset="0"/>
-                        <a:buChar char="•"/>
-                      </a:pPr>
-                      <a:r>
-                        <a:rPr lang="en-US" baseline="0" dirty="0" smtClean="0"/>
-                        <a:t>‘Protected’ scope is within class and any objects that inherits from it</a:t>
-                      </a:r>
-                    </a:p>
-                  </a:txBody>
-                  <a:tcPr/>
-                </a:tc>
-                <a:tc>
-                  <a:txBody>
-                    <a:bodyPr/>
-                    <a:lstStyle/>
-                    <a:p>
-                      <a:pPr marL="0" marR="0" indent="0" algn="l" defTabSz="457200" rtl="0" eaLnBrk="1" fontAlgn="auto" latinLnBrk="0" hangingPunct="1">
-                        <a:lnSpc>
-                          <a:spcPct val="100000"/>
-                        </a:lnSpc>
-                        <a:spcBef>
-                          <a:spcPts val="0"/>
-                        </a:spcBef>
-                        <a:spcAft>
-                          <a:spcPts val="0"/>
-                        </a:spcAft>
-                        <a:buClrTx/>
-                        <a:buSzTx/>
-                        <a:buFontTx/>
-                        <a:buNone/>
-                        <a:defRPr/>
-                      </a:pPr>
-                      <a:r>
-                        <a:rPr lang="en-US" dirty="0" smtClean="0"/>
-                        <a:t>Access</a:t>
-                      </a:r>
-                      <a:r>
-                        <a:rPr lang="en-US" baseline="0" dirty="0" smtClean="0"/>
-                        <a:t> modifier for instance variable and method:</a:t>
-                      </a:r>
-                    </a:p>
-                    <a:p>
-                      <a:pPr marL="285750" marR="0" indent="-285750" algn="l" defTabSz="457200" rtl="0" eaLnBrk="1" fontAlgn="auto" latinLnBrk="0" hangingPunct="1">
-                        <a:lnSpc>
-                          <a:spcPct val="100000"/>
-                        </a:lnSpc>
-                        <a:spcBef>
-                          <a:spcPts val="0"/>
-                        </a:spcBef>
-                        <a:spcAft>
-                          <a:spcPts val="0"/>
-                        </a:spcAft>
-                        <a:buClrTx/>
-                        <a:buSzTx/>
-                        <a:buFont typeface="Arial" panose="020B0604020202020204" pitchFamily="34" charset="0"/>
-                        <a:buChar char="•"/>
-                        <a:defRPr/>
-                      </a:pPr>
-                      <a:r>
-                        <a:rPr lang="en-US" baseline="0" dirty="0" smtClean="0"/>
-                        <a:t>Having Public, Protected ,Default , Private access modifier </a:t>
-                      </a:r>
-                    </a:p>
-                    <a:p>
-                      <a:pPr marL="285750" indent="-285750">
-                        <a:buFont typeface="Arial" panose="020B0604020202020204" pitchFamily="34" charset="0"/>
-                        <a:buChar char="•"/>
-                      </a:pPr>
-                      <a:r>
-                        <a:rPr lang="en-US" dirty="0" smtClean="0"/>
-                        <a:t>‘Default’</a:t>
-                      </a:r>
-                      <a:r>
-                        <a:rPr lang="en-US" baseline="0" dirty="0" smtClean="0"/>
-                        <a:t> is default</a:t>
-                      </a:r>
-                    </a:p>
-                    <a:p>
-                      <a:pPr marL="285750" marR="0" indent="-285750" algn="l" defTabSz="457200" rtl="0" eaLnBrk="1" fontAlgn="auto" latinLnBrk="0" hangingPunct="1">
-                        <a:lnSpc>
-                          <a:spcPct val="100000"/>
-                        </a:lnSpc>
-                        <a:spcBef>
-                          <a:spcPts val="0"/>
-                        </a:spcBef>
-                        <a:spcAft>
-                          <a:spcPts val="0"/>
-                        </a:spcAft>
-                        <a:buClrTx/>
-                        <a:buSzTx/>
-                        <a:buFont typeface="Arial" panose="020B0604020202020204" pitchFamily="34" charset="0"/>
-                        <a:buChar char="•"/>
-                        <a:defRPr/>
-                      </a:pPr>
-                      <a:r>
-                        <a:rPr lang="en-US" baseline="0" dirty="0" smtClean="0"/>
-                        <a:t>‘Protected’ scope is within package and any objects that inherits from it</a:t>
-                      </a:r>
-                    </a:p>
-                  </a:txBody>
-                  <a:tcPr/>
-                </a:tc>
-              </a:tr>
-            </a:tbl>
-          </a:graphicData>
-        </a:graphic>
-      </p:graphicFrame>
+        </p:nvPicPr>
+        <p:blipFill>
+          <a:blip r:embed="rId2"/>
+          <a:stretch>
+            <a:fillRect/>
+          </a:stretch>
+        </p:blipFill>
+        <p:spPr>
+          <a:xfrm>
+            <a:off x="3614817" y="1689074"/>
+            <a:ext cx="6379189" cy="4617259"/>
+          </a:xfrm>
+          <a:prstGeom prst="rect">
+            <a:avLst/>
+          </a:prstGeom>
+        </p:spPr>
+      </p:pic>
+      <p:sp>
+        <p:nvSpPr>
+          <p:cNvPr id="6" name="Rectangle 5"/>
+          <p:cNvSpPr/>
+          <p:nvPr/>
+        </p:nvSpPr>
+        <p:spPr>
+          <a:xfrm>
+            <a:off x="3709664" y="1087179"/>
+            <a:ext cx="5472973" cy="553998"/>
+          </a:xfrm>
+          <a:prstGeom prst="rect">
+            <a:avLst/>
+          </a:prstGeom>
+        </p:spPr>
+        <p:txBody>
+          <a:bodyPr wrap="none">
+            <a:spAutoFit/>
+          </a:bodyPr>
+          <a:lstStyle/>
+          <a:p>
+            <a:r>
+              <a:rPr lang="en-US" sz="3000" dirty="0">
+                <a:solidFill>
+                  <a:schemeClr val="accent1">
+                    <a:lumMod val="75000"/>
+                  </a:schemeClr>
+                </a:solidFill>
+              </a:rPr>
+              <a:t>Typescript are worth to learn</a:t>
+            </a:r>
+          </a:p>
+        </p:txBody>
+      </p:sp>
+      <p:sp>
+        <p:nvSpPr>
+          <p:cNvPr id="7" name="TextBox 6"/>
+          <p:cNvSpPr txBox="1"/>
+          <p:nvPr/>
+        </p:nvSpPr>
+        <p:spPr>
+          <a:xfrm>
+            <a:off x="409501" y="1780056"/>
+            <a:ext cx="3205316" cy="1169551"/>
+          </a:xfrm>
+          <a:prstGeom prst="rect">
+            <a:avLst/>
+          </a:prstGeom>
+          <a:noFill/>
+        </p:spPr>
+        <p:txBody>
+          <a:bodyPr wrap="square" rtlCol="0">
+            <a:spAutoFit/>
+          </a:bodyPr>
+          <a:lstStyle/>
+          <a:p>
+            <a:r>
+              <a:rPr lang="en-US" sz="1400" dirty="0"/>
+              <a:t>% of developers who are developing with the language or technology and have expressed interest in continuing to develop with it</a:t>
+            </a:r>
+          </a:p>
+        </p:txBody>
+      </p:sp>
     </p:spTree>
+    <p:extLst>
+      <p:ext uri="{BB962C8B-B14F-4D97-AF65-F5344CB8AC3E}">
+        <p14:creationId xmlns:p14="http://schemas.microsoft.com/office/powerpoint/2010/main" val="3443349679"/>
+      </p:ext>
+    </p:extLst>
   </p:cSld>
   <p:clrMapOvr>
     <a:masterClrMapping/>
   </p:clrMapOvr>
+  <p:timing>
+    <p:tnLst>
+      <p:par>
+        <p:cTn id="1" dur="indefinite" restart="never" nodeType="tmRoot"/>
+      </p:par>
+    </p:tnLst>
+  </p:timing>
 </p:sld>
 </file>
 

--- a/Document/Study_document/inContact.pptx
+++ b/Document/Study_document/inContact.pptx
@@ -5,7 +5,7 @@
     <p:sldMasterId id="2147483648" r:id="rId1"/>
   </p:sldMasterIdLst>
   <p:notesMasterIdLst>
-    <p:notesMasterId r:id="rId25"/>
+    <p:notesMasterId r:id="rId29"/>
   </p:notesMasterIdLst>
   <p:sldIdLst>
     <p:sldId id="256" r:id="rId2"/>
@@ -28,9 +28,13 @@
     <p:sldId id="292" r:id="rId19"/>
     <p:sldId id="293" r:id="rId20"/>
     <p:sldId id="294" r:id="rId21"/>
-    <p:sldId id="297" r:id="rId22"/>
-    <p:sldId id="296" r:id="rId23"/>
-    <p:sldId id="271" r:id="rId24"/>
+    <p:sldId id="299" r:id="rId22"/>
+    <p:sldId id="300" r:id="rId23"/>
+    <p:sldId id="301" r:id="rId24"/>
+    <p:sldId id="302" r:id="rId25"/>
+    <p:sldId id="297" r:id="rId26"/>
+    <p:sldId id="296" r:id="rId27"/>
+    <p:sldId id="271" r:id="rId28"/>
   </p:sldIdLst>
   <p:sldSz cx="12192000" cy="6858000"/>
   <p:notesSz cx="6858000" cy="9144000"/>
@@ -5649,14 +5653,44 @@
             <p:ph idx="1"/>
           </p:nvPr>
         </p:nvSpPr>
-        <p:spPr/>
+        <p:spPr>
+          <a:xfrm>
+            <a:off x="1154955" y="1407582"/>
+            <a:ext cx="9868645" cy="3416300"/>
+          </a:xfrm>
+        </p:spPr>
         <p:txBody>
           <a:bodyPr/>
           <a:lstStyle/>
           <a:p>
             <a:r>
               <a:rPr lang="" altLang="en-US" dirty="0"/>
-              <a:t>We have dashboard is a parent class , and we want a method return instance of child class without import so that we need a child class have a method return it’s instance, and parent use require instead of import to call child class</a:t>
+              <a:t>We have dashboard is a parent class , and we want a method return instance of child class without import so that we need a child class have a method return it’s </a:t>
+            </a:r>
+            <a:r>
+              <a:rPr lang="" altLang="en-US" dirty="0" smtClean="0"/>
+              <a:t>instance</a:t>
+            </a:r>
+          </a:p>
+          <a:p>
+            <a:endParaRPr lang="" altLang="en-US" dirty="0"/>
+          </a:p>
+          <a:p>
+            <a:endParaRPr lang="" altLang="en-US" dirty="0" smtClean="0"/>
+          </a:p>
+          <a:p>
+            <a:endParaRPr lang="" altLang="en-US" dirty="0"/>
+          </a:p>
+          <a:p>
+            <a:endParaRPr lang="" altLang="en-US" dirty="0" smtClean="0"/>
+          </a:p>
+          <a:p>
+            <a:pPr marL="0" indent="0">
+              <a:buNone/>
+            </a:pPr>
+            <a:r>
+              <a:rPr lang="" altLang="en-US" dirty="0" smtClean="0"/>
+              <a:t>	and parent use require instead of import to call child class</a:t>
             </a:r>
           </a:p>
           <a:p>
@@ -5680,7 +5714,7 @@
         </p:blipFill>
         <p:spPr>
           <a:xfrm>
-            <a:off x="5950585" y="2694725"/>
+            <a:off x="2724150" y="4361600"/>
             <a:ext cx="4705350" cy="1533525"/>
           </a:xfrm>
           <a:prstGeom prst="rect">
@@ -5704,7 +5738,7 @@
         </p:blipFill>
         <p:spPr>
           <a:xfrm>
-            <a:off x="1339850" y="2694725"/>
+            <a:off x="2724150" y="2478825"/>
             <a:ext cx="4248150" cy="1514475"/>
           </a:xfrm>
           <a:prstGeom prst="rect">
@@ -6177,6 +6211,13 @@
   <p:clrMapOvr>
     <a:masterClrMapping/>
   </p:clrMapOvr>
+  <p:timing>
+    <p:tnLst>
+      <p:par>
+        <p:cTn id="1" dur="indefinite" restart="never" nodeType="tmRoot"/>
+      </p:par>
+    </p:tnLst>
+  </p:timing>
 </p:sld>
 </file>
 
@@ -6288,6 +6329,13 @@
   <p:clrMapOvr>
     <a:masterClrMapping/>
   </p:clrMapOvr>
+  <p:timing>
+    <p:tnLst>
+      <p:par>
+        <p:cTn id="1" dur="indefinite" restart="never" nodeType="tmRoot"/>
+      </p:par>
+    </p:tnLst>
+  </p:timing>
 </p:sld>
 </file>
 
@@ -6372,11 +6420,6 @@
               </a:rPr>
               <a:t>Comparing some Characteristic of Protractor and Selenium</a:t>
             </a:r>
-            <a:endParaRPr lang="en-US" sz="2000" b="1" dirty="0">
-              <a:solidFill>
-                <a:schemeClr val="accent2"/>
-              </a:solidFill>
-            </a:endParaRPr>
           </a:p>
           <a:p>
             <a:pPr lvl="1">
@@ -6441,6 +6484,13 @@
   <p:clrMapOvr>
     <a:masterClrMapping/>
   </p:clrMapOvr>
+  <p:timing>
+    <p:tnLst>
+      <p:par>
+        <p:cTn id="1" dur="indefinite" restart="never" nodeType="tmRoot"/>
+      </p:par>
+    </p:tnLst>
+  </p:timing>
 </p:sld>
 </file>
 
@@ -6591,7 +6641,6 @@
               <a:rPr lang="en-US" dirty="0"/>
               <a:t>Protractor Overview</a:t>
             </a:r>
-            <a:endParaRPr lang="en-US" dirty="0"/>
           </a:p>
         </p:txBody>
       </p:sp>
@@ -6827,15 +6876,7 @@
           <a:p>
             <a:r>
               <a:rPr lang="en-US" dirty="0" smtClean="0"/>
-              <a:t>Comparing </a:t>
-            </a:r>
-            <a:r>
-              <a:rPr lang="en-US" dirty="0" smtClean="0"/>
-              <a:t>some Characteristic of </a:t>
-            </a:r>
-            <a:r>
-              <a:rPr lang="en-US" dirty="0" smtClean="0"/>
-              <a:t>Protractor and Selenium</a:t>
+              <a:t>Comparing some Characteristic of Protractor and Selenium</a:t>
             </a:r>
             <a:endParaRPr lang="en-US" dirty="0"/>
           </a:p>
@@ -7614,9 +7655,437 @@
           <a:p>
             <a:r>
               <a:rPr lang="en-US" dirty="0" smtClean="0"/>
-              <a:t>Protractor Reference</a:t>
+              <a:t>Protractor in Project</a:t>
             </a:r>
             <a:endParaRPr lang="en-US" dirty="0"/>
+          </a:p>
+        </p:txBody>
+      </p:sp>
+      <p:pic>
+        <p:nvPicPr>
+          <p:cNvPr id="4" name="Content Placeholder 3"/>
+          <p:cNvPicPr>
+            <a:picLocks noGrp="1"/>
+          </p:cNvPicPr>
+          <p:nvPr>
+            <p:ph idx="1"/>
+          </p:nvPr>
+        </p:nvPicPr>
+        <p:blipFill>
+          <a:blip r:embed="rId2">
+            <a:extLst>
+              <a:ext uri="{28A0092B-C50C-407E-A947-70E740481C1C}">
+                <a14:useLocalDpi xmlns:a14="http://schemas.microsoft.com/office/drawing/2010/main" val="0"/>
+              </a:ext>
+            </a:extLst>
+          </a:blip>
+          <a:stretch>
+            <a:fillRect/>
+          </a:stretch>
+        </p:blipFill>
+        <p:spPr>
+          <a:xfrm>
+            <a:off x="1154953" y="1635619"/>
+            <a:ext cx="2729491" cy="4194712"/>
+          </a:xfrm>
+          <a:prstGeom prst="rect">
+            <a:avLst/>
+          </a:prstGeom>
+        </p:spPr>
+      </p:pic>
+      <p:sp>
+        <p:nvSpPr>
+          <p:cNvPr id="5" name="TextBox 4"/>
+          <p:cNvSpPr txBox="1"/>
+          <p:nvPr/>
+        </p:nvSpPr>
+        <p:spPr>
+          <a:xfrm>
+            <a:off x="4314422" y="1201513"/>
+            <a:ext cx="7173533" cy="5062924"/>
+          </a:xfrm>
+          <a:prstGeom prst="rect">
+            <a:avLst/>
+          </a:prstGeom>
+          <a:noFill/>
+        </p:spPr>
+        <p:txBody>
+          <a:bodyPr wrap="square" rtlCol="0">
+            <a:spAutoFit/>
+          </a:bodyPr>
+          <a:lstStyle/>
+          <a:p>
+            <a:pPr lvl="0" algn="ctr"/>
+            <a:r>
+              <a:rPr lang="en-US" sz="2000" b="1" dirty="0" smtClean="0">
+                <a:solidFill>
+                  <a:schemeClr val="accent2"/>
+                </a:solidFill>
+              </a:rPr>
+              <a:t>Structure</a:t>
+            </a:r>
+            <a:endParaRPr lang="en-US" sz="2000" b="1" dirty="0">
+              <a:solidFill>
+                <a:schemeClr val="accent2"/>
+              </a:solidFill>
+            </a:endParaRPr>
+          </a:p>
+          <a:p>
+            <a:pPr lvl="0"/>
+            <a:r>
+              <a:rPr lang="en-US" sz="1500" b="1" u="sng" dirty="0">
+                <a:solidFill>
+                  <a:schemeClr val="accent2"/>
+                </a:solidFill>
+              </a:rPr>
+              <a:t>build</a:t>
+            </a:r>
+          </a:p>
+          <a:p>
+            <a:pPr marL="285750" lvl="0" indent="-285750">
+              <a:buFont typeface="Arial" panose="020B0604020202020204" pitchFamily="34" charset="0"/>
+              <a:buChar char="•"/>
+            </a:pPr>
+            <a:r>
+              <a:rPr lang="en-US" sz="1500" dirty="0" smtClean="0"/>
+              <a:t>Contain </a:t>
+            </a:r>
+            <a:r>
+              <a:rPr lang="en-US" sz="1500" dirty="0"/>
+              <a:t>all codes after transforming from typescript to JavaScript.</a:t>
+            </a:r>
+          </a:p>
+          <a:p>
+            <a:pPr marL="285750" lvl="0" indent="-285750">
+              <a:buFont typeface="Arial" panose="020B0604020202020204" pitchFamily="34" charset="0"/>
+              <a:buChar char="•"/>
+            </a:pPr>
+            <a:r>
+              <a:rPr lang="en-US" sz="1500" dirty="0"/>
+              <a:t>This is a place where we use to execute test script.</a:t>
+            </a:r>
+          </a:p>
+          <a:p>
+            <a:pPr lvl="0"/>
+            <a:r>
+              <a:rPr lang="en-US" sz="1500" b="1" u="sng" dirty="0" err="1">
+                <a:solidFill>
+                  <a:schemeClr val="accent2"/>
+                </a:solidFill>
+              </a:rPr>
+              <a:t>node_modules</a:t>
+            </a:r>
+            <a:endParaRPr lang="en-US" sz="1500" b="1" u="sng" dirty="0">
+              <a:solidFill>
+                <a:schemeClr val="accent2"/>
+              </a:solidFill>
+            </a:endParaRPr>
+          </a:p>
+          <a:p>
+            <a:pPr marL="285750" lvl="0" indent="-285750">
+              <a:buFont typeface="Arial" panose="020B0604020202020204" pitchFamily="34" charset="0"/>
+              <a:buChar char="•"/>
+            </a:pPr>
+            <a:r>
+              <a:rPr lang="en-US" sz="1500" dirty="0"/>
+              <a:t>Contain all required packages needed for project</a:t>
+            </a:r>
+            <a:r>
+              <a:rPr lang="en-US" sz="1500" dirty="0" smtClean="0"/>
+              <a:t>.</a:t>
+            </a:r>
+          </a:p>
+          <a:p>
+            <a:pPr lvl="0"/>
+            <a:r>
+              <a:rPr lang="en-US" sz="1500" b="1" u="sng" dirty="0" err="1" smtClean="0">
+                <a:solidFill>
+                  <a:schemeClr val="accent2"/>
+                </a:solidFill>
+              </a:rPr>
+              <a:t>src</a:t>
+            </a:r>
+            <a:endParaRPr lang="en-US" sz="1500" b="1" u="sng" dirty="0">
+              <a:solidFill>
+                <a:schemeClr val="accent2"/>
+              </a:solidFill>
+            </a:endParaRPr>
+          </a:p>
+          <a:p>
+            <a:pPr lvl="0"/>
+            <a:r>
+              <a:rPr lang="en-US" sz="1500" dirty="0"/>
+              <a:t>This is main place where we are working on</a:t>
+            </a:r>
+            <a:r>
+              <a:rPr lang="en-US" sz="1500" dirty="0" smtClean="0"/>
+              <a:t>.</a:t>
+            </a:r>
+            <a:endParaRPr lang="en-US" sz="1500" dirty="0"/>
+          </a:p>
+          <a:p>
+            <a:pPr marL="285750" lvl="0" indent="-285750">
+              <a:buFont typeface="Arial" panose="020B0604020202020204" pitchFamily="34" charset="0"/>
+              <a:buChar char="•"/>
+            </a:pPr>
+            <a:r>
+              <a:rPr lang="en-US" sz="1500" b="1" dirty="0" err="1" smtClean="0">
+                <a:solidFill>
+                  <a:schemeClr val="accent2"/>
+                </a:solidFill>
+              </a:rPr>
+              <a:t>apis</a:t>
+            </a:r>
+            <a:r>
+              <a:rPr lang="en-US" sz="1500" dirty="0"/>
+              <a:t>: contain all classes related to API.</a:t>
+            </a:r>
+          </a:p>
+          <a:p>
+            <a:pPr marL="285750" lvl="0" indent="-285750">
+              <a:buFont typeface="Arial" panose="020B0604020202020204" pitchFamily="34" charset="0"/>
+              <a:buChar char="•"/>
+            </a:pPr>
+            <a:r>
+              <a:rPr lang="en-US" sz="1500" b="1" dirty="0" err="1">
+                <a:solidFill>
+                  <a:schemeClr val="accent2"/>
+                </a:solidFill>
+              </a:rPr>
+              <a:t>conf</a:t>
+            </a:r>
+            <a:r>
+              <a:rPr lang="en-US" sz="1500" dirty="0"/>
+              <a:t>: configuration file use to run specs.</a:t>
+            </a:r>
+          </a:p>
+          <a:p>
+            <a:pPr marL="285750" lvl="0" indent="-285750">
+              <a:buFont typeface="Arial" panose="020B0604020202020204" pitchFamily="34" charset="0"/>
+              <a:buChar char="•"/>
+            </a:pPr>
+            <a:r>
+              <a:rPr lang="en-US" sz="1500" b="1" dirty="0">
+                <a:solidFill>
+                  <a:schemeClr val="accent2"/>
+                </a:solidFill>
+              </a:rPr>
+              <a:t>data-object</a:t>
+            </a:r>
+            <a:r>
+              <a:rPr lang="en-US" sz="1500" dirty="0"/>
+              <a:t>: object use to get or set data in project (agent, employee, tenant, etc.)</a:t>
+            </a:r>
+          </a:p>
+          <a:p>
+            <a:pPr marL="285750" lvl="0" indent="-285750">
+              <a:buFont typeface="Arial" panose="020B0604020202020204" pitchFamily="34" charset="0"/>
+              <a:buChar char="•"/>
+            </a:pPr>
+            <a:r>
+              <a:rPr lang="en-US" sz="1500" b="1" dirty="0">
+                <a:solidFill>
+                  <a:schemeClr val="accent2"/>
+                </a:solidFill>
+              </a:rPr>
+              <a:t>page-object</a:t>
+            </a:r>
+            <a:r>
+              <a:rPr lang="en-US" sz="1500" dirty="0"/>
+              <a:t>: contain locators and methods in one page (login page, employee page, etc.)</a:t>
+            </a:r>
+          </a:p>
+          <a:p>
+            <a:pPr marL="285750" lvl="0" indent="-285750">
+              <a:buFont typeface="Arial" panose="020B0604020202020204" pitchFamily="34" charset="0"/>
+              <a:buChar char="•"/>
+            </a:pPr>
+            <a:r>
+              <a:rPr lang="en-US" sz="1500" b="1" dirty="0">
+                <a:solidFill>
+                  <a:schemeClr val="accent2"/>
+                </a:solidFill>
+              </a:rPr>
+              <a:t>test-data</a:t>
+            </a:r>
+            <a:r>
+              <a:rPr lang="en-US" sz="1500" dirty="0"/>
+              <a:t>: contain all data use in project</a:t>
+            </a:r>
+          </a:p>
+          <a:p>
+            <a:pPr marL="285750" lvl="0" indent="-285750">
+              <a:buFont typeface="Arial" panose="020B0604020202020204" pitchFamily="34" charset="0"/>
+              <a:buChar char="•"/>
+            </a:pPr>
+            <a:r>
+              <a:rPr lang="en-US" sz="1500" b="1" dirty="0" err="1">
+                <a:solidFill>
+                  <a:schemeClr val="accent2"/>
+                </a:solidFill>
+              </a:rPr>
+              <a:t>testcases</a:t>
+            </a:r>
+            <a:r>
+              <a:rPr lang="en-US" sz="1500" dirty="0"/>
+              <a:t>: contain test cases</a:t>
+            </a:r>
+          </a:p>
+          <a:p>
+            <a:pPr marL="285750" lvl="0" indent="-285750">
+              <a:buFont typeface="Arial" panose="020B0604020202020204" pitchFamily="34" charset="0"/>
+              <a:buChar char="•"/>
+            </a:pPr>
+            <a:r>
+              <a:rPr lang="en-US" sz="1500" b="1" dirty="0" smtClean="0">
+                <a:solidFill>
+                  <a:schemeClr val="accent2"/>
+                </a:solidFill>
+              </a:rPr>
+              <a:t>utilities</a:t>
+            </a:r>
+            <a:r>
+              <a:rPr lang="en-US" sz="1500" dirty="0" smtClean="0"/>
+              <a:t>: contain all general actions (methods) which is used in project</a:t>
+            </a:r>
+          </a:p>
+          <a:p>
+            <a:pPr lvl="0"/>
+            <a:r>
+              <a:rPr lang="en-US" sz="1500" b="1" u="sng" dirty="0">
+                <a:solidFill>
+                  <a:schemeClr val="accent2"/>
+                </a:solidFill>
+              </a:rPr>
+              <a:t>Others</a:t>
+            </a:r>
+          </a:p>
+          <a:p>
+            <a:pPr marL="285750" lvl="0" indent="-285750">
+              <a:buFont typeface="Arial" panose="020B0604020202020204" pitchFamily="34" charset="0"/>
+              <a:buChar char="•"/>
+            </a:pPr>
+            <a:r>
+              <a:rPr lang="en-US" sz="1500" b="1" dirty="0" err="1">
+                <a:solidFill>
+                  <a:schemeClr val="accent2"/>
+                </a:solidFill>
+              </a:rPr>
+              <a:t>package.json</a:t>
+            </a:r>
+            <a:r>
+              <a:rPr lang="en-US" sz="1500" dirty="0">
+                <a:solidFill>
+                  <a:schemeClr val="accent2"/>
+                </a:solidFill>
+              </a:rPr>
+              <a:t> </a:t>
+            </a:r>
+            <a:r>
+              <a:rPr lang="en-US" sz="1500" dirty="0"/>
+              <a:t>and </a:t>
+            </a:r>
+            <a:r>
+              <a:rPr lang="en-US" sz="1500" b="1" dirty="0">
+                <a:solidFill>
+                  <a:schemeClr val="accent2"/>
+                </a:solidFill>
+              </a:rPr>
+              <a:t>package-</a:t>
+            </a:r>
+            <a:r>
+              <a:rPr lang="en-US" sz="1500" b="1" dirty="0" err="1">
+                <a:solidFill>
+                  <a:schemeClr val="accent2"/>
+                </a:solidFill>
+              </a:rPr>
+              <a:t>lock.json</a:t>
+            </a:r>
+            <a:r>
+              <a:rPr lang="en-US" sz="1500" dirty="0"/>
+              <a:t>: manage packages in project</a:t>
+            </a:r>
+          </a:p>
+          <a:p>
+            <a:pPr marL="285750" lvl="0" indent="-285750">
+              <a:buFont typeface="Arial" panose="020B0604020202020204" pitchFamily="34" charset="0"/>
+              <a:buChar char="•"/>
+            </a:pPr>
+            <a:r>
+              <a:rPr lang="en-US" sz="1500" b="1" dirty="0" err="1">
+                <a:solidFill>
+                  <a:schemeClr val="accent2"/>
+                </a:solidFill>
+              </a:rPr>
+              <a:t>tsconfig.json</a:t>
+            </a:r>
+            <a:r>
+              <a:rPr lang="en-US" sz="1500" dirty="0"/>
+              <a:t>: typescript configuration file.</a:t>
+            </a:r>
+          </a:p>
+          <a:p>
+            <a:pPr lvl="0"/>
+            <a:endParaRPr lang="en-US" dirty="0"/>
+          </a:p>
+        </p:txBody>
+      </p:sp>
+    </p:spTree>
+    <p:extLst>
+      <p:ext uri="{BB962C8B-B14F-4D97-AF65-F5344CB8AC3E}">
+        <p14:creationId xmlns:p14="http://schemas.microsoft.com/office/powerpoint/2010/main" val="1771698451"/>
+      </p:ext>
+    </p:extLst>
+  </p:cSld>
+  <p:clrMapOvr>
+    <a:masterClrMapping/>
+  </p:clrMapOvr>
+  <p:timing>
+    <p:tnLst>
+      <p:par>
+        <p:cTn id="1" dur="indefinite" restart="never" nodeType="tmRoot"/>
+      </p:par>
+    </p:tnLst>
+  </p:timing>
+</p:sld>
+</file>
+
+<file path=ppt/slides/slide22.xml><?xml version="1.0" encoding="utf-8"?>
+<p:sld xmlns:a="http://schemas.openxmlformats.org/drawingml/2006/main" xmlns:r="http://schemas.openxmlformats.org/officeDocument/2006/relationships" xmlns:p="http://schemas.openxmlformats.org/presentationml/2006/main">
+  <p:cSld>
+    <p:spTree>
+      <p:nvGrpSpPr>
+        <p:cNvPr id="1" name=""/>
+        <p:cNvGrpSpPr/>
+        <p:nvPr/>
+      </p:nvGrpSpPr>
+      <p:grpSpPr>
+        <a:xfrm>
+          <a:off x="0" y="0"/>
+          <a:ext cx="0" cy="0"/>
+          <a:chOff x="0" y="0"/>
+          <a:chExt cx="0" cy="0"/>
+        </a:xfrm>
+      </p:grpSpPr>
+      <p:sp>
+        <p:nvSpPr>
+          <p:cNvPr id="2" name="Title 1"/>
+          <p:cNvSpPr>
+            <a:spLocks noGrp="1"/>
+          </p:cNvSpPr>
+          <p:nvPr>
+            <p:ph type="title"/>
+          </p:nvPr>
+        </p:nvSpPr>
+        <p:spPr/>
+        <p:txBody>
+          <a:bodyPr/>
+          <a:lstStyle/>
+          <a:p>
+            <a:r>
+              <a:rPr lang="en-US" dirty="0"/>
+              <a:t>Protractor in Project</a:t>
+            </a:r>
           </a:p>
         </p:txBody>
       </p:sp>
@@ -7635,6 +8104,548 @@
           <a:bodyPr/>
           <a:lstStyle/>
           <a:p>
+            <a:r>
+              <a:rPr lang="en-US" dirty="0"/>
+              <a:t>Page Object is definitely a must-have design </a:t>
+            </a:r>
+            <a:r>
+              <a:rPr lang="en-US" dirty="0" smtClean="0"/>
+              <a:t>pattern</a:t>
+            </a:r>
+            <a:endParaRPr lang="vi-VN" dirty="0" smtClean="0"/>
+          </a:p>
+          <a:p>
+            <a:r>
+              <a:rPr lang="en-US" dirty="0" smtClean="0"/>
+              <a:t>Good </a:t>
+            </a:r>
+            <a:r>
+              <a:rPr lang="en-US" dirty="0"/>
+              <a:t>coding conventions for page </a:t>
+            </a:r>
+            <a:r>
+              <a:rPr lang="en-US" dirty="0" smtClean="0"/>
+              <a:t>objects</a:t>
+            </a:r>
+            <a:r>
+              <a:rPr lang="vi-VN" dirty="0" smtClean="0"/>
+              <a:t> </a:t>
+            </a:r>
+            <a:r>
+              <a:rPr lang="en-US" dirty="0" smtClean="0"/>
+              <a:t>is must have</a:t>
+            </a:r>
+          </a:p>
+          <a:p>
+            <a:pPr lvl="1"/>
+            <a:r>
+              <a:rPr lang="en-US" dirty="0">
+                <a:solidFill>
+                  <a:schemeClr val="accent2"/>
+                </a:solidFill>
+              </a:rPr>
+              <a:t>Files:</a:t>
+            </a:r>
+            <a:r>
+              <a:rPr lang="en-US" dirty="0"/>
+              <a:t> Using snake case with dash “-” between words. Ex: employee-page.</a:t>
+            </a:r>
+          </a:p>
+          <a:p>
+            <a:pPr lvl="1"/>
+            <a:r>
+              <a:rPr lang="en-US" dirty="0">
+                <a:solidFill>
+                  <a:schemeClr val="accent2"/>
+                </a:solidFill>
+              </a:rPr>
+              <a:t>Classes:</a:t>
+            </a:r>
+            <a:r>
+              <a:rPr lang="en-US" dirty="0"/>
+              <a:t> Using Pascal case. Ex: </a:t>
+            </a:r>
+            <a:r>
+              <a:rPr lang="en-US" dirty="0" err="1"/>
+              <a:t>LoginPage</a:t>
+            </a:r>
+            <a:endParaRPr lang="en-US" dirty="0"/>
+          </a:p>
+          <a:p>
+            <a:pPr lvl="1"/>
+            <a:r>
+              <a:rPr lang="en-US" dirty="0">
+                <a:solidFill>
+                  <a:schemeClr val="accent2"/>
+                </a:solidFill>
+              </a:rPr>
+              <a:t>Elements: </a:t>
+            </a:r>
+            <a:r>
+              <a:rPr lang="en-US" dirty="0"/>
+              <a:t>Using </a:t>
+            </a:r>
+            <a:r>
+              <a:rPr lang="en-US" dirty="0" err="1"/>
+              <a:t>camelCase</a:t>
+            </a:r>
+            <a:r>
+              <a:rPr lang="en-US" dirty="0"/>
+              <a:t>. Ex: </a:t>
+            </a:r>
+            <a:r>
+              <a:rPr lang="en-US" dirty="0" err="1" smtClean="0"/>
+              <a:t>txtUsername</a:t>
+            </a:r>
+            <a:endParaRPr lang="en-US" dirty="0" smtClean="0"/>
+          </a:p>
+          <a:p>
+            <a:r>
+              <a:rPr lang="en-US" dirty="0"/>
+              <a:t>Deal with </a:t>
+            </a:r>
+            <a:r>
+              <a:rPr lang="en-US" dirty="0" smtClean="0"/>
+              <a:t>JavaScript’s (Typescript) </a:t>
+            </a:r>
+            <a:r>
+              <a:rPr lang="en-US" dirty="0"/>
+              <a:t>asynchronous behavior using </a:t>
+            </a:r>
+            <a:r>
+              <a:rPr lang="en-US" dirty="0" err="1"/>
+              <a:t>async</a:t>
+            </a:r>
+            <a:r>
+              <a:rPr lang="en-US" dirty="0"/>
+              <a:t> &amp; </a:t>
+            </a:r>
+            <a:r>
+              <a:rPr lang="en-US" dirty="0" smtClean="0"/>
+              <a:t>await (which is used to control flow of code’s execution)</a:t>
+            </a:r>
+          </a:p>
+          <a:p>
+            <a:endParaRPr lang="en-US" dirty="0"/>
+          </a:p>
+          <a:p>
+            <a:endParaRPr lang="en-US" dirty="0" smtClean="0"/>
+          </a:p>
+          <a:p>
+            <a:pPr marL="457200" lvl="1" indent="0">
+              <a:buNone/>
+            </a:pPr>
+            <a:endParaRPr lang="en-US" dirty="0"/>
+          </a:p>
+          <a:p>
+            <a:pPr lvl="1"/>
+            <a:endParaRPr lang="en-US" dirty="0">
+              <a:solidFill>
+                <a:schemeClr val="tx1"/>
+              </a:solidFill>
+            </a:endParaRPr>
+          </a:p>
+          <a:p>
+            <a:pPr marL="457200" lvl="1" indent="0">
+              <a:buNone/>
+            </a:pPr>
+            <a:endParaRPr lang="en-US" dirty="0" smtClean="0"/>
+          </a:p>
+          <a:p>
+            <a:pPr lvl="1"/>
+            <a:endParaRPr lang="en-US" dirty="0"/>
+          </a:p>
+          <a:p>
+            <a:endParaRPr lang="en-US" dirty="0"/>
+          </a:p>
+        </p:txBody>
+      </p:sp>
+    </p:spTree>
+    <p:extLst>
+      <p:ext uri="{BB962C8B-B14F-4D97-AF65-F5344CB8AC3E}">
+        <p14:creationId xmlns:p14="http://schemas.microsoft.com/office/powerpoint/2010/main" val="3372806390"/>
+      </p:ext>
+    </p:extLst>
+  </p:cSld>
+  <p:clrMapOvr>
+    <a:masterClrMapping/>
+  </p:clrMapOvr>
+  <p:timing>
+    <p:tnLst>
+      <p:par>
+        <p:cTn id="1" dur="indefinite" restart="never" nodeType="tmRoot"/>
+      </p:par>
+    </p:tnLst>
+  </p:timing>
+</p:sld>
+</file>
+
+<file path=ppt/slides/slide23.xml><?xml version="1.0" encoding="utf-8"?>
+<p:sld xmlns:a="http://schemas.openxmlformats.org/drawingml/2006/main" xmlns:r="http://schemas.openxmlformats.org/officeDocument/2006/relationships" xmlns:p="http://schemas.openxmlformats.org/presentationml/2006/main">
+  <p:cSld>
+    <p:spTree>
+      <p:nvGrpSpPr>
+        <p:cNvPr id="1" name=""/>
+        <p:cNvGrpSpPr/>
+        <p:nvPr/>
+      </p:nvGrpSpPr>
+      <p:grpSpPr>
+        <a:xfrm>
+          <a:off x="0" y="0"/>
+          <a:ext cx="0" cy="0"/>
+          <a:chOff x="0" y="0"/>
+          <a:chExt cx="0" cy="0"/>
+        </a:xfrm>
+      </p:grpSpPr>
+      <p:sp>
+        <p:nvSpPr>
+          <p:cNvPr id="2" name="Title 1"/>
+          <p:cNvSpPr>
+            <a:spLocks noGrp="1"/>
+          </p:cNvSpPr>
+          <p:nvPr>
+            <p:ph type="title"/>
+          </p:nvPr>
+        </p:nvSpPr>
+        <p:spPr/>
+        <p:txBody>
+          <a:bodyPr/>
+          <a:lstStyle/>
+          <a:p>
+            <a:r>
+              <a:rPr lang="en-US" dirty="0"/>
+              <a:t>Protractor in Project</a:t>
+            </a:r>
+          </a:p>
+        </p:txBody>
+      </p:sp>
+      <p:sp>
+        <p:nvSpPr>
+          <p:cNvPr id="3" name="Content Placeholder 2"/>
+          <p:cNvSpPr>
+            <a:spLocks noGrp="1"/>
+          </p:cNvSpPr>
+          <p:nvPr>
+            <p:ph idx="1"/>
+          </p:nvPr>
+        </p:nvSpPr>
+        <p:spPr/>
+        <p:txBody>
+          <a:bodyPr>
+            <a:normAutofit fontScale="92500" lnSpcReduction="10000"/>
+          </a:bodyPr>
+          <a:lstStyle/>
+          <a:p>
+            <a:r>
+              <a:rPr lang="en-US" dirty="0"/>
+              <a:t>Wrap up Protractor element and browser original </a:t>
+            </a:r>
+            <a:r>
+              <a:rPr lang="en-US" dirty="0" smtClean="0"/>
+              <a:t>objects</a:t>
+            </a:r>
+          </a:p>
+          <a:p>
+            <a:endParaRPr lang="en-US" dirty="0" smtClean="0"/>
+          </a:p>
+          <a:p>
+            <a:pPr marL="0" indent="0">
+              <a:buNone/>
+            </a:pPr>
+            <a:endParaRPr lang="en-US" dirty="0"/>
+          </a:p>
+          <a:p>
+            <a:endParaRPr lang="en-US" dirty="0" smtClean="0"/>
+          </a:p>
+          <a:p>
+            <a:endParaRPr lang="en-US" dirty="0"/>
+          </a:p>
+          <a:p>
+            <a:endParaRPr lang="en-US" dirty="0" smtClean="0"/>
+          </a:p>
+          <a:p>
+            <a:endParaRPr lang="en-US" dirty="0"/>
+          </a:p>
+          <a:p>
+            <a:endParaRPr lang="en-US" dirty="0" smtClean="0"/>
+          </a:p>
+          <a:p>
+            <a:r>
+              <a:rPr lang="en-US" dirty="0" err="1" smtClean="0"/>
+              <a:t>XPath</a:t>
+            </a:r>
+            <a:r>
+              <a:rPr lang="en-US" dirty="0" smtClean="0"/>
+              <a:t> </a:t>
+            </a:r>
+            <a:r>
+              <a:rPr lang="en-US" dirty="0"/>
+              <a:t>is the most stable </a:t>
+            </a:r>
+            <a:r>
+              <a:rPr lang="en-US" dirty="0" smtClean="0"/>
+              <a:t>locator</a:t>
+            </a:r>
+          </a:p>
+          <a:p>
+            <a:pPr marL="0" indent="0">
+              <a:buNone/>
+            </a:pPr>
+            <a:endParaRPr lang="en-US" dirty="0"/>
+          </a:p>
+        </p:txBody>
+      </p:sp>
+      <p:pic>
+        <p:nvPicPr>
+          <p:cNvPr id="7" name="Picture 6"/>
+          <p:cNvPicPr>
+            <a:picLocks noChangeAspect="1"/>
+          </p:cNvPicPr>
+          <p:nvPr/>
+        </p:nvPicPr>
+        <p:blipFill>
+          <a:blip r:embed="rId2"/>
+          <a:stretch>
+            <a:fillRect/>
+          </a:stretch>
+        </p:blipFill>
+        <p:spPr>
+          <a:xfrm>
+            <a:off x="1663238" y="2012556"/>
+            <a:ext cx="2819862" cy="2396883"/>
+          </a:xfrm>
+          <a:prstGeom prst="rect">
+            <a:avLst/>
+          </a:prstGeom>
+        </p:spPr>
+      </p:pic>
+    </p:spTree>
+    <p:extLst>
+      <p:ext uri="{BB962C8B-B14F-4D97-AF65-F5344CB8AC3E}">
+        <p14:creationId xmlns:p14="http://schemas.microsoft.com/office/powerpoint/2010/main" val="2639429746"/>
+      </p:ext>
+    </p:extLst>
+  </p:cSld>
+  <p:clrMapOvr>
+    <a:masterClrMapping/>
+  </p:clrMapOvr>
+  <p:timing>
+    <p:tnLst>
+      <p:par>
+        <p:cTn id="1" dur="indefinite" restart="never" nodeType="tmRoot"/>
+      </p:par>
+    </p:tnLst>
+  </p:timing>
+</p:sld>
+</file>
+
+<file path=ppt/slides/slide24.xml><?xml version="1.0" encoding="utf-8"?>
+<p:sld xmlns:a="http://schemas.openxmlformats.org/drawingml/2006/main" xmlns:r="http://schemas.openxmlformats.org/officeDocument/2006/relationships" xmlns:p="http://schemas.openxmlformats.org/presentationml/2006/main">
+  <p:cSld>
+    <p:spTree>
+      <p:nvGrpSpPr>
+        <p:cNvPr id="1" name=""/>
+        <p:cNvGrpSpPr/>
+        <p:nvPr/>
+      </p:nvGrpSpPr>
+      <p:grpSpPr>
+        <a:xfrm>
+          <a:off x="0" y="0"/>
+          <a:ext cx="0" cy="0"/>
+          <a:chOff x="0" y="0"/>
+          <a:chExt cx="0" cy="0"/>
+        </a:xfrm>
+      </p:grpSpPr>
+      <p:sp>
+        <p:nvSpPr>
+          <p:cNvPr id="2" name="Title 1"/>
+          <p:cNvSpPr>
+            <a:spLocks noGrp="1"/>
+          </p:cNvSpPr>
+          <p:nvPr>
+            <p:ph type="title"/>
+          </p:nvPr>
+        </p:nvSpPr>
+        <p:spPr/>
+        <p:txBody>
+          <a:bodyPr/>
+          <a:lstStyle/>
+          <a:p>
+            <a:r>
+              <a:rPr lang="en-US" dirty="0"/>
+              <a:t>Protractor in Project</a:t>
+            </a:r>
+          </a:p>
+        </p:txBody>
+      </p:sp>
+      <p:sp>
+        <p:nvSpPr>
+          <p:cNvPr id="3" name="Content Placeholder 2"/>
+          <p:cNvSpPr>
+            <a:spLocks noGrp="1"/>
+          </p:cNvSpPr>
+          <p:nvPr>
+            <p:ph idx="1"/>
+          </p:nvPr>
+        </p:nvSpPr>
+        <p:spPr>
+          <a:xfrm>
+            <a:off x="1154955" y="1654175"/>
+            <a:ext cx="9868645" cy="4200526"/>
+          </a:xfrm>
+        </p:spPr>
+        <p:txBody>
+          <a:bodyPr>
+            <a:normAutofit/>
+          </a:bodyPr>
+          <a:lstStyle/>
+          <a:p>
+            <a:r>
+              <a:rPr lang="en-US" dirty="0"/>
+              <a:t>Test case should only call page object’s </a:t>
+            </a:r>
+            <a:r>
+              <a:rPr lang="en-US" dirty="0" smtClean="0"/>
+              <a:t>methods</a:t>
+            </a:r>
+          </a:p>
+          <a:p>
+            <a:endParaRPr lang="en-US" dirty="0"/>
+          </a:p>
+          <a:p>
+            <a:endParaRPr lang="en-US" dirty="0" smtClean="0"/>
+          </a:p>
+          <a:p>
+            <a:endParaRPr lang="en-US" dirty="0"/>
+          </a:p>
+          <a:p>
+            <a:endParaRPr lang="en-US" dirty="0" smtClean="0"/>
+          </a:p>
+          <a:p>
+            <a:endParaRPr lang="en-US" dirty="0"/>
+          </a:p>
+          <a:p>
+            <a:pPr marL="0" indent="0">
+              <a:buNone/>
+            </a:pPr>
+            <a:endParaRPr lang="en-US" dirty="0"/>
+          </a:p>
+          <a:p>
+            <a:r>
+              <a:rPr lang="en-US" dirty="0"/>
+              <a:t>Do not place assertions inside page object classes</a:t>
+            </a:r>
+          </a:p>
+          <a:p>
+            <a:r>
+              <a:rPr lang="en-US" dirty="0"/>
+              <a:t>Only push necessary things to code repository</a:t>
+            </a:r>
+          </a:p>
+          <a:p>
+            <a:endParaRPr lang="en-US" dirty="0"/>
+          </a:p>
+        </p:txBody>
+      </p:sp>
+      <p:pic>
+        <p:nvPicPr>
+          <p:cNvPr id="5" name="Picture 4"/>
+          <p:cNvPicPr>
+            <a:picLocks noChangeAspect="1"/>
+          </p:cNvPicPr>
+          <p:nvPr/>
+        </p:nvPicPr>
+        <p:blipFill>
+          <a:blip r:embed="rId2"/>
+          <a:stretch>
+            <a:fillRect/>
+          </a:stretch>
+        </p:blipFill>
+        <p:spPr>
+          <a:xfrm>
+            <a:off x="1562245" y="2020396"/>
+            <a:ext cx="7137110" cy="2429857"/>
+          </a:xfrm>
+          <a:prstGeom prst="rect">
+            <a:avLst/>
+          </a:prstGeom>
+        </p:spPr>
+      </p:pic>
+    </p:spTree>
+    <p:extLst>
+      <p:ext uri="{BB962C8B-B14F-4D97-AF65-F5344CB8AC3E}">
+        <p14:creationId xmlns:p14="http://schemas.microsoft.com/office/powerpoint/2010/main" val="3686547000"/>
+      </p:ext>
+    </p:extLst>
+  </p:cSld>
+  <p:clrMapOvr>
+    <a:masterClrMapping/>
+  </p:clrMapOvr>
+  <p:timing>
+    <p:tnLst>
+      <p:par>
+        <p:cTn id="1" dur="indefinite" restart="never" nodeType="tmRoot"/>
+      </p:par>
+    </p:tnLst>
+  </p:timing>
+</p:sld>
+</file>
+
+<file path=ppt/slides/slide25.xml><?xml version="1.0" encoding="utf-8"?>
+<p:sld xmlns:a="http://schemas.openxmlformats.org/drawingml/2006/main" xmlns:r="http://schemas.openxmlformats.org/officeDocument/2006/relationships" xmlns:p="http://schemas.openxmlformats.org/presentationml/2006/main">
+  <p:cSld>
+    <p:spTree>
+      <p:nvGrpSpPr>
+        <p:cNvPr id="1" name=""/>
+        <p:cNvGrpSpPr/>
+        <p:nvPr/>
+      </p:nvGrpSpPr>
+      <p:grpSpPr>
+        <a:xfrm>
+          <a:off x="0" y="0"/>
+          <a:ext cx="0" cy="0"/>
+          <a:chOff x="0" y="0"/>
+          <a:chExt cx="0" cy="0"/>
+        </a:xfrm>
+      </p:grpSpPr>
+      <p:sp>
+        <p:nvSpPr>
+          <p:cNvPr id="2" name="Title 1"/>
+          <p:cNvSpPr>
+            <a:spLocks noGrp="1"/>
+          </p:cNvSpPr>
+          <p:nvPr>
+            <p:ph type="title"/>
+          </p:nvPr>
+        </p:nvSpPr>
+        <p:spPr/>
+        <p:txBody>
+          <a:bodyPr/>
+          <a:lstStyle/>
+          <a:p>
+            <a:r>
+              <a:rPr lang="en-US" dirty="0" smtClean="0"/>
+              <a:t>Protractor Reference</a:t>
+            </a:r>
+            <a:endParaRPr lang="en-US" dirty="0"/>
+          </a:p>
+        </p:txBody>
+      </p:sp>
+      <p:sp>
+        <p:nvSpPr>
+          <p:cNvPr id="3" name="Content Placeholder 2"/>
+          <p:cNvSpPr>
+            <a:spLocks noGrp="1"/>
+          </p:cNvSpPr>
+          <p:nvPr>
+            <p:ph idx="1"/>
+          </p:nvPr>
+        </p:nvSpPr>
+        <p:spPr/>
+        <p:txBody>
+          <a:bodyPr/>
+          <a:lstStyle/>
+          <a:p>
             <a:pPr>
               <a:buFont typeface="Wingdings" panose="05000000000000000000" pitchFamily="2" charset="2"/>
               <a:buChar char="Ø"/>
@@ -7681,7 +8692,26 @@
               <a:rPr lang="en-US" dirty="0">
                 <a:hlinkClick r:id="rId4"/>
               </a:rPr>
-              <a:t>https://www.testbytes.net/blog/protractor-vs-selenium/</a:t>
+              <a:t>https://www.testbytes.net/blog/protractor-vs-selenium</a:t>
+            </a:r>
+            <a:r>
+              <a:rPr lang="en-US" dirty="0" smtClean="0">
+                <a:hlinkClick r:id="rId4"/>
+              </a:rPr>
+              <a:t>/</a:t>
+            </a:r>
+            <a:endParaRPr lang="vi-VN" dirty="0" smtClean="0"/>
+          </a:p>
+          <a:p>
+            <a:pPr>
+              <a:buFont typeface="Wingdings" panose="05000000000000000000" pitchFamily="2" charset="2"/>
+              <a:buChar char="Ø"/>
+            </a:pPr>
+            <a:r>
+              <a:rPr lang="en-US" u="sng" dirty="0">
+                <a:hlinkClick r:id="rId5"/>
+              </a:rPr>
+              <a:t>https://www.logigear.com/blog/test-automation/15-best-practices-for-building-an-awesome-protractor-framework/</a:t>
             </a:r>
             <a:endParaRPr lang="en-US" dirty="0"/>
           </a:p>
@@ -7697,10 +8727,17 @@
   <p:clrMapOvr>
     <a:masterClrMapping/>
   </p:clrMapOvr>
+  <p:timing>
+    <p:tnLst>
+      <p:par>
+        <p:cTn id="1" dur="indefinite" restart="never" nodeType="tmRoot"/>
+      </p:par>
+    </p:tnLst>
+  </p:timing>
 </p:sld>
 </file>
 
-<file path=ppt/slides/slide22.xml><?xml version="1.0" encoding="utf-8"?>
+<file path=ppt/slides/slide26.xml><?xml version="1.0" encoding="utf-8"?>
 <p:sld xmlns:a="http://schemas.openxmlformats.org/drawingml/2006/main" xmlns:r="http://schemas.openxmlformats.org/officeDocument/2006/relationships" xmlns:p="http://schemas.openxmlformats.org/presentationml/2006/main">
   <p:cSld>
     <p:spTree>
@@ -8092,10 +9129,17 @@
   <p:clrMapOvr>
     <a:masterClrMapping/>
   </p:clrMapOvr>
+  <p:timing>
+    <p:tnLst>
+      <p:par>
+        <p:cTn id="1" dur="indefinite" restart="never" nodeType="tmRoot"/>
+      </p:par>
+    </p:tnLst>
+  </p:timing>
 </p:sld>
 </file>
 
-<file path=ppt/slides/slide23.xml><?xml version="1.0" encoding="utf-8"?>
+<file path=ppt/slides/slide27.xml><?xml version="1.0" encoding="utf-8"?>
 <p:sld xmlns:a="http://schemas.openxmlformats.org/drawingml/2006/main" xmlns:r="http://schemas.openxmlformats.org/officeDocument/2006/relationships" xmlns:p="http://schemas.openxmlformats.org/presentationml/2006/main">
   <p:cSld>
     <p:spTree>
@@ -8512,16 +9556,16 @@
           <a:lstStyle/>
           <a:p>
             <a:r>
+              <a:rPr lang="en-US" dirty="0" smtClean="0">
+                <a:sym typeface="+mn-ea"/>
+              </a:rPr>
+              <a:t>Synchronous and </a:t>
+            </a:r>
+            <a:r>
               <a:rPr lang="en-US" dirty="0">
                 <a:sym typeface="+mn-ea"/>
               </a:rPr>
-              <a:t>Sync and </a:t>
-            </a:r>
-            <a:r>
-              <a:rPr lang="en-US" dirty="0" err="1">
-                <a:sym typeface="+mn-ea"/>
-              </a:rPr>
-              <a:t>Async</a:t>
+              <a:t>Asynchronous</a:t>
             </a:r>
             <a:endParaRPr lang="en-US" dirty="0"/>
           </a:p>
@@ -8535,6 +9579,11 @@
           </p:cNvGraphicFramePr>
           <p:nvPr>
             <p:ph idx="1"/>
+            <p:extLst>
+              <p:ext uri="{D42A27DB-BD31-4B8C-83A1-F6EECF244321}">
+                <p14:modId xmlns:p14="http://schemas.microsoft.com/office/powerpoint/2010/main" val="1685616619"/>
+              </p:ext>
+            </p:extLst>
           </p:nvPr>
         </p:nvGraphicFramePr>
         <p:xfrm>
@@ -8561,9 +9610,12 @@
                         <a:buNone/>
                       </a:pPr>
                       <a:r>
-                        <a:rPr lang="en-US" altLang="en-US" sz="2000" dirty="0"/>
-                        <a:t>Sync</a:t>
-                      </a:r>
+                        <a:rPr lang="en-US" sz="2000" dirty="0" smtClean="0">
+                          <a:sym typeface="+mn-ea"/>
+                        </a:rPr>
+                        <a:t>Synchronous </a:t>
+                      </a:r>
+                      <a:endParaRPr lang="en-US" altLang="en-US" sz="2000" dirty="0"/>
                     </a:p>
                   </a:txBody>
                   <a:tcPr/>
@@ -8577,9 +9629,10 @@
                         <a:buNone/>
                       </a:pPr>
                       <a:r>
-                        <a:rPr lang="en-US" altLang="en-US" sz="2000"/>
-                        <a:t>Async</a:t>
-                      </a:r>
+                        <a:rPr lang="en-US" altLang="en-US" sz="2000" dirty="0" smtClean="0"/>
+                        <a:t>Asynchronous</a:t>
+                      </a:r>
+                      <a:endParaRPr lang="en-US" altLang="en-US" sz="2000" dirty="0"/>
                     </a:p>
                   </a:txBody>
                   <a:tcPr/>
@@ -8732,6 +9785,13 @@
   <p:clrMapOvr>
     <a:masterClrMapping/>
   </p:clrMapOvr>
+  <p:timing>
+    <p:tnLst>
+      <p:par>
+        <p:cTn id="1" dur="indefinite" restart="never" nodeType="tmRoot"/>
+      </p:par>
+    </p:tnLst>
+  </p:timing>
 </p:sld>
 </file>
 
@@ -9044,23 +10104,7 @@
             </a:r>
             <a:r>
               <a:rPr lang="en-US" dirty="0" smtClean="0"/>
-              <a:t> </a:t>
-            </a:r>
-            <a:r>
-              <a:rPr lang="en-US" dirty="0" smtClean="0"/>
-              <a:t>with backend </a:t>
-            </a:r>
-            <a:r>
-              <a:rPr lang="en-US" dirty="0" smtClean="0"/>
-              <a:t>API</a:t>
-            </a:r>
-            <a:r>
-              <a:rPr lang="en-US" dirty="0" smtClean="0"/>
-              <a:t>s </a:t>
-            </a:r>
-            <a:r>
-              <a:rPr lang="en-US" dirty="0" smtClean="0"/>
-              <a:t>for server, database …</a:t>
+              <a:t> with backend APIs for server, database …</a:t>
             </a:r>
           </a:p>
           <a:p>
@@ -9305,11 +10349,7 @@
             </a:pPr>
             <a:r>
               <a:rPr lang="en-US" dirty="0" smtClean="0"/>
-              <a:t>Types are free documentation that increase understanding and improve developer's </a:t>
-            </a:r>
-            <a:r>
-              <a:rPr lang="en-US" dirty="0" smtClean="0"/>
-              <a:t>productivity</a:t>
+              <a:t>Types are free documentation that increase understanding and improve developer's productivity</a:t>
             </a:r>
             <a:endParaRPr lang="en-US" dirty="0">
               <a:latin typeface="Century" panose="02040604050505020304" pitchFamily="18" charset="0"/>
@@ -9332,17 +10372,8 @@
             </a:pPr>
             <a:r>
               <a:rPr lang="en-US" dirty="0" smtClean="0"/>
-              <a:t>Increase </a:t>
-            </a:r>
-            <a:r>
-              <a:rPr lang="en-US" dirty="0" smtClean="0"/>
-              <a:t>self-documented </a:t>
-            </a:r>
-            <a:r>
-              <a:rPr lang="en-US" dirty="0" smtClean="0"/>
-              <a:t>code</a:t>
-            </a:r>
-            <a:endParaRPr lang="en-US" dirty="0" smtClean="0"/>
+              <a:t>Increase self-documented code</a:t>
+            </a:r>
           </a:p>
         </p:txBody>
       </p:sp>
